--- a/presentation.pptx
+++ b/presentation.pptx
@@ -4,14 +4,29 @@
   <p:sldMasterIdLst>
     <p:sldMasterId id="2147483660" r:id="rId1"/>
   </p:sldMasterIdLst>
+  <p:notesMasterIdLst>
+    <p:notesMasterId r:id="rId21"/>
+  </p:notesMasterIdLst>
   <p:sldIdLst>
     <p:sldId id="256" r:id="rId2"/>
     <p:sldId id="257" r:id="rId3"/>
     <p:sldId id="283" r:id="rId4"/>
-    <p:sldId id="284" r:id="rId5"/>
-    <p:sldId id="268" r:id="rId6"/>
-    <p:sldId id="270" r:id="rId7"/>
-    <p:sldId id="285" r:id="rId8"/>
+    <p:sldId id="297" r:id="rId5"/>
+    <p:sldId id="284" r:id="rId6"/>
+    <p:sldId id="268" r:id="rId7"/>
+    <p:sldId id="287" r:id="rId8"/>
+    <p:sldId id="298" r:id="rId9"/>
+    <p:sldId id="293" r:id="rId10"/>
+    <p:sldId id="288" r:id="rId11"/>
+    <p:sldId id="289" r:id="rId12"/>
+    <p:sldId id="290" r:id="rId13"/>
+    <p:sldId id="291" r:id="rId14"/>
+    <p:sldId id="270" r:id="rId15"/>
+    <p:sldId id="292" r:id="rId16"/>
+    <p:sldId id="285" r:id="rId17"/>
+    <p:sldId id="294" r:id="rId18"/>
+    <p:sldId id="295" r:id="rId19"/>
+    <p:sldId id="296" r:id="rId20"/>
   </p:sldIdLst>
   <p:sldSz cx="12192000" cy="6858000"/>
   <p:notesSz cx="7010400" cy="9296400"/>
@@ -118,22 +133,38 @@
             <p14:sldId id="256"/>
             <p14:sldId id="257"/>
             <p14:sldId id="283"/>
+            <p14:sldId id="297"/>
             <p14:sldId id="284"/>
           </p14:sldIdLst>
         </p14:section>
         <p14:section name="Phase One" id="{73FBD3E8-E2EB-433B-9092-57E19CD3915A}">
           <p14:sldIdLst>
             <p14:sldId id="268"/>
+            <p14:sldId id="287"/>
+            <p14:sldId id="298"/>
+            <p14:sldId id="293"/>
+            <p14:sldId id="288"/>
+            <p14:sldId id="289"/>
+            <p14:sldId id="290"/>
+            <p14:sldId id="291"/>
           </p14:sldIdLst>
         </p14:section>
         <p14:section name="Phase Two" id="{0D8F3455-BA77-4F26-9B5E-DFEE74F49937}">
           <p14:sldIdLst>
             <p14:sldId id="270"/>
+            <p14:sldId id="292"/>
           </p14:sldIdLst>
         </p14:section>
         <p14:section name="Phase Three" id="{3CAB7255-7660-46F2-BE7A-D1A02E6768A0}">
           <p14:sldIdLst>
             <p14:sldId id="285"/>
+            <p14:sldId id="294"/>
+          </p14:sldIdLst>
+        </p14:section>
+        <p14:section name="Next Steps" id="{FE611F16-C7B8-4C53-B1F6-FEDA790D3372}">
+          <p14:sldIdLst>
+            <p14:sldId id="295"/>
+            <p14:sldId id="296"/>
           </p14:sldIdLst>
         </p14:section>
       </p14:sectionLst>
@@ -143,6 +174,4467 @@
     </p:ext>
   </p:extLst>
 </p:presentation>
+</file>
+
+<file path=ppt/charts/chart1.xml><?xml version="1.0" encoding="utf-8"?>
+<c:chartSpace xmlns:c="http://schemas.openxmlformats.org/drawingml/2006/chart" xmlns:a="http://schemas.openxmlformats.org/drawingml/2006/main" xmlns:r="http://schemas.openxmlformats.org/officeDocument/2006/relationships" xmlns:c16r2="http://schemas.microsoft.com/office/drawing/2015/06/chart">
+  <c:date1904 val="0"/>
+  <c:lang val="en-US"/>
+  <c:roundedCorners val="0"/>
+  <mc:AlternateContent xmlns:mc="http://schemas.openxmlformats.org/markup-compatibility/2006">
+    <mc:Choice xmlns:c14="http://schemas.microsoft.com/office/drawing/2007/8/2/chart" Requires="c14">
+      <c14:style val="102"/>
+    </mc:Choice>
+    <mc:Fallback>
+      <c:style val="2"/>
+    </mc:Fallback>
+  </mc:AlternateContent>
+  <c:chart>
+    <c:title>
+      <c:tx>
+        <c:rich>
+          <a:bodyPr rot="0" spcFirstLastPara="1" vertOverflow="ellipsis" vert="horz" wrap="square" anchor="ctr" anchorCtr="1"/>
+          <a:lstStyle/>
+          <a:p>
+            <a:pPr>
+              <a:defRPr sz="1862" b="0" i="0" u="none" strike="noStrike" kern="1200" spc="0" baseline="0">
+                <a:solidFill>
+                  <a:schemeClr val="tx1">
+                    <a:lumMod val="65000"/>
+                    <a:lumOff val="35000"/>
+                  </a:schemeClr>
+                </a:solidFill>
+                <a:latin typeface="+mn-lt"/>
+                <a:ea typeface="+mn-ea"/>
+                <a:cs typeface="+mn-cs"/>
+              </a:defRPr>
+            </a:pPr>
+            <a:r>
+              <a:rPr lang="en-US" dirty="0"/>
+              <a:t>Monitor</a:t>
+            </a:r>
+          </a:p>
+        </c:rich>
+      </c:tx>
+      <c:layout/>
+      <c:overlay val="0"/>
+      <c:spPr>
+        <a:noFill/>
+        <a:ln>
+          <a:noFill/>
+        </a:ln>
+        <a:effectLst/>
+      </c:spPr>
+      <c:txPr>
+        <a:bodyPr rot="0" spcFirstLastPara="1" vertOverflow="ellipsis" vert="horz" wrap="square" anchor="ctr" anchorCtr="1"/>
+        <a:lstStyle/>
+        <a:p>
+          <a:pPr>
+            <a:defRPr sz="1862" b="0" i="0" u="none" strike="noStrike" kern="1200" spc="0" baseline="0">
+              <a:solidFill>
+                <a:schemeClr val="tx1">
+                  <a:lumMod val="65000"/>
+                  <a:lumOff val="35000"/>
+                </a:schemeClr>
+              </a:solidFill>
+              <a:latin typeface="+mn-lt"/>
+              <a:ea typeface="+mn-ea"/>
+              <a:cs typeface="+mn-cs"/>
+            </a:defRPr>
+          </a:pPr>
+          <a:endParaRPr lang="en-US"/>
+        </a:p>
+      </c:txPr>
+    </c:title>
+    <c:autoTitleDeleted val="0"/>
+    <c:plotArea>
+      <c:layout/>
+      <c:barChart>
+        <c:barDir val="col"/>
+        <c:grouping val="clustered"/>
+        <c:varyColors val="0"/>
+        <c:ser>
+          <c:idx val="0"/>
+          <c:order val="0"/>
+          <c:tx>
+            <c:strRef>
+              <c:f>Sheet1!$B$1</c:f>
+              <c:strCache>
+                <c:ptCount val="1"/>
+                <c:pt idx="0">
+                  <c:v>CPU</c:v>
+                </c:pt>
+              </c:strCache>
+            </c:strRef>
+          </c:tx>
+          <c:spPr>
+            <a:solidFill>
+              <a:schemeClr val="accent1"/>
+            </a:solidFill>
+            <a:ln>
+              <a:noFill/>
+            </a:ln>
+            <a:effectLst/>
+          </c:spPr>
+          <c:invertIfNegative val="0"/>
+          <c:cat>
+            <c:strRef>
+              <c:f>Sheet1!$A$2:$A$5</c:f>
+              <c:strCache>
+                <c:ptCount val="4"/>
+                <c:pt idx="0">
+                  <c:v>Category 1</c:v>
+                </c:pt>
+                <c:pt idx="1">
+                  <c:v>Category 2</c:v>
+                </c:pt>
+                <c:pt idx="2">
+                  <c:v>Category 3</c:v>
+                </c:pt>
+                <c:pt idx="3">
+                  <c:v>Category 4</c:v>
+                </c:pt>
+              </c:strCache>
+            </c:strRef>
+          </c:cat>
+          <c:val>
+            <c:numRef>
+              <c:f>Sheet1!$B$2:$B$5</c:f>
+              <c:numCache>
+                <c:formatCode>General</c:formatCode>
+                <c:ptCount val="4"/>
+                <c:pt idx="0">
+                  <c:v>4.3</c:v>
+                </c:pt>
+                <c:pt idx="1">
+                  <c:v>2.5</c:v>
+                </c:pt>
+                <c:pt idx="2">
+                  <c:v>3.5</c:v>
+                </c:pt>
+                <c:pt idx="3">
+                  <c:v>4.5</c:v>
+                </c:pt>
+              </c:numCache>
+            </c:numRef>
+          </c:val>
+          <c:extLst>
+            <c:ext xmlns:c16="http://schemas.microsoft.com/office/drawing/2014/chart" uri="{C3380CC4-5D6E-409C-BE32-E72D297353CC}">
+              <c16:uniqueId val="{00000000-42B0-4710-84FE-B2C114097CC4}"/>
+            </c:ext>
+          </c:extLst>
+        </c:ser>
+        <c:ser>
+          <c:idx val="1"/>
+          <c:order val="1"/>
+          <c:tx>
+            <c:strRef>
+              <c:f>Sheet1!$C$1</c:f>
+              <c:strCache>
+                <c:ptCount val="1"/>
+                <c:pt idx="0">
+                  <c:v>Memory</c:v>
+                </c:pt>
+              </c:strCache>
+            </c:strRef>
+          </c:tx>
+          <c:spPr>
+            <a:solidFill>
+              <a:schemeClr val="accent2"/>
+            </a:solidFill>
+            <a:ln>
+              <a:noFill/>
+            </a:ln>
+            <a:effectLst/>
+          </c:spPr>
+          <c:invertIfNegative val="0"/>
+          <c:cat>
+            <c:strRef>
+              <c:f>Sheet1!$A$2:$A$5</c:f>
+              <c:strCache>
+                <c:ptCount val="4"/>
+                <c:pt idx="0">
+                  <c:v>Category 1</c:v>
+                </c:pt>
+                <c:pt idx="1">
+                  <c:v>Category 2</c:v>
+                </c:pt>
+                <c:pt idx="2">
+                  <c:v>Category 3</c:v>
+                </c:pt>
+                <c:pt idx="3">
+                  <c:v>Category 4</c:v>
+                </c:pt>
+              </c:strCache>
+            </c:strRef>
+          </c:cat>
+          <c:val>
+            <c:numRef>
+              <c:f>Sheet1!$C$2:$C$5</c:f>
+              <c:numCache>
+                <c:formatCode>General</c:formatCode>
+                <c:ptCount val="4"/>
+                <c:pt idx="0">
+                  <c:v>2.4</c:v>
+                </c:pt>
+                <c:pt idx="1">
+                  <c:v>4.4000000000000004</c:v>
+                </c:pt>
+                <c:pt idx="2">
+                  <c:v>1.8</c:v>
+                </c:pt>
+                <c:pt idx="3">
+                  <c:v>2.8</c:v>
+                </c:pt>
+              </c:numCache>
+            </c:numRef>
+          </c:val>
+          <c:extLst>
+            <c:ext xmlns:c16="http://schemas.microsoft.com/office/drawing/2014/chart" uri="{C3380CC4-5D6E-409C-BE32-E72D297353CC}">
+              <c16:uniqueId val="{00000001-42B0-4710-84FE-B2C114097CC4}"/>
+            </c:ext>
+          </c:extLst>
+        </c:ser>
+        <c:ser>
+          <c:idx val="2"/>
+          <c:order val="2"/>
+          <c:tx>
+            <c:strRef>
+              <c:f>Sheet1!$D$1</c:f>
+              <c:strCache>
+                <c:ptCount val="1"/>
+                <c:pt idx="0">
+                  <c:v>Disk</c:v>
+                </c:pt>
+              </c:strCache>
+            </c:strRef>
+          </c:tx>
+          <c:spPr>
+            <a:solidFill>
+              <a:schemeClr val="accent3"/>
+            </a:solidFill>
+            <a:ln>
+              <a:noFill/>
+            </a:ln>
+            <a:effectLst/>
+          </c:spPr>
+          <c:invertIfNegative val="0"/>
+          <c:cat>
+            <c:strRef>
+              <c:f>Sheet1!$A$2:$A$5</c:f>
+              <c:strCache>
+                <c:ptCount val="4"/>
+                <c:pt idx="0">
+                  <c:v>Category 1</c:v>
+                </c:pt>
+                <c:pt idx="1">
+                  <c:v>Category 2</c:v>
+                </c:pt>
+                <c:pt idx="2">
+                  <c:v>Category 3</c:v>
+                </c:pt>
+                <c:pt idx="3">
+                  <c:v>Category 4</c:v>
+                </c:pt>
+              </c:strCache>
+            </c:strRef>
+          </c:cat>
+          <c:val>
+            <c:numRef>
+              <c:f>Sheet1!$D$2:$D$5</c:f>
+              <c:numCache>
+                <c:formatCode>General</c:formatCode>
+                <c:ptCount val="4"/>
+                <c:pt idx="0">
+                  <c:v>2</c:v>
+                </c:pt>
+                <c:pt idx="1">
+                  <c:v>2</c:v>
+                </c:pt>
+                <c:pt idx="2">
+                  <c:v>3</c:v>
+                </c:pt>
+                <c:pt idx="3">
+                  <c:v>5</c:v>
+                </c:pt>
+              </c:numCache>
+            </c:numRef>
+          </c:val>
+          <c:extLst>
+            <c:ext xmlns:c16="http://schemas.microsoft.com/office/drawing/2014/chart" uri="{C3380CC4-5D6E-409C-BE32-E72D297353CC}">
+              <c16:uniqueId val="{00000002-42B0-4710-84FE-B2C114097CC4}"/>
+            </c:ext>
+          </c:extLst>
+        </c:ser>
+        <c:dLbls>
+          <c:showLegendKey val="0"/>
+          <c:showVal val="0"/>
+          <c:showCatName val="0"/>
+          <c:showSerName val="0"/>
+          <c:showPercent val="0"/>
+          <c:showBubbleSize val="0"/>
+        </c:dLbls>
+        <c:gapWidth val="219"/>
+        <c:overlap val="-27"/>
+        <c:axId val="1176702800"/>
+        <c:axId val="1176699192"/>
+      </c:barChart>
+      <c:catAx>
+        <c:axId val="1176702800"/>
+        <c:scaling>
+          <c:orientation val="minMax"/>
+        </c:scaling>
+        <c:delete val="0"/>
+        <c:axPos val="b"/>
+        <c:numFmt formatCode="General" sourceLinked="1"/>
+        <c:majorTickMark val="none"/>
+        <c:minorTickMark val="none"/>
+        <c:tickLblPos val="nextTo"/>
+        <c:spPr>
+          <a:noFill/>
+          <a:ln w="9525" cap="flat" cmpd="sng" algn="ctr">
+            <a:solidFill>
+              <a:schemeClr val="tx1">
+                <a:lumMod val="15000"/>
+                <a:lumOff val="85000"/>
+              </a:schemeClr>
+            </a:solidFill>
+            <a:round/>
+          </a:ln>
+          <a:effectLst/>
+        </c:spPr>
+        <c:txPr>
+          <a:bodyPr rot="-60000000" spcFirstLastPara="1" vertOverflow="ellipsis" vert="horz" wrap="square" anchor="ctr" anchorCtr="1"/>
+          <a:lstStyle/>
+          <a:p>
+            <a:pPr>
+              <a:defRPr sz="1197" b="0" i="0" u="none" strike="noStrike" kern="1200" baseline="0">
+                <a:solidFill>
+                  <a:schemeClr val="tx1">
+                    <a:lumMod val="65000"/>
+                    <a:lumOff val="35000"/>
+                  </a:schemeClr>
+                </a:solidFill>
+                <a:latin typeface="+mn-lt"/>
+                <a:ea typeface="+mn-ea"/>
+                <a:cs typeface="+mn-cs"/>
+              </a:defRPr>
+            </a:pPr>
+            <a:endParaRPr lang="en-US"/>
+          </a:p>
+        </c:txPr>
+        <c:crossAx val="1176699192"/>
+        <c:crosses val="autoZero"/>
+        <c:auto val="1"/>
+        <c:lblAlgn val="ctr"/>
+        <c:lblOffset val="100"/>
+        <c:noMultiLvlLbl val="0"/>
+      </c:catAx>
+      <c:valAx>
+        <c:axId val="1176699192"/>
+        <c:scaling>
+          <c:orientation val="minMax"/>
+        </c:scaling>
+        <c:delete val="0"/>
+        <c:axPos val="l"/>
+        <c:majorGridlines>
+          <c:spPr>
+            <a:ln w="9525" cap="flat" cmpd="sng" algn="ctr">
+              <a:solidFill>
+                <a:schemeClr val="tx1">
+                  <a:lumMod val="15000"/>
+                  <a:lumOff val="85000"/>
+                </a:schemeClr>
+              </a:solidFill>
+              <a:round/>
+            </a:ln>
+            <a:effectLst/>
+          </c:spPr>
+        </c:majorGridlines>
+        <c:numFmt formatCode="General" sourceLinked="1"/>
+        <c:majorTickMark val="none"/>
+        <c:minorTickMark val="none"/>
+        <c:tickLblPos val="nextTo"/>
+        <c:spPr>
+          <a:noFill/>
+          <a:ln>
+            <a:noFill/>
+          </a:ln>
+          <a:effectLst/>
+        </c:spPr>
+        <c:txPr>
+          <a:bodyPr rot="-60000000" spcFirstLastPara="1" vertOverflow="ellipsis" vert="horz" wrap="square" anchor="ctr" anchorCtr="1"/>
+          <a:lstStyle/>
+          <a:p>
+            <a:pPr>
+              <a:defRPr sz="1197" b="0" i="0" u="none" strike="noStrike" kern="1200" baseline="0">
+                <a:solidFill>
+                  <a:schemeClr val="tx1">
+                    <a:lumMod val="65000"/>
+                    <a:lumOff val="35000"/>
+                  </a:schemeClr>
+                </a:solidFill>
+                <a:latin typeface="+mn-lt"/>
+                <a:ea typeface="+mn-ea"/>
+                <a:cs typeface="+mn-cs"/>
+              </a:defRPr>
+            </a:pPr>
+            <a:endParaRPr lang="en-US"/>
+          </a:p>
+        </c:txPr>
+        <c:crossAx val="1176702800"/>
+        <c:crosses val="autoZero"/>
+        <c:crossBetween val="between"/>
+      </c:valAx>
+      <c:spPr>
+        <a:noFill/>
+        <a:ln>
+          <a:noFill/>
+        </a:ln>
+        <a:effectLst/>
+      </c:spPr>
+    </c:plotArea>
+    <c:legend>
+      <c:legendPos val="b"/>
+      <c:layout/>
+      <c:overlay val="0"/>
+      <c:spPr>
+        <a:noFill/>
+        <a:ln>
+          <a:noFill/>
+        </a:ln>
+        <a:effectLst/>
+      </c:spPr>
+      <c:txPr>
+        <a:bodyPr rot="0" spcFirstLastPara="1" vertOverflow="ellipsis" vert="horz" wrap="square" anchor="ctr" anchorCtr="1"/>
+        <a:lstStyle/>
+        <a:p>
+          <a:pPr>
+            <a:defRPr sz="1197" b="0" i="0" u="none" strike="noStrike" kern="1200" baseline="0">
+              <a:solidFill>
+                <a:schemeClr val="tx1">
+                  <a:lumMod val="65000"/>
+                  <a:lumOff val="35000"/>
+                </a:schemeClr>
+              </a:solidFill>
+              <a:latin typeface="+mn-lt"/>
+              <a:ea typeface="+mn-ea"/>
+              <a:cs typeface="+mn-cs"/>
+            </a:defRPr>
+          </a:pPr>
+          <a:endParaRPr lang="en-US"/>
+        </a:p>
+      </c:txPr>
+    </c:legend>
+    <c:plotVisOnly val="1"/>
+    <c:dispBlanksAs val="gap"/>
+    <c:showDLblsOverMax val="0"/>
+    <c:extLst>
+      <c:ext xmlns:c16r3="http://schemas.microsoft.com/office/drawing/2017/03/chart" uri="{56B9EC1D-385E-4148-901F-78D8002777C0}">
+        <c16r3:dataDisplayOptions16>
+          <c16r3:dispNaAsBlank val="1"/>
+        </c16r3:dataDisplayOptions16>
+      </c:ext>
+    </c:extLst>
+  </c:chart>
+  <c:spPr>
+    <a:noFill/>
+    <a:ln>
+      <a:noFill/>
+    </a:ln>
+    <a:effectLst/>
+  </c:spPr>
+  <c:txPr>
+    <a:bodyPr/>
+    <a:lstStyle/>
+    <a:p>
+      <a:pPr>
+        <a:defRPr/>
+      </a:pPr>
+      <a:endParaRPr lang="en-US"/>
+    </a:p>
+  </c:txPr>
+  <c:externalData r:id="rId3">
+    <c:autoUpdate val="0"/>
+  </c:externalData>
+</c:chartSpace>
+</file>
+
+<file path=ppt/charts/colors1.xml><?xml version="1.0" encoding="utf-8"?>
+<cs:colorStyle xmlns:cs="http://schemas.microsoft.com/office/drawing/2012/chartStyle" xmlns:a="http://schemas.openxmlformats.org/drawingml/2006/main" meth="cycle" id="10">
+  <a:schemeClr val="accent1"/>
+  <a:schemeClr val="accent2"/>
+  <a:schemeClr val="accent3"/>
+  <a:schemeClr val="accent4"/>
+  <a:schemeClr val="accent5"/>
+  <a:schemeClr val="accent6"/>
+  <cs:variation/>
+  <cs:variation>
+    <a:lumMod val="60000"/>
+  </cs:variation>
+  <cs:variation>
+    <a:lumMod val="80000"/>
+    <a:lumOff val="20000"/>
+  </cs:variation>
+  <cs:variation>
+    <a:lumMod val="80000"/>
+  </cs:variation>
+  <cs:variation>
+    <a:lumMod val="60000"/>
+    <a:lumOff val="40000"/>
+  </cs:variation>
+  <cs:variation>
+    <a:lumMod val="50000"/>
+  </cs:variation>
+  <cs:variation>
+    <a:lumMod val="70000"/>
+    <a:lumOff val="30000"/>
+  </cs:variation>
+  <cs:variation>
+    <a:lumMod val="70000"/>
+  </cs:variation>
+  <cs:variation>
+    <a:lumMod val="50000"/>
+    <a:lumOff val="50000"/>
+  </cs:variation>
+</cs:colorStyle>
+</file>
+
+<file path=ppt/charts/style1.xml><?xml version="1.0" encoding="utf-8"?>
+<cs:chartStyle xmlns:cs="http://schemas.microsoft.com/office/drawing/2012/chartStyle" xmlns:a="http://schemas.openxmlformats.org/drawingml/2006/main" id="201">
+  <cs:axisTitle>
+    <cs:lnRef idx="0"/>
+    <cs:fillRef idx="0"/>
+    <cs:effectRef idx="0"/>
+    <cs:fontRef idx="minor">
+      <a:schemeClr val="tx1">
+        <a:lumMod val="65000"/>
+        <a:lumOff val="35000"/>
+      </a:schemeClr>
+    </cs:fontRef>
+    <cs:defRPr sz="1330" kern="1200"/>
+  </cs:axisTitle>
+  <cs:categoryAxis>
+    <cs:lnRef idx="0"/>
+    <cs:fillRef idx="0"/>
+    <cs:effectRef idx="0"/>
+    <cs:fontRef idx="minor">
+      <a:schemeClr val="tx1">
+        <a:lumMod val="65000"/>
+        <a:lumOff val="35000"/>
+      </a:schemeClr>
+    </cs:fontRef>
+    <cs:spPr>
+      <a:ln w="9525" cap="flat" cmpd="sng" algn="ctr">
+        <a:solidFill>
+          <a:schemeClr val="tx1">
+            <a:lumMod val="15000"/>
+            <a:lumOff val="85000"/>
+          </a:schemeClr>
+        </a:solidFill>
+        <a:round/>
+      </a:ln>
+    </cs:spPr>
+    <cs:defRPr sz="1197" kern="1200"/>
+  </cs:categoryAxis>
+  <cs:chartArea mods="allowNoFillOverride allowNoLineOverride">
+    <cs:lnRef idx="0"/>
+    <cs:fillRef idx="0"/>
+    <cs:effectRef idx="0"/>
+    <cs:fontRef idx="minor">
+      <a:schemeClr val="tx1"/>
+    </cs:fontRef>
+    <cs:spPr>
+      <a:solidFill>
+        <a:schemeClr val="bg1"/>
+      </a:solidFill>
+      <a:ln w="9525" cap="flat" cmpd="sng" algn="ctr">
+        <a:solidFill>
+          <a:schemeClr val="tx1">
+            <a:lumMod val="15000"/>
+            <a:lumOff val="85000"/>
+          </a:schemeClr>
+        </a:solidFill>
+        <a:round/>
+      </a:ln>
+    </cs:spPr>
+    <cs:defRPr sz="1330" kern="1200"/>
+  </cs:chartArea>
+  <cs:dataLabel>
+    <cs:lnRef idx="0"/>
+    <cs:fillRef idx="0"/>
+    <cs:effectRef idx="0"/>
+    <cs:fontRef idx="minor">
+      <a:schemeClr val="tx1">
+        <a:lumMod val="75000"/>
+        <a:lumOff val="25000"/>
+      </a:schemeClr>
+    </cs:fontRef>
+    <cs:defRPr sz="1197" kern="1200"/>
+  </cs:dataLabel>
+  <cs:dataLabelCallout>
+    <cs:lnRef idx="0"/>
+    <cs:fillRef idx="0"/>
+    <cs:effectRef idx="0"/>
+    <cs:fontRef idx="minor">
+      <a:schemeClr val="dk1">
+        <a:lumMod val="65000"/>
+        <a:lumOff val="35000"/>
+      </a:schemeClr>
+    </cs:fontRef>
+    <cs:spPr>
+      <a:solidFill>
+        <a:schemeClr val="lt1"/>
+      </a:solidFill>
+      <a:ln>
+        <a:solidFill>
+          <a:schemeClr val="dk1">
+            <a:lumMod val="25000"/>
+            <a:lumOff val="75000"/>
+          </a:schemeClr>
+        </a:solidFill>
+      </a:ln>
+    </cs:spPr>
+    <cs:defRPr sz="1197" kern="1200"/>
+    <cs:bodyPr rot="0" spcFirstLastPara="1" vertOverflow="clip" horzOverflow="clip" vert="horz" wrap="square" lIns="36576" tIns="18288" rIns="36576" bIns="18288" anchor="ctr" anchorCtr="1">
+      <a:spAutoFit/>
+    </cs:bodyPr>
+  </cs:dataLabelCallout>
+  <cs:dataPoint>
+    <cs:lnRef idx="0"/>
+    <cs:fillRef idx="1">
+      <cs:styleClr val="auto"/>
+    </cs:fillRef>
+    <cs:effectRef idx="0"/>
+    <cs:fontRef idx="minor">
+      <a:schemeClr val="tx1"/>
+    </cs:fontRef>
+  </cs:dataPoint>
+  <cs:dataPoint3D>
+    <cs:lnRef idx="0"/>
+    <cs:fillRef idx="1">
+      <cs:styleClr val="auto"/>
+    </cs:fillRef>
+    <cs:effectRef idx="0"/>
+    <cs:fontRef idx="minor">
+      <a:schemeClr val="tx1"/>
+    </cs:fontRef>
+  </cs:dataPoint3D>
+  <cs:dataPointLine>
+    <cs:lnRef idx="0">
+      <cs:styleClr val="auto"/>
+    </cs:lnRef>
+    <cs:fillRef idx="1"/>
+    <cs:effectRef idx="0"/>
+    <cs:fontRef idx="minor">
+      <a:schemeClr val="tx1"/>
+    </cs:fontRef>
+    <cs:spPr>
+      <a:ln w="28575" cap="rnd">
+        <a:solidFill>
+          <a:schemeClr val="phClr"/>
+        </a:solidFill>
+        <a:round/>
+      </a:ln>
+    </cs:spPr>
+  </cs:dataPointLine>
+  <cs:dataPointMarker>
+    <cs:lnRef idx="0">
+      <cs:styleClr val="auto"/>
+    </cs:lnRef>
+    <cs:fillRef idx="1">
+      <cs:styleClr val="auto"/>
+    </cs:fillRef>
+    <cs:effectRef idx="0"/>
+    <cs:fontRef idx="minor">
+      <a:schemeClr val="tx1"/>
+    </cs:fontRef>
+    <cs:spPr>
+      <a:ln w="9525">
+        <a:solidFill>
+          <a:schemeClr val="phClr"/>
+        </a:solidFill>
+      </a:ln>
+    </cs:spPr>
+  </cs:dataPointMarker>
+  <cs:dataPointMarkerLayout symbol="circle" size="5"/>
+  <cs:dataPointWireframe>
+    <cs:lnRef idx="0">
+      <cs:styleClr val="auto"/>
+    </cs:lnRef>
+    <cs:fillRef idx="1"/>
+    <cs:effectRef idx="0"/>
+    <cs:fontRef idx="minor">
+      <a:schemeClr val="tx1"/>
+    </cs:fontRef>
+    <cs:spPr>
+      <a:ln w="9525" cap="rnd">
+        <a:solidFill>
+          <a:schemeClr val="phClr"/>
+        </a:solidFill>
+        <a:round/>
+      </a:ln>
+    </cs:spPr>
+  </cs:dataPointWireframe>
+  <cs:dataTable>
+    <cs:lnRef idx="0"/>
+    <cs:fillRef idx="0"/>
+    <cs:effectRef idx="0"/>
+    <cs:fontRef idx="minor">
+      <a:schemeClr val="tx1">
+        <a:lumMod val="65000"/>
+        <a:lumOff val="35000"/>
+      </a:schemeClr>
+    </cs:fontRef>
+    <cs:spPr>
+      <a:noFill/>
+      <a:ln w="9525" cap="flat" cmpd="sng" algn="ctr">
+        <a:solidFill>
+          <a:schemeClr val="tx1">
+            <a:lumMod val="15000"/>
+            <a:lumOff val="85000"/>
+          </a:schemeClr>
+        </a:solidFill>
+        <a:round/>
+      </a:ln>
+    </cs:spPr>
+    <cs:defRPr sz="1197" kern="1200"/>
+  </cs:dataTable>
+  <cs:downBar>
+    <cs:lnRef idx="0"/>
+    <cs:fillRef idx="0"/>
+    <cs:effectRef idx="0"/>
+    <cs:fontRef idx="minor">
+      <a:schemeClr val="dk1"/>
+    </cs:fontRef>
+    <cs:spPr>
+      <a:solidFill>
+        <a:schemeClr val="dk1">
+          <a:lumMod val="65000"/>
+          <a:lumOff val="35000"/>
+        </a:schemeClr>
+      </a:solidFill>
+      <a:ln w="9525">
+        <a:solidFill>
+          <a:schemeClr val="tx1">
+            <a:lumMod val="65000"/>
+            <a:lumOff val="35000"/>
+          </a:schemeClr>
+        </a:solidFill>
+      </a:ln>
+    </cs:spPr>
+  </cs:downBar>
+  <cs:dropLine>
+    <cs:lnRef idx="0"/>
+    <cs:fillRef idx="0"/>
+    <cs:effectRef idx="0"/>
+    <cs:fontRef idx="minor">
+      <a:schemeClr val="tx1"/>
+    </cs:fontRef>
+    <cs:spPr>
+      <a:ln w="9525" cap="flat" cmpd="sng" algn="ctr">
+        <a:solidFill>
+          <a:schemeClr val="tx1">
+            <a:lumMod val="35000"/>
+            <a:lumOff val="65000"/>
+          </a:schemeClr>
+        </a:solidFill>
+        <a:round/>
+      </a:ln>
+    </cs:spPr>
+  </cs:dropLine>
+  <cs:errorBar>
+    <cs:lnRef idx="0"/>
+    <cs:fillRef idx="0"/>
+    <cs:effectRef idx="0"/>
+    <cs:fontRef idx="minor">
+      <a:schemeClr val="tx1"/>
+    </cs:fontRef>
+    <cs:spPr>
+      <a:ln w="9525" cap="flat" cmpd="sng" algn="ctr">
+        <a:solidFill>
+          <a:schemeClr val="tx1">
+            <a:lumMod val="65000"/>
+            <a:lumOff val="35000"/>
+          </a:schemeClr>
+        </a:solidFill>
+        <a:round/>
+      </a:ln>
+    </cs:spPr>
+  </cs:errorBar>
+  <cs:floor>
+    <cs:lnRef idx="0"/>
+    <cs:fillRef idx="0"/>
+    <cs:effectRef idx="0"/>
+    <cs:fontRef idx="minor">
+      <a:schemeClr val="tx1"/>
+    </cs:fontRef>
+    <cs:spPr>
+      <a:noFill/>
+      <a:ln>
+        <a:noFill/>
+      </a:ln>
+    </cs:spPr>
+  </cs:floor>
+  <cs:gridlineMajor>
+    <cs:lnRef idx="0"/>
+    <cs:fillRef idx="0"/>
+    <cs:effectRef idx="0"/>
+    <cs:fontRef idx="minor">
+      <a:schemeClr val="tx1"/>
+    </cs:fontRef>
+    <cs:spPr>
+      <a:ln w="9525" cap="flat" cmpd="sng" algn="ctr">
+        <a:solidFill>
+          <a:schemeClr val="tx1">
+            <a:lumMod val="15000"/>
+            <a:lumOff val="85000"/>
+          </a:schemeClr>
+        </a:solidFill>
+        <a:round/>
+      </a:ln>
+    </cs:spPr>
+  </cs:gridlineMajor>
+  <cs:gridlineMinor>
+    <cs:lnRef idx="0"/>
+    <cs:fillRef idx="0"/>
+    <cs:effectRef idx="0"/>
+    <cs:fontRef idx="minor">
+      <a:schemeClr val="tx1"/>
+    </cs:fontRef>
+    <cs:spPr>
+      <a:ln w="9525" cap="flat" cmpd="sng" algn="ctr">
+        <a:solidFill>
+          <a:schemeClr val="tx1">
+            <a:lumMod val="5000"/>
+            <a:lumOff val="95000"/>
+          </a:schemeClr>
+        </a:solidFill>
+        <a:round/>
+      </a:ln>
+    </cs:spPr>
+  </cs:gridlineMinor>
+  <cs:hiLoLine>
+    <cs:lnRef idx="0"/>
+    <cs:fillRef idx="0"/>
+    <cs:effectRef idx="0"/>
+    <cs:fontRef idx="minor">
+      <a:schemeClr val="tx1"/>
+    </cs:fontRef>
+    <cs:spPr>
+      <a:ln w="9525" cap="flat" cmpd="sng" algn="ctr">
+        <a:solidFill>
+          <a:schemeClr val="tx1">
+            <a:lumMod val="75000"/>
+            <a:lumOff val="25000"/>
+          </a:schemeClr>
+        </a:solidFill>
+        <a:round/>
+      </a:ln>
+    </cs:spPr>
+  </cs:hiLoLine>
+  <cs:leaderLine>
+    <cs:lnRef idx="0"/>
+    <cs:fillRef idx="0"/>
+    <cs:effectRef idx="0"/>
+    <cs:fontRef idx="minor">
+      <a:schemeClr val="tx1"/>
+    </cs:fontRef>
+    <cs:spPr>
+      <a:ln w="9525" cap="flat" cmpd="sng" algn="ctr">
+        <a:solidFill>
+          <a:schemeClr val="tx1">
+            <a:lumMod val="35000"/>
+            <a:lumOff val="65000"/>
+          </a:schemeClr>
+        </a:solidFill>
+        <a:round/>
+      </a:ln>
+    </cs:spPr>
+  </cs:leaderLine>
+  <cs:legend>
+    <cs:lnRef idx="0"/>
+    <cs:fillRef idx="0"/>
+    <cs:effectRef idx="0"/>
+    <cs:fontRef idx="minor">
+      <a:schemeClr val="tx1">
+        <a:lumMod val="65000"/>
+        <a:lumOff val="35000"/>
+      </a:schemeClr>
+    </cs:fontRef>
+    <cs:defRPr sz="1197" kern="1200"/>
+  </cs:legend>
+  <cs:plotArea mods="allowNoFillOverride allowNoLineOverride">
+    <cs:lnRef idx="0"/>
+    <cs:fillRef idx="0"/>
+    <cs:effectRef idx="0"/>
+    <cs:fontRef idx="minor">
+      <a:schemeClr val="tx1"/>
+    </cs:fontRef>
+  </cs:plotArea>
+  <cs:plotArea3D mods="allowNoFillOverride allowNoLineOverride">
+    <cs:lnRef idx="0"/>
+    <cs:fillRef idx="0"/>
+    <cs:effectRef idx="0"/>
+    <cs:fontRef idx="minor">
+      <a:schemeClr val="tx1"/>
+    </cs:fontRef>
+  </cs:plotArea3D>
+  <cs:seriesAxis>
+    <cs:lnRef idx="0"/>
+    <cs:fillRef idx="0"/>
+    <cs:effectRef idx="0"/>
+    <cs:fontRef idx="minor">
+      <a:schemeClr val="tx1">
+        <a:lumMod val="65000"/>
+        <a:lumOff val="35000"/>
+      </a:schemeClr>
+    </cs:fontRef>
+    <cs:defRPr sz="1197" kern="1200"/>
+  </cs:seriesAxis>
+  <cs:seriesLine>
+    <cs:lnRef idx="0"/>
+    <cs:fillRef idx="0"/>
+    <cs:effectRef idx="0"/>
+    <cs:fontRef idx="minor">
+      <a:schemeClr val="tx1"/>
+    </cs:fontRef>
+    <cs:spPr>
+      <a:ln w="9525" cap="flat" cmpd="sng" algn="ctr">
+        <a:solidFill>
+          <a:schemeClr val="tx1">
+            <a:lumMod val="35000"/>
+            <a:lumOff val="65000"/>
+          </a:schemeClr>
+        </a:solidFill>
+        <a:round/>
+      </a:ln>
+    </cs:spPr>
+  </cs:seriesLine>
+  <cs:title>
+    <cs:lnRef idx="0"/>
+    <cs:fillRef idx="0"/>
+    <cs:effectRef idx="0"/>
+    <cs:fontRef idx="minor">
+      <a:schemeClr val="tx1">
+        <a:lumMod val="65000"/>
+        <a:lumOff val="35000"/>
+      </a:schemeClr>
+    </cs:fontRef>
+    <cs:defRPr sz="1862" b="0" kern="1200" spc="0" baseline="0"/>
+  </cs:title>
+  <cs:trendline>
+    <cs:lnRef idx="0">
+      <cs:styleClr val="auto"/>
+    </cs:lnRef>
+    <cs:fillRef idx="0"/>
+    <cs:effectRef idx="0"/>
+    <cs:fontRef idx="minor">
+      <a:schemeClr val="tx1"/>
+    </cs:fontRef>
+    <cs:spPr>
+      <a:ln w="19050" cap="rnd">
+        <a:solidFill>
+          <a:schemeClr val="phClr"/>
+        </a:solidFill>
+        <a:prstDash val="sysDot"/>
+      </a:ln>
+    </cs:spPr>
+  </cs:trendline>
+  <cs:trendlineLabel>
+    <cs:lnRef idx="0"/>
+    <cs:fillRef idx="0"/>
+    <cs:effectRef idx="0"/>
+    <cs:fontRef idx="minor">
+      <a:schemeClr val="tx1">
+        <a:lumMod val="65000"/>
+        <a:lumOff val="35000"/>
+      </a:schemeClr>
+    </cs:fontRef>
+    <cs:defRPr sz="1197" kern="1200"/>
+  </cs:trendlineLabel>
+  <cs:upBar>
+    <cs:lnRef idx="0"/>
+    <cs:fillRef idx="0"/>
+    <cs:effectRef idx="0"/>
+    <cs:fontRef idx="minor">
+      <a:schemeClr val="dk1"/>
+    </cs:fontRef>
+    <cs:spPr>
+      <a:solidFill>
+        <a:schemeClr val="lt1"/>
+      </a:solidFill>
+      <a:ln w="9525">
+        <a:solidFill>
+          <a:schemeClr val="tx1">
+            <a:lumMod val="15000"/>
+            <a:lumOff val="85000"/>
+          </a:schemeClr>
+        </a:solidFill>
+      </a:ln>
+    </cs:spPr>
+  </cs:upBar>
+  <cs:valueAxis>
+    <cs:lnRef idx="0"/>
+    <cs:fillRef idx="0"/>
+    <cs:effectRef idx="0"/>
+    <cs:fontRef idx="minor">
+      <a:schemeClr val="tx1">
+        <a:lumMod val="65000"/>
+        <a:lumOff val="35000"/>
+      </a:schemeClr>
+    </cs:fontRef>
+    <cs:defRPr sz="1197" kern="1200"/>
+  </cs:valueAxis>
+  <cs:wall>
+    <cs:lnRef idx="0"/>
+    <cs:fillRef idx="0"/>
+    <cs:effectRef idx="0"/>
+    <cs:fontRef idx="minor">
+      <a:schemeClr val="tx1"/>
+    </cs:fontRef>
+    <cs:spPr>
+      <a:noFill/>
+      <a:ln>
+        <a:noFill/>
+      </a:ln>
+    </cs:spPr>
+  </cs:wall>
+</cs:chartStyle>
+</file>
+
+<file path=ppt/diagrams/colors1.xml><?xml version="1.0" encoding="utf-8"?>
+<dgm:colorsDef xmlns:dgm="http://schemas.openxmlformats.org/drawingml/2006/diagram" xmlns:a="http://schemas.openxmlformats.org/drawingml/2006/main" uniqueId="urn:microsoft.com/office/officeart/2005/8/colors/colorful2">
+  <dgm:title val=""/>
+  <dgm:desc val=""/>
+  <dgm:catLst>
+    <dgm:cat type="colorful" pri="10200"/>
+  </dgm:catLst>
+  <dgm:styleLbl name="node0">
+    <dgm:fillClrLst meth="repeat">
+      <a:schemeClr val="accent1"/>
+    </dgm:fillClrLst>
+    <dgm:linClrLst meth="repeat">
+      <a:schemeClr val="lt1"/>
+    </dgm:linClrLst>
+    <dgm:effectClrLst/>
+    <dgm:txLinClrLst/>
+    <dgm:txFillClrLst/>
+    <dgm:txEffectClrLst/>
+  </dgm:styleLbl>
+  <dgm:styleLbl name="node1">
+    <dgm:fillClrLst>
+      <a:schemeClr val="accent2"/>
+      <a:schemeClr val="accent3"/>
+    </dgm:fillClrLst>
+    <dgm:linClrLst meth="repeat">
+      <a:schemeClr val="lt1"/>
+    </dgm:linClrLst>
+    <dgm:effectClrLst/>
+    <dgm:txLinClrLst/>
+    <dgm:txFillClrLst/>
+    <dgm:txEffectClrLst/>
+  </dgm:styleLbl>
+  <dgm:styleLbl name="alignNode1">
+    <dgm:fillClrLst>
+      <a:schemeClr val="accent2"/>
+      <a:schemeClr val="accent3"/>
+    </dgm:fillClrLst>
+    <dgm:linClrLst>
+      <a:schemeClr val="accent2"/>
+      <a:schemeClr val="accent3"/>
+    </dgm:linClrLst>
+    <dgm:effectClrLst/>
+    <dgm:txLinClrLst/>
+    <dgm:txFillClrLst/>
+    <dgm:txEffectClrLst/>
+  </dgm:styleLbl>
+  <dgm:styleLbl name="lnNode1">
+    <dgm:fillClrLst>
+      <a:schemeClr val="accent2"/>
+      <a:schemeClr val="accent3"/>
+    </dgm:fillClrLst>
+    <dgm:linClrLst meth="repeat">
+      <a:schemeClr val="lt1"/>
+    </dgm:linClrLst>
+    <dgm:effectClrLst/>
+    <dgm:txLinClrLst/>
+    <dgm:txFillClrLst/>
+    <dgm:txEffectClrLst/>
+  </dgm:styleLbl>
+  <dgm:styleLbl name="vennNode1">
+    <dgm:fillClrLst>
+      <a:schemeClr val="accent2">
+        <a:alpha val="50000"/>
+      </a:schemeClr>
+      <a:schemeClr val="accent3">
+        <a:alpha val="50000"/>
+      </a:schemeClr>
+    </dgm:fillClrLst>
+    <dgm:linClrLst meth="repeat">
+      <a:schemeClr val="lt1"/>
+    </dgm:linClrLst>
+    <dgm:effectClrLst/>
+    <dgm:txLinClrLst/>
+    <dgm:txFillClrLst/>
+    <dgm:txEffectClrLst/>
+  </dgm:styleLbl>
+  <dgm:styleLbl name="node2">
+    <dgm:fillClrLst>
+      <a:schemeClr val="accent3"/>
+    </dgm:fillClrLst>
+    <dgm:linClrLst meth="repeat">
+      <a:schemeClr val="lt1"/>
+    </dgm:linClrLst>
+    <dgm:effectClrLst/>
+    <dgm:txLinClrLst/>
+    <dgm:txFillClrLst/>
+    <dgm:txEffectClrLst/>
+  </dgm:styleLbl>
+  <dgm:styleLbl name="node3">
+    <dgm:fillClrLst>
+      <a:schemeClr val="accent4"/>
+    </dgm:fillClrLst>
+    <dgm:linClrLst meth="repeat">
+      <a:schemeClr val="lt1"/>
+    </dgm:linClrLst>
+    <dgm:effectClrLst/>
+    <dgm:txLinClrLst/>
+    <dgm:txFillClrLst/>
+    <dgm:txEffectClrLst/>
+  </dgm:styleLbl>
+  <dgm:styleLbl name="node4">
+    <dgm:fillClrLst>
+      <a:schemeClr val="accent5"/>
+    </dgm:fillClrLst>
+    <dgm:linClrLst meth="repeat">
+      <a:schemeClr val="lt1"/>
+    </dgm:linClrLst>
+    <dgm:effectClrLst/>
+    <dgm:txLinClrLst/>
+    <dgm:txFillClrLst/>
+    <dgm:txEffectClrLst/>
+  </dgm:styleLbl>
+  <dgm:styleLbl name="fgImgPlace1">
+    <dgm:fillClrLst>
+      <a:schemeClr val="accent2">
+        <a:tint val="50000"/>
+      </a:schemeClr>
+      <a:schemeClr val="accent3">
+        <a:tint val="50000"/>
+      </a:schemeClr>
+    </dgm:fillClrLst>
+    <dgm:linClrLst meth="repeat">
+      <a:schemeClr val="lt1"/>
+    </dgm:linClrLst>
+    <dgm:effectClrLst/>
+    <dgm:txLinClrLst/>
+    <dgm:txFillClrLst meth="repeat">
+      <a:schemeClr val="lt1"/>
+    </dgm:txFillClrLst>
+    <dgm:txEffectClrLst/>
+  </dgm:styleLbl>
+  <dgm:styleLbl name="alignImgPlace1">
+    <dgm:fillClrLst>
+      <a:schemeClr val="accent2">
+        <a:tint val="50000"/>
+      </a:schemeClr>
+      <a:schemeClr val="accent3">
+        <a:tint val="20000"/>
+      </a:schemeClr>
+    </dgm:fillClrLst>
+    <dgm:linClrLst meth="repeat">
+      <a:schemeClr val="lt1"/>
+    </dgm:linClrLst>
+    <dgm:effectClrLst/>
+    <dgm:txLinClrLst/>
+    <dgm:txFillClrLst meth="repeat">
+      <a:schemeClr val="lt1"/>
+    </dgm:txFillClrLst>
+    <dgm:txEffectClrLst/>
+  </dgm:styleLbl>
+  <dgm:styleLbl name="bgImgPlace1">
+    <dgm:fillClrLst>
+      <a:schemeClr val="accent2">
+        <a:tint val="50000"/>
+      </a:schemeClr>
+      <a:schemeClr val="accent3">
+        <a:tint val="20000"/>
+      </a:schemeClr>
+    </dgm:fillClrLst>
+    <dgm:linClrLst meth="repeat">
+      <a:schemeClr val="lt1"/>
+    </dgm:linClrLst>
+    <dgm:effectClrLst/>
+    <dgm:txLinClrLst/>
+    <dgm:txFillClrLst meth="repeat">
+      <a:schemeClr val="lt1"/>
+    </dgm:txFillClrLst>
+    <dgm:txEffectClrLst/>
+  </dgm:styleLbl>
+  <dgm:styleLbl name="sibTrans2D1">
+    <dgm:fillClrLst>
+      <a:schemeClr val="accent2"/>
+      <a:schemeClr val="accent3"/>
+    </dgm:fillClrLst>
+    <dgm:linClrLst meth="repeat">
+      <a:schemeClr val="lt1"/>
+    </dgm:linClrLst>
+    <dgm:effectClrLst/>
+    <dgm:txLinClrLst/>
+    <dgm:txFillClrLst/>
+    <dgm:txEffectClrLst/>
+  </dgm:styleLbl>
+  <dgm:styleLbl name="fgSibTrans2D1">
+    <dgm:fillClrLst>
+      <a:schemeClr val="accent2"/>
+      <a:schemeClr val="accent3"/>
+    </dgm:fillClrLst>
+    <dgm:linClrLst meth="repeat">
+      <a:schemeClr val="lt1"/>
+    </dgm:linClrLst>
+    <dgm:effectClrLst/>
+    <dgm:txLinClrLst/>
+    <dgm:txFillClrLst meth="repeat">
+      <a:schemeClr val="lt1"/>
+    </dgm:txFillClrLst>
+    <dgm:txEffectClrLst/>
+  </dgm:styleLbl>
+  <dgm:styleLbl name="bgSibTrans2D1">
+    <dgm:fillClrLst>
+      <a:schemeClr val="accent2"/>
+      <a:schemeClr val="accent3"/>
+    </dgm:fillClrLst>
+    <dgm:linClrLst meth="repeat">
+      <a:schemeClr val="lt1"/>
+    </dgm:linClrLst>
+    <dgm:effectClrLst/>
+    <dgm:txLinClrLst/>
+    <dgm:txFillClrLst meth="repeat">
+      <a:schemeClr val="lt1"/>
+    </dgm:txFillClrLst>
+    <dgm:txEffectClrLst/>
+  </dgm:styleLbl>
+  <dgm:styleLbl name="sibTrans1D1">
+    <dgm:fillClrLst/>
+    <dgm:linClrLst>
+      <a:schemeClr val="accent2"/>
+      <a:schemeClr val="accent3"/>
+    </dgm:linClrLst>
+    <dgm:effectClrLst/>
+    <dgm:txLinClrLst/>
+    <dgm:txFillClrLst meth="repeat">
+      <a:schemeClr val="tx1"/>
+    </dgm:txFillClrLst>
+    <dgm:txEffectClrLst/>
+  </dgm:styleLbl>
+  <dgm:styleLbl name="callout">
+    <dgm:fillClrLst meth="repeat">
+      <a:schemeClr val="accent2"/>
+    </dgm:fillClrLst>
+    <dgm:linClrLst meth="repeat">
+      <a:schemeClr val="accent2">
+        <a:tint val="50000"/>
+      </a:schemeClr>
+    </dgm:linClrLst>
+    <dgm:effectClrLst/>
+    <dgm:txLinClrLst/>
+    <dgm:txFillClrLst meth="repeat">
+      <a:schemeClr val="tx1"/>
+    </dgm:txFillClrLst>
+    <dgm:txEffectClrLst/>
+  </dgm:styleLbl>
+  <dgm:styleLbl name="asst0">
+    <dgm:fillClrLst meth="repeat">
+      <a:schemeClr val="accent2"/>
+    </dgm:fillClrLst>
+    <dgm:linClrLst meth="repeat">
+      <a:schemeClr val="lt1">
+        <a:shade val="80000"/>
+      </a:schemeClr>
+    </dgm:linClrLst>
+    <dgm:effectClrLst/>
+    <dgm:txLinClrLst/>
+    <dgm:txFillClrLst/>
+    <dgm:txEffectClrLst/>
+  </dgm:styleLbl>
+  <dgm:styleLbl name="asst1">
+    <dgm:fillClrLst meth="repeat">
+      <a:schemeClr val="accent3"/>
+    </dgm:fillClrLst>
+    <dgm:linClrLst meth="repeat">
+      <a:schemeClr val="lt1">
+        <a:shade val="80000"/>
+      </a:schemeClr>
+    </dgm:linClrLst>
+    <dgm:effectClrLst/>
+    <dgm:txLinClrLst/>
+    <dgm:txFillClrLst/>
+    <dgm:txEffectClrLst/>
+  </dgm:styleLbl>
+  <dgm:styleLbl name="asst2">
+    <dgm:fillClrLst>
+      <a:schemeClr val="accent4"/>
+    </dgm:fillClrLst>
+    <dgm:linClrLst meth="repeat">
+      <a:schemeClr val="lt1"/>
+    </dgm:linClrLst>
+    <dgm:effectClrLst/>
+    <dgm:txLinClrLst/>
+    <dgm:txFillClrLst/>
+    <dgm:txEffectClrLst/>
+  </dgm:styleLbl>
+  <dgm:styleLbl name="asst3">
+    <dgm:fillClrLst>
+      <a:schemeClr val="accent5"/>
+    </dgm:fillClrLst>
+    <dgm:linClrLst meth="repeat">
+      <a:schemeClr val="lt1"/>
+    </dgm:linClrLst>
+    <dgm:effectClrLst/>
+    <dgm:txLinClrLst/>
+    <dgm:txFillClrLst/>
+    <dgm:txEffectClrLst/>
+  </dgm:styleLbl>
+  <dgm:styleLbl name="asst4">
+    <dgm:fillClrLst>
+      <a:schemeClr val="accent6"/>
+    </dgm:fillClrLst>
+    <dgm:linClrLst meth="repeat">
+      <a:schemeClr val="lt1"/>
+    </dgm:linClrLst>
+    <dgm:effectClrLst/>
+    <dgm:txLinClrLst/>
+    <dgm:txFillClrLst/>
+    <dgm:txEffectClrLst/>
+  </dgm:styleLbl>
+  <dgm:styleLbl name="parChTrans2D1">
+    <dgm:fillClrLst meth="repeat">
+      <a:schemeClr val="accent2"/>
+    </dgm:fillClrLst>
+    <dgm:linClrLst meth="repeat">
+      <a:schemeClr val="lt1"/>
+    </dgm:linClrLst>
+    <dgm:effectClrLst/>
+    <dgm:txLinClrLst/>
+    <dgm:txFillClrLst meth="repeat">
+      <a:schemeClr val="lt1"/>
+    </dgm:txFillClrLst>
+    <dgm:txEffectClrLst/>
+  </dgm:styleLbl>
+  <dgm:styleLbl name="parChTrans2D2">
+    <dgm:fillClrLst meth="repeat">
+      <a:schemeClr val="accent3"/>
+    </dgm:fillClrLst>
+    <dgm:linClrLst meth="repeat">
+      <a:schemeClr val="lt1"/>
+    </dgm:linClrLst>
+    <dgm:effectClrLst/>
+    <dgm:txLinClrLst/>
+    <dgm:txFillClrLst/>
+    <dgm:txEffectClrLst/>
+  </dgm:styleLbl>
+  <dgm:styleLbl name="parChTrans2D3">
+    <dgm:fillClrLst meth="repeat">
+      <a:schemeClr val="accent4"/>
+    </dgm:fillClrLst>
+    <dgm:linClrLst meth="repeat">
+      <a:schemeClr val="lt1"/>
+    </dgm:linClrLst>
+    <dgm:effectClrLst/>
+    <dgm:txLinClrLst/>
+    <dgm:txFillClrLst/>
+    <dgm:txEffectClrLst/>
+  </dgm:styleLbl>
+  <dgm:styleLbl name="parChTrans2D4">
+    <dgm:fillClrLst meth="repeat">
+      <a:schemeClr val="accent5"/>
+    </dgm:fillClrLst>
+    <dgm:linClrLst meth="repeat">
+      <a:schemeClr val="lt1"/>
+    </dgm:linClrLst>
+    <dgm:effectClrLst/>
+    <dgm:txLinClrLst/>
+    <dgm:txFillClrLst meth="repeat">
+      <a:schemeClr val="lt1"/>
+    </dgm:txFillClrLst>
+    <dgm:txEffectClrLst/>
+  </dgm:styleLbl>
+  <dgm:styleLbl name="parChTrans1D1">
+    <dgm:fillClrLst meth="repeat">
+      <a:schemeClr val="accent2"/>
+    </dgm:fillClrLst>
+    <dgm:linClrLst meth="repeat">
+      <a:schemeClr val="accent2"/>
+    </dgm:linClrLst>
+    <dgm:effectClrLst/>
+    <dgm:txLinClrLst/>
+    <dgm:txFillClrLst meth="repeat">
+      <a:schemeClr val="tx1"/>
+    </dgm:txFillClrLst>
+    <dgm:txEffectClrLst/>
+  </dgm:styleLbl>
+  <dgm:styleLbl name="parChTrans1D2">
+    <dgm:fillClrLst meth="repeat">
+      <a:schemeClr val="accent2">
+        <a:tint val="90000"/>
+      </a:schemeClr>
+    </dgm:fillClrLst>
+    <dgm:linClrLst meth="repeat">
+      <a:schemeClr val="accent3"/>
+    </dgm:linClrLst>
+    <dgm:effectClrLst/>
+    <dgm:txLinClrLst/>
+    <dgm:txFillClrLst meth="repeat">
+      <a:schemeClr val="tx1"/>
+    </dgm:txFillClrLst>
+    <dgm:txEffectClrLst/>
+  </dgm:styleLbl>
+  <dgm:styleLbl name="parChTrans1D3">
+    <dgm:fillClrLst meth="repeat">
+      <a:schemeClr val="accent2">
+        <a:tint val="70000"/>
+      </a:schemeClr>
+    </dgm:fillClrLst>
+    <dgm:linClrLst meth="repeat">
+      <a:schemeClr val="accent4"/>
+    </dgm:linClrLst>
+    <dgm:effectClrLst/>
+    <dgm:txLinClrLst/>
+    <dgm:txFillClrLst meth="repeat">
+      <a:schemeClr val="tx1"/>
+    </dgm:txFillClrLst>
+    <dgm:txEffectClrLst/>
+  </dgm:styleLbl>
+  <dgm:styleLbl name="parChTrans1D4">
+    <dgm:fillClrLst meth="repeat">
+      <a:schemeClr val="accent2">
+        <a:tint val="50000"/>
+      </a:schemeClr>
+    </dgm:fillClrLst>
+    <dgm:linClrLst meth="repeat">
+      <a:schemeClr val="accent5"/>
+    </dgm:linClrLst>
+    <dgm:effectClrLst/>
+    <dgm:txLinClrLst/>
+    <dgm:txFillClrLst meth="repeat">
+      <a:schemeClr val="tx1"/>
+    </dgm:txFillClrLst>
+    <dgm:txEffectClrLst/>
+  </dgm:styleLbl>
+  <dgm:styleLbl name="fgAcc1">
+    <dgm:fillClrLst meth="repeat">
+      <a:schemeClr val="lt1">
+        <a:alpha val="90000"/>
+      </a:schemeClr>
+    </dgm:fillClrLst>
+    <dgm:linClrLst>
+      <a:schemeClr val="accent2"/>
+      <a:schemeClr val="accent3"/>
+    </dgm:linClrLst>
+    <dgm:effectClrLst/>
+    <dgm:txLinClrLst/>
+    <dgm:txFillClrLst meth="repeat">
+      <a:schemeClr val="dk1"/>
+    </dgm:txFillClrLst>
+    <dgm:txEffectClrLst/>
+  </dgm:styleLbl>
+  <dgm:styleLbl name="conFgAcc1">
+    <dgm:fillClrLst meth="repeat">
+      <a:schemeClr val="lt1">
+        <a:alpha val="90000"/>
+      </a:schemeClr>
+    </dgm:fillClrLst>
+    <dgm:linClrLst>
+      <a:schemeClr val="accent2"/>
+      <a:schemeClr val="accent3"/>
+    </dgm:linClrLst>
+    <dgm:effectClrLst/>
+    <dgm:txLinClrLst/>
+    <dgm:txFillClrLst meth="repeat">
+      <a:schemeClr val="dk1"/>
+    </dgm:txFillClrLst>
+    <dgm:txEffectClrLst/>
+  </dgm:styleLbl>
+  <dgm:styleLbl name="alignAcc1">
+    <dgm:fillClrLst meth="repeat">
+      <a:schemeClr val="lt1">
+        <a:alpha val="90000"/>
+      </a:schemeClr>
+    </dgm:fillClrLst>
+    <dgm:linClrLst>
+      <a:schemeClr val="accent2"/>
+      <a:schemeClr val="accent3"/>
+    </dgm:linClrLst>
+    <dgm:effectClrLst/>
+    <dgm:txLinClrLst/>
+    <dgm:txFillClrLst meth="repeat">
+      <a:schemeClr val="dk1"/>
+    </dgm:txFillClrLst>
+    <dgm:txEffectClrLst/>
+  </dgm:styleLbl>
+  <dgm:styleLbl name="trAlignAcc1">
+    <dgm:fillClrLst meth="repeat">
+      <a:schemeClr val="lt1">
+        <a:alpha val="40000"/>
+      </a:schemeClr>
+    </dgm:fillClrLst>
+    <dgm:linClrLst meth="repeat">
+      <a:schemeClr val="accent2"/>
+    </dgm:linClrLst>
+    <dgm:effectClrLst/>
+    <dgm:txLinClrLst/>
+    <dgm:txFillClrLst meth="repeat">
+      <a:schemeClr val="dk1"/>
+    </dgm:txFillClrLst>
+    <dgm:txEffectClrLst/>
+  </dgm:styleLbl>
+  <dgm:styleLbl name="bgAcc1">
+    <dgm:fillClrLst meth="repeat">
+      <a:schemeClr val="lt1">
+        <a:alpha val="90000"/>
+      </a:schemeClr>
+    </dgm:fillClrLst>
+    <dgm:linClrLst>
+      <a:schemeClr val="accent2"/>
+      <a:schemeClr val="accent3"/>
+    </dgm:linClrLst>
+    <dgm:effectClrLst/>
+    <dgm:txLinClrLst/>
+    <dgm:txFillClrLst meth="repeat">
+      <a:schemeClr val="dk1"/>
+    </dgm:txFillClrLst>
+    <dgm:txEffectClrLst/>
+  </dgm:styleLbl>
+  <dgm:styleLbl name="solidFgAcc1">
+    <dgm:fillClrLst meth="repeat">
+      <a:schemeClr val="lt1"/>
+    </dgm:fillClrLst>
+    <dgm:linClrLst>
+      <a:schemeClr val="accent2"/>
+      <a:schemeClr val="accent3"/>
+    </dgm:linClrLst>
+    <dgm:effectClrLst/>
+    <dgm:txLinClrLst/>
+    <dgm:txFillClrLst meth="repeat">
+      <a:schemeClr val="dk1"/>
+    </dgm:txFillClrLst>
+    <dgm:txEffectClrLst/>
+  </dgm:styleLbl>
+  <dgm:styleLbl name="solidAlignAcc1">
+    <dgm:fillClrLst meth="repeat">
+      <a:schemeClr val="lt1"/>
+    </dgm:fillClrLst>
+    <dgm:linClrLst>
+      <a:schemeClr val="accent2"/>
+      <a:schemeClr val="accent3"/>
+    </dgm:linClrLst>
+    <dgm:effectClrLst/>
+    <dgm:txLinClrLst/>
+    <dgm:txFillClrLst meth="repeat">
+      <a:schemeClr val="dk1"/>
+    </dgm:txFillClrLst>
+    <dgm:txEffectClrLst/>
+  </dgm:styleLbl>
+  <dgm:styleLbl name="solidBgAcc1">
+    <dgm:fillClrLst meth="repeat">
+      <a:schemeClr val="lt1"/>
+    </dgm:fillClrLst>
+    <dgm:linClrLst>
+      <a:schemeClr val="accent2"/>
+      <a:schemeClr val="accent3"/>
+    </dgm:linClrLst>
+    <dgm:effectClrLst/>
+    <dgm:txLinClrLst/>
+    <dgm:txFillClrLst meth="repeat">
+      <a:schemeClr val="dk1"/>
+    </dgm:txFillClrLst>
+    <dgm:txEffectClrLst/>
+  </dgm:styleLbl>
+  <dgm:styleLbl name="fgAccFollowNode1">
+    <dgm:fillClrLst>
+      <a:schemeClr val="accent2">
+        <a:tint val="40000"/>
+        <a:alpha val="90000"/>
+      </a:schemeClr>
+      <a:schemeClr val="accent3">
+        <a:tint val="40000"/>
+        <a:alpha val="90000"/>
+      </a:schemeClr>
+    </dgm:fillClrLst>
+    <dgm:linClrLst>
+      <a:schemeClr val="accent2">
+        <a:tint val="40000"/>
+        <a:alpha val="90000"/>
+      </a:schemeClr>
+      <a:schemeClr val="accent3">
+        <a:tint val="40000"/>
+        <a:alpha val="90000"/>
+      </a:schemeClr>
+    </dgm:linClrLst>
+    <dgm:effectClrLst/>
+    <dgm:txLinClrLst/>
+    <dgm:txFillClrLst meth="repeat">
+      <a:schemeClr val="dk1"/>
+    </dgm:txFillClrLst>
+    <dgm:txEffectClrLst/>
+  </dgm:styleLbl>
+  <dgm:styleLbl name="alignAccFollowNode1">
+    <dgm:fillClrLst>
+      <a:schemeClr val="accent2">
+        <a:tint val="40000"/>
+        <a:alpha val="90000"/>
+      </a:schemeClr>
+      <a:schemeClr val="accent3">
+        <a:tint val="40000"/>
+        <a:alpha val="90000"/>
+      </a:schemeClr>
+    </dgm:fillClrLst>
+    <dgm:linClrLst>
+      <a:schemeClr val="accent2">
+        <a:tint val="40000"/>
+        <a:alpha val="90000"/>
+      </a:schemeClr>
+      <a:schemeClr val="accent3">
+        <a:tint val="40000"/>
+        <a:alpha val="90000"/>
+      </a:schemeClr>
+    </dgm:linClrLst>
+    <dgm:effectClrLst/>
+    <dgm:txLinClrLst/>
+    <dgm:txFillClrLst meth="repeat">
+      <a:schemeClr val="dk1"/>
+    </dgm:txFillClrLst>
+    <dgm:txEffectClrLst/>
+  </dgm:styleLbl>
+  <dgm:styleLbl name="bgAccFollowNode1">
+    <dgm:fillClrLst>
+      <a:schemeClr val="accent2">
+        <a:tint val="40000"/>
+        <a:alpha val="90000"/>
+      </a:schemeClr>
+      <a:schemeClr val="accent3">
+        <a:tint val="40000"/>
+        <a:alpha val="90000"/>
+      </a:schemeClr>
+    </dgm:fillClrLst>
+    <dgm:linClrLst>
+      <a:schemeClr val="accent2">
+        <a:tint val="40000"/>
+        <a:alpha val="90000"/>
+      </a:schemeClr>
+      <a:schemeClr val="accent3">
+        <a:tint val="40000"/>
+        <a:alpha val="90000"/>
+      </a:schemeClr>
+    </dgm:linClrLst>
+    <dgm:effectClrLst/>
+    <dgm:txLinClrLst/>
+    <dgm:txFillClrLst meth="repeat">
+      <a:schemeClr val="dk1"/>
+    </dgm:txFillClrLst>
+    <dgm:txEffectClrLst/>
+  </dgm:styleLbl>
+  <dgm:styleLbl name="fgAcc0">
+    <dgm:fillClrLst meth="repeat">
+      <a:schemeClr val="lt1">
+        <a:alpha val="90000"/>
+      </a:schemeClr>
+    </dgm:fillClrLst>
+    <dgm:linClrLst>
+      <a:schemeClr val="accent1"/>
+    </dgm:linClrLst>
+    <dgm:effectClrLst/>
+    <dgm:txLinClrLst/>
+    <dgm:txFillClrLst meth="repeat">
+      <a:schemeClr val="dk1"/>
+    </dgm:txFillClrLst>
+    <dgm:txEffectClrLst/>
+  </dgm:styleLbl>
+  <dgm:styleLbl name="fgAcc2">
+    <dgm:fillClrLst meth="repeat">
+      <a:schemeClr val="lt1">
+        <a:alpha val="90000"/>
+      </a:schemeClr>
+    </dgm:fillClrLst>
+    <dgm:linClrLst>
+      <a:schemeClr val="accent3"/>
+    </dgm:linClrLst>
+    <dgm:effectClrLst/>
+    <dgm:txLinClrLst/>
+    <dgm:txFillClrLst meth="repeat">
+      <a:schemeClr val="dk1"/>
+    </dgm:txFillClrLst>
+    <dgm:txEffectClrLst/>
+  </dgm:styleLbl>
+  <dgm:styleLbl name="fgAcc3">
+    <dgm:fillClrLst meth="repeat">
+      <a:schemeClr val="lt1">
+        <a:alpha val="90000"/>
+      </a:schemeClr>
+    </dgm:fillClrLst>
+    <dgm:linClrLst>
+      <a:schemeClr val="accent4"/>
+    </dgm:linClrLst>
+    <dgm:effectClrLst/>
+    <dgm:txLinClrLst/>
+    <dgm:txFillClrLst meth="repeat">
+      <a:schemeClr val="dk1"/>
+    </dgm:txFillClrLst>
+    <dgm:txEffectClrLst/>
+  </dgm:styleLbl>
+  <dgm:styleLbl name="fgAcc4">
+    <dgm:fillClrLst meth="repeat">
+      <a:schemeClr val="lt1">
+        <a:alpha val="90000"/>
+      </a:schemeClr>
+    </dgm:fillClrLst>
+    <dgm:linClrLst>
+      <a:schemeClr val="accent5"/>
+    </dgm:linClrLst>
+    <dgm:effectClrLst/>
+    <dgm:txLinClrLst/>
+    <dgm:txFillClrLst meth="repeat">
+      <a:schemeClr val="dk1"/>
+    </dgm:txFillClrLst>
+    <dgm:txEffectClrLst/>
+  </dgm:styleLbl>
+  <dgm:styleLbl name="bgShp">
+    <dgm:fillClrLst meth="repeat">
+      <a:schemeClr val="accent2">
+        <a:tint val="40000"/>
+      </a:schemeClr>
+    </dgm:fillClrLst>
+    <dgm:linClrLst meth="repeat">
+      <a:schemeClr val="dk1"/>
+    </dgm:linClrLst>
+    <dgm:effectClrLst/>
+    <dgm:txLinClrLst/>
+    <dgm:txFillClrLst meth="repeat">
+      <a:schemeClr val="dk1"/>
+    </dgm:txFillClrLst>
+    <dgm:txEffectClrLst/>
+  </dgm:styleLbl>
+  <dgm:styleLbl name="dkBgShp">
+    <dgm:fillClrLst meth="repeat">
+      <a:schemeClr val="accent2">
+        <a:shade val="90000"/>
+      </a:schemeClr>
+    </dgm:fillClrLst>
+    <dgm:linClrLst meth="repeat">
+      <a:schemeClr val="dk1"/>
+    </dgm:linClrLst>
+    <dgm:effectClrLst/>
+    <dgm:txLinClrLst/>
+    <dgm:txFillClrLst meth="repeat">
+      <a:schemeClr val="lt1"/>
+    </dgm:txFillClrLst>
+    <dgm:txEffectClrLst/>
+  </dgm:styleLbl>
+  <dgm:styleLbl name="trBgShp">
+    <dgm:fillClrLst meth="repeat">
+      <a:schemeClr val="accent2">
+        <a:tint val="50000"/>
+        <a:alpha val="40000"/>
+      </a:schemeClr>
+    </dgm:fillClrLst>
+    <dgm:linClrLst meth="repeat">
+      <a:schemeClr val="accent2"/>
+    </dgm:linClrLst>
+    <dgm:effectClrLst/>
+    <dgm:txLinClrLst/>
+    <dgm:txFillClrLst meth="repeat">
+      <a:schemeClr val="lt1"/>
+    </dgm:txFillClrLst>
+    <dgm:txEffectClrLst/>
+  </dgm:styleLbl>
+  <dgm:styleLbl name="fgShp">
+    <dgm:fillClrLst meth="repeat">
+      <a:schemeClr val="accent2">
+        <a:tint val="40000"/>
+      </a:schemeClr>
+    </dgm:fillClrLst>
+    <dgm:linClrLst meth="repeat">
+      <a:schemeClr val="lt1"/>
+    </dgm:linClrLst>
+    <dgm:effectClrLst/>
+    <dgm:txLinClrLst/>
+    <dgm:txFillClrLst meth="repeat">
+      <a:schemeClr val="dk1"/>
+    </dgm:txFillClrLst>
+    <dgm:txEffectClrLst/>
+  </dgm:styleLbl>
+  <dgm:styleLbl name="revTx">
+    <dgm:fillClrLst meth="repeat">
+      <a:schemeClr val="lt1">
+        <a:alpha val="0"/>
+      </a:schemeClr>
+    </dgm:fillClrLst>
+    <dgm:linClrLst meth="repeat">
+      <a:schemeClr val="dk1">
+        <a:alpha val="0"/>
+      </a:schemeClr>
+    </dgm:linClrLst>
+    <dgm:effectClrLst/>
+    <dgm:txLinClrLst/>
+    <dgm:txFillClrLst meth="repeat">
+      <a:schemeClr val="tx1"/>
+    </dgm:txFillClrLst>
+    <dgm:txEffectClrLst/>
+  </dgm:styleLbl>
+</dgm:colorsDef>
+</file>
+
+<file path=ppt/diagrams/data1.xml><?xml version="1.0" encoding="utf-8"?>
+<dgm:dataModel xmlns:dgm="http://schemas.openxmlformats.org/drawingml/2006/diagram" xmlns:a="http://schemas.openxmlformats.org/drawingml/2006/main">
+  <dgm:ptLst>
+    <dgm:pt modelId="{9C0E2CA4-744F-44C1-AF8D-32951179B3EC}" type="doc">
+      <dgm:prSet loTypeId="urn:microsoft.com/office/officeart/2005/8/layout/cycle2" loCatId="cycle" qsTypeId="urn:microsoft.com/office/officeart/2005/8/quickstyle/simple1" qsCatId="simple" csTypeId="urn:microsoft.com/office/officeart/2005/8/colors/colorful2" csCatId="colorful" phldr="1"/>
+      <dgm:spPr/>
+      <dgm:t>
+        <a:bodyPr/>
+        <a:lstStyle/>
+        <a:p>
+          <a:endParaRPr lang="en-US"/>
+        </a:p>
+      </dgm:t>
+    </dgm:pt>
+    <dgm:pt modelId="{77573696-C6EB-461E-A870-6B1BC7BB5CD0}">
+      <dgm:prSet phldrT="[Text]"/>
+      <dgm:spPr/>
+      <dgm:t>
+        <a:bodyPr/>
+        <a:lstStyle/>
+        <a:p>
+          <a:r>
+            <a:rPr lang="en-US" dirty="0"/>
+            <a:t>Code</a:t>
+          </a:r>
+        </a:p>
+      </dgm:t>
+    </dgm:pt>
+    <dgm:pt modelId="{A49FEBBF-9866-45F4-B78C-0731FB3BDF07}" type="parTrans" cxnId="{8F9ACBDB-8860-49E3-A094-6E2301D68EC6}">
+      <dgm:prSet/>
+      <dgm:spPr/>
+      <dgm:t>
+        <a:bodyPr/>
+        <a:lstStyle/>
+        <a:p>
+          <a:endParaRPr lang="en-US"/>
+        </a:p>
+      </dgm:t>
+    </dgm:pt>
+    <dgm:pt modelId="{680A9B4A-9CA0-40AB-B4C2-BF29A3AD51C9}" type="sibTrans" cxnId="{8F9ACBDB-8860-49E3-A094-6E2301D68EC6}">
+      <dgm:prSet/>
+      <dgm:spPr/>
+      <dgm:t>
+        <a:bodyPr/>
+        <a:lstStyle/>
+        <a:p>
+          <a:endParaRPr lang="en-US"/>
+        </a:p>
+      </dgm:t>
+    </dgm:pt>
+    <dgm:pt modelId="{39F2B261-B7E6-41C9-9A03-BF7A18D5AE07}">
+      <dgm:prSet phldrT="[Text]"/>
+      <dgm:spPr/>
+      <dgm:t>
+        <a:bodyPr/>
+        <a:lstStyle/>
+        <a:p>
+          <a:r>
+            <a:rPr lang="en-US" dirty="0"/>
+            <a:t>Debug</a:t>
+          </a:r>
+        </a:p>
+      </dgm:t>
+    </dgm:pt>
+    <dgm:pt modelId="{B54D6B98-B7EB-4771-8027-B788EBDD1E43}" type="parTrans" cxnId="{AF635921-B396-40F9-BFC8-CA2383B28137}">
+      <dgm:prSet/>
+      <dgm:spPr/>
+      <dgm:t>
+        <a:bodyPr/>
+        <a:lstStyle/>
+        <a:p>
+          <a:endParaRPr lang="en-US"/>
+        </a:p>
+      </dgm:t>
+    </dgm:pt>
+    <dgm:pt modelId="{F758DE4A-AF8F-4642-9F20-0910D51B3749}" type="sibTrans" cxnId="{AF635921-B396-40F9-BFC8-CA2383B28137}">
+      <dgm:prSet/>
+      <dgm:spPr/>
+      <dgm:t>
+        <a:bodyPr/>
+        <a:lstStyle/>
+        <a:p>
+          <a:endParaRPr lang="en-US"/>
+        </a:p>
+      </dgm:t>
+    </dgm:pt>
+    <dgm:pt modelId="{70001328-16F6-40B8-B034-8B63C6347611}">
+      <dgm:prSet phldrT="[Text]"/>
+      <dgm:spPr/>
+      <dgm:t>
+        <a:bodyPr/>
+        <a:lstStyle/>
+        <a:p>
+          <a:r>
+            <a:rPr lang="en-US" dirty="0"/>
+            <a:t>Run</a:t>
+          </a:r>
+        </a:p>
+      </dgm:t>
+    </dgm:pt>
+    <dgm:pt modelId="{E8C021ED-2D82-4837-8049-A14D44901631}" type="parTrans" cxnId="{B8801F57-4A9F-407D-B9B6-276DC81CBB39}">
+      <dgm:prSet/>
+      <dgm:spPr/>
+      <dgm:t>
+        <a:bodyPr/>
+        <a:lstStyle/>
+        <a:p>
+          <a:endParaRPr lang="en-US"/>
+        </a:p>
+      </dgm:t>
+    </dgm:pt>
+    <dgm:pt modelId="{C53E6838-5DA5-4754-B4E2-86D13141604E}" type="sibTrans" cxnId="{B8801F57-4A9F-407D-B9B6-276DC81CBB39}">
+      <dgm:prSet/>
+      <dgm:spPr/>
+      <dgm:t>
+        <a:bodyPr/>
+        <a:lstStyle/>
+        <a:p>
+          <a:endParaRPr lang="en-US"/>
+        </a:p>
+      </dgm:t>
+    </dgm:pt>
+    <dgm:pt modelId="{AD3E5398-E9E0-4E42-BCC9-D8820B90B1FB}">
+      <dgm:prSet phldrT="[Text]"/>
+      <dgm:spPr/>
+      <dgm:t>
+        <a:bodyPr/>
+        <a:lstStyle/>
+        <a:p>
+          <a:r>
+            <a:rPr lang="en-US" dirty="0"/>
+            <a:t>Validate</a:t>
+          </a:r>
+        </a:p>
+      </dgm:t>
+    </dgm:pt>
+    <dgm:pt modelId="{91E26694-5280-4F38-A99D-2323B823A62E}" type="parTrans" cxnId="{EC471369-68E0-44A4-85EC-EBB9CB2DE6D6}">
+      <dgm:prSet/>
+      <dgm:spPr/>
+      <dgm:t>
+        <a:bodyPr/>
+        <a:lstStyle/>
+        <a:p>
+          <a:endParaRPr lang="en-US"/>
+        </a:p>
+      </dgm:t>
+    </dgm:pt>
+    <dgm:pt modelId="{5C5FCAE7-DD4A-440A-A309-08B507BDBE4D}" type="sibTrans" cxnId="{EC471369-68E0-44A4-85EC-EBB9CB2DE6D6}">
+      <dgm:prSet/>
+      <dgm:spPr/>
+      <dgm:t>
+        <a:bodyPr/>
+        <a:lstStyle/>
+        <a:p>
+          <a:endParaRPr lang="en-US"/>
+        </a:p>
+      </dgm:t>
+    </dgm:pt>
+    <dgm:pt modelId="{1CAC3338-C130-4861-AE7B-A69033E92718}" type="pres">
+      <dgm:prSet presAssocID="{9C0E2CA4-744F-44C1-AF8D-32951179B3EC}" presName="cycle" presStyleCnt="0">
+        <dgm:presLayoutVars>
+          <dgm:dir/>
+          <dgm:resizeHandles val="exact"/>
+        </dgm:presLayoutVars>
+      </dgm:prSet>
+      <dgm:spPr/>
+      <dgm:t>
+        <a:bodyPr/>
+        <a:lstStyle/>
+        <a:p>
+          <a:endParaRPr lang="en-US"/>
+        </a:p>
+      </dgm:t>
+    </dgm:pt>
+    <dgm:pt modelId="{5E965E1B-8117-417A-AF2C-EE3F901C2B1D}" type="pres">
+      <dgm:prSet presAssocID="{77573696-C6EB-461E-A870-6B1BC7BB5CD0}" presName="node" presStyleLbl="node1" presStyleIdx="0" presStyleCnt="4">
+        <dgm:presLayoutVars>
+          <dgm:bulletEnabled val="1"/>
+        </dgm:presLayoutVars>
+      </dgm:prSet>
+      <dgm:spPr/>
+      <dgm:t>
+        <a:bodyPr/>
+        <a:lstStyle/>
+        <a:p>
+          <a:endParaRPr lang="en-US"/>
+        </a:p>
+      </dgm:t>
+    </dgm:pt>
+    <dgm:pt modelId="{0EB7CA57-BE36-4B74-B166-DB62B0C2EF0D}" type="pres">
+      <dgm:prSet presAssocID="{680A9B4A-9CA0-40AB-B4C2-BF29A3AD51C9}" presName="sibTrans" presStyleLbl="sibTrans2D1" presStyleIdx="0" presStyleCnt="4"/>
+      <dgm:spPr/>
+      <dgm:t>
+        <a:bodyPr/>
+        <a:lstStyle/>
+        <a:p>
+          <a:endParaRPr lang="en-US"/>
+        </a:p>
+      </dgm:t>
+    </dgm:pt>
+    <dgm:pt modelId="{7B54B8A5-6606-4C3C-9500-31A30500CCD7}" type="pres">
+      <dgm:prSet presAssocID="{680A9B4A-9CA0-40AB-B4C2-BF29A3AD51C9}" presName="connectorText" presStyleLbl="sibTrans2D1" presStyleIdx="0" presStyleCnt="4"/>
+      <dgm:spPr/>
+      <dgm:t>
+        <a:bodyPr/>
+        <a:lstStyle/>
+        <a:p>
+          <a:endParaRPr lang="en-US"/>
+        </a:p>
+      </dgm:t>
+    </dgm:pt>
+    <dgm:pt modelId="{24EFD81F-AA69-44F2-83C2-806B40FDD526}" type="pres">
+      <dgm:prSet presAssocID="{70001328-16F6-40B8-B034-8B63C6347611}" presName="node" presStyleLbl="node1" presStyleIdx="1" presStyleCnt="4">
+        <dgm:presLayoutVars>
+          <dgm:bulletEnabled val="1"/>
+        </dgm:presLayoutVars>
+      </dgm:prSet>
+      <dgm:spPr/>
+      <dgm:t>
+        <a:bodyPr/>
+        <a:lstStyle/>
+        <a:p>
+          <a:endParaRPr lang="en-US"/>
+        </a:p>
+      </dgm:t>
+    </dgm:pt>
+    <dgm:pt modelId="{7CC276FD-6F19-4E05-B00B-85069AD9148E}" type="pres">
+      <dgm:prSet presAssocID="{C53E6838-5DA5-4754-B4E2-86D13141604E}" presName="sibTrans" presStyleLbl="sibTrans2D1" presStyleIdx="1" presStyleCnt="4"/>
+      <dgm:spPr/>
+      <dgm:t>
+        <a:bodyPr/>
+        <a:lstStyle/>
+        <a:p>
+          <a:endParaRPr lang="en-US"/>
+        </a:p>
+      </dgm:t>
+    </dgm:pt>
+    <dgm:pt modelId="{A167945A-F89D-4397-9D92-7EC3CFCB3A03}" type="pres">
+      <dgm:prSet presAssocID="{C53E6838-5DA5-4754-B4E2-86D13141604E}" presName="connectorText" presStyleLbl="sibTrans2D1" presStyleIdx="1" presStyleCnt="4"/>
+      <dgm:spPr/>
+      <dgm:t>
+        <a:bodyPr/>
+        <a:lstStyle/>
+        <a:p>
+          <a:endParaRPr lang="en-US"/>
+        </a:p>
+      </dgm:t>
+    </dgm:pt>
+    <dgm:pt modelId="{6CB6C22C-45D1-4921-B019-37E18F399A24}" type="pres">
+      <dgm:prSet presAssocID="{AD3E5398-E9E0-4E42-BCC9-D8820B90B1FB}" presName="node" presStyleLbl="node1" presStyleIdx="2" presStyleCnt="4">
+        <dgm:presLayoutVars>
+          <dgm:bulletEnabled val="1"/>
+        </dgm:presLayoutVars>
+      </dgm:prSet>
+      <dgm:spPr/>
+      <dgm:t>
+        <a:bodyPr/>
+        <a:lstStyle/>
+        <a:p>
+          <a:endParaRPr lang="en-US"/>
+        </a:p>
+      </dgm:t>
+    </dgm:pt>
+    <dgm:pt modelId="{E74D0B9F-AA38-4716-BB64-90BE35523337}" type="pres">
+      <dgm:prSet presAssocID="{5C5FCAE7-DD4A-440A-A309-08B507BDBE4D}" presName="sibTrans" presStyleLbl="sibTrans2D1" presStyleIdx="2" presStyleCnt="4"/>
+      <dgm:spPr/>
+      <dgm:t>
+        <a:bodyPr/>
+        <a:lstStyle/>
+        <a:p>
+          <a:endParaRPr lang="en-US"/>
+        </a:p>
+      </dgm:t>
+    </dgm:pt>
+    <dgm:pt modelId="{1284F3CF-717B-486C-9098-5C0FB28AEF94}" type="pres">
+      <dgm:prSet presAssocID="{5C5FCAE7-DD4A-440A-A309-08B507BDBE4D}" presName="connectorText" presStyleLbl="sibTrans2D1" presStyleIdx="2" presStyleCnt="4"/>
+      <dgm:spPr/>
+      <dgm:t>
+        <a:bodyPr/>
+        <a:lstStyle/>
+        <a:p>
+          <a:endParaRPr lang="en-US"/>
+        </a:p>
+      </dgm:t>
+    </dgm:pt>
+    <dgm:pt modelId="{015190AF-6814-4124-9780-D1FE7582EDA2}" type="pres">
+      <dgm:prSet presAssocID="{39F2B261-B7E6-41C9-9A03-BF7A18D5AE07}" presName="node" presStyleLbl="node1" presStyleIdx="3" presStyleCnt="4">
+        <dgm:presLayoutVars>
+          <dgm:bulletEnabled val="1"/>
+        </dgm:presLayoutVars>
+      </dgm:prSet>
+      <dgm:spPr/>
+      <dgm:t>
+        <a:bodyPr/>
+        <a:lstStyle/>
+        <a:p>
+          <a:endParaRPr lang="en-US"/>
+        </a:p>
+      </dgm:t>
+    </dgm:pt>
+    <dgm:pt modelId="{2E4547E8-5A26-4145-B8D5-9870E6925ED4}" type="pres">
+      <dgm:prSet presAssocID="{F758DE4A-AF8F-4642-9F20-0910D51B3749}" presName="sibTrans" presStyleLbl="sibTrans2D1" presStyleIdx="3" presStyleCnt="4"/>
+      <dgm:spPr/>
+      <dgm:t>
+        <a:bodyPr/>
+        <a:lstStyle/>
+        <a:p>
+          <a:endParaRPr lang="en-US"/>
+        </a:p>
+      </dgm:t>
+    </dgm:pt>
+    <dgm:pt modelId="{CD52FBA2-DB57-457F-BF9C-C215954791D2}" type="pres">
+      <dgm:prSet presAssocID="{F758DE4A-AF8F-4642-9F20-0910D51B3749}" presName="connectorText" presStyleLbl="sibTrans2D1" presStyleIdx="3" presStyleCnt="4"/>
+      <dgm:spPr/>
+      <dgm:t>
+        <a:bodyPr/>
+        <a:lstStyle/>
+        <a:p>
+          <a:endParaRPr lang="en-US"/>
+        </a:p>
+      </dgm:t>
+    </dgm:pt>
+  </dgm:ptLst>
+  <dgm:cxnLst>
+    <dgm:cxn modelId="{523E40C3-BAAE-4BDB-B0A6-5B8F9CB17151}" type="presOf" srcId="{9C0E2CA4-744F-44C1-AF8D-32951179B3EC}" destId="{1CAC3338-C130-4861-AE7B-A69033E92718}" srcOrd="0" destOrd="0" presId="urn:microsoft.com/office/officeart/2005/8/layout/cycle2"/>
+    <dgm:cxn modelId="{FDE76C4B-05A4-4779-8429-1169B103A25D}" type="presOf" srcId="{AD3E5398-E9E0-4E42-BCC9-D8820B90B1FB}" destId="{6CB6C22C-45D1-4921-B019-37E18F399A24}" srcOrd="0" destOrd="0" presId="urn:microsoft.com/office/officeart/2005/8/layout/cycle2"/>
+    <dgm:cxn modelId="{34F07AE0-2D54-4FFB-8A83-0071D8CC6E3D}" type="presOf" srcId="{C53E6838-5DA5-4754-B4E2-86D13141604E}" destId="{A167945A-F89D-4397-9D92-7EC3CFCB3A03}" srcOrd="1" destOrd="0" presId="urn:microsoft.com/office/officeart/2005/8/layout/cycle2"/>
+    <dgm:cxn modelId="{EC471369-68E0-44A4-85EC-EBB9CB2DE6D6}" srcId="{9C0E2CA4-744F-44C1-AF8D-32951179B3EC}" destId="{AD3E5398-E9E0-4E42-BCC9-D8820B90B1FB}" srcOrd="2" destOrd="0" parTransId="{91E26694-5280-4F38-A99D-2323B823A62E}" sibTransId="{5C5FCAE7-DD4A-440A-A309-08B507BDBE4D}"/>
+    <dgm:cxn modelId="{B8801F57-4A9F-407D-B9B6-276DC81CBB39}" srcId="{9C0E2CA4-744F-44C1-AF8D-32951179B3EC}" destId="{70001328-16F6-40B8-B034-8B63C6347611}" srcOrd="1" destOrd="0" parTransId="{E8C021ED-2D82-4837-8049-A14D44901631}" sibTransId="{C53E6838-5DA5-4754-B4E2-86D13141604E}"/>
+    <dgm:cxn modelId="{AF635921-B396-40F9-BFC8-CA2383B28137}" srcId="{9C0E2CA4-744F-44C1-AF8D-32951179B3EC}" destId="{39F2B261-B7E6-41C9-9A03-BF7A18D5AE07}" srcOrd="3" destOrd="0" parTransId="{B54D6B98-B7EB-4771-8027-B788EBDD1E43}" sibTransId="{F758DE4A-AF8F-4642-9F20-0910D51B3749}"/>
+    <dgm:cxn modelId="{588A68F6-CB04-4965-95A6-752E31735CBB}" type="presOf" srcId="{77573696-C6EB-461E-A870-6B1BC7BB5CD0}" destId="{5E965E1B-8117-417A-AF2C-EE3F901C2B1D}" srcOrd="0" destOrd="0" presId="urn:microsoft.com/office/officeart/2005/8/layout/cycle2"/>
+    <dgm:cxn modelId="{8F9ACBDB-8860-49E3-A094-6E2301D68EC6}" srcId="{9C0E2CA4-744F-44C1-AF8D-32951179B3EC}" destId="{77573696-C6EB-461E-A870-6B1BC7BB5CD0}" srcOrd="0" destOrd="0" parTransId="{A49FEBBF-9866-45F4-B78C-0731FB3BDF07}" sibTransId="{680A9B4A-9CA0-40AB-B4C2-BF29A3AD51C9}"/>
+    <dgm:cxn modelId="{444F7BE8-7D19-4331-9506-8E2843F7D5C0}" type="presOf" srcId="{70001328-16F6-40B8-B034-8B63C6347611}" destId="{24EFD81F-AA69-44F2-83C2-806B40FDD526}" srcOrd="0" destOrd="0" presId="urn:microsoft.com/office/officeart/2005/8/layout/cycle2"/>
+    <dgm:cxn modelId="{29BF8D4E-F746-4F70-A459-EAD46BBF6E06}" type="presOf" srcId="{680A9B4A-9CA0-40AB-B4C2-BF29A3AD51C9}" destId="{7B54B8A5-6606-4C3C-9500-31A30500CCD7}" srcOrd="1" destOrd="0" presId="urn:microsoft.com/office/officeart/2005/8/layout/cycle2"/>
+    <dgm:cxn modelId="{65127703-01AA-4425-BB14-B3CD3DFD3651}" type="presOf" srcId="{39F2B261-B7E6-41C9-9A03-BF7A18D5AE07}" destId="{015190AF-6814-4124-9780-D1FE7582EDA2}" srcOrd="0" destOrd="0" presId="urn:microsoft.com/office/officeart/2005/8/layout/cycle2"/>
+    <dgm:cxn modelId="{414FB5C9-CBC4-422C-BE77-631634FBFB4E}" type="presOf" srcId="{F758DE4A-AF8F-4642-9F20-0910D51B3749}" destId="{CD52FBA2-DB57-457F-BF9C-C215954791D2}" srcOrd="1" destOrd="0" presId="urn:microsoft.com/office/officeart/2005/8/layout/cycle2"/>
+    <dgm:cxn modelId="{42DE5CC3-82F8-4081-92C7-ABF2A64ED109}" type="presOf" srcId="{680A9B4A-9CA0-40AB-B4C2-BF29A3AD51C9}" destId="{0EB7CA57-BE36-4B74-B166-DB62B0C2EF0D}" srcOrd="0" destOrd="0" presId="urn:microsoft.com/office/officeart/2005/8/layout/cycle2"/>
+    <dgm:cxn modelId="{3E4F0A96-C334-477C-B52C-F2C8445FDAE7}" type="presOf" srcId="{C53E6838-5DA5-4754-B4E2-86D13141604E}" destId="{7CC276FD-6F19-4E05-B00B-85069AD9148E}" srcOrd="0" destOrd="0" presId="urn:microsoft.com/office/officeart/2005/8/layout/cycle2"/>
+    <dgm:cxn modelId="{8A104C9B-B492-4325-90FC-E66B0AAAC20A}" type="presOf" srcId="{5C5FCAE7-DD4A-440A-A309-08B507BDBE4D}" destId="{E74D0B9F-AA38-4716-BB64-90BE35523337}" srcOrd="0" destOrd="0" presId="urn:microsoft.com/office/officeart/2005/8/layout/cycle2"/>
+    <dgm:cxn modelId="{0CD136E1-7BE0-464C-BB7E-5C35997A1A28}" type="presOf" srcId="{5C5FCAE7-DD4A-440A-A309-08B507BDBE4D}" destId="{1284F3CF-717B-486C-9098-5C0FB28AEF94}" srcOrd="1" destOrd="0" presId="urn:microsoft.com/office/officeart/2005/8/layout/cycle2"/>
+    <dgm:cxn modelId="{56D189FD-2BFC-4AAC-9330-81727944FDD1}" type="presOf" srcId="{F758DE4A-AF8F-4642-9F20-0910D51B3749}" destId="{2E4547E8-5A26-4145-B8D5-9870E6925ED4}" srcOrd="0" destOrd="0" presId="urn:microsoft.com/office/officeart/2005/8/layout/cycle2"/>
+    <dgm:cxn modelId="{0B6EC18C-823B-4AF0-AD3F-31F3F9993358}" type="presParOf" srcId="{1CAC3338-C130-4861-AE7B-A69033E92718}" destId="{5E965E1B-8117-417A-AF2C-EE3F901C2B1D}" srcOrd="0" destOrd="0" presId="urn:microsoft.com/office/officeart/2005/8/layout/cycle2"/>
+    <dgm:cxn modelId="{54C2C981-0B3B-4BB6-BFC8-28D571303A4B}" type="presParOf" srcId="{1CAC3338-C130-4861-AE7B-A69033E92718}" destId="{0EB7CA57-BE36-4B74-B166-DB62B0C2EF0D}" srcOrd="1" destOrd="0" presId="urn:microsoft.com/office/officeart/2005/8/layout/cycle2"/>
+    <dgm:cxn modelId="{91B40722-0A31-4DE2-ADC0-DDE0756AEF21}" type="presParOf" srcId="{0EB7CA57-BE36-4B74-B166-DB62B0C2EF0D}" destId="{7B54B8A5-6606-4C3C-9500-31A30500CCD7}" srcOrd="0" destOrd="0" presId="urn:microsoft.com/office/officeart/2005/8/layout/cycle2"/>
+    <dgm:cxn modelId="{5B215928-6072-4966-9B89-D7EA2D3254F9}" type="presParOf" srcId="{1CAC3338-C130-4861-AE7B-A69033E92718}" destId="{24EFD81F-AA69-44F2-83C2-806B40FDD526}" srcOrd="2" destOrd="0" presId="urn:microsoft.com/office/officeart/2005/8/layout/cycle2"/>
+    <dgm:cxn modelId="{10871D6F-C936-49F4-AB6D-1C1018392582}" type="presParOf" srcId="{1CAC3338-C130-4861-AE7B-A69033E92718}" destId="{7CC276FD-6F19-4E05-B00B-85069AD9148E}" srcOrd="3" destOrd="0" presId="urn:microsoft.com/office/officeart/2005/8/layout/cycle2"/>
+    <dgm:cxn modelId="{853CFF67-9B61-4387-8491-FEF41DC6F6E8}" type="presParOf" srcId="{7CC276FD-6F19-4E05-B00B-85069AD9148E}" destId="{A167945A-F89D-4397-9D92-7EC3CFCB3A03}" srcOrd="0" destOrd="0" presId="urn:microsoft.com/office/officeart/2005/8/layout/cycle2"/>
+    <dgm:cxn modelId="{2A187968-3740-499C-8924-F05F81547CEE}" type="presParOf" srcId="{1CAC3338-C130-4861-AE7B-A69033E92718}" destId="{6CB6C22C-45D1-4921-B019-37E18F399A24}" srcOrd="4" destOrd="0" presId="urn:microsoft.com/office/officeart/2005/8/layout/cycle2"/>
+    <dgm:cxn modelId="{17057816-0A68-4030-ACF9-B9CB1CDEE5AD}" type="presParOf" srcId="{1CAC3338-C130-4861-AE7B-A69033E92718}" destId="{E74D0B9F-AA38-4716-BB64-90BE35523337}" srcOrd="5" destOrd="0" presId="urn:microsoft.com/office/officeart/2005/8/layout/cycle2"/>
+    <dgm:cxn modelId="{36A42048-FD0C-440E-B6B1-AB68AD037BA1}" type="presParOf" srcId="{E74D0B9F-AA38-4716-BB64-90BE35523337}" destId="{1284F3CF-717B-486C-9098-5C0FB28AEF94}" srcOrd="0" destOrd="0" presId="urn:microsoft.com/office/officeart/2005/8/layout/cycle2"/>
+    <dgm:cxn modelId="{289C7868-B179-44B6-B893-A47AFAAB6FCB}" type="presParOf" srcId="{1CAC3338-C130-4861-AE7B-A69033E92718}" destId="{015190AF-6814-4124-9780-D1FE7582EDA2}" srcOrd="6" destOrd="0" presId="urn:microsoft.com/office/officeart/2005/8/layout/cycle2"/>
+    <dgm:cxn modelId="{1FF68CE8-2B17-49DC-8AC9-1AE2E6BFBBB1}" type="presParOf" srcId="{1CAC3338-C130-4861-AE7B-A69033E92718}" destId="{2E4547E8-5A26-4145-B8D5-9870E6925ED4}" srcOrd="7" destOrd="0" presId="urn:microsoft.com/office/officeart/2005/8/layout/cycle2"/>
+    <dgm:cxn modelId="{314741C0-7585-4841-84D9-D441D1CAA300}" type="presParOf" srcId="{2E4547E8-5A26-4145-B8D5-9870E6925ED4}" destId="{CD52FBA2-DB57-457F-BF9C-C215954791D2}" srcOrd="0" destOrd="0" presId="urn:microsoft.com/office/officeart/2005/8/layout/cycle2"/>
+  </dgm:cxnLst>
+  <dgm:bg/>
+  <dgm:whole/>
+  <dgm:extLst>
+    <a:ext uri="http://schemas.microsoft.com/office/drawing/2008/diagram">
+      <dsp:dataModelExt xmlns:dsp="http://schemas.microsoft.com/office/drawing/2008/diagram" relId="rId6" minVer="http://schemas.openxmlformats.org/drawingml/2006/diagram"/>
+    </a:ext>
+  </dgm:extLst>
+</dgm:dataModel>
+</file>
+
+<file path=ppt/diagrams/drawing1.xml><?xml version="1.0" encoding="utf-8"?>
+<dsp:drawing xmlns:dgm="http://schemas.openxmlformats.org/drawingml/2006/diagram" xmlns:dsp="http://schemas.microsoft.com/office/drawing/2008/diagram" xmlns:a="http://schemas.openxmlformats.org/drawingml/2006/main">
+  <dsp:spTree>
+    <dsp:nvGrpSpPr>
+      <dsp:cNvPr id="0" name=""/>
+      <dsp:cNvGrpSpPr/>
+    </dsp:nvGrpSpPr>
+    <dsp:grpSpPr/>
+    <dsp:sp modelId="{5E965E1B-8117-417A-AF2C-EE3F901C2B1D}">
+      <dsp:nvSpPr>
+        <dsp:cNvPr id="0" name=""/>
+        <dsp:cNvSpPr/>
+      </dsp:nvSpPr>
+      <dsp:spPr>
+        <a:xfrm>
+          <a:off x="400454" y="61955"/>
+          <a:ext cx="377439" cy="377439"/>
+        </a:xfrm>
+        <a:prstGeom prst="ellipse">
+          <a:avLst/>
+        </a:prstGeom>
+        <a:solidFill>
+          <a:schemeClr val="accent2">
+            <a:hueOff val="0"/>
+            <a:satOff val="0"/>
+            <a:lumOff val="0"/>
+            <a:alphaOff val="0"/>
+          </a:schemeClr>
+        </a:solidFill>
+        <a:ln w="19050" cap="rnd" cmpd="sng" algn="ctr">
+          <a:solidFill>
+            <a:schemeClr val="lt1">
+              <a:hueOff val="0"/>
+              <a:satOff val="0"/>
+              <a:lumOff val="0"/>
+              <a:alphaOff val="0"/>
+            </a:schemeClr>
+          </a:solidFill>
+          <a:prstDash val="solid"/>
+        </a:ln>
+        <a:effectLst/>
+      </dsp:spPr>
+      <dsp:style>
+        <a:lnRef idx="2">
+          <a:scrgbClr r="0" g="0" b="0"/>
+        </a:lnRef>
+        <a:fillRef idx="1">
+          <a:scrgbClr r="0" g="0" b="0"/>
+        </a:fillRef>
+        <a:effectRef idx="0">
+          <a:scrgbClr r="0" g="0" b="0"/>
+        </a:effectRef>
+        <a:fontRef idx="minor">
+          <a:schemeClr val="lt1"/>
+        </a:fontRef>
+      </dsp:style>
+      <dsp:txBody>
+        <a:bodyPr spcFirstLastPara="0" vert="horz" wrap="square" lIns="6350" tIns="6350" rIns="6350" bIns="6350" numCol="1" spcCol="1270" anchor="ctr" anchorCtr="0">
+          <a:noAutofit/>
+        </a:bodyPr>
+        <a:lstStyle/>
+        <a:p>
+          <a:pPr lvl="0" algn="ctr" defTabSz="222250">
+            <a:lnSpc>
+              <a:spcPct val="90000"/>
+            </a:lnSpc>
+            <a:spcBef>
+              <a:spcPct val="0"/>
+            </a:spcBef>
+            <a:spcAft>
+              <a:spcPct val="35000"/>
+            </a:spcAft>
+          </a:pPr>
+          <a:r>
+            <a:rPr lang="en-US" sz="500" kern="1200" dirty="0"/>
+            <a:t>Code</a:t>
+          </a:r>
+        </a:p>
+      </dsp:txBody>
+      <dsp:txXfrm>
+        <a:off x="455729" y="117230"/>
+        <a:ext cx="266889" cy="266889"/>
+      </dsp:txXfrm>
+    </dsp:sp>
+    <dsp:sp modelId="{0EB7CA57-BE36-4B74-B166-DB62B0C2EF0D}">
+      <dsp:nvSpPr>
+        <dsp:cNvPr id="0" name=""/>
+        <dsp:cNvSpPr/>
+      </dsp:nvSpPr>
+      <dsp:spPr>
+        <a:xfrm rot="2700000">
+          <a:off x="737339" y="385190"/>
+          <a:ext cx="100086" cy="127385"/>
+        </a:xfrm>
+        <a:prstGeom prst="rightArrow">
+          <a:avLst>
+            <a:gd name="adj1" fmla="val 60000"/>
+            <a:gd name="adj2" fmla="val 50000"/>
+          </a:avLst>
+        </a:prstGeom>
+        <a:solidFill>
+          <a:schemeClr val="accent2">
+            <a:hueOff val="0"/>
+            <a:satOff val="0"/>
+            <a:lumOff val="0"/>
+            <a:alphaOff val="0"/>
+          </a:schemeClr>
+        </a:solidFill>
+        <a:ln>
+          <a:noFill/>
+        </a:ln>
+        <a:effectLst/>
+      </dsp:spPr>
+      <dsp:style>
+        <a:lnRef idx="0">
+          <a:scrgbClr r="0" g="0" b="0"/>
+        </a:lnRef>
+        <a:fillRef idx="1">
+          <a:scrgbClr r="0" g="0" b="0"/>
+        </a:fillRef>
+        <a:effectRef idx="0">
+          <a:scrgbClr r="0" g="0" b="0"/>
+        </a:effectRef>
+        <a:fontRef idx="minor">
+          <a:schemeClr val="lt1"/>
+        </a:fontRef>
+      </dsp:style>
+      <dsp:txBody>
+        <a:bodyPr spcFirstLastPara="0" vert="horz" wrap="square" lIns="0" tIns="0" rIns="0" bIns="0" numCol="1" spcCol="1270" anchor="ctr" anchorCtr="0">
+          <a:noAutofit/>
+        </a:bodyPr>
+        <a:lstStyle/>
+        <a:p>
+          <a:pPr lvl="0" algn="ctr" defTabSz="177800">
+            <a:lnSpc>
+              <a:spcPct val="90000"/>
+            </a:lnSpc>
+            <a:spcBef>
+              <a:spcPct val="0"/>
+            </a:spcBef>
+            <a:spcAft>
+              <a:spcPct val="35000"/>
+            </a:spcAft>
+          </a:pPr>
+          <a:endParaRPr lang="en-US" sz="400" kern="1200"/>
+        </a:p>
+      </dsp:txBody>
+      <dsp:txXfrm>
+        <a:off x="741736" y="400051"/>
+        <a:ext cx="70060" cy="76431"/>
+      </dsp:txXfrm>
+    </dsp:sp>
+    <dsp:sp modelId="{24EFD81F-AA69-44F2-83C2-806B40FDD526}">
+      <dsp:nvSpPr>
+        <dsp:cNvPr id="0" name=""/>
+        <dsp:cNvSpPr/>
+      </dsp:nvSpPr>
+      <dsp:spPr>
+        <a:xfrm>
+          <a:off x="800876" y="462377"/>
+          <a:ext cx="377439" cy="377439"/>
+        </a:xfrm>
+        <a:prstGeom prst="ellipse">
+          <a:avLst/>
+        </a:prstGeom>
+        <a:solidFill>
+          <a:schemeClr val="accent2">
+            <a:hueOff val="37813"/>
+            <a:satOff val="4346"/>
+            <a:lumOff val="-3464"/>
+            <a:alphaOff val="0"/>
+          </a:schemeClr>
+        </a:solidFill>
+        <a:ln w="19050" cap="rnd" cmpd="sng" algn="ctr">
+          <a:solidFill>
+            <a:schemeClr val="lt1">
+              <a:hueOff val="0"/>
+              <a:satOff val="0"/>
+              <a:lumOff val="0"/>
+              <a:alphaOff val="0"/>
+            </a:schemeClr>
+          </a:solidFill>
+          <a:prstDash val="solid"/>
+        </a:ln>
+        <a:effectLst/>
+      </dsp:spPr>
+      <dsp:style>
+        <a:lnRef idx="2">
+          <a:scrgbClr r="0" g="0" b="0"/>
+        </a:lnRef>
+        <a:fillRef idx="1">
+          <a:scrgbClr r="0" g="0" b="0"/>
+        </a:fillRef>
+        <a:effectRef idx="0">
+          <a:scrgbClr r="0" g="0" b="0"/>
+        </a:effectRef>
+        <a:fontRef idx="minor">
+          <a:schemeClr val="lt1"/>
+        </a:fontRef>
+      </dsp:style>
+      <dsp:txBody>
+        <a:bodyPr spcFirstLastPara="0" vert="horz" wrap="square" lIns="6350" tIns="6350" rIns="6350" bIns="6350" numCol="1" spcCol="1270" anchor="ctr" anchorCtr="0">
+          <a:noAutofit/>
+        </a:bodyPr>
+        <a:lstStyle/>
+        <a:p>
+          <a:pPr lvl="0" algn="ctr" defTabSz="222250">
+            <a:lnSpc>
+              <a:spcPct val="90000"/>
+            </a:lnSpc>
+            <a:spcBef>
+              <a:spcPct val="0"/>
+            </a:spcBef>
+            <a:spcAft>
+              <a:spcPct val="35000"/>
+            </a:spcAft>
+          </a:pPr>
+          <a:r>
+            <a:rPr lang="en-US" sz="500" kern="1200" dirty="0"/>
+            <a:t>Run</a:t>
+          </a:r>
+        </a:p>
+      </dsp:txBody>
+      <dsp:txXfrm>
+        <a:off x="856151" y="517652"/>
+        <a:ext cx="266889" cy="266889"/>
+      </dsp:txXfrm>
+    </dsp:sp>
+    <dsp:sp modelId="{7CC276FD-6F19-4E05-B00B-85069AD9148E}">
+      <dsp:nvSpPr>
+        <dsp:cNvPr id="0" name=""/>
+        <dsp:cNvSpPr/>
+      </dsp:nvSpPr>
+      <dsp:spPr>
+        <a:xfrm rot="8100000">
+          <a:off x="741345" y="785611"/>
+          <a:ext cx="100086" cy="127385"/>
+        </a:xfrm>
+        <a:prstGeom prst="rightArrow">
+          <a:avLst>
+            <a:gd name="adj1" fmla="val 60000"/>
+            <a:gd name="adj2" fmla="val 50000"/>
+          </a:avLst>
+        </a:prstGeom>
+        <a:solidFill>
+          <a:schemeClr val="accent2">
+            <a:hueOff val="37813"/>
+            <a:satOff val="4346"/>
+            <a:lumOff val="-3464"/>
+            <a:alphaOff val="0"/>
+          </a:schemeClr>
+        </a:solidFill>
+        <a:ln>
+          <a:noFill/>
+        </a:ln>
+        <a:effectLst/>
+      </dsp:spPr>
+      <dsp:style>
+        <a:lnRef idx="0">
+          <a:scrgbClr r="0" g="0" b="0"/>
+        </a:lnRef>
+        <a:fillRef idx="1">
+          <a:scrgbClr r="0" g="0" b="0"/>
+        </a:fillRef>
+        <a:effectRef idx="0">
+          <a:scrgbClr r="0" g="0" b="0"/>
+        </a:effectRef>
+        <a:fontRef idx="minor">
+          <a:schemeClr val="lt1"/>
+        </a:fontRef>
+      </dsp:style>
+      <dsp:txBody>
+        <a:bodyPr spcFirstLastPara="0" vert="horz" wrap="square" lIns="0" tIns="0" rIns="0" bIns="0" numCol="1" spcCol="1270" anchor="ctr" anchorCtr="0">
+          <a:noAutofit/>
+        </a:bodyPr>
+        <a:lstStyle/>
+        <a:p>
+          <a:pPr lvl="0" algn="ctr" defTabSz="177800">
+            <a:lnSpc>
+              <a:spcPct val="90000"/>
+            </a:lnSpc>
+            <a:spcBef>
+              <a:spcPct val="0"/>
+            </a:spcBef>
+            <a:spcAft>
+              <a:spcPct val="35000"/>
+            </a:spcAft>
+          </a:pPr>
+          <a:endParaRPr lang="en-US" sz="400" kern="1200"/>
+        </a:p>
+      </dsp:txBody>
+      <dsp:txXfrm rot="10800000">
+        <a:off x="766974" y="800472"/>
+        <a:ext cx="70060" cy="76431"/>
+      </dsp:txXfrm>
+    </dsp:sp>
+    <dsp:sp modelId="{6CB6C22C-45D1-4921-B019-37E18F399A24}">
+      <dsp:nvSpPr>
+        <dsp:cNvPr id="0" name=""/>
+        <dsp:cNvSpPr/>
+      </dsp:nvSpPr>
+      <dsp:spPr>
+        <a:xfrm>
+          <a:off x="400454" y="862798"/>
+          <a:ext cx="377439" cy="377439"/>
+        </a:xfrm>
+        <a:prstGeom prst="ellipse">
+          <a:avLst/>
+        </a:prstGeom>
+        <a:solidFill>
+          <a:schemeClr val="accent2">
+            <a:hueOff val="75626"/>
+            <a:satOff val="8693"/>
+            <a:lumOff val="-6929"/>
+            <a:alphaOff val="0"/>
+          </a:schemeClr>
+        </a:solidFill>
+        <a:ln w="19050" cap="rnd" cmpd="sng" algn="ctr">
+          <a:solidFill>
+            <a:schemeClr val="lt1">
+              <a:hueOff val="0"/>
+              <a:satOff val="0"/>
+              <a:lumOff val="0"/>
+              <a:alphaOff val="0"/>
+            </a:schemeClr>
+          </a:solidFill>
+          <a:prstDash val="solid"/>
+        </a:ln>
+        <a:effectLst/>
+      </dsp:spPr>
+      <dsp:style>
+        <a:lnRef idx="2">
+          <a:scrgbClr r="0" g="0" b="0"/>
+        </a:lnRef>
+        <a:fillRef idx="1">
+          <a:scrgbClr r="0" g="0" b="0"/>
+        </a:fillRef>
+        <a:effectRef idx="0">
+          <a:scrgbClr r="0" g="0" b="0"/>
+        </a:effectRef>
+        <a:fontRef idx="minor">
+          <a:schemeClr val="lt1"/>
+        </a:fontRef>
+      </dsp:style>
+      <dsp:txBody>
+        <a:bodyPr spcFirstLastPara="0" vert="horz" wrap="square" lIns="6350" tIns="6350" rIns="6350" bIns="6350" numCol="1" spcCol="1270" anchor="ctr" anchorCtr="0">
+          <a:noAutofit/>
+        </a:bodyPr>
+        <a:lstStyle/>
+        <a:p>
+          <a:pPr lvl="0" algn="ctr" defTabSz="222250">
+            <a:lnSpc>
+              <a:spcPct val="90000"/>
+            </a:lnSpc>
+            <a:spcBef>
+              <a:spcPct val="0"/>
+            </a:spcBef>
+            <a:spcAft>
+              <a:spcPct val="35000"/>
+            </a:spcAft>
+          </a:pPr>
+          <a:r>
+            <a:rPr lang="en-US" sz="500" kern="1200" dirty="0"/>
+            <a:t>Validate</a:t>
+          </a:r>
+        </a:p>
+      </dsp:txBody>
+      <dsp:txXfrm>
+        <a:off x="455729" y="918073"/>
+        <a:ext cx="266889" cy="266889"/>
+      </dsp:txXfrm>
+    </dsp:sp>
+    <dsp:sp modelId="{E74D0B9F-AA38-4716-BB64-90BE35523337}">
+      <dsp:nvSpPr>
+        <dsp:cNvPr id="0" name=""/>
+        <dsp:cNvSpPr/>
+      </dsp:nvSpPr>
+      <dsp:spPr>
+        <a:xfrm rot="13500000">
+          <a:off x="340923" y="789617"/>
+          <a:ext cx="100086" cy="127385"/>
+        </a:xfrm>
+        <a:prstGeom prst="rightArrow">
+          <a:avLst>
+            <a:gd name="adj1" fmla="val 60000"/>
+            <a:gd name="adj2" fmla="val 50000"/>
+          </a:avLst>
+        </a:prstGeom>
+        <a:solidFill>
+          <a:schemeClr val="accent2">
+            <a:hueOff val="75626"/>
+            <a:satOff val="8693"/>
+            <a:lumOff val="-6929"/>
+            <a:alphaOff val="0"/>
+          </a:schemeClr>
+        </a:solidFill>
+        <a:ln>
+          <a:noFill/>
+        </a:ln>
+        <a:effectLst/>
+      </dsp:spPr>
+      <dsp:style>
+        <a:lnRef idx="0">
+          <a:scrgbClr r="0" g="0" b="0"/>
+        </a:lnRef>
+        <a:fillRef idx="1">
+          <a:scrgbClr r="0" g="0" b="0"/>
+        </a:fillRef>
+        <a:effectRef idx="0">
+          <a:scrgbClr r="0" g="0" b="0"/>
+        </a:effectRef>
+        <a:fontRef idx="minor">
+          <a:schemeClr val="lt1"/>
+        </a:fontRef>
+      </dsp:style>
+      <dsp:txBody>
+        <a:bodyPr spcFirstLastPara="0" vert="horz" wrap="square" lIns="0" tIns="0" rIns="0" bIns="0" numCol="1" spcCol="1270" anchor="ctr" anchorCtr="0">
+          <a:noAutofit/>
+        </a:bodyPr>
+        <a:lstStyle/>
+        <a:p>
+          <a:pPr lvl="0" algn="ctr" defTabSz="177800">
+            <a:lnSpc>
+              <a:spcPct val="90000"/>
+            </a:lnSpc>
+            <a:spcBef>
+              <a:spcPct val="0"/>
+            </a:spcBef>
+            <a:spcAft>
+              <a:spcPct val="35000"/>
+            </a:spcAft>
+          </a:pPr>
+          <a:endParaRPr lang="en-US" sz="400" kern="1200"/>
+        </a:p>
+      </dsp:txBody>
+      <dsp:txXfrm rot="10800000">
+        <a:off x="366552" y="825710"/>
+        <a:ext cx="70060" cy="76431"/>
+      </dsp:txXfrm>
+    </dsp:sp>
+    <dsp:sp modelId="{015190AF-6814-4124-9780-D1FE7582EDA2}">
+      <dsp:nvSpPr>
+        <dsp:cNvPr id="0" name=""/>
+        <dsp:cNvSpPr/>
+      </dsp:nvSpPr>
+      <dsp:spPr>
+        <a:xfrm>
+          <a:off x="32" y="462377"/>
+          <a:ext cx="377439" cy="377439"/>
+        </a:xfrm>
+        <a:prstGeom prst="ellipse">
+          <a:avLst/>
+        </a:prstGeom>
+        <a:solidFill>
+          <a:schemeClr val="accent2">
+            <a:hueOff val="113439"/>
+            <a:satOff val="13039"/>
+            <a:lumOff val="-10393"/>
+            <a:alphaOff val="0"/>
+          </a:schemeClr>
+        </a:solidFill>
+        <a:ln w="19050" cap="rnd" cmpd="sng" algn="ctr">
+          <a:solidFill>
+            <a:schemeClr val="lt1">
+              <a:hueOff val="0"/>
+              <a:satOff val="0"/>
+              <a:lumOff val="0"/>
+              <a:alphaOff val="0"/>
+            </a:schemeClr>
+          </a:solidFill>
+          <a:prstDash val="solid"/>
+        </a:ln>
+        <a:effectLst/>
+      </dsp:spPr>
+      <dsp:style>
+        <a:lnRef idx="2">
+          <a:scrgbClr r="0" g="0" b="0"/>
+        </a:lnRef>
+        <a:fillRef idx="1">
+          <a:scrgbClr r="0" g="0" b="0"/>
+        </a:fillRef>
+        <a:effectRef idx="0">
+          <a:scrgbClr r="0" g="0" b="0"/>
+        </a:effectRef>
+        <a:fontRef idx="minor">
+          <a:schemeClr val="lt1"/>
+        </a:fontRef>
+      </dsp:style>
+      <dsp:txBody>
+        <a:bodyPr spcFirstLastPara="0" vert="horz" wrap="square" lIns="6350" tIns="6350" rIns="6350" bIns="6350" numCol="1" spcCol="1270" anchor="ctr" anchorCtr="0">
+          <a:noAutofit/>
+        </a:bodyPr>
+        <a:lstStyle/>
+        <a:p>
+          <a:pPr lvl="0" algn="ctr" defTabSz="222250">
+            <a:lnSpc>
+              <a:spcPct val="90000"/>
+            </a:lnSpc>
+            <a:spcBef>
+              <a:spcPct val="0"/>
+            </a:spcBef>
+            <a:spcAft>
+              <a:spcPct val="35000"/>
+            </a:spcAft>
+          </a:pPr>
+          <a:r>
+            <a:rPr lang="en-US" sz="500" kern="1200" dirty="0"/>
+            <a:t>Debug</a:t>
+          </a:r>
+        </a:p>
+      </dsp:txBody>
+      <dsp:txXfrm>
+        <a:off x="55307" y="517652"/>
+        <a:ext cx="266889" cy="266889"/>
+      </dsp:txXfrm>
+    </dsp:sp>
+    <dsp:sp modelId="{2E4547E8-5A26-4145-B8D5-9870E6925ED4}">
+      <dsp:nvSpPr>
+        <dsp:cNvPr id="0" name=""/>
+        <dsp:cNvSpPr/>
+      </dsp:nvSpPr>
+      <dsp:spPr>
+        <a:xfrm rot="18900000">
+          <a:off x="336917" y="389196"/>
+          <a:ext cx="100086" cy="127385"/>
+        </a:xfrm>
+        <a:prstGeom prst="rightArrow">
+          <a:avLst>
+            <a:gd name="adj1" fmla="val 60000"/>
+            <a:gd name="adj2" fmla="val 50000"/>
+          </a:avLst>
+        </a:prstGeom>
+        <a:solidFill>
+          <a:schemeClr val="accent2">
+            <a:hueOff val="113439"/>
+            <a:satOff val="13039"/>
+            <a:lumOff val="-10393"/>
+            <a:alphaOff val="0"/>
+          </a:schemeClr>
+        </a:solidFill>
+        <a:ln>
+          <a:noFill/>
+        </a:ln>
+        <a:effectLst/>
+      </dsp:spPr>
+      <dsp:style>
+        <a:lnRef idx="0">
+          <a:scrgbClr r="0" g="0" b="0"/>
+        </a:lnRef>
+        <a:fillRef idx="1">
+          <a:scrgbClr r="0" g="0" b="0"/>
+        </a:fillRef>
+        <a:effectRef idx="0">
+          <a:scrgbClr r="0" g="0" b="0"/>
+        </a:effectRef>
+        <a:fontRef idx="minor">
+          <a:schemeClr val="lt1"/>
+        </a:fontRef>
+      </dsp:style>
+      <dsp:txBody>
+        <a:bodyPr spcFirstLastPara="0" vert="horz" wrap="square" lIns="0" tIns="0" rIns="0" bIns="0" numCol="1" spcCol="1270" anchor="ctr" anchorCtr="0">
+          <a:noAutofit/>
+        </a:bodyPr>
+        <a:lstStyle/>
+        <a:p>
+          <a:pPr lvl="0" algn="ctr" defTabSz="177800">
+            <a:lnSpc>
+              <a:spcPct val="90000"/>
+            </a:lnSpc>
+            <a:spcBef>
+              <a:spcPct val="0"/>
+            </a:spcBef>
+            <a:spcAft>
+              <a:spcPct val="35000"/>
+            </a:spcAft>
+          </a:pPr>
+          <a:endParaRPr lang="en-US" sz="400" kern="1200"/>
+        </a:p>
+      </dsp:txBody>
+      <dsp:txXfrm>
+        <a:off x="341314" y="425289"/>
+        <a:ext cx="70060" cy="76431"/>
+      </dsp:txXfrm>
+    </dsp:sp>
+  </dsp:spTree>
+</dsp:drawing>
+</file>
+
+<file path=ppt/diagrams/layout1.xml><?xml version="1.0" encoding="utf-8"?>
+<dgm:layoutDef xmlns:dgm="http://schemas.openxmlformats.org/drawingml/2006/diagram" xmlns:a="http://schemas.openxmlformats.org/drawingml/2006/main" uniqueId="urn:microsoft.com/office/officeart/2005/8/layout/cycle2">
+  <dgm:title val=""/>
+  <dgm:desc val=""/>
+  <dgm:catLst>
+    <dgm:cat type="cycle" pri="1000"/>
+    <dgm:cat type="convert" pri="10000"/>
+  </dgm:catLst>
+  <dgm:sampData>
+    <dgm:dataModel>
+      <dgm:ptLst>
+        <dgm:pt modelId="0" type="doc"/>
+        <dgm:pt modelId="1">
+          <dgm:prSet phldr="1"/>
+        </dgm:pt>
+        <dgm:pt modelId="2">
+          <dgm:prSet phldr="1"/>
+        </dgm:pt>
+        <dgm:pt modelId="3">
+          <dgm:prSet phldr="1"/>
+        </dgm:pt>
+        <dgm:pt modelId="4">
+          <dgm:prSet phldr="1"/>
+        </dgm:pt>
+        <dgm:pt modelId="5">
+          <dgm:prSet phldr="1"/>
+        </dgm:pt>
+      </dgm:ptLst>
+      <dgm:cxnLst>
+        <dgm:cxn modelId="6" srcId="0" destId="1" srcOrd="0" destOrd="0"/>
+        <dgm:cxn modelId="7" srcId="0" destId="2" srcOrd="1" destOrd="0"/>
+        <dgm:cxn modelId="8" srcId="0" destId="3" srcOrd="2" destOrd="0"/>
+        <dgm:cxn modelId="9" srcId="0" destId="4" srcOrd="3" destOrd="0"/>
+        <dgm:cxn modelId="10" srcId="0" destId="5" srcOrd="4" destOrd="0"/>
+      </dgm:cxnLst>
+      <dgm:bg/>
+      <dgm:whole/>
+    </dgm:dataModel>
+  </dgm:sampData>
+  <dgm:styleData>
+    <dgm:dataModel>
+      <dgm:ptLst>
+        <dgm:pt modelId="0" type="doc"/>
+        <dgm:pt modelId="1"/>
+        <dgm:pt modelId="2"/>
+        <dgm:pt modelId="3"/>
+      </dgm:ptLst>
+      <dgm:cxnLst>
+        <dgm:cxn modelId="4" srcId="0" destId="1" srcOrd="0" destOrd="0"/>
+        <dgm:cxn modelId="5" srcId="0" destId="2" srcOrd="1" destOrd="0"/>
+        <dgm:cxn modelId="6" srcId="0" destId="3" srcOrd="2" destOrd="0"/>
+      </dgm:cxnLst>
+      <dgm:bg/>
+      <dgm:whole/>
+    </dgm:dataModel>
+  </dgm:styleData>
+  <dgm:clrData>
+    <dgm:dataModel>
+      <dgm:ptLst>
+        <dgm:pt modelId="0" type="doc"/>
+        <dgm:pt modelId="1"/>
+        <dgm:pt modelId="2"/>
+        <dgm:pt modelId="3"/>
+        <dgm:pt modelId="4"/>
+        <dgm:pt modelId="5"/>
+        <dgm:pt modelId="6"/>
+      </dgm:ptLst>
+      <dgm:cxnLst>
+        <dgm:cxn modelId="7" srcId="0" destId="1" srcOrd="0" destOrd="0"/>
+        <dgm:cxn modelId="8" srcId="0" destId="2" srcOrd="1" destOrd="0"/>
+        <dgm:cxn modelId="9" srcId="0" destId="3" srcOrd="2" destOrd="0"/>
+        <dgm:cxn modelId="10" srcId="0" destId="4" srcOrd="3" destOrd="0"/>
+        <dgm:cxn modelId="11" srcId="0" destId="5" srcOrd="4" destOrd="0"/>
+        <dgm:cxn modelId="12" srcId="0" destId="6" srcOrd="5" destOrd="0"/>
+      </dgm:cxnLst>
+      <dgm:bg/>
+      <dgm:whole/>
+    </dgm:dataModel>
+  </dgm:clrData>
+  <dgm:layoutNode name="cycle">
+    <dgm:varLst>
+      <dgm:dir/>
+      <dgm:resizeHandles val="exact"/>
+    </dgm:varLst>
+    <dgm:choose name="Name0">
+      <dgm:if name="Name1" func="var" arg="dir" op="equ" val="norm">
+        <dgm:choose name="Name2">
+          <dgm:if name="Name3" axis="ch" ptType="node" func="cnt" op="gt" val="2">
+            <dgm:alg type="cycle">
+              <dgm:param type="stAng" val="0"/>
+              <dgm:param type="spanAng" val="360"/>
+            </dgm:alg>
+          </dgm:if>
+          <dgm:else name="Name4">
+            <dgm:alg type="cycle">
+              <dgm:param type="stAng" val="-90"/>
+              <dgm:param type="spanAng" val="360"/>
+            </dgm:alg>
+          </dgm:else>
+        </dgm:choose>
+      </dgm:if>
+      <dgm:else name="Name5">
+        <dgm:choose name="Name6">
+          <dgm:if name="Name7" axis="ch" ptType="node" func="cnt" op="gt" val="2">
+            <dgm:alg type="cycle">
+              <dgm:param type="stAng" val="0"/>
+              <dgm:param type="spanAng" val="-360"/>
+            </dgm:alg>
+          </dgm:if>
+          <dgm:else name="Name8">
+            <dgm:alg type="cycle">
+              <dgm:param type="stAng" val="90"/>
+              <dgm:param type="spanAng" val="-360"/>
+            </dgm:alg>
+          </dgm:else>
+        </dgm:choose>
+      </dgm:else>
+    </dgm:choose>
+    <dgm:shape xmlns:r="http://schemas.openxmlformats.org/officeDocument/2006/relationships" r:blip="">
+      <dgm:adjLst/>
+    </dgm:shape>
+    <dgm:presOf/>
+    <dgm:constrLst>
+      <dgm:constr type="w" for="ch" ptType="node" refType="w"/>
+      <dgm:constr type="w" for="ch" ptType="sibTrans" refType="w" refFor="ch" refPtType="node" op="equ" fact="0.25"/>
+      <dgm:constr type="sibSp" refType="w" refFor="ch" refPtType="node" fact="0.5"/>
+      <dgm:constr type="primFontSz" for="ch" ptType="node" op="equ" val="65"/>
+      <dgm:constr type="primFontSz" for="des" forName="connectorText" op="equ" val="55"/>
+      <dgm:constr type="primFontSz" for="des" forName="connectorText" refType="primFontSz" refFor="ch" refPtType="node" op="lte" fact="0.8"/>
+    </dgm:constrLst>
+    <dgm:ruleLst/>
+    <dgm:forEach name="nodesForEach" axis="ch" ptType="node">
+      <dgm:layoutNode name="node">
+        <dgm:varLst>
+          <dgm:bulletEnabled val="1"/>
+        </dgm:varLst>
+        <dgm:alg type="tx">
+          <dgm:param type="txAnchorVertCh" val="mid"/>
+        </dgm:alg>
+        <dgm:shape xmlns:r="http://schemas.openxmlformats.org/officeDocument/2006/relationships" type="ellipse" r:blip="">
+          <dgm:adjLst/>
+        </dgm:shape>
+        <dgm:presOf axis="desOrSelf" ptType="node"/>
+        <dgm:constrLst>
+          <dgm:constr type="h" refType="w"/>
+          <dgm:constr type="lMarg" refType="primFontSz" fact="0.1"/>
+          <dgm:constr type="rMarg" refType="primFontSz" fact="0.1"/>
+          <dgm:constr type="tMarg" refType="primFontSz" fact="0.1"/>
+          <dgm:constr type="bMarg" refType="primFontSz" fact="0.1"/>
+        </dgm:constrLst>
+        <dgm:ruleLst>
+          <dgm:rule type="primFontSz" val="5" fact="NaN" max="NaN"/>
+        </dgm:ruleLst>
+      </dgm:layoutNode>
+      <dgm:choose name="Name9">
+        <dgm:if name="Name10" axis="par ch" ptType="doc node" func="cnt" op="gt" val="1">
+          <dgm:forEach name="sibTransForEach" axis="followSib" ptType="sibTrans" hideLastTrans="0" cnt="1">
+            <dgm:layoutNode name="sibTrans">
+              <dgm:choose name="Name11">
+                <dgm:if name="Name12" axis="par ch" ptType="doc node" func="cnt" op="lt" val="3">
+                  <dgm:alg type="conn">
+                    <dgm:param type="begPts" val="radial"/>
+                    <dgm:param type="endPts" val="radial"/>
+                  </dgm:alg>
+                </dgm:if>
+                <dgm:else name="Name13">
+                  <dgm:alg type="conn">
+                    <dgm:param type="begPts" val="auto"/>
+                    <dgm:param type="endPts" val="auto"/>
+                  </dgm:alg>
+                </dgm:else>
+              </dgm:choose>
+              <dgm:shape xmlns:r="http://schemas.openxmlformats.org/officeDocument/2006/relationships" type="conn" r:blip="">
+                <dgm:adjLst/>
+              </dgm:shape>
+              <dgm:presOf axis="self"/>
+              <dgm:constrLst>
+                <dgm:constr type="h" refType="w" fact="1.35"/>
+                <dgm:constr type="connDist"/>
+                <dgm:constr type="w" for="ch" refType="connDist" fact="0.45"/>
+                <dgm:constr type="h" for="ch" refType="h"/>
+              </dgm:constrLst>
+              <dgm:ruleLst/>
+              <dgm:layoutNode name="connectorText">
+                <dgm:alg type="tx">
+                  <dgm:param type="autoTxRot" val="grav"/>
+                </dgm:alg>
+                <dgm:shape xmlns:r="http://schemas.openxmlformats.org/officeDocument/2006/relationships" type="conn" r:blip="" hideGeom="1">
+                  <dgm:adjLst/>
+                </dgm:shape>
+                <dgm:presOf axis="self"/>
+                <dgm:constrLst>
+                  <dgm:constr type="lMarg"/>
+                  <dgm:constr type="rMarg"/>
+                  <dgm:constr type="tMarg"/>
+                  <dgm:constr type="bMarg"/>
+                </dgm:constrLst>
+                <dgm:ruleLst>
+                  <dgm:rule type="primFontSz" val="5" fact="NaN" max="NaN"/>
+                </dgm:ruleLst>
+              </dgm:layoutNode>
+            </dgm:layoutNode>
+          </dgm:forEach>
+        </dgm:if>
+        <dgm:else name="Name14"/>
+      </dgm:choose>
+    </dgm:forEach>
+  </dgm:layoutNode>
+</dgm:layoutDef>
+</file>
+
+<file path=ppt/diagrams/quickStyle1.xml><?xml version="1.0" encoding="utf-8"?>
+<dgm:styleDef xmlns:dgm="http://schemas.openxmlformats.org/drawingml/2006/diagram" xmlns:a="http://schemas.openxmlformats.org/drawingml/2006/main" uniqueId="urn:microsoft.com/office/officeart/2005/8/quickstyle/simple1">
+  <dgm:title val=""/>
+  <dgm:desc val=""/>
+  <dgm:catLst>
+    <dgm:cat type="simple" pri="10100"/>
+  </dgm:catLst>
+  <dgm:scene3d>
+    <a:camera prst="orthographicFront"/>
+    <a:lightRig rig="threePt" dir="t"/>
+  </dgm:scene3d>
+  <dgm:styleLbl name="node0">
+    <dgm:scene3d>
+      <a:camera prst="orthographicFront"/>
+      <a:lightRig rig="threePt" dir="t"/>
+    </dgm:scene3d>
+    <dgm:sp3d/>
+    <dgm:txPr/>
+    <dgm:style>
+      <a:lnRef idx="2">
+        <a:scrgbClr r="0" g="0" b="0"/>
+      </a:lnRef>
+      <a:fillRef idx="1">
+        <a:scrgbClr r="0" g="0" b="0"/>
+      </a:fillRef>
+      <a:effectRef idx="0">
+        <a:scrgbClr r="0" g="0" b="0"/>
+      </a:effectRef>
+      <a:fontRef idx="minor">
+        <a:schemeClr val="lt1"/>
+      </a:fontRef>
+    </dgm:style>
+  </dgm:styleLbl>
+  <dgm:styleLbl name="lnNode1">
+    <dgm:scene3d>
+      <a:camera prst="orthographicFront"/>
+      <a:lightRig rig="threePt" dir="t"/>
+    </dgm:scene3d>
+    <dgm:sp3d/>
+    <dgm:txPr/>
+    <dgm:style>
+      <a:lnRef idx="2">
+        <a:scrgbClr r="0" g="0" b="0"/>
+      </a:lnRef>
+      <a:fillRef idx="1">
+        <a:scrgbClr r="0" g="0" b="0"/>
+      </a:fillRef>
+      <a:effectRef idx="0">
+        <a:scrgbClr r="0" g="0" b="0"/>
+      </a:effectRef>
+      <a:fontRef idx="minor">
+        <a:schemeClr val="lt1"/>
+      </a:fontRef>
+    </dgm:style>
+  </dgm:styleLbl>
+  <dgm:styleLbl name="vennNode1">
+    <dgm:scene3d>
+      <a:camera prst="orthographicFront"/>
+      <a:lightRig rig="threePt" dir="t"/>
+    </dgm:scene3d>
+    <dgm:sp3d/>
+    <dgm:txPr/>
+    <dgm:style>
+      <a:lnRef idx="2">
+        <a:scrgbClr r="0" g="0" b="0"/>
+      </a:lnRef>
+      <a:fillRef idx="1">
+        <a:scrgbClr r="0" g="0" b="0"/>
+      </a:fillRef>
+      <a:effectRef idx="0">
+        <a:scrgbClr r="0" g="0" b="0"/>
+      </a:effectRef>
+      <a:fontRef idx="minor">
+        <a:schemeClr val="tx1"/>
+      </a:fontRef>
+    </dgm:style>
+  </dgm:styleLbl>
+  <dgm:styleLbl name="alignNode1">
+    <dgm:scene3d>
+      <a:camera prst="orthographicFront"/>
+      <a:lightRig rig="threePt" dir="t"/>
+    </dgm:scene3d>
+    <dgm:sp3d/>
+    <dgm:txPr/>
+    <dgm:style>
+      <a:lnRef idx="2">
+        <a:scrgbClr r="0" g="0" b="0"/>
+      </a:lnRef>
+      <a:fillRef idx="1">
+        <a:scrgbClr r="0" g="0" b="0"/>
+      </a:fillRef>
+      <a:effectRef idx="0">
+        <a:scrgbClr r="0" g="0" b="0"/>
+      </a:effectRef>
+      <a:fontRef idx="minor">
+        <a:schemeClr val="lt1"/>
+      </a:fontRef>
+    </dgm:style>
+  </dgm:styleLbl>
+  <dgm:styleLbl name="node1">
+    <dgm:scene3d>
+      <a:camera prst="orthographicFront"/>
+      <a:lightRig rig="threePt" dir="t"/>
+    </dgm:scene3d>
+    <dgm:sp3d/>
+    <dgm:txPr/>
+    <dgm:style>
+      <a:lnRef idx="2">
+        <a:scrgbClr r="0" g="0" b="0"/>
+      </a:lnRef>
+      <a:fillRef idx="1">
+        <a:scrgbClr r="0" g="0" b="0"/>
+      </a:fillRef>
+      <a:effectRef idx="0">
+        <a:scrgbClr r="0" g="0" b="0"/>
+      </a:effectRef>
+      <a:fontRef idx="minor">
+        <a:schemeClr val="lt1"/>
+      </a:fontRef>
+    </dgm:style>
+  </dgm:styleLbl>
+  <dgm:styleLbl name="node2">
+    <dgm:scene3d>
+      <a:camera prst="orthographicFront"/>
+      <a:lightRig rig="threePt" dir="t"/>
+    </dgm:scene3d>
+    <dgm:sp3d/>
+    <dgm:txPr/>
+    <dgm:style>
+      <a:lnRef idx="2">
+        <a:scrgbClr r="0" g="0" b="0"/>
+      </a:lnRef>
+      <a:fillRef idx="1">
+        <a:scrgbClr r="0" g="0" b="0"/>
+      </a:fillRef>
+      <a:effectRef idx="0">
+        <a:scrgbClr r="0" g="0" b="0"/>
+      </a:effectRef>
+      <a:fontRef idx="minor">
+        <a:schemeClr val="lt1"/>
+      </a:fontRef>
+    </dgm:style>
+  </dgm:styleLbl>
+  <dgm:styleLbl name="node3">
+    <dgm:scene3d>
+      <a:camera prst="orthographicFront"/>
+      <a:lightRig rig="threePt" dir="t"/>
+    </dgm:scene3d>
+    <dgm:sp3d/>
+    <dgm:txPr/>
+    <dgm:style>
+      <a:lnRef idx="2">
+        <a:scrgbClr r="0" g="0" b="0"/>
+      </a:lnRef>
+      <a:fillRef idx="1">
+        <a:scrgbClr r="0" g="0" b="0"/>
+      </a:fillRef>
+      <a:effectRef idx="0">
+        <a:scrgbClr r="0" g="0" b="0"/>
+      </a:effectRef>
+      <a:fontRef idx="minor">
+        <a:schemeClr val="lt1"/>
+      </a:fontRef>
+    </dgm:style>
+  </dgm:styleLbl>
+  <dgm:styleLbl name="node4">
+    <dgm:scene3d>
+      <a:camera prst="orthographicFront"/>
+      <a:lightRig rig="threePt" dir="t"/>
+    </dgm:scene3d>
+    <dgm:sp3d/>
+    <dgm:txPr/>
+    <dgm:style>
+      <a:lnRef idx="2">
+        <a:scrgbClr r="0" g="0" b="0"/>
+      </a:lnRef>
+      <a:fillRef idx="1">
+        <a:scrgbClr r="0" g="0" b="0"/>
+      </a:fillRef>
+      <a:effectRef idx="0">
+        <a:scrgbClr r="0" g="0" b="0"/>
+      </a:effectRef>
+      <a:fontRef idx="minor">
+        <a:schemeClr val="lt1"/>
+      </a:fontRef>
+    </dgm:style>
+  </dgm:styleLbl>
+  <dgm:styleLbl name="fgImgPlace1">
+    <dgm:scene3d>
+      <a:camera prst="orthographicFront"/>
+      <a:lightRig rig="threePt" dir="t"/>
+    </dgm:scene3d>
+    <dgm:sp3d/>
+    <dgm:txPr/>
+    <dgm:style>
+      <a:lnRef idx="2">
+        <a:scrgbClr r="0" g="0" b="0"/>
+      </a:lnRef>
+      <a:fillRef idx="1">
+        <a:scrgbClr r="0" g="0" b="0"/>
+      </a:fillRef>
+      <a:effectRef idx="0">
+        <a:scrgbClr r="0" g="0" b="0"/>
+      </a:effectRef>
+      <a:fontRef idx="minor"/>
+    </dgm:style>
+  </dgm:styleLbl>
+  <dgm:styleLbl name="alignImgPlace1">
+    <dgm:scene3d>
+      <a:camera prst="orthographicFront"/>
+      <a:lightRig rig="threePt" dir="t"/>
+    </dgm:scene3d>
+    <dgm:sp3d/>
+    <dgm:txPr/>
+    <dgm:style>
+      <a:lnRef idx="2">
+        <a:scrgbClr r="0" g="0" b="0"/>
+      </a:lnRef>
+      <a:fillRef idx="1">
+        <a:scrgbClr r="0" g="0" b="0"/>
+      </a:fillRef>
+      <a:effectRef idx="0">
+        <a:scrgbClr r="0" g="0" b="0"/>
+      </a:effectRef>
+      <a:fontRef idx="minor"/>
+    </dgm:style>
+  </dgm:styleLbl>
+  <dgm:styleLbl name="bgImgPlace1">
+    <dgm:scene3d>
+      <a:camera prst="orthographicFront"/>
+      <a:lightRig rig="threePt" dir="t"/>
+    </dgm:scene3d>
+    <dgm:sp3d/>
+    <dgm:txPr/>
+    <dgm:style>
+      <a:lnRef idx="2">
+        <a:scrgbClr r="0" g="0" b="0"/>
+      </a:lnRef>
+      <a:fillRef idx="1">
+        <a:scrgbClr r="0" g="0" b="0"/>
+      </a:fillRef>
+      <a:effectRef idx="0">
+        <a:scrgbClr r="0" g="0" b="0"/>
+      </a:effectRef>
+      <a:fontRef idx="minor"/>
+    </dgm:style>
+  </dgm:styleLbl>
+  <dgm:styleLbl name="sibTrans2D1">
+    <dgm:scene3d>
+      <a:camera prst="orthographicFront"/>
+      <a:lightRig rig="threePt" dir="t"/>
+    </dgm:scene3d>
+    <dgm:sp3d/>
+    <dgm:txPr/>
+    <dgm:style>
+      <a:lnRef idx="0">
+        <a:scrgbClr r="0" g="0" b="0"/>
+      </a:lnRef>
+      <a:fillRef idx="1">
+        <a:scrgbClr r="0" g="0" b="0"/>
+      </a:fillRef>
+      <a:effectRef idx="0">
+        <a:scrgbClr r="0" g="0" b="0"/>
+      </a:effectRef>
+      <a:fontRef idx="minor">
+        <a:schemeClr val="lt1"/>
+      </a:fontRef>
+    </dgm:style>
+  </dgm:styleLbl>
+  <dgm:styleLbl name="fgSibTrans2D1">
+    <dgm:scene3d>
+      <a:camera prst="orthographicFront"/>
+      <a:lightRig rig="threePt" dir="t"/>
+    </dgm:scene3d>
+    <dgm:sp3d/>
+    <dgm:txPr/>
+    <dgm:style>
+      <a:lnRef idx="0">
+        <a:scrgbClr r="0" g="0" b="0"/>
+      </a:lnRef>
+      <a:fillRef idx="1">
+        <a:scrgbClr r="0" g="0" b="0"/>
+      </a:fillRef>
+      <a:effectRef idx="0">
+        <a:scrgbClr r="0" g="0" b="0"/>
+      </a:effectRef>
+      <a:fontRef idx="minor">
+        <a:schemeClr val="lt1"/>
+      </a:fontRef>
+    </dgm:style>
+  </dgm:styleLbl>
+  <dgm:styleLbl name="bgSibTrans2D1">
+    <dgm:scene3d>
+      <a:camera prst="orthographicFront"/>
+      <a:lightRig rig="threePt" dir="t"/>
+    </dgm:scene3d>
+    <dgm:sp3d/>
+    <dgm:txPr/>
+    <dgm:style>
+      <a:lnRef idx="0">
+        <a:scrgbClr r="0" g="0" b="0"/>
+      </a:lnRef>
+      <a:fillRef idx="1">
+        <a:scrgbClr r="0" g="0" b="0"/>
+      </a:fillRef>
+      <a:effectRef idx="0">
+        <a:scrgbClr r="0" g="0" b="0"/>
+      </a:effectRef>
+      <a:fontRef idx="minor">
+        <a:schemeClr val="lt1"/>
+      </a:fontRef>
+    </dgm:style>
+  </dgm:styleLbl>
+  <dgm:styleLbl name="sibTrans1D1">
+    <dgm:scene3d>
+      <a:camera prst="orthographicFront"/>
+      <a:lightRig rig="threePt" dir="t"/>
+    </dgm:scene3d>
+    <dgm:sp3d/>
+    <dgm:txPr/>
+    <dgm:style>
+      <a:lnRef idx="1">
+        <a:scrgbClr r="0" g="0" b="0"/>
+      </a:lnRef>
+      <a:fillRef idx="0">
+        <a:scrgbClr r="0" g="0" b="0"/>
+      </a:fillRef>
+      <a:effectRef idx="0">
+        <a:scrgbClr r="0" g="0" b="0"/>
+      </a:effectRef>
+      <a:fontRef idx="minor"/>
+    </dgm:style>
+  </dgm:styleLbl>
+  <dgm:styleLbl name="callout">
+    <dgm:scene3d>
+      <a:camera prst="orthographicFront"/>
+      <a:lightRig rig="threePt" dir="t"/>
+    </dgm:scene3d>
+    <dgm:sp3d/>
+    <dgm:txPr/>
+    <dgm:style>
+      <a:lnRef idx="2">
+        <a:scrgbClr r="0" g="0" b="0"/>
+      </a:lnRef>
+      <a:fillRef idx="1">
+        <a:scrgbClr r="0" g="0" b="0"/>
+      </a:fillRef>
+      <a:effectRef idx="0">
+        <a:scrgbClr r="0" g="0" b="0"/>
+      </a:effectRef>
+      <a:fontRef idx="minor"/>
+    </dgm:style>
+  </dgm:styleLbl>
+  <dgm:styleLbl name="asst0">
+    <dgm:scene3d>
+      <a:camera prst="orthographicFront"/>
+      <a:lightRig rig="threePt" dir="t"/>
+    </dgm:scene3d>
+    <dgm:sp3d/>
+    <dgm:txPr/>
+    <dgm:style>
+      <a:lnRef idx="2">
+        <a:scrgbClr r="0" g="0" b="0"/>
+      </a:lnRef>
+      <a:fillRef idx="1">
+        <a:scrgbClr r="0" g="0" b="0"/>
+      </a:fillRef>
+      <a:effectRef idx="0">
+        <a:scrgbClr r="0" g="0" b="0"/>
+      </a:effectRef>
+      <a:fontRef idx="minor">
+        <a:schemeClr val="lt1"/>
+      </a:fontRef>
+    </dgm:style>
+  </dgm:styleLbl>
+  <dgm:styleLbl name="asst1">
+    <dgm:scene3d>
+      <a:camera prst="orthographicFront"/>
+      <a:lightRig rig="threePt" dir="t"/>
+    </dgm:scene3d>
+    <dgm:sp3d/>
+    <dgm:txPr/>
+    <dgm:style>
+      <a:lnRef idx="2">
+        <a:scrgbClr r="0" g="0" b="0"/>
+      </a:lnRef>
+      <a:fillRef idx="1">
+        <a:scrgbClr r="0" g="0" b="0"/>
+      </a:fillRef>
+      <a:effectRef idx="0">
+        <a:scrgbClr r="0" g="0" b="0"/>
+      </a:effectRef>
+      <a:fontRef idx="minor">
+        <a:schemeClr val="lt1"/>
+      </a:fontRef>
+    </dgm:style>
+  </dgm:styleLbl>
+  <dgm:styleLbl name="asst2">
+    <dgm:scene3d>
+      <a:camera prst="orthographicFront"/>
+      <a:lightRig rig="threePt" dir="t"/>
+    </dgm:scene3d>
+    <dgm:sp3d/>
+    <dgm:txPr/>
+    <dgm:style>
+      <a:lnRef idx="2">
+        <a:scrgbClr r="0" g="0" b="0"/>
+      </a:lnRef>
+      <a:fillRef idx="1">
+        <a:scrgbClr r="0" g="0" b="0"/>
+      </a:fillRef>
+      <a:effectRef idx="0">
+        <a:scrgbClr r="0" g="0" b="0"/>
+      </a:effectRef>
+      <a:fontRef idx="minor">
+        <a:schemeClr val="lt1"/>
+      </a:fontRef>
+    </dgm:style>
+  </dgm:styleLbl>
+  <dgm:styleLbl name="asst3">
+    <dgm:scene3d>
+      <a:camera prst="orthographicFront"/>
+      <a:lightRig rig="threePt" dir="t"/>
+    </dgm:scene3d>
+    <dgm:sp3d/>
+    <dgm:txPr/>
+    <dgm:style>
+      <a:lnRef idx="2">
+        <a:scrgbClr r="0" g="0" b="0"/>
+      </a:lnRef>
+      <a:fillRef idx="1">
+        <a:scrgbClr r="0" g="0" b="0"/>
+      </a:fillRef>
+      <a:effectRef idx="0">
+        <a:scrgbClr r="0" g="0" b="0"/>
+      </a:effectRef>
+      <a:fontRef idx="minor">
+        <a:schemeClr val="lt1"/>
+      </a:fontRef>
+    </dgm:style>
+  </dgm:styleLbl>
+  <dgm:styleLbl name="asst4">
+    <dgm:scene3d>
+      <a:camera prst="orthographicFront"/>
+      <a:lightRig rig="threePt" dir="t"/>
+    </dgm:scene3d>
+    <dgm:sp3d/>
+    <dgm:txPr/>
+    <dgm:style>
+      <a:lnRef idx="2">
+        <a:scrgbClr r="0" g="0" b="0"/>
+      </a:lnRef>
+      <a:fillRef idx="1">
+        <a:scrgbClr r="0" g="0" b="0"/>
+      </a:fillRef>
+      <a:effectRef idx="0">
+        <a:scrgbClr r="0" g="0" b="0"/>
+      </a:effectRef>
+      <a:fontRef idx="minor">
+        <a:schemeClr val="lt1"/>
+      </a:fontRef>
+    </dgm:style>
+  </dgm:styleLbl>
+  <dgm:styleLbl name="parChTrans2D1">
+    <dgm:scene3d>
+      <a:camera prst="orthographicFront"/>
+      <a:lightRig rig="threePt" dir="t"/>
+    </dgm:scene3d>
+    <dgm:sp3d/>
+    <dgm:txPr/>
+    <dgm:style>
+      <a:lnRef idx="2">
+        <a:scrgbClr r="0" g="0" b="0"/>
+      </a:lnRef>
+      <a:fillRef idx="1">
+        <a:scrgbClr r="0" g="0" b="0"/>
+      </a:fillRef>
+      <a:effectRef idx="0">
+        <a:scrgbClr r="0" g="0" b="0"/>
+      </a:effectRef>
+      <a:fontRef idx="minor">
+        <a:schemeClr val="lt1"/>
+      </a:fontRef>
+    </dgm:style>
+  </dgm:styleLbl>
+  <dgm:styleLbl name="parChTrans2D2">
+    <dgm:scene3d>
+      <a:camera prst="orthographicFront"/>
+      <a:lightRig rig="threePt" dir="t"/>
+    </dgm:scene3d>
+    <dgm:sp3d/>
+    <dgm:txPr/>
+    <dgm:style>
+      <a:lnRef idx="2">
+        <a:scrgbClr r="0" g="0" b="0"/>
+      </a:lnRef>
+      <a:fillRef idx="1">
+        <a:scrgbClr r="0" g="0" b="0"/>
+      </a:fillRef>
+      <a:effectRef idx="0">
+        <a:scrgbClr r="0" g="0" b="0"/>
+      </a:effectRef>
+      <a:fontRef idx="minor">
+        <a:schemeClr val="lt1"/>
+      </a:fontRef>
+    </dgm:style>
+  </dgm:styleLbl>
+  <dgm:styleLbl name="parChTrans2D3">
+    <dgm:scene3d>
+      <a:camera prst="orthographicFront"/>
+      <a:lightRig rig="threePt" dir="t"/>
+    </dgm:scene3d>
+    <dgm:sp3d/>
+    <dgm:txPr/>
+    <dgm:style>
+      <a:lnRef idx="2">
+        <a:scrgbClr r="0" g="0" b="0"/>
+      </a:lnRef>
+      <a:fillRef idx="1">
+        <a:scrgbClr r="0" g="0" b="0"/>
+      </a:fillRef>
+      <a:effectRef idx="0">
+        <a:scrgbClr r="0" g="0" b="0"/>
+      </a:effectRef>
+      <a:fontRef idx="minor">
+        <a:schemeClr val="lt1"/>
+      </a:fontRef>
+    </dgm:style>
+  </dgm:styleLbl>
+  <dgm:styleLbl name="parChTrans2D4">
+    <dgm:scene3d>
+      <a:camera prst="orthographicFront"/>
+      <a:lightRig rig="threePt" dir="t"/>
+    </dgm:scene3d>
+    <dgm:sp3d/>
+    <dgm:txPr/>
+    <dgm:style>
+      <a:lnRef idx="2">
+        <a:scrgbClr r="0" g="0" b="0"/>
+      </a:lnRef>
+      <a:fillRef idx="1">
+        <a:scrgbClr r="0" g="0" b="0"/>
+      </a:fillRef>
+      <a:effectRef idx="0">
+        <a:scrgbClr r="0" g="0" b="0"/>
+      </a:effectRef>
+      <a:fontRef idx="minor">
+        <a:schemeClr val="lt1"/>
+      </a:fontRef>
+    </dgm:style>
+  </dgm:styleLbl>
+  <dgm:styleLbl name="parChTrans1D1">
+    <dgm:scene3d>
+      <a:camera prst="orthographicFront"/>
+      <a:lightRig rig="threePt" dir="t"/>
+    </dgm:scene3d>
+    <dgm:sp3d/>
+    <dgm:txPr/>
+    <dgm:style>
+      <a:lnRef idx="2">
+        <a:scrgbClr r="0" g="0" b="0"/>
+      </a:lnRef>
+      <a:fillRef idx="0">
+        <a:scrgbClr r="0" g="0" b="0"/>
+      </a:fillRef>
+      <a:effectRef idx="0">
+        <a:scrgbClr r="0" g="0" b="0"/>
+      </a:effectRef>
+      <a:fontRef idx="minor"/>
+    </dgm:style>
+  </dgm:styleLbl>
+  <dgm:styleLbl name="parChTrans1D2">
+    <dgm:scene3d>
+      <a:camera prst="orthographicFront"/>
+      <a:lightRig rig="threePt" dir="t"/>
+    </dgm:scene3d>
+    <dgm:sp3d/>
+    <dgm:txPr/>
+    <dgm:style>
+      <a:lnRef idx="2">
+        <a:scrgbClr r="0" g="0" b="0"/>
+      </a:lnRef>
+      <a:fillRef idx="0">
+        <a:scrgbClr r="0" g="0" b="0"/>
+      </a:fillRef>
+      <a:effectRef idx="0">
+        <a:scrgbClr r="0" g="0" b="0"/>
+      </a:effectRef>
+      <a:fontRef idx="minor"/>
+    </dgm:style>
+  </dgm:styleLbl>
+  <dgm:styleLbl name="parChTrans1D3">
+    <dgm:scene3d>
+      <a:camera prst="orthographicFront"/>
+      <a:lightRig rig="threePt" dir="t"/>
+    </dgm:scene3d>
+    <dgm:sp3d/>
+    <dgm:txPr/>
+    <dgm:style>
+      <a:lnRef idx="2">
+        <a:scrgbClr r="0" g="0" b="0"/>
+      </a:lnRef>
+      <a:fillRef idx="0">
+        <a:scrgbClr r="0" g="0" b="0"/>
+      </a:fillRef>
+      <a:effectRef idx="0">
+        <a:scrgbClr r="0" g="0" b="0"/>
+      </a:effectRef>
+      <a:fontRef idx="minor"/>
+    </dgm:style>
+  </dgm:styleLbl>
+  <dgm:styleLbl name="parChTrans1D4">
+    <dgm:scene3d>
+      <a:camera prst="orthographicFront"/>
+      <a:lightRig rig="threePt" dir="t"/>
+    </dgm:scene3d>
+    <dgm:sp3d/>
+    <dgm:txPr/>
+    <dgm:style>
+      <a:lnRef idx="2">
+        <a:scrgbClr r="0" g="0" b="0"/>
+      </a:lnRef>
+      <a:fillRef idx="0">
+        <a:scrgbClr r="0" g="0" b="0"/>
+      </a:fillRef>
+      <a:effectRef idx="0">
+        <a:scrgbClr r="0" g="0" b="0"/>
+      </a:effectRef>
+      <a:fontRef idx="minor"/>
+    </dgm:style>
+  </dgm:styleLbl>
+  <dgm:styleLbl name="fgAcc1">
+    <dgm:scene3d>
+      <a:camera prst="orthographicFront"/>
+      <a:lightRig rig="threePt" dir="t"/>
+    </dgm:scene3d>
+    <dgm:sp3d/>
+    <dgm:txPr/>
+    <dgm:style>
+      <a:lnRef idx="2">
+        <a:scrgbClr r="0" g="0" b="0"/>
+      </a:lnRef>
+      <a:fillRef idx="1">
+        <a:scrgbClr r="0" g="0" b="0"/>
+      </a:fillRef>
+      <a:effectRef idx="0">
+        <a:scrgbClr r="0" g="0" b="0"/>
+      </a:effectRef>
+      <a:fontRef idx="minor"/>
+    </dgm:style>
+  </dgm:styleLbl>
+  <dgm:styleLbl name="conFgAcc1">
+    <dgm:scene3d>
+      <a:camera prst="orthographicFront"/>
+      <a:lightRig rig="threePt" dir="t"/>
+    </dgm:scene3d>
+    <dgm:sp3d/>
+    <dgm:txPr/>
+    <dgm:style>
+      <a:lnRef idx="2">
+        <a:scrgbClr r="0" g="0" b="0"/>
+      </a:lnRef>
+      <a:fillRef idx="1">
+        <a:scrgbClr r="0" g="0" b="0"/>
+      </a:fillRef>
+      <a:effectRef idx="0">
+        <a:scrgbClr r="0" g="0" b="0"/>
+      </a:effectRef>
+      <a:fontRef idx="minor"/>
+    </dgm:style>
+  </dgm:styleLbl>
+  <dgm:styleLbl name="alignAcc1">
+    <dgm:scene3d>
+      <a:camera prst="orthographicFront"/>
+      <a:lightRig rig="threePt" dir="t"/>
+    </dgm:scene3d>
+    <dgm:sp3d/>
+    <dgm:txPr/>
+    <dgm:style>
+      <a:lnRef idx="2">
+        <a:scrgbClr r="0" g="0" b="0"/>
+      </a:lnRef>
+      <a:fillRef idx="1">
+        <a:scrgbClr r="0" g="0" b="0"/>
+      </a:fillRef>
+      <a:effectRef idx="0">
+        <a:scrgbClr r="0" g="0" b="0"/>
+      </a:effectRef>
+      <a:fontRef idx="minor"/>
+    </dgm:style>
+  </dgm:styleLbl>
+  <dgm:styleLbl name="trAlignAcc1">
+    <dgm:scene3d>
+      <a:camera prst="orthographicFront"/>
+      <a:lightRig rig="threePt" dir="t"/>
+    </dgm:scene3d>
+    <dgm:sp3d/>
+    <dgm:txPr/>
+    <dgm:style>
+      <a:lnRef idx="1">
+        <a:scrgbClr r="0" g="0" b="0"/>
+      </a:lnRef>
+      <a:fillRef idx="1">
+        <a:scrgbClr r="0" g="0" b="0"/>
+      </a:fillRef>
+      <a:effectRef idx="0">
+        <a:scrgbClr r="0" g="0" b="0"/>
+      </a:effectRef>
+      <a:fontRef idx="minor"/>
+    </dgm:style>
+  </dgm:styleLbl>
+  <dgm:styleLbl name="bgAcc1">
+    <dgm:scene3d>
+      <a:camera prst="orthographicFront"/>
+      <a:lightRig rig="threePt" dir="t"/>
+    </dgm:scene3d>
+    <dgm:sp3d/>
+    <dgm:txPr/>
+    <dgm:style>
+      <a:lnRef idx="2">
+        <a:scrgbClr r="0" g="0" b="0"/>
+      </a:lnRef>
+      <a:fillRef idx="1">
+        <a:scrgbClr r="0" g="0" b="0"/>
+      </a:fillRef>
+      <a:effectRef idx="0">
+        <a:scrgbClr r="0" g="0" b="0"/>
+      </a:effectRef>
+      <a:fontRef idx="minor"/>
+    </dgm:style>
+  </dgm:styleLbl>
+  <dgm:styleLbl name="solidFgAcc1">
+    <dgm:scene3d>
+      <a:camera prst="orthographicFront"/>
+      <a:lightRig rig="threePt" dir="t"/>
+    </dgm:scene3d>
+    <dgm:sp3d/>
+    <dgm:txPr/>
+    <dgm:style>
+      <a:lnRef idx="2">
+        <a:scrgbClr r="0" g="0" b="0"/>
+      </a:lnRef>
+      <a:fillRef idx="1">
+        <a:scrgbClr r="0" g="0" b="0"/>
+      </a:fillRef>
+      <a:effectRef idx="0">
+        <a:scrgbClr r="0" g="0" b="0"/>
+      </a:effectRef>
+      <a:fontRef idx="minor"/>
+    </dgm:style>
+  </dgm:styleLbl>
+  <dgm:styleLbl name="solidAlignAcc1">
+    <dgm:scene3d>
+      <a:camera prst="orthographicFront"/>
+      <a:lightRig rig="threePt" dir="t"/>
+    </dgm:scene3d>
+    <dgm:sp3d/>
+    <dgm:txPr/>
+    <dgm:style>
+      <a:lnRef idx="2">
+        <a:scrgbClr r="0" g="0" b="0"/>
+      </a:lnRef>
+      <a:fillRef idx="1">
+        <a:scrgbClr r="0" g="0" b="0"/>
+      </a:fillRef>
+      <a:effectRef idx="0">
+        <a:scrgbClr r="0" g="0" b="0"/>
+      </a:effectRef>
+      <a:fontRef idx="minor"/>
+    </dgm:style>
+  </dgm:styleLbl>
+  <dgm:styleLbl name="solidBgAcc1">
+    <dgm:scene3d>
+      <a:camera prst="orthographicFront"/>
+      <a:lightRig rig="threePt" dir="t"/>
+    </dgm:scene3d>
+    <dgm:sp3d/>
+    <dgm:txPr/>
+    <dgm:style>
+      <a:lnRef idx="2">
+        <a:scrgbClr r="0" g="0" b="0"/>
+      </a:lnRef>
+      <a:fillRef idx="1">
+        <a:scrgbClr r="0" g="0" b="0"/>
+      </a:fillRef>
+      <a:effectRef idx="0">
+        <a:scrgbClr r="0" g="0" b="0"/>
+      </a:effectRef>
+      <a:fontRef idx="minor"/>
+    </dgm:style>
+  </dgm:styleLbl>
+  <dgm:styleLbl name="fgAccFollowNode1">
+    <dgm:scene3d>
+      <a:camera prst="orthographicFront"/>
+      <a:lightRig rig="threePt" dir="t"/>
+    </dgm:scene3d>
+    <dgm:sp3d/>
+    <dgm:txPr/>
+    <dgm:style>
+      <a:lnRef idx="2">
+        <a:scrgbClr r="0" g="0" b="0"/>
+      </a:lnRef>
+      <a:fillRef idx="1">
+        <a:scrgbClr r="0" g="0" b="0"/>
+      </a:fillRef>
+      <a:effectRef idx="0">
+        <a:scrgbClr r="0" g="0" b="0"/>
+      </a:effectRef>
+      <a:fontRef idx="minor"/>
+    </dgm:style>
+  </dgm:styleLbl>
+  <dgm:styleLbl name="alignAccFollowNode1">
+    <dgm:scene3d>
+      <a:camera prst="orthographicFront"/>
+      <a:lightRig rig="threePt" dir="t"/>
+    </dgm:scene3d>
+    <dgm:sp3d/>
+    <dgm:txPr/>
+    <dgm:style>
+      <a:lnRef idx="2">
+        <a:scrgbClr r="0" g="0" b="0"/>
+      </a:lnRef>
+      <a:fillRef idx="1">
+        <a:scrgbClr r="0" g="0" b="0"/>
+      </a:fillRef>
+      <a:effectRef idx="0">
+        <a:scrgbClr r="0" g="0" b="0"/>
+      </a:effectRef>
+      <a:fontRef idx="minor"/>
+    </dgm:style>
+  </dgm:styleLbl>
+  <dgm:styleLbl name="bgAccFollowNode1">
+    <dgm:scene3d>
+      <a:camera prst="orthographicFront"/>
+      <a:lightRig rig="threePt" dir="t"/>
+    </dgm:scene3d>
+    <dgm:sp3d/>
+    <dgm:txPr/>
+    <dgm:style>
+      <a:lnRef idx="2">
+        <a:scrgbClr r="0" g="0" b="0"/>
+      </a:lnRef>
+      <a:fillRef idx="1">
+        <a:scrgbClr r="0" g="0" b="0"/>
+      </a:fillRef>
+      <a:effectRef idx="0">
+        <a:scrgbClr r="0" g="0" b="0"/>
+      </a:effectRef>
+      <a:fontRef idx="minor"/>
+    </dgm:style>
+  </dgm:styleLbl>
+  <dgm:styleLbl name="fgAcc0">
+    <dgm:scene3d>
+      <a:camera prst="orthographicFront"/>
+      <a:lightRig rig="threePt" dir="t"/>
+    </dgm:scene3d>
+    <dgm:sp3d/>
+    <dgm:txPr/>
+    <dgm:style>
+      <a:lnRef idx="2">
+        <a:scrgbClr r="0" g="0" b="0"/>
+      </a:lnRef>
+      <a:fillRef idx="1">
+        <a:scrgbClr r="0" g="0" b="0"/>
+      </a:fillRef>
+      <a:effectRef idx="0">
+        <a:scrgbClr r="0" g="0" b="0"/>
+      </a:effectRef>
+      <a:fontRef idx="minor"/>
+    </dgm:style>
+  </dgm:styleLbl>
+  <dgm:styleLbl name="fgAcc2">
+    <dgm:scene3d>
+      <a:camera prst="orthographicFront"/>
+      <a:lightRig rig="threePt" dir="t"/>
+    </dgm:scene3d>
+    <dgm:sp3d/>
+    <dgm:txPr/>
+    <dgm:style>
+      <a:lnRef idx="2">
+        <a:scrgbClr r="0" g="0" b="0"/>
+      </a:lnRef>
+      <a:fillRef idx="1">
+        <a:scrgbClr r="0" g="0" b="0"/>
+      </a:fillRef>
+      <a:effectRef idx="0">
+        <a:scrgbClr r="0" g="0" b="0"/>
+      </a:effectRef>
+      <a:fontRef idx="minor"/>
+    </dgm:style>
+  </dgm:styleLbl>
+  <dgm:styleLbl name="fgAcc3">
+    <dgm:scene3d>
+      <a:camera prst="orthographicFront"/>
+      <a:lightRig rig="threePt" dir="t"/>
+    </dgm:scene3d>
+    <dgm:sp3d/>
+    <dgm:txPr/>
+    <dgm:style>
+      <a:lnRef idx="2">
+        <a:scrgbClr r="0" g="0" b="0"/>
+      </a:lnRef>
+      <a:fillRef idx="1">
+        <a:scrgbClr r="0" g="0" b="0"/>
+      </a:fillRef>
+      <a:effectRef idx="0">
+        <a:scrgbClr r="0" g="0" b="0"/>
+      </a:effectRef>
+      <a:fontRef idx="minor"/>
+    </dgm:style>
+  </dgm:styleLbl>
+  <dgm:styleLbl name="fgAcc4">
+    <dgm:scene3d>
+      <a:camera prst="orthographicFront"/>
+      <a:lightRig rig="threePt" dir="t"/>
+    </dgm:scene3d>
+    <dgm:sp3d/>
+    <dgm:txPr/>
+    <dgm:style>
+      <a:lnRef idx="2">
+        <a:scrgbClr r="0" g="0" b="0"/>
+      </a:lnRef>
+      <a:fillRef idx="1">
+        <a:scrgbClr r="0" g="0" b="0"/>
+      </a:fillRef>
+      <a:effectRef idx="0">
+        <a:scrgbClr r="0" g="0" b="0"/>
+      </a:effectRef>
+      <a:fontRef idx="minor"/>
+    </dgm:style>
+  </dgm:styleLbl>
+  <dgm:styleLbl name="bgShp">
+    <dgm:scene3d>
+      <a:camera prst="orthographicFront"/>
+      <a:lightRig rig="threePt" dir="t"/>
+    </dgm:scene3d>
+    <dgm:sp3d/>
+    <dgm:txPr/>
+    <dgm:style>
+      <a:lnRef idx="0">
+        <a:scrgbClr r="0" g="0" b="0"/>
+      </a:lnRef>
+      <a:fillRef idx="1">
+        <a:scrgbClr r="0" g="0" b="0"/>
+      </a:fillRef>
+      <a:effectRef idx="0">
+        <a:scrgbClr r="0" g="0" b="0"/>
+      </a:effectRef>
+      <a:fontRef idx="minor"/>
+    </dgm:style>
+  </dgm:styleLbl>
+  <dgm:styleLbl name="dkBgShp">
+    <dgm:scene3d>
+      <a:camera prst="orthographicFront"/>
+      <a:lightRig rig="threePt" dir="t"/>
+    </dgm:scene3d>
+    <dgm:sp3d/>
+    <dgm:txPr/>
+    <dgm:style>
+      <a:lnRef idx="0">
+        <a:scrgbClr r="0" g="0" b="0"/>
+      </a:lnRef>
+      <a:fillRef idx="1">
+        <a:scrgbClr r="0" g="0" b="0"/>
+      </a:fillRef>
+      <a:effectRef idx="0">
+        <a:scrgbClr r="0" g="0" b="0"/>
+      </a:effectRef>
+      <a:fontRef idx="minor"/>
+    </dgm:style>
+  </dgm:styleLbl>
+  <dgm:styleLbl name="trBgShp">
+    <dgm:scene3d>
+      <a:camera prst="orthographicFront"/>
+      <a:lightRig rig="threePt" dir="t"/>
+    </dgm:scene3d>
+    <dgm:sp3d/>
+    <dgm:txPr/>
+    <dgm:style>
+      <a:lnRef idx="0">
+        <a:scrgbClr r="0" g="0" b="0"/>
+      </a:lnRef>
+      <a:fillRef idx="1">
+        <a:scrgbClr r="0" g="0" b="0"/>
+      </a:fillRef>
+      <a:effectRef idx="0">
+        <a:scrgbClr r="0" g="0" b="0"/>
+      </a:effectRef>
+      <a:fontRef idx="minor"/>
+    </dgm:style>
+  </dgm:styleLbl>
+  <dgm:styleLbl name="fgShp">
+    <dgm:scene3d>
+      <a:camera prst="orthographicFront"/>
+      <a:lightRig rig="threePt" dir="t"/>
+    </dgm:scene3d>
+    <dgm:sp3d/>
+    <dgm:txPr/>
+    <dgm:style>
+      <a:lnRef idx="2">
+        <a:scrgbClr r="0" g="0" b="0"/>
+      </a:lnRef>
+      <a:fillRef idx="1">
+        <a:scrgbClr r="0" g="0" b="0"/>
+      </a:fillRef>
+      <a:effectRef idx="0">
+        <a:scrgbClr r="0" g="0" b="0"/>
+      </a:effectRef>
+      <a:fontRef idx="minor"/>
+    </dgm:style>
+  </dgm:styleLbl>
+  <dgm:styleLbl name="revTx">
+    <dgm:scene3d>
+      <a:camera prst="orthographicFront"/>
+      <a:lightRig rig="threePt" dir="t"/>
+    </dgm:scene3d>
+    <dgm:sp3d/>
+    <dgm:txPr/>
+    <dgm:style>
+      <a:lnRef idx="0">
+        <a:scrgbClr r="0" g="0" b="0"/>
+      </a:lnRef>
+      <a:fillRef idx="0">
+        <a:scrgbClr r="0" g="0" b="0"/>
+      </a:fillRef>
+      <a:effectRef idx="0">
+        <a:scrgbClr r="0" g="0" b="0"/>
+      </a:effectRef>
+      <a:fontRef idx="minor"/>
+    </dgm:style>
+  </dgm:styleLbl>
+</dgm:styleDef>
+</file>
+
+<file path=ppt/notesMasters/notesMaster1.xml><?xml version="1.0" encoding="utf-8"?>
+<p:notesMaster xmlns:a="http://schemas.openxmlformats.org/drawingml/2006/main" xmlns:r="http://schemas.openxmlformats.org/officeDocument/2006/relationships" xmlns:p="http://schemas.openxmlformats.org/presentationml/2006/main">
+  <p:cSld>
+    <p:bg>
+      <p:bgRef idx="1001">
+        <a:schemeClr val="bg1"/>
+      </p:bgRef>
+    </p:bg>
+    <p:spTree>
+      <p:nvGrpSpPr>
+        <p:cNvPr id="1" name=""/>
+        <p:cNvGrpSpPr/>
+        <p:nvPr/>
+      </p:nvGrpSpPr>
+      <p:grpSpPr>
+        <a:xfrm>
+          <a:off x="0" y="0"/>
+          <a:ext cx="0" cy="0"/>
+          <a:chOff x="0" y="0"/>
+          <a:chExt cx="0" cy="0"/>
+        </a:xfrm>
+      </p:grpSpPr>
+      <p:sp>
+        <p:nvSpPr>
+          <p:cNvPr id="2" name="Header Placeholder 1"/>
+          <p:cNvSpPr>
+            <a:spLocks noGrp="1"/>
+          </p:cNvSpPr>
+          <p:nvPr>
+            <p:ph type="hdr" sz="quarter"/>
+          </p:nvPr>
+        </p:nvSpPr>
+        <p:spPr>
+          <a:xfrm>
+            <a:off x="0" y="0"/>
+            <a:ext cx="3038475" cy="466725"/>
+          </a:xfrm>
+          <a:prstGeom prst="rect">
+            <a:avLst/>
+          </a:prstGeom>
+        </p:spPr>
+        <p:txBody>
+          <a:bodyPr vert="horz" lIns="91440" tIns="45720" rIns="91440" bIns="45720" rtlCol="0"/>
+          <a:lstStyle>
+            <a:lvl1pPr algn="l">
+              <a:defRPr sz="1200"/>
+            </a:lvl1pPr>
+          </a:lstStyle>
+          <a:p>
+            <a:endParaRPr lang="en-US"/>
+          </a:p>
+        </p:txBody>
+      </p:sp>
+      <p:sp>
+        <p:nvSpPr>
+          <p:cNvPr id="3" name="Date Placeholder 2"/>
+          <p:cNvSpPr>
+            <a:spLocks noGrp="1"/>
+          </p:cNvSpPr>
+          <p:nvPr>
+            <p:ph type="dt" idx="1"/>
+          </p:nvPr>
+        </p:nvSpPr>
+        <p:spPr>
+          <a:xfrm>
+            <a:off x="3970338" y="0"/>
+            <a:ext cx="3038475" cy="466725"/>
+          </a:xfrm>
+          <a:prstGeom prst="rect">
+            <a:avLst/>
+          </a:prstGeom>
+        </p:spPr>
+        <p:txBody>
+          <a:bodyPr vert="horz" lIns="91440" tIns="45720" rIns="91440" bIns="45720" rtlCol="0"/>
+          <a:lstStyle>
+            <a:lvl1pPr algn="r">
+              <a:defRPr sz="1200"/>
+            </a:lvl1pPr>
+          </a:lstStyle>
+          <a:p>
+            <a:fld id="{A07C3DAA-E1DE-49B6-8079-627AB3F6E0E1}" type="datetimeFigureOut">
+              <a:rPr lang="en-US" smtClean="0"/>
+              <a:t>4/17/2019</a:t>
+            </a:fld>
+            <a:endParaRPr lang="en-US"/>
+          </a:p>
+        </p:txBody>
+      </p:sp>
+      <p:sp>
+        <p:nvSpPr>
+          <p:cNvPr id="4" name="Slide Image Placeholder 3"/>
+          <p:cNvSpPr>
+            <a:spLocks noGrp="1" noRot="1" noChangeAspect="1"/>
+          </p:cNvSpPr>
+          <p:nvPr>
+            <p:ph type="sldImg" idx="2"/>
+          </p:nvPr>
+        </p:nvSpPr>
+        <p:spPr>
+          <a:xfrm>
+            <a:off x="717550" y="1162050"/>
+            <a:ext cx="5575300" cy="3136900"/>
+          </a:xfrm>
+          <a:prstGeom prst="rect">
+            <a:avLst/>
+          </a:prstGeom>
+          <a:noFill/>
+          <a:ln w="12700">
+            <a:solidFill>
+              <a:prstClr val="black"/>
+            </a:solidFill>
+          </a:ln>
+        </p:spPr>
+        <p:txBody>
+          <a:bodyPr vert="horz" lIns="91440" tIns="45720" rIns="91440" bIns="45720" rtlCol="0" anchor="ctr"/>
+          <a:lstStyle/>
+          <a:p>
+            <a:endParaRPr lang="en-US"/>
+          </a:p>
+        </p:txBody>
+      </p:sp>
+      <p:sp>
+        <p:nvSpPr>
+          <p:cNvPr id="5" name="Notes Placeholder 4"/>
+          <p:cNvSpPr>
+            <a:spLocks noGrp="1"/>
+          </p:cNvSpPr>
+          <p:nvPr>
+            <p:ph type="body" sz="quarter" idx="3"/>
+          </p:nvPr>
+        </p:nvSpPr>
+        <p:spPr>
+          <a:xfrm>
+            <a:off x="701675" y="4473575"/>
+            <a:ext cx="5607050" cy="3660775"/>
+          </a:xfrm>
+          <a:prstGeom prst="rect">
+            <a:avLst/>
+          </a:prstGeom>
+        </p:spPr>
+        <p:txBody>
+          <a:bodyPr vert="horz" lIns="91440" tIns="45720" rIns="91440" bIns="45720" rtlCol="0"/>
+          <a:lstStyle/>
+          <a:p>
+            <a:pPr lvl="0"/>
+            <a:r>
+              <a:rPr lang="en-US" smtClean="0"/>
+              <a:t>Edit Master text styles</a:t>
+            </a:r>
+          </a:p>
+          <a:p>
+            <a:pPr lvl="1"/>
+            <a:r>
+              <a:rPr lang="en-US" smtClean="0"/>
+              <a:t>Second level</a:t>
+            </a:r>
+          </a:p>
+          <a:p>
+            <a:pPr lvl="2"/>
+            <a:r>
+              <a:rPr lang="en-US" smtClean="0"/>
+              <a:t>Third level</a:t>
+            </a:r>
+          </a:p>
+          <a:p>
+            <a:pPr lvl="3"/>
+            <a:r>
+              <a:rPr lang="en-US" smtClean="0"/>
+              <a:t>Fourth level</a:t>
+            </a:r>
+          </a:p>
+          <a:p>
+            <a:pPr lvl="4"/>
+            <a:r>
+              <a:rPr lang="en-US" smtClean="0"/>
+              <a:t>Fifth level</a:t>
+            </a:r>
+            <a:endParaRPr lang="en-US"/>
+          </a:p>
+        </p:txBody>
+      </p:sp>
+      <p:sp>
+        <p:nvSpPr>
+          <p:cNvPr id="6" name="Footer Placeholder 5"/>
+          <p:cNvSpPr>
+            <a:spLocks noGrp="1"/>
+          </p:cNvSpPr>
+          <p:nvPr>
+            <p:ph type="ftr" sz="quarter" idx="4"/>
+          </p:nvPr>
+        </p:nvSpPr>
+        <p:spPr>
+          <a:xfrm>
+            <a:off x="0" y="8829675"/>
+            <a:ext cx="3038475" cy="466725"/>
+          </a:xfrm>
+          <a:prstGeom prst="rect">
+            <a:avLst/>
+          </a:prstGeom>
+        </p:spPr>
+        <p:txBody>
+          <a:bodyPr vert="horz" lIns="91440" tIns="45720" rIns="91440" bIns="45720" rtlCol="0" anchor="b"/>
+          <a:lstStyle>
+            <a:lvl1pPr algn="l">
+              <a:defRPr sz="1200"/>
+            </a:lvl1pPr>
+          </a:lstStyle>
+          <a:p>
+            <a:endParaRPr lang="en-US"/>
+          </a:p>
+        </p:txBody>
+      </p:sp>
+      <p:sp>
+        <p:nvSpPr>
+          <p:cNvPr id="7" name="Slide Number Placeholder 6"/>
+          <p:cNvSpPr>
+            <a:spLocks noGrp="1"/>
+          </p:cNvSpPr>
+          <p:nvPr>
+            <p:ph type="sldNum" sz="quarter" idx="5"/>
+          </p:nvPr>
+        </p:nvSpPr>
+        <p:spPr>
+          <a:xfrm>
+            <a:off x="3970338" y="8829675"/>
+            <a:ext cx="3038475" cy="466725"/>
+          </a:xfrm>
+          <a:prstGeom prst="rect">
+            <a:avLst/>
+          </a:prstGeom>
+        </p:spPr>
+        <p:txBody>
+          <a:bodyPr vert="horz" lIns="91440" tIns="45720" rIns="91440" bIns="45720" rtlCol="0" anchor="b"/>
+          <a:lstStyle>
+            <a:lvl1pPr algn="r">
+              <a:defRPr sz="1200"/>
+            </a:lvl1pPr>
+          </a:lstStyle>
+          <a:p>
+            <a:fld id="{7C432B12-1722-4EDC-9BBA-25A0F0A334AF}" type="slidenum">
+              <a:rPr lang="en-US" smtClean="0"/>
+              <a:t>‹#›</a:t>
+            </a:fld>
+            <a:endParaRPr lang="en-US"/>
+          </a:p>
+        </p:txBody>
+      </p:sp>
+    </p:spTree>
+    <p:extLst>
+      <p:ext uri="{BB962C8B-B14F-4D97-AF65-F5344CB8AC3E}">
+        <p14:creationId xmlns:p14="http://schemas.microsoft.com/office/powerpoint/2010/main" val="3626881237"/>
+      </p:ext>
+    </p:extLst>
+  </p:cSld>
+  <p:clrMap bg1="lt1" tx1="dk1" bg2="lt2" tx2="dk2" accent1="accent1" accent2="accent2" accent3="accent3" accent4="accent4" accent5="accent5" accent6="accent6" hlink="hlink" folHlink="folHlink"/>
+  <p:notesStyle>
+    <a:lvl1pPr marL="0" algn="l" defTabSz="914400" rtl="0" eaLnBrk="1" latinLnBrk="0" hangingPunct="1">
+      <a:defRPr sz="1200" kern="1200">
+        <a:solidFill>
+          <a:schemeClr val="tx1"/>
+        </a:solidFill>
+        <a:latin typeface="+mn-lt"/>
+        <a:ea typeface="+mn-ea"/>
+        <a:cs typeface="+mn-cs"/>
+      </a:defRPr>
+    </a:lvl1pPr>
+    <a:lvl2pPr marL="457200" algn="l" defTabSz="914400" rtl="0" eaLnBrk="1" latinLnBrk="0" hangingPunct="1">
+      <a:defRPr sz="1200" kern="1200">
+        <a:solidFill>
+          <a:schemeClr val="tx1"/>
+        </a:solidFill>
+        <a:latin typeface="+mn-lt"/>
+        <a:ea typeface="+mn-ea"/>
+        <a:cs typeface="+mn-cs"/>
+      </a:defRPr>
+    </a:lvl2pPr>
+    <a:lvl3pPr marL="914400" algn="l" defTabSz="914400" rtl="0" eaLnBrk="1" latinLnBrk="0" hangingPunct="1">
+      <a:defRPr sz="1200" kern="1200">
+        <a:solidFill>
+          <a:schemeClr val="tx1"/>
+        </a:solidFill>
+        <a:latin typeface="+mn-lt"/>
+        <a:ea typeface="+mn-ea"/>
+        <a:cs typeface="+mn-cs"/>
+      </a:defRPr>
+    </a:lvl3pPr>
+    <a:lvl4pPr marL="1371600" algn="l" defTabSz="914400" rtl="0" eaLnBrk="1" latinLnBrk="0" hangingPunct="1">
+      <a:defRPr sz="1200" kern="1200">
+        <a:solidFill>
+          <a:schemeClr val="tx1"/>
+        </a:solidFill>
+        <a:latin typeface="+mn-lt"/>
+        <a:ea typeface="+mn-ea"/>
+        <a:cs typeface="+mn-cs"/>
+      </a:defRPr>
+    </a:lvl4pPr>
+    <a:lvl5pPr marL="1828800" algn="l" defTabSz="914400" rtl="0" eaLnBrk="1" latinLnBrk="0" hangingPunct="1">
+      <a:defRPr sz="1200" kern="1200">
+        <a:solidFill>
+          <a:schemeClr val="tx1"/>
+        </a:solidFill>
+        <a:latin typeface="+mn-lt"/>
+        <a:ea typeface="+mn-ea"/>
+        <a:cs typeface="+mn-cs"/>
+      </a:defRPr>
+    </a:lvl5pPr>
+    <a:lvl6pPr marL="2286000" algn="l" defTabSz="914400" rtl="0" eaLnBrk="1" latinLnBrk="0" hangingPunct="1">
+      <a:defRPr sz="1200" kern="1200">
+        <a:solidFill>
+          <a:schemeClr val="tx1"/>
+        </a:solidFill>
+        <a:latin typeface="+mn-lt"/>
+        <a:ea typeface="+mn-ea"/>
+        <a:cs typeface="+mn-cs"/>
+      </a:defRPr>
+    </a:lvl6pPr>
+    <a:lvl7pPr marL="2743200" algn="l" defTabSz="914400" rtl="0" eaLnBrk="1" latinLnBrk="0" hangingPunct="1">
+      <a:defRPr sz="1200" kern="1200">
+        <a:solidFill>
+          <a:schemeClr val="tx1"/>
+        </a:solidFill>
+        <a:latin typeface="+mn-lt"/>
+        <a:ea typeface="+mn-ea"/>
+        <a:cs typeface="+mn-cs"/>
+      </a:defRPr>
+    </a:lvl7pPr>
+    <a:lvl8pPr marL="3200400" algn="l" defTabSz="914400" rtl="0" eaLnBrk="1" latinLnBrk="0" hangingPunct="1">
+      <a:defRPr sz="1200" kern="1200">
+        <a:solidFill>
+          <a:schemeClr val="tx1"/>
+        </a:solidFill>
+        <a:latin typeface="+mn-lt"/>
+        <a:ea typeface="+mn-ea"/>
+        <a:cs typeface="+mn-cs"/>
+      </a:defRPr>
+    </a:lvl8pPr>
+    <a:lvl9pPr marL="3657600" algn="l" defTabSz="914400" rtl="0" eaLnBrk="1" latinLnBrk="0" hangingPunct="1">
+      <a:defRPr sz="1200" kern="1200">
+        <a:solidFill>
+          <a:schemeClr val="tx1"/>
+        </a:solidFill>
+        <a:latin typeface="+mn-lt"/>
+        <a:ea typeface="+mn-ea"/>
+        <a:cs typeface="+mn-cs"/>
+      </a:defRPr>
+    </a:lvl9pPr>
+  </p:notesStyle>
+</p:notesMaster>
+</file>
+
+<file path=ppt/notesSlides/notesSlide1.xml><?xml version="1.0" encoding="utf-8"?>
+<p:notes xmlns:a="http://schemas.openxmlformats.org/drawingml/2006/main" xmlns:r="http://schemas.openxmlformats.org/officeDocument/2006/relationships" xmlns:p="http://schemas.openxmlformats.org/presentationml/2006/main">
+  <p:cSld>
+    <p:spTree>
+      <p:nvGrpSpPr>
+        <p:cNvPr id="1" name=""/>
+        <p:cNvGrpSpPr/>
+        <p:nvPr/>
+      </p:nvGrpSpPr>
+      <p:grpSpPr>
+        <a:xfrm>
+          <a:off x="0" y="0"/>
+          <a:ext cx="0" cy="0"/>
+          <a:chOff x="0" y="0"/>
+          <a:chExt cx="0" cy="0"/>
+        </a:xfrm>
+      </p:grpSpPr>
+      <p:sp>
+        <p:nvSpPr>
+          <p:cNvPr id="2" name="Slide Image Placeholder 1"/>
+          <p:cNvSpPr>
+            <a:spLocks noGrp="1" noRot="1" noChangeAspect="1"/>
+          </p:cNvSpPr>
+          <p:nvPr>
+            <p:ph type="sldImg"/>
+          </p:nvPr>
+        </p:nvSpPr>
+        <p:spPr/>
+      </p:sp>
+      <p:sp>
+        <p:nvSpPr>
+          <p:cNvPr id="3" name="Notes Placeholder 2"/>
+          <p:cNvSpPr>
+            <a:spLocks noGrp="1"/>
+          </p:cNvSpPr>
+          <p:nvPr>
+            <p:ph type="body" idx="1"/>
+          </p:nvPr>
+        </p:nvSpPr>
+        <p:spPr/>
+        <p:txBody>
+          <a:bodyPr/>
+          <a:lstStyle/>
+          <a:p>
+            <a:r>
+              <a:rPr lang="en-US" dirty="0" smtClean="0"/>
+              <a:t>Clarify </a:t>
+            </a:r>
+            <a:r>
+              <a:rPr lang="en-US" b="1" dirty="0" smtClean="0"/>
+              <a:t>whose</a:t>
+            </a:r>
+            <a:r>
+              <a:rPr lang="en-US" dirty="0" smtClean="0"/>
+              <a:t> effort we are talking about.</a:t>
+            </a:r>
+          </a:p>
+          <a:p>
+            <a:endParaRPr lang="en-US" dirty="0"/>
+          </a:p>
+          <a:p>
+            <a:r>
+              <a:rPr lang="en-US" dirty="0" smtClean="0"/>
+              <a:t>Clarify this is calendar time.</a:t>
+            </a:r>
+            <a:endParaRPr lang="en-US" dirty="0"/>
+          </a:p>
+        </p:txBody>
+      </p:sp>
+      <p:sp>
+        <p:nvSpPr>
+          <p:cNvPr id="4" name="Slide Number Placeholder 3"/>
+          <p:cNvSpPr>
+            <a:spLocks noGrp="1"/>
+          </p:cNvSpPr>
+          <p:nvPr>
+            <p:ph type="sldNum" sz="quarter" idx="10"/>
+          </p:nvPr>
+        </p:nvSpPr>
+        <p:spPr/>
+        <p:txBody>
+          <a:bodyPr/>
+          <a:lstStyle/>
+          <a:p>
+            <a:fld id="{7C432B12-1722-4EDC-9BBA-25A0F0A334AF}" type="slidenum">
+              <a:rPr lang="en-US" smtClean="0"/>
+              <a:t>5</a:t>
+            </a:fld>
+            <a:endParaRPr lang="en-US"/>
+          </a:p>
+        </p:txBody>
+      </p:sp>
+    </p:spTree>
+    <p:extLst>
+      <p:ext uri="{BB962C8B-B14F-4D97-AF65-F5344CB8AC3E}">
+        <p14:creationId xmlns:p14="http://schemas.microsoft.com/office/powerpoint/2010/main" val="1770964721"/>
+      </p:ext>
+    </p:extLst>
+  </p:cSld>
+  <p:clrMapOvr>
+    <a:masterClrMapping/>
+  </p:clrMapOvr>
+</p:notes>
 </file>
 
 <file path=ppt/slideLayouts/slideLayout1.xml><?xml version="1.0" encoding="utf-8"?>
@@ -6121,7 +10613,7 @@
                 <a16:creationId xmlns:a16="http://schemas.microsoft.com/office/drawing/2014/main" id="{A57C1A16-B8AB-4D99-A195-A38F556A6486}"/>
               </a:ext>
               <a:ext uri="{C183D7F6-B498-43B3-948B-1728B52AA6E4}">
-                <adec:decorative xmlns="" xmlns:adec="http://schemas.microsoft.com/office/drawing/2017/decorative" val="1"/>
+                <adec:decorative xmlns:adec="http://schemas.microsoft.com/office/drawing/2017/decorative" xmlns="" val="1"/>
               </a:ext>
             </a:extLst>
           </p:cNvPr>
@@ -6175,7 +10667,7 @@
                 <a16:creationId xmlns:a16="http://schemas.microsoft.com/office/drawing/2014/main" id="{F8A9B20B-D1DD-4573-B5EC-558029519236}"/>
               </a:ext>
               <a:ext uri="{C183D7F6-B498-43B3-948B-1728B52AA6E4}">
-                <adec:decorative xmlns="" xmlns:adec="http://schemas.microsoft.com/office/drawing/2017/decorative" val="1"/>
+                <adec:decorative xmlns:adec="http://schemas.microsoft.com/office/drawing/2017/decorative" xmlns="" val="1"/>
               </a:ext>
             </a:extLst>
           </p:cNvPr>
@@ -6229,7 +10721,7 @@
                 <a16:creationId xmlns:a16="http://schemas.microsoft.com/office/drawing/2014/main" id="{66D61E08-70C3-48D8-BEA0-787111DC30DA}"/>
               </a:ext>
               <a:ext uri="{C183D7F6-B498-43B3-948B-1728B52AA6E4}">
-                <adec:decorative xmlns="" xmlns:adec="http://schemas.microsoft.com/office/drawing/2017/decorative" val="1"/>
+                <adec:decorative xmlns:adec="http://schemas.microsoft.com/office/drawing/2017/decorative" xmlns="" val="1"/>
               </a:ext>
             </a:extLst>
           </p:cNvPr>
@@ -6309,7 +10801,7 @@
                 <a16:creationId xmlns:a16="http://schemas.microsoft.com/office/drawing/2014/main" id="{FC55298F-0AE5-478E-AD2B-03C2614C5833}"/>
               </a:ext>
               <a:ext uri="{C183D7F6-B498-43B3-948B-1728B52AA6E4}">
-                <adec:decorative xmlns="" xmlns:adec="http://schemas.microsoft.com/office/drawing/2017/decorative" val="1"/>
+                <adec:decorative xmlns:adec="http://schemas.microsoft.com/office/drawing/2017/decorative" xmlns="" val="1"/>
               </a:ext>
             </a:extLst>
           </p:cNvPr>
@@ -6389,7 +10881,7 @@
                 <a16:creationId xmlns:a16="http://schemas.microsoft.com/office/drawing/2014/main" id="{C180E4EA-0B63-4779-A895-7E90E71088F3}"/>
               </a:ext>
               <a:ext uri="{C183D7F6-B498-43B3-948B-1728B52AA6E4}">
-                <adec:decorative xmlns="" xmlns:adec="http://schemas.microsoft.com/office/drawing/2017/decorative" val="1"/>
+                <adec:decorative xmlns:adec="http://schemas.microsoft.com/office/drawing/2017/decorative" xmlns="" val="1"/>
               </a:ext>
             </a:extLst>
           </p:cNvPr>
@@ -6447,7 +10939,7 @@
                 <a16:creationId xmlns:a16="http://schemas.microsoft.com/office/drawing/2014/main" id="{CEE01D9D-3DE8-4EED-B0D3-8F3C79CC7673}"/>
               </a:ext>
               <a:ext uri="{C183D7F6-B498-43B3-948B-1728B52AA6E4}">
-                <adec:decorative xmlns="" xmlns:adec="http://schemas.microsoft.com/office/drawing/2017/decorative" val="1"/>
+                <adec:decorative xmlns:adec="http://schemas.microsoft.com/office/drawing/2017/decorative" xmlns="" val="1"/>
               </a:ext>
             </a:extLst>
           </p:cNvPr>
@@ -6528,7 +11020,7 @@
                 <a16:creationId xmlns:a16="http://schemas.microsoft.com/office/drawing/2014/main" id="{89AF5CE9-607F-43F4-8983-DCD6DA4051FD}"/>
               </a:ext>
               <a:ext uri="{C183D7F6-B498-43B3-948B-1728B52AA6E4}">
-                <adec:decorative xmlns="" xmlns:adec="http://schemas.microsoft.com/office/drawing/2017/decorative" val="1"/>
+                <adec:decorative xmlns:adec="http://schemas.microsoft.com/office/drawing/2017/decorative" xmlns="" val="1"/>
               </a:ext>
             </a:extLst>
           </p:cNvPr>
@@ -6610,7 +11102,7 @@
                 <a16:creationId xmlns:a16="http://schemas.microsoft.com/office/drawing/2014/main" id="{6EEA2DBD-9E1E-4521-8C01-F32AD18A89E3}"/>
               </a:ext>
               <a:ext uri="{C183D7F6-B498-43B3-948B-1728B52AA6E4}">
-                <adec:decorative xmlns="" xmlns:adec="http://schemas.microsoft.com/office/drawing/2017/decorative" val="1"/>
+                <adec:decorative xmlns:adec="http://schemas.microsoft.com/office/drawing/2017/decorative" xmlns="" val="1"/>
               </a:ext>
             </a:extLst>
           </p:cNvPr>
@@ -6690,7 +11182,7 @@
                 <a16:creationId xmlns:a16="http://schemas.microsoft.com/office/drawing/2014/main" id="{15BBD2C1-BA9B-46A9-A27A-33498B169272}"/>
               </a:ext>
               <a:ext uri="{C183D7F6-B498-43B3-948B-1728B52AA6E4}">
-                <adec:decorative xmlns="" xmlns:adec="http://schemas.microsoft.com/office/drawing/2017/decorative" val="1"/>
+                <adec:decorative xmlns:adec="http://schemas.microsoft.com/office/drawing/2017/decorative" xmlns="" val="1"/>
               </a:ext>
             </a:extLst>
           </p:cNvPr>
@@ -6753,6 +11245,2687 @@
 </p:sld>
 </file>
 
+<file path=ppt/slides/slide10.xml><?xml version="1.0" encoding="utf-8"?>
+<p:sld xmlns:a="http://schemas.openxmlformats.org/drawingml/2006/main" xmlns:r="http://schemas.openxmlformats.org/officeDocument/2006/relationships" xmlns:p="http://schemas.openxmlformats.org/presentationml/2006/main">
+  <p:cSld>
+    <p:spTree>
+      <p:nvGrpSpPr>
+        <p:cNvPr id="1" name=""/>
+        <p:cNvGrpSpPr/>
+        <p:nvPr/>
+      </p:nvGrpSpPr>
+      <p:grpSpPr>
+        <a:xfrm>
+          <a:off x="0" y="0"/>
+          <a:ext cx="0" cy="0"/>
+          <a:chOff x="0" y="0"/>
+          <a:chExt cx="0" cy="0"/>
+        </a:xfrm>
+      </p:grpSpPr>
+      <p:sp>
+        <p:nvSpPr>
+          <p:cNvPr id="2" name="Title 1"/>
+          <p:cNvSpPr>
+            <a:spLocks noGrp="1"/>
+          </p:cNvSpPr>
+          <p:nvPr>
+            <p:ph type="title"/>
+          </p:nvPr>
+        </p:nvSpPr>
+        <p:spPr/>
+        <p:txBody>
+          <a:bodyPr/>
+          <a:lstStyle/>
+          <a:p>
+            <a:r>
+              <a:rPr lang="en-US" dirty="0" smtClean="0"/>
+              <a:t>Demo Requirements:  The Application</a:t>
+            </a:r>
+            <a:endParaRPr lang="en-US" dirty="0"/>
+          </a:p>
+        </p:txBody>
+      </p:sp>
+      <p:sp>
+        <p:nvSpPr>
+          <p:cNvPr id="3" name="Content Placeholder 2"/>
+          <p:cNvSpPr>
+            <a:spLocks noGrp="1"/>
+          </p:cNvSpPr>
+          <p:nvPr>
+            <p:ph idx="1"/>
+          </p:nvPr>
+        </p:nvSpPr>
+        <p:spPr/>
+        <p:txBody>
+          <a:bodyPr>
+            <a:normAutofit/>
+          </a:bodyPr>
+          <a:lstStyle/>
+          <a:p>
+            <a:r>
+              <a:rPr lang="en-US" dirty="0" smtClean="0"/>
+              <a:t>We will provide a simple app to Containerize</a:t>
+            </a:r>
+          </a:p>
+          <a:p>
+            <a:r>
+              <a:rPr lang="en-US" dirty="0" smtClean="0"/>
+              <a:t>The app will have two dependencies</a:t>
+            </a:r>
+          </a:p>
+          <a:p>
+            <a:pPr lvl="1"/>
+            <a:r>
+              <a:rPr lang="en-US" dirty="0" smtClean="0"/>
+              <a:t>Database</a:t>
+            </a:r>
+          </a:p>
+          <a:p>
+            <a:pPr lvl="1"/>
+            <a:r>
+              <a:rPr lang="en-US" dirty="0" smtClean="0"/>
+              <a:t>Messaging</a:t>
+            </a:r>
+          </a:p>
+        </p:txBody>
+      </p:sp>
+    </p:spTree>
+    <p:extLst>
+      <p:ext uri="{BB962C8B-B14F-4D97-AF65-F5344CB8AC3E}">
+        <p14:creationId xmlns:p14="http://schemas.microsoft.com/office/powerpoint/2010/main" val="1204616855"/>
+      </p:ext>
+    </p:extLst>
+  </p:cSld>
+  <p:clrMapOvr>
+    <a:masterClrMapping/>
+  </p:clrMapOvr>
+</p:sld>
+</file>
+
+<file path=ppt/slides/slide11.xml><?xml version="1.0" encoding="utf-8"?>
+<p:sld xmlns:a="http://schemas.openxmlformats.org/drawingml/2006/main" xmlns:r="http://schemas.openxmlformats.org/officeDocument/2006/relationships" xmlns:p="http://schemas.openxmlformats.org/presentationml/2006/main">
+  <p:cSld>
+    <p:spTree>
+      <p:nvGrpSpPr>
+        <p:cNvPr id="1" name=""/>
+        <p:cNvGrpSpPr/>
+        <p:nvPr/>
+      </p:nvGrpSpPr>
+      <p:grpSpPr>
+        <a:xfrm>
+          <a:off x="0" y="0"/>
+          <a:ext cx="0" cy="0"/>
+          <a:chOff x="0" y="0"/>
+          <a:chExt cx="0" cy="0"/>
+        </a:xfrm>
+      </p:grpSpPr>
+      <p:sp>
+        <p:nvSpPr>
+          <p:cNvPr id="2" name="Title 1"/>
+          <p:cNvSpPr>
+            <a:spLocks noGrp="1"/>
+          </p:cNvSpPr>
+          <p:nvPr>
+            <p:ph type="title"/>
+          </p:nvPr>
+        </p:nvSpPr>
+        <p:spPr/>
+        <p:txBody>
+          <a:bodyPr/>
+          <a:lstStyle/>
+          <a:p>
+            <a:r>
+              <a:rPr lang="en-US" dirty="0" smtClean="0"/>
+              <a:t>Demo Requirements:  The Deployment</a:t>
+            </a:r>
+            <a:endParaRPr lang="en-US" dirty="0"/>
+          </a:p>
+        </p:txBody>
+      </p:sp>
+      <p:sp>
+        <p:nvSpPr>
+          <p:cNvPr id="3" name="Content Placeholder 2"/>
+          <p:cNvSpPr>
+            <a:spLocks noGrp="1"/>
+          </p:cNvSpPr>
+          <p:nvPr>
+            <p:ph idx="1"/>
+          </p:nvPr>
+        </p:nvSpPr>
+        <p:spPr/>
+        <p:txBody>
+          <a:bodyPr>
+            <a:normAutofit/>
+          </a:bodyPr>
+          <a:lstStyle/>
+          <a:p>
+            <a:r>
+              <a:rPr lang="en-US" dirty="0" smtClean="0"/>
+              <a:t>The vendor will run the application on </a:t>
+            </a:r>
+            <a:r>
+              <a:rPr lang="en-US" smtClean="0"/>
+              <a:t>a desktop</a:t>
+            </a:r>
+          </a:p>
+          <a:p>
+            <a:r>
+              <a:rPr lang="en-US" dirty="0" smtClean="0"/>
+              <a:t>The vendor will demonstrate solutions to our named concerns</a:t>
+            </a:r>
+          </a:p>
+          <a:p>
+            <a:r>
+              <a:rPr lang="en-US" dirty="0" smtClean="0"/>
+              <a:t>The vendor will give us infrastructure requirements</a:t>
+            </a:r>
+          </a:p>
+          <a:p>
+            <a:r>
+              <a:rPr lang="en-US" dirty="0" smtClean="0"/>
+              <a:t>We will provide the infrastructure</a:t>
+            </a:r>
+          </a:p>
+          <a:p>
+            <a:r>
+              <a:rPr lang="en-US" dirty="0" smtClean="0"/>
+              <a:t>The vendor will install, configure, and demonstrate their solution</a:t>
+            </a:r>
+          </a:p>
+          <a:p>
+            <a:pPr lvl="1"/>
+            <a:r>
+              <a:rPr lang="en-US" dirty="0" smtClean="0"/>
+              <a:t>The application will must be deployed</a:t>
+            </a:r>
+          </a:p>
+          <a:p>
+            <a:pPr lvl="1"/>
+            <a:r>
+              <a:rPr lang="en-US" dirty="0" smtClean="0"/>
+              <a:t>The application must be reachable on our network</a:t>
+            </a:r>
+          </a:p>
+          <a:p>
+            <a:pPr lvl="1"/>
+            <a:r>
+              <a:rPr lang="en-US" dirty="0" smtClean="0"/>
+              <a:t>We want them to show us “the standard way” to do this, step by step</a:t>
+            </a:r>
+          </a:p>
+          <a:p>
+            <a:pPr lvl="1"/>
+            <a:r>
+              <a:rPr lang="en-US" dirty="0" smtClean="0"/>
+              <a:t>Auto-scale running containers as needed</a:t>
+            </a:r>
+            <a:endParaRPr lang="en-US" dirty="0"/>
+          </a:p>
+        </p:txBody>
+      </p:sp>
+    </p:spTree>
+    <p:extLst>
+      <p:ext uri="{BB962C8B-B14F-4D97-AF65-F5344CB8AC3E}">
+        <p14:creationId xmlns:p14="http://schemas.microsoft.com/office/powerpoint/2010/main" val="2071101954"/>
+      </p:ext>
+    </p:extLst>
+  </p:cSld>
+  <p:clrMapOvr>
+    <a:masterClrMapping/>
+  </p:clrMapOvr>
+</p:sld>
+</file>
+
+<file path=ppt/slides/slide12.xml><?xml version="1.0" encoding="utf-8"?>
+<p:sld xmlns:a="http://schemas.openxmlformats.org/drawingml/2006/main" xmlns:r="http://schemas.openxmlformats.org/officeDocument/2006/relationships" xmlns:p="http://schemas.openxmlformats.org/presentationml/2006/main">
+  <p:cSld>
+    <p:spTree>
+      <p:nvGrpSpPr>
+        <p:cNvPr id="1" name=""/>
+        <p:cNvGrpSpPr/>
+        <p:nvPr/>
+      </p:nvGrpSpPr>
+      <p:grpSpPr>
+        <a:xfrm>
+          <a:off x="0" y="0"/>
+          <a:ext cx="0" cy="0"/>
+          <a:chOff x="0" y="0"/>
+          <a:chExt cx="0" cy="0"/>
+        </a:xfrm>
+      </p:grpSpPr>
+      <p:sp>
+        <p:nvSpPr>
+          <p:cNvPr id="2" name="Title 1"/>
+          <p:cNvSpPr>
+            <a:spLocks noGrp="1"/>
+          </p:cNvSpPr>
+          <p:nvPr>
+            <p:ph type="title"/>
+          </p:nvPr>
+        </p:nvSpPr>
+        <p:spPr/>
+        <p:txBody>
+          <a:bodyPr/>
+          <a:lstStyle/>
+          <a:p>
+            <a:r>
+              <a:rPr lang="en-US" dirty="0" smtClean="0"/>
+              <a:t>Demo Requirements:  NOC Operations</a:t>
+            </a:r>
+            <a:endParaRPr lang="en-US" dirty="0"/>
+          </a:p>
+        </p:txBody>
+      </p:sp>
+      <p:sp>
+        <p:nvSpPr>
+          <p:cNvPr id="3" name="Content Placeholder 2"/>
+          <p:cNvSpPr>
+            <a:spLocks noGrp="1"/>
+          </p:cNvSpPr>
+          <p:nvPr>
+            <p:ph idx="1"/>
+          </p:nvPr>
+        </p:nvSpPr>
+        <p:spPr/>
+        <p:txBody>
+          <a:bodyPr>
+            <a:normAutofit/>
+          </a:bodyPr>
+          <a:lstStyle/>
+          <a:p>
+            <a:r>
+              <a:rPr lang="en-US" dirty="0" smtClean="0"/>
+              <a:t>Demonstrate Monitoring</a:t>
+            </a:r>
+          </a:p>
+          <a:p>
+            <a:pPr lvl="1"/>
+            <a:r>
+              <a:rPr lang="en-US" dirty="0" smtClean="0"/>
+              <a:t>At the cluster level</a:t>
+            </a:r>
+          </a:p>
+          <a:p>
+            <a:pPr lvl="1"/>
+            <a:r>
+              <a:rPr lang="en-US" dirty="0" smtClean="0"/>
+              <a:t>At the host level</a:t>
+            </a:r>
+          </a:p>
+          <a:p>
+            <a:pPr lvl="1"/>
+            <a:r>
+              <a:rPr lang="en-US" dirty="0" smtClean="0"/>
+              <a:t>At the container level</a:t>
+            </a:r>
+          </a:p>
+          <a:p>
+            <a:pPr lvl="1"/>
+            <a:r>
+              <a:rPr lang="en-US" dirty="0" smtClean="0"/>
+              <a:t>* We prefer to integrate with our current NOC products</a:t>
+            </a:r>
+          </a:p>
+          <a:p>
+            <a:r>
+              <a:rPr lang="en-US" dirty="0" smtClean="0"/>
+              <a:t>Demonstrate Escalation Plans</a:t>
+            </a:r>
+          </a:p>
+          <a:p>
+            <a:pPr lvl="1"/>
+            <a:r>
+              <a:rPr lang="en-US" dirty="0"/>
+              <a:t>An application is down</a:t>
+            </a:r>
+          </a:p>
+          <a:p>
+            <a:pPr lvl="1"/>
+            <a:r>
+              <a:rPr lang="en-US" dirty="0" smtClean="0"/>
+              <a:t>Scarce resources</a:t>
+            </a:r>
+          </a:p>
+          <a:p>
+            <a:r>
+              <a:rPr lang="en-US" dirty="0" smtClean="0"/>
+              <a:t>Demonstrate Rolling Updates</a:t>
+            </a:r>
+          </a:p>
+          <a:p>
+            <a:pPr lvl="1"/>
+            <a:r>
+              <a:rPr lang="en-US" dirty="0" smtClean="0"/>
+              <a:t>Update running containers from an old base OS image to a current one</a:t>
+            </a:r>
+          </a:p>
+          <a:p>
+            <a:pPr lvl="1"/>
+            <a:endParaRPr lang="en-US" dirty="0" smtClean="0"/>
+          </a:p>
+        </p:txBody>
+      </p:sp>
+    </p:spTree>
+    <p:extLst>
+      <p:ext uri="{BB962C8B-B14F-4D97-AF65-F5344CB8AC3E}">
+        <p14:creationId xmlns:p14="http://schemas.microsoft.com/office/powerpoint/2010/main" val="1119920568"/>
+      </p:ext>
+    </p:extLst>
+  </p:cSld>
+  <p:clrMapOvr>
+    <a:masterClrMapping/>
+  </p:clrMapOvr>
+</p:sld>
+</file>
+
+<file path=ppt/slides/slide13.xml><?xml version="1.0" encoding="utf-8"?>
+<p:sld xmlns:a="http://schemas.openxmlformats.org/drawingml/2006/main" xmlns:r="http://schemas.openxmlformats.org/officeDocument/2006/relationships" xmlns:p="http://schemas.openxmlformats.org/presentationml/2006/main">
+  <p:cSld>
+    <p:spTree>
+      <p:nvGrpSpPr>
+        <p:cNvPr id="1" name=""/>
+        <p:cNvGrpSpPr/>
+        <p:nvPr/>
+      </p:nvGrpSpPr>
+      <p:grpSpPr>
+        <a:xfrm>
+          <a:off x="0" y="0"/>
+          <a:ext cx="0" cy="0"/>
+          <a:chOff x="0" y="0"/>
+          <a:chExt cx="0" cy="0"/>
+        </a:xfrm>
+      </p:grpSpPr>
+      <p:sp>
+        <p:nvSpPr>
+          <p:cNvPr id="2" name="Title 1"/>
+          <p:cNvSpPr>
+            <a:spLocks noGrp="1"/>
+          </p:cNvSpPr>
+          <p:nvPr>
+            <p:ph type="title"/>
+          </p:nvPr>
+        </p:nvSpPr>
+        <p:spPr/>
+        <p:txBody>
+          <a:bodyPr/>
+          <a:lstStyle/>
+          <a:p>
+            <a:r>
+              <a:rPr lang="en-US" dirty="0" smtClean="0"/>
+              <a:t>Demo Requirements:  The Proposal</a:t>
+            </a:r>
+            <a:endParaRPr lang="en-US" dirty="0"/>
+          </a:p>
+        </p:txBody>
+      </p:sp>
+      <p:sp>
+        <p:nvSpPr>
+          <p:cNvPr id="3" name="Content Placeholder 2"/>
+          <p:cNvSpPr>
+            <a:spLocks noGrp="1"/>
+          </p:cNvSpPr>
+          <p:nvPr>
+            <p:ph idx="1"/>
+          </p:nvPr>
+        </p:nvSpPr>
+        <p:spPr/>
+        <p:txBody>
+          <a:bodyPr>
+            <a:normAutofit/>
+          </a:bodyPr>
+          <a:lstStyle/>
+          <a:p>
+            <a:r>
+              <a:rPr lang="en-US" dirty="0"/>
+              <a:t>Basic explanation of </a:t>
+            </a:r>
+            <a:r>
+              <a:rPr lang="en-US" dirty="0" smtClean="0"/>
+              <a:t>licensing</a:t>
+            </a:r>
+          </a:p>
+          <a:p>
+            <a:r>
+              <a:rPr lang="en-US" dirty="0" smtClean="0"/>
+              <a:t>Formal pricing offers</a:t>
+            </a:r>
+          </a:p>
+          <a:p>
+            <a:r>
+              <a:rPr lang="en-US" dirty="0" smtClean="0"/>
+              <a:t>Support details</a:t>
+            </a:r>
+          </a:p>
+          <a:p>
+            <a:pPr lvl="1"/>
+            <a:r>
+              <a:rPr lang="en-US" dirty="0" smtClean="0"/>
+              <a:t>What parts of the stack are supported</a:t>
+            </a:r>
+          </a:p>
+          <a:p>
+            <a:pPr lvl="1"/>
+            <a:r>
+              <a:rPr lang="en-US" dirty="0" smtClean="0"/>
+              <a:t>SLA</a:t>
+            </a:r>
+          </a:p>
+          <a:p>
+            <a:pPr lvl="1"/>
+            <a:r>
+              <a:rPr lang="en-US" dirty="0" smtClean="0"/>
+              <a:t>Pricing</a:t>
+            </a:r>
+          </a:p>
+          <a:p>
+            <a:r>
+              <a:rPr lang="en-US" dirty="0" smtClean="0"/>
+              <a:t>Consulting services</a:t>
+            </a:r>
+          </a:p>
+          <a:p>
+            <a:pPr lvl="1"/>
+            <a:r>
+              <a:rPr lang="en-US" dirty="0" smtClean="0"/>
+              <a:t>Their consulting model</a:t>
+            </a:r>
+          </a:p>
+          <a:p>
+            <a:pPr lvl="1"/>
+            <a:r>
+              <a:rPr lang="en-US" dirty="0" smtClean="0"/>
+              <a:t>Availability</a:t>
+            </a:r>
+          </a:p>
+          <a:p>
+            <a:pPr lvl="1"/>
+            <a:r>
+              <a:rPr lang="en-US" dirty="0" smtClean="0"/>
+              <a:t>Costs</a:t>
+            </a:r>
+            <a:endParaRPr lang="en-US" dirty="0"/>
+          </a:p>
+        </p:txBody>
+      </p:sp>
+    </p:spTree>
+    <p:extLst>
+      <p:ext uri="{BB962C8B-B14F-4D97-AF65-F5344CB8AC3E}">
+        <p14:creationId xmlns:p14="http://schemas.microsoft.com/office/powerpoint/2010/main" val="485781510"/>
+      </p:ext>
+    </p:extLst>
+  </p:cSld>
+  <p:clrMapOvr>
+    <a:masterClrMapping/>
+  </p:clrMapOvr>
+</p:sld>
+</file>
+
+<file path=ppt/slides/slide14.xml><?xml version="1.0" encoding="utf-8"?>
+<p:sld xmlns:a="http://schemas.openxmlformats.org/drawingml/2006/main" xmlns:r="http://schemas.openxmlformats.org/officeDocument/2006/relationships" xmlns:p="http://schemas.openxmlformats.org/presentationml/2006/main">
+  <p:cSld>
+    <p:spTree>
+      <p:nvGrpSpPr>
+        <p:cNvPr id="1" name=""/>
+        <p:cNvGrpSpPr/>
+        <p:nvPr/>
+      </p:nvGrpSpPr>
+      <p:grpSpPr>
+        <a:xfrm>
+          <a:off x="0" y="0"/>
+          <a:ext cx="0" cy="0"/>
+          <a:chOff x="0" y="0"/>
+          <a:chExt cx="0" cy="0"/>
+        </a:xfrm>
+      </p:grpSpPr>
+      <p:sp>
+        <p:nvSpPr>
+          <p:cNvPr id="2" name="Title 1"/>
+          <p:cNvSpPr>
+            <a:spLocks noGrp="1"/>
+          </p:cNvSpPr>
+          <p:nvPr>
+            <p:ph type="title"/>
+          </p:nvPr>
+        </p:nvSpPr>
+        <p:spPr/>
+        <p:txBody>
+          <a:bodyPr/>
+          <a:lstStyle/>
+          <a:p>
+            <a:r>
+              <a:rPr lang="en-US" dirty="0"/>
+              <a:t>Phase </a:t>
+            </a:r>
+            <a:r>
+              <a:rPr lang="en-US" dirty="0" smtClean="0"/>
+              <a:t>Two (Medium)</a:t>
+            </a:r>
+            <a:endParaRPr lang="en-US" dirty="0"/>
+          </a:p>
+        </p:txBody>
+      </p:sp>
+      <p:sp>
+        <p:nvSpPr>
+          <p:cNvPr id="3" name="Text Placeholder 2"/>
+          <p:cNvSpPr>
+            <a:spLocks noGrp="1"/>
+          </p:cNvSpPr>
+          <p:nvPr>
+            <p:ph type="body" idx="1"/>
+          </p:nvPr>
+        </p:nvSpPr>
+        <p:spPr/>
+        <p:txBody>
+          <a:bodyPr/>
+          <a:lstStyle/>
+          <a:p>
+            <a:r>
+              <a:rPr lang="en-US" dirty="0" smtClean="0"/>
+              <a:t>Support of Vendor Applications</a:t>
+            </a:r>
+            <a:endParaRPr lang="en-US" dirty="0"/>
+          </a:p>
+        </p:txBody>
+      </p:sp>
+    </p:spTree>
+    <p:extLst>
+      <p:ext uri="{BB962C8B-B14F-4D97-AF65-F5344CB8AC3E}">
+        <p14:creationId xmlns:p14="http://schemas.microsoft.com/office/powerpoint/2010/main" val="1907812105"/>
+      </p:ext>
+    </p:extLst>
+  </p:cSld>
+  <p:clrMapOvr>
+    <a:masterClrMapping/>
+  </p:clrMapOvr>
+</p:sld>
+</file>
+
+<file path=ppt/slides/slide15.xml><?xml version="1.0" encoding="utf-8"?>
+<p:sld xmlns:a="http://schemas.openxmlformats.org/drawingml/2006/main" xmlns:r="http://schemas.openxmlformats.org/officeDocument/2006/relationships" xmlns:p="http://schemas.openxmlformats.org/presentationml/2006/main">
+  <p:cSld>
+    <p:spTree>
+      <p:nvGrpSpPr>
+        <p:cNvPr id="1" name=""/>
+        <p:cNvGrpSpPr/>
+        <p:nvPr/>
+      </p:nvGrpSpPr>
+      <p:grpSpPr>
+        <a:xfrm>
+          <a:off x="0" y="0"/>
+          <a:ext cx="0" cy="0"/>
+          <a:chOff x="0" y="0"/>
+          <a:chExt cx="0" cy="0"/>
+        </a:xfrm>
+      </p:grpSpPr>
+      <p:sp>
+        <p:nvSpPr>
+          <p:cNvPr id="2" name="Title 1"/>
+          <p:cNvSpPr>
+            <a:spLocks noGrp="1"/>
+          </p:cNvSpPr>
+          <p:nvPr>
+            <p:ph type="title"/>
+          </p:nvPr>
+        </p:nvSpPr>
+        <p:spPr/>
+        <p:txBody>
+          <a:bodyPr/>
+          <a:lstStyle/>
+          <a:p>
+            <a:r>
+              <a:rPr lang="en-US" dirty="0" smtClean="0"/>
+              <a:t>Vendor Applications</a:t>
+            </a:r>
+            <a:endParaRPr lang="en-US" dirty="0"/>
+          </a:p>
+        </p:txBody>
+      </p:sp>
+      <p:sp>
+        <p:nvSpPr>
+          <p:cNvPr id="3" name="Content Placeholder 2"/>
+          <p:cNvSpPr>
+            <a:spLocks noGrp="1"/>
+          </p:cNvSpPr>
+          <p:nvPr>
+            <p:ph idx="1"/>
+          </p:nvPr>
+        </p:nvSpPr>
+        <p:spPr/>
+        <p:txBody>
+          <a:bodyPr/>
+          <a:lstStyle/>
+          <a:p>
+            <a:r>
+              <a:rPr lang="en-US" dirty="0"/>
+              <a:t>This is really just a new way of deploying applications we buy</a:t>
+            </a:r>
+          </a:p>
+          <a:p>
+            <a:r>
+              <a:rPr lang="en-US" dirty="0" smtClean="0"/>
+              <a:t>Requires planning and training</a:t>
+            </a:r>
+          </a:p>
+          <a:p>
+            <a:r>
+              <a:rPr lang="en-US" dirty="0" smtClean="0"/>
+              <a:t>Requires licensing and support agreements</a:t>
+            </a:r>
+            <a:endParaRPr lang="en-US" dirty="0"/>
+          </a:p>
+          <a:p>
+            <a:r>
+              <a:rPr lang="en-US" dirty="0" smtClean="0"/>
+              <a:t>Requires physical infrastructure</a:t>
+            </a:r>
+          </a:p>
+          <a:p>
+            <a:r>
+              <a:rPr lang="en-US" dirty="0" smtClean="0"/>
+              <a:t>Requires installation / configuration of container solution</a:t>
+            </a:r>
+          </a:p>
+          <a:p>
+            <a:r>
+              <a:rPr lang="en-US" dirty="0" smtClean="0"/>
+              <a:t>Requires NOC integration</a:t>
+            </a:r>
+          </a:p>
+        </p:txBody>
+      </p:sp>
+    </p:spTree>
+    <p:extLst>
+      <p:ext uri="{BB962C8B-B14F-4D97-AF65-F5344CB8AC3E}">
+        <p14:creationId xmlns:p14="http://schemas.microsoft.com/office/powerpoint/2010/main" val="908170637"/>
+      </p:ext>
+    </p:extLst>
+  </p:cSld>
+  <p:clrMapOvr>
+    <a:masterClrMapping/>
+  </p:clrMapOvr>
+</p:sld>
+</file>
+
+<file path=ppt/slides/slide16.xml><?xml version="1.0" encoding="utf-8"?>
+<p:sld xmlns:a="http://schemas.openxmlformats.org/drawingml/2006/main" xmlns:r="http://schemas.openxmlformats.org/officeDocument/2006/relationships" xmlns:p="http://schemas.openxmlformats.org/presentationml/2006/main">
+  <p:cSld>
+    <p:spTree>
+      <p:nvGrpSpPr>
+        <p:cNvPr id="1" name=""/>
+        <p:cNvGrpSpPr/>
+        <p:nvPr/>
+      </p:nvGrpSpPr>
+      <p:grpSpPr>
+        <a:xfrm>
+          <a:off x="0" y="0"/>
+          <a:ext cx="0" cy="0"/>
+          <a:chOff x="0" y="0"/>
+          <a:chExt cx="0" cy="0"/>
+        </a:xfrm>
+      </p:grpSpPr>
+      <p:sp>
+        <p:nvSpPr>
+          <p:cNvPr id="2" name="Title 1"/>
+          <p:cNvSpPr>
+            <a:spLocks noGrp="1"/>
+          </p:cNvSpPr>
+          <p:nvPr>
+            <p:ph type="title"/>
+          </p:nvPr>
+        </p:nvSpPr>
+        <p:spPr/>
+        <p:txBody>
+          <a:bodyPr/>
+          <a:lstStyle/>
+          <a:p>
+            <a:r>
+              <a:rPr lang="en-US" dirty="0"/>
+              <a:t>Phase </a:t>
+            </a:r>
+            <a:r>
+              <a:rPr lang="en-US" dirty="0" smtClean="0"/>
+              <a:t>Three (Large)</a:t>
+            </a:r>
+            <a:endParaRPr lang="en-US" dirty="0"/>
+          </a:p>
+        </p:txBody>
+      </p:sp>
+      <p:sp>
+        <p:nvSpPr>
+          <p:cNvPr id="3" name="Text Placeholder 2"/>
+          <p:cNvSpPr>
+            <a:spLocks noGrp="1"/>
+          </p:cNvSpPr>
+          <p:nvPr>
+            <p:ph type="body" idx="1"/>
+          </p:nvPr>
+        </p:nvSpPr>
+        <p:spPr/>
+        <p:txBody>
+          <a:bodyPr/>
+          <a:lstStyle/>
+          <a:p>
+            <a:r>
+              <a:rPr lang="en-US" dirty="0" smtClean="0"/>
+              <a:t>Development Operations:  Containers as a Service</a:t>
+            </a:r>
+            <a:endParaRPr lang="en-US" dirty="0"/>
+          </a:p>
+        </p:txBody>
+      </p:sp>
+    </p:spTree>
+    <p:extLst>
+      <p:ext uri="{BB962C8B-B14F-4D97-AF65-F5344CB8AC3E}">
+        <p14:creationId xmlns:p14="http://schemas.microsoft.com/office/powerpoint/2010/main" val="732693168"/>
+      </p:ext>
+    </p:extLst>
+  </p:cSld>
+  <p:clrMapOvr>
+    <a:masterClrMapping/>
+  </p:clrMapOvr>
+</p:sld>
+</file>
+
+<file path=ppt/slides/slide17.xml><?xml version="1.0" encoding="utf-8"?>
+<p:sld xmlns:a="http://schemas.openxmlformats.org/drawingml/2006/main" xmlns:r="http://schemas.openxmlformats.org/officeDocument/2006/relationships" xmlns:p="http://schemas.openxmlformats.org/presentationml/2006/main">
+  <p:cSld>
+    <p:spTree>
+      <p:nvGrpSpPr>
+        <p:cNvPr id="1" name=""/>
+        <p:cNvGrpSpPr/>
+        <p:nvPr/>
+      </p:nvGrpSpPr>
+      <p:grpSpPr>
+        <a:xfrm>
+          <a:off x="0" y="0"/>
+          <a:ext cx="0" cy="0"/>
+          <a:chOff x="0" y="0"/>
+          <a:chExt cx="0" cy="0"/>
+        </a:xfrm>
+      </p:grpSpPr>
+      <p:sp>
+        <p:nvSpPr>
+          <p:cNvPr id="2" name="Title 1">
+            <a:extLst>
+              <a:ext uri="{FF2B5EF4-FFF2-40B4-BE49-F238E27FC236}">
+                <a16:creationId xmlns:a16="http://schemas.microsoft.com/office/drawing/2014/main" id="{3EFB5B40-C168-4DA5-ABDD-C34D96123F6F}"/>
+              </a:ext>
+            </a:extLst>
+          </p:cNvPr>
+          <p:cNvSpPr>
+            <a:spLocks noGrp="1"/>
+          </p:cNvSpPr>
+          <p:nvPr>
+            <p:ph type="title"/>
+          </p:nvPr>
+        </p:nvSpPr>
+        <p:spPr/>
+        <p:txBody>
+          <a:bodyPr/>
+          <a:lstStyle/>
+          <a:p>
+            <a:r>
+              <a:rPr lang="en-US" dirty="0" smtClean="0"/>
+              <a:t>Containers as a Service</a:t>
+            </a:r>
+            <a:endParaRPr lang="en-US" dirty="0"/>
+          </a:p>
+        </p:txBody>
+      </p:sp>
+      <p:grpSp>
+        <p:nvGrpSpPr>
+          <p:cNvPr id="6" name="Group 5">
+            <a:extLst>
+              <a:ext uri="{FF2B5EF4-FFF2-40B4-BE49-F238E27FC236}">
+                <a16:creationId xmlns:a16="http://schemas.microsoft.com/office/drawing/2014/main" id="{50C36B8B-7FE5-4F02-AF4C-0E97C7590D16}"/>
+              </a:ext>
+            </a:extLst>
+          </p:cNvPr>
+          <p:cNvGrpSpPr/>
+          <p:nvPr/>
+        </p:nvGrpSpPr>
+        <p:grpSpPr>
+          <a:xfrm>
+            <a:off x="310359" y="5019194"/>
+            <a:ext cx="1418596" cy="1418596"/>
+            <a:chOff x="1281113" y="3599657"/>
+            <a:chExt cx="1181100" cy="1181100"/>
+          </a:xfrm>
+        </p:grpSpPr>
+        <p:sp>
+          <p:nvSpPr>
+            <p:cNvPr id="4" name="Rectangle: Rounded Corners 3">
+              <a:extLst>
+                <a:ext uri="{FF2B5EF4-FFF2-40B4-BE49-F238E27FC236}">
+                  <a16:creationId xmlns:a16="http://schemas.microsoft.com/office/drawing/2014/main" id="{4C7C0B17-C2D1-4837-890D-37AD4ABC3945}"/>
+                </a:ext>
+              </a:extLst>
+            </p:cNvPr>
+            <p:cNvSpPr/>
+            <p:nvPr/>
+          </p:nvSpPr>
+          <p:spPr>
+            <a:xfrm>
+              <a:off x="1281113" y="3599657"/>
+              <a:ext cx="1181100" cy="1181100"/>
+            </a:xfrm>
+            <a:prstGeom prst="roundRect">
+              <a:avLst/>
+            </a:prstGeom>
+          </p:spPr>
+          <p:style>
+            <a:lnRef idx="2">
+              <a:schemeClr val="accent1">
+                <a:shade val="50000"/>
+              </a:schemeClr>
+            </a:lnRef>
+            <a:fillRef idx="1">
+              <a:schemeClr val="accent1"/>
+            </a:fillRef>
+            <a:effectRef idx="0">
+              <a:schemeClr val="accent1"/>
+            </a:effectRef>
+            <a:fontRef idx="minor">
+              <a:schemeClr val="lt1"/>
+            </a:fontRef>
+          </p:style>
+          <p:txBody>
+            <a:bodyPr rtlCol="0" anchor="ctr"/>
+            <a:lstStyle/>
+            <a:p>
+              <a:pPr algn="ctr"/>
+              <a:endParaRPr lang="en-US"/>
+            </a:p>
+          </p:txBody>
+        </p:sp>
+        <p:graphicFrame>
+          <p:nvGraphicFramePr>
+            <p:cNvPr id="5" name="Content Placeholder 3">
+              <a:extLst>
+                <a:ext uri="{FF2B5EF4-FFF2-40B4-BE49-F238E27FC236}">
+                  <a16:creationId xmlns:a16="http://schemas.microsoft.com/office/drawing/2014/main" id="{615212E2-BECF-4C73-9FEE-43D5619FD8C3}"/>
+                </a:ext>
+              </a:extLst>
+            </p:cNvPr>
+            <p:cNvGraphicFramePr>
+              <a:graphicFrameLocks/>
+            </p:cNvGraphicFramePr>
+            <p:nvPr>
+              <p:extLst/>
+            </p:nvPr>
+          </p:nvGraphicFramePr>
+          <p:xfrm>
+            <a:off x="1381126" y="3648114"/>
+            <a:ext cx="981074" cy="1084186"/>
+          </p:xfrm>
+          <a:graphic>
+            <a:graphicData uri="http://schemas.openxmlformats.org/drawingml/2006/diagram">
+              <dgm:relIds xmlns:dgm="http://schemas.openxmlformats.org/drawingml/2006/diagram" xmlns:r="http://schemas.openxmlformats.org/officeDocument/2006/relationships" r:dm="rId2" r:lo="rId3" r:qs="rId4" r:cs="rId5"/>
+            </a:graphicData>
+          </a:graphic>
+        </p:graphicFrame>
+      </p:grpSp>
+      <p:sp>
+        <p:nvSpPr>
+          <p:cNvPr id="8" name="Rectangle: Rounded Corners 7">
+            <a:extLst>
+              <a:ext uri="{FF2B5EF4-FFF2-40B4-BE49-F238E27FC236}">
+                <a16:creationId xmlns:a16="http://schemas.microsoft.com/office/drawing/2014/main" id="{E51AC119-65BC-4DE8-BA13-13FABED07CD8}"/>
+              </a:ext>
+            </a:extLst>
+          </p:cNvPr>
+          <p:cNvSpPr/>
+          <p:nvPr/>
+        </p:nvSpPr>
+        <p:spPr>
+          <a:xfrm>
+            <a:off x="3030692" y="3898338"/>
+            <a:ext cx="1311319" cy="1066800"/>
+          </a:xfrm>
+          <a:prstGeom prst="roundRect">
+            <a:avLst/>
+          </a:prstGeom>
+        </p:spPr>
+        <p:style>
+          <a:lnRef idx="2">
+            <a:schemeClr val="accent1">
+              <a:shade val="50000"/>
+            </a:schemeClr>
+          </a:lnRef>
+          <a:fillRef idx="1">
+            <a:schemeClr val="accent1"/>
+          </a:fillRef>
+          <a:effectRef idx="0">
+            <a:schemeClr val="accent1"/>
+          </a:effectRef>
+          <a:fontRef idx="minor">
+            <a:schemeClr val="lt1"/>
+          </a:fontRef>
+        </p:style>
+        <p:txBody>
+          <a:bodyPr rtlCol="0" anchor="ctr"/>
+          <a:lstStyle/>
+          <a:p>
+            <a:pPr algn="ctr"/>
+            <a:r>
+              <a:rPr lang="en-US" dirty="0"/>
+              <a:t>Private</a:t>
+            </a:r>
+          </a:p>
+          <a:p>
+            <a:pPr algn="ctr"/>
+            <a:r>
+              <a:rPr lang="en-US" dirty="0"/>
+              <a:t>Container</a:t>
+            </a:r>
+          </a:p>
+          <a:p>
+            <a:pPr algn="ctr"/>
+            <a:r>
+              <a:rPr lang="en-US" dirty="0"/>
+              <a:t>Registry</a:t>
+            </a:r>
+          </a:p>
+        </p:txBody>
+      </p:sp>
+      <p:sp>
+        <p:nvSpPr>
+          <p:cNvPr id="13" name="Arrow: Right 12">
+            <a:extLst>
+              <a:ext uri="{FF2B5EF4-FFF2-40B4-BE49-F238E27FC236}">
+                <a16:creationId xmlns:a16="http://schemas.microsoft.com/office/drawing/2014/main" id="{88FC4289-3923-4794-9596-AA7C769FEAA5}"/>
+              </a:ext>
+            </a:extLst>
+          </p:cNvPr>
+          <p:cNvSpPr/>
+          <p:nvPr/>
+        </p:nvSpPr>
+        <p:spPr>
+          <a:xfrm rot="8071927">
+            <a:off x="1551971" y="4969051"/>
+            <a:ext cx="1655706" cy="197201"/>
+          </a:xfrm>
+          <a:prstGeom prst="rightArrow">
+            <a:avLst>
+              <a:gd name="adj1" fmla="val 41487"/>
+              <a:gd name="adj2" fmla="val 50000"/>
+            </a:avLst>
+          </a:prstGeom>
+          <a:solidFill>
+            <a:srgbClr val="00B0F0"/>
+          </a:solidFill>
+          <a:ln>
+            <a:noFill/>
+          </a:ln>
+        </p:spPr>
+        <p:style>
+          <a:lnRef idx="2">
+            <a:schemeClr val="accent1">
+              <a:shade val="50000"/>
+            </a:schemeClr>
+          </a:lnRef>
+          <a:fillRef idx="1">
+            <a:schemeClr val="accent1"/>
+          </a:fillRef>
+          <a:effectRef idx="0">
+            <a:schemeClr val="accent1"/>
+          </a:effectRef>
+          <a:fontRef idx="minor">
+            <a:schemeClr val="lt1"/>
+          </a:fontRef>
+        </p:style>
+        <p:txBody>
+          <a:bodyPr rtlCol="0" anchor="ctr"/>
+          <a:lstStyle/>
+          <a:p>
+            <a:pPr algn="ctr"/>
+            <a:endParaRPr lang="en-US"/>
+          </a:p>
+        </p:txBody>
+      </p:sp>
+      <p:sp>
+        <p:nvSpPr>
+          <p:cNvPr id="15" name="Rectangle: Rounded Corners 14">
+            <a:extLst>
+              <a:ext uri="{FF2B5EF4-FFF2-40B4-BE49-F238E27FC236}">
+                <a16:creationId xmlns:a16="http://schemas.microsoft.com/office/drawing/2014/main" id="{99F5AB2C-20DB-44A3-BE24-97C42367504E}"/>
+              </a:ext>
+            </a:extLst>
+          </p:cNvPr>
+          <p:cNvSpPr/>
+          <p:nvPr/>
+        </p:nvSpPr>
+        <p:spPr>
+          <a:xfrm>
+            <a:off x="447842" y="1978753"/>
+            <a:ext cx="1181100" cy="1181100"/>
+          </a:xfrm>
+          <a:prstGeom prst="roundRect">
+            <a:avLst/>
+          </a:prstGeom>
+        </p:spPr>
+        <p:style>
+          <a:lnRef idx="2">
+            <a:schemeClr val="accent1">
+              <a:shade val="50000"/>
+            </a:schemeClr>
+          </a:lnRef>
+          <a:fillRef idx="1">
+            <a:schemeClr val="accent1"/>
+          </a:fillRef>
+          <a:effectRef idx="0">
+            <a:schemeClr val="accent1"/>
+          </a:effectRef>
+          <a:fontRef idx="minor">
+            <a:schemeClr val="lt1"/>
+          </a:fontRef>
+        </p:style>
+        <p:txBody>
+          <a:bodyPr rtlCol="0" anchor="ctr"/>
+          <a:lstStyle/>
+          <a:p>
+            <a:pPr algn="ctr"/>
+            <a:r>
+              <a:rPr lang="en-US" dirty="0"/>
+              <a:t>Source Control</a:t>
+            </a:r>
+          </a:p>
+        </p:txBody>
+      </p:sp>
+      <p:sp>
+        <p:nvSpPr>
+          <p:cNvPr id="17" name="Arrow: Up 16">
+            <a:extLst>
+              <a:ext uri="{FF2B5EF4-FFF2-40B4-BE49-F238E27FC236}">
+                <a16:creationId xmlns:a16="http://schemas.microsoft.com/office/drawing/2014/main" id="{5727905B-D2F3-4919-9E2F-2016A51383A3}"/>
+              </a:ext>
+            </a:extLst>
+          </p:cNvPr>
+          <p:cNvSpPr/>
+          <p:nvPr/>
+        </p:nvSpPr>
+        <p:spPr>
+          <a:xfrm>
+            <a:off x="964732" y="3279898"/>
+            <a:ext cx="134619" cy="1657350"/>
+          </a:xfrm>
+          <a:prstGeom prst="upArrow">
+            <a:avLst/>
+          </a:prstGeom>
+          <a:solidFill>
+            <a:srgbClr val="00B0F0"/>
+          </a:solidFill>
+          <a:ln>
+            <a:noFill/>
+          </a:ln>
+        </p:spPr>
+        <p:style>
+          <a:lnRef idx="2">
+            <a:schemeClr val="accent1">
+              <a:shade val="50000"/>
+            </a:schemeClr>
+          </a:lnRef>
+          <a:fillRef idx="1">
+            <a:schemeClr val="accent1"/>
+          </a:fillRef>
+          <a:effectRef idx="0">
+            <a:schemeClr val="accent1"/>
+          </a:effectRef>
+          <a:fontRef idx="minor">
+            <a:schemeClr val="lt1"/>
+          </a:fontRef>
+        </p:style>
+        <p:txBody>
+          <a:bodyPr rtlCol="0" anchor="ctr"/>
+          <a:lstStyle/>
+          <a:p>
+            <a:pPr algn="ctr"/>
+            <a:endParaRPr lang="en-US" dirty="0"/>
+          </a:p>
+        </p:txBody>
+      </p:sp>
+      <p:sp>
+        <p:nvSpPr>
+          <p:cNvPr id="20" name="Rectangle: Rounded Corners 19">
+            <a:extLst>
+              <a:ext uri="{FF2B5EF4-FFF2-40B4-BE49-F238E27FC236}">
+                <a16:creationId xmlns:a16="http://schemas.microsoft.com/office/drawing/2014/main" id="{81133751-04E3-4490-9974-671FCF404779}"/>
+              </a:ext>
+            </a:extLst>
+          </p:cNvPr>
+          <p:cNvSpPr/>
+          <p:nvPr/>
+        </p:nvSpPr>
+        <p:spPr>
+          <a:xfrm>
+            <a:off x="2251242" y="1978753"/>
+            <a:ext cx="1181100" cy="1181100"/>
+          </a:xfrm>
+          <a:prstGeom prst="roundRect">
+            <a:avLst/>
+          </a:prstGeom>
+        </p:spPr>
+        <p:style>
+          <a:lnRef idx="2">
+            <a:schemeClr val="accent1">
+              <a:shade val="50000"/>
+            </a:schemeClr>
+          </a:lnRef>
+          <a:fillRef idx="1">
+            <a:schemeClr val="accent1"/>
+          </a:fillRef>
+          <a:effectRef idx="0">
+            <a:schemeClr val="accent1"/>
+          </a:effectRef>
+          <a:fontRef idx="minor">
+            <a:schemeClr val="lt1"/>
+          </a:fontRef>
+        </p:style>
+        <p:txBody>
+          <a:bodyPr rtlCol="0" anchor="ctr"/>
+          <a:lstStyle/>
+          <a:p>
+            <a:pPr algn="ctr"/>
+            <a:r>
+              <a:rPr lang="en-US" dirty="0"/>
+              <a:t>Build</a:t>
+            </a:r>
+          </a:p>
+        </p:txBody>
+      </p:sp>
+      <p:sp>
+        <p:nvSpPr>
+          <p:cNvPr id="19" name="Arrow: Right 18">
+            <a:extLst>
+              <a:ext uri="{FF2B5EF4-FFF2-40B4-BE49-F238E27FC236}">
+                <a16:creationId xmlns:a16="http://schemas.microsoft.com/office/drawing/2014/main" id="{E75D28AA-C38E-468D-AC13-C500079120D0}"/>
+              </a:ext>
+            </a:extLst>
+          </p:cNvPr>
+          <p:cNvSpPr/>
+          <p:nvPr/>
+        </p:nvSpPr>
+        <p:spPr>
+          <a:xfrm>
+            <a:off x="1682917" y="2487246"/>
+            <a:ext cx="514350" cy="119663"/>
+          </a:xfrm>
+          <a:prstGeom prst="rightArrow">
+            <a:avLst/>
+          </a:prstGeom>
+          <a:solidFill>
+            <a:srgbClr val="00B0F0"/>
+          </a:solidFill>
+          <a:ln>
+            <a:noFill/>
+          </a:ln>
+        </p:spPr>
+        <p:style>
+          <a:lnRef idx="2">
+            <a:schemeClr val="accent1">
+              <a:shade val="50000"/>
+            </a:schemeClr>
+          </a:lnRef>
+          <a:fillRef idx="1">
+            <a:schemeClr val="accent1"/>
+          </a:fillRef>
+          <a:effectRef idx="0">
+            <a:schemeClr val="accent1"/>
+          </a:effectRef>
+          <a:fontRef idx="minor">
+            <a:schemeClr val="lt1"/>
+          </a:fontRef>
+        </p:style>
+        <p:txBody>
+          <a:bodyPr rtlCol="0" anchor="ctr"/>
+          <a:lstStyle/>
+          <a:p>
+            <a:pPr algn="ctr"/>
+            <a:endParaRPr lang="en-US"/>
+          </a:p>
+        </p:txBody>
+      </p:sp>
+      <p:sp>
+        <p:nvSpPr>
+          <p:cNvPr id="26" name="Rectangle: Rounded Corners 25">
+            <a:extLst>
+              <a:ext uri="{FF2B5EF4-FFF2-40B4-BE49-F238E27FC236}">
+                <a16:creationId xmlns:a16="http://schemas.microsoft.com/office/drawing/2014/main" id="{49E886BF-F215-4C9F-9034-DF29A2624A98}"/>
+              </a:ext>
+            </a:extLst>
+          </p:cNvPr>
+          <p:cNvSpPr/>
+          <p:nvPr/>
+        </p:nvSpPr>
+        <p:spPr>
+          <a:xfrm>
+            <a:off x="4800110" y="1973126"/>
+            <a:ext cx="1181100" cy="1181100"/>
+          </a:xfrm>
+          <a:prstGeom prst="roundRect">
+            <a:avLst/>
+          </a:prstGeom>
+        </p:spPr>
+        <p:style>
+          <a:lnRef idx="2">
+            <a:schemeClr val="accent1">
+              <a:shade val="50000"/>
+            </a:schemeClr>
+          </a:lnRef>
+          <a:fillRef idx="1">
+            <a:schemeClr val="accent1"/>
+          </a:fillRef>
+          <a:effectRef idx="0">
+            <a:schemeClr val="accent1"/>
+          </a:effectRef>
+          <a:fontRef idx="minor">
+            <a:schemeClr val="lt1"/>
+          </a:fontRef>
+        </p:style>
+        <p:txBody>
+          <a:bodyPr rtlCol="0" anchor="ctr"/>
+          <a:lstStyle/>
+          <a:p>
+            <a:pPr algn="ctr"/>
+            <a:r>
+              <a:rPr lang="en-US" dirty="0"/>
+              <a:t>Verify</a:t>
+            </a:r>
+          </a:p>
+        </p:txBody>
+      </p:sp>
+      <p:sp>
+        <p:nvSpPr>
+          <p:cNvPr id="27" name="Arrow: Right 26">
+            <a:extLst>
+              <a:ext uri="{FF2B5EF4-FFF2-40B4-BE49-F238E27FC236}">
+                <a16:creationId xmlns:a16="http://schemas.microsoft.com/office/drawing/2014/main" id="{824AF671-ED6F-4DE2-8599-F51754865287}"/>
+              </a:ext>
+            </a:extLst>
+          </p:cNvPr>
+          <p:cNvSpPr/>
+          <p:nvPr/>
+        </p:nvSpPr>
+        <p:spPr>
+          <a:xfrm>
+            <a:off x="3503618" y="2487246"/>
+            <a:ext cx="1181100" cy="136261"/>
+          </a:xfrm>
+          <a:prstGeom prst="rightArrow">
+            <a:avLst/>
+          </a:prstGeom>
+          <a:solidFill>
+            <a:srgbClr val="00B0F0"/>
+          </a:solidFill>
+          <a:ln>
+            <a:noFill/>
+          </a:ln>
+        </p:spPr>
+        <p:style>
+          <a:lnRef idx="2">
+            <a:schemeClr val="accent1">
+              <a:shade val="50000"/>
+            </a:schemeClr>
+          </a:lnRef>
+          <a:fillRef idx="1">
+            <a:schemeClr val="accent1"/>
+          </a:fillRef>
+          <a:effectRef idx="0">
+            <a:schemeClr val="accent1"/>
+          </a:effectRef>
+          <a:fontRef idx="minor">
+            <a:schemeClr val="lt1"/>
+          </a:fontRef>
+        </p:style>
+        <p:txBody>
+          <a:bodyPr rtlCol="0" anchor="ctr"/>
+          <a:lstStyle/>
+          <a:p>
+            <a:pPr algn="ctr"/>
+            <a:endParaRPr lang="en-US"/>
+          </a:p>
+        </p:txBody>
+      </p:sp>
+      <p:grpSp>
+        <p:nvGrpSpPr>
+          <p:cNvPr id="42" name="Group 41">
+            <a:extLst>
+              <a:ext uri="{FF2B5EF4-FFF2-40B4-BE49-F238E27FC236}">
+                <a16:creationId xmlns:a16="http://schemas.microsoft.com/office/drawing/2014/main" id="{8DD8A910-9329-48EA-A55A-07C40EEC2889}"/>
+              </a:ext>
+            </a:extLst>
+          </p:cNvPr>
+          <p:cNvGrpSpPr/>
+          <p:nvPr/>
+        </p:nvGrpSpPr>
+        <p:grpSpPr>
+          <a:xfrm>
+            <a:off x="9407397" y="1973126"/>
+            <a:ext cx="2324590" cy="4178711"/>
+            <a:chOff x="9594360" y="2247900"/>
+            <a:chExt cx="2324590" cy="3600450"/>
+          </a:xfrm>
+        </p:grpSpPr>
+        <p:sp>
+          <p:nvSpPr>
+            <p:cNvPr id="44" name="Rectangle: Rounded Corners 43">
+              <a:extLst>
+                <a:ext uri="{FF2B5EF4-FFF2-40B4-BE49-F238E27FC236}">
+                  <a16:creationId xmlns:a16="http://schemas.microsoft.com/office/drawing/2014/main" id="{1A2FECC2-3392-4972-8C93-CEFDF53F922A}"/>
+                </a:ext>
+              </a:extLst>
+            </p:cNvPr>
+            <p:cNvSpPr/>
+            <p:nvPr/>
+          </p:nvSpPr>
+          <p:spPr>
+            <a:xfrm>
+              <a:off x="9594360" y="2247900"/>
+              <a:ext cx="2324590" cy="3600450"/>
+            </a:xfrm>
+            <a:prstGeom prst="roundRect">
+              <a:avLst/>
+            </a:prstGeom>
+          </p:spPr>
+          <p:style>
+            <a:lnRef idx="2">
+              <a:schemeClr val="accent1">
+                <a:shade val="50000"/>
+              </a:schemeClr>
+            </a:lnRef>
+            <a:fillRef idx="1">
+              <a:schemeClr val="accent1"/>
+            </a:fillRef>
+            <a:effectRef idx="0">
+              <a:schemeClr val="accent1"/>
+            </a:effectRef>
+            <a:fontRef idx="minor">
+              <a:schemeClr val="lt1"/>
+            </a:fontRef>
+          </p:style>
+          <p:txBody>
+            <a:bodyPr rtlCol="0" anchor="t"/>
+            <a:lstStyle/>
+            <a:p>
+              <a:pPr algn="ctr"/>
+              <a:r>
+                <a:rPr lang="en-US" sz="2400" dirty="0"/>
+                <a:t>Docker Hosts</a:t>
+              </a:r>
+            </a:p>
+          </p:txBody>
+        </p:sp>
+        <p:sp>
+          <p:nvSpPr>
+            <p:cNvPr id="31" name="Rectangle 30">
+              <a:extLst>
+                <a:ext uri="{FF2B5EF4-FFF2-40B4-BE49-F238E27FC236}">
+                  <a16:creationId xmlns:a16="http://schemas.microsoft.com/office/drawing/2014/main" id="{3255094C-8239-45FE-9F52-E0C787DE338B}"/>
+                </a:ext>
+              </a:extLst>
+            </p:cNvPr>
+            <p:cNvSpPr/>
+            <p:nvPr/>
+          </p:nvSpPr>
+          <p:spPr>
+            <a:xfrm>
+              <a:off x="9753600" y="2852795"/>
+              <a:ext cx="1990558" cy="414474"/>
+            </a:xfrm>
+            <a:prstGeom prst="rect">
+              <a:avLst/>
+            </a:prstGeom>
+            <a:solidFill>
+              <a:schemeClr val="bg2">
+                <a:lumMod val="75000"/>
+              </a:schemeClr>
+            </a:solidFill>
+          </p:spPr>
+          <p:style>
+            <a:lnRef idx="2">
+              <a:schemeClr val="accent1">
+                <a:shade val="50000"/>
+              </a:schemeClr>
+            </a:lnRef>
+            <a:fillRef idx="1">
+              <a:schemeClr val="accent1"/>
+            </a:fillRef>
+            <a:effectRef idx="0">
+              <a:schemeClr val="accent1"/>
+            </a:effectRef>
+            <a:fontRef idx="minor">
+              <a:schemeClr val="lt1"/>
+            </a:fontRef>
+          </p:style>
+          <p:txBody>
+            <a:bodyPr rtlCol="0" anchor="ctr"/>
+            <a:lstStyle/>
+            <a:p>
+              <a:pPr algn="ctr"/>
+              <a:r>
+                <a:rPr lang="en-US" dirty="0"/>
+                <a:t>Desktop</a:t>
+              </a:r>
+            </a:p>
+          </p:txBody>
+        </p:sp>
+        <p:sp>
+          <p:nvSpPr>
+            <p:cNvPr id="34" name="Rectangle 33">
+              <a:extLst>
+                <a:ext uri="{FF2B5EF4-FFF2-40B4-BE49-F238E27FC236}">
+                  <a16:creationId xmlns:a16="http://schemas.microsoft.com/office/drawing/2014/main" id="{113F8BAF-AB23-40D9-B9C0-1332F3FCB0A7}"/>
+                </a:ext>
+              </a:extLst>
+            </p:cNvPr>
+            <p:cNvSpPr/>
+            <p:nvPr/>
+          </p:nvSpPr>
+          <p:spPr>
+            <a:xfrm>
+              <a:off x="9753600" y="3331098"/>
+              <a:ext cx="1990558" cy="414474"/>
+            </a:xfrm>
+            <a:prstGeom prst="rect">
+              <a:avLst/>
+            </a:prstGeom>
+            <a:solidFill>
+              <a:schemeClr val="bg2">
+                <a:lumMod val="75000"/>
+              </a:schemeClr>
+            </a:solidFill>
+          </p:spPr>
+          <p:style>
+            <a:lnRef idx="2">
+              <a:schemeClr val="accent1">
+                <a:shade val="50000"/>
+              </a:schemeClr>
+            </a:lnRef>
+            <a:fillRef idx="1">
+              <a:schemeClr val="accent1"/>
+            </a:fillRef>
+            <a:effectRef idx="0">
+              <a:schemeClr val="accent1"/>
+            </a:effectRef>
+            <a:fontRef idx="minor">
+              <a:schemeClr val="lt1"/>
+            </a:fontRef>
+          </p:style>
+          <p:txBody>
+            <a:bodyPr rtlCol="0" anchor="ctr"/>
+            <a:lstStyle/>
+            <a:p>
+              <a:pPr algn="ctr"/>
+              <a:r>
+                <a:rPr lang="en-US" dirty="0"/>
+                <a:t>Test Env</a:t>
+              </a:r>
+            </a:p>
+          </p:txBody>
+        </p:sp>
+        <p:sp>
+          <p:nvSpPr>
+            <p:cNvPr id="35" name="Rectangle 34">
+              <a:extLst>
+                <a:ext uri="{FF2B5EF4-FFF2-40B4-BE49-F238E27FC236}">
+                  <a16:creationId xmlns:a16="http://schemas.microsoft.com/office/drawing/2014/main" id="{3BC202CD-E443-4B4A-A779-5E25843DED97}"/>
+                </a:ext>
+              </a:extLst>
+            </p:cNvPr>
+            <p:cNvSpPr/>
+            <p:nvPr/>
+          </p:nvSpPr>
+          <p:spPr>
+            <a:xfrm>
+              <a:off x="9753600" y="3809393"/>
+              <a:ext cx="1990558" cy="414474"/>
+            </a:xfrm>
+            <a:prstGeom prst="rect">
+              <a:avLst/>
+            </a:prstGeom>
+            <a:solidFill>
+              <a:schemeClr val="bg2">
+                <a:lumMod val="75000"/>
+              </a:schemeClr>
+            </a:solidFill>
+          </p:spPr>
+          <p:style>
+            <a:lnRef idx="2">
+              <a:schemeClr val="accent1">
+                <a:shade val="50000"/>
+              </a:schemeClr>
+            </a:lnRef>
+            <a:fillRef idx="1">
+              <a:schemeClr val="accent1"/>
+            </a:fillRef>
+            <a:effectRef idx="0">
+              <a:schemeClr val="accent1"/>
+            </a:effectRef>
+            <a:fontRef idx="minor">
+              <a:schemeClr val="lt1"/>
+            </a:fontRef>
+          </p:style>
+          <p:txBody>
+            <a:bodyPr rtlCol="0" anchor="ctr"/>
+            <a:lstStyle/>
+            <a:p>
+              <a:pPr algn="ctr"/>
+              <a:r>
+                <a:rPr lang="en-US" dirty="0"/>
+                <a:t>UAT Env</a:t>
+              </a:r>
+            </a:p>
+          </p:txBody>
+        </p:sp>
+        <p:sp>
+          <p:nvSpPr>
+            <p:cNvPr id="36" name="Rectangle 35">
+              <a:extLst>
+                <a:ext uri="{FF2B5EF4-FFF2-40B4-BE49-F238E27FC236}">
+                  <a16:creationId xmlns:a16="http://schemas.microsoft.com/office/drawing/2014/main" id="{E6113020-BE87-41C8-819D-28B50CF4F79C}"/>
+                </a:ext>
+              </a:extLst>
+            </p:cNvPr>
+            <p:cNvSpPr/>
+            <p:nvPr/>
+          </p:nvSpPr>
+          <p:spPr>
+            <a:xfrm>
+              <a:off x="9753600" y="4665402"/>
+              <a:ext cx="1990558" cy="414474"/>
+            </a:xfrm>
+            <a:prstGeom prst="rect">
+              <a:avLst/>
+            </a:prstGeom>
+            <a:solidFill>
+              <a:srgbClr val="00B050"/>
+            </a:solidFill>
+          </p:spPr>
+          <p:style>
+            <a:lnRef idx="2">
+              <a:schemeClr val="accent1">
+                <a:shade val="50000"/>
+              </a:schemeClr>
+            </a:lnRef>
+            <a:fillRef idx="1">
+              <a:schemeClr val="accent1"/>
+            </a:fillRef>
+            <a:effectRef idx="0">
+              <a:schemeClr val="accent1"/>
+            </a:effectRef>
+            <a:fontRef idx="minor">
+              <a:schemeClr val="lt1"/>
+            </a:fontRef>
+          </p:style>
+          <p:txBody>
+            <a:bodyPr rtlCol="0" anchor="ctr"/>
+            <a:lstStyle/>
+            <a:p>
+              <a:pPr algn="ctr"/>
+              <a:r>
+                <a:rPr lang="en-US" dirty="0"/>
+                <a:t>On-Premise</a:t>
+              </a:r>
+            </a:p>
+          </p:txBody>
+        </p:sp>
+        <p:sp>
+          <p:nvSpPr>
+            <p:cNvPr id="37" name="Rectangle 36">
+              <a:extLst>
+                <a:ext uri="{FF2B5EF4-FFF2-40B4-BE49-F238E27FC236}">
+                  <a16:creationId xmlns:a16="http://schemas.microsoft.com/office/drawing/2014/main" id="{C30FAE3B-E988-42C8-90B8-CAAA8DB966D0}"/>
+                </a:ext>
+              </a:extLst>
+            </p:cNvPr>
+            <p:cNvSpPr/>
+            <p:nvPr/>
+          </p:nvSpPr>
+          <p:spPr>
+            <a:xfrm>
+              <a:off x="9753600" y="5143699"/>
+              <a:ext cx="1990558" cy="414474"/>
+            </a:xfrm>
+            <a:prstGeom prst="rect">
+              <a:avLst/>
+            </a:prstGeom>
+            <a:solidFill>
+              <a:srgbClr val="00B050"/>
+            </a:solidFill>
+          </p:spPr>
+          <p:style>
+            <a:lnRef idx="2">
+              <a:schemeClr val="accent1">
+                <a:shade val="50000"/>
+              </a:schemeClr>
+            </a:lnRef>
+            <a:fillRef idx="1">
+              <a:schemeClr val="accent1"/>
+            </a:fillRef>
+            <a:effectRef idx="0">
+              <a:schemeClr val="accent1"/>
+            </a:effectRef>
+            <a:fontRef idx="minor">
+              <a:schemeClr val="lt1"/>
+            </a:fontRef>
+          </p:style>
+          <p:txBody>
+            <a:bodyPr rtlCol="0" anchor="ctr"/>
+            <a:lstStyle/>
+            <a:p>
+              <a:pPr algn="ctr"/>
+              <a:r>
+                <a:rPr lang="en-US" dirty="0"/>
+                <a:t>Off-Premise</a:t>
+              </a:r>
+            </a:p>
+          </p:txBody>
+        </p:sp>
+      </p:grpSp>
+      <p:graphicFrame>
+        <p:nvGraphicFramePr>
+          <p:cNvPr id="41" name="Chart 40">
+            <a:extLst>
+              <a:ext uri="{FF2B5EF4-FFF2-40B4-BE49-F238E27FC236}">
+                <a16:creationId xmlns:a16="http://schemas.microsoft.com/office/drawing/2014/main" id="{EA701DB9-837F-4B0E-9F99-ABD6EDA35C80}"/>
+              </a:ext>
+            </a:extLst>
+          </p:cNvPr>
+          <p:cNvGraphicFramePr/>
+          <p:nvPr>
+            <p:extLst/>
+          </p:nvPr>
+        </p:nvGraphicFramePr>
+        <p:xfrm>
+          <a:off x="6658374" y="4486796"/>
+          <a:ext cx="2628900" cy="1761604"/>
+        </p:xfrm>
+        <a:graphic>
+          <a:graphicData uri="http://schemas.openxmlformats.org/drawingml/2006/chart">
+            <c:chart xmlns:c="http://schemas.openxmlformats.org/drawingml/2006/chart" xmlns:r="http://schemas.openxmlformats.org/officeDocument/2006/relationships" r:id="rId7"/>
+          </a:graphicData>
+        </a:graphic>
+      </p:graphicFrame>
+      <p:sp>
+        <p:nvSpPr>
+          <p:cNvPr id="32" name="Arrow: Right 31">
+            <a:extLst>
+              <a:ext uri="{FF2B5EF4-FFF2-40B4-BE49-F238E27FC236}">
+                <a16:creationId xmlns:a16="http://schemas.microsoft.com/office/drawing/2014/main" id="{B0412027-4610-4E4C-A277-3954F9A16214}"/>
+              </a:ext>
+            </a:extLst>
+          </p:cNvPr>
+          <p:cNvSpPr/>
+          <p:nvPr/>
+        </p:nvSpPr>
+        <p:spPr>
+          <a:xfrm rot="13563408">
+            <a:off x="2701390" y="3423078"/>
+            <a:ext cx="824168" cy="181271"/>
+          </a:xfrm>
+          <a:prstGeom prst="rightArrow">
+            <a:avLst>
+              <a:gd name="adj1" fmla="val 41487"/>
+              <a:gd name="adj2" fmla="val 50000"/>
+            </a:avLst>
+          </a:prstGeom>
+          <a:solidFill>
+            <a:srgbClr val="00B0F0"/>
+          </a:solidFill>
+          <a:ln>
+            <a:noFill/>
+          </a:ln>
+        </p:spPr>
+        <p:style>
+          <a:lnRef idx="2">
+            <a:schemeClr val="accent1">
+              <a:shade val="50000"/>
+            </a:schemeClr>
+          </a:lnRef>
+          <a:fillRef idx="1">
+            <a:schemeClr val="accent1"/>
+          </a:fillRef>
+          <a:effectRef idx="0">
+            <a:schemeClr val="accent1"/>
+          </a:effectRef>
+          <a:fontRef idx="minor">
+            <a:schemeClr val="lt1"/>
+          </a:fontRef>
+        </p:style>
+        <p:txBody>
+          <a:bodyPr rtlCol="0" anchor="ctr"/>
+          <a:lstStyle/>
+          <a:p>
+            <a:pPr algn="ctr"/>
+            <a:endParaRPr lang="en-US"/>
+          </a:p>
+        </p:txBody>
+      </p:sp>
+      <p:sp>
+        <p:nvSpPr>
+          <p:cNvPr id="7" name="Arrow: Bent 6">
+            <a:extLst>
+              <a:ext uri="{FF2B5EF4-FFF2-40B4-BE49-F238E27FC236}">
+                <a16:creationId xmlns:a16="http://schemas.microsoft.com/office/drawing/2014/main" id="{59049149-0CD6-4DDF-8C95-44F7F5790F86}"/>
+              </a:ext>
+            </a:extLst>
+          </p:cNvPr>
+          <p:cNvSpPr/>
+          <p:nvPr/>
+        </p:nvSpPr>
+        <p:spPr>
+          <a:xfrm rot="10800000">
+            <a:off x="4442256" y="3230291"/>
+            <a:ext cx="753630" cy="1004201"/>
+          </a:xfrm>
+          <a:prstGeom prst="bentArrow">
+            <a:avLst>
+              <a:gd name="adj1" fmla="val 10082"/>
+              <a:gd name="adj2" fmla="val 8935"/>
+              <a:gd name="adj3" fmla="val 16393"/>
+              <a:gd name="adj4" fmla="val 42029"/>
+            </a:avLst>
+          </a:prstGeom>
+          <a:solidFill>
+            <a:srgbClr val="FF0000"/>
+          </a:solidFill>
+          <a:ln>
+            <a:noFill/>
+          </a:ln>
+        </p:spPr>
+        <p:style>
+          <a:lnRef idx="2">
+            <a:schemeClr val="accent1">
+              <a:shade val="50000"/>
+            </a:schemeClr>
+          </a:lnRef>
+          <a:fillRef idx="1">
+            <a:schemeClr val="accent1"/>
+          </a:fillRef>
+          <a:effectRef idx="0">
+            <a:schemeClr val="accent1"/>
+          </a:effectRef>
+          <a:fontRef idx="minor">
+            <a:schemeClr val="lt1"/>
+          </a:fontRef>
+        </p:style>
+        <p:txBody>
+          <a:bodyPr rtlCol="0" anchor="ctr"/>
+          <a:lstStyle/>
+          <a:p>
+            <a:pPr algn="ctr"/>
+            <a:endParaRPr lang="en-US">
+              <a:solidFill>
+                <a:schemeClr val="tx1"/>
+              </a:solidFill>
+            </a:endParaRPr>
+          </a:p>
+        </p:txBody>
+      </p:sp>
+      <p:sp>
+        <p:nvSpPr>
+          <p:cNvPr id="40" name="Arrow: Right 39">
+            <a:extLst>
+              <a:ext uri="{FF2B5EF4-FFF2-40B4-BE49-F238E27FC236}">
+                <a16:creationId xmlns:a16="http://schemas.microsoft.com/office/drawing/2014/main" id="{55524E52-425B-40DA-B564-831E7FC2229F}"/>
+              </a:ext>
+            </a:extLst>
+          </p:cNvPr>
+          <p:cNvSpPr/>
+          <p:nvPr/>
+        </p:nvSpPr>
+        <p:spPr>
+          <a:xfrm rot="20735756">
+            <a:off x="4383545" y="3924574"/>
+            <a:ext cx="5001716" cy="160003"/>
+          </a:xfrm>
+          <a:prstGeom prst="rightArrow">
+            <a:avLst/>
+          </a:prstGeom>
+          <a:solidFill>
+            <a:srgbClr val="FF0000"/>
+          </a:solidFill>
+          <a:ln>
+            <a:noFill/>
+          </a:ln>
+        </p:spPr>
+        <p:style>
+          <a:lnRef idx="2">
+            <a:schemeClr val="accent1">
+              <a:shade val="50000"/>
+            </a:schemeClr>
+          </a:lnRef>
+          <a:fillRef idx="1">
+            <a:schemeClr val="accent1"/>
+          </a:fillRef>
+          <a:effectRef idx="0">
+            <a:schemeClr val="accent1"/>
+          </a:effectRef>
+          <a:fontRef idx="minor">
+            <a:schemeClr val="lt1"/>
+          </a:fontRef>
+        </p:style>
+        <p:txBody>
+          <a:bodyPr rtlCol="0" anchor="ctr"/>
+          <a:lstStyle/>
+          <a:p>
+            <a:pPr algn="ctr"/>
+            <a:endParaRPr lang="en-US"/>
+          </a:p>
+        </p:txBody>
+      </p:sp>
+    </p:spTree>
+    <p:extLst>
+      <p:ext uri="{BB962C8B-B14F-4D97-AF65-F5344CB8AC3E}">
+        <p14:creationId xmlns:p14="http://schemas.microsoft.com/office/powerpoint/2010/main" val="2572755486"/>
+      </p:ext>
+    </p:extLst>
+  </p:cSld>
+  <p:clrMapOvr>
+    <a:masterClrMapping/>
+  </p:clrMapOvr>
+  <p:timing>
+    <p:tnLst>
+      <p:par>
+        <p:cTn id="1" dur="indefinite" restart="never" nodeType="tmRoot">
+          <p:childTnLst>
+            <p:seq concurrent="1" nextAc="seek">
+              <p:cTn id="2" dur="indefinite" nodeType="mainSeq">
+                <p:childTnLst>
+                  <p:par>
+                    <p:cTn id="3" fill="hold">
+                      <p:stCondLst>
+                        <p:cond delay="indefinite"/>
+                      </p:stCondLst>
+                      <p:childTnLst>
+                        <p:par>
+                          <p:cTn id="4" fill="hold">
+                            <p:stCondLst>
+                              <p:cond delay="0"/>
+                            </p:stCondLst>
+                            <p:childTnLst>
+                              <p:par>
+                                <p:cTn id="5" presetID="1" presetClass="entr" presetSubtype="0" fill="hold" grpId="0" nodeType="clickEffect">
+                                  <p:stCondLst>
+                                    <p:cond delay="0"/>
+                                  </p:stCondLst>
+                                  <p:childTnLst>
+                                    <p:set>
+                                      <p:cBhvr>
+                                        <p:cTn id="6" dur="1" fill="hold">
+                                          <p:stCondLst>
+                                            <p:cond delay="0"/>
+                                          </p:stCondLst>
+                                        </p:cTn>
+                                        <p:tgtEl>
+                                          <p:spTgt spid="8"/>
+                                        </p:tgtEl>
+                                        <p:attrNameLst>
+                                          <p:attrName>style.visibility</p:attrName>
+                                        </p:attrNameLst>
+                                      </p:cBhvr>
+                                      <p:to>
+                                        <p:strVal val="visible"/>
+                                      </p:to>
+                                    </p:set>
+                                  </p:childTnLst>
+                                </p:cTn>
+                              </p:par>
+                            </p:childTnLst>
+                          </p:cTn>
+                        </p:par>
+                      </p:childTnLst>
+                    </p:cTn>
+                  </p:par>
+                  <p:par>
+                    <p:cTn id="7" fill="hold">
+                      <p:stCondLst>
+                        <p:cond delay="indefinite"/>
+                      </p:stCondLst>
+                      <p:childTnLst>
+                        <p:par>
+                          <p:cTn id="8" fill="hold">
+                            <p:stCondLst>
+                              <p:cond delay="0"/>
+                            </p:stCondLst>
+                            <p:childTnLst>
+                              <p:par>
+                                <p:cTn id="9" presetID="1" presetClass="entr" presetSubtype="0" fill="hold" nodeType="clickEffect">
+                                  <p:stCondLst>
+                                    <p:cond delay="0"/>
+                                  </p:stCondLst>
+                                  <p:childTnLst>
+                                    <p:set>
+                                      <p:cBhvr>
+                                        <p:cTn id="10" dur="1" fill="hold">
+                                          <p:stCondLst>
+                                            <p:cond delay="0"/>
+                                          </p:stCondLst>
+                                        </p:cTn>
+                                        <p:tgtEl>
+                                          <p:spTgt spid="6"/>
+                                        </p:tgtEl>
+                                        <p:attrNameLst>
+                                          <p:attrName>style.visibility</p:attrName>
+                                        </p:attrNameLst>
+                                      </p:cBhvr>
+                                      <p:to>
+                                        <p:strVal val="visible"/>
+                                      </p:to>
+                                    </p:set>
+                                  </p:childTnLst>
+                                </p:cTn>
+                              </p:par>
+                              <p:par>
+                                <p:cTn id="11" presetID="10" presetClass="entr" presetSubtype="0" fill="hold" grpId="0" nodeType="withEffect">
+                                  <p:stCondLst>
+                                    <p:cond delay="0"/>
+                                  </p:stCondLst>
+                                  <p:childTnLst>
+                                    <p:set>
+                                      <p:cBhvr>
+                                        <p:cTn id="12" dur="1" fill="hold">
+                                          <p:stCondLst>
+                                            <p:cond delay="0"/>
+                                          </p:stCondLst>
+                                        </p:cTn>
+                                        <p:tgtEl>
+                                          <p:spTgt spid="13"/>
+                                        </p:tgtEl>
+                                        <p:attrNameLst>
+                                          <p:attrName>style.visibility</p:attrName>
+                                        </p:attrNameLst>
+                                      </p:cBhvr>
+                                      <p:to>
+                                        <p:strVal val="visible"/>
+                                      </p:to>
+                                    </p:set>
+                                    <p:animEffect transition="in" filter="fade">
+                                      <p:cBhvr>
+                                        <p:cTn id="13" dur="500"/>
+                                        <p:tgtEl>
+                                          <p:spTgt spid="13"/>
+                                        </p:tgtEl>
+                                      </p:cBhvr>
+                                    </p:animEffect>
+                                  </p:childTnLst>
+                                </p:cTn>
+                              </p:par>
+                            </p:childTnLst>
+                          </p:cTn>
+                        </p:par>
+                      </p:childTnLst>
+                    </p:cTn>
+                  </p:par>
+                  <p:par>
+                    <p:cTn id="14" fill="hold">
+                      <p:stCondLst>
+                        <p:cond delay="indefinite"/>
+                      </p:stCondLst>
+                      <p:childTnLst>
+                        <p:par>
+                          <p:cTn id="15" fill="hold">
+                            <p:stCondLst>
+                              <p:cond delay="0"/>
+                            </p:stCondLst>
+                            <p:childTnLst>
+                              <p:par>
+                                <p:cTn id="16" presetID="1" presetClass="entr" presetSubtype="0" fill="hold" grpId="0" nodeType="clickEffect">
+                                  <p:stCondLst>
+                                    <p:cond delay="0"/>
+                                  </p:stCondLst>
+                                  <p:childTnLst>
+                                    <p:set>
+                                      <p:cBhvr>
+                                        <p:cTn id="17" dur="1" fill="hold">
+                                          <p:stCondLst>
+                                            <p:cond delay="0"/>
+                                          </p:stCondLst>
+                                        </p:cTn>
+                                        <p:tgtEl>
+                                          <p:spTgt spid="15"/>
+                                        </p:tgtEl>
+                                        <p:attrNameLst>
+                                          <p:attrName>style.visibility</p:attrName>
+                                        </p:attrNameLst>
+                                      </p:cBhvr>
+                                      <p:to>
+                                        <p:strVal val="visible"/>
+                                      </p:to>
+                                    </p:set>
+                                  </p:childTnLst>
+                                </p:cTn>
+                              </p:par>
+                              <p:par>
+                                <p:cTn id="18" presetID="10" presetClass="entr" presetSubtype="0" fill="hold" grpId="0" nodeType="withEffect">
+                                  <p:stCondLst>
+                                    <p:cond delay="0"/>
+                                  </p:stCondLst>
+                                  <p:childTnLst>
+                                    <p:set>
+                                      <p:cBhvr>
+                                        <p:cTn id="19" dur="1" fill="hold">
+                                          <p:stCondLst>
+                                            <p:cond delay="0"/>
+                                          </p:stCondLst>
+                                        </p:cTn>
+                                        <p:tgtEl>
+                                          <p:spTgt spid="17"/>
+                                        </p:tgtEl>
+                                        <p:attrNameLst>
+                                          <p:attrName>style.visibility</p:attrName>
+                                        </p:attrNameLst>
+                                      </p:cBhvr>
+                                      <p:to>
+                                        <p:strVal val="visible"/>
+                                      </p:to>
+                                    </p:set>
+                                    <p:animEffect transition="in" filter="fade">
+                                      <p:cBhvr>
+                                        <p:cTn id="20" dur="500"/>
+                                        <p:tgtEl>
+                                          <p:spTgt spid="17"/>
+                                        </p:tgtEl>
+                                      </p:cBhvr>
+                                    </p:animEffect>
+                                  </p:childTnLst>
+                                </p:cTn>
+                              </p:par>
+                            </p:childTnLst>
+                          </p:cTn>
+                        </p:par>
+                      </p:childTnLst>
+                    </p:cTn>
+                  </p:par>
+                  <p:par>
+                    <p:cTn id="21" fill="hold">
+                      <p:stCondLst>
+                        <p:cond delay="indefinite"/>
+                      </p:stCondLst>
+                      <p:childTnLst>
+                        <p:par>
+                          <p:cTn id="22" fill="hold">
+                            <p:stCondLst>
+                              <p:cond delay="0"/>
+                            </p:stCondLst>
+                            <p:childTnLst>
+                              <p:par>
+                                <p:cTn id="23" presetID="1" presetClass="entr" presetSubtype="0" fill="hold" grpId="0" nodeType="clickEffect">
+                                  <p:stCondLst>
+                                    <p:cond delay="0"/>
+                                  </p:stCondLst>
+                                  <p:childTnLst>
+                                    <p:set>
+                                      <p:cBhvr>
+                                        <p:cTn id="24" dur="1" fill="hold">
+                                          <p:stCondLst>
+                                            <p:cond delay="0"/>
+                                          </p:stCondLst>
+                                        </p:cTn>
+                                        <p:tgtEl>
+                                          <p:spTgt spid="20"/>
+                                        </p:tgtEl>
+                                        <p:attrNameLst>
+                                          <p:attrName>style.visibility</p:attrName>
+                                        </p:attrNameLst>
+                                      </p:cBhvr>
+                                      <p:to>
+                                        <p:strVal val="visible"/>
+                                      </p:to>
+                                    </p:set>
+                                  </p:childTnLst>
+                                </p:cTn>
+                              </p:par>
+                              <p:par>
+                                <p:cTn id="25" presetID="10" presetClass="entr" presetSubtype="0" fill="hold" grpId="0" nodeType="withEffect">
+                                  <p:stCondLst>
+                                    <p:cond delay="0"/>
+                                  </p:stCondLst>
+                                  <p:childTnLst>
+                                    <p:set>
+                                      <p:cBhvr>
+                                        <p:cTn id="26" dur="1" fill="hold">
+                                          <p:stCondLst>
+                                            <p:cond delay="0"/>
+                                          </p:stCondLst>
+                                        </p:cTn>
+                                        <p:tgtEl>
+                                          <p:spTgt spid="19"/>
+                                        </p:tgtEl>
+                                        <p:attrNameLst>
+                                          <p:attrName>style.visibility</p:attrName>
+                                        </p:attrNameLst>
+                                      </p:cBhvr>
+                                      <p:to>
+                                        <p:strVal val="visible"/>
+                                      </p:to>
+                                    </p:set>
+                                    <p:animEffect transition="in" filter="fade">
+                                      <p:cBhvr>
+                                        <p:cTn id="27" dur="500"/>
+                                        <p:tgtEl>
+                                          <p:spTgt spid="19"/>
+                                        </p:tgtEl>
+                                      </p:cBhvr>
+                                    </p:animEffect>
+                                  </p:childTnLst>
+                                </p:cTn>
+                              </p:par>
+                              <p:par>
+                                <p:cTn id="28" presetID="10" presetClass="entr" presetSubtype="0" fill="hold" grpId="0" nodeType="withEffect">
+                                  <p:stCondLst>
+                                    <p:cond delay="0"/>
+                                  </p:stCondLst>
+                                  <p:childTnLst>
+                                    <p:set>
+                                      <p:cBhvr>
+                                        <p:cTn id="29" dur="1" fill="hold">
+                                          <p:stCondLst>
+                                            <p:cond delay="0"/>
+                                          </p:stCondLst>
+                                        </p:cTn>
+                                        <p:tgtEl>
+                                          <p:spTgt spid="32"/>
+                                        </p:tgtEl>
+                                        <p:attrNameLst>
+                                          <p:attrName>style.visibility</p:attrName>
+                                        </p:attrNameLst>
+                                      </p:cBhvr>
+                                      <p:to>
+                                        <p:strVal val="visible"/>
+                                      </p:to>
+                                    </p:set>
+                                    <p:animEffect transition="in" filter="fade">
+                                      <p:cBhvr>
+                                        <p:cTn id="30" dur="500"/>
+                                        <p:tgtEl>
+                                          <p:spTgt spid="32"/>
+                                        </p:tgtEl>
+                                      </p:cBhvr>
+                                    </p:animEffect>
+                                  </p:childTnLst>
+                                </p:cTn>
+                              </p:par>
+                            </p:childTnLst>
+                          </p:cTn>
+                        </p:par>
+                      </p:childTnLst>
+                    </p:cTn>
+                  </p:par>
+                  <p:par>
+                    <p:cTn id="31" fill="hold">
+                      <p:stCondLst>
+                        <p:cond delay="indefinite"/>
+                      </p:stCondLst>
+                      <p:childTnLst>
+                        <p:par>
+                          <p:cTn id="32" fill="hold">
+                            <p:stCondLst>
+                              <p:cond delay="0"/>
+                            </p:stCondLst>
+                            <p:childTnLst>
+                              <p:par>
+                                <p:cTn id="33" presetID="1" presetClass="entr" presetSubtype="0" fill="hold" grpId="0" nodeType="clickEffect">
+                                  <p:stCondLst>
+                                    <p:cond delay="0"/>
+                                  </p:stCondLst>
+                                  <p:childTnLst>
+                                    <p:set>
+                                      <p:cBhvr>
+                                        <p:cTn id="34" dur="1" fill="hold">
+                                          <p:stCondLst>
+                                            <p:cond delay="0"/>
+                                          </p:stCondLst>
+                                        </p:cTn>
+                                        <p:tgtEl>
+                                          <p:spTgt spid="26"/>
+                                        </p:tgtEl>
+                                        <p:attrNameLst>
+                                          <p:attrName>style.visibility</p:attrName>
+                                        </p:attrNameLst>
+                                      </p:cBhvr>
+                                      <p:to>
+                                        <p:strVal val="visible"/>
+                                      </p:to>
+                                    </p:set>
+                                  </p:childTnLst>
+                                </p:cTn>
+                              </p:par>
+                              <p:par>
+                                <p:cTn id="35" presetID="10" presetClass="entr" presetSubtype="0" fill="hold" grpId="0" nodeType="withEffect">
+                                  <p:stCondLst>
+                                    <p:cond delay="0"/>
+                                  </p:stCondLst>
+                                  <p:childTnLst>
+                                    <p:set>
+                                      <p:cBhvr>
+                                        <p:cTn id="36" dur="1" fill="hold">
+                                          <p:stCondLst>
+                                            <p:cond delay="0"/>
+                                          </p:stCondLst>
+                                        </p:cTn>
+                                        <p:tgtEl>
+                                          <p:spTgt spid="7"/>
+                                        </p:tgtEl>
+                                        <p:attrNameLst>
+                                          <p:attrName>style.visibility</p:attrName>
+                                        </p:attrNameLst>
+                                      </p:cBhvr>
+                                      <p:to>
+                                        <p:strVal val="visible"/>
+                                      </p:to>
+                                    </p:set>
+                                    <p:animEffect transition="in" filter="fade">
+                                      <p:cBhvr>
+                                        <p:cTn id="37" dur="500"/>
+                                        <p:tgtEl>
+                                          <p:spTgt spid="7"/>
+                                        </p:tgtEl>
+                                      </p:cBhvr>
+                                    </p:animEffect>
+                                  </p:childTnLst>
+                                </p:cTn>
+                              </p:par>
+                              <p:par>
+                                <p:cTn id="38" presetID="10" presetClass="entr" presetSubtype="0" fill="hold" grpId="0" nodeType="withEffect">
+                                  <p:stCondLst>
+                                    <p:cond delay="0"/>
+                                  </p:stCondLst>
+                                  <p:childTnLst>
+                                    <p:set>
+                                      <p:cBhvr>
+                                        <p:cTn id="39" dur="1" fill="hold">
+                                          <p:stCondLst>
+                                            <p:cond delay="0"/>
+                                          </p:stCondLst>
+                                        </p:cTn>
+                                        <p:tgtEl>
+                                          <p:spTgt spid="27"/>
+                                        </p:tgtEl>
+                                        <p:attrNameLst>
+                                          <p:attrName>style.visibility</p:attrName>
+                                        </p:attrNameLst>
+                                      </p:cBhvr>
+                                      <p:to>
+                                        <p:strVal val="visible"/>
+                                      </p:to>
+                                    </p:set>
+                                    <p:animEffect transition="in" filter="fade">
+                                      <p:cBhvr>
+                                        <p:cTn id="40" dur="500"/>
+                                        <p:tgtEl>
+                                          <p:spTgt spid="27"/>
+                                        </p:tgtEl>
+                                      </p:cBhvr>
+                                    </p:animEffect>
+                                  </p:childTnLst>
+                                </p:cTn>
+                              </p:par>
+                            </p:childTnLst>
+                          </p:cTn>
+                        </p:par>
+                      </p:childTnLst>
+                    </p:cTn>
+                  </p:par>
+                  <p:par>
+                    <p:cTn id="41" fill="hold">
+                      <p:stCondLst>
+                        <p:cond delay="indefinite"/>
+                      </p:stCondLst>
+                      <p:childTnLst>
+                        <p:par>
+                          <p:cTn id="42" fill="hold">
+                            <p:stCondLst>
+                              <p:cond delay="0"/>
+                            </p:stCondLst>
+                            <p:childTnLst>
+                              <p:par>
+                                <p:cTn id="43" presetID="1" presetClass="entr" presetSubtype="0" fill="hold" nodeType="clickEffect">
+                                  <p:stCondLst>
+                                    <p:cond delay="0"/>
+                                  </p:stCondLst>
+                                  <p:childTnLst>
+                                    <p:set>
+                                      <p:cBhvr>
+                                        <p:cTn id="44" dur="1" fill="hold">
+                                          <p:stCondLst>
+                                            <p:cond delay="0"/>
+                                          </p:stCondLst>
+                                        </p:cTn>
+                                        <p:tgtEl>
+                                          <p:spTgt spid="42"/>
+                                        </p:tgtEl>
+                                        <p:attrNameLst>
+                                          <p:attrName>style.visibility</p:attrName>
+                                        </p:attrNameLst>
+                                      </p:cBhvr>
+                                      <p:to>
+                                        <p:strVal val="visible"/>
+                                      </p:to>
+                                    </p:set>
+                                  </p:childTnLst>
+                                </p:cTn>
+                              </p:par>
+                              <p:par>
+                                <p:cTn id="45" presetID="10" presetClass="entr" presetSubtype="0" fill="hold" grpId="0" nodeType="withEffect">
+                                  <p:stCondLst>
+                                    <p:cond delay="0"/>
+                                  </p:stCondLst>
+                                  <p:childTnLst>
+                                    <p:set>
+                                      <p:cBhvr>
+                                        <p:cTn id="46" dur="1" fill="hold">
+                                          <p:stCondLst>
+                                            <p:cond delay="0"/>
+                                          </p:stCondLst>
+                                        </p:cTn>
+                                        <p:tgtEl>
+                                          <p:spTgt spid="40"/>
+                                        </p:tgtEl>
+                                        <p:attrNameLst>
+                                          <p:attrName>style.visibility</p:attrName>
+                                        </p:attrNameLst>
+                                      </p:cBhvr>
+                                      <p:to>
+                                        <p:strVal val="visible"/>
+                                      </p:to>
+                                    </p:set>
+                                    <p:animEffect transition="in" filter="fade">
+                                      <p:cBhvr>
+                                        <p:cTn id="47" dur="500"/>
+                                        <p:tgtEl>
+                                          <p:spTgt spid="40"/>
+                                        </p:tgtEl>
+                                      </p:cBhvr>
+                                    </p:animEffect>
+                                  </p:childTnLst>
+                                </p:cTn>
+                              </p:par>
+                            </p:childTnLst>
+                          </p:cTn>
+                        </p:par>
+                      </p:childTnLst>
+                    </p:cTn>
+                  </p:par>
+                  <p:par>
+                    <p:cTn id="48" fill="hold">
+                      <p:stCondLst>
+                        <p:cond delay="indefinite"/>
+                      </p:stCondLst>
+                      <p:childTnLst>
+                        <p:par>
+                          <p:cTn id="49" fill="hold">
+                            <p:stCondLst>
+                              <p:cond delay="0"/>
+                            </p:stCondLst>
+                            <p:childTnLst>
+                              <p:par>
+                                <p:cTn id="50" presetID="1" presetClass="entr" presetSubtype="0" fill="hold" grpId="0" nodeType="clickEffect">
+                                  <p:stCondLst>
+                                    <p:cond delay="0"/>
+                                  </p:stCondLst>
+                                  <p:childTnLst>
+                                    <p:set>
+                                      <p:cBhvr>
+                                        <p:cTn id="51" dur="1" fill="hold">
+                                          <p:stCondLst>
+                                            <p:cond delay="0"/>
+                                          </p:stCondLst>
+                                        </p:cTn>
+                                        <p:tgtEl>
+                                          <p:spTgt spid="41"/>
+                                        </p:tgtEl>
+                                        <p:attrNameLst>
+                                          <p:attrName>style.visibility</p:attrName>
+                                        </p:attrNameLst>
+                                      </p:cBhvr>
+                                      <p:to>
+                                        <p:strVal val="visible"/>
+                                      </p:to>
+                                    </p:set>
+                                  </p:childTnLst>
+                                </p:cTn>
+                              </p:par>
+                            </p:childTnLst>
+                          </p:cTn>
+                        </p:par>
+                      </p:childTnLst>
+                    </p:cTn>
+                  </p:par>
+                </p:childTnLst>
+              </p:cTn>
+              <p:prevCondLst>
+                <p:cond evt="onPrev" delay="0">
+                  <p:tgtEl>
+                    <p:sldTgt/>
+                  </p:tgtEl>
+                </p:cond>
+              </p:prevCondLst>
+              <p:nextCondLst>
+                <p:cond evt="onNext" delay="0">
+                  <p:tgtEl>
+                    <p:sldTgt/>
+                  </p:tgtEl>
+                </p:cond>
+              </p:nextCondLst>
+            </p:seq>
+          </p:childTnLst>
+        </p:cTn>
+      </p:par>
+    </p:tnLst>
+    <p:bldLst>
+      <p:bldP spid="8" grpId="0" animBg="1"/>
+      <p:bldP spid="13" grpId="0" animBg="1"/>
+      <p:bldP spid="15" grpId="0" animBg="1"/>
+      <p:bldP spid="17" grpId="0" animBg="1"/>
+      <p:bldP spid="20" grpId="0" animBg="1"/>
+      <p:bldP spid="19" grpId="0" animBg="1"/>
+      <p:bldP spid="26" grpId="0" animBg="1"/>
+      <p:bldP spid="27" grpId="0" animBg="1"/>
+      <p:bldGraphic spid="41" grpId="0">
+        <p:bldAsOne/>
+      </p:bldGraphic>
+      <p:bldP spid="32" grpId="0" animBg="1"/>
+      <p:bldP spid="7" grpId="0" animBg="1"/>
+      <p:bldP spid="40" grpId="0" animBg="1"/>
+    </p:bldLst>
+  </p:timing>
+</p:sld>
+</file>
+
+<file path=ppt/slides/slide18.xml><?xml version="1.0" encoding="utf-8"?>
+<p:sld xmlns:a="http://schemas.openxmlformats.org/drawingml/2006/main" xmlns:r="http://schemas.openxmlformats.org/officeDocument/2006/relationships" xmlns:p="http://schemas.openxmlformats.org/presentationml/2006/main">
+  <p:cSld>
+    <p:spTree>
+      <p:nvGrpSpPr>
+        <p:cNvPr id="1" name=""/>
+        <p:cNvGrpSpPr/>
+        <p:nvPr/>
+      </p:nvGrpSpPr>
+      <p:grpSpPr>
+        <a:xfrm>
+          <a:off x="0" y="0"/>
+          <a:ext cx="0" cy="0"/>
+          <a:chOff x="0" y="0"/>
+          <a:chExt cx="0" cy="0"/>
+        </a:xfrm>
+      </p:grpSpPr>
+      <p:sp>
+        <p:nvSpPr>
+          <p:cNvPr id="2" name="Title 1">
+            <a:extLst>
+              <a:ext uri="{FF2B5EF4-FFF2-40B4-BE49-F238E27FC236}">
+                <a16:creationId xmlns:a16="http://schemas.microsoft.com/office/drawing/2014/main" id="{BB79D0DB-53C6-4764-B2E3-91877326BC12}"/>
+              </a:ext>
+            </a:extLst>
+          </p:cNvPr>
+          <p:cNvSpPr>
+            <a:spLocks noGrp="1"/>
+          </p:cNvSpPr>
+          <p:nvPr>
+            <p:ph type="title"/>
+          </p:nvPr>
+        </p:nvSpPr>
+        <p:spPr/>
+        <p:txBody>
+          <a:bodyPr/>
+          <a:lstStyle/>
+          <a:p>
+            <a:r>
+              <a:rPr lang="en-US" dirty="0"/>
+              <a:t>Next Steps</a:t>
+            </a:r>
+          </a:p>
+        </p:txBody>
+      </p:sp>
+      <p:sp>
+        <p:nvSpPr>
+          <p:cNvPr id="3" name="Text Placeholder 2">
+            <a:extLst>
+              <a:ext uri="{FF2B5EF4-FFF2-40B4-BE49-F238E27FC236}">
+                <a16:creationId xmlns:a16="http://schemas.microsoft.com/office/drawing/2014/main" id="{FCF4704B-B8D3-4826-AE87-70DC1916E3C5}"/>
+              </a:ext>
+            </a:extLst>
+          </p:cNvPr>
+          <p:cNvSpPr>
+            <a:spLocks noGrp="1"/>
+          </p:cNvSpPr>
+          <p:nvPr>
+            <p:ph type="body" idx="1"/>
+          </p:nvPr>
+        </p:nvSpPr>
+        <p:spPr/>
+        <p:txBody>
+          <a:bodyPr/>
+          <a:lstStyle/>
+          <a:p>
+            <a:r>
+              <a:rPr lang="en-US" dirty="0"/>
+              <a:t>Hint:  We have a project on our hands…</a:t>
+            </a:r>
+          </a:p>
+        </p:txBody>
+      </p:sp>
+    </p:spTree>
+    <p:extLst>
+      <p:ext uri="{BB962C8B-B14F-4D97-AF65-F5344CB8AC3E}">
+        <p14:creationId xmlns:p14="http://schemas.microsoft.com/office/powerpoint/2010/main" val="3072953202"/>
+      </p:ext>
+    </p:extLst>
+  </p:cSld>
+  <p:clrMapOvr>
+    <a:masterClrMapping/>
+  </p:clrMapOvr>
+</p:sld>
+</file>
+
+<file path=ppt/slides/slide19.xml><?xml version="1.0" encoding="utf-8"?>
+<p:sld xmlns:a="http://schemas.openxmlformats.org/drawingml/2006/main" xmlns:r="http://schemas.openxmlformats.org/officeDocument/2006/relationships" xmlns:p="http://schemas.openxmlformats.org/presentationml/2006/main">
+  <p:cSld>
+    <p:spTree>
+      <p:nvGrpSpPr>
+        <p:cNvPr id="1" name=""/>
+        <p:cNvGrpSpPr/>
+        <p:nvPr/>
+      </p:nvGrpSpPr>
+      <p:grpSpPr>
+        <a:xfrm>
+          <a:off x="0" y="0"/>
+          <a:ext cx="0" cy="0"/>
+          <a:chOff x="0" y="0"/>
+          <a:chExt cx="0" cy="0"/>
+        </a:xfrm>
+      </p:grpSpPr>
+      <p:sp>
+        <p:nvSpPr>
+          <p:cNvPr id="2" name="Title 1">
+            <a:extLst>
+              <a:ext uri="{FF2B5EF4-FFF2-40B4-BE49-F238E27FC236}">
+                <a16:creationId xmlns:a16="http://schemas.microsoft.com/office/drawing/2014/main" id="{F98DCCC2-901E-4BA8-8F13-695B7613B71C}"/>
+              </a:ext>
+            </a:extLst>
+          </p:cNvPr>
+          <p:cNvSpPr>
+            <a:spLocks noGrp="1"/>
+          </p:cNvSpPr>
+          <p:nvPr>
+            <p:ph type="title"/>
+          </p:nvPr>
+        </p:nvSpPr>
+        <p:spPr/>
+        <p:txBody>
+          <a:bodyPr/>
+          <a:lstStyle/>
+          <a:p>
+            <a:r>
+              <a:rPr lang="en-US" dirty="0"/>
+              <a:t>Let’s Get Moving!</a:t>
+            </a:r>
+          </a:p>
+        </p:txBody>
+      </p:sp>
+      <p:sp>
+        <p:nvSpPr>
+          <p:cNvPr id="3" name="Content Placeholder 2">
+            <a:extLst>
+              <a:ext uri="{FF2B5EF4-FFF2-40B4-BE49-F238E27FC236}">
+                <a16:creationId xmlns:a16="http://schemas.microsoft.com/office/drawing/2014/main" id="{65972851-E12F-4953-BC40-498F40127880}"/>
+              </a:ext>
+            </a:extLst>
+          </p:cNvPr>
+          <p:cNvSpPr>
+            <a:spLocks noGrp="1"/>
+          </p:cNvSpPr>
+          <p:nvPr>
+            <p:ph idx="1"/>
+          </p:nvPr>
+        </p:nvSpPr>
+        <p:spPr/>
+        <p:txBody>
+          <a:bodyPr>
+            <a:normAutofit/>
+          </a:bodyPr>
+          <a:lstStyle/>
+          <a:p>
+            <a:r>
+              <a:rPr lang="en-US" dirty="0" smtClean="0"/>
+              <a:t>Finalize our team</a:t>
+            </a:r>
+          </a:p>
+          <a:p>
+            <a:r>
+              <a:rPr lang="en-US" dirty="0" smtClean="0"/>
+              <a:t>Write our RFP document</a:t>
+            </a:r>
+          </a:p>
+          <a:p>
+            <a:r>
+              <a:rPr lang="en-US" dirty="0" smtClean="0"/>
+              <a:t>Submit RFP to vendors</a:t>
+            </a:r>
+          </a:p>
+          <a:p>
+            <a:r>
+              <a:rPr lang="en-US" dirty="0" smtClean="0"/>
+              <a:t>Coordinate vendor presentations</a:t>
+            </a:r>
+            <a:endParaRPr lang="en-US" dirty="0"/>
+          </a:p>
+        </p:txBody>
+      </p:sp>
+    </p:spTree>
+    <p:extLst>
+      <p:ext uri="{BB962C8B-B14F-4D97-AF65-F5344CB8AC3E}">
+        <p14:creationId xmlns:p14="http://schemas.microsoft.com/office/powerpoint/2010/main" val="781785288"/>
+      </p:ext>
+    </p:extLst>
+  </p:cSld>
+  <p:clrMapOvr>
+    <a:masterClrMapping/>
+  </p:clrMapOvr>
+</p:sld>
+</file>
+
 <file path=ppt/slides/slide2.xml><?xml version="1.0" encoding="utf-8"?>
 <p:sld xmlns:a="http://schemas.openxmlformats.org/drawingml/2006/main" xmlns:r="http://schemas.openxmlformats.org/officeDocument/2006/relationships" xmlns:p="http://schemas.openxmlformats.org/presentationml/2006/main">
   <p:cSld>
@@ -6933,7 +14106,13 @@
       </p:grpSpPr>
       <p:sp>
         <p:nvSpPr>
-          <p:cNvPr id="2" name="Title 1"/>
+          <p:cNvPr id="2" name="Title 1">
+            <a:extLst>
+              <a:ext uri="{FF2B5EF4-FFF2-40B4-BE49-F238E27FC236}">
+                <a16:creationId xmlns:a16="http://schemas.microsoft.com/office/drawing/2014/main" id="{F98DCCC2-901E-4BA8-8F13-695B7613B71C}"/>
+              </a:ext>
+            </a:extLst>
+          </p:cNvPr>
           <p:cNvSpPr>
             <a:spLocks noGrp="1"/>
           </p:cNvSpPr>
@@ -6947,16 +14126,22 @@
           <a:lstStyle/>
           <a:p>
             <a:r>
-              <a:rPr lang="en-US" smtClean="0"/>
-              <a:t>T-Shirt Sizes</a:t>
-            </a:r>
-            <a:endParaRPr lang="en-US"/>
+              <a:rPr lang="en-US" dirty="0" smtClean="0"/>
+              <a:t>The Players</a:t>
+            </a:r>
+            <a:endParaRPr lang="en-US" dirty="0"/>
           </a:p>
         </p:txBody>
       </p:sp>
       <p:sp>
         <p:nvSpPr>
-          <p:cNvPr id="3" name="Content Placeholder 2"/>
+          <p:cNvPr id="3" name="Content Placeholder 2">
+            <a:extLst>
+              <a:ext uri="{FF2B5EF4-FFF2-40B4-BE49-F238E27FC236}">
+                <a16:creationId xmlns:a16="http://schemas.microsoft.com/office/drawing/2014/main" id="{65972851-E12F-4953-BC40-498F40127880}"/>
+              </a:ext>
+            </a:extLst>
+          </p:cNvPr>
           <p:cNvSpPr>
             <a:spLocks noGrp="1"/>
           </p:cNvSpPr>
@@ -6966,30 +14151,131 @@
         </p:nvSpPr>
         <p:spPr/>
         <p:txBody>
-          <a:bodyPr/>
+          <a:bodyPr>
+            <a:normAutofit fontScale="85000" lnSpcReduction="10000"/>
+          </a:bodyPr>
           <a:lstStyle/>
           <a:p>
+            <a:pPr marL="0" indent="0">
+              <a:buNone/>
+            </a:pPr>
+            <a:r>
+              <a:rPr lang="en-US" b="1" dirty="0"/>
+              <a:t>Owner</a:t>
+            </a:r>
+            <a:r>
+              <a:rPr lang="en-US" dirty="0"/>
+              <a:t>:  Technical Architecture Group</a:t>
+            </a:r>
+          </a:p>
+          <a:p>
+            <a:pPr marL="0" indent="0">
+              <a:buNone/>
+            </a:pPr>
+            <a:endParaRPr lang="en-US" b="1" dirty="0"/>
+          </a:p>
+          <a:p>
+            <a:pPr marL="0" indent="0">
+              <a:buNone/>
+            </a:pPr>
+            <a:r>
+              <a:rPr lang="en-US" b="1" dirty="0"/>
+              <a:t>Driver</a:t>
+            </a:r>
+            <a:r>
+              <a:rPr lang="en-US" dirty="0"/>
+              <a:t>:  Eric Burcham</a:t>
+            </a:r>
+          </a:p>
+          <a:p>
+            <a:pPr marL="0" indent="0">
+              <a:buNone/>
+            </a:pPr>
+            <a:endParaRPr lang="en-US" dirty="0"/>
+          </a:p>
+          <a:p>
+            <a:pPr marL="0" indent="0">
+              <a:buNone/>
+            </a:pPr>
+            <a:r>
+              <a:rPr lang="en-US" b="1" dirty="0"/>
+              <a:t>Core Team</a:t>
+            </a:r>
             <a:r>
               <a:rPr lang="en-US" dirty="0" smtClean="0"/>
-              <a:t>Small:  0-2 Weeks</a:t>
-            </a:r>
-          </a:p>
-          <a:p>
+              <a:t>:  Eric Burcham, Dylan Clark, Mike Bollman, Lowell Roberts, Mayme Kittman</a:t>
+            </a:r>
+            <a:endParaRPr lang="en-US" dirty="0"/>
+          </a:p>
+          <a:p>
+            <a:pPr marL="0" indent="0">
+              <a:buNone/>
+            </a:pPr>
+            <a:endParaRPr lang="en-US" b="1" dirty="0"/>
+          </a:p>
+          <a:p>
+            <a:pPr marL="0" indent="0">
+              <a:buNone/>
+            </a:pPr>
+            <a:r>
+              <a:rPr lang="en-US" b="1" dirty="0"/>
+              <a:t>Project Manager</a:t>
+            </a:r>
+            <a:r>
+              <a:rPr lang="en-US" dirty="0"/>
+              <a:t>:  </a:t>
+            </a:r>
             <a:r>
               <a:rPr lang="en-US" dirty="0" smtClean="0"/>
-              <a:t>Medium:  2 Weeks – 2 Months</a:t>
-            </a:r>
-          </a:p>
-          <a:p>
-            <a:r>
+              <a:t>TBD.  Not needed for Phase One.</a:t>
+            </a:r>
+            <a:br>
               <a:rPr lang="en-US" dirty="0" smtClean="0"/>
-              <a:t>Large:  2 – 6 Months</a:t>
-            </a:r>
-          </a:p>
-          <a:p>
+            </a:br>
+            <a:endParaRPr lang="en-US" b="1" dirty="0"/>
+          </a:p>
+          <a:p>
+            <a:pPr marL="0" indent="0">
+              <a:buNone/>
+            </a:pPr>
+            <a:r>
+              <a:rPr lang="en-US" b="1" dirty="0"/>
+              <a:t>Stakeholders</a:t>
+            </a:r>
+            <a:r>
+              <a:rPr lang="en-US" dirty="0"/>
+              <a:t>:  Big Data, Desktop Support, Development Managers, eBusiness, Engineering, </a:t>
+            </a:r>
             <a:r>
               <a:rPr lang="en-US" dirty="0" smtClean="0"/>
-              <a:t>Extra Large:  More than 6 Months</a:t>
+              <a:t>NOC, Oracle </a:t>
+            </a:r>
+            <a:r>
+              <a:rPr lang="en-US" dirty="0"/>
+              <a:t>Team, SCADA, Server Team</a:t>
+            </a:r>
+          </a:p>
+          <a:p>
+            <a:pPr marL="0" indent="0">
+              <a:buNone/>
+            </a:pPr>
+            <a:endParaRPr lang="en-US" b="1" dirty="0"/>
+          </a:p>
+          <a:p>
+            <a:pPr marL="0" indent="0">
+              <a:buNone/>
+            </a:pPr>
+            <a:r>
+              <a:rPr lang="en-US" b="1" dirty="0"/>
+              <a:t>Vendors</a:t>
+            </a:r>
+            <a:r>
+              <a:rPr lang="en-US" dirty="0"/>
+              <a:t>:  Docker Enterprise, Red Hat OpenShift, </a:t>
+            </a:r>
+            <a:r>
+              <a:rPr lang="en-US" dirty="0" smtClean="0"/>
+              <a:t>Rancher</a:t>
             </a:r>
             <a:endParaRPr lang="en-US" dirty="0"/>
           </a:p>
@@ -6998,7 +14284,7 @@
     </p:spTree>
     <p:extLst>
       <p:ext uri="{BB962C8B-B14F-4D97-AF65-F5344CB8AC3E}">
-        <p14:creationId xmlns:p14="http://schemas.microsoft.com/office/powerpoint/2010/main" val="3694622776"/>
+        <p14:creationId xmlns:p14="http://schemas.microsoft.com/office/powerpoint/2010/main" val="2747266861"/>
       </p:ext>
     </p:extLst>
   </p:cSld>
@@ -7041,20 +14327,25 @@
           <a:lstStyle/>
           <a:p>
             <a:r>
-              <a:rPr lang="en-US" dirty="0"/>
-              <a:t>Phase One</a:t>
-            </a:r>
+              <a:rPr lang="en-US" dirty="0" smtClean="0"/>
+              <a:t>T-Shirt </a:t>
+            </a:r>
+            <a:r>
+              <a:rPr lang="en-US" dirty="0" smtClean="0"/>
+              <a:t>Sizes</a:t>
+            </a:r>
+            <a:endParaRPr lang="en-US" dirty="0"/>
           </a:p>
         </p:txBody>
       </p:sp>
       <p:sp>
         <p:nvSpPr>
-          <p:cNvPr id="3" name="Text Placeholder 2"/>
+          <p:cNvPr id="3" name="Content Placeholder 2"/>
           <p:cNvSpPr>
             <a:spLocks noGrp="1"/>
           </p:cNvSpPr>
           <p:nvPr>
-            <p:ph type="body" idx="1"/>
+            <p:ph idx="1"/>
           </p:nvPr>
         </p:nvSpPr>
         <p:spPr/>
@@ -7063,16 +14354,35 @@
           <a:lstStyle/>
           <a:p>
             <a:r>
-              <a:rPr lang="en-US" dirty="0"/>
-              <a:t>Proofs of Concept and Vendor Selection</a:t>
-            </a:r>
+              <a:rPr lang="en-US" dirty="0" smtClean="0"/>
+              <a:t>Small:  0-2 Weeks</a:t>
+            </a:r>
+          </a:p>
+          <a:p>
+            <a:r>
+              <a:rPr lang="en-US" dirty="0" smtClean="0"/>
+              <a:t>Medium:  2 Weeks – 2 Months</a:t>
+            </a:r>
+          </a:p>
+          <a:p>
+            <a:r>
+              <a:rPr lang="en-US" dirty="0" smtClean="0"/>
+              <a:t>Large:  2 – 6 Months</a:t>
+            </a:r>
+          </a:p>
+          <a:p>
+            <a:r>
+              <a:rPr lang="en-US" dirty="0" smtClean="0"/>
+              <a:t>Extra Large:  More than 6 Months</a:t>
+            </a:r>
+            <a:endParaRPr lang="en-US" dirty="0"/>
           </a:p>
         </p:txBody>
       </p:sp>
     </p:spTree>
     <p:extLst>
       <p:ext uri="{BB962C8B-B14F-4D97-AF65-F5344CB8AC3E}">
-        <p14:creationId xmlns:p14="http://schemas.microsoft.com/office/powerpoint/2010/main" val="816925581"/>
+        <p14:creationId xmlns:p14="http://schemas.microsoft.com/office/powerpoint/2010/main" val="3694622776"/>
       </p:ext>
     </p:extLst>
   </p:cSld>
@@ -7116,8 +14426,13 @@
           <a:p>
             <a:r>
               <a:rPr lang="en-US" dirty="0"/>
-              <a:t>Phase Two</a:t>
-            </a:r>
+              <a:t>Phase </a:t>
+            </a:r>
+            <a:r>
+              <a:rPr lang="en-US" dirty="0" smtClean="0"/>
+              <a:t>One (Medium)</a:t>
+            </a:r>
+            <a:endParaRPr lang="en-US" dirty="0"/>
           </a:p>
         </p:txBody>
       </p:sp>
@@ -7137,17 +14452,24 @@
           <a:lstStyle/>
           <a:p>
             <a:r>
+              <a:rPr lang="en-US" dirty="0"/>
+              <a:t>Proofs of </a:t>
+            </a:r>
+            <a:r>
               <a:rPr lang="en-US" dirty="0" smtClean="0"/>
-              <a:t>Support of Vendor Applications</a:t>
-            </a:r>
-            <a:endParaRPr lang="en-US" dirty="0"/>
+              <a:t>Concept, Cost Analysis, </a:t>
+            </a:r>
+            <a:r>
+              <a:rPr lang="en-US" dirty="0"/>
+              <a:t>and Vendor Selection</a:t>
+            </a:r>
           </a:p>
         </p:txBody>
       </p:sp>
     </p:spTree>
     <p:extLst>
       <p:ext uri="{BB962C8B-B14F-4D97-AF65-F5344CB8AC3E}">
-        <p14:creationId xmlns:p14="http://schemas.microsoft.com/office/powerpoint/2010/main" val="1907812105"/>
+        <p14:creationId xmlns:p14="http://schemas.microsoft.com/office/powerpoint/2010/main" val="816925581"/>
       </p:ext>
     </p:extLst>
   </p:cSld>
@@ -7190,20 +14512,21 @@
           <a:lstStyle/>
           <a:p>
             <a:r>
-              <a:rPr lang="en-US" dirty="0"/>
-              <a:t>Phase Two</a:t>
-            </a:r>
+              <a:rPr lang="en-US" dirty="0" smtClean="0"/>
+              <a:t>Requests for Proposals with Demo POC</a:t>
+            </a:r>
+            <a:endParaRPr lang="en-US" dirty="0"/>
           </a:p>
         </p:txBody>
       </p:sp>
       <p:sp>
         <p:nvSpPr>
-          <p:cNvPr id="3" name="Text Placeholder 2"/>
+          <p:cNvPr id="3" name="Content Placeholder 2"/>
           <p:cNvSpPr>
             <a:spLocks noGrp="1"/>
           </p:cNvSpPr>
           <p:nvPr>
-            <p:ph type="body" idx="1"/>
+            <p:ph idx="1"/>
           </p:nvPr>
         </p:nvSpPr>
         <p:spPr/>
@@ -7213,16 +14536,306 @@
           <a:p>
             <a:r>
               <a:rPr lang="en-US" dirty="0" smtClean="0"/>
-              <a:t>Support of Vendor Applications</a:t>
-            </a:r>
-            <a:endParaRPr lang="en-US" dirty="0"/>
+              <a:t>We’ll present identical requirements to each vendor</a:t>
+            </a:r>
+          </a:p>
+          <a:p>
+            <a:r>
+              <a:rPr lang="en-US" dirty="0" smtClean="0"/>
+              <a:t>We’ll try to get this done for free</a:t>
+            </a:r>
+          </a:p>
+          <a:p>
+            <a:r>
+              <a:rPr lang="en-US" dirty="0" smtClean="0"/>
+              <a:t>We want them to do the demo on our infrastructure</a:t>
+            </a:r>
+          </a:p>
+          <a:p>
+            <a:r>
+              <a:rPr lang="en-US" dirty="0" smtClean="0"/>
+              <a:t>We want to keep the environments around for awhile</a:t>
+            </a:r>
           </a:p>
         </p:txBody>
       </p:sp>
     </p:spTree>
     <p:extLst>
       <p:ext uri="{BB962C8B-B14F-4D97-AF65-F5344CB8AC3E}">
-        <p14:creationId xmlns:p14="http://schemas.microsoft.com/office/powerpoint/2010/main" val="732693168"/>
+        <p14:creationId xmlns:p14="http://schemas.microsoft.com/office/powerpoint/2010/main" val="1384123770"/>
+      </p:ext>
+    </p:extLst>
+  </p:cSld>
+  <p:clrMapOvr>
+    <a:masterClrMapping/>
+  </p:clrMapOvr>
+</p:sld>
+</file>
+
+<file path=ppt/slides/slide8.xml><?xml version="1.0" encoding="utf-8"?>
+<p:sld xmlns:a="http://schemas.openxmlformats.org/drawingml/2006/main" xmlns:r="http://schemas.openxmlformats.org/officeDocument/2006/relationships" xmlns:p="http://schemas.openxmlformats.org/presentationml/2006/main">
+  <p:cSld>
+    <p:spTree>
+      <p:nvGrpSpPr>
+        <p:cNvPr id="1" name=""/>
+        <p:cNvGrpSpPr/>
+        <p:nvPr/>
+      </p:nvGrpSpPr>
+      <p:grpSpPr>
+        <a:xfrm>
+          <a:off x="0" y="0"/>
+          <a:ext cx="0" cy="0"/>
+          <a:chOff x="0" y="0"/>
+          <a:chExt cx="0" cy="0"/>
+        </a:xfrm>
+      </p:grpSpPr>
+      <p:sp>
+        <p:nvSpPr>
+          <p:cNvPr id="2" name="Title 1"/>
+          <p:cNvSpPr>
+            <a:spLocks noGrp="1"/>
+          </p:cNvSpPr>
+          <p:nvPr>
+            <p:ph type="title"/>
+          </p:nvPr>
+        </p:nvSpPr>
+        <p:spPr/>
+        <p:txBody>
+          <a:bodyPr/>
+          <a:lstStyle/>
+          <a:p>
+            <a:r>
+              <a:rPr lang="en-US" dirty="0" smtClean="0"/>
+              <a:t>Functional Concerns</a:t>
+            </a:r>
+            <a:endParaRPr lang="en-US" dirty="0"/>
+          </a:p>
+        </p:txBody>
+      </p:sp>
+      <p:sp>
+        <p:nvSpPr>
+          <p:cNvPr id="3" name="Content Placeholder 2"/>
+          <p:cNvSpPr>
+            <a:spLocks noGrp="1"/>
+          </p:cNvSpPr>
+          <p:nvPr>
+            <p:ph idx="1"/>
+          </p:nvPr>
+        </p:nvSpPr>
+        <p:spPr/>
+        <p:txBody>
+          <a:bodyPr>
+            <a:normAutofit fontScale="85000" lnSpcReduction="20000"/>
+          </a:bodyPr>
+          <a:lstStyle/>
+          <a:p>
+            <a:r>
+              <a:rPr lang="en-US" dirty="0"/>
+              <a:t>Automatic Scaling</a:t>
+            </a:r>
+          </a:p>
+          <a:p>
+            <a:r>
+              <a:rPr lang="en-US" dirty="0" smtClean="0"/>
+              <a:t>Clustering</a:t>
+            </a:r>
+            <a:endParaRPr lang="en-US" dirty="0"/>
+          </a:p>
+          <a:p>
+            <a:r>
+              <a:rPr lang="en-US" dirty="0" smtClean="0"/>
+              <a:t>Copy Control</a:t>
+            </a:r>
+          </a:p>
+          <a:p>
+            <a:r>
+              <a:rPr lang="en-US" dirty="0" smtClean="0"/>
+              <a:t>Deployment</a:t>
+            </a:r>
+          </a:p>
+          <a:p>
+            <a:r>
+              <a:rPr lang="en-US" dirty="0" smtClean="0"/>
+              <a:t>Health Monitoring</a:t>
+            </a:r>
+          </a:p>
+          <a:p>
+            <a:r>
+              <a:rPr lang="en-US" dirty="0" smtClean="0"/>
+              <a:t>High Availability</a:t>
+            </a:r>
+            <a:endParaRPr lang="en-US" dirty="0"/>
+          </a:p>
+          <a:p>
+            <a:r>
+              <a:rPr lang="en-US" dirty="0" smtClean="0"/>
+              <a:t>Log </a:t>
+            </a:r>
+            <a:r>
+              <a:rPr lang="en-US" dirty="0"/>
+              <a:t>Management</a:t>
+            </a:r>
+          </a:p>
+          <a:p>
+            <a:r>
+              <a:rPr lang="en-US" dirty="0" smtClean="0"/>
+              <a:t>Management</a:t>
+            </a:r>
+          </a:p>
+          <a:p>
+            <a:r>
+              <a:rPr lang="en-US" dirty="0" smtClean="0"/>
+              <a:t>Network Isolation for Testing</a:t>
+            </a:r>
+          </a:p>
+          <a:p>
+            <a:r>
+              <a:rPr lang="en-US" dirty="0" smtClean="0"/>
+              <a:t>Orchestration</a:t>
+            </a:r>
+          </a:p>
+          <a:p>
+            <a:r>
+              <a:rPr lang="en-US" dirty="0" smtClean="0"/>
+              <a:t>Resource Allocation</a:t>
+            </a:r>
+          </a:p>
+          <a:p>
+            <a:r>
+              <a:rPr lang="en-US" dirty="0" smtClean="0"/>
+              <a:t>Security</a:t>
+            </a:r>
+            <a:endParaRPr lang="en-US" dirty="0"/>
+          </a:p>
+        </p:txBody>
+      </p:sp>
+    </p:spTree>
+    <p:extLst>
+      <p:ext uri="{BB962C8B-B14F-4D97-AF65-F5344CB8AC3E}">
+        <p14:creationId xmlns:p14="http://schemas.microsoft.com/office/powerpoint/2010/main" val="2896554746"/>
+      </p:ext>
+    </p:extLst>
+  </p:cSld>
+  <p:clrMapOvr>
+    <a:masterClrMapping/>
+  </p:clrMapOvr>
+</p:sld>
+</file>
+
+<file path=ppt/slides/slide9.xml><?xml version="1.0" encoding="utf-8"?>
+<p:sld xmlns:a="http://schemas.openxmlformats.org/drawingml/2006/main" xmlns:r="http://schemas.openxmlformats.org/officeDocument/2006/relationships" xmlns:p="http://schemas.openxmlformats.org/presentationml/2006/main">
+  <p:cSld>
+    <p:spTree>
+      <p:nvGrpSpPr>
+        <p:cNvPr id="1" name=""/>
+        <p:cNvGrpSpPr/>
+        <p:nvPr/>
+      </p:nvGrpSpPr>
+      <p:grpSpPr>
+        <a:xfrm>
+          <a:off x="0" y="0"/>
+          <a:ext cx="0" cy="0"/>
+          <a:chOff x="0" y="0"/>
+          <a:chExt cx="0" cy="0"/>
+        </a:xfrm>
+      </p:grpSpPr>
+      <p:sp>
+        <p:nvSpPr>
+          <p:cNvPr id="2" name="Title 1"/>
+          <p:cNvSpPr>
+            <a:spLocks noGrp="1"/>
+          </p:cNvSpPr>
+          <p:nvPr>
+            <p:ph type="title"/>
+          </p:nvPr>
+        </p:nvSpPr>
+        <p:spPr/>
+        <p:txBody>
+          <a:bodyPr/>
+          <a:lstStyle/>
+          <a:p>
+            <a:r>
+              <a:rPr lang="en-US" dirty="0" smtClean="0"/>
+              <a:t>Other Concerns</a:t>
+            </a:r>
+            <a:endParaRPr lang="en-US" dirty="0"/>
+          </a:p>
+        </p:txBody>
+      </p:sp>
+      <p:sp>
+        <p:nvSpPr>
+          <p:cNvPr id="3" name="Content Placeholder 2"/>
+          <p:cNvSpPr>
+            <a:spLocks noGrp="1"/>
+          </p:cNvSpPr>
+          <p:nvPr>
+            <p:ph idx="1"/>
+          </p:nvPr>
+        </p:nvSpPr>
+        <p:spPr/>
+        <p:txBody>
+          <a:bodyPr/>
+          <a:lstStyle/>
+          <a:p>
+            <a:r>
+              <a:rPr lang="en-US" dirty="0" smtClean="0"/>
+              <a:t>Authentication / Authorization</a:t>
+            </a:r>
+          </a:p>
+          <a:p>
+            <a:r>
+              <a:rPr lang="en-US" dirty="0" smtClean="0"/>
+              <a:t>Budgeting</a:t>
+            </a:r>
+            <a:endParaRPr lang="en-US" dirty="0"/>
+          </a:p>
+          <a:p>
+            <a:r>
+              <a:rPr lang="en-US" dirty="0" smtClean="0"/>
+              <a:t>Change Management</a:t>
+            </a:r>
+          </a:p>
+          <a:p>
+            <a:r>
+              <a:rPr lang="en-US" dirty="0" smtClean="0"/>
+              <a:t>Desktop Host Management</a:t>
+            </a:r>
+            <a:endParaRPr lang="en-US" dirty="0"/>
+          </a:p>
+          <a:p>
+            <a:r>
+              <a:rPr lang="en-US" dirty="0" smtClean="0"/>
+              <a:t>Image Approval and Management</a:t>
+            </a:r>
+          </a:p>
+          <a:p>
+            <a:r>
+              <a:rPr lang="en-US" dirty="0" smtClean="0"/>
+              <a:t>Licensing and Compliance</a:t>
+            </a:r>
+          </a:p>
+          <a:p>
+            <a:r>
+              <a:rPr lang="en-US" dirty="0" smtClean="0"/>
+              <a:t>Resource </a:t>
+            </a:r>
+            <a:r>
+              <a:rPr lang="en-US" dirty="0"/>
+              <a:t>Planning</a:t>
+            </a:r>
+          </a:p>
+          <a:p>
+            <a:r>
+              <a:rPr lang="en-US" dirty="0" smtClean="0"/>
+              <a:t>Security Audits</a:t>
+            </a:r>
+          </a:p>
+        </p:txBody>
+      </p:sp>
+    </p:spTree>
+    <p:extLst>
+      <p:ext uri="{BB962C8B-B14F-4D97-AF65-F5344CB8AC3E}">
+        <p14:creationId xmlns:p14="http://schemas.microsoft.com/office/powerpoint/2010/main" val="647872659"/>
       </p:ext>
     </p:extLst>
   </p:cSld>
@@ -7487,4 +15100,265 @@
     </a:ext>
   </a:extLst>
 </a:theme>
+</file>
+
+<file path=ppt/theme/theme2.xml><?xml version="1.0" encoding="utf-8"?>
+<a:theme xmlns:a="http://schemas.openxmlformats.org/drawingml/2006/main" name="Office Theme">
+  <a:themeElements>
+    <a:clrScheme name="Office">
+      <a:dk1>
+        <a:sysClr val="windowText" lastClr="000000"/>
+      </a:dk1>
+      <a:lt1>
+        <a:sysClr val="window" lastClr="FFFFFF"/>
+      </a:lt1>
+      <a:dk2>
+        <a:srgbClr val="44546A"/>
+      </a:dk2>
+      <a:lt2>
+        <a:srgbClr val="E7E6E6"/>
+      </a:lt2>
+      <a:accent1>
+        <a:srgbClr val="5B9BD5"/>
+      </a:accent1>
+      <a:accent2>
+        <a:srgbClr val="ED7D31"/>
+      </a:accent2>
+      <a:accent3>
+        <a:srgbClr val="A5A5A5"/>
+      </a:accent3>
+      <a:accent4>
+        <a:srgbClr val="FFC000"/>
+      </a:accent4>
+      <a:accent5>
+        <a:srgbClr val="4472C4"/>
+      </a:accent5>
+      <a:accent6>
+        <a:srgbClr val="70AD47"/>
+      </a:accent6>
+      <a:hlink>
+        <a:srgbClr val="0563C1"/>
+      </a:hlink>
+      <a:folHlink>
+        <a:srgbClr val="954F72"/>
+      </a:folHlink>
+    </a:clrScheme>
+    <a:fontScheme name="Office">
+      <a:majorFont>
+        <a:latin typeface="Calibri Light" panose="020F0302020204030204"/>
+        <a:ea typeface=""/>
+        <a:cs typeface=""/>
+        <a:font script="Jpan" typeface="游ゴシック Light"/>
+        <a:font script="Hang" typeface="맑은 고딕"/>
+        <a:font script="Hans" typeface="等线 Light"/>
+        <a:font script="Hant" typeface="新細明體"/>
+        <a:font script="Arab" typeface="Times New Roman"/>
+        <a:font script="Hebr" typeface="Times New Roman"/>
+        <a:font script="Thai" typeface="Angsana New"/>
+        <a:font script="Ethi" typeface="Nyala"/>
+        <a:font script="Beng" typeface="Vrinda"/>
+        <a:font script="Gujr" typeface="Shruti"/>
+        <a:font script="Khmr" typeface="MoolBoran"/>
+        <a:font script="Knda" typeface="Tunga"/>
+        <a:font script="Guru" typeface="Raavi"/>
+        <a:font script="Cans" typeface="Euphemia"/>
+        <a:font script="Cher" typeface="Plantagenet Cherokee"/>
+        <a:font script="Yiii" typeface="Microsoft Yi Baiti"/>
+        <a:font script="Tibt" typeface="Microsoft Himalaya"/>
+        <a:font script="Thaa" typeface="MV Boli"/>
+        <a:font script="Deva" typeface="Mangal"/>
+        <a:font script="Telu" typeface="Gautami"/>
+        <a:font script="Taml" typeface="Latha"/>
+        <a:font script="Syrc" typeface="Estrangelo Edessa"/>
+        <a:font script="Orya" typeface="Kalinga"/>
+        <a:font script="Mlym" typeface="Kartika"/>
+        <a:font script="Laoo" typeface="DokChampa"/>
+        <a:font script="Sinh" typeface="Iskoola Pota"/>
+        <a:font script="Mong" typeface="Mongolian Baiti"/>
+        <a:font script="Viet" typeface="Times New Roman"/>
+        <a:font script="Uigh" typeface="Microsoft Uighur"/>
+        <a:font script="Geor" typeface="Sylfaen"/>
+      </a:majorFont>
+      <a:minorFont>
+        <a:latin typeface="Calibri" panose="020F0502020204030204"/>
+        <a:ea typeface=""/>
+        <a:cs typeface=""/>
+        <a:font script="Jpan" typeface="游ゴシック"/>
+        <a:font script="Hang" typeface="맑은 고딕"/>
+        <a:font script="Hans" typeface="等线"/>
+        <a:font script="Hant" typeface="新細明體"/>
+        <a:font script="Arab" typeface="Arial"/>
+        <a:font script="Hebr" typeface="Arial"/>
+        <a:font script="Thai" typeface="Cordia New"/>
+        <a:font script="Ethi" typeface="Nyala"/>
+        <a:font script="Beng" typeface="Vrinda"/>
+        <a:font script="Gujr" typeface="Shruti"/>
+        <a:font script="Khmr" typeface="DaunPenh"/>
+        <a:font script="Knda" typeface="Tunga"/>
+        <a:font script="Guru" typeface="Raavi"/>
+        <a:font script="Cans" typeface="Euphemia"/>
+        <a:font script="Cher" typeface="Plantagenet Cherokee"/>
+        <a:font script="Yiii" typeface="Microsoft Yi Baiti"/>
+        <a:font script="Tibt" typeface="Microsoft Himalaya"/>
+        <a:font script="Thaa" typeface="MV Boli"/>
+        <a:font script="Deva" typeface="Mangal"/>
+        <a:font script="Telu" typeface="Gautami"/>
+        <a:font script="Taml" typeface="Latha"/>
+        <a:font script="Syrc" typeface="Estrangelo Edessa"/>
+        <a:font script="Orya" typeface="Kalinga"/>
+        <a:font script="Mlym" typeface="Kartika"/>
+        <a:font script="Laoo" typeface="DokChampa"/>
+        <a:font script="Sinh" typeface="Iskoola Pota"/>
+        <a:font script="Mong" typeface="Mongolian Baiti"/>
+        <a:font script="Viet" typeface="Arial"/>
+        <a:font script="Uigh" typeface="Microsoft Uighur"/>
+        <a:font script="Geor" typeface="Sylfaen"/>
+      </a:minorFont>
+    </a:fontScheme>
+    <a:fmtScheme name="Office">
+      <a:fillStyleLst>
+        <a:solidFill>
+          <a:schemeClr val="phClr"/>
+        </a:solidFill>
+        <a:gradFill rotWithShape="1">
+          <a:gsLst>
+            <a:gs pos="0">
+              <a:schemeClr val="phClr">
+                <a:lumMod val="110000"/>
+                <a:satMod val="105000"/>
+                <a:tint val="67000"/>
+              </a:schemeClr>
+            </a:gs>
+            <a:gs pos="50000">
+              <a:schemeClr val="phClr">
+                <a:lumMod val="105000"/>
+                <a:satMod val="103000"/>
+                <a:tint val="73000"/>
+              </a:schemeClr>
+            </a:gs>
+            <a:gs pos="100000">
+              <a:schemeClr val="phClr">
+                <a:lumMod val="105000"/>
+                <a:satMod val="109000"/>
+                <a:tint val="81000"/>
+              </a:schemeClr>
+            </a:gs>
+          </a:gsLst>
+          <a:lin ang="5400000" scaled="0"/>
+        </a:gradFill>
+        <a:gradFill rotWithShape="1">
+          <a:gsLst>
+            <a:gs pos="0">
+              <a:schemeClr val="phClr">
+                <a:satMod val="103000"/>
+                <a:lumMod val="102000"/>
+                <a:tint val="94000"/>
+              </a:schemeClr>
+            </a:gs>
+            <a:gs pos="50000">
+              <a:schemeClr val="phClr">
+                <a:satMod val="110000"/>
+                <a:lumMod val="100000"/>
+                <a:shade val="100000"/>
+              </a:schemeClr>
+            </a:gs>
+            <a:gs pos="100000">
+              <a:schemeClr val="phClr">
+                <a:lumMod val="99000"/>
+                <a:satMod val="120000"/>
+                <a:shade val="78000"/>
+              </a:schemeClr>
+            </a:gs>
+          </a:gsLst>
+          <a:lin ang="5400000" scaled="0"/>
+        </a:gradFill>
+      </a:fillStyleLst>
+      <a:lnStyleLst>
+        <a:ln w="6350" cap="flat" cmpd="sng" algn="ctr">
+          <a:solidFill>
+            <a:schemeClr val="phClr"/>
+          </a:solidFill>
+          <a:prstDash val="solid"/>
+          <a:miter lim="800000"/>
+        </a:ln>
+        <a:ln w="12700" cap="flat" cmpd="sng" algn="ctr">
+          <a:solidFill>
+            <a:schemeClr val="phClr"/>
+          </a:solidFill>
+          <a:prstDash val="solid"/>
+          <a:miter lim="800000"/>
+        </a:ln>
+        <a:ln w="19050" cap="flat" cmpd="sng" algn="ctr">
+          <a:solidFill>
+            <a:schemeClr val="phClr"/>
+          </a:solidFill>
+          <a:prstDash val="solid"/>
+          <a:miter lim="800000"/>
+        </a:ln>
+      </a:lnStyleLst>
+      <a:effectStyleLst>
+        <a:effectStyle>
+          <a:effectLst/>
+        </a:effectStyle>
+        <a:effectStyle>
+          <a:effectLst/>
+        </a:effectStyle>
+        <a:effectStyle>
+          <a:effectLst>
+            <a:outerShdw blurRad="57150" dist="19050" dir="5400000" algn="ctr" rotWithShape="0">
+              <a:srgbClr val="000000">
+                <a:alpha val="63000"/>
+              </a:srgbClr>
+            </a:outerShdw>
+          </a:effectLst>
+        </a:effectStyle>
+      </a:effectStyleLst>
+      <a:bgFillStyleLst>
+        <a:solidFill>
+          <a:schemeClr val="phClr"/>
+        </a:solidFill>
+        <a:solidFill>
+          <a:schemeClr val="phClr">
+            <a:tint val="95000"/>
+            <a:satMod val="170000"/>
+          </a:schemeClr>
+        </a:solidFill>
+        <a:gradFill rotWithShape="1">
+          <a:gsLst>
+            <a:gs pos="0">
+              <a:schemeClr val="phClr">
+                <a:tint val="93000"/>
+                <a:satMod val="150000"/>
+                <a:shade val="98000"/>
+                <a:lumMod val="102000"/>
+              </a:schemeClr>
+            </a:gs>
+            <a:gs pos="50000">
+              <a:schemeClr val="phClr">
+                <a:tint val="98000"/>
+                <a:satMod val="130000"/>
+                <a:shade val="90000"/>
+                <a:lumMod val="103000"/>
+              </a:schemeClr>
+            </a:gs>
+            <a:gs pos="100000">
+              <a:schemeClr val="phClr">
+                <a:shade val="63000"/>
+                <a:satMod val="120000"/>
+              </a:schemeClr>
+            </a:gs>
+          </a:gsLst>
+          <a:lin ang="5400000" scaled="0"/>
+        </a:gradFill>
+      </a:bgFillStyleLst>
+    </a:fmtScheme>
+  </a:themeElements>
+  <a:objectDefaults/>
+  <a:extraClrSchemeLst/>
+  <a:extLst>
+    <a:ext uri="{05A4C25C-085E-4340-85A3-A5531E510DB2}">
+      <thm15:themeFamily xmlns:thm15="http://schemas.microsoft.com/office/thememl/2012/main" name="Office Theme" id="{62F939B6-93AF-4DB8-9C6B-D6C7DFDC589F}" vid="{4A3C46E8-61CC-4603-A589-7422A47A8E4A}"/>
+    </a:ext>
+  </a:extLst>
+</a:theme>
 </file>
--- a/presentation.pptx
+++ b/presentation.pptx
@@ -10,9 +10,9 @@
   <p:sldIdLst>
     <p:sldId id="256" r:id="rId2"/>
     <p:sldId id="257" r:id="rId3"/>
-    <p:sldId id="283" r:id="rId4"/>
-    <p:sldId id="297" r:id="rId5"/>
-    <p:sldId id="284" r:id="rId6"/>
+    <p:sldId id="299" r:id="rId4"/>
+    <p:sldId id="283" r:id="rId5"/>
+    <p:sldId id="297" r:id="rId6"/>
     <p:sldId id="268" r:id="rId7"/>
     <p:sldId id="287" r:id="rId8"/>
     <p:sldId id="298" r:id="rId9"/>
@@ -132,9 +132,9 @@
           <p14:sldIdLst>
             <p14:sldId id="256"/>
             <p14:sldId id="257"/>
+            <p14:sldId id="299"/>
             <p14:sldId id="283"/>
             <p14:sldId id="297"/>
-            <p14:sldId id="284"/>
           </p14:sldIdLst>
         </p14:section>
         <p14:section name="Phase One" id="{73FBD3E8-E2EB-433B-9092-57E19CD3915A}">
@@ -172,6 +172,9 @@
     <p:ext uri="{EFAFB233-063F-42B5-8137-9DF3F51BA10A}">
       <p15:sldGuideLst xmlns:p15="http://schemas.microsoft.com/office/powerpoint/2012/main"/>
     </p:ext>
+    <p:ext uri="{2D200454-40CA-4A62-9FC3-DE9A4176ACB9}">
+      <p15:notesGuideLst xmlns:p15="http://schemas.microsoft.com/office/powerpoint/2012/main"/>
+    </p:ext>
   </p:extLst>
 </p:presentation>
 </file>
@@ -216,7 +219,6 @@
           </a:p>
         </c:rich>
       </c:tx>
-      <c:layout/>
       <c:overlay val="0"/>
       <c:spPr>
         <a:noFill/>
@@ -596,7 +598,6 @@
     </c:plotArea>
     <c:legend>
       <c:legendPos val="b"/>
-      <c:layout/>
       <c:overlay val="0"/>
       <c:spPr>
         <a:noFill/>
@@ -628,7 +629,6 @@
     </c:legend>
     <c:plotVisOnly val="1"/>
     <c:dispBlanksAs val="gap"/>
-    <c:showDLblsOverMax val="0"/>
     <c:extLst>
       <c:ext xmlns:c16r3="http://schemas.microsoft.com/office/drawing/2017/03/chart" uri="{56B9EC1D-385E-4148-901F-78D8002777C0}">
         <c16r3:dataDisplayOptions16>
@@ -636,6 +636,7 @@
         </c16r3:dataDisplayOptions16>
       </c:ext>
     </c:extLst>
+    <c:showDLblsOverMax val="0"/>
   </c:chart>
   <c:spPr>
     <a:noFill/>
@@ -2151,13 +2152,6 @@
         </dgm:presLayoutVars>
       </dgm:prSet>
       <dgm:spPr/>
-      <dgm:t>
-        <a:bodyPr/>
-        <a:lstStyle/>
-        <a:p>
-          <a:endParaRPr lang="en-US"/>
-        </a:p>
-      </dgm:t>
     </dgm:pt>
     <dgm:pt modelId="{5E965E1B-8117-417A-AF2C-EE3F901C2B1D}" type="pres">
       <dgm:prSet presAssocID="{77573696-C6EB-461E-A870-6B1BC7BB5CD0}" presName="node" presStyleLbl="node1" presStyleIdx="0" presStyleCnt="4">
@@ -2166,35 +2160,14 @@
         </dgm:presLayoutVars>
       </dgm:prSet>
       <dgm:spPr/>
-      <dgm:t>
-        <a:bodyPr/>
-        <a:lstStyle/>
-        <a:p>
-          <a:endParaRPr lang="en-US"/>
-        </a:p>
-      </dgm:t>
     </dgm:pt>
     <dgm:pt modelId="{0EB7CA57-BE36-4B74-B166-DB62B0C2EF0D}" type="pres">
       <dgm:prSet presAssocID="{680A9B4A-9CA0-40AB-B4C2-BF29A3AD51C9}" presName="sibTrans" presStyleLbl="sibTrans2D1" presStyleIdx="0" presStyleCnt="4"/>
       <dgm:spPr/>
-      <dgm:t>
-        <a:bodyPr/>
-        <a:lstStyle/>
-        <a:p>
-          <a:endParaRPr lang="en-US"/>
-        </a:p>
-      </dgm:t>
     </dgm:pt>
     <dgm:pt modelId="{7B54B8A5-6606-4C3C-9500-31A30500CCD7}" type="pres">
       <dgm:prSet presAssocID="{680A9B4A-9CA0-40AB-B4C2-BF29A3AD51C9}" presName="connectorText" presStyleLbl="sibTrans2D1" presStyleIdx="0" presStyleCnt="4"/>
       <dgm:spPr/>
-      <dgm:t>
-        <a:bodyPr/>
-        <a:lstStyle/>
-        <a:p>
-          <a:endParaRPr lang="en-US"/>
-        </a:p>
-      </dgm:t>
     </dgm:pt>
     <dgm:pt modelId="{24EFD81F-AA69-44F2-83C2-806B40FDD526}" type="pres">
       <dgm:prSet presAssocID="{70001328-16F6-40B8-B034-8B63C6347611}" presName="node" presStyleLbl="node1" presStyleIdx="1" presStyleCnt="4">
@@ -2203,35 +2176,14 @@
         </dgm:presLayoutVars>
       </dgm:prSet>
       <dgm:spPr/>
-      <dgm:t>
-        <a:bodyPr/>
-        <a:lstStyle/>
-        <a:p>
-          <a:endParaRPr lang="en-US"/>
-        </a:p>
-      </dgm:t>
     </dgm:pt>
     <dgm:pt modelId="{7CC276FD-6F19-4E05-B00B-85069AD9148E}" type="pres">
       <dgm:prSet presAssocID="{C53E6838-5DA5-4754-B4E2-86D13141604E}" presName="sibTrans" presStyleLbl="sibTrans2D1" presStyleIdx="1" presStyleCnt="4"/>
       <dgm:spPr/>
-      <dgm:t>
-        <a:bodyPr/>
-        <a:lstStyle/>
-        <a:p>
-          <a:endParaRPr lang="en-US"/>
-        </a:p>
-      </dgm:t>
     </dgm:pt>
     <dgm:pt modelId="{A167945A-F89D-4397-9D92-7EC3CFCB3A03}" type="pres">
       <dgm:prSet presAssocID="{C53E6838-5DA5-4754-B4E2-86D13141604E}" presName="connectorText" presStyleLbl="sibTrans2D1" presStyleIdx="1" presStyleCnt="4"/>
       <dgm:spPr/>
-      <dgm:t>
-        <a:bodyPr/>
-        <a:lstStyle/>
-        <a:p>
-          <a:endParaRPr lang="en-US"/>
-        </a:p>
-      </dgm:t>
     </dgm:pt>
     <dgm:pt modelId="{6CB6C22C-45D1-4921-B019-37E18F399A24}" type="pres">
       <dgm:prSet presAssocID="{AD3E5398-E9E0-4E42-BCC9-D8820B90B1FB}" presName="node" presStyleLbl="node1" presStyleIdx="2" presStyleCnt="4">
@@ -2240,35 +2192,14 @@
         </dgm:presLayoutVars>
       </dgm:prSet>
       <dgm:spPr/>
-      <dgm:t>
-        <a:bodyPr/>
-        <a:lstStyle/>
-        <a:p>
-          <a:endParaRPr lang="en-US"/>
-        </a:p>
-      </dgm:t>
     </dgm:pt>
     <dgm:pt modelId="{E74D0B9F-AA38-4716-BB64-90BE35523337}" type="pres">
       <dgm:prSet presAssocID="{5C5FCAE7-DD4A-440A-A309-08B507BDBE4D}" presName="sibTrans" presStyleLbl="sibTrans2D1" presStyleIdx="2" presStyleCnt="4"/>
       <dgm:spPr/>
-      <dgm:t>
-        <a:bodyPr/>
-        <a:lstStyle/>
-        <a:p>
-          <a:endParaRPr lang="en-US"/>
-        </a:p>
-      </dgm:t>
     </dgm:pt>
     <dgm:pt modelId="{1284F3CF-717B-486C-9098-5C0FB28AEF94}" type="pres">
       <dgm:prSet presAssocID="{5C5FCAE7-DD4A-440A-A309-08B507BDBE4D}" presName="connectorText" presStyleLbl="sibTrans2D1" presStyleIdx="2" presStyleCnt="4"/>
       <dgm:spPr/>
-      <dgm:t>
-        <a:bodyPr/>
-        <a:lstStyle/>
-        <a:p>
-          <a:endParaRPr lang="en-US"/>
-        </a:p>
-      </dgm:t>
     </dgm:pt>
     <dgm:pt modelId="{015190AF-6814-4124-9780-D1FE7582EDA2}" type="pres">
       <dgm:prSet presAssocID="{39F2B261-B7E6-41C9-9A03-BF7A18D5AE07}" presName="node" presStyleLbl="node1" presStyleIdx="3" presStyleCnt="4">
@@ -2277,54 +2208,33 @@
         </dgm:presLayoutVars>
       </dgm:prSet>
       <dgm:spPr/>
-      <dgm:t>
-        <a:bodyPr/>
-        <a:lstStyle/>
-        <a:p>
-          <a:endParaRPr lang="en-US"/>
-        </a:p>
-      </dgm:t>
     </dgm:pt>
     <dgm:pt modelId="{2E4547E8-5A26-4145-B8D5-9870E6925ED4}" type="pres">
       <dgm:prSet presAssocID="{F758DE4A-AF8F-4642-9F20-0910D51B3749}" presName="sibTrans" presStyleLbl="sibTrans2D1" presStyleIdx="3" presStyleCnt="4"/>
       <dgm:spPr/>
-      <dgm:t>
-        <a:bodyPr/>
-        <a:lstStyle/>
-        <a:p>
-          <a:endParaRPr lang="en-US"/>
-        </a:p>
-      </dgm:t>
     </dgm:pt>
     <dgm:pt modelId="{CD52FBA2-DB57-457F-BF9C-C215954791D2}" type="pres">
       <dgm:prSet presAssocID="{F758DE4A-AF8F-4642-9F20-0910D51B3749}" presName="connectorText" presStyleLbl="sibTrans2D1" presStyleIdx="3" presStyleCnt="4"/>
       <dgm:spPr/>
-      <dgm:t>
-        <a:bodyPr/>
-        <a:lstStyle/>
-        <a:p>
-          <a:endParaRPr lang="en-US"/>
-        </a:p>
-      </dgm:t>
     </dgm:pt>
   </dgm:ptLst>
   <dgm:cxnLst>
-    <dgm:cxn modelId="{523E40C3-BAAE-4BDB-B0A6-5B8F9CB17151}" type="presOf" srcId="{9C0E2CA4-744F-44C1-AF8D-32951179B3EC}" destId="{1CAC3338-C130-4861-AE7B-A69033E92718}" srcOrd="0" destOrd="0" presId="urn:microsoft.com/office/officeart/2005/8/layout/cycle2"/>
+    <dgm:cxn modelId="{65127703-01AA-4425-BB14-B3CD3DFD3651}" type="presOf" srcId="{39F2B261-B7E6-41C9-9A03-BF7A18D5AE07}" destId="{015190AF-6814-4124-9780-D1FE7582EDA2}" srcOrd="0" destOrd="0" presId="urn:microsoft.com/office/officeart/2005/8/layout/cycle2"/>
+    <dgm:cxn modelId="{AF635921-B396-40F9-BFC8-CA2383B28137}" srcId="{9C0E2CA4-744F-44C1-AF8D-32951179B3EC}" destId="{39F2B261-B7E6-41C9-9A03-BF7A18D5AE07}" srcOrd="3" destOrd="0" parTransId="{B54D6B98-B7EB-4771-8027-B788EBDD1E43}" sibTransId="{F758DE4A-AF8F-4642-9F20-0910D51B3749}"/>
+    <dgm:cxn modelId="{EC471369-68E0-44A4-85EC-EBB9CB2DE6D6}" srcId="{9C0E2CA4-744F-44C1-AF8D-32951179B3EC}" destId="{AD3E5398-E9E0-4E42-BCC9-D8820B90B1FB}" srcOrd="2" destOrd="0" parTransId="{91E26694-5280-4F38-A99D-2323B823A62E}" sibTransId="{5C5FCAE7-DD4A-440A-A309-08B507BDBE4D}"/>
     <dgm:cxn modelId="{FDE76C4B-05A4-4779-8429-1169B103A25D}" type="presOf" srcId="{AD3E5398-E9E0-4E42-BCC9-D8820B90B1FB}" destId="{6CB6C22C-45D1-4921-B019-37E18F399A24}" srcOrd="0" destOrd="0" presId="urn:microsoft.com/office/officeart/2005/8/layout/cycle2"/>
-    <dgm:cxn modelId="{34F07AE0-2D54-4FFB-8A83-0071D8CC6E3D}" type="presOf" srcId="{C53E6838-5DA5-4754-B4E2-86D13141604E}" destId="{A167945A-F89D-4397-9D92-7EC3CFCB3A03}" srcOrd="1" destOrd="0" presId="urn:microsoft.com/office/officeart/2005/8/layout/cycle2"/>
-    <dgm:cxn modelId="{EC471369-68E0-44A4-85EC-EBB9CB2DE6D6}" srcId="{9C0E2CA4-744F-44C1-AF8D-32951179B3EC}" destId="{AD3E5398-E9E0-4E42-BCC9-D8820B90B1FB}" srcOrd="2" destOrd="0" parTransId="{91E26694-5280-4F38-A99D-2323B823A62E}" sibTransId="{5C5FCAE7-DD4A-440A-A309-08B507BDBE4D}"/>
+    <dgm:cxn modelId="{29BF8D4E-F746-4F70-A459-EAD46BBF6E06}" type="presOf" srcId="{680A9B4A-9CA0-40AB-B4C2-BF29A3AD51C9}" destId="{7B54B8A5-6606-4C3C-9500-31A30500CCD7}" srcOrd="1" destOrd="0" presId="urn:microsoft.com/office/officeart/2005/8/layout/cycle2"/>
     <dgm:cxn modelId="{B8801F57-4A9F-407D-B9B6-276DC81CBB39}" srcId="{9C0E2CA4-744F-44C1-AF8D-32951179B3EC}" destId="{70001328-16F6-40B8-B034-8B63C6347611}" srcOrd="1" destOrd="0" parTransId="{E8C021ED-2D82-4837-8049-A14D44901631}" sibTransId="{C53E6838-5DA5-4754-B4E2-86D13141604E}"/>
-    <dgm:cxn modelId="{AF635921-B396-40F9-BFC8-CA2383B28137}" srcId="{9C0E2CA4-744F-44C1-AF8D-32951179B3EC}" destId="{39F2B261-B7E6-41C9-9A03-BF7A18D5AE07}" srcOrd="3" destOrd="0" parTransId="{B54D6B98-B7EB-4771-8027-B788EBDD1E43}" sibTransId="{F758DE4A-AF8F-4642-9F20-0910D51B3749}"/>
-    <dgm:cxn modelId="{588A68F6-CB04-4965-95A6-752E31735CBB}" type="presOf" srcId="{77573696-C6EB-461E-A870-6B1BC7BB5CD0}" destId="{5E965E1B-8117-417A-AF2C-EE3F901C2B1D}" srcOrd="0" destOrd="0" presId="urn:microsoft.com/office/officeart/2005/8/layout/cycle2"/>
-    <dgm:cxn modelId="{8F9ACBDB-8860-49E3-A094-6E2301D68EC6}" srcId="{9C0E2CA4-744F-44C1-AF8D-32951179B3EC}" destId="{77573696-C6EB-461E-A870-6B1BC7BB5CD0}" srcOrd="0" destOrd="0" parTransId="{A49FEBBF-9866-45F4-B78C-0731FB3BDF07}" sibTransId="{680A9B4A-9CA0-40AB-B4C2-BF29A3AD51C9}"/>
-    <dgm:cxn modelId="{444F7BE8-7D19-4331-9506-8E2843F7D5C0}" type="presOf" srcId="{70001328-16F6-40B8-B034-8B63C6347611}" destId="{24EFD81F-AA69-44F2-83C2-806B40FDD526}" srcOrd="0" destOrd="0" presId="urn:microsoft.com/office/officeart/2005/8/layout/cycle2"/>
-    <dgm:cxn modelId="{29BF8D4E-F746-4F70-A459-EAD46BBF6E06}" type="presOf" srcId="{680A9B4A-9CA0-40AB-B4C2-BF29A3AD51C9}" destId="{7B54B8A5-6606-4C3C-9500-31A30500CCD7}" srcOrd="1" destOrd="0" presId="urn:microsoft.com/office/officeart/2005/8/layout/cycle2"/>
-    <dgm:cxn modelId="{65127703-01AA-4425-BB14-B3CD3DFD3651}" type="presOf" srcId="{39F2B261-B7E6-41C9-9A03-BF7A18D5AE07}" destId="{015190AF-6814-4124-9780-D1FE7582EDA2}" srcOrd="0" destOrd="0" presId="urn:microsoft.com/office/officeart/2005/8/layout/cycle2"/>
-    <dgm:cxn modelId="{414FB5C9-CBC4-422C-BE77-631634FBFB4E}" type="presOf" srcId="{F758DE4A-AF8F-4642-9F20-0910D51B3749}" destId="{CD52FBA2-DB57-457F-BF9C-C215954791D2}" srcOrd="1" destOrd="0" presId="urn:microsoft.com/office/officeart/2005/8/layout/cycle2"/>
-    <dgm:cxn modelId="{42DE5CC3-82F8-4081-92C7-ABF2A64ED109}" type="presOf" srcId="{680A9B4A-9CA0-40AB-B4C2-BF29A3AD51C9}" destId="{0EB7CA57-BE36-4B74-B166-DB62B0C2EF0D}" srcOrd="0" destOrd="0" presId="urn:microsoft.com/office/officeart/2005/8/layout/cycle2"/>
     <dgm:cxn modelId="{3E4F0A96-C334-477C-B52C-F2C8445FDAE7}" type="presOf" srcId="{C53E6838-5DA5-4754-B4E2-86D13141604E}" destId="{7CC276FD-6F19-4E05-B00B-85069AD9148E}" srcOrd="0" destOrd="0" presId="urn:microsoft.com/office/officeart/2005/8/layout/cycle2"/>
     <dgm:cxn modelId="{8A104C9B-B492-4325-90FC-E66B0AAAC20A}" type="presOf" srcId="{5C5FCAE7-DD4A-440A-A309-08B507BDBE4D}" destId="{E74D0B9F-AA38-4716-BB64-90BE35523337}" srcOrd="0" destOrd="0" presId="urn:microsoft.com/office/officeart/2005/8/layout/cycle2"/>
+    <dgm:cxn modelId="{523E40C3-BAAE-4BDB-B0A6-5B8F9CB17151}" type="presOf" srcId="{9C0E2CA4-744F-44C1-AF8D-32951179B3EC}" destId="{1CAC3338-C130-4861-AE7B-A69033E92718}" srcOrd="0" destOrd="0" presId="urn:microsoft.com/office/officeart/2005/8/layout/cycle2"/>
+    <dgm:cxn modelId="{42DE5CC3-82F8-4081-92C7-ABF2A64ED109}" type="presOf" srcId="{680A9B4A-9CA0-40AB-B4C2-BF29A3AD51C9}" destId="{0EB7CA57-BE36-4B74-B166-DB62B0C2EF0D}" srcOrd="0" destOrd="0" presId="urn:microsoft.com/office/officeart/2005/8/layout/cycle2"/>
+    <dgm:cxn modelId="{414FB5C9-CBC4-422C-BE77-631634FBFB4E}" type="presOf" srcId="{F758DE4A-AF8F-4642-9F20-0910D51B3749}" destId="{CD52FBA2-DB57-457F-BF9C-C215954791D2}" srcOrd="1" destOrd="0" presId="urn:microsoft.com/office/officeart/2005/8/layout/cycle2"/>
+    <dgm:cxn modelId="{8F9ACBDB-8860-49E3-A094-6E2301D68EC6}" srcId="{9C0E2CA4-744F-44C1-AF8D-32951179B3EC}" destId="{77573696-C6EB-461E-A870-6B1BC7BB5CD0}" srcOrd="0" destOrd="0" parTransId="{A49FEBBF-9866-45F4-B78C-0731FB3BDF07}" sibTransId="{680A9B4A-9CA0-40AB-B4C2-BF29A3AD51C9}"/>
+    <dgm:cxn modelId="{34F07AE0-2D54-4FFB-8A83-0071D8CC6E3D}" type="presOf" srcId="{C53E6838-5DA5-4754-B4E2-86D13141604E}" destId="{A167945A-F89D-4397-9D92-7EC3CFCB3A03}" srcOrd="1" destOrd="0" presId="urn:microsoft.com/office/officeart/2005/8/layout/cycle2"/>
     <dgm:cxn modelId="{0CD136E1-7BE0-464C-BB7E-5C35997A1A28}" type="presOf" srcId="{5C5FCAE7-DD4A-440A-A309-08B507BDBE4D}" destId="{1284F3CF-717B-486C-9098-5C0FB28AEF94}" srcOrd="1" destOrd="0" presId="urn:microsoft.com/office/officeart/2005/8/layout/cycle2"/>
+    <dgm:cxn modelId="{444F7BE8-7D19-4331-9506-8E2843F7D5C0}" type="presOf" srcId="{70001328-16F6-40B8-B034-8B63C6347611}" destId="{24EFD81F-AA69-44F2-83C2-806B40FDD526}" srcOrd="0" destOrd="0" presId="urn:microsoft.com/office/officeart/2005/8/layout/cycle2"/>
+    <dgm:cxn modelId="{588A68F6-CB04-4965-95A6-752E31735CBB}" type="presOf" srcId="{77573696-C6EB-461E-A870-6B1BC7BB5CD0}" destId="{5E965E1B-8117-417A-AF2C-EE3F901C2B1D}" srcOrd="0" destOrd="0" presId="urn:microsoft.com/office/officeart/2005/8/layout/cycle2"/>
     <dgm:cxn modelId="{56D189FD-2BFC-4AAC-9330-81727944FDD1}" type="presOf" srcId="{F758DE4A-AF8F-4642-9F20-0910D51B3749}" destId="{2E4547E8-5A26-4145-B8D5-9870E6925ED4}" srcOrd="0" destOrd="0" presId="urn:microsoft.com/office/officeart/2005/8/layout/cycle2"/>
     <dgm:cxn modelId="{0B6EC18C-823B-4AF0-AD3F-31F3F9993358}" type="presParOf" srcId="{1CAC3338-C130-4861-AE7B-A69033E92718}" destId="{5E965E1B-8117-417A-AF2C-EE3F901C2B1D}" srcOrd="0" destOrd="0" presId="urn:microsoft.com/office/officeart/2005/8/layout/cycle2"/>
     <dgm:cxn modelId="{54C2C981-0B3B-4BB6-BFC8-28D571303A4B}" type="presParOf" srcId="{1CAC3338-C130-4861-AE7B-A69033E92718}" destId="{0EB7CA57-BE36-4B74-B166-DB62B0C2EF0D}" srcOrd="1" destOrd="0" presId="urn:microsoft.com/office/officeart/2005/8/layout/cycle2"/>
@@ -2411,7 +2321,7 @@
         </a:bodyPr>
         <a:lstStyle/>
         <a:p>
-          <a:pPr lvl="0" algn="ctr" defTabSz="222250">
+          <a:pPr marL="0" lvl="0" indent="0" algn="ctr" defTabSz="222250">
             <a:lnSpc>
               <a:spcPct val="90000"/>
             </a:lnSpc>
@@ -2421,6 +2331,7 @@
             <a:spcAft>
               <a:spcPct val="35000"/>
             </a:spcAft>
+            <a:buNone/>
           </a:pPr>
           <a:r>
             <a:rPr lang="en-US" sz="500" kern="1200" dirty="0"/>
@@ -2482,7 +2393,7 @@
         </a:bodyPr>
         <a:lstStyle/>
         <a:p>
-          <a:pPr lvl="0" algn="ctr" defTabSz="177800">
+          <a:pPr marL="0" lvl="0" indent="0" algn="ctr" defTabSz="177800">
             <a:lnSpc>
               <a:spcPct val="90000"/>
             </a:lnSpc>
@@ -2492,6 +2403,7 @@
             <a:spcAft>
               <a:spcPct val="35000"/>
             </a:spcAft>
+            <a:buNone/>
           </a:pPr>
           <a:endParaRPr lang="en-US" sz="400" kern="1200"/>
         </a:p>
@@ -2555,7 +2467,7 @@
         </a:bodyPr>
         <a:lstStyle/>
         <a:p>
-          <a:pPr lvl="0" algn="ctr" defTabSz="222250">
+          <a:pPr marL="0" lvl="0" indent="0" algn="ctr" defTabSz="222250">
             <a:lnSpc>
               <a:spcPct val="90000"/>
             </a:lnSpc>
@@ -2565,6 +2477,7 @@
             <a:spcAft>
               <a:spcPct val="35000"/>
             </a:spcAft>
+            <a:buNone/>
           </a:pPr>
           <a:r>
             <a:rPr lang="en-US" sz="500" kern="1200" dirty="0"/>
@@ -2626,7 +2539,7 @@
         </a:bodyPr>
         <a:lstStyle/>
         <a:p>
-          <a:pPr lvl="0" algn="ctr" defTabSz="177800">
+          <a:pPr marL="0" lvl="0" indent="0" algn="ctr" defTabSz="177800">
             <a:lnSpc>
               <a:spcPct val="90000"/>
             </a:lnSpc>
@@ -2636,6 +2549,7 @@
             <a:spcAft>
               <a:spcPct val="35000"/>
             </a:spcAft>
+            <a:buNone/>
           </a:pPr>
           <a:endParaRPr lang="en-US" sz="400" kern="1200"/>
         </a:p>
@@ -2699,7 +2613,7 @@
         </a:bodyPr>
         <a:lstStyle/>
         <a:p>
-          <a:pPr lvl="0" algn="ctr" defTabSz="222250">
+          <a:pPr marL="0" lvl="0" indent="0" algn="ctr" defTabSz="222250">
             <a:lnSpc>
               <a:spcPct val="90000"/>
             </a:lnSpc>
@@ -2709,6 +2623,7 @@
             <a:spcAft>
               <a:spcPct val="35000"/>
             </a:spcAft>
+            <a:buNone/>
           </a:pPr>
           <a:r>
             <a:rPr lang="en-US" sz="500" kern="1200" dirty="0"/>
@@ -2770,7 +2685,7 @@
         </a:bodyPr>
         <a:lstStyle/>
         <a:p>
-          <a:pPr lvl="0" algn="ctr" defTabSz="177800">
+          <a:pPr marL="0" lvl="0" indent="0" algn="ctr" defTabSz="177800">
             <a:lnSpc>
               <a:spcPct val="90000"/>
             </a:lnSpc>
@@ -2780,6 +2695,7 @@
             <a:spcAft>
               <a:spcPct val="35000"/>
             </a:spcAft>
+            <a:buNone/>
           </a:pPr>
           <a:endParaRPr lang="en-US" sz="400" kern="1200"/>
         </a:p>
@@ -2843,7 +2759,7 @@
         </a:bodyPr>
         <a:lstStyle/>
         <a:p>
-          <a:pPr lvl="0" algn="ctr" defTabSz="222250">
+          <a:pPr marL="0" lvl="0" indent="0" algn="ctr" defTabSz="222250">
             <a:lnSpc>
               <a:spcPct val="90000"/>
             </a:lnSpc>
@@ -2853,6 +2769,7 @@
             <a:spcAft>
               <a:spcPct val="35000"/>
             </a:spcAft>
+            <a:buNone/>
           </a:pPr>
           <a:r>
             <a:rPr lang="en-US" sz="500" kern="1200" dirty="0"/>
@@ -2914,7 +2831,7 @@
         </a:bodyPr>
         <a:lstStyle/>
         <a:p>
-          <a:pPr lvl="0" algn="ctr" defTabSz="177800">
+          <a:pPr marL="0" lvl="0" indent="0" algn="ctr" defTabSz="177800">
             <a:lnSpc>
               <a:spcPct val="90000"/>
             </a:lnSpc>
@@ -2924,6 +2841,7 @@
             <a:spcAft>
               <a:spcPct val="35000"/>
             </a:spcAft>
+            <a:buNone/>
           </a:pPr>
           <a:endParaRPr lang="en-US" sz="400" kern="1200"/>
         </a:p>
@@ -4264,7 +4182,7 @@
           <a:p>
             <a:fld id="{A07C3DAA-E1DE-49B6-8079-627AB3F6E0E1}" type="datetimeFigureOut">
               <a:rPr lang="en-US" smtClean="0"/>
-              <a:t>4/17/2019</a:t>
+              <a:t>4/22/2019</a:t>
             </a:fld>
             <a:endParaRPr lang="en-US"/>
           </a:p>
@@ -4328,38 +4246,37 @@
           <a:p>
             <a:pPr lvl="0"/>
             <a:r>
-              <a:rPr lang="en-US" smtClean="0"/>
+              <a:rPr lang="en-US"/>
               <a:t>Edit Master text styles</a:t>
             </a:r>
           </a:p>
           <a:p>
             <a:pPr lvl="1"/>
             <a:r>
-              <a:rPr lang="en-US" smtClean="0"/>
+              <a:rPr lang="en-US"/>
               <a:t>Second level</a:t>
             </a:r>
           </a:p>
           <a:p>
             <a:pPr lvl="2"/>
             <a:r>
-              <a:rPr lang="en-US" smtClean="0"/>
+              <a:rPr lang="en-US"/>
               <a:t>Third level</a:t>
             </a:r>
           </a:p>
           <a:p>
             <a:pPr lvl="3"/>
             <a:r>
-              <a:rPr lang="en-US" smtClean="0"/>
+              <a:rPr lang="en-US"/>
               <a:t>Fourth level</a:t>
             </a:r>
           </a:p>
           <a:p>
             <a:pPr lvl="4"/>
             <a:r>
-              <a:rPr lang="en-US" smtClean="0"/>
+              <a:rPr lang="en-US"/>
               <a:t>Fifth level</a:t>
             </a:r>
-            <a:endParaRPr lang="en-US"/>
           </a:p>
         </p:txBody>
       </p:sp>
@@ -4530,111 +4447,6 @@
     </a:lvl9pPr>
   </p:notesStyle>
 </p:notesMaster>
-</file>
-
-<file path=ppt/notesSlides/notesSlide1.xml><?xml version="1.0" encoding="utf-8"?>
-<p:notes xmlns:a="http://schemas.openxmlformats.org/drawingml/2006/main" xmlns:r="http://schemas.openxmlformats.org/officeDocument/2006/relationships" xmlns:p="http://schemas.openxmlformats.org/presentationml/2006/main">
-  <p:cSld>
-    <p:spTree>
-      <p:nvGrpSpPr>
-        <p:cNvPr id="1" name=""/>
-        <p:cNvGrpSpPr/>
-        <p:nvPr/>
-      </p:nvGrpSpPr>
-      <p:grpSpPr>
-        <a:xfrm>
-          <a:off x="0" y="0"/>
-          <a:ext cx="0" cy="0"/>
-          <a:chOff x="0" y="0"/>
-          <a:chExt cx="0" cy="0"/>
-        </a:xfrm>
-      </p:grpSpPr>
-      <p:sp>
-        <p:nvSpPr>
-          <p:cNvPr id="2" name="Slide Image Placeholder 1"/>
-          <p:cNvSpPr>
-            <a:spLocks noGrp="1" noRot="1" noChangeAspect="1"/>
-          </p:cNvSpPr>
-          <p:nvPr>
-            <p:ph type="sldImg"/>
-          </p:nvPr>
-        </p:nvSpPr>
-        <p:spPr/>
-      </p:sp>
-      <p:sp>
-        <p:nvSpPr>
-          <p:cNvPr id="3" name="Notes Placeholder 2"/>
-          <p:cNvSpPr>
-            <a:spLocks noGrp="1"/>
-          </p:cNvSpPr>
-          <p:nvPr>
-            <p:ph type="body" idx="1"/>
-          </p:nvPr>
-        </p:nvSpPr>
-        <p:spPr/>
-        <p:txBody>
-          <a:bodyPr/>
-          <a:lstStyle/>
-          <a:p>
-            <a:r>
-              <a:rPr lang="en-US" dirty="0" smtClean="0"/>
-              <a:t>Clarify </a:t>
-            </a:r>
-            <a:r>
-              <a:rPr lang="en-US" b="1" dirty="0" smtClean="0"/>
-              <a:t>whose</a:t>
-            </a:r>
-            <a:r>
-              <a:rPr lang="en-US" dirty="0" smtClean="0"/>
-              <a:t> effort we are talking about.</a:t>
-            </a:r>
-          </a:p>
-          <a:p>
-            <a:endParaRPr lang="en-US" dirty="0"/>
-          </a:p>
-          <a:p>
-            <a:r>
-              <a:rPr lang="en-US" dirty="0" smtClean="0"/>
-              <a:t>Clarify this is calendar time.</a:t>
-            </a:r>
-            <a:endParaRPr lang="en-US" dirty="0"/>
-          </a:p>
-        </p:txBody>
-      </p:sp>
-      <p:sp>
-        <p:nvSpPr>
-          <p:cNvPr id="4" name="Slide Number Placeholder 3"/>
-          <p:cNvSpPr>
-            <a:spLocks noGrp="1"/>
-          </p:cNvSpPr>
-          <p:nvPr>
-            <p:ph type="sldNum" sz="quarter" idx="10"/>
-          </p:nvPr>
-        </p:nvSpPr>
-        <p:spPr/>
-        <p:txBody>
-          <a:bodyPr/>
-          <a:lstStyle/>
-          <a:p>
-            <a:fld id="{7C432B12-1722-4EDC-9BBA-25A0F0A334AF}" type="slidenum">
-              <a:rPr lang="en-US" smtClean="0"/>
-              <a:t>5</a:t>
-            </a:fld>
-            <a:endParaRPr lang="en-US"/>
-          </a:p>
-        </p:txBody>
-      </p:sp>
-    </p:spTree>
-    <p:extLst>
-      <p:ext uri="{BB962C8B-B14F-4D97-AF65-F5344CB8AC3E}">
-        <p14:creationId xmlns:p14="http://schemas.microsoft.com/office/powerpoint/2010/main" val="1770964721"/>
-      </p:ext>
-    </p:extLst>
-  </p:cSld>
-  <p:clrMapOvr>
-    <a:masterClrMapping/>
-  </p:clrMapOvr>
-</p:notes>
 </file>
 
 <file path=ppt/slideLayouts/slideLayout1.xml><?xml version="1.0" encoding="utf-8"?>
@@ -5359,7 +5171,7 @@
           <a:p>
             <a:fld id="{594BF61B-F633-497E-89E6-831EB66A6863}" type="datetimeFigureOut">
               <a:rPr lang="en-US" smtClean="0"/>
-              <a:t>4/17/2019</a:t>
+              <a:t>4/22/2019</a:t>
             </a:fld>
             <a:endParaRPr lang="en-US"/>
           </a:p>
@@ -5610,7 +5422,7 @@
           <a:p>
             <a:fld id="{594BF61B-F633-497E-89E6-831EB66A6863}" type="datetimeFigureOut">
               <a:rPr lang="en-US" smtClean="0"/>
-              <a:t>4/17/2019</a:t>
+              <a:t>4/22/2019</a:t>
             </a:fld>
             <a:endParaRPr lang="en-US"/>
           </a:p>
@@ -5924,7 +5736,7 @@
           <a:p>
             <a:fld id="{594BF61B-F633-497E-89E6-831EB66A6863}" type="datetimeFigureOut">
               <a:rPr lang="en-US" smtClean="0"/>
-              <a:t>4/17/2019</a:t>
+              <a:t>4/22/2019</a:t>
             </a:fld>
             <a:endParaRPr lang="en-US"/>
           </a:p>
@@ -6265,7 +6077,7 @@
           <a:p>
             <a:fld id="{594BF61B-F633-497E-89E6-831EB66A6863}" type="datetimeFigureOut">
               <a:rPr lang="en-US" smtClean="0"/>
-              <a:t>4/17/2019</a:t>
+              <a:t>4/22/2019</a:t>
             </a:fld>
             <a:endParaRPr lang="en-US"/>
           </a:p>
@@ -6579,7 +6391,7 @@
           <a:p>
             <a:fld id="{594BF61B-F633-497E-89E6-831EB66A6863}" type="datetimeFigureOut">
               <a:rPr lang="en-US" smtClean="0"/>
-              <a:t>4/17/2019</a:t>
+              <a:t>4/22/2019</a:t>
             </a:fld>
             <a:endParaRPr lang="en-US"/>
           </a:p>
@@ -6972,7 +6784,7 @@
           <a:p>
             <a:fld id="{594BF61B-F633-497E-89E6-831EB66A6863}" type="datetimeFigureOut">
               <a:rPr lang="en-US" smtClean="0"/>
-              <a:t>4/17/2019</a:t>
+              <a:t>4/22/2019</a:t>
             </a:fld>
             <a:endParaRPr lang="en-US"/>
           </a:p>
@@ -7142,7 +6954,7 @@
           <a:p>
             <a:fld id="{594BF61B-F633-497E-89E6-831EB66A6863}" type="datetimeFigureOut">
               <a:rPr lang="en-US" smtClean="0"/>
-              <a:t>4/17/2019</a:t>
+              <a:t>4/22/2019</a:t>
             </a:fld>
             <a:endParaRPr lang="en-US"/>
           </a:p>
@@ -7322,7 +7134,7 @@
           <a:p>
             <a:fld id="{594BF61B-F633-497E-89E6-831EB66A6863}" type="datetimeFigureOut">
               <a:rPr lang="en-US" smtClean="0"/>
-              <a:t>4/17/2019</a:t>
+              <a:t>4/22/2019</a:t>
             </a:fld>
             <a:endParaRPr lang="en-US"/>
           </a:p>
@@ -7498,7 +7310,7 @@
           <a:p>
             <a:fld id="{594BF61B-F633-497E-89E6-831EB66A6863}" type="datetimeFigureOut">
               <a:rPr lang="en-US" smtClean="0"/>
-              <a:t>4/17/2019</a:t>
+              <a:t>4/22/2019</a:t>
             </a:fld>
             <a:endParaRPr lang="en-US"/>
           </a:p>
@@ -7745,7 +7557,7 @@
           <a:p>
             <a:fld id="{594BF61B-F633-497E-89E6-831EB66A6863}" type="datetimeFigureOut">
               <a:rPr lang="en-US" smtClean="0"/>
-              <a:t>4/17/2019</a:t>
+              <a:t>4/22/2019</a:t>
             </a:fld>
             <a:endParaRPr lang="en-US"/>
           </a:p>
@@ -7977,7 +7789,7 @@
           <a:p>
             <a:fld id="{594BF61B-F633-497E-89E6-831EB66A6863}" type="datetimeFigureOut">
               <a:rPr lang="en-US" smtClean="0"/>
-              <a:t>4/17/2019</a:t>
+              <a:t>4/22/2019</a:t>
             </a:fld>
             <a:endParaRPr lang="en-US"/>
           </a:p>
@@ -8351,7 +8163,7 @@
           <a:p>
             <a:fld id="{594BF61B-F633-497E-89E6-831EB66A6863}" type="datetimeFigureOut">
               <a:rPr lang="en-US" smtClean="0"/>
-              <a:t>4/17/2019</a:t>
+              <a:t>4/22/2019</a:t>
             </a:fld>
             <a:endParaRPr lang="en-US"/>
           </a:p>
@@ -8474,7 +8286,7 @@
           <a:p>
             <a:fld id="{594BF61B-F633-497E-89E6-831EB66A6863}" type="datetimeFigureOut">
               <a:rPr lang="en-US" smtClean="0"/>
-              <a:t>4/17/2019</a:t>
+              <a:t>4/22/2019</a:t>
             </a:fld>
             <a:endParaRPr lang="en-US"/>
           </a:p>
@@ -8569,7 +8381,7 @@
           <a:p>
             <a:fld id="{594BF61B-F633-497E-89E6-831EB66A6863}" type="datetimeFigureOut">
               <a:rPr lang="en-US" smtClean="0"/>
-              <a:t>4/17/2019</a:t>
+              <a:t>4/22/2019</a:t>
             </a:fld>
             <a:endParaRPr lang="en-US"/>
           </a:p>
@@ -8824,7 +8636,7 @@
           <a:p>
             <a:fld id="{594BF61B-F633-497E-89E6-831EB66A6863}" type="datetimeFigureOut">
               <a:rPr lang="en-US" smtClean="0"/>
-              <a:t>4/17/2019</a:t>
+              <a:t>4/22/2019</a:t>
             </a:fld>
             <a:endParaRPr lang="en-US"/>
           </a:p>
@@ -9087,7 +8899,7 @@
           <a:p>
             <a:fld id="{594BF61B-F633-497E-89E6-831EB66A6863}" type="datetimeFigureOut">
               <a:rPr lang="en-US" smtClean="0"/>
-              <a:t>4/17/2019</a:t>
+              <a:t>4/22/2019</a:t>
             </a:fld>
             <a:endParaRPr lang="en-US"/>
           </a:p>
@@ -9830,7 +9642,7 @@
           <a:p>
             <a:fld id="{594BF61B-F633-497E-89E6-831EB66A6863}" type="datetimeFigureOut">
               <a:rPr lang="en-US" smtClean="0"/>
-              <a:t>4/17/2019</a:t>
+              <a:t>4/22/2019</a:t>
             </a:fld>
             <a:endParaRPr lang="en-US"/>
           </a:p>
@@ -10613,7 +10425,7 @@
                 <a16:creationId xmlns:a16="http://schemas.microsoft.com/office/drawing/2014/main" id="{A57C1A16-B8AB-4D99-A195-A38F556A6486}"/>
               </a:ext>
               <a:ext uri="{C183D7F6-B498-43B3-948B-1728B52AA6E4}">
-                <adec:decorative xmlns:adec="http://schemas.microsoft.com/office/drawing/2017/decorative" xmlns="" val="1"/>
+                <adec:decorative xmlns:adec="http://schemas.microsoft.com/office/drawing/2017/decorative" val="1"/>
               </a:ext>
             </a:extLst>
           </p:cNvPr>
@@ -10667,7 +10479,7 @@
                 <a16:creationId xmlns:a16="http://schemas.microsoft.com/office/drawing/2014/main" id="{F8A9B20B-D1DD-4573-B5EC-558029519236}"/>
               </a:ext>
               <a:ext uri="{C183D7F6-B498-43B3-948B-1728B52AA6E4}">
-                <adec:decorative xmlns:adec="http://schemas.microsoft.com/office/drawing/2017/decorative" xmlns="" val="1"/>
+                <adec:decorative xmlns:adec="http://schemas.microsoft.com/office/drawing/2017/decorative" val="1"/>
               </a:ext>
             </a:extLst>
           </p:cNvPr>
@@ -10721,7 +10533,7 @@
                 <a16:creationId xmlns:a16="http://schemas.microsoft.com/office/drawing/2014/main" id="{66D61E08-70C3-48D8-BEA0-787111DC30DA}"/>
               </a:ext>
               <a:ext uri="{C183D7F6-B498-43B3-948B-1728B52AA6E4}">
-                <adec:decorative xmlns:adec="http://schemas.microsoft.com/office/drawing/2017/decorative" xmlns="" val="1"/>
+                <adec:decorative xmlns:adec="http://schemas.microsoft.com/office/drawing/2017/decorative" val="1"/>
               </a:ext>
             </a:extLst>
           </p:cNvPr>
@@ -10801,7 +10613,7 @@
                 <a16:creationId xmlns:a16="http://schemas.microsoft.com/office/drawing/2014/main" id="{FC55298F-0AE5-478E-AD2B-03C2614C5833}"/>
               </a:ext>
               <a:ext uri="{C183D7F6-B498-43B3-948B-1728B52AA6E4}">
-                <adec:decorative xmlns:adec="http://schemas.microsoft.com/office/drawing/2017/decorative" xmlns="" val="1"/>
+                <adec:decorative xmlns:adec="http://schemas.microsoft.com/office/drawing/2017/decorative" val="1"/>
               </a:ext>
             </a:extLst>
           </p:cNvPr>
@@ -10881,7 +10693,7 @@
                 <a16:creationId xmlns:a16="http://schemas.microsoft.com/office/drawing/2014/main" id="{C180E4EA-0B63-4779-A895-7E90E71088F3}"/>
               </a:ext>
               <a:ext uri="{C183D7F6-B498-43B3-948B-1728B52AA6E4}">
-                <adec:decorative xmlns:adec="http://schemas.microsoft.com/office/drawing/2017/decorative" xmlns="" val="1"/>
+                <adec:decorative xmlns:adec="http://schemas.microsoft.com/office/drawing/2017/decorative" val="1"/>
               </a:ext>
             </a:extLst>
           </p:cNvPr>
@@ -10939,7 +10751,7 @@
                 <a16:creationId xmlns:a16="http://schemas.microsoft.com/office/drawing/2014/main" id="{CEE01D9D-3DE8-4EED-B0D3-8F3C79CC7673}"/>
               </a:ext>
               <a:ext uri="{C183D7F6-B498-43B3-948B-1728B52AA6E4}">
-                <adec:decorative xmlns:adec="http://schemas.microsoft.com/office/drawing/2017/decorative" xmlns="" val="1"/>
+                <adec:decorative xmlns:adec="http://schemas.microsoft.com/office/drawing/2017/decorative" val="1"/>
               </a:ext>
             </a:extLst>
           </p:cNvPr>
@@ -11020,7 +10832,7 @@
                 <a16:creationId xmlns:a16="http://schemas.microsoft.com/office/drawing/2014/main" id="{89AF5CE9-607F-43F4-8983-DCD6DA4051FD}"/>
               </a:ext>
               <a:ext uri="{C183D7F6-B498-43B3-948B-1728B52AA6E4}">
-                <adec:decorative xmlns:adec="http://schemas.microsoft.com/office/drawing/2017/decorative" xmlns="" val="1"/>
+                <adec:decorative xmlns:adec="http://schemas.microsoft.com/office/drawing/2017/decorative" val="1"/>
               </a:ext>
             </a:extLst>
           </p:cNvPr>
@@ -11102,7 +10914,7 @@
                 <a16:creationId xmlns:a16="http://schemas.microsoft.com/office/drawing/2014/main" id="{6EEA2DBD-9E1E-4521-8C01-F32AD18A89E3}"/>
               </a:ext>
               <a:ext uri="{C183D7F6-B498-43B3-948B-1728B52AA6E4}">
-                <adec:decorative xmlns:adec="http://schemas.microsoft.com/office/drawing/2017/decorative" xmlns="" val="1"/>
+                <adec:decorative xmlns:adec="http://schemas.microsoft.com/office/drawing/2017/decorative" val="1"/>
               </a:ext>
             </a:extLst>
           </p:cNvPr>
@@ -11182,7 +10994,7 @@
                 <a16:creationId xmlns:a16="http://schemas.microsoft.com/office/drawing/2014/main" id="{15BBD2C1-BA9B-46A9-A27A-33498B169272}"/>
               </a:ext>
               <a:ext uri="{C183D7F6-B498-43B3-948B-1728B52AA6E4}">
-                <adec:decorative xmlns:adec="http://schemas.microsoft.com/office/drawing/2017/decorative" xmlns="" val="1"/>
+                <adec:decorative xmlns:adec="http://schemas.microsoft.com/office/drawing/2017/decorative" val="1"/>
               </a:ext>
             </a:extLst>
           </p:cNvPr>
@@ -11278,10 +11090,9 @@
           <a:lstStyle/>
           <a:p>
             <a:r>
-              <a:rPr lang="en-US" dirty="0" smtClean="0"/>
+              <a:rPr lang="en-US" dirty="0"/>
               <a:t>Demo Requirements:  The Application</a:t>
             </a:r>
-            <a:endParaRPr lang="en-US" dirty="0"/>
           </a:p>
         </p:txBody>
       </p:sp>
@@ -11303,27 +11114,27 @@
           <a:lstStyle/>
           <a:p>
             <a:r>
-              <a:rPr lang="en-US" dirty="0" smtClean="0"/>
+              <a:rPr lang="en-US" dirty="0"/>
               <a:t>We will provide a simple app to Containerize</a:t>
             </a:r>
           </a:p>
           <a:p>
             <a:r>
-              <a:rPr lang="en-US" dirty="0" smtClean="0"/>
+              <a:rPr lang="en-US" dirty="0"/>
               <a:t>The app will have two dependencies</a:t>
             </a:r>
           </a:p>
           <a:p>
             <a:pPr lvl="1"/>
             <a:r>
-              <a:rPr lang="en-US" dirty="0" smtClean="0"/>
+              <a:rPr lang="en-US" dirty="0"/>
               <a:t>Database</a:t>
             </a:r>
           </a:p>
           <a:p>
             <a:pPr lvl="1"/>
             <a:r>
-              <a:rPr lang="en-US" dirty="0" smtClean="0"/>
+              <a:rPr lang="en-US" dirty="0"/>
               <a:t>Messaging</a:t>
             </a:r>
           </a:p>
@@ -11375,10 +11186,9 @@
           <a:lstStyle/>
           <a:p>
             <a:r>
-              <a:rPr lang="en-US" dirty="0" smtClean="0"/>
+              <a:rPr lang="en-US" dirty="0"/>
               <a:t>Demo Requirements:  The Deployment</a:t>
             </a:r>
-            <a:endParaRPr lang="en-US" dirty="0"/>
           </a:p>
         </p:txBody>
       </p:sp>
@@ -11400,66 +11210,65 @@
           <a:lstStyle/>
           <a:p>
             <a:r>
-              <a:rPr lang="en-US" dirty="0" smtClean="0"/>
+              <a:rPr lang="en-US" dirty="0"/>
               <a:t>The vendor will run the application on </a:t>
             </a:r>
             <a:r>
-              <a:rPr lang="en-US" smtClean="0"/>
+              <a:rPr lang="en-US"/>
               <a:t>a desktop</a:t>
             </a:r>
           </a:p>
           <a:p>
             <a:r>
-              <a:rPr lang="en-US" dirty="0" smtClean="0"/>
+              <a:rPr lang="en-US" dirty="0"/>
               <a:t>The vendor will demonstrate solutions to our named concerns</a:t>
             </a:r>
           </a:p>
           <a:p>
             <a:r>
-              <a:rPr lang="en-US" dirty="0" smtClean="0"/>
+              <a:rPr lang="en-US" dirty="0"/>
               <a:t>The vendor will give us infrastructure requirements</a:t>
             </a:r>
           </a:p>
           <a:p>
             <a:r>
-              <a:rPr lang="en-US" dirty="0" smtClean="0"/>
+              <a:rPr lang="en-US" dirty="0"/>
               <a:t>We will provide the infrastructure</a:t>
             </a:r>
           </a:p>
           <a:p>
             <a:r>
-              <a:rPr lang="en-US" dirty="0" smtClean="0"/>
+              <a:rPr lang="en-US" dirty="0"/>
               <a:t>The vendor will install, configure, and demonstrate their solution</a:t>
             </a:r>
           </a:p>
           <a:p>
             <a:pPr lvl="1"/>
             <a:r>
-              <a:rPr lang="en-US" dirty="0" smtClean="0"/>
+              <a:rPr lang="en-US" dirty="0"/>
               <a:t>The application will must be deployed</a:t>
             </a:r>
           </a:p>
           <a:p>
             <a:pPr lvl="1"/>
             <a:r>
-              <a:rPr lang="en-US" dirty="0" smtClean="0"/>
+              <a:rPr lang="en-US" dirty="0"/>
               <a:t>The application must be reachable on our network</a:t>
             </a:r>
           </a:p>
           <a:p>
             <a:pPr lvl="1"/>
             <a:r>
-              <a:rPr lang="en-US" dirty="0" smtClean="0"/>
+              <a:rPr lang="en-US" dirty="0"/>
               <a:t>We want them to show us “the standard way” to do this, step by step</a:t>
             </a:r>
           </a:p>
           <a:p>
             <a:pPr lvl="1"/>
             <a:r>
-              <a:rPr lang="en-US" dirty="0" smtClean="0"/>
+              <a:rPr lang="en-US" dirty="0"/>
               <a:t>Auto-scale running containers as needed</a:t>
             </a:r>
-            <a:endParaRPr lang="en-US" dirty="0"/>
           </a:p>
         </p:txBody>
       </p:sp>
@@ -11509,10 +11318,9 @@
           <a:lstStyle/>
           <a:p>
             <a:r>
-              <a:rPr lang="en-US" dirty="0" smtClean="0"/>
+              <a:rPr lang="en-US" dirty="0"/>
               <a:t>Demo Requirements:  NOC Operations</a:t>
             </a:r>
-            <a:endParaRPr lang="en-US" dirty="0"/>
           </a:p>
         </p:txBody>
       </p:sp>
@@ -11534,41 +11342,41 @@
           <a:lstStyle/>
           <a:p>
             <a:r>
-              <a:rPr lang="en-US" dirty="0" smtClean="0"/>
+              <a:rPr lang="en-US" dirty="0"/>
               <a:t>Demonstrate Monitoring</a:t>
             </a:r>
           </a:p>
           <a:p>
             <a:pPr lvl="1"/>
             <a:r>
-              <a:rPr lang="en-US" dirty="0" smtClean="0"/>
+              <a:rPr lang="en-US" dirty="0"/>
               <a:t>At the cluster level</a:t>
             </a:r>
           </a:p>
           <a:p>
             <a:pPr lvl="1"/>
             <a:r>
-              <a:rPr lang="en-US" dirty="0" smtClean="0"/>
+              <a:rPr lang="en-US" dirty="0"/>
               <a:t>At the host level</a:t>
             </a:r>
           </a:p>
           <a:p>
             <a:pPr lvl="1"/>
             <a:r>
-              <a:rPr lang="en-US" dirty="0" smtClean="0"/>
+              <a:rPr lang="en-US" dirty="0"/>
               <a:t>At the container level</a:t>
             </a:r>
           </a:p>
           <a:p>
             <a:pPr lvl="1"/>
             <a:r>
-              <a:rPr lang="en-US" dirty="0" smtClean="0"/>
+              <a:rPr lang="en-US" dirty="0"/>
               <a:t>* We prefer to integrate with our current NOC products</a:t>
             </a:r>
           </a:p>
           <a:p>
             <a:r>
-              <a:rPr lang="en-US" dirty="0" smtClean="0"/>
+              <a:rPr lang="en-US" dirty="0"/>
               <a:t>Demonstrate Escalation Plans</a:t>
             </a:r>
           </a:p>
@@ -11582,26 +11390,26 @@
           <a:p>
             <a:pPr lvl="1"/>
             <a:r>
-              <a:rPr lang="en-US" dirty="0" smtClean="0"/>
+              <a:rPr lang="en-US" dirty="0"/>
               <a:t>Scarce resources</a:t>
             </a:r>
           </a:p>
           <a:p>
             <a:r>
-              <a:rPr lang="en-US" dirty="0" smtClean="0"/>
+              <a:rPr lang="en-US" dirty="0"/>
               <a:t>Demonstrate Rolling Updates</a:t>
             </a:r>
           </a:p>
           <a:p>
             <a:pPr lvl="1"/>
             <a:r>
-              <a:rPr lang="en-US" dirty="0" smtClean="0"/>
+              <a:rPr lang="en-US" dirty="0"/>
               <a:t>Update running containers from an old base OS image to a current one</a:t>
             </a:r>
           </a:p>
           <a:p>
             <a:pPr lvl="1"/>
-            <a:endParaRPr lang="en-US" dirty="0" smtClean="0"/>
+            <a:endParaRPr lang="en-US" dirty="0"/>
           </a:p>
         </p:txBody>
       </p:sp>
@@ -11651,10 +11459,9 @@
           <a:lstStyle/>
           <a:p>
             <a:r>
-              <a:rPr lang="en-US" dirty="0" smtClean="0"/>
+              <a:rPr lang="en-US" dirty="0"/>
               <a:t>Demo Requirements:  The Proposal</a:t>
             </a:r>
-            <a:endParaRPr lang="en-US" dirty="0"/>
           </a:p>
         </p:txBody>
       </p:sp>
@@ -11677,73 +11484,68 @@
           <a:p>
             <a:r>
               <a:rPr lang="en-US" dirty="0"/>
-              <a:t>Basic explanation of </a:t>
-            </a:r>
-            <a:r>
-              <a:rPr lang="en-US" dirty="0" smtClean="0"/>
-              <a:t>licensing</a:t>
-            </a:r>
-          </a:p>
-          <a:p>
-            <a:r>
-              <a:rPr lang="en-US" dirty="0" smtClean="0"/>
+              <a:t>Basic explanation of licensing</a:t>
+            </a:r>
+          </a:p>
+          <a:p>
+            <a:r>
+              <a:rPr lang="en-US" dirty="0"/>
               <a:t>Formal pricing offers</a:t>
             </a:r>
           </a:p>
           <a:p>
             <a:r>
-              <a:rPr lang="en-US" dirty="0" smtClean="0"/>
+              <a:rPr lang="en-US" dirty="0"/>
               <a:t>Support details</a:t>
             </a:r>
           </a:p>
           <a:p>
             <a:pPr lvl="1"/>
             <a:r>
-              <a:rPr lang="en-US" dirty="0" smtClean="0"/>
+              <a:rPr lang="en-US" dirty="0"/>
               <a:t>What parts of the stack are supported</a:t>
             </a:r>
           </a:p>
           <a:p>
             <a:pPr lvl="1"/>
             <a:r>
-              <a:rPr lang="en-US" dirty="0" smtClean="0"/>
+              <a:rPr lang="en-US" dirty="0"/>
               <a:t>SLA</a:t>
             </a:r>
           </a:p>
           <a:p>
             <a:pPr lvl="1"/>
             <a:r>
-              <a:rPr lang="en-US" dirty="0" smtClean="0"/>
+              <a:rPr lang="en-US" dirty="0"/>
               <a:t>Pricing</a:t>
             </a:r>
           </a:p>
           <a:p>
             <a:r>
-              <a:rPr lang="en-US" dirty="0" smtClean="0"/>
+              <a:rPr lang="en-US" dirty="0"/>
               <a:t>Consulting services</a:t>
             </a:r>
           </a:p>
           <a:p>
             <a:pPr lvl="1"/>
             <a:r>
-              <a:rPr lang="en-US" dirty="0" smtClean="0"/>
+              <a:rPr lang="en-US" dirty="0"/>
               <a:t>Their consulting model</a:t>
             </a:r>
           </a:p>
           <a:p>
             <a:pPr lvl="1"/>
             <a:r>
-              <a:rPr lang="en-US" dirty="0" smtClean="0"/>
+              <a:rPr lang="en-US" dirty="0"/>
               <a:t>Availability</a:t>
             </a:r>
           </a:p>
           <a:p>
             <a:pPr lvl="1"/>
             <a:r>
-              <a:rPr lang="en-US" dirty="0" smtClean="0"/>
+              <a:rPr lang="en-US" dirty="0"/>
               <a:t>Costs</a:t>
             </a:r>
-            <a:endParaRPr lang="en-US" dirty="0"/>
           </a:p>
         </p:txBody>
       </p:sp>
@@ -11794,13 +11596,8 @@
           <a:p>
             <a:r>
               <a:rPr lang="en-US" dirty="0"/>
-              <a:t>Phase </a:t>
-            </a:r>
-            <a:r>
-              <a:rPr lang="en-US" dirty="0" smtClean="0"/>
-              <a:t>Two (Medium)</a:t>
-            </a:r>
-            <a:endParaRPr lang="en-US" dirty="0"/>
+              <a:t>Phase Two (Medium)</a:t>
+            </a:r>
           </a:p>
         </p:txBody>
       </p:sp>
@@ -11820,10 +11617,9 @@
           <a:lstStyle/>
           <a:p>
             <a:r>
-              <a:rPr lang="en-US" dirty="0" smtClean="0"/>
+              <a:rPr lang="en-US" dirty="0"/>
               <a:t>Support of Vendor Applications</a:t>
             </a:r>
-            <a:endParaRPr lang="en-US" dirty="0"/>
           </a:p>
         </p:txBody>
       </p:sp>
@@ -11873,10 +11669,9 @@
           <a:lstStyle/>
           <a:p>
             <a:r>
-              <a:rPr lang="en-US" dirty="0" smtClean="0"/>
+              <a:rPr lang="en-US" dirty="0"/>
               <a:t>Vendor Applications</a:t>
             </a:r>
-            <a:endParaRPr lang="en-US" dirty="0"/>
           </a:p>
         </p:txBody>
       </p:sp>
@@ -11897,37 +11692,48 @@
           <a:p>
             <a:r>
               <a:rPr lang="en-US" dirty="0"/>
-              <a:t>This is really just a new way of deploying applications we buy</a:t>
-            </a:r>
-          </a:p>
-          <a:p>
-            <a:r>
-              <a:rPr lang="en-US" dirty="0" smtClean="0"/>
+              <a:t>This is really just a new way of deploying the applications we buy</a:t>
+            </a:r>
+          </a:p>
+          <a:p>
+            <a:r>
+              <a:rPr lang="en-US" dirty="0"/>
               <a:t>Requires planning and training</a:t>
             </a:r>
           </a:p>
           <a:p>
             <a:r>
-              <a:rPr lang="en-US" dirty="0" smtClean="0"/>
+              <a:rPr lang="en-US" dirty="0"/>
+              <a:t>Requires an understanding of how to budget usage</a:t>
+            </a:r>
+          </a:p>
+          <a:p>
+            <a:r>
+              <a:rPr lang="en-US" dirty="0"/>
               <a:t>Requires licensing and support agreements</a:t>
             </a:r>
-            <a:endParaRPr lang="en-US" dirty="0"/>
-          </a:p>
-          <a:p>
-            <a:r>
-              <a:rPr lang="en-US" dirty="0" smtClean="0"/>
+          </a:p>
+          <a:p>
+            <a:r>
+              <a:rPr lang="en-US" dirty="0"/>
               <a:t>Requires physical infrastructure</a:t>
             </a:r>
           </a:p>
           <a:p>
             <a:r>
-              <a:rPr lang="en-US" dirty="0" smtClean="0"/>
+              <a:rPr lang="en-US" dirty="0"/>
               <a:t>Requires installation / configuration of container solution</a:t>
             </a:r>
           </a:p>
           <a:p>
             <a:r>
-              <a:rPr lang="en-US" dirty="0" smtClean="0"/>
+              <a:rPr lang="en-US" dirty="0"/>
+              <a:t>Requires security and compliance review</a:t>
+            </a:r>
+          </a:p>
+          <a:p>
+            <a:r>
+              <a:rPr lang="en-US" dirty="0"/>
               <a:t>Requires NOC integration</a:t>
             </a:r>
           </a:p>
@@ -11980,13 +11786,8 @@
           <a:p>
             <a:r>
               <a:rPr lang="en-US" dirty="0"/>
-              <a:t>Phase </a:t>
-            </a:r>
-            <a:r>
-              <a:rPr lang="en-US" dirty="0" smtClean="0"/>
-              <a:t>Three (Large)</a:t>
-            </a:r>
-            <a:endParaRPr lang="en-US" dirty="0"/>
+              <a:t>Phase Three (Large)</a:t>
+            </a:r>
           </a:p>
         </p:txBody>
       </p:sp>
@@ -12006,10 +11807,9 @@
           <a:lstStyle/>
           <a:p>
             <a:r>
-              <a:rPr lang="en-US" dirty="0" smtClean="0"/>
+              <a:rPr lang="en-US" dirty="0"/>
               <a:t>Development Operations:  Containers as a Service</a:t>
             </a:r>
-            <a:endParaRPr lang="en-US" dirty="0"/>
           </a:p>
         </p:txBody>
       </p:sp>
@@ -12065,10 +11865,9 @@
           <a:lstStyle/>
           <a:p>
             <a:r>
-              <a:rPr lang="en-US" dirty="0" smtClean="0"/>
+              <a:rPr lang="en-US" dirty="0"/>
               <a:t>Containers as a Service</a:t>
             </a:r>
-            <a:endParaRPr lang="en-US" dirty="0"/>
           </a:p>
         </p:txBody>
       </p:sp>
@@ -13888,28 +13687,27 @@
           <a:lstStyle/>
           <a:p>
             <a:r>
-              <a:rPr lang="en-US" dirty="0" smtClean="0"/>
+              <a:rPr lang="en-US" dirty="0"/>
               <a:t>Finalize our team</a:t>
             </a:r>
           </a:p>
           <a:p>
             <a:r>
-              <a:rPr lang="en-US" dirty="0" smtClean="0"/>
+              <a:rPr lang="en-US" dirty="0"/>
               <a:t>Write our RFP document</a:t>
             </a:r>
           </a:p>
           <a:p>
             <a:r>
-              <a:rPr lang="en-US" dirty="0" smtClean="0"/>
+              <a:rPr lang="en-US" dirty="0"/>
               <a:t>Submit RFP to vendors</a:t>
             </a:r>
           </a:p>
           <a:p>
             <a:r>
-              <a:rPr lang="en-US" dirty="0" smtClean="0"/>
+              <a:rPr lang="en-US" dirty="0"/>
               <a:t>Coordinate vendor presentations</a:t>
             </a:r>
-            <a:endParaRPr lang="en-US" dirty="0"/>
           </a:p>
         </p:txBody>
       </p:sp>
@@ -14033,10 +13831,9 @@
           <a:lstStyle/>
           <a:p>
             <a:r>
-              <a:rPr lang="en-US" dirty="0" smtClean="0"/>
-              <a:t>Three Phases</a:t>
-            </a:r>
-            <a:endParaRPr lang="en-US" dirty="0"/>
+              <a:rPr lang="en-US" dirty="0"/>
+              <a:t>Why Containers?</a:t>
+            </a:r>
           </a:p>
         </p:txBody>
       </p:sp>
@@ -14056,20 +13853,47 @@
           <a:lstStyle/>
           <a:p>
             <a:r>
-              <a:rPr lang="en-US" dirty="0" smtClean="0"/>
-              <a:t>Phase One:  Proofs of concept (This talk).</a:t>
-            </a:r>
-          </a:p>
-          <a:p>
-            <a:r>
-              <a:rPr lang="en-US" dirty="0" smtClean="0"/>
-              <a:t>Phase Two:  Support of vendor applications.</a:t>
-            </a:r>
-          </a:p>
-          <a:p>
-            <a:r>
-              <a:rPr lang="en-US" dirty="0" smtClean="0"/>
-              <a:t>Phase Three:  DevOps for our applications.</a:t>
+              <a:rPr lang="en-US" dirty="0"/>
+              <a:t>We know containers are coming</a:t>
+            </a:r>
+          </a:p>
+          <a:p>
+            <a:r>
+              <a:rPr lang="en-US" dirty="0"/>
+              <a:t>People are already using them:</a:t>
+            </a:r>
+          </a:p>
+          <a:p>
+            <a:pPr lvl="1"/>
+            <a:r>
+              <a:rPr lang="en-US" dirty="0"/>
+              <a:t>Big Data</a:t>
+            </a:r>
+          </a:p>
+          <a:p>
+            <a:pPr lvl="1"/>
+            <a:r>
+              <a:rPr lang="en-US" dirty="0"/>
+              <a:t>Oracle</a:t>
+            </a:r>
+          </a:p>
+          <a:p>
+            <a:pPr lvl="1"/>
+            <a:r>
+              <a:rPr lang="en-US" dirty="0"/>
+              <a:t>?</a:t>
+            </a:r>
+          </a:p>
+          <a:p>
+            <a:r>
+              <a:rPr lang="en-US" dirty="0"/>
+              <a:t>We want to manage one consistent platform</a:t>
+            </a:r>
+          </a:p>
+          <a:p>
+            <a:r>
+              <a:rPr lang="en-US" dirty="0"/>
+              <a:t>We want a consistent answer for “how do I run a container?”</a:t>
             </a:r>
           </a:p>
         </p:txBody>
@@ -14077,7 +13901,7 @@
     </p:spTree>
     <p:extLst>
       <p:ext uri="{BB962C8B-B14F-4D97-AF65-F5344CB8AC3E}">
-        <p14:creationId xmlns:p14="http://schemas.microsoft.com/office/powerpoint/2010/main" val="3595156515"/>
+        <p14:creationId xmlns:p14="http://schemas.microsoft.com/office/powerpoint/2010/main" val="2911040714"/>
       </p:ext>
     </p:extLst>
   </p:cSld>
@@ -14106,13 +13930,7 @@
       </p:grpSpPr>
       <p:sp>
         <p:nvSpPr>
-          <p:cNvPr id="2" name="Title 1">
-            <a:extLst>
-              <a:ext uri="{FF2B5EF4-FFF2-40B4-BE49-F238E27FC236}">
-                <a16:creationId xmlns:a16="http://schemas.microsoft.com/office/drawing/2014/main" id="{F98DCCC2-901E-4BA8-8F13-695B7613B71C}"/>
-              </a:ext>
-            </a:extLst>
-          </p:cNvPr>
+          <p:cNvPr id="2" name="Title 1"/>
           <p:cNvSpPr>
             <a:spLocks noGrp="1"/>
           </p:cNvSpPr>
@@ -14126,22 +13944,15 @@
           <a:lstStyle/>
           <a:p>
             <a:r>
-              <a:rPr lang="en-US" dirty="0" smtClean="0"/>
-              <a:t>The Players</a:t>
-            </a:r>
-            <a:endParaRPr lang="en-US" dirty="0"/>
+              <a:rPr lang="en-US" dirty="0"/>
+              <a:t>Three Phases</a:t>
+            </a:r>
           </a:p>
         </p:txBody>
       </p:sp>
       <p:sp>
         <p:nvSpPr>
-          <p:cNvPr id="3" name="Content Placeholder 2">
-            <a:extLst>
-              <a:ext uri="{FF2B5EF4-FFF2-40B4-BE49-F238E27FC236}">
-                <a16:creationId xmlns:a16="http://schemas.microsoft.com/office/drawing/2014/main" id="{65972851-E12F-4953-BC40-498F40127880}"/>
-              </a:ext>
-            </a:extLst>
-          </p:cNvPr>
+          <p:cNvPr id="3" name="Content Placeholder 2"/>
           <p:cNvSpPr>
             <a:spLocks noGrp="1"/>
           </p:cNvSpPr>
@@ -14151,140 +13962,32 @@
         </p:nvSpPr>
         <p:spPr/>
         <p:txBody>
-          <a:bodyPr>
-            <a:normAutofit fontScale="85000" lnSpcReduction="10000"/>
-          </a:bodyPr>
+          <a:bodyPr/>
           <a:lstStyle/>
           <a:p>
-            <a:pPr marL="0" indent="0">
-              <a:buNone/>
-            </a:pPr>
-            <a:r>
-              <a:rPr lang="en-US" b="1" dirty="0"/>
-              <a:t>Owner</a:t>
-            </a:r>
             <a:r>
               <a:rPr lang="en-US" dirty="0"/>
-              <a:t>:  Technical Architecture Group</a:t>
-            </a:r>
-          </a:p>
-          <a:p>
-            <a:pPr marL="0" indent="0">
-              <a:buNone/>
-            </a:pPr>
-            <a:endParaRPr lang="en-US" b="1" dirty="0"/>
-          </a:p>
-          <a:p>
-            <a:pPr marL="0" indent="0">
-              <a:buNone/>
-            </a:pPr>
-            <a:r>
-              <a:rPr lang="en-US" b="1" dirty="0"/>
-              <a:t>Driver</a:t>
-            </a:r>
+              <a:t>Phase One:  Proofs of concept (This talk).</a:t>
+            </a:r>
+          </a:p>
+          <a:p>
             <a:r>
               <a:rPr lang="en-US" dirty="0"/>
-              <a:t>:  Eric Burcham</a:t>
-            </a:r>
-          </a:p>
-          <a:p>
-            <a:pPr marL="0" indent="0">
-              <a:buNone/>
-            </a:pPr>
-            <a:endParaRPr lang="en-US" dirty="0"/>
-          </a:p>
-          <a:p>
-            <a:pPr marL="0" indent="0">
-              <a:buNone/>
-            </a:pPr>
-            <a:r>
-              <a:rPr lang="en-US" b="1" dirty="0"/>
-              <a:t>Core Team</a:t>
-            </a:r>
-            <a:r>
-              <a:rPr lang="en-US" dirty="0" smtClean="0"/>
-              <a:t>:  Eric Burcham, Dylan Clark, Mike Bollman, Lowell Roberts, Mayme Kittman</a:t>
-            </a:r>
-            <a:endParaRPr lang="en-US" dirty="0"/>
-          </a:p>
-          <a:p>
-            <a:pPr marL="0" indent="0">
-              <a:buNone/>
-            </a:pPr>
-            <a:endParaRPr lang="en-US" b="1" dirty="0"/>
-          </a:p>
-          <a:p>
-            <a:pPr marL="0" indent="0">
-              <a:buNone/>
-            </a:pPr>
-            <a:r>
-              <a:rPr lang="en-US" b="1" dirty="0"/>
-              <a:t>Project Manager</a:t>
-            </a:r>
+              <a:t>Phase Two:  Support of vendor applications.</a:t>
+            </a:r>
+          </a:p>
+          <a:p>
             <a:r>
               <a:rPr lang="en-US" dirty="0"/>
-              <a:t>:  </a:t>
-            </a:r>
-            <a:r>
-              <a:rPr lang="en-US" dirty="0" smtClean="0"/>
-              <a:t>TBD.  Not needed for Phase One.</a:t>
-            </a:r>
-            <a:br>
-              <a:rPr lang="en-US" dirty="0" smtClean="0"/>
-            </a:br>
-            <a:endParaRPr lang="en-US" b="1" dirty="0"/>
-          </a:p>
-          <a:p>
-            <a:pPr marL="0" indent="0">
-              <a:buNone/>
-            </a:pPr>
-            <a:r>
-              <a:rPr lang="en-US" b="1" dirty="0"/>
-              <a:t>Stakeholders</a:t>
-            </a:r>
-            <a:r>
-              <a:rPr lang="en-US" dirty="0"/>
-              <a:t>:  Big Data, Desktop Support, Development Managers, eBusiness, Engineering, </a:t>
-            </a:r>
-            <a:r>
-              <a:rPr lang="en-US" dirty="0" smtClean="0"/>
-              <a:t>NOC, Oracle </a:t>
-            </a:r>
-            <a:r>
-              <a:rPr lang="en-US" dirty="0"/>
-              <a:t>Team, SCADA, Server Team</a:t>
-            </a:r>
-          </a:p>
-          <a:p>
-            <a:pPr marL="0" indent="0">
-              <a:buNone/>
-            </a:pPr>
-            <a:endParaRPr lang="en-US" b="1" dirty="0"/>
-          </a:p>
-          <a:p>
-            <a:pPr marL="0" indent="0">
-              <a:buNone/>
-            </a:pPr>
-            <a:r>
-              <a:rPr lang="en-US" b="1" dirty="0"/>
-              <a:t>Vendors</a:t>
-            </a:r>
-            <a:r>
-              <a:rPr lang="en-US" dirty="0"/>
-              <a:t>:  Docker Enterprise, Red Hat OpenShift, </a:t>
-            </a:r>
-            <a:r>
-              <a:rPr lang="en-US" dirty="0" smtClean="0"/>
-              <a:t>Rancher</a:t>
-            </a:r>
-            <a:endParaRPr lang="en-US" dirty="0"/>
+              <a:t>Phase Three:  DevOps for our applications.</a:t>
+            </a:r>
           </a:p>
         </p:txBody>
       </p:sp>
     </p:spTree>
     <p:extLst>
       <p:ext uri="{BB962C8B-B14F-4D97-AF65-F5344CB8AC3E}">
-        <p14:creationId xmlns:p14="http://schemas.microsoft.com/office/powerpoint/2010/main" val="2747266861"/>
+        <p14:creationId xmlns:p14="http://schemas.microsoft.com/office/powerpoint/2010/main" val="3595156515"/>
       </p:ext>
     </p:extLst>
   </p:cSld>
@@ -14313,7 +14016,13 @@
       </p:grpSpPr>
       <p:sp>
         <p:nvSpPr>
-          <p:cNvPr id="2" name="Title 1"/>
+          <p:cNvPr id="2" name="Title 1">
+            <a:extLst>
+              <a:ext uri="{FF2B5EF4-FFF2-40B4-BE49-F238E27FC236}">
+                <a16:creationId xmlns:a16="http://schemas.microsoft.com/office/drawing/2014/main" id="{F98DCCC2-901E-4BA8-8F13-695B7613B71C}"/>
+              </a:ext>
+            </a:extLst>
+          </p:cNvPr>
           <p:cNvSpPr>
             <a:spLocks noGrp="1"/>
           </p:cNvSpPr>
@@ -14327,20 +14036,21 @@
           <a:lstStyle/>
           <a:p>
             <a:r>
-              <a:rPr lang="en-US" dirty="0" smtClean="0"/>
-              <a:t>T-Shirt </a:t>
-            </a:r>
-            <a:r>
-              <a:rPr lang="en-US" dirty="0" smtClean="0"/>
-              <a:t>Sizes</a:t>
-            </a:r>
-            <a:endParaRPr lang="en-US" dirty="0"/>
+              <a:rPr lang="en-US" dirty="0"/>
+              <a:t>The Players</a:t>
+            </a:r>
           </a:p>
         </p:txBody>
       </p:sp>
       <p:sp>
         <p:nvSpPr>
-          <p:cNvPr id="3" name="Content Placeholder 2"/>
+          <p:cNvPr id="3" name="Content Placeholder 2">
+            <a:extLst>
+              <a:ext uri="{FF2B5EF4-FFF2-40B4-BE49-F238E27FC236}">
+                <a16:creationId xmlns:a16="http://schemas.microsoft.com/office/drawing/2014/main" id="{65972851-E12F-4953-BC40-498F40127880}"/>
+              </a:ext>
+            </a:extLst>
+          </p:cNvPr>
           <p:cNvSpPr>
             <a:spLocks noGrp="1"/>
           </p:cNvSpPr>
@@ -14350,39 +14060,122 @@
         </p:nvSpPr>
         <p:spPr/>
         <p:txBody>
-          <a:bodyPr/>
+          <a:bodyPr>
+            <a:normAutofit fontScale="85000" lnSpcReduction="10000"/>
+          </a:bodyPr>
           <a:lstStyle/>
           <a:p>
-            <a:r>
-              <a:rPr lang="en-US" dirty="0" smtClean="0"/>
-              <a:t>Small:  0-2 Weeks</a:t>
-            </a:r>
-          </a:p>
-          <a:p>
-            <a:r>
-              <a:rPr lang="en-US" dirty="0" smtClean="0"/>
-              <a:t>Medium:  2 Weeks – 2 Months</a:t>
-            </a:r>
-          </a:p>
-          <a:p>
-            <a:r>
-              <a:rPr lang="en-US" dirty="0" smtClean="0"/>
-              <a:t>Large:  2 – 6 Months</a:t>
-            </a:r>
-          </a:p>
-          <a:p>
-            <a:r>
-              <a:rPr lang="en-US" dirty="0" smtClean="0"/>
-              <a:t>Extra Large:  More than 6 Months</a:t>
-            </a:r>
+            <a:pPr marL="0" indent="0">
+              <a:buNone/>
+            </a:pPr>
+            <a:r>
+              <a:rPr lang="en-US" b="1" dirty="0"/>
+              <a:t>Owner</a:t>
+            </a:r>
+            <a:r>
+              <a:rPr lang="en-US" dirty="0"/>
+              <a:t>:  Technical Architecture Group</a:t>
+            </a:r>
+          </a:p>
+          <a:p>
+            <a:pPr marL="0" indent="0">
+              <a:buNone/>
+            </a:pPr>
+            <a:endParaRPr lang="en-US" b="1" dirty="0"/>
+          </a:p>
+          <a:p>
+            <a:pPr marL="0" indent="0">
+              <a:buNone/>
+            </a:pPr>
+            <a:r>
+              <a:rPr lang="en-US" b="1" dirty="0"/>
+              <a:t>Driver</a:t>
+            </a:r>
+            <a:r>
+              <a:rPr lang="en-US" dirty="0"/>
+              <a:t>:  Eric Burcham</a:t>
+            </a:r>
+          </a:p>
+          <a:p>
+            <a:pPr marL="0" indent="0">
+              <a:buNone/>
+            </a:pPr>
             <a:endParaRPr lang="en-US" dirty="0"/>
+          </a:p>
+          <a:p>
+            <a:pPr marL="0" indent="0">
+              <a:buNone/>
+            </a:pPr>
+            <a:r>
+              <a:rPr lang="en-US" b="1" dirty="0"/>
+              <a:t>Core Team</a:t>
+            </a:r>
+            <a:r>
+              <a:rPr lang="en-US" dirty="0"/>
+              <a:t>:  Eric Burcham, Dylan Clark, Mike Bollman, Lowell Roberts, Mayme Kittman</a:t>
+            </a:r>
+          </a:p>
+          <a:p>
+            <a:pPr marL="0" indent="0">
+              <a:buNone/>
+            </a:pPr>
+            <a:endParaRPr lang="en-US" b="1" dirty="0"/>
+          </a:p>
+          <a:p>
+            <a:pPr marL="0" indent="0">
+              <a:buNone/>
+            </a:pPr>
+            <a:r>
+              <a:rPr lang="en-US" b="1" dirty="0"/>
+              <a:t>Project Manager</a:t>
+            </a:r>
+            <a:r>
+              <a:rPr lang="en-US" dirty="0"/>
+              <a:t>:  TBD.  Not needed for Phase One.</a:t>
+            </a:r>
+            <a:br>
+              <a:rPr lang="en-US" dirty="0"/>
+            </a:br>
+            <a:endParaRPr lang="en-US" b="1" dirty="0"/>
+          </a:p>
+          <a:p>
+            <a:pPr marL="0" indent="0">
+              <a:buNone/>
+            </a:pPr>
+            <a:r>
+              <a:rPr lang="en-US" b="1" dirty="0"/>
+              <a:t>Stakeholders</a:t>
+            </a:r>
+            <a:r>
+              <a:rPr lang="en-US" dirty="0"/>
+              <a:t>:  Big Data, Desktop Support, Development Managers, eBusiness, Engineering, Network Team, NOC, Oracle Team, SCADA, Security and Compliance Server Team</a:t>
+            </a:r>
+          </a:p>
+          <a:p>
+            <a:pPr marL="0" indent="0">
+              <a:buNone/>
+            </a:pPr>
+            <a:endParaRPr lang="en-US" b="1" dirty="0"/>
+          </a:p>
+          <a:p>
+            <a:pPr marL="0" indent="0">
+              <a:buNone/>
+            </a:pPr>
+            <a:r>
+              <a:rPr lang="en-US" b="1" dirty="0"/>
+              <a:t>Vendors</a:t>
+            </a:r>
+            <a:r>
+              <a:rPr lang="en-US" dirty="0"/>
+              <a:t>:  Docker Enterprise, Red Hat OpenShift, Rancher</a:t>
+            </a:r>
           </a:p>
         </p:txBody>
       </p:sp>
     </p:spTree>
     <p:extLst>
       <p:ext uri="{BB962C8B-B14F-4D97-AF65-F5344CB8AC3E}">
-        <p14:creationId xmlns:p14="http://schemas.microsoft.com/office/powerpoint/2010/main" val="3694622776"/>
+        <p14:creationId xmlns:p14="http://schemas.microsoft.com/office/powerpoint/2010/main" val="2747266861"/>
       </p:ext>
     </p:extLst>
   </p:cSld>
@@ -14426,13 +14219,8 @@
           <a:p>
             <a:r>
               <a:rPr lang="en-US" dirty="0"/>
-              <a:t>Phase </a:t>
-            </a:r>
-            <a:r>
-              <a:rPr lang="en-US" dirty="0" smtClean="0"/>
-              <a:t>One (Medium)</a:t>
-            </a:r>
-            <a:endParaRPr lang="en-US" dirty="0"/>
+              <a:t>Phase One (2 Months)</a:t>
+            </a:r>
           </a:p>
         </p:txBody>
       </p:sp>
@@ -14453,15 +14241,7 @@
           <a:p>
             <a:r>
               <a:rPr lang="en-US" dirty="0"/>
-              <a:t>Proofs of </a:t>
-            </a:r>
-            <a:r>
-              <a:rPr lang="en-US" dirty="0" smtClean="0"/>
-              <a:t>Concept, Cost Analysis, </a:t>
-            </a:r>
-            <a:r>
-              <a:rPr lang="en-US" dirty="0"/>
-              <a:t>and Vendor Selection</a:t>
+              <a:t>Proofs of Concept, Cost Analysis, and Vendor Selection</a:t>
             </a:r>
           </a:p>
         </p:txBody>
@@ -14512,10 +14292,9 @@
           <a:lstStyle/>
           <a:p>
             <a:r>
-              <a:rPr lang="en-US" dirty="0" smtClean="0"/>
+              <a:rPr lang="en-US" dirty="0"/>
               <a:t>Requests for Proposals with Demo POC</a:t>
             </a:r>
-            <a:endParaRPr lang="en-US" dirty="0"/>
           </a:p>
         </p:txBody>
       </p:sp>
@@ -14535,26 +14314,26 @@
           <a:lstStyle/>
           <a:p>
             <a:r>
-              <a:rPr lang="en-US" dirty="0" smtClean="0"/>
+              <a:rPr lang="en-US" dirty="0"/>
               <a:t>We’ll present identical requirements to each vendor</a:t>
             </a:r>
           </a:p>
           <a:p>
             <a:r>
-              <a:rPr lang="en-US" dirty="0" smtClean="0"/>
+              <a:rPr lang="en-US" dirty="0"/>
+              <a:t>We want them to do the demo on our infrastructure</a:t>
+            </a:r>
+          </a:p>
+          <a:p>
+            <a:r>
+              <a:rPr lang="en-US" dirty="0"/>
+              <a:t>We want to keep the environments around for awhile</a:t>
+            </a:r>
+          </a:p>
+          <a:p>
+            <a:r>
+              <a:rPr lang="en-US" dirty="0"/>
               <a:t>We’ll try to get this done for free</a:t>
-            </a:r>
-          </a:p>
-          <a:p>
-            <a:r>
-              <a:rPr lang="en-US" dirty="0" smtClean="0"/>
-              <a:t>We want them to do the demo on our infrastructure</a:t>
-            </a:r>
-          </a:p>
-          <a:p>
-            <a:r>
-              <a:rPr lang="en-US" dirty="0" smtClean="0"/>
-              <a:t>We want to keep the environments around for awhile</a:t>
             </a:r>
           </a:p>
         </p:txBody>
@@ -14605,10 +14384,9 @@
           <a:lstStyle/>
           <a:p>
             <a:r>
-              <a:rPr lang="en-US" dirty="0" smtClean="0"/>
+              <a:rPr lang="en-US" dirty="0"/>
               <a:t>Functional Concerns</a:t>
             </a:r>
-            <a:endParaRPr lang="en-US" dirty="0"/>
           </a:p>
         </p:txBody>
       </p:sp>
@@ -14636,41 +14414,41 @@
           </a:p>
           <a:p>
             <a:r>
-              <a:rPr lang="en-US" dirty="0" smtClean="0"/>
+              <a:rPr lang="en-US" dirty="0"/>
               <a:t>Clustering</a:t>
             </a:r>
-            <a:endParaRPr lang="en-US" dirty="0"/>
-          </a:p>
-          <a:p>
-            <a:r>
-              <a:rPr lang="en-US" dirty="0" smtClean="0"/>
+          </a:p>
+          <a:p>
+            <a:r>
+              <a:rPr lang="en-US" dirty="0"/>
               <a:t>Copy Control</a:t>
             </a:r>
           </a:p>
           <a:p>
             <a:r>
-              <a:rPr lang="en-US" dirty="0" smtClean="0"/>
+              <a:rPr lang="en-US" dirty="0"/>
               <a:t>Deployment</a:t>
             </a:r>
           </a:p>
           <a:p>
             <a:r>
-              <a:rPr lang="en-US" dirty="0" smtClean="0"/>
+              <a:rPr lang="en-US" dirty="0"/>
               <a:t>Health Monitoring</a:t>
             </a:r>
           </a:p>
           <a:p>
             <a:r>
-              <a:rPr lang="en-US" dirty="0" smtClean="0"/>
+              <a:rPr lang="en-US" dirty="0"/>
               <a:t>High Availability</a:t>
             </a:r>
-            <a:endParaRPr lang="en-US" dirty="0"/>
-          </a:p>
-          <a:p>
-            <a:r>
-              <a:rPr lang="en-US" dirty="0" smtClean="0"/>
-              <a:t>Log </a:t>
-            </a:r>
+          </a:p>
+          <a:p>
+            <a:r>
+              <a:rPr lang="en-US" dirty="0"/>
+              <a:t>Log Management</a:t>
+            </a:r>
+          </a:p>
+          <a:p>
             <a:r>
               <a:rPr lang="en-US" dirty="0"/>
               <a:t>Management</a:t>
@@ -14678,34 +14456,27 @@
           </a:p>
           <a:p>
             <a:r>
-              <a:rPr lang="en-US" dirty="0" smtClean="0"/>
-              <a:t>Management</a:t>
-            </a:r>
-          </a:p>
-          <a:p>
-            <a:r>
-              <a:rPr lang="en-US" dirty="0" smtClean="0"/>
+              <a:rPr lang="en-US" dirty="0"/>
               <a:t>Network Isolation for Testing</a:t>
             </a:r>
           </a:p>
           <a:p>
             <a:r>
-              <a:rPr lang="en-US" dirty="0" smtClean="0"/>
+              <a:rPr lang="en-US" dirty="0"/>
               <a:t>Orchestration</a:t>
             </a:r>
           </a:p>
           <a:p>
             <a:r>
-              <a:rPr lang="en-US" dirty="0" smtClean="0"/>
+              <a:rPr lang="en-US" dirty="0"/>
               <a:t>Resource Allocation</a:t>
             </a:r>
           </a:p>
           <a:p>
             <a:r>
-              <a:rPr lang="en-US" dirty="0" smtClean="0"/>
+              <a:rPr lang="en-US" dirty="0"/>
               <a:t>Security</a:t>
             </a:r>
-            <a:endParaRPr lang="en-US" dirty="0"/>
           </a:p>
         </p:txBody>
       </p:sp>
@@ -14755,10 +14526,9 @@
           <a:lstStyle/>
           <a:p>
             <a:r>
-              <a:rPr lang="en-US" dirty="0" smtClean="0"/>
+              <a:rPr lang="en-US" dirty="0"/>
               <a:t>Other Concerns</a:t>
             </a:r>
-            <a:endParaRPr lang="en-US" dirty="0"/>
           </a:p>
         </p:txBody>
       </p:sp>
@@ -14778,56 +14548,56 @@
           <a:lstStyle/>
           <a:p>
             <a:r>
-              <a:rPr lang="en-US" dirty="0" smtClean="0"/>
+              <a:rPr lang="en-US" dirty="0"/>
               <a:t>Authentication / Authorization</a:t>
             </a:r>
           </a:p>
           <a:p>
             <a:r>
-              <a:rPr lang="en-US" dirty="0" smtClean="0"/>
+              <a:rPr lang="en-US" dirty="0"/>
               <a:t>Budgeting</a:t>
             </a:r>
-            <a:endParaRPr lang="en-US" dirty="0"/>
-          </a:p>
-          <a:p>
-            <a:r>
-              <a:rPr lang="en-US" dirty="0" smtClean="0"/>
+          </a:p>
+          <a:p>
+            <a:r>
+              <a:rPr lang="en-US" dirty="0"/>
               <a:t>Change Management</a:t>
             </a:r>
           </a:p>
           <a:p>
             <a:r>
-              <a:rPr lang="en-US" dirty="0" smtClean="0"/>
+              <a:rPr lang="en-US" dirty="0"/>
               <a:t>Desktop Host Management</a:t>
             </a:r>
-            <a:endParaRPr lang="en-US" dirty="0"/>
-          </a:p>
-          <a:p>
-            <a:r>
-              <a:rPr lang="en-US" dirty="0" smtClean="0"/>
+          </a:p>
+          <a:p>
+            <a:r>
+              <a:rPr lang="en-US" dirty="0"/>
               <a:t>Image Approval and Management</a:t>
             </a:r>
           </a:p>
           <a:p>
             <a:r>
-              <a:rPr lang="en-US" dirty="0" smtClean="0"/>
+              <a:rPr lang="en-US" dirty="0"/>
               <a:t>Licensing and Compliance</a:t>
             </a:r>
           </a:p>
           <a:p>
             <a:r>
-              <a:rPr lang="en-US" dirty="0" smtClean="0"/>
-              <a:t>Resource </a:t>
-            </a:r>
-            <a:r>
               <a:rPr lang="en-US" dirty="0"/>
-              <a:t>Planning</a:t>
-            </a:r>
-          </a:p>
-          <a:p>
-            <a:r>
-              <a:rPr lang="en-US" dirty="0" smtClean="0"/>
+              <a:t>Resource Planning</a:t>
+            </a:r>
+          </a:p>
+          <a:p>
+            <a:r>
+              <a:rPr lang="en-US" dirty="0"/>
               <a:t>Security Audits</a:t>
+            </a:r>
+          </a:p>
+          <a:p>
+            <a:r>
+              <a:rPr lang="en-US" dirty="0"/>
+              <a:t>Technical Support Quality and Availability</a:t>
             </a:r>
           </a:p>
         </p:txBody>

--- a/presentation.pptx
+++ b/presentation.pptx
@@ -5,7 +5,7 @@
     <p:sldMasterId id="2147483660" r:id="rId1"/>
   </p:sldMasterIdLst>
   <p:notesMasterIdLst>
-    <p:notesMasterId r:id="rId21"/>
+    <p:notesMasterId r:id="rId22"/>
   </p:notesMasterIdLst>
   <p:sldIdLst>
     <p:sldId id="256" r:id="rId2"/>
@@ -15,18 +15,19 @@
     <p:sldId id="297" r:id="rId6"/>
     <p:sldId id="268" r:id="rId7"/>
     <p:sldId id="287" r:id="rId8"/>
-    <p:sldId id="298" r:id="rId9"/>
-    <p:sldId id="293" r:id="rId10"/>
-    <p:sldId id="288" r:id="rId11"/>
-    <p:sldId id="289" r:id="rId12"/>
-    <p:sldId id="290" r:id="rId13"/>
-    <p:sldId id="291" r:id="rId14"/>
-    <p:sldId id="270" r:id="rId15"/>
-    <p:sldId id="292" r:id="rId16"/>
-    <p:sldId id="285" r:id="rId17"/>
-    <p:sldId id="294" r:id="rId18"/>
-    <p:sldId id="295" r:id="rId19"/>
-    <p:sldId id="296" r:id="rId20"/>
+    <p:sldId id="300" r:id="rId9"/>
+    <p:sldId id="298" r:id="rId10"/>
+    <p:sldId id="293" r:id="rId11"/>
+    <p:sldId id="304" r:id="rId12"/>
+    <p:sldId id="288" r:id="rId13"/>
+    <p:sldId id="301" r:id="rId14"/>
+    <p:sldId id="302" r:id="rId15"/>
+    <p:sldId id="303" r:id="rId16"/>
+    <p:sldId id="270" r:id="rId17"/>
+    <p:sldId id="292" r:id="rId18"/>
+    <p:sldId id="285" r:id="rId19"/>
+    <p:sldId id="294" r:id="rId20"/>
+    <p:sldId id="296" r:id="rId21"/>
   </p:sldIdLst>
   <p:sldSz cx="12192000" cy="6858000"/>
   <p:notesSz cx="7010400" cy="9296400"/>
@@ -141,12 +142,14 @@
           <p14:sldIdLst>
             <p14:sldId id="268"/>
             <p14:sldId id="287"/>
+            <p14:sldId id="300"/>
             <p14:sldId id="298"/>
             <p14:sldId id="293"/>
+            <p14:sldId id="304"/>
             <p14:sldId id="288"/>
-            <p14:sldId id="289"/>
-            <p14:sldId id="290"/>
-            <p14:sldId id="291"/>
+            <p14:sldId id="301"/>
+            <p14:sldId id="302"/>
+            <p14:sldId id="303"/>
           </p14:sldIdLst>
         </p14:section>
         <p14:section name="Phase Two" id="{0D8F3455-BA77-4F26-9B5E-DFEE74F49937}">
@@ -163,7 +166,6 @@
         </p14:section>
         <p14:section name="Next Steps" id="{FE611F16-C7B8-4C53-B1F6-FEDA790D3372}">
           <p14:sldIdLst>
-            <p14:sldId id="295"/>
             <p14:sldId id="296"/>
           </p14:sldIdLst>
         </p14:section>
@@ -177,1031 +179,6 @@
     </p:ext>
   </p:extLst>
 </p:presentation>
-</file>
-
-<file path=ppt/charts/chart1.xml><?xml version="1.0" encoding="utf-8"?>
-<c:chartSpace xmlns:c="http://schemas.openxmlformats.org/drawingml/2006/chart" xmlns:a="http://schemas.openxmlformats.org/drawingml/2006/main" xmlns:r="http://schemas.openxmlformats.org/officeDocument/2006/relationships" xmlns:c16r2="http://schemas.microsoft.com/office/drawing/2015/06/chart">
-  <c:date1904 val="0"/>
-  <c:lang val="en-US"/>
-  <c:roundedCorners val="0"/>
-  <mc:AlternateContent xmlns:mc="http://schemas.openxmlformats.org/markup-compatibility/2006">
-    <mc:Choice xmlns:c14="http://schemas.microsoft.com/office/drawing/2007/8/2/chart" Requires="c14">
-      <c14:style val="102"/>
-    </mc:Choice>
-    <mc:Fallback>
-      <c:style val="2"/>
-    </mc:Fallback>
-  </mc:AlternateContent>
-  <c:chart>
-    <c:title>
-      <c:tx>
-        <c:rich>
-          <a:bodyPr rot="0" spcFirstLastPara="1" vertOverflow="ellipsis" vert="horz" wrap="square" anchor="ctr" anchorCtr="1"/>
-          <a:lstStyle/>
-          <a:p>
-            <a:pPr>
-              <a:defRPr sz="1862" b="0" i="0" u="none" strike="noStrike" kern="1200" spc="0" baseline="0">
-                <a:solidFill>
-                  <a:schemeClr val="tx1">
-                    <a:lumMod val="65000"/>
-                    <a:lumOff val="35000"/>
-                  </a:schemeClr>
-                </a:solidFill>
-                <a:latin typeface="+mn-lt"/>
-                <a:ea typeface="+mn-ea"/>
-                <a:cs typeface="+mn-cs"/>
-              </a:defRPr>
-            </a:pPr>
-            <a:r>
-              <a:rPr lang="en-US" dirty="0"/>
-              <a:t>Monitor</a:t>
-            </a:r>
-          </a:p>
-        </c:rich>
-      </c:tx>
-      <c:overlay val="0"/>
-      <c:spPr>
-        <a:noFill/>
-        <a:ln>
-          <a:noFill/>
-        </a:ln>
-        <a:effectLst/>
-      </c:spPr>
-      <c:txPr>
-        <a:bodyPr rot="0" spcFirstLastPara="1" vertOverflow="ellipsis" vert="horz" wrap="square" anchor="ctr" anchorCtr="1"/>
-        <a:lstStyle/>
-        <a:p>
-          <a:pPr>
-            <a:defRPr sz="1862" b="0" i="0" u="none" strike="noStrike" kern="1200" spc="0" baseline="0">
-              <a:solidFill>
-                <a:schemeClr val="tx1">
-                  <a:lumMod val="65000"/>
-                  <a:lumOff val="35000"/>
-                </a:schemeClr>
-              </a:solidFill>
-              <a:latin typeface="+mn-lt"/>
-              <a:ea typeface="+mn-ea"/>
-              <a:cs typeface="+mn-cs"/>
-            </a:defRPr>
-          </a:pPr>
-          <a:endParaRPr lang="en-US"/>
-        </a:p>
-      </c:txPr>
-    </c:title>
-    <c:autoTitleDeleted val="0"/>
-    <c:plotArea>
-      <c:layout/>
-      <c:barChart>
-        <c:barDir val="col"/>
-        <c:grouping val="clustered"/>
-        <c:varyColors val="0"/>
-        <c:ser>
-          <c:idx val="0"/>
-          <c:order val="0"/>
-          <c:tx>
-            <c:strRef>
-              <c:f>Sheet1!$B$1</c:f>
-              <c:strCache>
-                <c:ptCount val="1"/>
-                <c:pt idx="0">
-                  <c:v>CPU</c:v>
-                </c:pt>
-              </c:strCache>
-            </c:strRef>
-          </c:tx>
-          <c:spPr>
-            <a:solidFill>
-              <a:schemeClr val="accent1"/>
-            </a:solidFill>
-            <a:ln>
-              <a:noFill/>
-            </a:ln>
-            <a:effectLst/>
-          </c:spPr>
-          <c:invertIfNegative val="0"/>
-          <c:cat>
-            <c:strRef>
-              <c:f>Sheet1!$A$2:$A$5</c:f>
-              <c:strCache>
-                <c:ptCount val="4"/>
-                <c:pt idx="0">
-                  <c:v>Category 1</c:v>
-                </c:pt>
-                <c:pt idx="1">
-                  <c:v>Category 2</c:v>
-                </c:pt>
-                <c:pt idx="2">
-                  <c:v>Category 3</c:v>
-                </c:pt>
-                <c:pt idx="3">
-                  <c:v>Category 4</c:v>
-                </c:pt>
-              </c:strCache>
-            </c:strRef>
-          </c:cat>
-          <c:val>
-            <c:numRef>
-              <c:f>Sheet1!$B$2:$B$5</c:f>
-              <c:numCache>
-                <c:formatCode>General</c:formatCode>
-                <c:ptCount val="4"/>
-                <c:pt idx="0">
-                  <c:v>4.3</c:v>
-                </c:pt>
-                <c:pt idx="1">
-                  <c:v>2.5</c:v>
-                </c:pt>
-                <c:pt idx="2">
-                  <c:v>3.5</c:v>
-                </c:pt>
-                <c:pt idx="3">
-                  <c:v>4.5</c:v>
-                </c:pt>
-              </c:numCache>
-            </c:numRef>
-          </c:val>
-          <c:extLst>
-            <c:ext xmlns:c16="http://schemas.microsoft.com/office/drawing/2014/chart" uri="{C3380CC4-5D6E-409C-BE32-E72D297353CC}">
-              <c16:uniqueId val="{00000000-42B0-4710-84FE-B2C114097CC4}"/>
-            </c:ext>
-          </c:extLst>
-        </c:ser>
-        <c:ser>
-          <c:idx val="1"/>
-          <c:order val="1"/>
-          <c:tx>
-            <c:strRef>
-              <c:f>Sheet1!$C$1</c:f>
-              <c:strCache>
-                <c:ptCount val="1"/>
-                <c:pt idx="0">
-                  <c:v>Memory</c:v>
-                </c:pt>
-              </c:strCache>
-            </c:strRef>
-          </c:tx>
-          <c:spPr>
-            <a:solidFill>
-              <a:schemeClr val="accent2"/>
-            </a:solidFill>
-            <a:ln>
-              <a:noFill/>
-            </a:ln>
-            <a:effectLst/>
-          </c:spPr>
-          <c:invertIfNegative val="0"/>
-          <c:cat>
-            <c:strRef>
-              <c:f>Sheet1!$A$2:$A$5</c:f>
-              <c:strCache>
-                <c:ptCount val="4"/>
-                <c:pt idx="0">
-                  <c:v>Category 1</c:v>
-                </c:pt>
-                <c:pt idx="1">
-                  <c:v>Category 2</c:v>
-                </c:pt>
-                <c:pt idx="2">
-                  <c:v>Category 3</c:v>
-                </c:pt>
-                <c:pt idx="3">
-                  <c:v>Category 4</c:v>
-                </c:pt>
-              </c:strCache>
-            </c:strRef>
-          </c:cat>
-          <c:val>
-            <c:numRef>
-              <c:f>Sheet1!$C$2:$C$5</c:f>
-              <c:numCache>
-                <c:formatCode>General</c:formatCode>
-                <c:ptCount val="4"/>
-                <c:pt idx="0">
-                  <c:v>2.4</c:v>
-                </c:pt>
-                <c:pt idx="1">
-                  <c:v>4.4000000000000004</c:v>
-                </c:pt>
-                <c:pt idx="2">
-                  <c:v>1.8</c:v>
-                </c:pt>
-                <c:pt idx="3">
-                  <c:v>2.8</c:v>
-                </c:pt>
-              </c:numCache>
-            </c:numRef>
-          </c:val>
-          <c:extLst>
-            <c:ext xmlns:c16="http://schemas.microsoft.com/office/drawing/2014/chart" uri="{C3380CC4-5D6E-409C-BE32-E72D297353CC}">
-              <c16:uniqueId val="{00000001-42B0-4710-84FE-B2C114097CC4}"/>
-            </c:ext>
-          </c:extLst>
-        </c:ser>
-        <c:ser>
-          <c:idx val="2"/>
-          <c:order val="2"/>
-          <c:tx>
-            <c:strRef>
-              <c:f>Sheet1!$D$1</c:f>
-              <c:strCache>
-                <c:ptCount val="1"/>
-                <c:pt idx="0">
-                  <c:v>Disk</c:v>
-                </c:pt>
-              </c:strCache>
-            </c:strRef>
-          </c:tx>
-          <c:spPr>
-            <a:solidFill>
-              <a:schemeClr val="accent3"/>
-            </a:solidFill>
-            <a:ln>
-              <a:noFill/>
-            </a:ln>
-            <a:effectLst/>
-          </c:spPr>
-          <c:invertIfNegative val="0"/>
-          <c:cat>
-            <c:strRef>
-              <c:f>Sheet1!$A$2:$A$5</c:f>
-              <c:strCache>
-                <c:ptCount val="4"/>
-                <c:pt idx="0">
-                  <c:v>Category 1</c:v>
-                </c:pt>
-                <c:pt idx="1">
-                  <c:v>Category 2</c:v>
-                </c:pt>
-                <c:pt idx="2">
-                  <c:v>Category 3</c:v>
-                </c:pt>
-                <c:pt idx="3">
-                  <c:v>Category 4</c:v>
-                </c:pt>
-              </c:strCache>
-            </c:strRef>
-          </c:cat>
-          <c:val>
-            <c:numRef>
-              <c:f>Sheet1!$D$2:$D$5</c:f>
-              <c:numCache>
-                <c:formatCode>General</c:formatCode>
-                <c:ptCount val="4"/>
-                <c:pt idx="0">
-                  <c:v>2</c:v>
-                </c:pt>
-                <c:pt idx="1">
-                  <c:v>2</c:v>
-                </c:pt>
-                <c:pt idx="2">
-                  <c:v>3</c:v>
-                </c:pt>
-                <c:pt idx="3">
-                  <c:v>5</c:v>
-                </c:pt>
-              </c:numCache>
-            </c:numRef>
-          </c:val>
-          <c:extLst>
-            <c:ext xmlns:c16="http://schemas.microsoft.com/office/drawing/2014/chart" uri="{C3380CC4-5D6E-409C-BE32-E72D297353CC}">
-              <c16:uniqueId val="{00000002-42B0-4710-84FE-B2C114097CC4}"/>
-            </c:ext>
-          </c:extLst>
-        </c:ser>
-        <c:dLbls>
-          <c:showLegendKey val="0"/>
-          <c:showVal val="0"/>
-          <c:showCatName val="0"/>
-          <c:showSerName val="0"/>
-          <c:showPercent val="0"/>
-          <c:showBubbleSize val="0"/>
-        </c:dLbls>
-        <c:gapWidth val="219"/>
-        <c:overlap val="-27"/>
-        <c:axId val="1176702800"/>
-        <c:axId val="1176699192"/>
-      </c:barChart>
-      <c:catAx>
-        <c:axId val="1176702800"/>
-        <c:scaling>
-          <c:orientation val="minMax"/>
-        </c:scaling>
-        <c:delete val="0"/>
-        <c:axPos val="b"/>
-        <c:numFmt formatCode="General" sourceLinked="1"/>
-        <c:majorTickMark val="none"/>
-        <c:minorTickMark val="none"/>
-        <c:tickLblPos val="nextTo"/>
-        <c:spPr>
-          <a:noFill/>
-          <a:ln w="9525" cap="flat" cmpd="sng" algn="ctr">
-            <a:solidFill>
-              <a:schemeClr val="tx1">
-                <a:lumMod val="15000"/>
-                <a:lumOff val="85000"/>
-              </a:schemeClr>
-            </a:solidFill>
-            <a:round/>
-          </a:ln>
-          <a:effectLst/>
-        </c:spPr>
-        <c:txPr>
-          <a:bodyPr rot="-60000000" spcFirstLastPara="1" vertOverflow="ellipsis" vert="horz" wrap="square" anchor="ctr" anchorCtr="1"/>
-          <a:lstStyle/>
-          <a:p>
-            <a:pPr>
-              <a:defRPr sz="1197" b="0" i="0" u="none" strike="noStrike" kern="1200" baseline="0">
-                <a:solidFill>
-                  <a:schemeClr val="tx1">
-                    <a:lumMod val="65000"/>
-                    <a:lumOff val="35000"/>
-                  </a:schemeClr>
-                </a:solidFill>
-                <a:latin typeface="+mn-lt"/>
-                <a:ea typeface="+mn-ea"/>
-                <a:cs typeface="+mn-cs"/>
-              </a:defRPr>
-            </a:pPr>
-            <a:endParaRPr lang="en-US"/>
-          </a:p>
-        </c:txPr>
-        <c:crossAx val="1176699192"/>
-        <c:crosses val="autoZero"/>
-        <c:auto val="1"/>
-        <c:lblAlgn val="ctr"/>
-        <c:lblOffset val="100"/>
-        <c:noMultiLvlLbl val="0"/>
-      </c:catAx>
-      <c:valAx>
-        <c:axId val="1176699192"/>
-        <c:scaling>
-          <c:orientation val="minMax"/>
-        </c:scaling>
-        <c:delete val="0"/>
-        <c:axPos val="l"/>
-        <c:majorGridlines>
-          <c:spPr>
-            <a:ln w="9525" cap="flat" cmpd="sng" algn="ctr">
-              <a:solidFill>
-                <a:schemeClr val="tx1">
-                  <a:lumMod val="15000"/>
-                  <a:lumOff val="85000"/>
-                </a:schemeClr>
-              </a:solidFill>
-              <a:round/>
-            </a:ln>
-            <a:effectLst/>
-          </c:spPr>
-        </c:majorGridlines>
-        <c:numFmt formatCode="General" sourceLinked="1"/>
-        <c:majorTickMark val="none"/>
-        <c:minorTickMark val="none"/>
-        <c:tickLblPos val="nextTo"/>
-        <c:spPr>
-          <a:noFill/>
-          <a:ln>
-            <a:noFill/>
-          </a:ln>
-          <a:effectLst/>
-        </c:spPr>
-        <c:txPr>
-          <a:bodyPr rot="-60000000" spcFirstLastPara="1" vertOverflow="ellipsis" vert="horz" wrap="square" anchor="ctr" anchorCtr="1"/>
-          <a:lstStyle/>
-          <a:p>
-            <a:pPr>
-              <a:defRPr sz="1197" b="0" i="0" u="none" strike="noStrike" kern="1200" baseline="0">
-                <a:solidFill>
-                  <a:schemeClr val="tx1">
-                    <a:lumMod val="65000"/>
-                    <a:lumOff val="35000"/>
-                  </a:schemeClr>
-                </a:solidFill>
-                <a:latin typeface="+mn-lt"/>
-                <a:ea typeface="+mn-ea"/>
-                <a:cs typeface="+mn-cs"/>
-              </a:defRPr>
-            </a:pPr>
-            <a:endParaRPr lang="en-US"/>
-          </a:p>
-        </c:txPr>
-        <c:crossAx val="1176702800"/>
-        <c:crosses val="autoZero"/>
-        <c:crossBetween val="between"/>
-      </c:valAx>
-      <c:spPr>
-        <a:noFill/>
-        <a:ln>
-          <a:noFill/>
-        </a:ln>
-        <a:effectLst/>
-      </c:spPr>
-    </c:plotArea>
-    <c:legend>
-      <c:legendPos val="b"/>
-      <c:overlay val="0"/>
-      <c:spPr>
-        <a:noFill/>
-        <a:ln>
-          <a:noFill/>
-        </a:ln>
-        <a:effectLst/>
-      </c:spPr>
-      <c:txPr>
-        <a:bodyPr rot="0" spcFirstLastPara="1" vertOverflow="ellipsis" vert="horz" wrap="square" anchor="ctr" anchorCtr="1"/>
-        <a:lstStyle/>
-        <a:p>
-          <a:pPr>
-            <a:defRPr sz="1197" b="0" i="0" u="none" strike="noStrike" kern="1200" baseline="0">
-              <a:solidFill>
-                <a:schemeClr val="tx1">
-                  <a:lumMod val="65000"/>
-                  <a:lumOff val="35000"/>
-                </a:schemeClr>
-              </a:solidFill>
-              <a:latin typeface="+mn-lt"/>
-              <a:ea typeface="+mn-ea"/>
-              <a:cs typeface="+mn-cs"/>
-            </a:defRPr>
-          </a:pPr>
-          <a:endParaRPr lang="en-US"/>
-        </a:p>
-      </c:txPr>
-    </c:legend>
-    <c:plotVisOnly val="1"/>
-    <c:dispBlanksAs val="gap"/>
-    <c:extLst>
-      <c:ext xmlns:c16r3="http://schemas.microsoft.com/office/drawing/2017/03/chart" uri="{56B9EC1D-385E-4148-901F-78D8002777C0}">
-        <c16r3:dataDisplayOptions16>
-          <c16r3:dispNaAsBlank val="1"/>
-        </c16r3:dataDisplayOptions16>
-      </c:ext>
-    </c:extLst>
-    <c:showDLblsOverMax val="0"/>
-  </c:chart>
-  <c:spPr>
-    <a:noFill/>
-    <a:ln>
-      <a:noFill/>
-    </a:ln>
-    <a:effectLst/>
-  </c:spPr>
-  <c:txPr>
-    <a:bodyPr/>
-    <a:lstStyle/>
-    <a:p>
-      <a:pPr>
-        <a:defRPr/>
-      </a:pPr>
-      <a:endParaRPr lang="en-US"/>
-    </a:p>
-  </c:txPr>
-  <c:externalData r:id="rId3">
-    <c:autoUpdate val="0"/>
-  </c:externalData>
-</c:chartSpace>
-</file>
-
-<file path=ppt/charts/colors1.xml><?xml version="1.0" encoding="utf-8"?>
-<cs:colorStyle xmlns:cs="http://schemas.microsoft.com/office/drawing/2012/chartStyle" xmlns:a="http://schemas.openxmlformats.org/drawingml/2006/main" meth="cycle" id="10">
-  <a:schemeClr val="accent1"/>
-  <a:schemeClr val="accent2"/>
-  <a:schemeClr val="accent3"/>
-  <a:schemeClr val="accent4"/>
-  <a:schemeClr val="accent5"/>
-  <a:schemeClr val="accent6"/>
-  <cs:variation/>
-  <cs:variation>
-    <a:lumMod val="60000"/>
-  </cs:variation>
-  <cs:variation>
-    <a:lumMod val="80000"/>
-    <a:lumOff val="20000"/>
-  </cs:variation>
-  <cs:variation>
-    <a:lumMod val="80000"/>
-  </cs:variation>
-  <cs:variation>
-    <a:lumMod val="60000"/>
-    <a:lumOff val="40000"/>
-  </cs:variation>
-  <cs:variation>
-    <a:lumMod val="50000"/>
-  </cs:variation>
-  <cs:variation>
-    <a:lumMod val="70000"/>
-    <a:lumOff val="30000"/>
-  </cs:variation>
-  <cs:variation>
-    <a:lumMod val="70000"/>
-  </cs:variation>
-  <cs:variation>
-    <a:lumMod val="50000"/>
-    <a:lumOff val="50000"/>
-  </cs:variation>
-</cs:colorStyle>
-</file>
-
-<file path=ppt/charts/style1.xml><?xml version="1.0" encoding="utf-8"?>
-<cs:chartStyle xmlns:cs="http://schemas.microsoft.com/office/drawing/2012/chartStyle" xmlns:a="http://schemas.openxmlformats.org/drawingml/2006/main" id="201">
-  <cs:axisTitle>
-    <cs:lnRef idx="0"/>
-    <cs:fillRef idx="0"/>
-    <cs:effectRef idx="0"/>
-    <cs:fontRef idx="minor">
-      <a:schemeClr val="tx1">
-        <a:lumMod val="65000"/>
-        <a:lumOff val="35000"/>
-      </a:schemeClr>
-    </cs:fontRef>
-    <cs:defRPr sz="1330" kern="1200"/>
-  </cs:axisTitle>
-  <cs:categoryAxis>
-    <cs:lnRef idx="0"/>
-    <cs:fillRef idx="0"/>
-    <cs:effectRef idx="0"/>
-    <cs:fontRef idx="minor">
-      <a:schemeClr val="tx1">
-        <a:lumMod val="65000"/>
-        <a:lumOff val="35000"/>
-      </a:schemeClr>
-    </cs:fontRef>
-    <cs:spPr>
-      <a:ln w="9525" cap="flat" cmpd="sng" algn="ctr">
-        <a:solidFill>
-          <a:schemeClr val="tx1">
-            <a:lumMod val="15000"/>
-            <a:lumOff val="85000"/>
-          </a:schemeClr>
-        </a:solidFill>
-        <a:round/>
-      </a:ln>
-    </cs:spPr>
-    <cs:defRPr sz="1197" kern="1200"/>
-  </cs:categoryAxis>
-  <cs:chartArea mods="allowNoFillOverride allowNoLineOverride">
-    <cs:lnRef idx="0"/>
-    <cs:fillRef idx="0"/>
-    <cs:effectRef idx="0"/>
-    <cs:fontRef idx="minor">
-      <a:schemeClr val="tx1"/>
-    </cs:fontRef>
-    <cs:spPr>
-      <a:solidFill>
-        <a:schemeClr val="bg1"/>
-      </a:solidFill>
-      <a:ln w="9525" cap="flat" cmpd="sng" algn="ctr">
-        <a:solidFill>
-          <a:schemeClr val="tx1">
-            <a:lumMod val="15000"/>
-            <a:lumOff val="85000"/>
-          </a:schemeClr>
-        </a:solidFill>
-        <a:round/>
-      </a:ln>
-    </cs:spPr>
-    <cs:defRPr sz="1330" kern="1200"/>
-  </cs:chartArea>
-  <cs:dataLabel>
-    <cs:lnRef idx="0"/>
-    <cs:fillRef idx="0"/>
-    <cs:effectRef idx="0"/>
-    <cs:fontRef idx="minor">
-      <a:schemeClr val="tx1">
-        <a:lumMod val="75000"/>
-        <a:lumOff val="25000"/>
-      </a:schemeClr>
-    </cs:fontRef>
-    <cs:defRPr sz="1197" kern="1200"/>
-  </cs:dataLabel>
-  <cs:dataLabelCallout>
-    <cs:lnRef idx="0"/>
-    <cs:fillRef idx="0"/>
-    <cs:effectRef idx="0"/>
-    <cs:fontRef idx="minor">
-      <a:schemeClr val="dk1">
-        <a:lumMod val="65000"/>
-        <a:lumOff val="35000"/>
-      </a:schemeClr>
-    </cs:fontRef>
-    <cs:spPr>
-      <a:solidFill>
-        <a:schemeClr val="lt1"/>
-      </a:solidFill>
-      <a:ln>
-        <a:solidFill>
-          <a:schemeClr val="dk1">
-            <a:lumMod val="25000"/>
-            <a:lumOff val="75000"/>
-          </a:schemeClr>
-        </a:solidFill>
-      </a:ln>
-    </cs:spPr>
-    <cs:defRPr sz="1197" kern="1200"/>
-    <cs:bodyPr rot="0" spcFirstLastPara="1" vertOverflow="clip" horzOverflow="clip" vert="horz" wrap="square" lIns="36576" tIns="18288" rIns="36576" bIns="18288" anchor="ctr" anchorCtr="1">
-      <a:spAutoFit/>
-    </cs:bodyPr>
-  </cs:dataLabelCallout>
-  <cs:dataPoint>
-    <cs:lnRef idx="0"/>
-    <cs:fillRef idx="1">
-      <cs:styleClr val="auto"/>
-    </cs:fillRef>
-    <cs:effectRef idx="0"/>
-    <cs:fontRef idx="minor">
-      <a:schemeClr val="tx1"/>
-    </cs:fontRef>
-  </cs:dataPoint>
-  <cs:dataPoint3D>
-    <cs:lnRef idx="0"/>
-    <cs:fillRef idx="1">
-      <cs:styleClr val="auto"/>
-    </cs:fillRef>
-    <cs:effectRef idx="0"/>
-    <cs:fontRef idx="minor">
-      <a:schemeClr val="tx1"/>
-    </cs:fontRef>
-  </cs:dataPoint3D>
-  <cs:dataPointLine>
-    <cs:lnRef idx="0">
-      <cs:styleClr val="auto"/>
-    </cs:lnRef>
-    <cs:fillRef idx="1"/>
-    <cs:effectRef idx="0"/>
-    <cs:fontRef idx="minor">
-      <a:schemeClr val="tx1"/>
-    </cs:fontRef>
-    <cs:spPr>
-      <a:ln w="28575" cap="rnd">
-        <a:solidFill>
-          <a:schemeClr val="phClr"/>
-        </a:solidFill>
-        <a:round/>
-      </a:ln>
-    </cs:spPr>
-  </cs:dataPointLine>
-  <cs:dataPointMarker>
-    <cs:lnRef idx="0">
-      <cs:styleClr val="auto"/>
-    </cs:lnRef>
-    <cs:fillRef idx="1">
-      <cs:styleClr val="auto"/>
-    </cs:fillRef>
-    <cs:effectRef idx="0"/>
-    <cs:fontRef idx="minor">
-      <a:schemeClr val="tx1"/>
-    </cs:fontRef>
-    <cs:spPr>
-      <a:ln w="9525">
-        <a:solidFill>
-          <a:schemeClr val="phClr"/>
-        </a:solidFill>
-      </a:ln>
-    </cs:spPr>
-  </cs:dataPointMarker>
-  <cs:dataPointMarkerLayout symbol="circle" size="5"/>
-  <cs:dataPointWireframe>
-    <cs:lnRef idx="0">
-      <cs:styleClr val="auto"/>
-    </cs:lnRef>
-    <cs:fillRef idx="1"/>
-    <cs:effectRef idx="0"/>
-    <cs:fontRef idx="minor">
-      <a:schemeClr val="tx1"/>
-    </cs:fontRef>
-    <cs:spPr>
-      <a:ln w="9525" cap="rnd">
-        <a:solidFill>
-          <a:schemeClr val="phClr"/>
-        </a:solidFill>
-        <a:round/>
-      </a:ln>
-    </cs:spPr>
-  </cs:dataPointWireframe>
-  <cs:dataTable>
-    <cs:lnRef idx="0"/>
-    <cs:fillRef idx="0"/>
-    <cs:effectRef idx="0"/>
-    <cs:fontRef idx="minor">
-      <a:schemeClr val="tx1">
-        <a:lumMod val="65000"/>
-        <a:lumOff val="35000"/>
-      </a:schemeClr>
-    </cs:fontRef>
-    <cs:spPr>
-      <a:noFill/>
-      <a:ln w="9525" cap="flat" cmpd="sng" algn="ctr">
-        <a:solidFill>
-          <a:schemeClr val="tx1">
-            <a:lumMod val="15000"/>
-            <a:lumOff val="85000"/>
-          </a:schemeClr>
-        </a:solidFill>
-        <a:round/>
-      </a:ln>
-    </cs:spPr>
-    <cs:defRPr sz="1197" kern="1200"/>
-  </cs:dataTable>
-  <cs:downBar>
-    <cs:lnRef idx="0"/>
-    <cs:fillRef idx="0"/>
-    <cs:effectRef idx="0"/>
-    <cs:fontRef idx="minor">
-      <a:schemeClr val="dk1"/>
-    </cs:fontRef>
-    <cs:spPr>
-      <a:solidFill>
-        <a:schemeClr val="dk1">
-          <a:lumMod val="65000"/>
-          <a:lumOff val="35000"/>
-        </a:schemeClr>
-      </a:solidFill>
-      <a:ln w="9525">
-        <a:solidFill>
-          <a:schemeClr val="tx1">
-            <a:lumMod val="65000"/>
-            <a:lumOff val="35000"/>
-          </a:schemeClr>
-        </a:solidFill>
-      </a:ln>
-    </cs:spPr>
-  </cs:downBar>
-  <cs:dropLine>
-    <cs:lnRef idx="0"/>
-    <cs:fillRef idx="0"/>
-    <cs:effectRef idx="0"/>
-    <cs:fontRef idx="minor">
-      <a:schemeClr val="tx1"/>
-    </cs:fontRef>
-    <cs:spPr>
-      <a:ln w="9525" cap="flat" cmpd="sng" algn="ctr">
-        <a:solidFill>
-          <a:schemeClr val="tx1">
-            <a:lumMod val="35000"/>
-            <a:lumOff val="65000"/>
-          </a:schemeClr>
-        </a:solidFill>
-        <a:round/>
-      </a:ln>
-    </cs:spPr>
-  </cs:dropLine>
-  <cs:errorBar>
-    <cs:lnRef idx="0"/>
-    <cs:fillRef idx="0"/>
-    <cs:effectRef idx="0"/>
-    <cs:fontRef idx="minor">
-      <a:schemeClr val="tx1"/>
-    </cs:fontRef>
-    <cs:spPr>
-      <a:ln w="9525" cap="flat" cmpd="sng" algn="ctr">
-        <a:solidFill>
-          <a:schemeClr val="tx1">
-            <a:lumMod val="65000"/>
-            <a:lumOff val="35000"/>
-          </a:schemeClr>
-        </a:solidFill>
-        <a:round/>
-      </a:ln>
-    </cs:spPr>
-  </cs:errorBar>
-  <cs:floor>
-    <cs:lnRef idx="0"/>
-    <cs:fillRef idx="0"/>
-    <cs:effectRef idx="0"/>
-    <cs:fontRef idx="minor">
-      <a:schemeClr val="tx1"/>
-    </cs:fontRef>
-    <cs:spPr>
-      <a:noFill/>
-      <a:ln>
-        <a:noFill/>
-      </a:ln>
-    </cs:spPr>
-  </cs:floor>
-  <cs:gridlineMajor>
-    <cs:lnRef idx="0"/>
-    <cs:fillRef idx="0"/>
-    <cs:effectRef idx="0"/>
-    <cs:fontRef idx="minor">
-      <a:schemeClr val="tx1"/>
-    </cs:fontRef>
-    <cs:spPr>
-      <a:ln w="9525" cap="flat" cmpd="sng" algn="ctr">
-        <a:solidFill>
-          <a:schemeClr val="tx1">
-            <a:lumMod val="15000"/>
-            <a:lumOff val="85000"/>
-          </a:schemeClr>
-        </a:solidFill>
-        <a:round/>
-      </a:ln>
-    </cs:spPr>
-  </cs:gridlineMajor>
-  <cs:gridlineMinor>
-    <cs:lnRef idx="0"/>
-    <cs:fillRef idx="0"/>
-    <cs:effectRef idx="0"/>
-    <cs:fontRef idx="minor">
-      <a:schemeClr val="tx1"/>
-    </cs:fontRef>
-    <cs:spPr>
-      <a:ln w="9525" cap="flat" cmpd="sng" algn="ctr">
-        <a:solidFill>
-          <a:schemeClr val="tx1">
-            <a:lumMod val="5000"/>
-            <a:lumOff val="95000"/>
-          </a:schemeClr>
-        </a:solidFill>
-        <a:round/>
-      </a:ln>
-    </cs:spPr>
-  </cs:gridlineMinor>
-  <cs:hiLoLine>
-    <cs:lnRef idx="0"/>
-    <cs:fillRef idx="0"/>
-    <cs:effectRef idx="0"/>
-    <cs:fontRef idx="minor">
-      <a:schemeClr val="tx1"/>
-    </cs:fontRef>
-    <cs:spPr>
-      <a:ln w="9525" cap="flat" cmpd="sng" algn="ctr">
-        <a:solidFill>
-          <a:schemeClr val="tx1">
-            <a:lumMod val="75000"/>
-            <a:lumOff val="25000"/>
-          </a:schemeClr>
-        </a:solidFill>
-        <a:round/>
-      </a:ln>
-    </cs:spPr>
-  </cs:hiLoLine>
-  <cs:leaderLine>
-    <cs:lnRef idx="0"/>
-    <cs:fillRef idx="0"/>
-    <cs:effectRef idx="0"/>
-    <cs:fontRef idx="minor">
-      <a:schemeClr val="tx1"/>
-    </cs:fontRef>
-    <cs:spPr>
-      <a:ln w="9525" cap="flat" cmpd="sng" algn="ctr">
-        <a:solidFill>
-          <a:schemeClr val="tx1">
-            <a:lumMod val="35000"/>
-            <a:lumOff val="65000"/>
-          </a:schemeClr>
-        </a:solidFill>
-        <a:round/>
-      </a:ln>
-    </cs:spPr>
-  </cs:leaderLine>
-  <cs:legend>
-    <cs:lnRef idx="0"/>
-    <cs:fillRef idx="0"/>
-    <cs:effectRef idx="0"/>
-    <cs:fontRef idx="minor">
-      <a:schemeClr val="tx1">
-        <a:lumMod val="65000"/>
-        <a:lumOff val="35000"/>
-      </a:schemeClr>
-    </cs:fontRef>
-    <cs:defRPr sz="1197" kern="1200"/>
-  </cs:legend>
-  <cs:plotArea mods="allowNoFillOverride allowNoLineOverride">
-    <cs:lnRef idx="0"/>
-    <cs:fillRef idx="0"/>
-    <cs:effectRef idx="0"/>
-    <cs:fontRef idx="minor">
-      <a:schemeClr val="tx1"/>
-    </cs:fontRef>
-  </cs:plotArea>
-  <cs:plotArea3D mods="allowNoFillOverride allowNoLineOverride">
-    <cs:lnRef idx="0"/>
-    <cs:fillRef idx="0"/>
-    <cs:effectRef idx="0"/>
-    <cs:fontRef idx="minor">
-      <a:schemeClr val="tx1"/>
-    </cs:fontRef>
-  </cs:plotArea3D>
-  <cs:seriesAxis>
-    <cs:lnRef idx="0"/>
-    <cs:fillRef idx="0"/>
-    <cs:effectRef idx="0"/>
-    <cs:fontRef idx="minor">
-      <a:schemeClr val="tx1">
-        <a:lumMod val="65000"/>
-        <a:lumOff val="35000"/>
-      </a:schemeClr>
-    </cs:fontRef>
-    <cs:defRPr sz="1197" kern="1200"/>
-  </cs:seriesAxis>
-  <cs:seriesLine>
-    <cs:lnRef idx="0"/>
-    <cs:fillRef idx="0"/>
-    <cs:effectRef idx="0"/>
-    <cs:fontRef idx="minor">
-      <a:schemeClr val="tx1"/>
-    </cs:fontRef>
-    <cs:spPr>
-      <a:ln w="9525" cap="flat" cmpd="sng" algn="ctr">
-        <a:solidFill>
-          <a:schemeClr val="tx1">
-            <a:lumMod val="35000"/>
-            <a:lumOff val="65000"/>
-          </a:schemeClr>
-        </a:solidFill>
-        <a:round/>
-      </a:ln>
-    </cs:spPr>
-  </cs:seriesLine>
-  <cs:title>
-    <cs:lnRef idx="0"/>
-    <cs:fillRef idx="0"/>
-    <cs:effectRef idx="0"/>
-    <cs:fontRef idx="minor">
-      <a:schemeClr val="tx1">
-        <a:lumMod val="65000"/>
-        <a:lumOff val="35000"/>
-      </a:schemeClr>
-    </cs:fontRef>
-    <cs:defRPr sz="1862" b="0" kern="1200" spc="0" baseline="0"/>
-  </cs:title>
-  <cs:trendline>
-    <cs:lnRef idx="0">
-      <cs:styleClr val="auto"/>
-    </cs:lnRef>
-    <cs:fillRef idx="0"/>
-    <cs:effectRef idx="0"/>
-    <cs:fontRef idx="minor">
-      <a:schemeClr val="tx1"/>
-    </cs:fontRef>
-    <cs:spPr>
-      <a:ln w="19050" cap="rnd">
-        <a:solidFill>
-          <a:schemeClr val="phClr"/>
-        </a:solidFill>
-        <a:prstDash val="sysDot"/>
-      </a:ln>
-    </cs:spPr>
-  </cs:trendline>
-  <cs:trendlineLabel>
-    <cs:lnRef idx="0"/>
-    <cs:fillRef idx="0"/>
-    <cs:effectRef idx="0"/>
-    <cs:fontRef idx="minor">
-      <a:schemeClr val="tx1">
-        <a:lumMod val="65000"/>
-        <a:lumOff val="35000"/>
-      </a:schemeClr>
-    </cs:fontRef>
-    <cs:defRPr sz="1197" kern="1200"/>
-  </cs:trendlineLabel>
-  <cs:upBar>
-    <cs:lnRef idx="0"/>
-    <cs:fillRef idx="0"/>
-    <cs:effectRef idx="0"/>
-    <cs:fontRef idx="minor">
-      <a:schemeClr val="dk1"/>
-    </cs:fontRef>
-    <cs:spPr>
-      <a:solidFill>
-        <a:schemeClr val="lt1"/>
-      </a:solidFill>
-      <a:ln w="9525">
-        <a:solidFill>
-          <a:schemeClr val="tx1">
-            <a:lumMod val="15000"/>
-            <a:lumOff val="85000"/>
-          </a:schemeClr>
-        </a:solidFill>
-      </a:ln>
-    </cs:spPr>
-  </cs:upBar>
-  <cs:valueAxis>
-    <cs:lnRef idx="0"/>
-    <cs:fillRef idx="0"/>
-    <cs:effectRef idx="0"/>
-    <cs:fontRef idx="minor">
-      <a:schemeClr val="tx1">
-        <a:lumMod val="65000"/>
-        <a:lumOff val="35000"/>
-      </a:schemeClr>
-    </cs:fontRef>
-    <cs:defRPr sz="1197" kern="1200"/>
-  </cs:valueAxis>
-  <cs:wall>
-    <cs:lnRef idx="0"/>
-    <cs:fillRef idx="0"/>
-    <cs:effectRef idx="0"/>
-    <cs:fontRef idx="minor">
-      <a:schemeClr val="tx1"/>
-    </cs:fontRef>
-    <cs:spPr>
-      <a:noFill/>
-      <a:ln>
-        <a:noFill/>
-      </a:ln>
-    </cs:spPr>
-  </cs:wall>
-</cs:chartStyle>
 </file>
 
 <file path=ppt/diagrams/colors1.xml><?xml version="1.0" encoding="utf-8"?>
@@ -11058,7 +10035,7 @@
 </file>
 
 <file path=ppt/slides/slide10.xml><?xml version="1.0" encoding="utf-8"?>
-<p:sld xmlns:a="http://schemas.openxmlformats.org/drawingml/2006/main" xmlns:r="http://schemas.openxmlformats.org/officeDocument/2006/relationships" xmlns:p="http://schemas.openxmlformats.org/presentationml/2006/main">
+<p:sld xmlns:a="http://schemas.openxmlformats.org/drawingml/2006/main" xmlns:r="http://schemas.openxmlformats.org/officeDocument/2006/relationships" xmlns:p="http://schemas.openxmlformats.org/presentationml/2006/main" show="0">
   <p:cSld>
     <p:spTree>
       <p:nvGrpSpPr>
@@ -11091,7 +10068,7 @@
           <a:p>
             <a:r>
               <a:rPr lang="en-US" dirty="0"/>
-              <a:t>Demo Requirements:  The Application</a:t>
+              <a:t>Other Concerns</a:t>
             </a:r>
           </a:p>
         </p:txBody>
@@ -11108,34 +10085,61 @@
         </p:nvSpPr>
         <p:spPr/>
         <p:txBody>
-          <a:bodyPr>
-            <a:normAutofit/>
-          </a:bodyPr>
+          <a:bodyPr/>
           <a:lstStyle/>
           <a:p>
             <a:r>
               <a:rPr lang="en-US" dirty="0"/>
-              <a:t>We will provide a simple app to Containerize</a:t>
+              <a:t>Budgeting</a:t>
             </a:r>
           </a:p>
           <a:p>
             <a:r>
               <a:rPr lang="en-US" dirty="0"/>
-              <a:t>The app will have two dependencies</a:t>
-            </a:r>
-          </a:p>
-          <a:p>
-            <a:pPr lvl="1"/>
+              <a:t>Change Management</a:t>
+            </a:r>
+          </a:p>
+          <a:p>
             <a:r>
               <a:rPr lang="en-US" dirty="0"/>
-              <a:t>Database</a:t>
-            </a:r>
-          </a:p>
-          <a:p>
-            <a:pPr lvl="1"/>
+              <a:t>Desktop Host Management</a:t>
+            </a:r>
+          </a:p>
+          <a:p>
             <a:r>
               <a:rPr lang="en-US" dirty="0"/>
-              <a:t>Messaging</a:t>
+              <a:t>Image Approval and Management</a:t>
+            </a:r>
+          </a:p>
+          <a:p>
+            <a:r>
+              <a:rPr lang="en-US" dirty="0"/>
+              <a:t>Licensing and Compliance</a:t>
+            </a:r>
+          </a:p>
+          <a:p>
+            <a:r>
+              <a:rPr lang="en-US"/>
+              <a:t>Long-term viability</a:t>
+            </a:r>
+            <a:endParaRPr lang="en-US" dirty="0"/>
+          </a:p>
+          <a:p>
+            <a:r>
+              <a:rPr lang="en-US" dirty="0"/>
+              <a:t>Resource Planning</a:t>
+            </a:r>
+          </a:p>
+          <a:p>
+            <a:r>
+              <a:rPr lang="en-US" dirty="0"/>
+              <a:t>Security Audits</a:t>
+            </a:r>
+          </a:p>
+          <a:p>
+            <a:r>
+              <a:rPr lang="en-US" dirty="0"/>
+              <a:t>Technical Support Quality and Availability</a:t>
             </a:r>
           </a:p>
         </p:txBody>
@@ -11143,7 +10147,7 @@
     </p:spTree>
     <p:extLst>
       <p:ext uri="{BB962C8B-B14F-4D97-AF65-F5344CB8AC3E}">
-        <p14:creationId xmlns:p14="http://schemas.microsoft.com/office/powerpoint/2010/main" val="1204616855"/>
+        <p14:creationId xmlns:p14="http://schemas.microsoft.com/office/powerpoint/2010/main" val="647872659"/>
       </p:ext>
     </p:extLst>
   </p:cSld>
@@ -11172,7 +10176,13 @@
       </p:grpSpPr>
       <p:sp>
         <p:nvSpPr>
-          <p:cNvPr id="2" name="Title 1"/>
+          <p:cNvPr id="2" name="Title 1">
+            <a:extLst>
+              <a:ext uri="{FF2B5EF4-FFF2-40B4-BE49-F238E27FC236}">
+                <a16:creationId xmlns:a16="http://schemas.microsoft.com/office/drawing/2014/main" id="{02C69A9D-11E3-42B6-A78A-D426038F43C5}"/>
+              </a:ext>
+            </a:extLst>
+          </p:cNvPr>
           <p:cNvSpPr>
             <a:spLocks noGrp="1"/>
           </p:cNvSpPr>
@@ -11187,14 +10197,20 @@
           <a:p>
             <a:r>
               <a:rPr lang="en-US" dirty="0"/>
-              <a:t>Demo Requirements:  The Deployment</a:t>
-            </a:r>
-          </a:p>
-        </p:txBody>
-      </p:sp>
-      <p:sp>
-        <p:nvSpPr>
-          <p:cNvPr id="3" name="Content Placeholder 2"/>
+              <a:t>Demo Requirements</a:t>
+            </a:r>
+          </a:p>
+        </p:txBody>
+      </p:sp>
+      <p:sp>
+        <p:nvSpPr>
+          <p:cNvPr id="3" name="Content Placeholder 2">
+            <a:extLst>
+              <a:ext uri="{FF2B5EF4-FFF2-40B4-BE49-F238E27FC236}">
+                <a16:creationId xmlns:a16="http://schemas.microsoft.com/office/drawing/2014/main" id="{0341BF6B-1DD5-4499-A7F3-A34FCF6500EB}"/>
+              </a:ext>
+            </a:extLst>
+          </p:cNvPr>
           <p:cNvSpPr>
             <a:spLocks noGrp="1"/>
           </p:cNvSpPr>
@@ -11204,70 +10220,30 @@
         </p:nvSpPr>
         <p:spPr/>
         <p:txBody>
-          <a:bodyPr>
-            <a:normAutofit/>
-          </a:bodyPr>
+          <a:bodyPr/>
           <a:lstStyle/>
           <a:p>
             <a:r>
               <a:rPr lang="en-US" dirty="0"/>
-              <a:t>The vendor will run the application on </a:t>
-            </a:r>
-            <a:r>
-              <a:rPr lang="en-US"/>
-              <a:t>a desktop</a:t>
+              <a:t>We’ll provide the application</a:t>
             </a:r>
           </a:p>
           <a:p>
             <a:r>
               <a:rPr lang="en-US" dirty="0"/>
-              <a:t>The vendor will demonstrate solutions to our named concerns</a:t>
+              <a:t>Deployment</a:t>
             </a:r>
           </a:p>
           <a:p>
             <a:r>
               <a:rPr lang="en-US" dirty="0"/>
-              <a:t>The vendor will give us infrastructure requirements</a:t>
+              <a:t>NOC Integration</a:t>
             </a:r>
           </a:p>
           <a:p>
             <a:r>
               <a:rPr lang="en-US" dirty="0"/>
-              <a:t>We will provide the infrastructure</a:t>
-            </a:r>
-          </a:p>
-          <a:p>
-            <a:r>
-              <a:rPr lang="en-US" dirty="0"/>
-              <a:t>The vendor will install, configure, and demonstrate their solution</a:t>
-            </a:r>
-          </a:p>
-          <a:p>
-            <a:pPr lvl="1"/>
-            <a:r>
-              <a:rPr lang="en-US" dirty="0"/>
-              <a:t>The application will must be deployed</a:t>
-            </a:r>
-          </a:p>
-          <a:p>
-            <a:pPr lvl="1"/>
-            <a:r>
-              <a:rPr lang="en-US" dirty="0"/>
-              <a:t>The application must be reachable on our network</a:t>
-            </a:r>
-          </a:p>
-          <a:p>
-            <a:pPr lvl="1"/>
-            <a:r>
-              <a:rPr lang="en-US" dirty="0"/>
-              <a:t>We want them to show us “the standard way” to do this, step by step</a:t>
-            </a:r>
-          </a:p>
-          <a:p>
-            <a:pPr lvl="1"/>
-            <a:r>
-              <a:rPr lang="en-US" dirty="0"/>
-              <a:t>Auto-scale running containers as needed</a:t>
+              <a:t>Proposals</a:t>
             </a:r>
           </a:p>
         </p:txBody>
@@ -11275,7 +10251,7 @@
     </p:spTree>
     <p:extLst>
       <p:ext uri="{BB962C8B-B14F-4D97-AF65-F5344CB8AC3E}">
-        <p14:creationId xmlns:p14="http://schemas.microsoft.com/office/powerpoint/2010/main" val="2071101954"/>
+        <p14:creationId xmlns:p14="http://schemas.microsoft.com/office/powerpoint/2010/main" val="3976924198"/>
       </p:ext>
     </p:extLst>
   </p:cSld>
@@ -11286,7 +10262,7 @@
 </file>
 
 <file path=ppt/slides/slide12.xml><?xml version="1.0" encoding="utf-8"?>
-<p:sld xmlns:a="http://schemas.openxmlformats.org/drawingml/2006/main" xmlns:r="http://schemas.openxmlformats.org/officeDocument/2006/relationships" xmlns:p="http://schemas.openxmlformats.org/presentationml/2006/main">
+<p:sld xmlns:a="http://schemas.openxmlformats.org/drawingml/2006/main" xmlns:r="http://schemas.openxmlformats.org/officeDocument/2006/relationships" xmlns:p="http://schemas.openxmlformats.org/presentationml/2006/main" show="0">
   <p:cSld>
     <p:spTree>
       <p:nvGrpSpPr>
@@ -11319,7 +10295,7 @@
           <a:p>
             <a:r>
               <a:rPr lang="en-US" dirty="0"/>
-              <a:t>Demo Requirements:  NOC Operations</a:t>
+              <a:t>Demo Requirements:  The Application</a:t>
             </a:r>
           </a:p>
         </p:txBody>
@@ -11343,80 +10319,35 @@
           <a:p>
             <a:r>
               <a:rPr lang="en-US" dirty="0"/>
-              <a:t>Demonstrate Monitoring</a:t>
+              <a:t>We will provide a simple app to Containerize</a:t>
+            </a:r>
+          </a:p>
+          <a:p>
+            <a:r>
+              <a:rPr lang="en-US" dirty="0"/>
+              <a:t>The app will have two dependencies</a:t>
             </a:r>
           </a:p>
           <a:p>
             <a:pPr lvl="1"/>
             <a:r>
               <a:rPr lang="en-US" dirty="0"/>
-              <a:t>At the cluster level</a:t>
+              <a:t>Database</a:t>
             </a:r>
           </a:p>
           <a:p>
             <a:pPr lvl="1"/>
             <a:r>
               <a:rPr lang="en-US" dirty="0"/>
-              <a:t>At the host level</a:t>
-            </a:r>
-          </a:p>
-          <a:p>
-            <a:pPr lvl="1"/>
-            <a:r>
-              <a:rPr lang="en-US" dirty="0"/>
-              <a:t>At the container level</a:t>
-            </a:r>
-          </a:p>
-          <a:p>
-            <a:pPr lvl="1"/>
-            <a:r>
-              <a:rPr lang="en-US" dirty="0"/>
-              <a:t>* We prefer to integrate with our current NOC products</a:t>
-            </a:r>
-          </a:p>
-          <a:p>
-            <a:r>
-              <a:rPr lang="en-US" dirty="0"/>
-              <a:t>Demonstrate Escalation Plans</a:t>
-            </a:r>
-          </a:p>
-          <a:p>
-            <a:pPr lvl="1"/>
-            <a:r>
-              <a:rPr lang="en-US" dirty="0"/>
-              <a:t>An application is down</a:t>
-            </a:r>
-          </a:p>
-          <a:p>
-            <a:pPr lvl="1"/>
-            <a:r>
-              <a:rPr lang="en-US" dirty="0"/>
-              <a:t>Scarce resources</a:t>
-            </a:r>
-          </a:p>
-          <a:p>
-            <a:r>
-              <a:rPr lang="en-US" dirty="0"/>
-              <a:t>Demonstrate Rolling Updates</a:t>
-            </a:r>
-          </a:p>
-          <a:p>
-            <a:pPr lvl="1"/>
-            <a:r>
-              <a:rPr lang="en-US" dirty="0"/>
-              <a:t>Update running containers from an old base OS image to a current one</a:t>
-            </a:r>
-          </a:p>
-          <a:p>
-            <a:pPr lvl="1"/>
-            <a:endParaRPr lang="en-US" dirty="0"/>
+              <a:t>Messaging</a:t>
+            </a:r>
           </a:p>
         </p:txBody>
       </p:sp>
     </p:spTree>
     <p:extLst>
       <p:ext uri="{BB962C8B-B14F-4D97-AF65-F5344CB8AC3E}">
-        <p14:creationId xmlns:p14="http://schemas.microsoft.com/office/powerpoint/2010/main" val="1119920568"/>
+        <p14:creationId xmlns:p14="http://schemas.microsoft.com/office/powerpoint/2010/main" val="1204616855"/>
       </p:ext>
     </p:extLst>
   </p:cSld>
@@ -11427,7 +10358,7 @@
 </file>
 
 <file path=ppt/slides/slide13.xml><?xml version="1.0" encoding="utf-8"?>
-<p:sld xmlns:a="http://schemas.openxmlformats.org/drawingml/2006/main" xmlns:r="http://schemas.openxmlformats.org/officeDocument/2006/relationships" xmlns:p="http://schemas.openxmlformats.org/presentationml/2006/main">
+<p:sld xmlns:a="http://schemas.openxmlformats.org/drawingml/2006/main" xmlns:r="http://schemas.openxmlformats.org/officeDocument/2006/relationships" xmlns:p="http://schemas.openxmlformats.org/presentationml/2006/main" show="0">
   <p:cSld>
     <p:spTree>
       <p:nvGrpSpPr>
@@ -11460,7 +10391,7 @@
           <a:p>
             <a:r>
               <a:rPr lang="en-US" dirty="0"/>
-              <a:t>Demo Requirements:  The Proposal</a:t>
+              <a:t>Demo Requirements:  The Deployment</a:t>
             </a:r>
           </a:p>
         </p:txBody>
@@ -11484,67 +10415,65 @@
           <a:p>
             <a:r>
               <a:rPr lang="en-US" dirty="0"/>
-              <a:t>Basic explanation of licensing</a:t>
+              <a:t>The vendor will run the application on a desktop</a:t>
             </a:r>
           </a:p>
           <a:p>
             <a:r>
               <a:rPr lang="en-US" dirty="0"/>
-              <a:t>Formal pricing offers</a:t>
+              <a:t>The vendor will demonstrate solutions to our named concerns</a:t>
             </a:r>
           </a:p>
           <a:p>
             <a:r>
               <a:rPr lang="en-US" dirty="0"/>
-              <a:t>Support details</a:t>
+              <a:t>The vendor will give us infrastructure requirements</a:t>
+            </a:r>
+          </a:p>
+          <a:p>
+            <a:r>
+              <a:rPr lang="en-US" dirty="0"/>
+              <a:t>We will provide the infrastructure</a:t>
+            </a:r>
+          </a:p>
+          <a:p>
+            <a:r>
+              <a:rPr lang="en-US" dirty="0"/>
+              <a:t>The vendor will install, configure, and demonstrate their solution</a:t>
             </a:r>
           </a:p>
           <a:p>
             <a:pPr lvl="1"/>
             <a:r>
               <a:rPr lang="en-US" dirty="0"/>
-              <a:t>What parts of the stack are supported</a:t>
+              <a:t>The application will must be deployed</a:t>
             </a:r>
           </a:p>
           <a:p>
             <a:pPr lvl="1"/>
             <a:r>
               <a:rPr lang="en-US" dirty="0"/>
-              <a:t>SLA</a:t>
+              <a:t>The application must be reachable on our network</a:t>
             </a:r>
           </a:p>
           <a:p>
             <a:pPr lvl="1"/>
             <a:r>
               <a:rPr lang="en-US" dirty="0"/>
-              <a:t>Pricing</a:t>
-            </a:r>
-          </a:p>
-          <a:p>
+              <a:t>We want them to show us “the standard way” to do this, step by step</a:t>
+            </a:r>
+          </a:p>
+          <a:p>
+            <a:pPr lvl="1"/>
             <a:r>
               <a:rPr lang="en-US" dirty="0"/>
-              <a:t>Consulting services</a:t>
-            </a:r>
-          </a:p>
-          <a:p>
-            <a:pPr lvl="1"/>
+              <a:t>Auto-scale running containers as needed</a:t>
+            </a:r>
+          </a:p>
+          <a:p>
             <a:r>
               <a:rPr lang="en-US" dirty="0"/>
-              <a:t>Their consulting model</a:t>
-            </a:r>
-          </a:p>
-          <a:p>
-            <a:pPr lvl="1"/>
-            <a:r>
-              <a:rPr lang="en-US" dirty="0"/>
-              <a:t>Availability</a:t>
-            </a:r>
-          </a:p>
-          <a:p>
-            <a:pPr lvl="1"/>
-            <a:r>
-              <a:rPr lang="en-US" dirty="0"/>
-              <a:t>Costs</a:t>
+              <a:t>The vendor will demonstrate rolling updates</a:t>
             </a:r>
           </a:p>
         </p:txBody>
@@ -11552,7 +10481,7 @@
     </p:spTree>
     <p:extLst>
       <p:ext uri="{BB962C8B-B14F-4D97-AF65-F5344CB8AC3E}">
-        <p14:creationId xmlns:p14="http://schemas.microsoft.com/office/powerpoint/2010/main" val="485781510"/>
+        <p14:creationId xmlns:p14="http://schemas.microsoft.com/office/powerpoint/2010/main" val="551168300"/>
       </p:ext>
     </p:extLst>
   </p:cSld>
@@ -11563,7 +10492,7 @@
 </file>
 
 <file path=ppt/slides/slide14.xml><?xml version="1.0" encoding="utf-8"?>
-<p:sld xmlns:a="http://schemas.openxmlformats.org/drawingml/2006/main" xmlns:r="http://schemas.openxmlformats.org/officeDocument/2006/relationships" xmlns:p="http://schemas.openxmlformats.org/presentationml/2006/main">
+<p:sld xmlns:a="http://schemas.openxmlformats.org/drawingml/2006/main" xmlns:r="http://schemas.openxmlformats.org/officeDocument/2006/relationships" xmlns:p="http://schemas.openxmlformats.org/presentationml/2006/main" show="0">
   <p:cSld>
     <p:spTree>
       <p:nvGrpSpPr>
@@ -11596,37 +10525,104 @@
           <a:p>
             <a:r>
               <a:rPr lang="en-US" dirty="0"/>
-              <a:t>Phase Two (Medium)</a:t>
-            </a:r>
-          </a:p>
-        </p:txBody>
-      </p:sp>
-      <p:sp>
-        <p:nvSpPr>
-          <p:cNvPr id="3" name="Text Placeholder 2"/>
+              <a:t>Demo Requirements:  NOC Operations</a:t>
+            </a:r>
+          </a:p>
+        </p:txBody>
+      </p:sp>
+      <p:sp>
+        <p:nvSpPr>
+          <p:cNvPr id="3" name="Content Placeholder 2"/>
           <p:cNvSpPr>
             <a:spLocks noGrp="1"/>
           </p:cNvSpPr>
           <p:nvPr>
-            <p:ph type="body" idx="1"/>
+            <p:ph idx="1"/>
           </p:nvPr>
         </p:nvSpPr>
         <p:spPr/>
         <p:txBody>
-          <a:bodyPr/>
+          <a:bodyPr>
+            <a:normAutofit/>
+          </a:bodyPr>
           <a:lstStyle/>
           <a:p>
             <a:r>
               <a:rPr lang="en-US" dirty="0"/>
-              <a:t>Support of Vendor Applications</a:t>
-            </a:r>
+              <a:t>Demonstrate Monitoring</a:t>
+            </a:r>
+          </a:p>
+          <a:p>
+            <a:pPr lvl="1"/>
+            <a:r>
+              <a:rPr lang="en-US" dirty="0"/>
+              <a:t>At the cluster level</a:t>
+            </a:r>
+          </a:p>
+          <a:p>
+            <a:pPr lvl="1"/>
+            <a:r>
+              <a:rPr lang="en-US" dirty="0"/>
+              <a:t>At the host level</a:t>
+            </a:r>
+          </a:p>
+          <a:p>
+            <a:pPr lvl="1"/>
+            <a:r>
+              <a:rPr lang="en-US" dirty="0"/>
+              <a:t>At the container level</a:t>
+            </a:r>
+          </a:p>
+          <a:p>
+            <a:pPr lvl="1"/>
+            <a:r>
+              <a:rPr lang="en-US" dirty="0"/>
+              <a:t>* We prefer to integrate with our current NOC products</a:t>
+            </a:r>
+          </a:p>
+          <a:p>
+            <a:r>
+              <a:rPr lang="en-US" dirty="0"/>
+              <a:t>Demonstrate Escalation Plans</a:t>
+            </a:r>
+          </a:p>
+          <a:p>
+            <a:pPr lvl="1"/>
+            <a:r>
+              <a:rPr lang="en-US" dirty="0"/>
+              <a:t>An application is down</a:t>
+            </a:r>
+          </a:p>
+          <a:p>
+            <a:pPr lvl="1"/>
+            <a:r>
+              <a:rPr lang="en-US" dirty="0"/>
+              <a:t>Scarce resources</a:t>
+            </a:r>
+          </a:p>
+          <a:p>
+            <a:r>
+              <a:rPr lang="en-US" dirty="0"/>
+              <a:t>Demonstrate Rolling Updates</a:t>
+            </a:r>
+          </a:p>
+          <a:p>
+            <a:pPr lvl="1"/>
+            <a:r>
+              <a:rPr lang="en-US" dirty="0"/>
+              <a:t>Update running containers from an old base OS image to a current one</a:t>
+            </a:r>
+          </a:p>
+          <a:p>
+            <a:pPr lvl="1"/>
+            <a:endParaRPr lang="en-US" dirty="0"/>
           </a:p>
         </p:txBody>
       </p:sp>
     </p:spTree>
     <p:extLst>
       <p:ext uri="{BB962C8B-B14F-4D97-AF65-F5344CB8AC3E}">
-        <p14:creationId xmlns:p14="http://schemas.microsoft.com/office/powerpoint/2010/main" val="1907812105"/>
+        <p14:creationId xmlns:p14="http://schemas.microsoft.com/office/powerpoint/2010/main" val="3864910711"/>
       </p:ext>
     </p:extLst>
   </p:cSld>
@@ -11637,7 +10633,7 @@
 </file>
 
 <file path=ppt/slides/slide15.xml><?xml version="1.0" encoding="utf-8"?>
-<p:sld xmlns:a="http://schemas.openxmlformats.org/drawingml/2006/main" xmlns:r="http://schemas.openxmlformats.org/officeDocument/2006/relationships" xmlns:p="http://schemas.openxmlformats.org/presentationml/2006/main">
+<p:sld xmlns:a="http://schemas.openxmlformats.org/drawingml/2006/main" xmlns:r="http://schemas.openxmlformats.org/officeDocument/2006/relationships" xmlns:p="http://schemas.openxmlformats.org/presentationml/2006/main" show="0">
   <p:cSld>
     <p:spTree>
       <p:nvGrpSpPr>
@@ -11670,7 +10666,7 @@
           <a:p>
             <a:r>
               <a:rPr lang="en-US" dirty="0"/>
-              <a:t>Vendor Applications</a:t>
+              <a:t>Demo Requirements:  The Proposal</a:t>
             </a:r>
           </a:p>
         </p:txBody>
@@ -11687,54 +10683,74 @@
         </p:nvSpPr>
         <p:spPr/>
         <p:txBody>
-          <a:bodyPr/>
+          <a:bodyPr>
+            <a:normAutofit/>
+          </a:bodyPr>
           <a:lstStyle/>
           <a:p>
             <a:r>
               <a:rPr lang="en-US" dirty="0"/>
-              <a:t>This is really just a new way of deploying the applications we buy</a:t>
+              <a:t>Basic explanation of licensing</a:t>
             </a:r>
           </a:p>
           <a:p>
             <a:r>
               <a:rPr lang="en-US" dirty="0"/>
-              <a:t>Requires planning and training</a:t>
+              <a:t>Formal pricing offers</a:t>
             </a:r>
           </a:p>
           <a:p>
             <a:r>
               <a:rPr lang="en-US" dirty="0"/>
-              <a:t>Requires an understanding of how to budget usage</a:t>
-            </a:r>
-          </a:p>
-          <a:p>
+              <a:t>Support details</a:t>
+            </a:r>
+          </a:p>
+          <a:p>
+            <a:pPr lvl="1"/>
             <a:r>
               <a:rPr lang="en-US" dirty="0"/>
-              <a:t>Requires licensing and support agreements</a:t>
-            </a:r>
-          </a:p>
-          <a:p>
+              <a:t>What parts of the stack are supported</a:t>
+            </a:r>
+          </a:p>
+          <a:p>
+            <a:pPr lvl="1"/>
             <a:r>
               <a:rPr lang="en-US" dirty="0"/>
-              <a:t>Requires physical infrastructure</a:t>
-            </a:r>
-          </a:p>
-          <a:p>
+              <a:t>SLA</a:t>
+            </a:r>
+          </a:p>
+          <a:p>
+            <a:pPr lvl="1"/>
             <a:r>
               <a:rPr lang="en-US" dirty="0"/>
-              <a:t>Requires installation / configuration of container solution</a:t>
+              <a:t>Pricing</a:t>
             </a:r>
           </a:p>
           <a:p>
             <a:r>
               <a:rPr lang="en-US" dirty="0"/>
-              <a:t>Requires security and compliance review</a:t>
-            </a:r>
-          </a:p>
-          <a:p>
+              <a:t>Consulting services</a:t>
+            </a:r>
+          </a:p>
+          <a:p>
+            <a:pPr lvl="1"/>
             <a:r>
               <a:rPr lang="en-US" dirty="0"/>
-              <a:t>Requires NOC integration</a:t>
+              <a:t>Their consulting model</a:t>
+            </a:r>
+          </a:p>
+          <a:p>
+            <a:pPr lvl="1"/>
+            <a:r>
+              <a:rPr lang="en-US" dirty="0"/>
+              <a:t>Availability</a:t>
+            </a:r>
+          </a:p>
+          <a:p>
+            <a:pPr lvl="1"/>
+            <a:r>
+              <a:rPr lang="en-US" dirty="0"/>
+              <a:t>Costs</a:t>
             </a:r>
           </a:p>
         </p:txBody>
@@ -11742,7 +10758,7 @@
     </p:spTree>
     <p:extLst>
       <p:ext uri="{BB962C8B-B14F-4D97-AF65-F5344CB8AC3E}">
-        <p14:creationId xmlns:p14="http://schemas.microsoft.com/office/powerpoint/2010/main" val="908170637"/>
+        <p14:creationId xmlns:p14="http://schemas.microsoft.com/office/powerpoint/2010/main" val="282798005"/>
       </p:ext>
     </p:extLst>
   </p:cSld>
@@ -11786,6 +10802,190 @@
           <a:p>
             <a:r>
               <a:rPr lang="en-US" dirty="0"/>
+              <a:t>Phase Two (Medium)</a:t>
+            </a:r>
+          </a:p>
+        </p:txBody>
+      </p:sp>
+      <p:sp>
+        <p:nvSpPr>
+          <p:cNvPr id="3" name="Text Placeholder 2"/>
+          <p:cNvSpPr>
+            <a:spLocks noGrp="1"/>
+          </p:cNvSpPr>
+          <p:nvPr>
+            <p:ph type="body" idx="1"/>
+          </p:nvPr>
+        </p:nvSpPr>
+        <p:spPr/>
+        <p:txBody>
+          <a:bodyPr/>
+          <a:lstStyle/>
+          <a:p>
+            <a:r>
+              <a:rPr lang="en-US" dirty="0"/>
+              <a:t>Off-The-Shelf Container Support</a:t>
+            </a:r>
+          </a:p>
+        </p:txBody>
+      </p:sp>
+    </p:spTree>
+    <p:extLst>
+      <p:ext uri="{BB962C8B-B14F-4D97-AF65-F5344CB8AC3E}">
+        <p14:creationId xmlns:p14="http://schemas.microsoft.com/office/powerpoint/2010/main" val="1907812105"/>
+      </p:ext>
+    </p:extLst>
+  </p:cSld>
+  <p:clrMapOvr>
+    <a:masterClrMapping/>
+  </p:clrMapOvr>
+</p:sld>
+</file>
+
+<file path=ppt/slides/slide17.xml><?xml version="1.0" encoding="utf-8"?>
+<p:sld xmlns:a="http://schemas.openxmlformats.org/drawingml/2006/main" xmlns:r="http://schemas.openxmlformats.org/officeDocument/2006/relationships" xmlns:p="http://schemas.openxmlformats.org/presentationml/2006/main">
+  <p:cSld>
+    <p:spTree>
+      <p:nvGrpSpPr>
+        <p:cNvPr id="1" name=""/>
+        <p:cNvGrpSpPr/>
+        <p:nvPr/>
+      </p:nvGrpSpPr>
+      <p:grpSpPr>
+        <a:xfrm>
+          <a:off x="0" y="0"/>
+          <a:ext cx="0" cy="0"/>
+          <a:chOff x="0" y="0"/>
+          <a:chExt cx="0" cy="0"/>
+        </a:xfrm>
+      </p:grpSpPr>
+      <p:sp>
+        <p:nvSpPr>
+          <p:cNvPr id="2" name="Title 1"/>
+          <p:cNvSpPr>
+            <a:spLocks noGrp="1"/>
+          </p:cNvSpPr>
+          <p:nvPr>
+            <p:ph type="title"/>
+          </p:nvPr>
+        </p:nvSpPr>
+        <p:spPr/>
+        <p:txBody>
+          <a:bodyPr/>
+          <a:lstStyle/>
+          <a:p>
+            <a:r>
+              <a:rPr lang="en-US" dirty="0"/>
+              <a:t>Requirements</a:t>
+            </a:r>
+          </a:p>
+        </p:txBody>
+      </p:sp>
+      <p:sp>
+        <p:nvSpPr>
+          <p:cNvPr id="3" name="Content Placeholder 2"/>
+          <p:cNvSpPr>
+            <a:spLocks noGrp="1"/>
+          </p:cNvSpPr>
+          <p:nvPr>
+            <p:ph idx="1"/>
+          </p:nvPr>
+        </p:nvSpPr>
+        <p:spPr/>
+        <p:txBody>
+          <a:bodyPr/>
+          <a:lstStyle/>
+          <a:p>
+            <a:r>
+              <a:rPr lang="en-US" dirty="0"/>
+              <a:t>Pilot use case</a:t>
+            </a:r>
+          </a:p>
+          <a:p>
+            <a:r>
+              <a:rPr lang="en-US" dirty="0"/>
+              <a:t>Licensing and support agreements</a:t>
+            </a:r>
+          </a:p>
+          <a:p>
+            <a:r>
+              <a:rPr lang="en-US" dirty="0"/>
+              <a:t>Budget considerations</a:t>
+            </a:r>
+          </a:p>
+          <a:p>
+            <a:r>
+              <a:rPr lang="en-US" dirty="0"/>
+              <a:t>Planning and training</a:t>
+            </a:r>
+          </a:p>
+          <a:p>
+            <a:r>
+              <a:rPr lang="en-US" dirty="0"/>
+              <a:t>Security and compliance review</a:t>
+            </a:r>
+          </a:p>
+          <a:p>
+            <a:r>
+              <a:rPr lang="en-US" dirty="0"/>
+              <a:t>Physical infrastructure</a:t>
+            </a:r>
+          </a:p>
+          <a:p>
+            <a:r>
+              <a:rPr lang="en-US" dirty="0"/>
+              <a:t>NOC integration</a:t>
+            </a:r>
+          </a:p>
+        </p:txBody>
+      </p:sp>
+    </p:spTree>
+    <p:extLst>
+      <p:ext uri="{BB962C8B-B14F-4D97-AF65-F5344CB8AC3E}">
+        <p14:creationId xmlns:p14="http://schemas.microsoft.com/office/powerpoint/2010/main" val="908170637"/>
+      </p:ext>
+    </p:extLst>
+  </p:cSld>
+  <p:clrMapOvr>
+    <a:masterClrMapping/>
+  </p:clrMapOvr>
+</p:sld>
+</file>
+
+<file path=ppt/slides/slide18.xml><?xml version="1.0" encoding="utf-8"?>
+<p:sld xmlns:a="http://schemas.openxmlformats.org/drawingml/2006/main" xmlns:r="http://schemas.openxmlformats.org/officeDocument/2006/relationships" xmlns:p="http://schemas.openxmlformats.org/presentationml/2006/main">
+  <p:cSld>
+    <p:spTree>
+      <p:nvGrpSpPr>
+        <p:cNvPr id="1" name=""/>
+        <p:cNvGrpSpPr/>
+        <p:nvPr/>
+      </p:nvGrpSpPr>
+      <p:grpSpPr>
+        <a:xfrm>
+          <a:off x="0" y="0"/>
+          <a:ext cx="0" cy="0"/>
+          <a:chOff x="0" y="0"/>
+          <a:chExt cx="0" cy="0"/>
+        </a:xfrm>
+      </p:grpSpPr>
+      <p:sp>
+        <p:nvSpPr>
+          <p:cNvPr id="2" name="Title 1"/>
+          <p:cNvSpPr>
+            <a:spLocks noGrp="1"/>
+          </p:cNvSpPr>
+          <p:nvPr>
+            <p:ph type="title"/>
+          </p:nvPr>
+        </p:nvSpPr>
+        <p:spPr/>
+        <p:txBody>
+          <a:bodyPr/>
+          <a:lstStyle/>
+          <a:p>
+            <a:r>
+              <a:rPr lang="en-US" dirty="0"/>
               <a:t>Phase Three (Large)</a:t>
             </a:r>
           </a:p>
@@ -11826,7 +11026,7 @@
 </p:sld>
 </file>
 
-<file path=ppt/slides/slide17.xml><?xml version="1.0" encoding="utf-8"?>
+<file path=ppt/slides/slide19.xml><?xml version="1.0" encoding="utf-8"?>
 <p:sld xmlns:a="http://schemas.openxmlformats.org/drawingml/2006/main" xmlns:r="http://schemas.openxmlformats.org/officeDocument/2006/relationships" xmlns:p="http://schemas.openxmlformats.org/presentationml/2006/main">
   <p:cSld>
     <p:spTree>
@@ -12399,7 +11599,7 @@
         </p:nvGrpSpPr>
         <p:grpSpPr>
           <a:xfrm>
-            <a:off x="9407397" y="1973126"/>
+            <a:off x="8111707" y="2089951"/>
             <a:ext cx="2324590" cy="4178711"/>
             <a:chOff x="9594360" y="2247900"/>
             <a:chExt cx="2324590" cy="3600450"/>
@@ -12721,30 +11921,6 @@
           </p:txBody>
         </p:sp>
       </p:grpSp>
-      <p:graphicFrame>
-        <p:nvGraphicFramePr>
-          <p:cNvPr id="41" name="Chart 40">
-            <a:extLst>
-              <a:ext uri="{FF2B5EF4-FFF2-40B4-BE49-F238E27FC236}">
-                <a16:creationId xmlns:a16="http://schemas.microsoft.com/office/drawing/2014/main" id="{EA701DB9-837F-4B0E-9F99-ABD6EDA35C80}"/>
-              </a:ext>
-            </a:extLst>
-          </p:cNvPr>
-          <p:cNvGraphicFramePr/>
-          <p:nvPr>
-            <p:extLst/>
-          </p:nvPr>
-        </p:nvGraphicFramePr>
-        <p:xfrm>
-          <a:off x="6658374" y="4486796"/>
-          <a:ext cx="2628900" cy="1761604"/>
-        </p:xfrm>
-        <a:graphic>
-          <a:graphicData uri="http://schemas.openxmlformats.org/drawingml/2006/chart">
-            <c:chart xmlns:c="http://schemas.openxmlformats.org/drawingml/2006/chart" xmlns:r="http://schemas.openxmlformats.org/officeDocument/2006/relationships" r:id="rId7"/>
-          </a:graphicData>
-        </a:graphic>
-      </p:graphicFrame>
       <p:sp>
         <p:nvSpPr>
           <p:cNvPr id="32" name="Arrow: Right 31">
@@ -12875,8 +12051,8 @@
         </p:nvSpPr>
         <p:spPr>
           <a:xfrm rot="20735756">
-            <a:off x="4383545" y="3924574"/>
-            <a:ext cx="5001716" cy="160003"/>
+            <a:off x="4402884" y="4096989"/>
+            <a:ext cx="3617960" cy="140628"/>
           </a:xfrm>
           <a:prstGeom prst="rightArrow">
             <a:avLst/>
@@ -13446,51 +12622,6 @@
                       </p:childTnLst>
                     </p:cTn>
                   </p:par>
-                  <p:par>
-                    <p:cTn id="48" fill="hold">
-                      <p:stCondLst>
-                        <p:cond delay="indefinite"/>
-                      </p:stCondLst>
-                      <p:childTnLst>
-                        <p:par>
-                          <p:cTn id="49" fill="hold">
-                            <p:stCondLst>
-                              <p:cond delay="0"/>
-                            </p:stCondLst>
-                            <p:childTnLst>
-                              <p:par>
-                                <p:cTn id="50" presetID="1" presetClass="entr" presetSubtype="0" fill="hold" grpId="0" nodeType="clickEffect">
-                                  <p:stCondLst>
-                                    <p:cond delay="0"/>
-                                  </p:stCondLst>
-                                  <p:childTnLst>
-                                    <p:set>
-                                      <p:cBhvr>
-                                        <p:cTn id="51" dur="1" fill="hold">
-                                          <p:stCondLst>
-                                            <p:cond delay="0"/>
-                                          </p:stCondLst>
-                                        </p:cTn>
-                                        <p:tgtEl>
-                                          <p:spTgt spid="41"/>
-                                        </p:tgtEl>
-                                        <p:attrNameLst>
-                                          <p:attrName>style.visibility</p:attrName>
-                                        </p:attrNameLst>
-                                      </p:cBhvr>
-                                      <p:to>
-                                        <p:strVal val="visible"/>
-                                      </p:to>
-                                    </p:set>
-                                  </p:childTnLst>
-                                </p:cTn>
-                              </p:par>
-                            </p:childTnLst>
-                          </p:cTn>
-                        </p:par>
-                      </p:childTnLst>
-                    </p:cTn>
-                  </p:par>
                 </p:childTnLst>
               </p:cTn>
               <p:prevCondLst>
@@ -13521,206 +12652,11 @@
       <p:bldP spid="19" grpId="0" animBg="1"/>
       <p:bldP spid="26" grpId="0" animBg="1"/>
       <p:bldP spid="27" grpId="0" animBg="1"/>
-      <p:bldGraphic spid="41" grpId="0">
-        <p:bldAsOne/>
-      </p:bldGraphic>
       <p:bldP spid="32" grpId="0" animBg="1"/>
       <p:bldP spid="7" grpId="0" animBg="1"/>
       <p:bldP spid="40" grpId="0" animBg="1"/>
     </p:bldLst>
   </p:timing>
-</p:sld>
-</file>
-
-<file path=ppt/slides/slide18.xml><?xml version="1.0" encoding="utf-8"?>
-<p:sld xmlns:a="http://schemas.openxmlformats.org/drawingml/2006/main" xmlns:r="http://schemas.openxmlformats.org/officeDocument/2006/relationships" xmlns:p="http://schemas.openxmlformats.org/presentationml/2006/main">
-  <p:cSld>
-    <p:spTree>
-      <p:nvGrpSpPr>
-        <p:cNvPr id="1" name=""/>
-        <p:cNvGrpSpPr/>
-        <p:nvPr/>
-      </p:nvGrpSpPr>
-      <p:grpSpPr>
-        <a:xfrm>
-          <a:off x="0" y="0"/>
-          <a:ext cx="0" cy="0"/>
-          <a:chOff x="0" y="0"/>
-          <a:chExt cx="0" cy="0"/>
-        </a:xfrm>
-      </p:grpSpPr>
-      <p:sp>
-        <p:nvSpPr>
-          <p:cNvPr id="2" name="Title 1">
-            <a:extLst>
-              <a:ext uri="{FF2B5EF4-FFF2-40B4-BE49-F238E27FC236}">
-                <a16:creationId xmlns:a16="http://schemas.microsoft.com/office/drawing/2014/main" id="{BB79D0DB-53C6-4764-B2E3-91877326BC12}"/>
-              </a:ext>
-            </a:extLst>
-          </p:cNvPr>
-          <p:cNvSpPr>
-            <a:spLocks noGrp="1"/>
-          </p:cNvSpPr>
-          <p:nvPr>
-            <p:ph type="title"/>
-          </p:nvPr>
-        </p:nvSpPr>
-        <p:spPr/>
-        <p:txBody>
-          <a:bodyPr/>
-          <a:lstStyle/>
-          <a:p>
-            <a:r>
-              <a:rPr lang="en-US" dirty="0"/>
-              <a:t>Next Steps</a:t>
-            </a:r>
-          </a:p>
-        </p:txBody>
-      </p:sp>
-      <p:sp>
-        <p:nvSpPr>
-          <p:cNvPr id="3" name="Text Placeholder 2">
-            <a:extLst>
-              <a:ext uri="{FF2B5EF4-FFF2-40B4-BE49-F238E27FC236}">
-                <a16:creationId xmlns:a16="http://schemas.microsoft.com/office/drawing/2014/main" id="{FCF4704B-B8D3-4826-AE87-70DC1916E3C5}"/>
-              </a:ext>
-            </a:extLst>
-          </p:cNvPr>
-          <p:cNvSpPr>
-            <a:spLocks noGrp="1"/>
-          </p:cNvSpPr>
-          <p:nvPr>
-            <p:ph type="body" idx="1"/>
-          </p:nvPr>
-        </p:nvSpPr>
-        <p:spPr/>
-        <p:txBody>
-          <a:bodyPr/>
-          <a:lstStyle/>
-          <a:p>
-            <a:r>
-              <a:rPr lang="en-US" dirty="0"/>
-              <a:t>Hint:  We have a project on our hands…</a:t>
-            </a:r>
-          </a:p>
-        </p:txBody>
-      </p:sp>
-    </p:spTree>
-    <p:extLst>
-      <p:ext uri="{BB962C8B-B14F-4D97-AF65-F5344CB8AC3E}">
-        <p14:creationId xmlns:p14="http://schemas.microsoft.com/office/powerpoint/2010/main" val="3072953202"/>
-      </p:ext>
-    </p:extLst>
-  </p:cSld>
-  <p:clrMapOvr>
-    <a:masterClrMapping/>
-  </p:clrMapOvr>
-</p:sld>
-</file>
-
-<file path=ppt/slides/slide19.xml><?xml version="1.0" encoding="utf-8"?>
-<p:sld xmlns:a="http://schemas.openxmlformats.org/drawingml/2006/main" xmlns:r="http://schemas.openxmlformats.org/officeDocument/2006/relationships" xmlns:p="http://schemas.openxmlformats.org/presentationml/2006/main">
-  <p:cSld>
-    <p:spTree>
-      <p:nvGrpSpPr>
-        <p:cNvPr id="1" name=""/>
-        <p:cNvGrpSpPr/>
-        <p:nvPr/>
-      </p:nvGrpSpPr>
-      <p:grpSpPr>
-        <a:xfrm>
-          <a:off x="0" y="0"/>
-          <a:ext cx="0" cy="0"/>
-          <a:chOff x="0" y="0"/>
-          <a:chExt cx="0" cy="0"/>
-        </a:xfrm>
-      </p:grpSpPr>
-      <p:sp>
-        <p:nvSpPr>
-          <p:cNvPr id="2" name="Title 1">
-            <a:extLst>
-              <a:ext uri="{FF2B5EF4-FFF2-40B4-BE49-F238E27FC236}">
-                <a16:creationId xmlns:a16="http://schemas.microsoft.com/office/drawing/2014/main" id="{F98DCCC2-901E-4BA8-8F13-695B7613B71C}"/>
-              </a:ext>
-            </a:extLst>
-          </p:cNvPr>
-          <p:cNvSpPr>
-            <a:spLocks noGrp="1"/>
-          </p:cNvSpPr>
-          <p:nvPr>
-            <p:ph type="title"/>
-          </p:nvPr>
-        </p:nvSpPr>
-        <p:spPr/>
-        <p:txBody>
-          <a:bodyPr/>
-          <a:lstStyle/>
-          <a:p>
-            <a:r>
-              <a:rPr lang="en-US" dirty="0"/>
-              <a:t>Let’s Get Moving!</a:t>
-            </a:r>
-          </a:p>
-        </p:txBody>
-      </p:sp>
-      <p:sp>
-        <p:nvSpPr>
-          <p:cNvPr id="3" name="Content Placeholder 2">
-            <a:extLst>
-              <a:ext uri="{FF2B5EF4-FFF2-40B4-BE49-F238E27FC236}">
-                <a16:creationId xmlns:a16="http://schemas.microsoft.com/office/drawing/2014/main" id="{65972851-E12F-4953-BC40-498F40127880}"/>
-              </a:ext>
-            </a:extLst>
-          </p:cNvPr>
-          <p:cNvSpPr>
-            <a:spLocks noGrp="1"/>
-          </p:cNvSpPr>
-          <p:nvPr>
-            <p:ph idx="1"/>
-          </p:nvPr>
-        </p:nvSpPr>
-        <p:spPr/>
-        <p:txBody>
-          <a:bodyPr>
-            <a:normAutofit/>
-          </a:bodyPr>
-          <a:lstStyle/>
-          <a:p>
-            <a:r>
-              <a:rPr lang="en-US" dirty="0"/>
-              <a:t>Finalize our team</a:t>
-            </a:r>
-          </a:p>
-          <a:p>
-            <a:r>
-              <a:rPr lang="en-US" dirty="0"/>
-              <a:t>Write our RFP document</a:t>
-            </a:r>
-          </a:p>
-          <a:p>
-            <a:r>
-              <a:rPr lang="en-US" dirty="0"/>
-              <a:t>Submit RFP to vendors</a:t>
-            </a:r>
-          </a:p>
-          <a:p>
-            <a:r>
-              <a:rPr lang="en-US" dirty="0"/>
-              <a:t>Coordinate vendor presentations</a:t>
-            </a:r>
-          </a:p>
-        </p:txBody>
-      </p:sp>
-    </p:spTree>
-    <p:extLst>
-      <p:ext uri="{BB962C8B-B14F-4D97-AF65-F5344CB8AC3E}">
-        <p14:creationId xmlns:p14="http://schemas.microsoft.com/office/powerpoint/2010/main" val="781785288"/>
-      </p:ext>
-    </p:extLst>
-  </p:cSld>
-  <p:clrMapOvr>
-    <a:masterClrMapping/>
-  </p:clrMapOvr>
 </p:sld>
 </file>
 
@@ -13789,6 +12725,118 @@
     <p:extLst>
       <p:ext uri="{BB962C8B-B14F-4D97-AF65-F5344CB8AC3E}">
         <p14:creationId xmlns:p14="http://schemas.microsoft.com/office/powerpoint/2010/main" val="3292354453"/>
+      </p:ext>
+    </p:extLst>
+  </p:cSld>
+  <p:clrMapOvr>
+    <a:masterClrMapping/>
+  </p:clrMapOvr>
+</p:sld>
+</file>
+
+<file path=ppt/slides/slide20.xml><?xml version="1.0" encoding="utf-8"?>
+<p:sld xmlns:a="http://schemas.openxmlformats.org/drawingml/2006/main" xmlns:r="http://schemas.openxmlformats.org/officeDocument/2006/relationships" xmlns:p="http://schemas.openxmlformats.org/presentationml/2006/main">
+  <p:cSld>
+    <p:spTree>
+      <p:nvGrpSpPr>
+        <p:cNvPr id="1" name=""/>
+        <p:cNvGrpSpPr/>
+        <p:nvPr/>
+      </p:nvGrpSpPr>
+      <p:grpSpPr>
+        <a:xfrm>
+          <a:off x="0" y="0"/>
+          <a:ext cx="0" cy="0"/>
+          <a:chOff x="0" y="0"/>
+          <a:chExt cx="0" cy="0"/>
+        </a:xfrm>
+      </p:grpSpPr>
+      <p:sp>
+        <p:nvSpPr>
+          <p:cNvPr id="2" name="Title 1">
+            <a:extLst>
+              <a:ext uri="{FF2B5EF4-FFF2-40B4-BE49-F238E27FC236}">
+                <a16:creationId xmlns:a16="http://schemas.microsoft.com/office/drawing/2014/main" id="{F98DCCC2-901E-4BA8-8F13-695B7613B71C}"/>
+              </a:ext>
+            </a:extLst>
+          </p:cNvPr>
+          <p:cNvSpPr>
+            <a:spLocks noGrp="1"/>
+          </p:cNvSpPr>
+          <p:nvPr>
+            <p:ph type="title"/>
+          </p:nvPr>
+        </p:nvSpPr>
+        <p:spPr/>
+        <p:txBody>
+          <a:bodyPr/>
+          <a:lstStyle/>
+          <a:p>
+            <a:r>
+              <a:rPr lang="en-US" dirty="0"/>
+              <a:t>Next Steps</a:t>
+            </a:r>
+          </a:p>
+        </p:txBody>
+      </p:sp>
+      <p:sp>
+        <p:nvSpPr>
+          <p:cNvPr id="3" name="Content Placeholder 2">
+            <a:extLst>
+              <a:ext uri="{FF2B5EF4-FFF2-40B4-BE49-F238E27FC236}">
+                <a16:creationId xmlns:a16="http://schemas.microsoft.com/office/drawing/2014/main" id="{65972851-E12F-4953-BC40-498F40127880}"/>
+              </a:ext>
+            </a:extLst>
+          </p:cNvPr>
+          <p:cNvSpPr>
+            <a:spLocks noGrp="1"/>
+          </p:cNvSpPr>
+          <p:nvPr>
+            <p:ph idx="1"/>
+          </p:nvPr>
+        </p:nvSpPr>
+        <p:spPr/>
+        <p:txBody>
+          <a:bodyPr>
+            <a:normAutofit/>
+          </a:bodyPr>
+          <a:lstStyle/>
+          <a:p>
+            <a:r>
+              <a:rPr lang="en-US" dirty="0"/>
+              <a:t>Finalize our team</a:t>
+            </a:r>
+          </a:p>
+          <a:p>
+            <a:r>
+              <a:rPr lang="en-US" dirty="0"/>
+              <a:t>Write our RFP document</a:t>
+            </a:r>
+          </a:p>
+          <a:p>
+            <a:r>
+              <a:rPr lang="en-US" dirty="0"/>
+              <a:t>Submit RFP to vendors</a:t>
+            </a:r>
+          </a:p>
+          <a:p>
+            <a:r>
+              <a:rPr lang="en-US" dirty="0"/>
+              <a:t>Coordinate vendor presentations</a:t>
+            </a:r>
+          </a:p>
+          <a:p>
+            <a:r>
+              <a:rPr lang="en-US" dirty="0"/>
+              <a:t>Nail down estimate for phase 2</a:t>
+            </a:r>
+          </a:p>
+        </p:txBody>
+      </p:sp>
+    </p:spTree>
+    <p:extLst>
+      <p:ext uri="{BB962C8B-B14F-4D97-AF65-F5344CB8AC3E}">
+        <p14:creationId xmlns:p14="http://schemas.microsoft.com/office/powerpoint/2010/main" val="781785288"/>
       </p:ext>
     </p:extLst>
   </p:cSld>
@@ -13967,19 +13015,19 @@
           <a:p>
             <a:r>
               <a:rPr lang="en-US" dirty="0"/>
-              <a:t>Phase One:  Proofs of concept (This talk).</a:t>
+              <a:t>Phase One:  Proofs of concept (This talk)</a:t>
             </a:r>
           </a:p>
           <a:p>
             <a:r>
               <a:rPr lang="en-US" dirty="0"/>
-              <a:t>Phase Two:  Support of vendor applications.</a:t>
+              <a:t>Phase Two:  Support of vendor applications</a:t>
             </a:r>
           </a:p>
           <a:p>
             <a:r>
               <a:rPr lang="en-US" dirty="0"/>
-              <a:t>Phase Three:  DevOps for our applications.</a:t>
+              <a:t>Phase Three:  DevOps for our applications</a:t>
             </a:r>
           </a:p>
         </p:txBody>
@@ -14061,7 +13109,7 @@
         <p:spPr/>
         <p:txBody>
           <a:bodyPr>
-            <a:normAutofit fontScale="85000" lnSpcReduction="10000"/>
+            <a:normAutofit fontScale="85000" lnSpcReduction="20000"/>
           </a:bodyPr>
           <a:lstStyle/>
           <a:p>
@@ -14112,7 +13160,7 @@
             </a:r>
             <a:r>
               <a:rPr lang="en-US" dirty="0"/>
-              <a:t>:  Eric Burcham, Dylan Clark, Mike Bollman, Lowell Roberts, Mayme Kittman</a:t>
+              <a:t>:  Eric Burcham, Dylan Clark, Mike Bollman, Lowell Roberts, Mayme Kittman, Stuart Wagner</a:t>
             </a:r>
           </a:p>
           <a:p>
@@ -14370,7 +13418,13 @@
       </p:grpSpPr>
       <p:sp>
         <p:nvSpPr>
-          <p:cNvPr id="2" name="Title 1"/>
+          <p:cNvPr id="2" name="Title 1">
+            <a:extLst>
+              <a:ext uri="{FF2B5EF4-FFF2-40B4-BE49-F238E27FC236}">
+                <a16:creationId xmlns:a16="http://schemas.microsoft.com/office/drawing/2014/main" id="{05D1E734-7289-434A-BAB5-8B27CC4D98E9}"/>
+              </a:ext>
+            </a:extLst>
+          </p:cNvPr>
           <p:cNvSpPr>
             <a:spLocks noGrp="1"/>
           </p:cNvSpPr>
@@ -14385,105 +13439,65 @@
           <a:p>
             <a:r>
               <a:rPr lang="en-US" dirty="0"/>
-              <a:t>Functional Concerns</a:t>
-            </a:r>
-          </a:p>
-        </p:txBody>
-      </p:sp>
-      <p:sp>
-        <p:nvSpPr>
-          <p:cNvPr id="3" name="Content Placeholder 2"/>
+              <a:t>POC Concerns</a:t>
+            </a:r>
+          </a:p>
+        </p:txBody>
+      </p:sp>
+      <p:sp>
+        <p:nvSpPr>
+          <p:cNvPr id="3" name="Content Placeholder 2">
+            <a:extLst>
+              <a:ext uri="{FF2B5EF4-FFF2-40B4-BE49-F238E27FC236}">
+                <a16:creationId xmlns:a16="http://schemas.microsoft.com/office/drawing/2014/main" id="{69D78B72-CFD0-4AE3-8CBE-2226A85F6A23}"/>
+              </a:ext>
+            </a:extLst>
+          </p:cNvPr>
           <p:cNvSpPr>
             <a:spLocks noGrp="1"/>
           </p:cNvSpPr>
           <p:nvPr>
-            <p:ph idx="1"/>
+            <p:ph sz="half" idx="1"/>
           </p:nvPr>
         </p:nvSpPr>
         <p:spPr/>
         <p:txBody>
-          <a:bodyPr>
-            <a:normAutofit fontScale="85000" lnSpcReduction="20000"/>
-          </a:bodyPr>
+          <a:bodyPr/>
           <a:lstStyle/>
           <a:p>
-            <a:r>
-              <a:rPr lang="en-US" dirty="0"/>
-              <a:t>Automatic Scaling</a:t>
-            </a:r>
-          </a:p>
-          <a:p>
-            <a:r>
-              <a:rPr lang="en-US" dirty="0"/>
-              <a:t>Clustering</a:t>
-            </a:r>
-          </a:p>
-          <a:p>
-            <a:r>
-              <a:rPr lang="en-US" dirty="0"/>
-              <a:t>Copy Control</a:t>
-            </a:r>
-          </a:p>
-          <a:p>
-            <a:r>
-              <a:rPr lang="en-US" dirty="0"/>
-              <a:t>Deployment</a:t>
-            </a:r>
-          </a:p>
-          <a:p>
-            <a:r>
-              <a:rPr lang="en-US" dirty="0"/>
-              <a:t>Health Monitoring</a:t>
-            </a:r>
-          </a:p>
-          <a:p>
-            <a:r>
-              <a:rPr lang="en-US" dirty="0"/>
-              <a:t>High Availability</a:t>
-            </a:r>
-          </a:p>
-          <a:p>
-            <a:r>
-              <a:rPr lang="en-US" dirty="0"/>
-              <a:t>Log Management</a:t>
-            </a:r>
-          </a:p>
-          <a:p>
-            <a:r>
-              <a:rPr lang="en-US" dirty="0"/>
-              <a:t>Management</a:t>
-            </a:r>
-          </a:p>
-          <a:p>
-            <a:r>
-              <a:rPr lang="en-US" dirty="0"/>
-              <a:t>Network Isolation for Testing</a:t>
-            </a:r>
-          </a:p>
-          <a:p>
-            <a:r>
-              <a:rPr lang="en-US" dirty="0"/>
-              <a:t>Orchestration</a:t>
-            </a:r>
-          </a:p>
-          <a:p>
-            <a:r>
-              <a:rPr lang="en-US" dirty="0"/>
-              <a:t>Resource Allocation</a:t>
-            </a:r>
-          </a:p>
-          <a:p>
-            <a:r>
-              <a:rPr lang="en-US" dirty="0"/>
-              <a:t>Security</a:t>
-            </a:r>
+            <a:endParaRPr lang="en-US"/>
+          </a:p>
+        </p:txBody>
+      </p:sp>
+      <p:sp>
+        <p:nvSpPr>
+          <p:cNvPr id="4" name="Content Placeholder 3">
+            <a:extLst>
+              <a:ext uri="{FF2B5EF4-FFF2-40B4-BE49-F238E27FC236}">
+                <a16:creationId xmlns:a16="http://schemas.microsoft.com/office/drawing/2014/main" id="{E733743C-EAF7-4DE6-8B8F-A916C4D2A728}"/>
+              </a:ext>
+            </a:extLst>
+          </p:cNvPr>
+          <p:cNvSpPr>
+            <a:spLocks noGrp="1"/>
+          </p:cNvSpPr>
+          <p:nvPr>
+            <p:ph sz="half" idx="2"/>
+          </p:nvPr>
+        </p:nvSpPr>
+        <p:spPr/>
+        <p:txBody>
+          <a:bodyPr/>
+          <a:lstStyle/>
+          <a:p>
+            <a:endParaRPr lang="en-US"/>
           </a:p>
         </p:txBody>
       </p:sp>
     </p:spTree>
     <p:extLst>
       <p:ext uri="{BB962C8B-B14F-4D97-AF65-F5344CB8AC3E}">
-        <p14:creationId xmlns:p14="http://schemas.microsoft.com/office/powerpoint/2010/main" val="2896554746"/>
+        <p14:creationId xmlns:p14="http://schemas.microsoft.com/office/powerpoint/2010/main" val="3732569273"/>
       </p:ext>
     </p:extLst>
   </p:cSld>
@@ -14494,7 +13508,7 @@
 </file>
 
 <file path=ppt/slides/slide9.xml><?xml version="1.0" encoding="utf-8"?>
-<p:sld xmlns:a="http://schemas.openxmlformats.org/drawingml/2006/main" xmlns:r="http://schemas.openxmlformats.org/officeDocument/2006/relationships" xmlns:p="http://schemas.openxmlformats.org/presentationml/2006/main">
+<p:sld xmlns:a="http://schemas.openxmlformats.org/drawingml/2006/main" xmlns:r="http://schemas.openxmlformats.org/officeDocument/2006/relationships" xmlns:p="http://schemas.openxmlformats.org/presentationml/2006/main" show="0">
   <p:cSld>
     <p:spTree>
       <p:nvGrpSpPr>
@@ -14527,7 +13541,7 @@
           <a:p>
             <a:r>
               <a:rPr lang="en-US" dirty="0"/>
-              <a:t>Other Concerns</a:t>
+              <a:t>Functional Concerns</a:t>
             </a:r>
           </a:p>
         </p:txBody>
@@ -14544,8 +13558,16 @@
         </p:nvSpPr>
         <p:spPr/>
         <p:txBody>
-          <a:bodyPr/>
+          <a:bodyPr>
+            <a:normAutofit fontScale="62500" lnSpcReduction="20000"/>
+          </a:bodyPr>
           <a:lstStyle/>
+          <a:p>
+            <a:r>
+              <a:rPr lang="en-US" dirty="0"/>
+              <a:t>Automatic Scaling</a:t>
+            </a:r>
+          </a:p>
           <a:p>
             <a:r>
               <a:rPr lang="en-US" dirty="0"/>
@@ -14555,49 +13577,73 @@
           <a:p>
             <a:r>
               <a:rPr lang="en-US" dirty="0"/>
-              <a:t>Budgeting</a:t>
+              <a:t>Clustering</a:t>
             </a:r>
           </a:p>
           <a:p>
             <a:r>
               <a:rPr lang="en-US" dirty="0"/>
-              <a:t>Change Management</a:t>
+              <a:t>Copy Control</a:t>
             </a:r>
           </a:p>
           <a:p>
             <a:r>
               <a:rPr lang="en-US" dirty="0"/>
-              <a:t>Desktop Host Management</a:t>
+              <a:t>Deployment</a:t>
             </a:r>
           </a:p>
           <a:p>
             <a:r>
               <a:rPr lang="en-US" dirty="0"/>
-              <a:t>Image Approval and Management</a:t>
+              <a:t>Desktop Support</a:t>
             </a:r>
           </a:p>
           <a:p>
             <a:r>
               <a:rPr lang="en-US" dirty="0"/>
-              <a:t>Licensing and Compliance</a:t>
+              <a:t>Health Monitoring</a:t>
             </a:r>
           </a:p>
           <a:p>
             <a:r>
               <a:rPr lang="en-US" dirty="0"/>
-              <a:t>Resource Planning</a:t>
+              <a:t>High Availability</a:t>
             </a:r>
           </a:p>
           <a:p>
             <a:r>
               <a:rPr lang="en-US" dirty="0"/>
-              <a:t>Security Audits</a:t>
+              <a:t>Log Management</a:t>
             </a:r>
           </a:p>
           <a:p>
             <a:r>
               <a:rPr lang="en-US" dirty="0"/>
-              <a:t>Technical Support Quality and Availability</a:t>
+              <a:t>Management</a:t>
+            </a:r>
+          </a:p>
+          <a:p>
+            <a:r>
+              <a:rPr lang="en-US" dirty="0"/>
+              <a:t>Network Isolation for Testing</a:t>
+            </a:r>
+          </a:p>
+          <a:p>
+            <a:r>
+              <a:rPr lang="en-US" dirty="0"/>
+              <a:t>Orchestration</a:t>
+            </a:r>
+          </a:p>
+          <a:p>
+            <a:r>
+              <a:rPr lang="en-US" dirty="0"/>
+              <a:t>Resource Allocation</a:t>
+            </a:r>
+          </a:p>
+          <a:p>
+            <a:r>
+              <a:rPr lang="en-US" dirty="0"/>
+              <a:t>Security</a:t>
             </a:r>
           </a:p>
         </p:txBody>
@@ -14605,7 +13651,7 @@
     </p:spTree>
     <p:extLst>
       <p:ext uri="{BB962C8B-B14F-4D97-AF65-F5344CB8AC3E}">
-        <p14:creationId xmlns:p14="http://schemas.microsoft.com/office/powerpoint/2010/main" val="647872659"/>
+        <p14:creationId xmlns:p14="http://schemas.microsoft.com/office/powerpoint/2010/main" val="2896554746"/>
       </p:ext>
     </p:extLst>
   </p:cSld>

--- a/presentation.pptx
+++ b/presentation.pptx
@@ -5,29 +5,26 @@
     <p:sldMasterId id="2147483660" r:id="rId1"/>
   </p:sldMasterIdLst>
   <p:notesMasterIdLst>
-    <p:notesMasterId r:id="rId22"/>
+    <p:notesMasterId r:id="rId19"/>
   </p:notesMasterIdLst>
   <p:sldIdLst>
     <p:sldId id="256" r:id="rId2"/>
-    <p:sldId id="257" r:id="rId3"/>
-    <p:sldId id="299" r:id="rId4"/>
-    <p:sldId id="283" r:id="rId5"/>
-    <p:sldId id="297" r:id="rId6"/>
-    <p:sldId id="268" r:id="rId7"/>
-    <p:sldId id="287" r:id="rId8"/>
-    <p:sldId id="300" r:id="rId9"/>
-    <p:sldId id="298" r:id="rId10"/>
-    <p:sldId id="293" r:id="rId11"/>
-    <p:sldId id="304" r:id="rId12"/>
-    <p:sldId id="288" r:id="rId13"/>
-    <p:sldId id="301" r:id="rId14"/>
-    <p:sldId id="302" r:id="rId15"/>
-    <p:sldId id="303" r:id="rId16"/>
-    <p:sldId id="270" r:id="rId17"/>
-    <p:sldId id="292" r:id="rId18"/>
-    <p:sldId id="285" r:id="rId19"/>
-    <p:sldId id="294" r:id="rId20"/>
-    <p:sldId id="296" r:id="rId21"/>
+    <p:sldId id="299" r:id="rId3"/>
+    <p:sldId id="283" r:id="rId4"/>
+    <p:sldId id="297" r:id="rId5"/>
+    <p:sldId id="268" r:id="rId6"/>
+    <p:sldId id="287" r:id="rId7"/>
+    <p:sldId id="300" r:id="rId8"/>
+    <p:sldId id="304" r:id="rId9"/>
+    <p:sldId id="288" r:id="rId10"/>
+    <p:sldId id="301" r:id="rId11"/>
+    <p:sldId id="302" r:id="rId12"/>
+    <p:sldId id="303" r:id="rId13"/>
+    <p:sldId id="270" r:id="rId14"/>
+    <p:sldId id="292" r:id="rId15"/>
+    <p:sldId id="285" r:id="rId16"/>
+    <p:sldId id="294" r:id="rId17"/>
+    <p:sldId id="296" r:id="rId18"/>
   </p:sldIdLst>
   <p:sldSz cx="12192000" cy="6858000"/>
   <p:notesSz cx="7010400" cy="9296400"/>
@@ -132,7 +129,6 @@
         <p14:section name="Introduction" id="{A4A0009D-2884-49C7-B877-44806784A7E8}">
           <p14:sldIdLst>
             <p14:sldId id="256"/>
-            <p14:sldId id="257"/>
             <p14:sldId id="299"/>
             <p14:sldId id="283"/>
             <p14:sldId id="297"/>
@@ -143,8 +139,6 @@
             <p14:sldId id="268"/>
             <p14:sldId id="287"/>
             <p14:sldId id="300"/>
-            <p14:sldId id="298"/>
-            <p14:sldId id="293"/>
             <p14:sldId id="304"/>
             <p14:sldId id="288"/>
             <p14:sldId id="301"/>
@@ -1230,7 +1224,7 @@
   <dgm:whole/>
   <dgm:extLst>
     <a:ext uri="http://schemas.microsoft.com/office/drawing/2008/diagram">
-      <dsp:dataModelExt xmlns:dsp="http://schemas.microsoft.com/office/drawing/2008/diagram" relId="rId6" minVer="http://schemas.openxmlformats.org/drawingml/2006/diagram"/>
+      <dsp:dataModelExt xmlns:dsp="http://schemas.microsoft.com/office/drawing/2008/diagram" relId="rId7" minVer="http://schemas.openxmlformats.org/drawingml/2006/diagram"/>
     </a:ext>
   </dgm:extLst>
 </dgm:dataModel>
@@ -3159,7 +3153,7 @@
           <a:p>
             <a:fld id="{A07C3DAA-E1DE-49B6-8079-627AB3F6E0E1}" type="datetimeFigureOut">
               <a:rPr lang="en-US" smtClean="0"/>
-              <a:t>4/22/2019</a:t>
+              <a:t>4/24/2019</a:t>
             </a:fld>
             <a:endParaRPr lang="en-US"/>
           </a:p>
@@ -3424,6 +3418,312 @@
     </a:lvl9pPr>
   </p:notesStyle>
 </p:notesMaster>
+</file>
+
+<file path=ppt/notesSlides/notesSlide1.xml><?xml version="1.0" encoding="utf-8"?>
+<p:notes xmlns:a="http://schemas.openxmlformats.org/drawingml/2006/main" xmlns:r="http://schemas.openxmlformats.org/officeDocument/2006/relationships" xmlns:p="http://schemas.openxmlformats.org/presentationml/2006/main">
+  <p:cSld>
+    <p:spTree>
+      <p:nvGrpSpPr>
+        <p:cNvPr id="1" name=""/>
+        <p:cNvGrpSpPr/>
+        <p:nvPr/>
+      </p:nvGrpSpPr>
+      <p:grpSpPr>
+        <a:xfrm>
+          <a:off x="0" y="0"/>
+          <a:ext cx="0" cy="0"/>
+          <a:chOff x="0" y="0"/>
+          <a:chExt cx="0" cy="0"/>
+        </a:xfrm>
+      </p:grpSpPr>
+      <p:sp>
+        <p:nvSpPr>
+          <p:cNvPr id="2" name="Slide Image Placeholder 1"/>
+          <p:cNvSpPr>
+            <a:spLocks noGrp="1" noRot="1" noChangeAspect="1"/>
+          </p:cNvSpPr>
+          <p:nvPr>
+            <p:ph type="sldImg"/>
+          </p:nvPr>
+        </p:nvSpPr>
+        <p:spPr/>
+      </p:sp>
+      <p:sp>
+        <p:nvSpPr>
+          <p:cNvPr id="3" name="Notes Placeholder 2"/>
+          <p:cNvSpPr>
+            <a:spLocks noGrp="1"/>
+          </p:cNvSpPr>
+          <p:nvPr>
+            <p:ph type="body" idx="1"/>
+          </p:nvPr>
+        </p:nvSpPr>
+        <p:spPr/>
+        <p:txBody>
+          <a:bodyPr/>
+          <a:lstStyle/>
+          <a:p>
+            <a:r>
+              <a:rPr lang="en-US" dirty="0"/>
+              <a:t>These applications are provided by vendors.</a:t>
+            </a:r>
+          </a:p>
+          <a:p>
+            <a:endParaRPr lang="en-US" dirty="0"/>
+          </a:p>
+          <a:p>
+            <a:r>
+              <a:rPr lang="en-US" dirty="0"/>
+              <a:t>They are pre-packaged to run as containers.</a:t>
+            </a:r>
+          </a:p>
+          <a:p>
+            <a:endParaRPr lang="en-US" dirty="0"/>
+          </a:p>
+          <a:p>
+            <a:r>
+              <a:rPr lang="en-US" dirty="0"/>
+              <a:t>We deploy them manually and infrequently.</a:t>
+            </a:r>
+          </a:p>
+          <a:p>
+            <a:endParaRPr lang="en-US" dirty="0"/>
+          </a:p>
+          <a:p>
+            <a:r>
+              <a:rPr lang="en-US" dirty="0"/>
+              <a:t>Change control is slow and carefully managed.</a:t>
+            </a:r>
+          </a:p>
+        </p:txBody>
+      </p:sp>
+      <p:sp>
+        <p:nvSpPr>
+          <p:cNvPr id="4" name="Slide Number Placeholder 3"/>
+          <p:cNvSpPr>
+            <a:spLocks noGrp="1"/>
+          </p:cNvSpPr>
+          <p:nvPr>
+            <p:ph type="sldNum" sz="quarter" idx="5"/>
+          </p:nvPr>
+        </p:nvSpPr>
+        <p:spPr/>
+        <p:txBody>
+          <a:bodyPr/>
+          <a:lstStyle/>
+          <a:p>
+            <a:fld id="{7C432B12-1722-4EDC-9BBA-25A0F0A334AF}" type="slidenum">
+              <a:rPr lang="en-US" smtClean="0"/>
+              <a:t>13</a:t>
+            </a:fld>
+            <a:endParaRPr lang="en-US"/>
+          </a:p>
+        </p:txBody>
+      </p:sp>
+    </p:spTree>
+    <p:extLst>
+      <p:ext uri="{BB962C8B-B14F-4D97-AF65-F5344CB8AC3E}">
+        <p14:creationId xmlns:p14="http://schemas.microsoft.com/office/powerpoint/2010/main" val="2887644830"/>
+      </p:ext>
+    </p:extLst>
+  </p:cSld>
+  <p:clrMapOvr>
+    <a:masterClrMapping/>
+  </p:clrMapOvr>
+</p:notes>
+</file>
+
+<file path=ppt/notesSlides/notesSlide2.xml><?xml version="1.0" encoding="utf-8"?>
+<p:notes xmlns:a="http://schemas.openxmlformats.org/drawingml/2006/main" xmlns:r="http://schemas.openxmlformats.org/officeDocument/2006/relationships" xmlns:p="http://schemas.openxmlformats.org/presentationml/2006/main">
+  <p:cSld>
+    <p:spTree>
+      <p:nvGrpSpPr>
+        <p:cNvPr id="1" name=""/>
+        <p:cNvGrpSpPr/>
+        <p:nvPr/>
+      </p:nvGrpSpPr>
+      <p:grpSpPr>
+        <a:xfrm>
+          <a:off x="0" y="0"/>
+          <a:ext cx="0" cy="0"/>
+          <a:chOff x="0" y="0"/>
+          <a:chExt cx="0" cy="0"/>
+        </a:xfrm>
+      </p:grpSpPr>
+      <p:sp>
+        <p:nvSpPr>
+          <p:cNvPr id="2" name="Slide Image Placeholder 1"/>
+          <p:cNvSpPr>
+            <a:spLocks noGrp="1" noRot="1" noChangeAspect="1"/>
+          </p:cNvSpPr>
+          <p:nvPr>
+            <p:ph type="sldImg"/>
+          </p:nvPr>
+        </p:nvSpPr>
+        <p:spPr/>
+      </p:sp>
+      <p:sp>
+        <p:nvSpPr>
+          <p:cNvPr id="3" name="Notes Placeholder 2"/>
+          <p:cNvSpPr>
+            <a:spLocks noGrp="1"/>
+          </p:cNvSpPr>
+          <p:nvPr>
+            <p:ph type="body" idx="1"/>
+          </p:nvPr>
+        </p:nvSpPr>
+        <p:spPr/>
+        <p:txBody>
+          <a:bodyPr/>
+          <a:lstStyle/>
+          <a:p>
+            <a:r>
+              <a:rPr lang="en-US" dirty="0"/>
+              <a:t>There will be costs</a:t>
+            </a:r>
+          </a:p>
+          <a:p>
+            <a:endParaRPr lang="en-US" dirty="0"/>
+          </a:p>
+          <a:p>
+            <a:r>
+              <a:rPr lang="en-US" dirty="0"/>
+              <a:t>We expect to engage a vendor to do this</a:t>
+            </a:r>
+          </a:p>
+          <a:p>
+            <a:endParaRPr lang="en-US" dirty="0"/>
+          </a:p>
+          <a:p>
+            <a:r>
+              <a:rPr lang="en-US" dirty="0"/>
+              <a:t>We want to leverage vendor time</a:t>
+            </a:r>
+          </a:p>
+        </p:txBody>
+      </p:sp>
+      <p:sp>
+        <p:nvSpPr>
+          <p:cNvPr id="4" name="Slide Number Placeholder 3"/>
+          <p:cNvSpPr>
+            <a:spLocks noGrp="1"/>
+          </p:cNvSpPr>
+          <p:nvPr>
+            <p:ph type="sldNum" sz="quarter" idx="5"/>
+          </p:nvPr>
+        </p:nvSpPr>
+        <p:spPr/>
+        <p:txBody>
+          <a:bodyPr/>
+          <a:lstStyle/>
+          <a:p>
+            <a:fld id="{7C432B12-1722-4EDC-9BBA-25A0F0A334AF}" type="slidenum">
+              <a:rPr lang="en-US" smtClean="0"/>
+              <a:t>15</a:t>
+            </a:fld>
+            <a:endParaRPr lang="en-US"/>
+          </a:p>
+        </p:txBody>
+      </p:sp>
+    </p:spTree>
+    <p:extLst>
+      <p:ext uri="{BB962C8B-B14F-4D97-AF65-F5344CB8AC3E}">
+        <p14:creationId xmlns:p14="http://schemas.microsoft.com/office/powerpoint/2010/main" val="1734567867"/>
+      </p:ext>
+    </p:extLst>
+  </p:cSld>
+  <p:clrMapOvr>
+    <a:masterClrMapping/>
+  </p:clrMapOvr>
+</p:notes>
+</file>
+
+<file path=ppt/notesSlides/notesSlide3.xml><?xml version="1.0" encoding="utf-8"?>
+<p:notes xmlns:a="http://schemas.openxmlformats.org/drawingml/2006/main" xmlns:r="http://schemas.openxmlformats.org/officeDocument/2006/relationships" xmlns:p="http://schemas.openxmlformats.org/presentationml/2006/main">
+  <p:cSld>
+    <p:spTree>
+      <p:nvGrpSpPr>
+        <p:cNvPr id="1" name=""/>
+        <p:cNvGrpSpPr/>
+        <p:nvPr/>
+      </p:nvGrpSpPr>
+      <p:grpSpPr>
+        <a:xfrm>
+          <a:off x="0" y="0"/>
+          <a:ext cx="0" cy="0"/>
+          <a:chOff x="0" y="0"/>
+          <a:chExt cx="0" cy="0"/>
+        </a:xfrm>
+      </p:grpSpPr>
+      <p:sp>
+        <p:nvSpPr>
+          <p:cNvPr id="2" name="Slide Image Placeholder 1"/>
+          <p:cNvSpPr>
+            <a:spLocks noGrp="1" noRot="1" noChangeAspect="1"/>
+          </p:cNvSpPr>
+          <p:nvPr>
+            <p:ph type="sldImg"/>
+          </p:nvPr>
+        </p:nvSpPr>
+        <p:spPr/>
+      </p:sp>
+      <p:sp>
+        <p:nvSpPr>
+          <p:cNvPr id="3" name="Notes Placeholder 2"/>
+          <p:cNvSpPr>
+            <a:spLocks noGrp="1"/>
+          </p:cNvSpPr>
+          <p:nvPr>
+            <p:ph type="body" idx="1"/>
+          </p:nvPr>
+        </p:nvSpPr>
+        <p:spPr/>
+        <p:txBody>
+          <a:bodyPr/>
+          <a:lstStyle/>
+          <a:p>
+            <a:r>
+              <a:rPr lang="en-US" dirty="0"/>
+              <a:t>Add detailed notes about why this takes so long.</a:t>
+            </a:r>
+          </a:p>
+        </p:txBody>
+      </p:sp>
+      <p:sp>
+        <p:nvSpPr>
+          <p:cNvPr id="4" name="Slide Number Placeholder 3"/>
+          <p:cNvSpPr>
+            <a:spLocks noGrp="1"/>
+          </p:cNvSpPr>
+          <p:nvPr>
+            <p:ph type="sldNum" sz="quarter" idx="5"/>
+          </p:nvPr>
+        </p:nvSpPr>
+        <p:spPr/>
+        <p:txBody>
+          <a:bodyPr/>
+          <a:lstStyle/>
+          <a:p>
+            <a:fld id="{7C432B12-1722-4EDC-9BBA-25A0F0A334AF}" type="slidenum">
+              <a:rPr lang="en-US" smtClean="0"/>
+              <a:t>16</a:t>
+            </a:fld>
+            <a:endParaRPr lang="en-US"/>
+          </a:p>
+        </p:txBody>
+      </p:sp>
+    </p:spTree>
+    <p:extLst>
+      <p:ext uri="{BB962C8B-B14F-4D97-AF65-F5344CB8AC3E}">
+        <p14:creationId xmlns:p14="http://schemas.microsoft.com/office/powerpoint/2010/main" val="852317419"/>
+      </p:ext>
+    </p:extLst>
+  </p:cSld>
+  <p:clrMapOvr>
+    <a:masterClrMapping/>
+  </p:clrMapOvr>
+</p:notes>
 </file>
 
 <file path=ppt/slideLayouts/slideLayout1.xml><?xml version="1.0" encoding="utf-8"?>
@@ -4148,7 +4448,7 @@
           <a:p>
             <a:fld id="{594BF61B-F633-497E-89E6-831EB66A6863}" type="datetimeFigureOut">
               <a:rPr lang="en-US" smtClean="0"/>
-              <a:t>4/22/2019</a:t>
+              <a:t>4/24/2019</a:t>
             </a:fld>
             <a:endParaRPr lang="en-US"/>
           </a:p>
@@ -4399,7 +4699,7 @@
           <a:p>
             <a:fld id="{594BF61B-F633-497E-89E6-831EB66A6863}" type="datetimeFigureOut">
               <a:rPr lang="en-US" smtClean="0"/>
-              <a:t>4/22/2019</a:t>
+              <a:t>4/24/2019</a:t>
             </a:fld>
             <a:endParaRPr lang="en-US"/>
           </a:p>
@@ -4713,7 +5013,7 @@
           <a:p>
             <a:fld id="{594BF61B-F633-497E-89E6-831EB66A6863}" type="datetimeFigureOut">
               <a:rPr lang="en-US" smtClean="0"/>
-              <a:t>4/22/2019</a:t>
+              <a:t>4/24/2019</a:t>
             </a:fld>
             <a:endParaRPr lang="en-US"/>
           </a:p>
@@ -5054,7 +5354,7 @@
           <a:p>
             <a:fld id="{594BF61B-F633-497E-89E6-831EB66A6863}" type="datetimeFigureOut">
               <a:rPr lang="en-US" smtClean="0"/>
-              <a:t>4/22/2019</a:t>
+              <a:t>4/24/2019</a:t>
             </a:fld>
             <a:endParaRPr lang="en-US"/>
           </a:p>
@@ -5368,7 +5668,7 @@
           <a:p>
             <a:fld id="{594BF61B-F633-497E-89E6-831EB66A6863}" type="datetimeFigureOut">
               <a:rPr lang="en-US" smtClean="0"/>
-              <a:t>4/22/2019</a:t>
+              <a:t>4/24/2019</a:t>
             </a:fld>
             <a:endParaRPr lang="en-US"/>
           </a:p>
@@ -5761,7 +6061,7 @@
           <a:p>
             <a:fld id="{594BF61B-F633-497E-89E6-831EB66A6863}" type="datetimeFigureOut">
               <a:rPr lang="en-US" smtClean="0"/>
-              <a:t>4/22/2019</a:t>
+              <a:t>4/24/2019</a:t>
             </a:fld>
             <a:endParaRPr lang="en-US"/>
           </a:p>
@@ -5931,7 +6231,7 @@
           <a:p>
             <a:fld id="{594BF61B-F633-497E-89E6-831EB66A6863}" type="datetimeFigureOut">
               <a:rPr lang="en-US" smtClean="0"/>
-              <a:t>4/22/2019</a:t>
+              <a:t>4/24/2019</a:t>
             </a:fld>
             <a:endParaRPr lang="en-US"/>
           </a:p>
@@ -6111,7 +6411,7 @@
           <a:p>
             <a:fld id="{594BF61B-F633-497E-89E6-831EB66A6863}" type="datetimeFigureOut">
               <a:rPr lang="en-US" smtClean="0"/>
-              <a:t>4/22/2019</a:t>
+              <a:t>4/24/2019</a:t>
             </a:fld>
             <a:endParaRPr lang="en-US"/>
           </a:p>
@@ -6287,7 +6587,7 @@
           <a:p>
             <a:fld id="{594BF61B-F633-497E-89E6-831EB66A6863}" type="datetimeFigureOut">
               <a:rPr lang="en-US" smtClean="0"/>
-              <a:t>4/22/2019</a:t>
+              <a:t>4/24/2019</a:t>
             </a:fld>
             <a:endParaRPr lang="en-US"/>
           </a:p>
@@ -6534,7 +6834,7 @@
           <a:p>
             <a:fld id="{594BF61B-F633-497E-89E6-831EB66A6863}" type="datetimeFigureOut">
               <a:rPr lang="en-US" smtClean="0"/>
-              <a:t>4/22/2019</a:t>
+              <a:t>4/24/2019</a:t>
             </a:fld>
             <a:endParaRPr lang="en-US"/>
           </a:p>
@@ -6766,7 +7066,7 @@
           <a:p>
             <a:fld id="{594BF61B-F633-497E-89E6-831EB66A6863}" type="datetimeFigureOut">
               <a:rPr lang="en-US" smtClean="0"/>
-              <a:t>4/22/2019</a:t>
+              <a:t>4/24/2019</a:t>
             </a:fld>
             <a:endParaRPr lang="en-US"/>
           </a:p>
@@ -7140,7 +7440,7 @@
           <a:p>
             <a:fld id="{594BF61B-F633-497E-89E6-831EB66A6863}" type="datetimeFigureOut">
               <a:rPr lang="en-US" smtClean="0"/>
-              <a:t>4/22/2019</a:t>
+              <a:t>4/24/2019</a:t>
             </a:fld>
             <a:endParaRPr lang="en-US"/>
           </a:p>
@@ -7263,7 +7563,7 @@
           <a:p>
             <a:fld id="{594BF61B-F633-497E-89E6-831EB66A6863}" type="datetimeFigureOut">
               <a:rPr lang="en-US" smtClean="0"/>
-              <a:t>4/22/2019</a:t>
+              <a:t>4/24/2019</a:t>
             </a:fld>
             <a:endParaRPr lang="en-US"/>
           </a:p>
@@ -7358,7 +7658,7 @@
           <a:p>
             <a:fld id="{594BF61B-F633-497E-89E6-831EB66A6863}" type="datetimeFigureOut">
               <a:rPr lang="en-US" smtClean="0"/>
-              <a:t>4/22/2019</a:t>
+              <a:t>4/24/2019</a:t>
             </a:fld>
             <a:endParaRPr lang="en-US"/>
           </a:p>
@@ -7613,7 +7913,7 @@
           <a:p>
             <a:fld id="{594BF61B-F633-497E-89E6-831EB66A6863}" type="datetimeFigureOut">
               <a:rPr lang="en-US" smtClean="0"/>
-              <a:t>4/22/2019</a:t>
+              <a:t>4/24/2019</a:t>
             </a:fld>
             <a:endParaRPr lang="en-US"/>
           </a:p>
@@ -7876,7 +8176,7 @@
           <a:p>
             <a:fld id="{594BF61B-F633-497E-89E6-831EB66A6863}" type="datetimeFigureOut">
               <a:rPr lang="en-US" smtClean="0"/>
-              <a:t>4/22/2019</a:t>
+              <a:t>4/24/2019</a:t>
             </a:fld>
             <a:endParaRPr lang="en-US"/>
           </a:p>
@@ -8619,7 +8919,7 @@
           <a:p>
             <a:fld id="{594BF61B-F633-497E-89E6-831EB66A6863}" type="datetimeFigureOut">
               <a:rPr lang="en-US" smtClean="0"/>
-              <a:t>4/22/2019</a:t>
+              <a:t>4/24/2019</a:t>
             </a:fld>
             <a:endParaRPr lang="en-US"/>
           </a:p>
@@ -10068,7 +10368,7 @@
           <a:p>
             <a:r>
               <a:rPr lang="en-US" dirty="0"/>
-              <a:t>Other Concerns</a:t>
+              <a:t>Demo Requirements:  The Deployment</a:t>
             </a:r>
           </a:p>
         </p:txBody>
@@ -10085,61 +10385,72 @@
         </p:nvSpPr>
         <p:spPr/>
         <p:txBody>
-          <a:bodyPr/>
+          <a:bodyPr>
+            <a:normAutofit/>
+          </a:bodyPr>
           <a:lstStyle/>
           <a:p>
             <a:r>
               <a:rPr lang="en-US" dirty="0"/>
-              <a:t>Budgeting</a:t>
+              <a:t>The vendor will run the application on a desktop</a:t>
             </a:r>
           </a:p>
           <a:p>
             <a:r>
               <a:rPr lang="en-US" dirty="0"/>
-              <a:t>Change Management</a:t>
+              <a:t>The vendor will demonstrate solutions to our named concerns</a:t>
             </a:r>
           </a:p>
           <a:p>
             <a:r>
               <a:rPr lang="en-US" dirty="0"/>
-              <a:t>Desktop Host Management</a:t>
+              <a:t>The vendor will give us infrastructure requirements</a:t>
             </a:r>
           </a:p>
           <a:p>
             <a:r>
               <a:rPr lang="en-US" dirty="0"/>
-              <a:t>Image Approval and Management</a:t>
+              <a:t>We will provide the infrastructure</a:t>
             </a:r>
           </a:p>
           <a:p>
             <a:r>
               <a:rPr lang="en-US" dirty="0"/>
-              <a:t>Licensing and Compliance</a:t>
-            </a:r>
-          </a:p>
-          <a:p>
-            <a:r>
-              <a:rPr lang="en-US"/>
-              <a:t>Long-term viability</a:t>
-            </a:r>
-            <a:endParaRPr lang="en-US" dirty="0"/>
-          </a:p>
-          <a:p>
+              <a:t>The vendor will install, configure, and demonstrate their solution</a:t>
+            </a:r>
+          </a:p>
+          <a:p>
+            <a:pPr lvl="1"/>
             <a:r>
               <a:rPr lang="en-US" dirty="0"/>
-              <a:t>Resource Planning</a:t>
-            </a:r>
-          </a:p>
-          <a:p>
+              <a:t>The application will must be deployed</a:t>
+            </a:r>
+          </a:p>
+          <a:p>
+            <a:pPr lvl="1"/>
             <a:r>
               <a:rPr lang="en-US" dirty="0"/>
-              <a:t>Security Audits</a:t>
-            </a:r>
-          </a:p>
-          <a:p>
+              <a:t>The application must be reachable on our network</a:t>
+            </a:r>
+          </a:p>
+          <a:p>
+            <a:pPr lvl="1"/>
             <a:r>
               <a:rPr lang="en-US" dirty="0"/>
-              <a:t>Technical Support Quality and Availability</a:t>
+              <a:t>We want them to show us “the standard way” to do this, step by step</a:t>
+            </a:r>
+          </a:p>
+          <a:p>
+            <a:pPr lvl="1"/>
+            <a:r>
+              <a:rPr lang="en-US" dirty="0"/>
+              <a:t>Auto-scale running containers as needed</a:t>
+            </a:r>
+          </a:p>
+          <a:p>
+            <a:r>
+              <a:rPr lang="en-US" dirty="0"/>
+              <a:t>The vendor will demonstrate rolling updates</a:t>
             </a:r>
           </a:p>
         </p:txBody>
@@ -10147,7 +10458,7 @@
     </p:spTree>
     <p:extLst>
       <p:ext uri="{BB962C8B-B14F-4D97-AF65-F5344CB8AC3E}">
-        <p14:creationId xmlns:p14="http://schemas.microsoft.com/office/powerpoint/2010/main" val="647872659"/>
+        <p14:creationId xmlns:p14="http://schemas.microsoft.com/office/powerpoint/2010/main" val="551168300"/>
       </p:ext>
     </p:extLst>
   </p:cSld>
@@ -10158,7 +10469,7 @@
 </file>
 
 <file path=ppt/slides/slide11.xml><?xml version="1.0" encoding="utf-8"?>
-<p:sld xmlns:a="http://schemas.openxmlformats.org/drawingml/2006/main" xmlns:r="http://schemas.openxmlformats.org/officeDocument/2006/relationships" xmlns:p="http://schemas.openxmlformats.org/presentationml/2006/main">
+<p:sld xmlns:a="http://schemas.openxmlformats.org/drawingml/2006/main" xmlns:r="http://schemas.openxmlformats.org/officeDocument/2006/relationships" xmlns:p="http://schemas.openxmlformats.org/presentationml/2006/main" show="0">
   <p:cSld>
     <p:spTree>
       <p:nvGrpSpPr>
@@ -10176,13 +10487,7 @@
       </p:grpSpPr>
       <p:sp>
         <p:nvSpPr>
-          <p:cNvPr id="2" name="Title 1">
-            <a:extLst>
-              <a:ext uri="{FF2B5EF4-FFF2-40B4-BE49-F238E27FC236}">
-                <a16:creationId xmlns:a16="http://schemas.microsoft.com/office/drawing/2014/main" id="{02C69A9D-11E3-42B6-A78A-D426038F43C5}"/>
-              </a:ext>
-            </a:extLst>
-          </p:cNvPr>
+          <p:cNvPr id="2" name="Title 1"/>
           <p:cNvSpPr>
             <a:spLocks noGrp="1"/>
           </p:cNvSpPr>
@@ -10197,20 +10502,14 @@
           <a:p>
             <a:r>
               <a:rPr lang="en-US" dirty="0"/>
-              <a:t>Demo Requirements</a:t>
-            </a:r>
-          </a:p>
-        </p:txBody>
-      </p:sp>
-      <p:sp>
-        <p:nvSpPr>
-          <p:cNvPr id="3" name="Content Placeholder 2">
-            <a:extLst>
-              <a:ext uri="{FF2B5EF4-FFF2-40B4-BE49-F238E27FC236}">
-                <a16:creationId xmlns:a16="http://schemas.microsoft.com/office/drawing/2014/main" id="{0341BF6B-1DD5-4499-A7F3-A34FCF6500EB}"/>
-              </a:ext>
-            </a:extLst>
-          </p:cNvPr>
+              <a:t>Demo Requirements:  NOC Operations</a:t>
+            </a:r>
+          </a:p>
+        </p:txBody>
+      </p:sp>
+      <p:sp>
+        <p:nvSpPr>
+          <p:cNvPr id="3" name="Content Placeholder 2"/>
           <p:cNvSpPr>
             <a:spLocks noGrp="1"/>
           </p:cNvSpPr>
@@ -10220,38 +10519,87 @@
         </p:nvSpPr>
         <p:spPr/>
         <p:txBody>
-          <a:bodyPr/>
+          <a:bodyPr>
+            <a:normAutofit/>
+          </a:bodyPr>
           <a:lstStyle/>
           <a:p>
             <a:r>
               <a:rPr lang="en-US" dirty="0"/>
-              <a:t>We’ll provide the application</a:t>
-            </a:r>
-          </a:p>
-          <a:p>
+              <a:t>Demonstrate Monitoring</a:t>
+            </a:r>
+          </a:p>
+          <a:p>
+            <a:pPr lvl="1"/>
             <a:r>
               <a:rPr lang="en-US" dirty="0"/>
-              <a:t>Deployment</a:t>
-            </a:r>
-          </a:p>
-          <a:p>
+              <a:t>At the cluster level</a:t>
+            </a:r>
+          </a:p>
+          <a:p>
+            <a:pPr lvl="1"/>
             <a:r>
               <a:rPr lang="en-US" dirty="0"/>
-              <a:t>NOC Integration</a:t>
-            </a:r>
-          </a:p>
-          <a:p>
+              <a:t>At the host level</a:t>
+            </a:r>
+          </a:p>
+          <a:p>
+            <a:pPr lvl="1"/>
             <a:r>
               <a:rPr lang="en-US" dirty="0"/>
-              <a:t>Proposals</a:t>
-            </a:r>
+              <a:t>At the container level</a:t>
+            </a:r>
+          </a:p>
+          <a:p>
+            <a:pPr lvl="1"/>
+            <a:r>
+              <a:rPr lang="en-US" dirty="0"/>
+              <a:t>* We prefer to integrate with our current NOC products</a:t>
+            </a:r>
+          </a:p>
+          <a:p>
+            <a:r>
+              <a:rPr lang="en-US" dirty="0"/>
+              <a:t>Demonstrate Escalation Plans</a:t>
+            </a:r>
+          </a:p>
+          <a:p>
+            <a:pPr lvl="1"/>
+            <a:r>
+              <a:rPr lang="en-US" dirty="0"/>
+              <a:t>An application is down</a:t>
+            </a:r>
+          </a:p>
+          <a:p>
+            <a:pPr lvl="1"/>
+            <a:r>
+              <a:rPr lang="en-US" dirty="0"/>
+              <a:t>Scarce resources</a:t>
+            </a:r>
+          </a:p>
+          <a:p>
+            <a:r>
+              <a:rPr lang="en-US" dirty="0"/>
+              <a:t>Demonstrate Rolling Updates</a:t>
+            </a:r>
+          </a:p>
+          <a:p>
+            <a:pPr lvl="1"/>
+            <a:r>
+              <a:rPr lang="en-US" dirty="0"/>
+              <a:t>Update running containers from an old base OS image to a current one</a:t>
+            </a:r>
+          </a:p>
+          <a:p>
+            <a:pPr lvl="1"/>
+            <a:endParaRPr lang="en-US" dirty="0"/>
           </a:p>
         </p:txBody>
       </p:sp>
     </p:spTree>
     <p:extLst>
       <p:ext uri="{BB962C8B-B14F-4D97-AF65-F5344CB8AC3E}">
-        <p14:creationId xmlns:p14="http://schemas.microsoft.com/office/powerpoint/2010/main" val="3976924198"/>
+        <p14:creationId xmlns:p14="http://schemas.microsoft.com/office/powerpoint/2010/main" val="3864910711"/>
       </p:ext>
     </p:extLst>
   </p:cSld>
@@ -10295,377 +10643,6 @@
           <a:p>
             <a:r>
               <a:rPr lang="en-US" dirty="0"/>
-              <a:t>Demo Requirements:  The Application</a:t>
-            </a:r>
-          </a:p>
-        </p:txBody>
-      </p:sp>
-      <p:sp>
-        <p:nvSpPr>
-          <p:cNvPr id="3" name="Content Placeholder 2"/>
-          <p:cNvSpPr>
-            <a:spLocks noGrp="1"/>
-          </p:cNvSpPr>
-          <p:nvPr>
-            <p:ph idx="1"/>
-          </p:nvPr>
-        </p:nvSpPr>
-        <p:spPr/>
-        <p:txBody>
-          <a:bodyPr>
-            <a:normAutofit/>
-          </a:bodyPr>
-          <a:lstStyle/>
-          <a:p>
-            <a:r>
-              <a:rPr lang="en-US" dirty="0"/>
-              <a:t>We will provide a simple app to Containerize</a:t>
-            </a:r>
-          </a:p>
-          <a:p>
-            <a:r>
-              <a:rPr lang="en-US" dirty="0"/>
-              <a:t>The app will have two dependencies</a:t>
-            </a:r>
-          </a:p>
-          <a:p>
-            <a:pPr lvl="1"/>
-            <a:r>
-              <a:rPr lang="en-US" dirty="0"/>
-              <a:t>Database</a:t>
-            </a:r>
-          </a:p>
-          <a:p>
-            <a:pPr lvl="1"/>
-            <a:r>
-              <a:rPr lang="en-US" dirty="0"/>
-              <a:t>Messaging</a:t>
-            </a:r>
-          </a:p>
-        </p:txBody>
-      </p:sp>
-    </p:spTree>
-    <p:extLst>
-      <p:ext uri="{BB962C8B-B14F-4D97-AF65-F5344CB8AC3E}">
-        <p14:creationId xmlns:p14="http://schemas.microsoft.com/office/powerpoint/2010/main" val="1204616855"/>
-      </p:ext>
-    </p:extLst>
-  </p:cSld>
-  <p:clrMapOvr>
-    <a:masterClrMapping/>
-  </p:clrMapOvr>
-</p:sld>
-</file>
-
-<file path=ppt/slides/slide13.xml><?xml version="1.0" encoding="utf-8"?>
-<p:sld xmlns:a="http://schemas.openxmlformats.org/drawingml/2006/main" xmlns:r="http://schemas.openxmlformats.org/officeDocument/2006/relationships" xmlns:p="http://schemas.openxmlformats.org/presentationml/2006/main" show="0">
-  <p:cSld>
-    <p:spTree>
-      <p:nvGrpSpPr>
-        <p:cNvPr id="1" name=""/>
-        <p:cNvGrpSpPr/>
-        <p:nvPr/>
-      </p:nvGrpSpPr>
-      <p:grpSpPr>
-        <a:xfrm>
-          <a:off x="0" y="0"/>
-          <a:ext cx="0" cy="0"/>
-          <a:chOff x="0" y="0"/>
-          <a:chExt cx="0" cy="0"/>
-        </a:xfrm>
-      </p:grpSpPr>
-      <p:sp>
-        <p:nvSpPr>
-          <p:cNvPr id="2" name="Title 1"/>
-          <p:cNvSpPr>
-            <a:spLocks noGrp="1"/>
-          </p:cNvSpPr>
-          <p:nvPr>
-            <p:ph type="title"/>
-          </p:nvPr>
-        </p:nvSpPr>
-        <p:spPr/>
-        <p:txBody>
-          <a:bodyPr/>
-          <a:lstStyle/>
-          <a:p>
-            <a:r>
-              <a:rPr lang="en-US" dirty="0"/>
-              <a:t>Demo Requirements:  The Deployment</a:t>
-            </a:r>
-          </a:p>
-        </p:txBody>
-      </p:sp>
-      <p:sp>
-        <p:nvSpPr>
-          <p:cNvPr id="3" name="Content Placeholder 2"/>
-          <p:cNvSpPr>
-            <a:spLocks noGrp="1"/>
-          </p:cNvSpPr>
-          <p:nvPr>
-            <p:ph idx="1"/>
-          </p:nvPr>
-        </p:nvSpPr>
-        <p:spPr/>
-        <p:txBody>
-          <a:bodyPr>
-            <a:normAutofit/>
-          </a:bodyPr>
-          <a:lstStyle/>
-          <a:p>
-            <a:r>
-              <a:rPr lang="en-US" dirty="0"/>
-              <a:t>The vendor will run the application on a desktop</a:t>
-            </a:r>
-          </a:p>
-          <a:p>
-            <a:r>
-              <a:rPr lang="en-US" dirty="0"/>
-              <a:t>The vendor will demonstrate solutions to our named concerns</a:t>
-            </a:r>
-          </a:p>
-          <a:p>
-            <a:r>
-              <a:rPr lang="en-US" dirty="0"/>
-              <a:t>The vendor will give us infrastructure requirements</a:t>
-            </a:r>
-          </a:p>
-          <a:p>
-            <a:r>
-              <a:rPr lang="en-US" dirty="0"/>
-              <a:t>We will provide the infrastructure</a:t>
-            </a:r>
-          </a:p>
-          <a:p>
-            <a:r>
-              <a:rPr lang="en-US" dirty="0"/>
-              <a:t>The vendor will install, configure, and demonstrate their solution</a:t>
-            </a:r>
-          </a:p>
-          <a:p>
-            <a:pPr lvl="1"/>
-            <a:r>
-              <a:rPr lang="en-US" dirty="0"/>
-              <a:t>The application will must be deployed</a:t>
-            </a:r>
-          </a:p>
-          <a:p>
-            <a:pPr lvl="1"/>
-            <a:r>
-              <a:rPr lang="en-US" dirty="0"/>
-              <a:t>The application must be reachable on our network</a:t>
-            </a:r>
-          </a:p>
-          <a:p>
-            <a:pPr lvl="1"/>
-            <a:r>
-              <a:rPr lang="en-US" dirty="0"/>
-              <a:t>We want them to show us “the standard way” to do this, step by step</a:t>
-            </a:r>
-          </a:p>
-          <a:p>
-            <a:pPr lvl="1"/>
-            <a:r>
-              <a:rPr lang="en-US" dirty="0"/>
-              <a:t>Auto-scale running containers as needed</a:t>
-            </a:r>
-          </a:p>
-          <a:p>
-            <a:r>
-              <a:rPr lang="en-US" dirty="0"/>
-              <a:t>The vendor will demonstrate rolling updates</a:t>
-            </a:r>
-          </a:p>
-        </p:txBody>
-      </p:sp>
-    </p:spTree>
-    <p:extLst>
-      <p:ext uri="{BB962C8B-B14F-4D97-AF65-F5344CB8AC3E}">
-        <p14:creationId xmlns:p14="http://schemas.microsoft.com/office/powerpoint/2010/main" val="551168300"/>
-      </p:ext>
-    </p:extLst>
-  </p:cSld>
-  <p:clrMapOvr>
-    <a:masterClrMapping/>
-  </p:clrMapOvr>
-</p:sld>
-</file>
-
-<file path=ppt/slides/slide14.xml><?xml version="1.0" encoding="utf-8"?>
-<p:sld xmlns:a="http://schemas.openxmlformats.org/drawingml/2006/main" xmlns:r="http://schemas.openxmlformats.org/officeDocument/2006/relationships" xmlns:p="http://schemas.openxmlformats.org/presentationml/2006/main" show="0">
-  <p:cSld>
-    <p:spTree>
-      <p:nvGrpSpPr>
-        <p:cNvPr id="1" name=""/>
-        <p:cNvGrpSpPr/>
-        <p:nvPr/>
-      </p:nvGrpSpPr>
-      <p:grpSpPr>
-        <a:xfrm>
-          <a:off x="0" y="0"/>
-          <a:ext cx="0" cy="0"/>
-          <a:chOff x="0" y="0"/>
-          <a:chExt cx="0" cy="0"/>
-        </a:xfrm>
-      </p:grpSpPr>
-      <p:sp>
-        <p:nvSpPr>
-          <p:cNvPr id="2" name="Title 1"/>
-          <p:cNvSpPr>
-            <a:spLocks noGrp="1"/>
-          </p:cNvSpPr>
-          <p:nvPr>
-            <p:ph type="title"/>
-          </p:nvPr>
-        </p:nvSpPr>
-        <p:spPr/>
-        <p:txBody>
-          <a:bodyPr/>
-          <a:lstStyle/>
-          <a:p>
-            <a:r>
-              <a:rPr lang="en-US" dirty="0"/>
-              <a:t>Demo Requirements:  NOC Operations</a:t>
-            </a:r>
-          </a:p>
-        </p:txBody>
-      </p:sp>
-      <p:sp>
-        <p:nvSpPr>
-          <p:cNvPr id="3" name="Content Placeholder 2"/>
-          <p:cNvSpPr>
-            <a:spLocks noGrp="1"/>
-          </p:cNvSpPr>
-          <p:nvPr>
-            <p:ph idx="1"/>
-          </p:nvPr>
-        </p:nvSpPr>
-        <p:spPr/>
-        <p:txBody>
-          <a:bodyPr>
-            <a:normAutofit/>
-          </a:bodyPr>
-          <a:lstStyle/>
-          <a:p>
-            <a:r>
-              <a:rPr lang="en-US" dirty="0"/>
-              <a:t>Demonstrate Monitoring</a:t>
-            </a:r>
-          </a:p>
-          <a:p>
-            <a:pPr lvl="1"/>
-            <a:r>
-              <a:rPr lang="en-US" dirty="0"/>
-              <a:t>At the cluster level</a:t>
-            </a:r>
-          </a:p>
-          <a:p>
-            <a:pPr lvl="1"/>
-            <a:r>
-              <a:rPr lang="en-US" dirty="0"/>
-              <a:t>At the host level</a:t>
-            </a:r>
-          </a:p>
-          <a:p>
-            <a:pPr lvl="1"/>
-            <a:r>
-              <a:rPr lang="en-US" dirty="0"/>
-              <a:t>At the container level</a:t>
-            </a:r>
-          </a:p>
-          <a:p>
-            <a:pPr lvl="1"/>
-            <a:r>
-              <a:rPr lang="en-US" dirty="0"/>
-              <a:t>* We prefer to integrate with our current NOC products</a:t>
-            </a:r>
-          </a:p>
-          <a:p>
-            <a:r>
-              <a:rPr lang="en-US" dirty="0"/>
-              <a:t>Demonstrate Escalation Plans</a:t>
-            </a:r>
-          </a:p>
-          <a:p>
-            <a:pPr lvl="1"/>
-            <a:r>
-              <a:rPr lang="en-US" dirty="0"/>
-              <a:t>An application is down</a:t>
-            </a:r>
-          </a:p>
-          <a:p>
-            <a:pPr lvl="1"/>
-            <a:r>
-              <a:rPr lang="en-US" dirty="0"/>
-              <a:t>Scarce resources</a:t>
-            </a:r>
-          </a:p>
-          <a:p>
-            <a:r>
-              <a:rPr lang="en-US" dirty="0"/>
-              <a:t>Demonstrate Rolling Updates</a:t>
-            </a:r>
-          </a:p>
-          <a:p>
-            <a:pPr lvl="1"/>
-            <a:r>
-              <a:rPr lang="en-US" dirty="0"/>
-              <a:t>Update running containers from an old base OS image to a current one</a:t>
-            </a:r>
-          </a:p>
-          <a:p>
-            <a:pPr lvl="1"/>
-            <a:endParaRPr lang="en-US" dirty="0"/>
-          </a:p>
-        </p:txBody>
-      </p:sp>
-    </p:spTree>
-    <p:extLst>
-      <p:ext uri="{BB962C8B-B14F-4D97-AF65-F5344CB8AC3E}">
-        <p14:creationId xmlns:p14="http://schemas.microsoft.com/office/powerpoint/2010/main" val="3864910711"/>
-      </p:ext>
-    </p:extLst>
-  </p:cSld>
-  <p:clrMapOvr>
-    <a:masterClrMapping/>
-  </p:clrMapOvr>
-</p:sld>
-</file>
-
-<file path=ppt/slides/slide15.xml><?xml version="1.0" encoding="utf-8"?>
-<p:sld xmlns:a="http://schemas.openxmlformats.org/drawingml/2006/main" xmlns:r="http://schemas.openxmlformats.org/officeDocument/2006/relationships" xmlns:p="http://schemas.openxmlformats.org/presentationml/2006/main" show="0">
-  <p:cSld>
-    <p:spTree>
-      <p:nvGrpSpPr>
-        <p:cNvPr id="1" name=""/>
-        <p:cNvGrpSpPr/>
-        <p:nvPr/>
-      </p:nvGrpSpPr>
-      <p:grpSpPr>
-        <a:xfrm>
-          <a:off x="0" y="0"/>
-          <a:ext cx="0" cy="0"/>
-          <a:chOff x="0" y="0"/>
-          <a:chExt cx="0" cy="0"/>
-        </a:xfrm>
-      </p:grpSpPr>
-      <p:sp>
-        <p:nvSpPr>
-          <p:cNvPr id="2" name="Title 1"/>
-          <p:cNvSpPr>
-            <a:spLocks noGrp="1"/>
-          </p:cNvSpPr>
-          <p:nvPr>
-            <p:ph type="title"/>
-          </p:nvPr>
-        </p:nvSpPr>
-        <p:spPr/>
-        <p:txBody>
-          <a:bodyPr/>
-          <a:lstStyle/>
-          <a:p>
-            <a:r>
-              <a:rPr lang="en-US" dirty="0"/>
               <a:t>Demo Requirements:  The Proposal</a:t>
             </a:r>
           </a:p>
@@ -10768,7 +10745,7 @@
 </p:sld>
 </file>
 
-<file path=ppt/slides/slide16.xml><?xml version="1.0" encoding="utf-8"?>
+<file path=ppt/slides/slide13.xml><?xml version="1.0" encoding="utf-8"?>
 <p:sld xmlns:a="http://schemas.openxmlformats.org/drawingml/2006/main" xmlns:r="http://schemas.openxmlformats.org/officeDocument/2006/relationships" xmlns:p="http://schemas.openxmlformats.org/presentationml/2006/main">
   <p:cSld>
     <p:spTree>
@@ -10802,7 +10779,7 @@
           <a:p>
             <a:r>
               <a:rPr lang="en-US" dirty="0"/>
-              <a:t>Phase Two (Medium)</a:t>
+              <a:t>Phase Two (2 Months)</a:t>
             </a:r>
           </a:p>
         </p:txBody>
@@ -10842,7 +10819,7 @@
 </p:sld>
 </file>
 
-<file path=ppt/slides/slide17.xml><?xml version="1.0" encoding="utf-8"?>
+<file path=ppt/slides/slide14.xml><?xml version="1.0" encoding="utf-8"?>
 <p:sld xmlns:a="http://schemas.openxmlformats.org/drawingml/2006/main" xmlns:r="http://schemas.openxmlformats.org/officeDocument/2006/relationships" xmlns:p="http://schemas.openxmlformats.org/presentationml/2006/main">
   <p:cSld>
     <p:spTree>
@@ -10937,6 +10914,17 @@
               <a:t>NOC integration</a:t>
             </a:r>
           </a:p>
+          <a:p>
+            <a:r>
+              <a:rPr lang="en-US" dirty="0"/>
+              <a:t>Potential New Roles and </a:t>
+            </a:r>
+            <a:r>
+              <a:rPr lang="en-US" dirty="0" err="1"/>
+              <a:t>Responsibilites</a:t>
+            </a:r>
+            <a:endParaRPr lang="en-US" dirty="0"/>
+          </a:p>
         </p:txBody>
       </p:sp>
     </p:spTree>
@@ -10952,7 +10940,7 @@
 </p:sld>
 </file>
 
-<file path=ppt/slides/slide18.xml><?xml version="1.0" encoding="utf-8"?>
+<file path=ppt/slides/slide15.xml><?xml version="1.0" encoding="utf-8"?>
 <p:sld xmlns:a="http://schemas.openxmlformats.org/drawingml/2006/main" xmlns:r="http://schemas.openxmlformats.org/officeDocument/2006/relationships" xmlns:p="http://schemas.openxmlformats.org/presentationml/2006/main">
   <p:cSld>
     <p:spTree>
@@ -10986,7 +10974,7 @@
           <a:p>
             <a:r>
               <a:rPr lang="en-US" dirty="0"/>
-              <a:t>Phase Three (Large)</a:t>
+              <a:t>Phase Three (6 Months)</a:t>
             </a:r>
           </a:p>
         </p:txBody>
@@ -11026,7 +11014,7 @@
 </p:sld>
 </file>
 
-<file path=ppt/slides/slide19.xml><?xml version="1.0" encoding="utf-8"?>
+<file path=ppt/slides/slide16.xml><?xml version="1.0" encoding="utf-8"?>
 <p:sld xmlns:a="http://schemas.openxmlformats.org/drawingml/2006/main" xmlns:r="http://schemas.openxmlformats.org/officeDocument/2006/relationships" xmlns:p="http://schemas.openxmlformats.org/presentationml/2006/main">
   <p:cSld>
     <p:spTree>
@@ -11159,7 +11147,7 @@
           </p:xfrm>
           <a:graphic>
             <a:graphicData uri="http://schemas.openxmlformats.org/drawingml/2006/diagram">
-              <dgm:relIds xmlns:dgm="http://schemas.openxmlformats.org/drawingml/2006/diagram" xmlns:r="http://schemas.openxmlformats.org/officeDocument/2006/relationships" r:dm="rId2" r:lo="rId3" r:qs="rId4" r:cs="rId5"/>
+              <dgm:relIds xmlns:dgm="http://schemas.openxmlformats.org/drawingml/2006/diagram" xmlns:r="http://schemas.openxmlformats.org/officeDocument/2006/relationships" r:dm="rId3" r:lo="rId4" r:qs="rId5" r:cs="rId6"/>
             </a:graphicData>
           </a:graphic>
         </p:graphicFrame>
@@ -12660,6 +12648,118 @@
 </p:sld>
 </file>
 
+<file path=ppt/slides/slide17.xml><?xml version="1.0" encoding="utf-8"?>
+<p:sld xmlns:a="http://schemas.openxmlformats.org/drawingml/2006/main" xmlns:r="http://schemas.openxmlformats.org/officeDocument/2006/relationships" xmlns:p="http://schemas.openxmlformats.org/presentationml/2006/main">
+  <p:cSld>
+    <p:spTree>
+      <p:nvGrpSpPr>
+        <p:cNvPr id="1" name=""/>
+        <p:cNvGrpSpPr/>
+        <p:nvPr/>
+      </p:nvGrpSpPr>
+      <p:grpSpPr>
+        <a:xfrm>
+          <a:off x="0" y="0"/>
+          <a:ext cx="0" cy="0"/>
+          <a:chOff x="0" y="0"/>
+          <a:chExt cx="0" cy="0"/>
+        </a:xfrm>
+      </p:grpSpPr>
+      <p:sp>
+        <p:nvSpPr>
+          <p:cNvPr id="2" name="Title 1">
+            <a:extLst>
+              <a:ext uri="{FF2B5EF4-FFF2-40B4-BE49-F238E27FC236}">
+                <a16:creationId xmlns:a16="http://schemas.microsoft.com/office/drawing/2014/main" id="{F98DCCC2-901E-4BA8-8F13-695B7613B71C}"/>
+              </a:ext>
+            </a:extLst>
+          </p:cNvPr>
+          <p:cNvSpPr>
+            <a:spLocks noGrp="1"/>
+          </p:cNvSpPr>
+          <p:nvPr>
+            <p:ph type="title"/>
+          </p:nvPr>
+        </p:nvSpPr>
+        <p:spPr/>
+        <p:txBody>
+          <a:bodyPr/>
+          <a:lstStyle/>
+          <a:p>
+            <a:r>
+              <a:rPr lang="en-US" dirty="0"/>
+              <a:t>Next Steps</a:t>
+            </a:r>
+          </a:p>
+        </p:txBody>
+      </p:sp>
+      <p:sp>
+        <p:nvSpPr>
+          <p:cNvPr id="3" name="Content Placeholder 2">
+            <a:extLst>
+              <a:ext uri="{FF2B5EF4-FFF2-40B4-BE49-F238E27FC236}">
+                <a16:creationId xmlns:a16="http://schemas.microsoft.com/office/drawing/2014/main" id="{65972851-E12F-4953-BC40-498F40127880}"/>
+              </a:ext>
+            </a:extLst>
+          </p:cNvPr>
+          <p:cNvSpPr>
+            <a:spLocks noGrp="1"/>
+          </p:cNvSpPr>
+          <p:nvPr>
+            <p:ph idx="1"/>
+          </p:nvPr>
+        </p:nvSpPr>
+        <p:spPr/>
+        <p:txBody>
+          <a:bodyPr>
+            <a:normAutofit/>
+          </a:bodyPr>
+          <a:lstStyle/>
+          <a:p>
+            <a:r>
+              <a:rPr lang="en-US" dirty="0"/>
+              <a:t>Finalize our team</a:t>
+            </a:r>
+          </a:p>
+          <a:p>
+            <a:r>
+              <a:rPr lang="en-US" dirty="0"/>
+              <a:t>Write our RFP document</a:t>
+            </a:r>
+          </a:p>
+          <a:p>
+            <a:r>
+              <a:rPr lang="en-US" dirty="0"/>
+              <a:t>Submit RFP to vendors</a:t>
+            </a:r>
+          </a:p>
+          <a:p>
+            <a:r>
+              <a:rPr lang="en-US" dirty="0"/>
+              <a:t>Coordinate vendor presentations</a:t>
+            </a:r>
+          </a:p>
+          <a:p>
+            <a:r>
+              <a:rPr lang="en-US" dirty="0"/>
+              <a:t>Nail down estimate for phase 2</a:t>
+            </a:r>
+          </a:p>
+        </p:txBody>
+      </p:sp>
+    </p:spTree>
+    <p:extLst>
+      <p:ext uri="{BB962C8B-B14F-4D97-AF65-F5344CB8AC3E}">
+        <p14:creationId xmlns:p14="http://schemas.microsoft.com/office/powerpoint/2010/main" val="781785288"/>
+      </p:ext>
+    </p:extLst>
+  </p:cSld>
+  <p:clrMapOvr>
+    <a:masterClrMapping/>
+  </p:clrMapOvr>
+</p:sld>
+</file>
+
 <file path=ppt/slides/slide2.xml><?xml version="1.0" encoding="utf-8"?>
 <p:sld xmlns:a="http://schemas.openxmlformats.org/drawingml/2006/main" xmlns:r="http://schemas.openxmlformats.org/officeDocument/2006/relationships" xmlns:p="http://schemas.openxmlformats.org/presentationml/2006/main">
   <p:cSld>
@@ -12694,19 +12794,19 @@
           <a:p>
             <a:r>
               <a:rPr lang="en-US" dirty="0"/>
-              <a:t>Introduction</a:t>
-            </a:r>
-          </a:p>
-        </p:txBody>
-      </p:sp>
-      <p:sp>
-        <p:nvSpPr>
-          <p:cNvPr id="3" name="Text Placeholder 2"/>
+              <a:t>Why Containers Now?</a:t>
+            </a:r>
+          </a:p>
+        </p:txBody>
+      </p:sp>
+      <p:sp>
+        <p:nvSpPr>
+          <p:cNvPr id="3" name="Content Placeholder 2"/>
           <p:cNvSpPr>
             <a:spLocks noGrp="1"/>
           </p:cNvSpPr>
           <p:nvPr>
-            <p:ph type="body" idx="1"/>
+            <p:ph idx="1"/>
           </p:nvPr>
         </p:nvSpPr>
         <p:spPr/>
@@ -12716,7 +12816,46 @@
           <a:p>
             <a:r>
               <a:rPr lang="en-US" dirty="0"/>
-              <a:t>Where I Tell You What I’m Going to Tell You</a:t>
+              <a:t>We know containers are coming</a:t>
+            </a:r>
+          </a:p>
+          <a:p>
+            <a:r>
+              <a:rPr lang="en-US" dirty="0"/>
+              <a:t>People are already using them:</a:t>
+            </a:r>
+          </a:p>
+          <a:p>
+            <a:pPr lvl="1"/>
+            <a:r>
+              <a:rPr lang="en-US" dirty="0"/>
+              <a:t>Big Data</a:t>
+            </a:r>
+          </a:p>
+          <a:p>
+            <a:pPr lvl="1"/>
+            <a:r>
+              <a:rPr lang="en-US" dirty="0"/>
+              <a:t>Oracle</a:t>
+            </a:r>
+          </a:p>
+          <a:p>
+            <a:pPr lvl="1"/>
+            <a:r>
+              <a:rPr lang="en-US" dirty="0"/>
+              <a:t>?</a:t>
+            </a:r>
+          </a:p>
+          <a:p>
+            <a:r>
+              <a:rPr lang="en-US" dirty="0"/>
+              <a:t>We want to manage one consistent platform</a:t>
+            </a:r>
+          </a:p>
+          <a:p>
+            <a:r>
+              <a:rPr lang="en-US" dirty="0"/>
+              <a:t>We want a ready answer for “how do I run a container?”</a:t>
             </a:r>
           </a:p>
         </p:txBody>
@@ -12724,119 +12863,7 @@
     </p:spTree>
     <p:extLst>
       <p:ext uri="{BB962C8B-B14F-4D97-AF65-F5344CB8AC3E}">
-        <p14:creationId xmlns:p14="http://schemas.microsoft.com/office/powerpoint/2010/main" val="3292354453"/>
-      </p:ext>
-    </p:extLst>
-  </p:cSld>
-  <p:clrMapOvr>
-    <a:masterClrMapping/>
-  </p:clrMapOvr>
-</p:sld>
-</file>
-
-<file path=ppt/slides/slide20.xml><?xml version="1.0" encoding="utf-8"?>
-<p:sld xmlns:a="http://schemas.openxmlformats.org/drawingml/2006/main" xmlns:r="http://schemas.openxmlformats.org/officeDocument/2006/relationships" xmlns:p="http://schemas.openxmlformats.org/presentationml/2006/main">
-  <p:cSld>
-    <p:spTree>
-      <p:nvGrpSpPr>
-        <p:cNvPr id="1" name=""/>
-        <p:cNvGrpSpPr/>
-        <p:nvPr/>
-      </p:nvGrpSpPr>
-      <p:grpSpPr>
-        <a:xfrm>
-          <a:off x="0" y="0"/>
-          <a:ext cx="0" cy="0"/>
-          <a:chOff x="0" y="0"/>
-          <a:chExt cx="0" cy="0"/>
-        </a:xfrm>
-      </p:grpSpPr>
-      <p:sp>
-        <p:nvSpPr>
-          <p:cNvPr id="2" name="Title 1">
-            <a:extLst>
-              <a:ext uri="{FF2B5EF4-FFF2-40B4-BE49-F238E27FC236}">
-                <a16:creationId xmlns:a16="http://schemas.microsoft.com/office/drawing/2014/main" id="{F98DCCC2-901E-4BA8-8F13-695B7613B71C}"/>
-              </a:ext>
-            </a:extLst>
-          </p:cNvPr>
-          <p:cNvSpPr>
-            <a:spLocks noGrp="1"/>
-          </p:cNvSpPr>
-          <p:nvPr>
-            <p:ph type="title"/>
-          </p:nvPr>
-        </p:nvSpPr>
-        <p:spPr/>
-        <p:txBody>
-          <a:bodyPr/>
-          <a:lstStyle/>
-          <a:p>
-            <a:r>
-              <a:rPr lang="en-US" dirty="0"/>
-              <a:t>Next Steps</a:t>
-            </a:r>
-          </a:p>
-        </p:txBody>
-      </p:sp>
-      <p:sp>
-        <p:nvSpPr>
-          <p:cNvPr id="3" name="Content Placeholder 2">
-            <a:extLst>
-              <a:ext uri="{FF2B5EF4-FFF2-40B4-BE49-F238E27FC236}">
-                <a16:creationId xmlns:a16="http://schemas.microsoft.com/office/drawing/2014/main" id="{65972851-E12F-4953-BC40-498F40127880}"/>
-              </a:ext>
-            </a:extLst>
-          </p:cNvPr>
-          <p:cNvSpPr>
-            <a:spLocks noGrp="1"/>
-          </p:cNvSpPr>
-          <p:nvPr>
-            <p:ph idx="1"/>
-          </p:nvPr>
-        </p:nvSpPr>
-        <p:spPr/>
-        <p:txBody>
-          <a:bodyPr>
-            <a:normAutofit/>
-          </a:bodyPr>
-          <a:lstStyle/>
-          <a:p>
-            <a:r>
-              <a:rPr lang="en-US" dirty="0"/>
-              <a:t>Finalize our team</a:t>
-            </a:r>
-          </a:p>
-          <a:p>
-            <a:r>
-              <a:rPr lang="en-US" dirty="0"/>
-              <a:t>Write our RFP document</a:t>
-            </a:r>
-          </a:p>
-          <a:p>
-            <a:r>
-              <a:rPr lang="en-US" dirty="0"/>
-              <a:t>Submit RFP to vendors</a:t>
-            </a:r>
-          </a:p>
-          <a:p>
-            <a:r>
-              <a:rPr lang="en-US" dirty="0"/>
-              <a:t>Coordinate vendor presentations</a:t>
-            </a:r>
-          </a:p>
-          <a:p>
-            <a:r>
-              <a:rPr lang="en-US" dirty="0"/>
-              <a:t>Nail down estimate for phase 2</a:t>
-            </a:r>
-          </a:p>
-        </p:txBody>
-      </p:sp>
-    </p:spTree>
-    <p:extLst>
-      <p:ext uri="{BB962C8B-B14F-4D97-AF65-F5344CB8AC3E}">
-        <p14:creationId xmlns:p14="http://schemas.microsoft.com/office/powerpoint/2010/main" val="781785288"/>
+        <p14:creationId xmlns:p14="http://schemas.microsoft.com/office/powerpoint/2010/main" val="2911040714"/>
       </p:ext>
     </p:extLst>
   </p:cSld>
@@ -12880,7 +12907,7 @@
           <a:p>
             <a:r>
               <a:rPr lang="en-US" dirty="0"/>
-              <a:t>Why Containers?</a:t>
+              <a:t>Three Phases</a:t>
             </a:r>
           </a:p>
         </p:txBody>
@@ -12902,46 +12929,19 @@
           <a:p>
             <a:r>
               <a:rPr lang="en-US" dirty="0"/>
-              <a:t>We know containers are coming</a:t>
+              <a:t>Phase One:  Proofs of concept (This conversation)</a:t>
             </a:r>
           </a:p>
           <a:p>
             <a:r>
               <a:rPr lang="en-US" dirty="0"/>
-              <a:t>People are already using them:</a:t>
-            </a:r>
-          </a:p>
-          <a:p>
-            <a:pPr lvl="1"/>
+              <a:t>Phase Two:  Support of vendor applications</a:t>
+            </a:r>
+          </a:p>
+          <a:p>
             <a:r>
               <a:rPr lang="en-US" dirty="0"/>
-              <a:t>Big Data</a:t>
-            </a:r>
-          </a:p>
-          <a:p>
-            <a:pPr lvl="1"/>
-            <a:r>
-              <a:rPr lang="en-US" dirty="0"/>
-              <a:t>Oracle</a:t>
-            </a:r>
-          </a:p>
-          <a:p>
-            <a:pPr lvl="1"/>
-            <a:r>
-              <a:rPr lang="en-US" dirty="0"/>
-              <a:t>?</a:t>
-            </a:r>
-          </a:p>
-          <a:p>
-            <a:r>
-              <a:rPr lang="en-US" dirty="0"/>
-              <a:t>We want to manage one consistent platform</a:t>
-            </a:r>
-          </a:p>
-          <a:p>
-            <a:r>
-              <a:rPr lang="en-US" dirty="0"/>
-              <a:t>We want a consistent answer for “how do I run a container?”</a:t>
+              <a:t>Phase Three:  DevOps for our applications</a:t>
             </a:r>
           </a:p>
         </p:txBody>
@@ -12949,7 +12949,7 @@
     </p:spTree>
     <p:extLst>
       <p:ext uri="{BB962C8B-B14F-4D97-AF65-F5344CB8AC3E}">
-        <p14:creationId xmlns:p14="http://schemas.microsoft.com/office/powerpoint/2010/main" val="2911040714"/>
+        <p14:creationId xmlns:p14="http://schemas.microsoft.com/office/powerpoint/2010/main" val="3595156515"/>
       </p:ext>
     </p:extLst>
   </p:cSld>
@@ -12978,7 +12978,13 @@
       </p:grpSpPr>
       <p:sp>
         <p:nvSpPr>
-          <p:cNvPr id="2" name="Title 1"/>
+          <p:cNvPr id="2" name="Title 1">
+            <a:extLst>
+              <a:ext uri="{FF2B5EF4-FFF2-40B4-BE49-F238E27FC236}">
+                <a16:creationId xmlns:a16="http://schemas.microsoft.com/office/drawing/2014/main" id="{F98DCCC2-901E-4BA8-8F13-695B7613B71C}"/>
+              </a:ext>
+            </a:extLst>
+          </p:cNvPr>
           <p:cNvSpPr>
             <a:spLocks noGrp="1"/>
           </p:cNvSpPr>
@@ -12993,14 +12999,20 @@
           <a:p>
             <a:r>
               <a:rPr lang="en-US" dirty="0"/>
-              <a:t>Three Phases</a:t>
-            </a:r>
-          </a:p>
-        </p:txBody>
-      </p:sp>
-      <p:sp>
-        <p:nvSpPr>
-          <p:cNvPr id="3" name="Content Placeholder 2"/>
+              <a:t>The Players</a:t>
+            </a:r>
+          </a:p>
+        </p:txBody>
+      </p:sp>
+      <p:sp>
+        <p:nvSpPr>
+          <p:cNvPr id="3" name="Content Placeholder 2">
+            <a:extLst>
+              <a:ext uri="{FF2B5EF4-FFF2-40B4-BE49-F238E27FC236}">
+                <a16:creationId xmlns:a16="http://schemas.microsoft.com/office/drawing/2014/main" id="{65972851-E12F-4953-BC40-498F40127880}"/>
+              </a:ext>
+            </a:extLst>
+          </p:cNvPr>
           <p:cNvSpPr>
             <a:spLocks noGrp="1"/>
           </p:cNvSpPr>
@@ -13010,24 +13022,114 @@
         </p:nvSpPr>
         <p:spPr/>
         <p:txBody>
-          <a:bodyPr/>
+          <a:bodyPr>
+            <a:normAutofit fontScale="85000" lnSpcReduction="20000"/>
+          </a:bodyPr>
           <a:lstStyle/>
           <a:p>
+            <a:pPr marL="0" indent="0">
+              <a:buNone/>
+            </a:pPr>
+            <a:r>
+              <a:rPr lang="en-US" b="1" dirty="0"/>
+              <a:t>Owner</a:t>
+            </a:r>
             <a:r>
               <a:rPr lang="en-US" dirty="0"/>
-              <a:t>Phase One:  Proofs of concept (This talk)</a:t>
-            </a:r>
-          </a:p>
-          <a:p>
+              <a:t>:  Technical Architecture Group</a:t>
+            </a:r>
+          </a:p>
+          <a:p>
+            <a:pPr marL="0" indent="0">
+              <a:buNone/>
+            </a:pPr>
+            <a:endParaRPr lang="en-US" b="1" dirty="0"/>
+          </a:p>
+          <a:p>
+            <a:pPr marL="0" indent="0">
+              <a:buNone/>
+            </a:pPr>
+            <a:r>
+              <a:rPr lang="en-US" b="1" dirty="0"/>
+              <a:t>Driver</a:t>
+            </a:r>
             <a:r>
               <a:rPr lang="en-US" dirty="0"/>
-              <a:t>Phase Two:  Support of vendor applications</a:t>
-            </a:r>
-          </a:p>
-          <a:p>
+              <a:t>:  Eric Burcham</a:t>
+            </a:r>
+          </a:p>
+          <a:p>
+            <a:pPr marL="0" indent="0">
+              <a:buNone/>
+            </a:pPr>
+            <a:endParaRPr lang="en-US" dirty="0"/>
+          </a:p>
+          <a:p>
+            <a:pPr marL="0" indent="0">
+              <a:buNone/>
+            </a:pPr>
+            <a:r>
+              <a:rPr lang="en-US" b="1" dirty="0"/>
+              <a:t>Core Team</a:t>
+            </a:r>
             <a:r>
               <a:rPr lang="en-US" dirty="0"/>
-              <a:t>Phase Three:  DevOps for our applications</a:t>
+              <a:t>:  Eric Burcham, Dylan Clark, Mike Bollman, Lowell Roberts, Mayme Kittman, Stuart Wagner</a:t>
+            </a:r>
+          </a:p>
+          <a:p>
+            <a:pPr marL="0" indent="0">
+              <a:buNone/>
+            </a:pPr>
+            <a:endParaRPr lang="en-US" b="1" dirty="0"/>
+          </a:p>
+          <a:p>
+            <a:pPr marL="0" indent="0">
+              <a:buNone/>
+            </a:pPr>
+            <a:r>
+              <a:rPr lang="en-US" b="1" dirty="0"/>
+              <a:t>Project Manager</a:t>
+            </a:r>
+            <a:r>
+              <a:rPr lang="en-US" dirty="0"/>
+              <a:t>:  TBD.  Not needed for Phase One.</a:t>
+            </a:r>
+            <a:br>
+              <a:rPr lang="en-US" dirty="0"/>
+            </a:br>
+            <a:endParaRPr lang="en-US" b="1" dirty="0"/>
+          </a:p>
+          <a:p>
+            <a:pPr marL="0" indent="0">
+              <a:buNone/>
+            </a:pPr>
+            <a:r>
+              <a:rPr lang="en-US" b="1" dirty="0"/>
+              <a:t>Stakeholders</a:t>
+            </a:r>
+            <a:r>
+              <a:rPr lang="en-US" dirty="0"/>
+              <a:t>:  Big Data, Desktop Support, Development Managers, eBusiness, Engineering, Network Team, NOC, Oracle Team, SCADA, Security and Compliance, Server Team</a:t>
+            </a:r>
+          </a:p>
+          <a:p>
+            <a:pPr marL="0" indent="0">
+              <a:buNone/>
+            </a:pPr>
+            <a:endParaRPr lang="en-US" b="1" dirty="0"/>
+          </a:p>
+          <a:p>
+            <a:pPr marL="0" indent="0">
+              <a:buNone/>
+            </a:pPr>
+            <a:r>
+              <a:rPr lang="en-US" b="1" dirty="0"/>
+              <a:t>Vendors</a:t>
+            </a:r>
+            <a:r>
+              <a:rPr lang="en-US" dirty="0"/>
+              <a:t>:  Docker Enterprise, Red Hat OpenShift, Rancher</a:t>
             </a:r>
           </a:p>
         </p:txBody>
@@ -13035,7 +13137,7 @@
     </p:spTree>
     <p:extLst>
       <p:ext uri="{BB962C8B-B14F-4D97-AF65-F5344CB8AC3E}">
-        <p14:creationId xmlns:p14="http://schemas.microsoft.com/office/powerpoint/2010/main" val="3595156515"/>
+        <p14:creationId xmlns:p14="http://schemas.microsoft.com/office/powerpoint/2010/main" val="2747266861"/>
       </p:ext>
     </p:extLst>
   </p:cSld>
@@ -13064,13 +13166,7 @@
       </p:grpSpPr>
       <p:sp>
         <p:nvSpPr>
-          <p:cNvPr id="2" name="Title 1">
-            <a:extLst>
-              <a:ext uri="{FF2B5EF4-FFF2-40B4-BE49-F238E27FC236}">
-                <a16:creationId xmlns:a16="http://schemas.microsoft.com/office/drawing/2014/main" id="{F98DCCC2-901E-4BA8-8F13-695B7613B71C}"/>
-              </a:ext>
-            </a:extLst>
-          </p:cNvPr>
+          <p:cNvPr id="2" name="Title 1"/>
           <p:cNvSpPr>
             <a:spLocks noGrp="1"/>
           </p:cNvSpPr>
@@ -13085,137 +13181,29 @@
           <a:p>
             <a:r>
               <a:rPr lang="en-US" dirty="0"/>
-              <a:t>The Players</a:t>
-            </a:r>
-          </a:p>
-        </p:txBody>
-      </p:sp>
-      <p:sp>
-        <p:nvSpPr>
-          <p:cNvPr id="3" name="Content Placeholder 2">
-            <a:extLst>
-              <a:ext uri="{FF2B5EF4-FFF2-40B4-BE49-F238E27FC236}">
-                <a16:creationId xmlns:a16="http://schemas.microsoft.com/office/drawing/2014/main" id="{65972851-E12F-4953-BC40-498F40127880}"/>
-              </a:ext>
-            </a:extLst>
-          </p:cNvPr>
+              <a:t>Phase One (2 Months)</a:t>
+            </a:r>
+          </a:p>
+        </p:txBody>
+      </p:sp>
+      <p:sp>
+        <p:nvSpPr>
+          <p:cNvPr id="3" name="Text Placeholder 2"/>
           <p:cNvSpPr>
             <a:spLocks noGrp="1"/>
           </p:cNvSpPr>
           <p:nvPr>
-            <p:ph idx="1"/>
+            <p:ph type="body" idx="1"/>
           </p:nvPr>
         </p:nvSpPr>
         <p:spPr/>
         <p:txBody>
-          <a:bodyPr>
-            <a:normAutofit fontScale="85000" lnSpcReduction="20000"/>
-          </a:bodyPr>
+          <a:bodyPr/>
           <a:lstStyle/>
           <a:p>
-            <a:pPr marL="0" indent="0">
-              <a:buNone/>
-            </a:pPr>
-            <a:r>
-              <a:rPr lang="en-US" b="1" dirty="0"/>
-              <a:t>Owner</a:t>
-            </a:r>
             <a:r>
               <a:rPr lang="en-US" dirty="0"/>
-              <a:t>:  Technical Architecture Group</a:t>
-            </a:r>
-          </a:p>
-          <a:p>
-            <a:pPr marL="0" indent="0">
-              <a:buNone/>
-            </a:pPr>
-            <a:endParaRPr lang="en-US" b="1" dirty="0"/>
-          </a:p>
-          <a:p>
-            <a:pPr marL="0" indent="0">
-              <a:buNone/>
-            </a:pPr>
-            <a:r>
-              <a:rPr lang="en-US" b="1" dirty="0"/>
-              <a:t>Driver</a:t>
-            </a:r>
-            <a:r>
-              <a:rPr lang="en-US" dirty="0"/>
-              <a:t>:  Eric Burcham</a:t>
-            </a:r>
-          </a:p>
-          <a:p>
-            <a:pPr marL="0" indent="0">
-              <a:buNone/>
-            </a:pPr>
-            <a:endParaRPr lang="en-US" dirty="0"/>
-          </a:p>
-          <a:p>
-            <a:pPr marL="0" indent="0">
-              <a:buNone/>
-            </a:pPr>
-            <a:r>
-              <a:rPr lang="en-US" b="1" dirty="0"/>
-              <a:t>Core Team</a:t>
-            </a:r>
-            <a:r>
-              <a:rPr lang="en-US" dirty="0"/>
-              <a:t>:  Eric Burcham, Dylan Clark, Mike Bollman, Lowell Roberts, Mayme Kittman, Stuart Wagner</a:t>
-            </a:r>
-          </a:p>
-          <a:p>
-            <a:pPr marL="0" indent="0">
-              <a:buNone/>
-            </a:pPr>
-            <a:endParaRPr lang="en-US" b="1" dirty="0"/>
-          </a:p>
-          <a:p>
-            <a:pPr marL="0" indent="0">
-              <a:buNone/>
-            </a:pPr>
-            <a:r>
-              <a:rPr lang="en-US" b="1" dirty="0"/>
-              <a:t>Project Manager</a:t>
-            </a:r>
-            <a:r>
-              <a:rPr lang="en-US" dirty="0"/>
-              <a:t>:  TBD.  Not needed for Phase One.</a:t>
-            </a:r>
-            <a:br>
-              <a:rPr lang="en-US" dirty="0"/>
-            </a:br>
-            <a:endParaRPr lang="en-US" b="1" dirty="0"/>
-          </a:p>
-          <a:p>
-            <a:pPr marL="0" indent="0">
-              <a:buNone/>
-            </a:pPr>
-            <a:r>
-              <a:rPr lang="en-US" b="1" dirty="0"/>
-              <a:t>Stakeholders</a:t>
-            </a:r>
-            <a:r>
-              <a:rPr lang="en-US" dirty="0"/>
-              <a:t>:  Big Data, Desktop Support, Development Managers, eBusiness, Engineering, Network Team, NOC, Oracle Team, SCADA, Security and Compliance Server Team</a:t>
-            </a:r>
-          </a:p>
-          <a:p>
-            <a:pPr marL="0" indent="0">
-              <a:buNone/>
-            </a:pPr>
-            <a:endParaRPr lang="en-US" b="1" dirty="0"/>
-          </a:p>
-          <a:p>
-            <a:pPr marL="0" indent="0">
-              <a:buNone/>
-            </a:pPr>
-            <a:r>
-              <a:rPr lang="en-US" b="1" dirty="0"/>
-              <a:t>Vendors</a:t>
-            </a:r>
-            <a:r>
-              <a:rPr lang="en-US" dirty="0"/>
-              <a:t>:  Docker Enterprise, Red Hat OpenShift, Rancher</a:t>
+              <a:t>Proofs of Concept, Cost Analysis, and Vendor Selection</a:t>
             </a:r>
           </a:p>
         </p:txBody>
@@ -13223,7 +13211,7 @@
     </p:spTree>
     <p:extLst>
       <p:ext uri="{BB962C8B-B14F-4D97-AF65-F5344CB8AC3E}">
-        <p14:creationId xmlns:p14="http://schemas.microsoft.com/office/powerpoint/2010/main" val="2747266861"/>
+        <p14:creationId xmlns:p14="http://schemas.microsoft.com/office/powerpoint/2010/main" val="816925581"/>
       </p:ext>
     </p:extLst>
   </p:cSld>
@@ -13267,19 +13255,19 @@
           <a:p>
             <a:r>
               <a:rPr lang="en-US" dirty="0"/>
-              <a:t>Phase One (2 Months)</a:t>
-            </a:r>
-          </a:p>
-        </p:txBody>
-      </p:sp>
-      <p:sp>
-        <p:nvSpPr>
-          <p:cNvPr id="3" name="Text Placeholder 2"/>
+              <a:t>Requests for Proposals with Demo POC</a:t>
+            </a:r>
+          </a:p>
+        </p:txBody>
+      </p:sp>
+      <p:sp>
+        <p:nvSpPr>
+          <p:cNvPr id="3" name="Content Placeholder 2"/>
           <p:cNvSpPr>
             <a:spLocks noGrp="1"/>
           </p:cNvSpPr>
           <p:nvPr>
-            <p:ph type="body" idx="1"/>
+            <p:ph idx="1"/>
           </p:nvPr>
         </p:nvSpPr>
         <p:spPr/>
@@ -13289,7 +13277,31 @@
           <a:p>
             <a:r>
               <a:rPr lang="en-US" dirty="0"/>
-              <a:t>Proofs of Concept, Cost Analysis, and Vendor Selection</a:t>
+              <a:t>We’ll present identical requirements to each vendor</a:t>
+            </a:r>
+          </a:p>
+          <a:p>
+            <a:r>
+              <a:rPr lang="en-US" dirty="0"/>
+              <a:t>We want them to do the demo on our infrastructure</a:t>
+            </a:r>
+          </a:p>
+          <a:p>
+            <a:r>
+              <a:rPr lang="en-US" dirty="0"/>
+              <a:t>We want to keep the environments around for awhile</a:t>
+            </a:r>
+          </a:p>
+          <a:p>
+            <a:r>
+              <a:rPr lang="en-US" dirty="0"/>
+              <a:t>We’ll give environment access to our current container users</a:t>
+            </a:r>
+          </a:p>
+          <a:p>
+            <a:r>
+              <a:rPr lang="en-US" dirty="0"/>
+              <a:t>We’ll try to get this done for free</a:t>
             </a:r>
           </a:p>
         </p:txBody>
@@ -13297,7 +13309,7 @@
     </p:spTree>
     <p:extLst>
       <p:ext uri="{BB962C8B-B14F-4D97-AF65-F5344CB8AC3E}">
-        <p14:creationId xmlns:p14="http://schemas.microsoft.com/office/powerpoint/2010/main" val="816925581"/>
+        <p14:creationId xmlns:p14="http://schemas.microsoft.com/office/powerpoint/2010/main" val="1384123770"/>
       </p:ext>
     </p:extLst>
   </p:cSld>
@@ -13326,7 +13338,13 @@
       </p:grpSpPr>
       <p:sp>
         <p:nvSpPr>
-          <p:cNvPr id="2" name="Title 1"/>
+          <p:cNvPr id="2" name="Title 1">
+            <a:extLst>
+              <a:ext uri="{FF2B5EF4-FFF2-40B4-BE49-F238E27FC236}">
+                <a16:creationId xmlns:a16="http://schemas.microsoft.com/office/drawing/2014/main" id="{05D1E734-7289-434A-BAB5-8B27CC4D98E9}"/>
+              </a:ext>
+            </a:extLst>
+          </p:cNvPr>
           <p:cNvSpPr>
             <a:spLocks noGrp="1"/>
           </p:cNvSpPr>
@@ -13341,55 +13359,207 @@
           <a:p>
             <a:r>
               <a:rPr lang="en-US" dirty="0"/>
-              <a:t>Requests for Proposals with Demo POC</a:t>
-            </a:r>
-          </a:p>
-        </p:txBody>
-      </p:sp>
-      <p:sp>
-        <p:nvSpPr>
-          <p:cNvPr id="3" name="Content Placeholder 2"/>
+              <a:t>POC Scope</a:t>
+            </a:r>
+          </a:p>
+        </p:txBody>
+      </p:sp>
+      <p:sp>
+        <p:nvSpPr>
+          <p:cNvPr id="3" name="Content Placeholder 2">
+            <a:extLst>
+              <a:ext uri="{FF2B5EF4-FFF2-40B4-BE49-F238E27FC236}">
+                <a16:creationId xmlns:a16="http://schemas.microsoft.com/office/drawing/2014/main" id="{69D78B72-CFD0-4AE3-8CBE-2226A85F6A23}"/>
+              </a:ext>
+            </a:extLst>
+          </p:cNvPr>
           <p:cNvSpPr>
             <a:spLocks noGrp="1"/>
           </p:cNvSpPr>
           <p:nvPr>
-            <p:ph idx="1"/>
+            <p:ph sz="half" idx="1"/>
           </p:nvPr>
         </p:nvSpPr>
         <p:spPr/>
         <p:txBody>
-          <a:bodyPr/>
+          <a:bodyPr>
+            <a:normAutofit fontScale="62500" lnSpcReduction="20000"/>
+          </a:bodyPr>
           <a:lstStyle/>
           <a:p>
             <a:r>
               <a:rPr lang="en-US" dirty="0"/>
-              <a:t>We’ll present identical requirements to each vendor</a:t>
+              <a:t>Automatic Scaling</a:t>
             </a:r>
           </a:p>
           <a:p>
             <a:r>
               <a:rPr lang="en-US" dirty="0"/>
-              <a:t>We want them to do the demo on our infrastructure</a:t>
+              <a:t>Authentication / Authorization</a:t>
             </a:r>
           </a:p>
           <a:p>
             <a:r>
               <a:rPr lang="en-US" dirty="0"/>
-              <a:t>We want to keep the environments around for awhile</a:t>
+              <a:t>Clustering</a:t>
             </a:r>
           </a:p>
           <a:p>
             <a:r>
               <a:rPr lang="en-US" dirty="0"/>
-              <a:t>We’ll try to get this done for free</a:t>
-            </a:r>
+              <a:t>Copy Control</a:t>
+            </a:r>
+          </a:p>
+          <a:p>
+            <a:r>
+              <a:rPr lang="en-US" dirty="0"/>
+              <a:t>Deployment</a:t>
+            </a:r>
+          </a:p>
+          <a:p>
+            <a:r>
+              <a:rPr lang="en-US" dirty="0"/>
+              <a:t>Desktop Support</a:t>
+            </a:r>
+          </a:p>
+          <a:p>
+            <a:r>
+              <a:rPr lang="en-US" dirty="0"/>
+              <a:t>Health Monitoring</a:t>
+            </a:r>
+          </a:p>
+          <a:p>
+            <a:r>
+              <a:rPr lang="en-US" dirty="0"/>
+              <a:t>High Availability</a:t>
+            </a:r>
+          </a:p>
+          <a:p>
+            <a:r>
+              <a:rPr lang="en-US" dirty="0"/>
+              <a:t>Log Management</a:t>
+            </a:r>
+          </a:p>
+          <a:p>
+            <a:r>
+              <a:rPr lang="en-US" dirty="0"/>
+              <a:t>Management</a:t>
+            </a:r>
+          </a:p>
+          <a:p>
+            <a:r>
+              <a:rPr lang="en-US" dirty="0"/>
+              <a:t>Network Isolation for Testing</a:t>
+            </a:r>
+          </a:p>
+          <a:p>
+            <a:r>
+              <a:rPr lang="en-US" dirty="0"/>
+              <a:t>Orchestration</a:t>
+            </a:r>
+          </a:p>
+          <a:p>
+            <a:r>
+              <a:rPr lang="en-US" dirty="0"/>
+              <a:t>Resource Allocation</a:t>
+            </a:r>
+          </a:p>
+          <a:p>
+            <a:r>
+              <a:rPr lang="en-US" dirty="0"/>
+              <a:t>Security</a:t>
+            </a:r>
+          </a:p>
+          <a:p>
+            <a:endParaRPr lang="en-US" dirty="0"/>
+          </a:p>
+        </p:txBody>
+      </p:sp>
+      <p:sp>
+        <p:nvSpPr>
+          <p:cNvPr id="4" name="Content Placeholder 3">
+            <a:extLst>
+              <a:ext uri="{FF2B5EF4-FFF2-40B4-BE49-F238E27FC236}">
+                <a16:creationId xmlns:a16="http://schemas.microsoft.com/office/drawing/2014/main" id="{E733743C-EAF7-4DE6-8B8F-A916C4D2A728}"/>
+              </a:ext>
+            </a:extLst>
+          </p:cNvPr>
+          <p:cNvSpPr>
+            <a:spLocks noGrp="1"/>
+          </p:cNvSpPr>
+          <p:nvPr>
+            <p:ph sz="half" idx="2"/>
+          </p:nvPr>
+        </p:nvSpPr>
+        <p:spPr/>
+        <p:txBody>
+          <a:bodyPr>
+            <a:normAutofit fontScale="62500" lnSpcReduction="20000"/>
+          </a:bodyPr>
+          <a:lstStyle/>
+          <a:p>
+            <a:r>
+              <a:rPr lang="en-US" dirty="0"/>
+              <a:t>Budgeting</a:t>
+            </a:r>
+          </a:p>
+          <a:p>
+            <a:r>
+              <a:rPr lang="en-US" dirty="0"/>
+              <a:t>Change Management</a:t>
+            </a:r>
+          </a:p>
+          <a:p>
+            <a:r>
+              <a:rPr lang="en-US" dirty="0"/>
+              <a:t>Desktop Host Management</a:t>
+            </a:r>
+          </a:p>
+          <a:p>
+            <a:r>
+              <a:rPr lang="en-US" dirty="0"/>
+              <a:t>Image Approval and Management</a:t>
+            </a:r>
+          </a:p>
+          <a:p>
+            <a:r>
+              <a:rPr lang="en-US" dirty="0"/>
+              <a:t>Licensing and Compliance</a:t>
+            </a:r>
+          </a:p>
+          <a:p>
+            <a:r>
+              <a:rPr lang="en-US" dirty="0"/>
+              <a:t>Long-term viability</a:t>
+            </a:r>
+          </a:p>
+          <a:p>
+            <a:r>
+              <a:rPr lang="en-US" dirty="0"/>
+              <a:t>Resource Planning</a:t>
+            </a:r>
+          </a:p>
+          <a:p>
+            <a:r>
+              <a:rPr lang="en-US" dirty="0"/>
+              <a:t>Security Audits</a:t>
+            </a:r>
+          </a:p>
+          <a:p>
+            <a:r>
+              <a:rPr lang="en-US" dirty="0"/>
+              <a:t>Technical Support Quality and Availability</a:t>
+            </a:r>
+          </a:p>
+          <a:p>
+            <a:endParaRPr lang="en-US" dirty="0"/>
           </a:p>
         </p:txBody>
       </p:sp>
     </p:spTree>
     <p:extLst>
       <p:ext uri="{BB962C8B-B14F-4D97-AF65-F5344CB8AC3E}">
-        <p14:creationId xmlns:p14="http://schemas.microsoft.com/office/powerpoint/2010/main" val="1384123770"/>
+        <p14:creationId xmlns:p14="http://schemas.microsoft.com/office/powerpoint/2010/main" val="3732569273"/>
       </p:ext>
     </p:extLst>
   </p:cSld>
@@ -13421,7 +13591,7 @@
           <p:cNvPr id="2" name="Title 1">
             <a:extLst>
               <a:ext uri="{FF2B5EF4-FFF2-40B4-BE49-F238E27FC236}">
-                <a16:creationId xmlns:a16="http://schemas.microsoft.com/office/drawing/2014/main" id="{05D1E734-7289-434A-BAB5-8B27CC4D98E9}"/>
+                <a16:creationId xmlns:a16="http://schemas.microsoft.com/office/drawing/2014/main" id="{02C69A9D-11E3-42B6-A78A-D426038F43C5}"/>
               </a:ext>
             </a:extLst>
           </p:cNvPr>
@@ -13439,7 +13609,7 @@
           <a:p>
             <a:r>
               <a:rPr lang="en-US" dirty="0"/>
-              <a:t>POC Concerns</a:t>
+              <a:t>Demo Requirements</a:t>
             </a:r>
           </a:p>
         </p:txBody>
@@ -13449,7 +13619,7 @@
           <p:cNvPr id="3" name="Content Placeholder 2">
             <a:extLst>
               <a:ext uri="{FF2B5EF4-FFF2-40B4-BE49-F238E27FC236}">
-                <a16:creationId xmlns:a16="http://schemas.microsoft.com/office/drawing/2014/main" id="{69D78B72-CFD0-4AE3-8CBE-2226A85F6A23}"/>
+                <a16:creationId xmlns:a16="http://schemas.microsoft.com/office/drawing/2014/main" id="{0341BF6B-1DD5-4499-A7F3-A34FCF6500EB}"/>
               </a:ext>
             </a:extLst>
           </p:cNvPr>
@@ -13457,7 +13627,7 @@
             <a:spLocks noGrp="1"/>
           </p:cNvSpPr>
           <p:nvPr>
-            <p:ph sz="half" idx="1"/>
+            <p:ph idx="1"/>
           </p:nvPr>
         </p:nvSpPr>
         <p:spPr/>
@@ -13465,39 +13635,35 @@
           <a:bodyPr/>
           <a:lstStyle/>
           <a:p>
-            <a:endParaRPr lang="en-US"/>
-          </a:p>
-        </p:txBody>
-      </p:sp>
-      <p:sp>
-        <p:nvSpPr>
-          <p:cNvPr id="4" name="Content Placeholder 3">
-            <a:extLst>
-              <a:ext uri="{FF2B5EF4-FFF2-40B4-BE49-F238E27FC236}">
-                <a16:creationId xmlns:a16="http://schemas.microsoft.com/office/drawing/2014/main" id="{E733743C-EAF7-4DE6-8B8F-A916C4D2A728}"/>
-              </a:ext>
-            </a:extLst>
-          </p:cNvPr>
-          <p:cNvSpPr>
-            <a:spLocks noGrp="1"/>
-          </p:cNvSpPr>
-          <p:nvPr>
-            <p:ph sz="half" idx="2"/>
-          </p:nvPr>
-        </p:nvSpPr>
-        <p:spPr/>
-        <p:txBody>
-          <a:bodyPr/>
-          <a:lstStyle/>
-          <a:p>
-            <a:endParaRPr lang="en-US"/>
+            <a:r>
+              <a:rPr lang="en-US" dirty="0"/>
+              <a:t>We’ll provide the application</a:t>
+            </a:r>
+          </a:p>
+          <a:p>
+            <a:r>
+              <a:rPr lang="en-US" dirty="0"/>
+              <a:t>Deployment</a:t>
+            </a:r>
+          </a:p>
+          <a:p>
+            <a:r>
+              <a:rPr lang="en-US" dirty="0"/>
+              <a:t>NOC Integration</a:t>
+            </a:r>
+          </a:p>
+          <a:p>
+            <a:r>
+              <a:rPr lang="en-US" dirty="0"/>
+              <a:t>Proposals</a:t>
+            </a:r>
           </a:p>
         </p:txBody>
       </p:sp>
     </p:spTree>
     <p:extLst>
       <p:ext uri="{BB962C8B-B14F-4D97-AF65-F5344CB8AC3E}">
-        <p14:creationId xmlns:p14="http://schemas.microsoft.com/office/powerpoint/2010/main" val="3732569273"/>
+        <p14:creationId xmlns:p14="http://schemas.microsoft.com/office/powerpoint/2010/main" val="3976924198"/>
       </p:ext>
     </p:extLst>
   </p:cSld>
@@ -13541,7 +13707,7 @@
           <a:p>
             <a:r>
               <a:rPr lang="en-US" dirty="0"/>
-              <a:t>Functional Concerns</a:t>
+              <a:t>Demo Requirements:  The Application</a:t>
             </a:r>
           </a:p>
         </p:txBody>
@@ -13559,91 +13725,33 @@
         <p:spPr/>
         <p:txBody>
           <a:bodyPr>
-            <a:normAutofit fontScale="62500" lnSpcReduction="20000"/>
+            <a:normAutofit/>
           </a:bodyPr>
           <a:lstStyle/>
           <a:p>
             <a:r>
               <a:rPr lang="en-US" dirty="0"/>
-              <a:t>Automatic Scaling</a:t>
+              <a:t>We will provide a simple app to Containerize</a:t>
             </a:r>
           </a:p>
           <a:p>
             <a:r>
               <a:rPr lang="en-US" dirty="0"/>
-              <a:t>Authentication / Authorization</a:t>
-            </a:r>
-          </a:p>
-          <a:p>
+              <a:t>The app will have two dependencies</a:t>
+            </a:r>
+          </a:p>
+          <a:p>
+            <a:pPr lvl="1"/>
             <a:r>
               <a:rPr lang="en-US" dirty="0"/>
-              <a:t>Clustering</a:t>
-            </a:r>
-          </a:p>
-          <a:p>
+              <a:t>Database</a:t>
+            </a:r>
+          </a:p>
+          <a:p>
+            <a:pPr lvl="1"/>
             <a:r>
               <a:rPr lang="en-US" dirty="0"/>
-              <a:t>Copy Control</a:t>
-            </a:r>
-          </a:p>
-          <a:p>
-            <a:r>
-              <a:rPr lang="en-US" dirty="0"/>
-              <a:t>Deployment</a:t>
-            </a:r>
-          </a:p>
-          <a:p>
-            <a:r>
-              <a:rPr lang="en-US" dirty="0"/>
-              <a:t>Desktop Support</a:t>
-            </a:r>
-          </a:p>
-          <a:p>
-            <a:r>
-              <a:rPr lang="en-US" dirty="0"/>
-              <a:t>Health Monitoring</a:t>
-            </a:r>
-          </a:p>
-          <a:p>
-            <a:r>
-              <a:rPr lang="en-US" dirty="0"/>
-              <a:t>High Availability</a:t>
-            </a:r>
-          </a:p>
-          <a:p>
-            <a:r>
-              <a:rPr lang="en-US" dirty="0"/>
-              <a:t>Log Management</a:t>
-            </a:r>
-          </a:p>
-          <a:p>
-            <a:r>
-              <a:rPr lang="en-US" dirty="0"/>
-              <a:t>Management</a:t>
-            </a:r>
-          </a:p>
-          <a:p>
-            <a:r>
-              <a:rPr lang="en-US" dirty="0"/>
-              <a:t>Network Isolation for Testing</a:t>
-            </a:r>
-          </a:p>
-          <a:p>
-            <a:r>
-              <a:rPr lang="en-US" dirty="0"/>
-              <a:t>Orchestration</a:t>
-            </a:r>
-          </a:p>
-          <a:p>
-            <a:r>
-              <a:rPr lang="en-US" dirty="0"/>
-              <a:t>Resource Allocation</a:t>
-            </a:r>
-          </a:p>
-          <a:p>
-            <a:r>
-              <a:rPr lang="en-US" dirty="0"/>
-              <a:t>Security</a:t>
+              <a:t>Messaging</a:t>
             </a:r>
           </a:p>
         </p:txBody>
@@ -13651,7 +13759,7 @@
     </p:spTree>
     <p:extLst>
       <p:ext uri="{BB962C8B-B14F-4D97-AF65-F5344CB8AC3E}">
-        <p14:creationId xmlns:p14="http://schemas.microsoft.com/office/powerpoint/2010/main" val="2896554746"/>
+        <p14:creationId xmlns:p14="http://schemas.microsoft.com/office/powerpoint/2010/main" val="1204616855"/>
       </p:ext>
     </p:extLst>
   </p:cSld>

--- a/presentation.pptx
+++ b/presentation.pptx
@@ -5,26 +5,29 @@
     <p:sldMasterId id="2147483660" r:id="rId1"/>
   </p:sldMasterIdLst>
   <p:notesMasterIdLst>
-    <p:notesMasterId r:id="rId19"/>
+    <p:notesMasterId r:id="rId22"/>
   </p:notesMasterIdLst>
   <p:sldIdLst>
     <p:sldId id="256" r:id="rId2"/>
-    <p:sldId id="299" r:id="rId3"/>
-    <p:sldId id="283" r:id="rId4"/>
-    <p:sldId id="297" r:id="rId5"/>
-    <p:sldId id="268" r:id="rId6"/>
-    <p:sldId id="287" r:id="rId7"/>
-    <p:sldId id="300" r:id="rId8"/>
-    <p:sldId id="304" r:id="rId9"/>
-    <p:sldId id="288" r:id="rId10"/>
-    <p:sldId id="301" r:id="rId11"/>
-    <p:sldId id="302" r:id="rId12"/>
-    <p:sldId id="303" r:id="rId13"/>
-    <p:sldId id="270" r:id="rId14"/>
-    <p:sldId id="292" r:id="rId15"/>
-    <p:sldId id="285" r:id="rId16"/>
-    <p:sldId id="294" r:id="rId17"/>
-    <p:sldId id="296" r:id="rId18"/>
+    <p:sldId id="305" r:id="rId3"/>
+    <p:sldId id="299" r:id="rId4"/>
+    <p:sldId id="283" r:id="rId5"/>
+    <p:sldId id="297" r:id="rId6"/>
+    <p:sldId id="268" r:id="rId7"/>
+    <p:sldId id="287" r:id="rId8"/>
+    <p:sldId id="300" r:id="rId9"/>
+    <p:sldId id="304" r:id="rId10"/>
+    <p:sldId id="306" r:id="rId11"/>
+    <p:sldId id="288" r:id="rId12"/>
+    <p:sldId id="301" r:id="rId13"/>
+    <p:sldId id="302" r:id="rId14"/>
+    <p:sldId id="303" r:id="rId15"/>
+    <p:sldId id="270" r:id="rId16"/>
+    <p:sldId id="292" r:id="rId17"/>
+    <p:sldId id="285" r:id="rId18"/>
+    <p:sldId id="307" r:id="rId19"/>
+    <p:sldId id="294" r:id="rId20"/>
+    <p:sldId id="296" r:id="rId21"/>
   </p:sldIdLst>
   <p:sldSz cx="12192000" cy="6858000"/>
   <p:notesSz cx="7010400" cy="9296400"/>
@@ -129,6 +132,7 @@
         <p14:section name="Introduction" id="{A4A0009D-2884-49C7-B877-44806784A7E8}">
           <p14:sldIdLst>
             <p14:sldId id="256"/>
+            <p14:sldId id="305"/>
             <p14:sldId id="299"/>
             <p14:sldId id="283"/>
             <p14:sldId id="297"/>
@@ -140,6 +144,7 @@
             <p14:sldId id="287"/>
             <p14:sldId id="300"/>
             <p14:sldId id="304"/>
+            <p14:sldId id="306"/>
             <p14:sldId id="288"/>
             <p14:sldId id="301"/>
             <p14:sldId id="302"/>
@@ -155,6 +160,7 @@
         <p14:section name="Phase Three" id="{3CAB7255-7660-46F2-BE7A-D1A02E6768A0}">
           <p14:sldIdLst>
             <p14:sldId id="285"/>
+            <p14:sldId id="307"/>
             <p14:sldId id="294"/>
           </p14:sldIdLst>
         </p14:section>
@@ -3464,6 +3470,279 @@
           <a:bodyPr/>
           <a:lstStyle/>
           <a:p>
+            <a:endParaRPr lang="en-US" dirty="0"/>
+          </a:p>
+        </p:txBody>
+      </p:sp>
+      <p:sp>
+        <p:nvSpPr>
+          <p:cNvPr id="4" name="Slide Number Placeholder 3"/>
+          <p:cNvSpPr>
+            <a:spLocks noGrp="1"/>
+          </p:cNvSpPr>
+          <p:nvPr>
+            <p:ph type="sldNum" sz="quarter" idx="5"/>
+          </p:nvPr>
+        </p:nvSpPr>
+        <p:spPr/>
+        <p:txBody>
+          <a:bodyPr/>
+          <a:lstStyle/>
+          <a:p>
+            <a:fld id="{7C432B12-1722-4EDC-9BBA-25A0F0A334AF}" type="slidenum">
+              <a:rPr lang="en-US" smtClean="0"/>
+              <a:t>1</a:t>
+            </a:fld>
+            <a:endParaRPr lang="en-US"/>
+          </a:p>
+        </p:txBody>
+      </p:sp>
+    </p:spTree>
+    <p:extLst>
+      <p:ext uri="{BB962C8B-B14F-4D97-AF65-F5344CB8AC3E}">
+        <p14:creationId xmlns:p14="http://schemas.microsoft.com/office/powerpoint/2010/main" val="1062548195"/>
+      </p:ext>
+    </p:extLst>
+  </p:cSld>
+  <p:clrMapOvr>
+    <a:masterClrMapping/>
+  </p:clrMapOvr>
+</p:notes>
+</file>
+
+<file path=ppt/notesSlides/notesSlide10.xml><?xml version="1.0" encoding="utf-8"?>
+<p:notes xmlns:a="http://schemas.openxmlformats.org/drawingml/2006/main" xmlns:r="http://schemas.openxmlformats.org/officeDocument/2006/relationships" xmlns:p="http://schemas.openxmlformats.org/presentationml/2006/main">
+  <p:cSld>
+    <p:spTree>
+      <p:nvGrpSpPr>
+        <p:cNvPr id="1" name=""/>
+        <p:cNvGrpSpPr/>
+        <p:nvPr/>
+      </p:nvGrpSpPr>
+      <p:grpSpPr>
+        <a:xfrm>
+          <a:off x="0" y="0"/>
+          <a:ext cx="0" cy="0"/>
+          <a:chOff x="0" y="0"/>
+          <a:chExt cx="0" cy="0"/>
+        </a:xfrm>
+      </p:grpSpPr>
+      <p:sp>
+        <p:nvSpPr>
+          <p:cNvPr id="2" name="Slide Image Placeholder 1"/>
+          <p:cNvSpPr>
+            <a:spLocks noGrp="1" noRot="1" noChangeAspect="1"/>
+          </p:cNvSpPr>
+          <p:nvPr>
+            <p:ph type="sldImg"/>
+          </p:nvPr>
+        </p:nvSpPr>
+        <p:spPr/>
+      </p:sp>
+      <p:sp>
+        <p:nvSpPr>
+          <p:cNvPr id="3" name="Notes Placeholder 2"/>
+          <p:cNvSpPr>
+            <a:spLocks noGrp="1"/>
+          </p:cNvSpPr>
+          <p:nvPr>
+            <p:ph type="body" idx="1"/>
+          </p:nvPr>
+        </p:nvSpPr>
+        <p:spPr/>
+        <p:txBody>
+          <a:bodyPr/>
+          <a:lstStyle/>
+          <a:p>
+            <a:r>
+              <a:rPr lang="en-US" dirty="0"/>
+              <a:t>We understand how our requirements our met</a:t>
+            </a:r>
+          </a:p>
+          <a:p>
+            <a:endParaRPr lang="en-US" dirty="0"/>
+          </a:p>
+          <a:p>
+            <a:r>
+              <a:rPr lang="en-US" dirty="0"/>
+              <a:t>Our teams have had their hands on the solutions</a:t>
+            </a:r>
+          </a:p>
+          <a:p>
+            <a:endParaRPr lang="en-US" dirty="0"/>
+          </a:p>
+          <a:p>
+            <a:r>
+              <a:rPr lang="en-US" dirty="0"/>
+              <a:t>We can better estimate phases two and three</a:t>
+            </a:r>
+          </a:p>
+        </p:txBody>
+      </p:sp>
+      <p:sp>
+        <p:nvSpPr>
+          <p:cNvPr id="4" name="Slide Number Placeholder 3"/>
+          <p:cNvSpPr>
+            <a:spLocks noGrp="1"/>
+          </p:cNvSpPr>
+          <p:nvPr>
+            <p:ph type="sldNum" sz="quarter" idx="5"/>
+          </p:nvPr>
+        </p:nvSpPr>
+        <p:spPr/>
+        <p:txBody>
+          <a:bodyPr/>
+          <a:lstStyle/>
+          <a:p>
+            <a:fld id="{7C432B12-1722-4EDC-9BBA-25A0F0A334AF}" type="slidenum">
+              <a:rPr lang="en-US" smtClean="0"/>
+              <a:t>10</a:t>
+            </a:fld>
+            <a:endParaRPr lang="en-US"/>
+          </a:p>
+        </p:txBody>
+      </p:sp>
+    </p:spTree>
+    <p:extLst>
+      <p:ext uri="{BB962C8B-B14F-4D97-AF65-F5344CB8AC3E}">
+        <p14:creationId xmlns:p14="http://schemas.microsoft.com/office/powerpoint/2010/main" val="3781457553"/>
+      </p:ext>
+    </p:extLst>
+  </p:cSld>
+  <p:clrMapOvr>
+    <a:masterClrMapping/>
+  </p:clrMapOvr>
+</p:notes>
+</file>
+
+<file path=ppt/notesSlides/notesSlide11.xml><?xml version="1.0" encoding="utf-8"?>
+<p:notes xmlns:a="http://schemas.openxmlformats.org/drawingml/2006/main" xmlns:r="http://schemas.openxmlformats.org/officeDocument/2006/relationships" xmlns:p="http://schemas.openxmlformats.org/presentationml/2006/main">
+  <p:cSld>
+    <p:spTree>
+      <p:nvGrpSpPr>
+        <p:cNvPr id="1" name=""/>
+        <p:cNvGrpSpPr/>
+        <p:nvPr/>
+      </p:nvGrpSpPr>
+      <p:grpSpPr>
+        <a:xfrm>
+          <a:off x="0" y="0"/>
+          <a:ext cx="0" cy="0"/>
+          <a:chOff x="0" y="0"/>
+          <a:chExt cx="0" cy="0"/>
+        </a:xfrm>
+      </p:grpSpPr>
+      <p:sp>
+        <p:nvSpPr>
+          <p:cNvPr id="2" name="Slide Image Placeholder 1"/>
+          <p:cNvSpPr>
+            <a:spLocks noGrp="1" noRot="1" noChangeAspect="1"/>
+          </p:cNvSpPr>
+          <p:nvPr>
+            <p:ph type="sldImg"/>
+          </p:nvPr>
+        </p:nvSpPr>
+        <p:spPr/>
+      </p:sp>
+      <p:sp>
+        <p:nvSpPr>
+          <p:cNvPr id="3" name="Notes Placeholder 2"/>
+          <p:cNvSpPr>
+            <a:spLocks noGrp="1"/>
+          </p:cNvSpPr>
+          <p:nvPr>
+            <p:ph type="body" idx="1"/>
+          </p:nvPr>
+        </p:nvSpPr>
+        <p:spPr/>
+        <p:txBody>
+          <a:bodyPr/>
+          <a:lstStyle/>
+          <a:p>
+            <a:endParaRPr lang="en-US"/>
+          </a:p>
+        </p:txBody>
+      </p:sp>
+      <p:sp>
+        <p:nvSpPr>
+          <p:cNvPr id="4" name="Slide Number Placeholder 3"/>
+          <p:cNvSpPr>
+            <a:spLocks noGrp="1"/>
+          </p:cNvSpPr>
+          <p:nvPr>
+            <p:ph type="sldNum" sz="quarter" idx="5"/>
+          </p:nvPr>
+        </p:nvSpPr>
+        <p:spPr/>
+        <p:txBody>
+          <a:bodyPr/>
+          <a:lstStyle/>
+          <a:p>
+            <a:fld id="{7C432B12-1722-4EDC-9BBA-25A0F0A334AF}" type="slidenum">
+              <a:rPr lang="en-US" smtClean="0"/>
+              <a:t>11</a:t>
+            </a:fld>
+            <a:endParaRPr lang="en-US"/>
+          </a:p>
+        </p:txBody>
+      </p:sp>
+    </p:spTree>
+    <p:extLst>
+      <p:ext uri="{BB962C8B-B14F-4D97-AF65-F5344CB8AC3E}">
+        <p14:creationId xmlns:p14="http://schemas.microsoft.com/office/powerpoint/2010/main" val="561352092"/>
+      </p:ext>
+    </p:extLst>
+  </p:cSld>
+  <p:clrMapOvr>
+    <a:masterClrMapping/>
+  </p:clrMapOvr>
+</p:notes>
+</file>
+
+<file path=ppt/notesSlides/notesSlide12.xml><?xml version="1.0" encoding="utf-8"?>
+<p:notes xmlns:a="http://schemas.openxmlformats.org/drawingml/2006/main" xmlns:r="http://schemas.openxmlformats.org/officeDocument/2006/relationships" xmlns:p="http://schemas.openxmlformats.org/presentationml/2006/main">
+  <p:cSld>
+    <p:spTree>
+      <p:nvGrpSpPr>
+        <p:cNvPr id="1" name=""/>
+        <p:cNvGrpSpPr/>
+        <p:nvPr/>
+      </p:nvGrpSpPr>
+      <p:grpSpPr>
+        <a:xfrm>
+          <a:off x="0" y="0"/>
+          <a:ext cx="0" cy="0"/>
+          <a:chOff x="0" y="0"/>
+          <a:chExt cx="0" cy="0"/>
+        </a:xfrm>
+      </p:grpSpPr>
+      <p:sp>
+        <p:nvSpPr>
+          <p:cNvPr id="2" name="Slide Image Placeholder 1"/>
+          <p:cNvSpPr>
+            <a:spLocks noGrp="1" noRot="1" noChangeAspect="1"/>
+          </p:cNvSpPr>
+          <p:nvPr>
+            <p:ph type="sldImg"/>
+          </p:nvPr>
+        </p:nvSpPr>
+        <p:spPr/>
+      </p:sp>
+      <p:sp>
+        <p:nvSpPr>
+          <p:cNvPr id="3" name="Notes Placeholder 2"/>
+          <p:cNvSpPr>
+            <a:spLocks noGrp="1"/>
+          </p:cNvSpPr>
+          <p:nvPr>
+            <p:ph type="body" idx="1"/>
+          </p:nvPr>
+        </p:nvSpPr>
+        <p:spPr/>
+        <p:txBody>
+          <a:bodyPr/>
+          <a:lstStyle/>
+          <a:p>
             <a:r>
               <a:rPr lang="en-US" dirty="0"/>
               <a:t>These applications are provided by vendors.</a:t>
@@ -3515,7 +3794,7 @@
           <a:p>
             <a:fld id="{7C432B12-1722-4EDC-9BBA-25A0F0A334AF}" type="slidenum">
               <a:rPr lang="en-US" smtClean="0"/>
-              <a:t>13</a:t>
+              <a:t>15</a:t>
             </a:fld>
             <a:endParaRPr lang="en-US"/>
           </a:p>
@@ -3525,6 +3804,285 @@
     <p:extLst>
       <p:ext uri="{BB962C8B-B14F-4D97-AF65-F5344CB8AC3E}">
         <p14:creationId xmlns:p14="http://schemas.microsoft.com/office/powerpoint/2010/main" val="2887644830"/>
+      </p:ext>
+    </p:extLst>
+  </p:cSld>
+  <p:clrMapOvr>
+    <a:masterClrMapping/>
+  </p:clrMapOvr>
+</p:notes>
+</file>
+
+<file path=ppt/notesSlides/notesSlide13.xml><?xml version="1.0" encoding="utf-8"?>
+<p:notes xmlns:a="http://schemas.openxmlformats.org/drawingml/2006/main" xmlns:r="http://schemas.openxmlformats.org/officeDocument/2006/relationships" xmlns:p="http://schemas.openxmlformats.org/presentationml/2006/main">
+  <p:cSld>
+    <p:spTree>
+      <p:nvGrpSpPr>
+        <p:cNvPr id="1" name=""/>
+        <p:cNvGrpSpPr/>
+        <p:nvPr/>
+      </p:nvGrpSpPr>
+      <p:grpSpPr>
+        <a:xfrm>
+          <a:off x="0" y="0"/>
+          <a:ext cx="0" cy="0"/>
+          <a:chOff x="0" y="0"/>
+          <a:chExt cx="0" cy="0"/>
+        </a:xfrm>
+      </p:grpSpPr>
+      <p:sp>
+        <p:nvSpPr>
+          <p:cNvPr id="2" name="Slide Image Placeholder 1"/>
+          <p:cNvSpPr>
+            <a:spLocks noGrp="1" noRot="1" noChangeAspect="1"/>
+          </p:cNvSpPr>
+          <p:nvPr>
+            <p:ph type="sldImg"/>
+          </p:nvPr>
+        </p:nvSpPr>
+        <p:spPr/>
+      </p:sp>
+      <p:sp>
+        <p:nvSpPr>
+          <p:cNvPr id="3" name="Notes Placeholder 2"/>
+          <p:cNvSpPr>
+            <a:spLocks noGrp="1"/>
+          </p:cNvSpPr>
+          <p:nvPr>
+            <p:ph type="body" idx="1"/>
+          </p:nvPr>
+        </p:nvSpPr>
+        <p:spPr/>
+        <p:txBody>
+          <a:bodyPr/>
+          <a:lstStyle/>
+          <a:p>
+            <a:r>
+              <a:rPr lang="en-US" dirty="0"/>
+              <a:t>There will be costs</a:t>
+            </a:r>
+          </a:p>
+          <a:p>
+            <a:endParaRPr lang="en-US" dirty="0"/>
+          </a:p>
+          <a:p>
+            <a:r>
+              <a:rPr lang="en-US" dirty="0"/>
+              <a:t>We expect to engage a vendor to do this</a:t>
+            </a:r>
+          </a:p>
+          <a:p>
+            <a:endParaRPr lang="en-US" dirty="0"/>
+          </a:p>
+          <a:p>
+            <a:r>
+              <a:rPr lang="en-US" dirty="0"/>
+              <a:t>We want to leverage vendor time</a:t>
+            </a:r>
+          </a:p>
+        </p:txBody>
+      </p:sp>
+      <p:sp>
+        <p:nvSpPr>
+          <p:cNvPr id="4" name="Slide Number Placeholder 3"/>
+          <p:cNvSpPr>
+            <a:spLocks noGrp="1"/>
+          </p:cNvSpPr>
+          <p:nvPr>
+            <p:ph type="sldNum" sz="quarter" idx="5"/>
+          </p:nvPr>
+        </p:nvSpPr>
+        <p:spPr/>
+        <p:txBody>
+          <a:bodyPr/>
+          <a:lstStyle/>
+          <a:p>
+            <a:fld id="{7C432B12-1722-4EDC-9BBA-25A0F0A334AF}" type="slidenum">
+              <a:rPr lang="en-US" smtClean="0"/>
+              <a:t>17</a:t>
+            </a:fld>
+            <a:endParaRPr lang="en-US"/>
+          </a:p>
+        </p:txBody>
+      </p:sp>
+    </p:spTree>
+    <p:extLst>
+      <p:ext uri="{BB962C8B-B14F-4D97-AF65-F5344CB8AC3E}">
+        <p14:creationId xmlns:p14="http://schemas.microsoft.com/office/powerpoint/2010/main" val="1734567867"/>
+      </p:ext>
+    </p:extLst>
+  </p:cSld>
+  <p:clrMapOvr>
+    <a:masterClrMapping/>
+  </p:clrMapOvr>
+</p:notes>
+</file>
+
+<file path=ppt/notesSlides/notesSlide14.xml><?xml version="1.0" encoding="utf-8"?>
+<p:notes xmlns:a="http://schemas.openxmlformats.org/drawingml/2006/main" xmlns:r="http://schemas.openxmlformats.org/officeDocument/2006/relationships" xmlns:p="http://schemas.openxmlformats.org/presentationml/2006/main">
+  <p:cSld>
+    <p:spTree>
+      <p:nvGrpSpPr>
+        <p:cNvPr id="1" name=""/>
+        <p:cNvGrpSpPr/>
+        <p:nvPr/>
+      </p:nvGrpSpPr>
+      <p:grpSpPr>
+        <a:xfrm>
+          <a:off x="0" y="0"/>
+          <a:ext cx="0" cy="0"/>
+          <a:chOff x="0" y="0"/>
+          <a:chExt cx="0" cy="0"/>
+        </a:xfrm>
+      </p:grpSpPr>
+      <p:sp>
+        <p:nvSpPr>
+          <p:cNvPr id="2" name="Slide Image Placeholder 1"/>
+          <p:cNvSpPr>
+            <a:spLocks noGrp="1" noRot="1" noChangeAspect="1"/>
+          </p:cNvSpPr>
+          <p:nvPr>
+            <p:ph type="sldImg"/>
+          </p:nvPr>
+        </p:nvSpPr>
+        <p:spPr/>
+      </p:sp>
+      <p:sp>
+        <p:nvSpPr>
+          <p:cNvPr id="3" name="Notes Placeholder 2"/>
+          <p:cNvSpPr>
+            <a:spLocks noGrp="1"/>
+          </p:cNvSpPr>
+          <p:nvPr>
+            <p:ph type="body" idx="1"/>
+          </p:nvPr>
+        </p:nvSpPr>
+        <p:spPr/>
+        <p:txBody>
+          <a:bodyPr/>
+          <a:lstStyle/>
+          <a:p>
+            <a:r>
+              <a:rPr lang="en-US" dirty="0"/>
+              <a:t>Push people into the pit of success</a:t>
+            </a:r>
+          </a:p>
+        </p:txBody>
+      </p:sp>
+      <p:sp>
+        <p:nvSpPr>
+          <p:cNvPr id="4" name="Slide Number Placeholder 3"/>
+          <p:cNvSpPr>
+            <a:spLocks noGrp="1"/>
+          </p:cNvSpPr>
+          <p:nvPr>
+            <p:ph type="sldNum" sz="quarter" idx="5"/>
+          </p:nvPr>
+        </p:nvSpPr>
+        <p:spPr/>
+        <p:txBody>
+          <a:bodyPr/>
+          <a:lstStyle/>
+          <a:p>
+            <a:fld id="{7C432B12-1722-4EDC-9BBA-25A0F0A334AF}" type="slidenum">
+              <a:rPr lang="en-US" smtClean="0"/>
+              <a:t>18</a:t>
+            </a:fld>
+            <a:endParaRPr lang="en-US"/>
+          </a:p>
+        </p:txBody>
+      </p:sp>
+    </p:spTree>
+    <p:extLst>
+      <p:ext uri="{BB962C8B-B14F-4D97-AF65-F5344CB8AC3E}">
+        <p14:creationId xmlns:p14="http://schemas.microsoft.com/office/powerpoint/2010/main" val="1250559668"/>
+      </p:ext>
+    </p:extLst>
+  </p:cSld>
+  <p:clrMapOvr>
+    <a:masterClrMapping/>
+  </p:clrMapOvr>
+</p:notes>
+</file>
+
+<file path=ppt/notesSlides/notesSlide15.xml><?xml version="1.0" encoding="utf-8"?>
+<p:notes xmlns:a="http://schemas.openxmlformats.org/drawingml/2006/main" xmlns:r="http://schemas.openxmlformats.org/officeDocument/2006/relationships" xmlns:p="http://schemas.openxmlformats.org/presentationml/2006/main">
+  <p:cSld>
+    <p:spTree>
+      <p:nvGrpSpPr>
+        <p:cNvPr id="1" name=""/>
+        <p:cNvGrpSpPr/>
+        <p:nvPr/>
+      </p:nvGrpSpPr>
+      <p:grpSpPr>
+        <a:xfrm>
+          <a:off x="0" y="0"/>
+          <a:ext cx="0" cy="0"/>
+          <a:chOff x="0" y="0"/>
+          <a:chExt cx="0" cy="0"/>
+        </a:xfrm>
+      </p:grpSpPr>
+      <p:sp>
+        <p:nvSpPr>
+          <p:cNvPr id="2" name="Slide Image Placeholder 1"/>
+          <p:cNvSpPr>
+            <a:spLocks noGrp="1" noRot="1" noChangeAspect="1"/>
+          </p:cNvSpPr>
+          <p:nvPr>
+            <p:ph type="sldImg"/>
+          </p:nvPr>
+        </p:nvSpPr>
+        <p:spPr/>
+      </p:sp>
+      <p:sp>
+        <p:nvSpPr>
+          <p:cNvPr id="3" name="Notes Placeholder 2"/>
+          <p:cNvSpPr>
+            <a:spLocks noGrp="1"/>
+          </p:cNvSpPr>
+          <p:nvPr>
+            <p:ph type="body" idx="1"/>
+          </p:nvPr>
+        </p:nvSpPr>
+        <p:spPr/>
+        <p:txBody>
+          <a:bodyPr/>
+          <a:lstStyle/>
+          <a:p>
+            <a:r>
+              <a:rPr lang="en-US" dirty="0"/>
+              <a:t>Add detailed notes about why this takes so long.</a:t>
+            </a:r>
+          </a:p>
+        </p:txBody>
+      </p:sp>
+      <p:sp>
+        <p:nvSpPr>
+          <p:cNvPr id="4" name="Slide Number Placeholder 3"/>
+          <p:cNvSpPr>
+            <a:spLocks noGrp="1"/>
+          </p:cNvSpPr>
+          <p:nvPr>
+            <p:ph type="sldNum" sz="quarter" idx="5"/>
+          </p:nvPr>
+        </p:nvSpPr>
+        <p:spPr/>
+        <p:txBody>
+          <a:bodyPr/>
+          <a:lstStyle/>
+          <a:p>
+            <a:fld id="{7C432B12-1722-4EDC-9BBA-25A0F0A334AF}" type="slidenum">
+              <a:rPr lang="en-US" smtClean="0"/>
+              <a:t>19</a:t>
+            </a:fld>
+            <a:endParaRPr lang="en-US"/>
+          </a:p>
+        </p:txBody>
+      </p:sp>
+    </p:spTree>
+    <p:extLst>
+      <p:ext uri="{BB962C8B-B14F-4D97-AF65-F5344CB8AC3E}">
+        <p14:creationId xmlns:p14="http://schemas.microsoft.com/office/powerpoint/2010/main" val="852317419"/>
       </p:ext>
     </p:extLst>
   </p:cSld>
@@ -3578,28 +4136,7 @@
           <a:bodyPr/>
           <a:lstStyle/>
           <a:p>
-            <a:r>
-              <a:rPr lang="en-US" dirty="0"/>
-              <a:t>There will be costs</a:t>
-            </a:r>
-          </a:p>
-          <a:p>
             <a:endParaRPr lang="en-US" dirty="0"/>
-          </a:p>
-          <a:p>
-            <a:r>
-              <a:rPr lang="en-US" dirty="0"/>
-              <a:t>We expect to engage a vendor to do this</a:t>
-            </a:r>
-          </a:p>
-          <a:p>
-            <a:endParaRPr lang="en-US" dirty="0"/>
-          </a:p>
-          <a:p>
-            <a:r>
-              <a:rPr lang="en-US" dirty="0"/>
-              <a:t>We want to leverage vendor time</a:t>
-            </a:r>
           </a:p>
         </p:txBody>
       </p:sp>
@@ -3620,7 +4157,7 @@
           <a:p>
             <a:fld id="{7C432B12-1722-4EDC-9BBA-25A0F0A334AF}" type="slidenum">
               <a:rPr lang="en-US" smtClean="0"/>
-              <a:t>15</a:t>
+              <a:t>2</a:t>
             </a:fld>
             <a:endParaRPr lang="en-US"/>
           </a:p>
@@ -3629,7 +4166,7 @@
     </p:spTree>
     <p:extLst>
       <p:ext uri="{BB962C8B-B14F-4D97-AF65-F5344CB8AC3E}">
-        <p14:creationId xmlns:p14="http://schemas.microsoft.com/office/powerpoint/2010/main" val="1734567867"/>
+        <p14:creationId xmlns:p14="http://schemas.microsoft.com/office/powerpoint/2010/main" val="1676236295"/>
       </p:ext>
     </p:extLst>
   </p:cSld>
@@ -3685,7 +4222,7 @@
           <a:p>
             <a:r>
               <a:rPr lang="en-US" dirty="0"/>
-              <a:t>Add detailed notes about why this takes so long.</a:t>
+              <a:t>In fact, we have containers in house today, but we don’t have a long-term plan to manage them for everyone.</a:t>
             </a:r>
           </a:p>
         </p:txBody>
@@ -3707,7 +4244,7 @@
           <a:p>
             <a:fld id="{7C432B12-1722-4EDC-9BBA-25A0F0A334AF}" type="slidenum">
               <a:rPr lang="en-US" smtClean="0"/>
-              <a:t>16</a:t>
+              <a:t>3</a:t>
             </a:fld>
             <a:endParaRPr lang="en-US"/>
           </a:p>
@@ -3716,7 +4253,630 @@
     </p:spTree>
     <p:extLst>
       <p:ext uri="{BB962C8B-B14F-4D97-AF65-F5344CB8AC3E}">
-        <p14:creationId xmlns:p14="http://schemas.microsoft.com/office/powerpoint/2010/main" val="852317419"/>
+        <p14:creationId xmlns:p14="http://schemas.microsoft.com/office/powerpoint/2010/main" val="3590531765"/>
+      </p:ext>
+    </p:extLst>
+  </p:cSld>
+  <p:clrMapOvr>
+    <a:masterClrMapping/>
+  </p:clrMapOvr>
+</p:notes>
+</file>
+
+<file path=ppt/notesSlides/notesSlide4.xml><?xml version="1.0" encoding="utf-8"?>
+<p:notes xmlns:a="http://schemas.openxmlformats.org/drawingml/2006/main" xmlns:r="http://schemas.openxmlformats.org/officeDocument/2006/relationships" xmlns:p="http://schemas.openxmlformats.org/presentationml/2006/main">
+  <p:cSld>
+    <p:spTree>
+      <p:nvGrpSpPr>
+        <p:cNvPr id="1" name=""/>
+        <p:cNvGrpSpPr/>
+        <p:nvPr/>
+      </p:nvGrpSpPr>
+      <p:grpSpPr>
+        <a:xfrm>
+          <a:off x="0" y="0"/>
+          <a:ext cx="0" cy="0"/>
+          <a:chOff x="0" y="0"/>
+          <a:chExt cx="0" cy="0"/>
+        </a:xfrm>
+      </p:grpSpPr>
+      <p:sp>
+        <p:nvSpPr>
+          <p:cNvPr id="2" name="Slide Image Placeholder 1"/>
+          <p:cNvSpPr>
+            <a:spLocks noGrp="1" noRot="1" noChangeAspect="1"/>
+          </p:cNvSpPr>
+          <p:nvPr>
+            <p:ph type="sldImg"/>
+          </p:nvPr>
+        </p:nvSpPr>
+        <p:spPr/>
+      </p:sp>
+      <p:sp>
+        <p:nvSpPr>
+          <p:cNvPr id="3" name="Notes Placeholder 2"/>
+          <p:cNvSpPr>
+            <a:spLocks noGrp="1"/>
+          </p:cNvSpPr>
+          <p:nvPr>
+            <p:ph type="body" idx="1"/>
+          </p:nvPr>
+        </p:nvSpPr>
+        <p:spPr/>
+        <p:txBody>
+          <a:bodyPr/>
+          <a:lstStyle/>
+          <a:p>
+            <a:r>
+              <a:rPr lang="en-US" dirty="0"/>
+              <a:t>Talk about T-Shirt sizing.</a:t>
+            </a:r>
+          </a:p>
+        </p:txBody>
+      </p:sp>
+      <p:sp>
+        <p:nvSpPr>
+          <p:cNvPr id="4" name="Slide Number Placeholder 3"/>
+          <p:cNvSpPr>
+            <a:spLocks noGrp="1"/>
+          </p:cNvSpPr>
+          <p:nvPr>
+            <p:ph type="sldNum" sz="quarter" idx="5"/>
+          </p:nvPr>
+        </p:nvSpPr>
+        <p:spPr/>
+        <p:txBody>
+          <a:bodyPr/>
+          <a:lstStyle/>
+          <a:p>
+            <a:fld id="{7C432B12-1722-4EDC-9BBA-25A0F0A334AF}" type="slidenum">
+              <a:rPr lang="en-US" smtClean="0"/>
+              <a:t>4</a:t>
+            </a:fld>
+            <a:endParaRPr lang="en-US"/>
+          </a:p>
+        </p:txBody>
+      </p:sp>
+    </p:spTree>
+    <p:extLst>
+      <p:ext uri="{BB962C8B-B14F-4D97-AF65-F5344CB8AC3E}">
+        <p14:creationId xmlns:p14="http://schemas.microsoft.com/office/powerpoint/2010/main" val="238305557"/>
+      </p:ext>
+    </p:extLst>
+  </p:cSld>
+  <p:clrMapOvr>
+    <a:masterClrMapping/>
+  </p:clrMapOvr>
+</p:notes>
+</file>
+
+<file path=ppt/notesSlides/notesSlide5.xml><?xml version="1.0" encoding="utf-8"?>
+<p:notes xmlns:a="http://schemas.openxmlformats.org/drawingml/2006/main" xmlns:r="http://schemas.openxmlformats.org/officeDocument/2006/relationships" xmlns:p="http://schemas.openxmlformats.org/presentationml/2006/main">
+  <p:cSld>
+    <p:spTree>
+      <p:nvGrpSpPr>
+        <p:cNvPr id="1" name=""/>
+        <p:cNvGrpSpPr/>
+        <p:nvPr/>
+      </p:nvGrpSpPr>
+      <p:grpSpPr>
+        <a:xfrm>
+          <a:off x="0" y="0"/>
+          <a:ext cx="0" cy="0"/>
+          <a:chOff x="0" y="0"/>
+          <a:chExt cx="0" cy="0"/>
+        </a:xfrm>
+      </p:grpSpPr>
+      <p:sp>
+        <p:nvSpPr>
+          <p:cNvPr id="2" name="Slide Image Placeholder 1"/>
+          <p:cNvSpPr>
+            <a:spLocks noGrp="1" noRot="1" noChangeAspect="1"/>
+          </p:cNvSpPr>
+          <p:nvPr>
+            <p:ph type="sldImg"/>
+          </p:nvPr>
+        </p:nvSpPr>
+        <p:spPr/>
+      </p:sp>
+      <p:sp>
+        <p:nvSpPr>
+          <p:cNvPr id="3" name="Notes Placeholder 2"/>
+          <p:cNvSpPr>
+            <a:spLocks noGrp="1"/>
+          </p:cNvSpPr>
+          <p:nvPr>
+            <p:ph type="body" idx="1"/>
+          </p:nvPr>
+        </p:nvSpPr>
+        <p:spPr/>
+        <p:txBody>
+          <a:bodyPr/>
+          <a:lstStyle/>
+          <a:p>
+            <a:r>
+              <a:rPr lang="en-US" dirty="0"/>
+              <a:t>Core Team – Will be doing or managing the work</a:t>
+            </a:r>
+          </a:p>
+          <a:p>
+            <a:endParaRPr lang="en-US" dirty="0"/>
+          </a:p>
+          <a:p>
+            <a:r>
+              <a:rPr lang="en-US" dirty="0"/>
+              <a:t>Stakeholders – Wil be consulted during the POC planning phase for their input, and will have an opportunity to get their hands on the environments.</a:t>
+            </a:r>
+          </a:p>
+          <a:p>
+            <a:endParaRPr lang="en-US" dirty="0"/>
+          </a:p>
+          <a:p>
+            <a:r>
+              <a:rPr lang="en-US" dirty="0"/>
+              <a:t>Vendors – Of the vendors in the market, we talked to many and think these three have the most mature offerings</a:t>
+            </a:r>
+          </a:p>
+        </p:txBody>
+      </p:sp>
+      <p:sp>
+        <p:nvSpPr>
+          <p:cNvPr id="4" name="Slide Number Placeholder 3"/>
+          <p:cNvSpPr>
+            <a:spLocks noGrp="1"/>
+          </p:cNvSpPr>
+          <p:nvPr>
+            <p:ph type="sldNum" sz="quarter" idx="5"/>
+          </p:nvPr>
+        </p:nvSpPr>
+        <p:spPr/>
+        <p:txBody>
+          <a:bodyPr/>
+          <a:lstStyle/>
+          <a:p>
+            <a:fld id="{7C432B12-1722-4EDC-9BBA-25A0F0A334AF}" type="slidenum">
+              <a:rPr lang="en-US" smtClean="0"/>
+              <a:t>5</a:t>
+            </a:fld>
+            <a:endParaRPr lang="en-US"/>
+          </a:p>
+        </p:txBody>
+      </p:sp>
+    </p:spTree>
+    <p:extLst>
+      <p:ext uri="{BB962C8B-B14F-4D97-AF65-F5344CB8AC3E}">
+        <p14:creationId xmlns:p14="http://schemas.microsoft.com/office/powerpoint/2010/main" val="1161611953"/>
+      </p:ext>
+    </p:extLst>
+  </p:cSld>
+  <p:clrMapOvr>
+    <a:masterClrMapping/>
+  </p:clrMapOvr>
+</p:notes>
+</file>
+
+<file path=ppt/notesSlides/notesSlide6.xml><?xml version="1.0" encoding="utf-8"?>
+<p:notes xmlns:a="http://schemas.openxmlformats.org/drawingml/2006/main" xmlns:r="http://schemas.openxmlformats.org/officeDocument/2006/relationships" xmlns:p="http://schemas.openxmlformats.org/presentationml/2006/main">
+  <p:cSld>
+    <p:spTree>
+      <p:nvGrpSpPr>
+        <p:cNvPr id="1" name=""/>
+        <p:cNvGrpSpPr/>
+        <p:nvPr/>
+      </p:nvGrpSpPr>
+      <p:grpSpPr>
+        <a:xfrm>
+          <a:off x="0" y="0"/>
+          <a:ext cx="0" cy="0"/>
+          <a:chOff x="0" y="0"/>
+          <a:chExt cx="0" cy="0"/>
+        </a:xfrm>
+      </p:grpSpPr>
+      <p:sp>
+        <p:nvSpPr>
+          <p:cNvPr id="2" name="Slide Image Placeholder 1"/>
+          <p:cNvSpPr>
+            <a:spLocks noGrp="1" noRot="1" noChangeAspect="1"/>
+          </p:cNvSpPr>
+          <p:nvPr>
+            <p:ph type="sldImg"/>
+          </p:nvPr>
+        </p:nvSpPr>
+        <p:spPr/>
+      </p:sp>
+      <p:sp>
+        <p:nvSpPr>
+          <p:cNvPr id="3" name="Notes Placeholder 2"/>
+          <p:cNvSpPr>
+            <a:spLocks noGrp="1"/>
+          </p:cNvSpPr>
+          <p:nvPr>
+            <p:ph type="body" idx="1"/>
+          </p:nvPr>
+        </p:nvSpPr>
+        <p:spPr/>
+        <p:txBody>
+          <a:bodyPr/>
+          <a:lstStyle/>
+          <a:p>
+            <a:r>
+              <a:rPr lang="en-US" dirty="0"/>
+              <a:t>We have had demos with various vendors</a:t>
+            </a:r>
+          </a:p>
+          <a:p>
+            <a:endParaRPr lang="en-US" dirty="0"/>
+          </a:p>
+          <a:p>
+            <a:r>
+              <a:rPr lang="en-US" dirty="0"/>
+              <a:t>We have expressed concerns about security, copy control, license management, </a:t>
+            </a:r>
+            <a:r>
+              <a:rPr lang="en-US" dirty="0" err="1"/>
+              <a:t>etc</a:t>
+            </a:r>
+            <a:r>
+              <a:rPr lang="en-US" dirty="0"/>
+              <a:t>…</a:t>
+            </a:r>
+          </a:p>
+          <a:p>
+            <a:endParaRPr lang="en-US" dirty="0"/>
+          </a:p>
+          <a:p>
+            <a:r>
+              <a:rPr lang="en-US" dirty="0"/>
+              <a:t>Vendors have addressed those concerns verbally</a:t>
+            </a:r>
+          </a:p>
+          <a:p>
+            <a:endParaRPr lang="en-US" dirty="0"/>
+          </a:p>
+          <a:p>
+            <a:r>
+              <a:rPr lang="en-US" dirty="0"/>
+              <a:t>We want those solutions demonstrated</a:t>
+            </a:r>
+          </a:p>
+          <a:p>
+            <a:endParaRPr lang="en-US" dirty="0"/>
+          </a:p>
+          <a:p>
+            <a:r>
+              <a:rPr lang="en-US" dirty="0"/>
+              <a:t>We want to get our hands on the solutions</a:t>
+            </a:r>
+          </a:p>
+        </p:txBody>
+      </p:sp>
+      <p:sp>
+        <p:nvSpPr>
+          <p:cNvPr id="4" name="Slide Number Placeholder 3"/>
+          <p:cNvSpPr>
+            <a:spLocks noGrp="1"/>
+          </p:cNvSpPr>
+          <p:nvPr>
+            <p:ph type="sldNum" sz="quarter" idx="5"/>
+          </p:nvPr>
+        </p:nvSpPr>
+        <p:spPr/>
+        <p:txBody>
+          <a:bodyPr/>
+          <a:lstStyle/>
+          <a:p>
+            <a:fld id="{7C432B12-1722-4EDC-9BBA-25A0F0A334AF}" type="slidenum">
+              <a:rPr lang="en-US" smtClean="0"/>
+              <a:t>6</a:t>
+            </a:fld>
+            <a:endParaRPr lang="en-US"/>
+          </a:p>
+        </p:txBody>
+      </p:sp>
+    </p:spTree>
+    <p:extLst>
+      <p:ext uri="{BB962C8B-B14F-4D97-AF65-F5344CB8AC3E}">
+        <p14:creationId xmlns:p14="http://schemas.microsoft.com/office/powerpoint/2010/main" val="1134747464"/>
+      </p:ext>
+    </p:extLst>
+  </p:cSld>
+  <p:clrMapOvr>
+    <a:masterClrMapping/>
+  </p:clrMapOvr>
+</p:notes>
+</file>
+
+<file path=ppt/notesSlides/notesSlide7.xml><?xml version="1.0" encoding="utf-8"?>
+<p:notes xmlns:a="http://schemas.openxmlformats.org/drawingml/2006/main" xmlns:r="http://schemas.openxmlformats.org/officeDocument/2006/relationships" xmlns:p="http://schemas.openxmlformats.org/presentationml/2006/main">
+  <p:cSld>
+    <p:spTree>
+      <p:nvGrpSpPr>
+        <p:cNvPr id="1" name=""/>
+        <p:cNvGrpSpPr/>
+        <p:nvPr/>
+      </p:nvGrpSpPr>
+      <p:grpSpPr>
+        <a:xfrm>
+          <a:off x="0" y="0"/>
+          <a:ext cx="0" cy="0"/>
+          <a:chOff x="0" y="0"/>
+          <a:chExt cx="0" cy="0"/>
+        </a:xfrm>
+      </p:grpSpPr>
+      <p:sp>
+        <p:nvSpPr>
+          <p:cNvPr id="2" name="Slide Image Placeholder 1"/>
+          <p:cNvSpPr>
+            <a:spLocks noGrp="1" noRot="1" noChangeAspect="1"/>
+          </p:cNvSpPr>
+          <p:nvPr>
+            <p:ph type="sldImg"/>
+          </p:nvPr>
+        </p:nvSpPr>
+        <p:spPr/>
+      </p:sp>
+      <p:sp>
+        <p:nvSpPr>
+          <p:cNvPr id="3" name="Notes Placeholder 2"/>
+          <p:cNvSpPr>
+            <a:spLocks noGrp="1"/>
+          </p:cNvSpPr>
+          <p:nvPr>
+            <p:ph type="body" idx="1"/>
+          </p:nvPr>
+        </p:nvSpPr>
+        <p:spPr/>
+        <p:txBody>
+          <a:bodyPr/>
+          <a:lstStyle/>
+          <a:p>
+            <a:r>
+              <a:rPr lang="en-US" dirty="0"/>
+              <a:t>We’ll present identical requirements to each vendor</a:t>
+            </a:r>
+          </a:p>
+          <a:p>
+            <a:endParaRPr lang="en-US" dirty="0"/>
+          </a:p>
+          <a:p>
+            <a:r>
+              <a:rPr lang="en-US" dirty="0"/>
+              <a:t>We’ll provide the application</a:t>
+            </a:r>
+          </a:p>
+          <a:p>
+            <a:r>
+              <a:rPr lang="en-US" dirty="0"/>
+              <a:t>NOC Integration</a:t>
+            </a:r>
+          </a:p>
+          <a:p>
+            <a:endParaRPr lang="en-US" dirty="0"/>
+          </a:p>
+          <a:p>
+            <a:r>
+              <a:rPr lang="en-US" dirty="0"/>
+              <a:t>We want them to do the demo on our infrastructure</a:t>
+            </a:r>
+          </a:p>
+          <a:p>
+            <a:r>
+              <a:rPr lang="en-US" dirty="0"/>
+              <a:t>We want to keep the environments around for awhile</a:t>
+            </a:r>
+          </a:p>
+          <a:p>
+            <a:r>
+              <a:rPr lang="en-US" dirty="0"/>
+              <a:t>We’ll give environment access to our current container users</a:t>
+            </a:r>
+          </a:p>
+          <a:p>
+            <a:r>
+              <a:rPr lang="en-US" dirty="0"/>
+              <a:t>We’ll try to get this done for free</a:t>
+            </a:r>
+          </a:p>
+          <a:p>
+            <a:endParaRPr lang="en-US" dirty="0"/>
+          </a:p>
+        </p:txBody>
+      </p:sp>
+      <p:sp>
+        <p:nvSpPr>
+          <p:cNvPr id="4" name="Slide Number Placeholder 3"/>
+          <p:cNvSpPr>
+            <a:spLocks noGrp="1"/>
+          </p:cNvSpPr>
+          <p:nvPr>
+            <p:ph type="sldNum" sz="quarter" idx="5"/>
+          </p:nvPr>
+        </p:nvSpPr>
+        <p:spPr/>
+        <p:txBody>
+          <a:bodyPr/>
+          <a:lstStyle/>
+          <a:p>
+            <a:fld id="{7C432B12-1722-4EDC-9BBA-25A0F0A334AF}" type="slidenum">
+              <a:rPr lang="en-US" smtClean="0"/>
+              <a:t>7</a:t>
+            </a:fld>
+            <a:endParaRPr lang="en-US"/>
+          </a:p>
+        </p:txBody>
+      </p:sp>
+    </p:spTree>
+    <p:extLst>
+      <p:ext uri="{BB962C8B-B14F-4D97-AF65-F5344CB8AC3E}">
+        <p14:creationId xmlns:p14="http://schemas.microsoft.com/office/powerpoint/2010/main" val="848292018"/>
+      </p:ext>
+    </p:extLst>
+  </p:cSld>
+  <p:clrMapOvr>
+    <a:masterClrMapping/>
+  </p:clrMapOvr>
+</p:notes>
+</file>
+
+<file path=ppt/notesSlides/notesSlide8.xml><?xml version="1.0" encoding="utf-8"?>
+<p:notes xmlns:a="http://schemas.openxmlformats.org/drawingml/2006/main" xmlns:r="http://schemas.openxmlformats.org/officeDocument/2006/relationships" xmlns:p="http://schemas.openxmlformats.org/presentationml/2006/main">
+  <p:cSld>
+    <p:spTree>
+      <p:nvGrpSpPr>
+        <p:cNvPr id="1" name=""/>
+        <p:cNvGrpSpPr/>
+        <p:nvPr/>
+      </p:nvGrpSpPr>
+      <p:grpSpPr>
+        <a:xfrm>
+          <a:off x="0" y="0"/>
+          <a:ext cx="0" cy="0"/>
+          <a:chOff x="0" y="0"/>
+          <a:chExt cx="0" cy="0"/>
+        </a:xfrm>
+      </p:grpSpPr>
+      <p:sp>
+        <p:nvSpPr>
+          <p:cNvPr id="2" name="Slide Image Placeholder 1"/>
+          <p:cNvSpPr>
+            <a:spLocks noGrp="1" noRot="1" noChangeAspect="1"/>
+          </p:cNvSpPr>
+          <p:nvPr>
+            <p:ph type="sldImg"/>
+          </p:nvPr>
+        </p:nvSpPr>
+        <p:spPr/>
+      </p:sp>
+      <p:sp>
+        <p:nvSpPr>
+          <p:cNvPr id="3" name="Notes Placeholder 2"/>
+          <p:cNvSpPr>
+            <a:spLocks noGrp="1"/>
+          </p:cNvSpPr>
+          <p:nvPr>
+            <p:ph type="body" idx="1"/>
+          </p:nvPr>
+        </p:nvSpPr>
+        <p:spPr/>
+        <p:txBody>
+          <a:bodyPr/>
+          <a:lstStyle/>
+          <a:p>
+            <a:endParaRPr lang="en-US"/>
+          </a:p>
+        </p:txBody>
+      </p:sp>
+      <p:sp>
+        <p:nvSpPr>
+          <p:cNvPr id="4" name="Slide Number Placeholder 3"/>
+          <p:cNvSpPr>
+            <a:spLocks noGrp="1"/>
+          </p:cNvSpPr>
+          <p:nvPr>
+            <p:ph type="sldNum" sz="quarter" idx="5"/>
+          </p:nvPr>
+        </p:nvSpPr>
+        <p:spPr/>
+        <p:txBody>
+          <a:bodyPr/>
+          <a:lstStyle/>
+          <a:p>
+            <a:fld id="{7C432B12-1722-4EDC-9BBA-25A0F0A334AF}" type="slidenum">
+              <a:rPr lang="en-US" smtClean="0"/>
+              <a:t>8</a:t>
+            </a:fld>
+            <a:endParaRPr lang="en-US"/>
+          </a:p>
+        </p:txBody>
+      </p:sp>
+    </p:spTree>
+    <p:extLst>
+      <p:ext uri="{BB962C8B-B14F-4D97-AF65-F5344CB8AC3E}">
+        <p14:creationId xmlns:p14="http://schemas.microsoft.com/office/powerpoint/2010/main" val="1362973388"/>
+      </p:ext>
+    </p:extLst>
+  </p:cSld>
+  <p:clrMapOvr>
+    <a:masterClrMapping/>
+  </p:clrMapOvr>
+</p:notes>
+</file>
+
+<file path=ppt/notesSlides/notesSlide9.xml><?xml version="1.0" encoding="utf-8"?>
+<p:notes xmlns:a="http://schemas.openxmlformats.org/drawingml/2006/main" xmlns:r="http://schemas.openxmlformats.org/officeDocument/2006/relationships" xmlns:p="http://schemas.openxmlformats.org/presentationml/2006/main">
+  <p:cSld>
+    <p:spTree>
+      <p:nvGrpSpPr>
+        <p:cNvPr id="1" name=""/>
+        <p:cNvGrpSpPr/>
+        <p:nvPr/>
+      </p:nvGrpSpPr>
+      <p:grpSpPr>
+        <a:xfrm>
+          <a:off x="0" y="0"/>
+          <a:ext cx="0" cy="0"/>
+          <a:chOff x="0" y="0"/>
+          <a:chExt cx="0" cy="0"/>
+        </a:xfrm>
+      </p:grpSpPr>
+      <p:sp>
+        <p:nvSpPr>
+          <p:cNvPr id="2" name="Slide Image Placeholder 1"/>
+          <p:cNvSpPr>
+            <a:spLocks noGrp="1" noRot="1" noChangeAspect="1"/>
+          </p:cNvSpPr>
+          <p:nvPr>
+            <p:ph type="sldImg"/>
+          </p:nvPr>
+        </p:nvSpPr>
+        <p:spPr/>
+      </p:sp>
+      <p:sp>
+        <p:nvSpPr>
+          <p:cNvPr id="3" name="Notes Placeholder 2"/>
+          <p:cNvSpPr>
+            <a:spLocks noGrp="1"/>
+          </p:cNvSpPr>
+          <p:nvPr>
+            <p:ph type="body" idx="1"/>
+          </p:nvPr>
+        </p:nvSpPr>
+        <p:spPr/>
+        <p:txBody>
+          <a:bodyPr/>
+          <a:lstStyle/>
+          <a:p>
+            <a:endParaRPr lang="en-US"/>
+          </a:p>
+        </p:txBody>
+      </p:sp>
+      <p:sp>
+        <p:nvSpPr>
+          <p:cNvPr id="4" name="Slide Number Placeholder 3"/>
+          <p:cNvSpPr>
+            <a:spLocks noGrp="1"/>
+          </p:cNvSpPr>
+          <p:nvPr>
+            <p:ph type="sldNum" sz="quarter" idx="5"/>
+          </p:nvPr>
+        </p:nvSpPr>
+        <p:spPr/>
+        <p:txBody>
+          <a:bodyPr/>
+          <a:lstStyle/>
+          <a:p>
+            <a:fld id="{7C432B12-1722-4EDC-9BBA-25A0F0A334AF}" type="slidenum">
+              <a:rPr lang="en-US" smtClean="0"/>
+              <a:t>9</a:t>
+            </a:fld>
+            <a:endParaRPr lang="en-US"/>
+          </a:p>
+        </p:txBody>
+      </p:sp>
+    </p:spTree>
+    <p:extLst>
+      <p:ext uri="{BB962C8B-B14F-4D97-AF65-F5344CB8AC3E}">
+        <p14:creationId xmlns:p14="http://schemas.microsoft.com/office/powerpoint/2010/main" val="149248714"/>
       </p:ext>
     </p:extLst>
   </p:cSld>
@@ -9466,7 +10626,7 @@
           <p:nvPr/>
         </p:nvPicPr>
         <p:blipFill rotWithShape="1">
-          <a:blip r:embed="rId2">
+          <a:blip r:embed="rId3">
             <a:extLst>
               <a:ext uri="{28A0092B-C50C-407E-A947-70E740481C1C}">
                 <a14:useLocalDpi xmlns:a14="http://schemas.microsoft.com/office/drawing/2010/main" val="0"/>
@@ -10335,7 +11495,7 @@
 </file>
 
 <file path=ppt/slides/slide10.xml><?xml version="1.0" encoding="utf-8"?>
-<p:sld xmlns:a="http://schemas.openxmlformats.org/drawingml/2006/main" xmlns:r="http://schemas.openxmlformats.org/officeDocument/2006/relationships" xmlns:p="http://schemas.openxmlformats.org/presentationml/2006/main" show="0">
+<p:sld xmlns:a="http://schemas.openxmlformats.org/drawingml/2006/main" xmlns:r="http://schemas.openxmlformats.org/officeDocument/2006/relationships" xmlns:p="http://schemas.openxmlformats.org/presentationml/2006/main">
   <p:cSld>
     <p:spTree>
       <p:nvGrpSpPr>
@@ -10353,7 +11513,13 @@
       </p:grpSpPr>
       <p:sp>
         <p:nvSpPr>
-          <p:cNvPr id="2" name="Title 1"/>
+          <p:cNvPr id="2" name="Title 1">
+            <a:extLst>
+              <a:ext uri="{FF2B5EF4-FFF2-40B4-BE49-F238E27FC236}">
+                <a16:creationId xmlns:a16="http://schemas.microsoft.com/office/drawing/2014/main" id="{C088670A-7BD0-4ECB-8A2E-C1AA3E8B9350}"/>
+              </a:ext>
+            </a:extLst>
+          </p:cNvPr>
           <p:cNvSpPr>
             <a:spLocks noGrp="1"/>
           </p:cNvSpPr>
@@ -10368,14 +11534,20 @@
           <a:p>
             <a:r>
               <a:rPr lang="en-US" dirty="0"/>
-              <a:t>Demo Requirements:  The Deployment</a:t>
-            </a:r>
-          </a:p>
-        </p:txBody>
-      </p:sp>
-      <p:sp>
-        <p:nvSpPr>
-          <p:cNvPr id="3" name="Content Placeholder 2"/>
+              <a:t>Phase One Outcome</a:t>
+            </a:r>
+          </a:p>
+        </p:txBody>
+      </p:sp>
+      <p:sp>
+        <p:nvSpPr>
+          <p:cNvPr id="3" name="Content Placeholder 2">
+            <a:extLst>
+              <a:ext uri="{FF2B5EF4-FFF2-40B4-BE49-F238E27FC236}">
+                <a16:creationId xmlns:a16="http://schemas.microsoft.com/office/drawing/2014/main" id="{C89640D5-E93C-4098-B975-52AF38A748F3}"/>
+              </a:ext>
+            </a:extLst>
+          </p:cNvPr>
           <p:cNvSpPr>
             <a:spLocks noGrp="1"/>
           </p:cNvSpPr>
@@ -10385,72 +11557,24 @@
         </p:nvSpPr>
         <p:spPr/>
         <p:txBody>
-          <a:bodyPr>
-            <a:normAutofit/>
-          </a:bodyPr>
+          <a:bodyPr/>
           <a:lstStyle/>
           <a:p>
             <a:r>
               <a:rPr lang="en-US" dirty="0"/>
-              <a:t>The vendor will run the application on a desktop</a:t>
+              <a:t>We select a primary vendor</a:t>
             </a:r>
           </a:p>
           <a:p>
             <a:r>
               <a:rPr lang="en-US" dirty="0"/>
-              <a:t>The vendor will demonstrate solutions to our named concerns</a:t>
+              <a:t>We have faith in the solution</a:t>
             </a:r>
           </a:p>
           <a:p>
             <a:r>
               <a:rPr lang="en-US" dirty="0"/>
-              <a:t>The vendor will give us infrastructure requirements</a:t>
-            </a:r>
-          </a:p>
-          <a:p>
-            <a:r>
-              <a:rPr lang="en-US" dirty="0"/>
-              <a:t>We will provide the infrastructure</a:t>
-            </a:r>
-          </a:p>
-          <a:p>
-            <a:r>
-              <a:rPr lang="en-US" dirty="0"/>
-              <a:t>The vendor will install, configure, and demonstrate their solution</a:t>
-            </a:r>
-          </a:p>
-          <a:p>
-            <a:pPr lvl="1"/>
-            <a:r>
-              <a:rPr lang="en-US" dirty="0"/>
-              <a:t>The application will must be deployed</a:t>
-            </a:r>
-          </a:p>
-          <a:p>
-            <a:pPr lvl="1"/>
-            <a:r>
-              <a:rPr lang="en-US" dirty="0"/>
-              <a:t>The application must be reachable on our network</a:t>
-            </a:r>
-          </a:p>
-          <a:p>
-            <a:pPr lvl="1"/>
-            <a:r>
-              <a:rPr lang="en-US" dirty="0"/>
-              <a:t>We want them to show us “the standard way” to do this, step by step</a:t>
-            </a:r>
-          </a:p>
-          <a:p>
-            <a:pPr lvl="1"/>
-            <a:r>
-              <a:rPr lang="en-US" dirty="0"/>
-              <a:t>Auto-scale running containers as needed</a:t>
-            </a:r>
-          </a:p>
-          <a:p>
-            <a:r>
-              <a:rPr lang="en-US" dirty="0"/>
-              <a:t>The vendor will demonstrate rolling updates</a:t>
+              <a:t>We understand pricing and support</a:t>
             </a:r>
           </a:p>
         </p:txBody>
@@ -10458,7 +11582,7 @@
     </p:spTree>
     <p:extLst>
       <p:ext uri="{BB962C8B-B14F-4D97-AF65-F5344CB8AC3E}">
-        <p14:creationId xmlns:p14="http://schemas.microsoft.com/office/powerpoint/2010/main" val="551168300"/>
+        <p14:creationId xmlns:p14="http://schemas.microsoft.com/office/powerpoint/2010/main" val="824068756"/>
       </p:ext>
     </p:extLst>
   </p:cSld>
@@ -10502,7 +11626,7 @@
           <a:p>
             <a:r>
               <a:rPr lang="en-US" dirty="0"/>
-              <a:t>Demo Requirements:  NOC Operations</a:t>
+              <a:t>Demo Requirements:  The Application</a:t>
             </a:r>
           </a:p>
         </p:txBody>
@@ -10526,80 +11650,35 @@
           <a:p>
             <a:r>
               <a:rPr lang="en-US" dirty="0"/>
-              <a:t>Demonstrate Monitoring</a:t>
+              <a:t>We will provide a simple app to Containerize</a:t>
+            </a:r>
+          </a:p>
+          <a:p>
+            <a:r>
+              <a:rPr lang="en-US" dirty="0"/>
+              <a:t>The app will have two dependencies</a:t>
             </a:r>
           </a:p>
           <a:p>
             <a:pPr lvl="1"/>
             <a:r>
               <a:rPr lang="en-US" dirty="0"/>
-              <a:t>At the cluster level</a:t>
+              <a:t>Database</a:t>
             </a:r>
           </a:p>
           <a:p>
             <a:pPr lvl="1"/>
             <a:r>
               <a:rPr lang="en-US" dirty="0"/>
-              <a:t>At the host level</a:t>
-            </a:r>
-          </a:p>
-          <a:p>
-            <a:pPr lvl="1"/>
-            <a:r>
-              <a:rPr lang="en-US" dirty="0"/>
-              <a:t>At the container level</a:t>
-            </a:r>
-          </a:p>
-          <a:p>
-            <a:pPr lvl="1"/>
-            <a:r>
-              <a:rPr lang="en-US" dirty="0"/>
-              <a:t>* We prefer to integrate with our current NOC products</a:t>
-            </a:r>
-          </a:p>
-          <a:p>
-            <a:r>
-              <a:rPr lang="en-US" dirty="0"/>
-              <a:t>Demonstrate Escalation Plans</a:t>
-            </a:r>
-          </a:p>
-          <a:p>
-            <a:pPr lvl="1"/>
-            <a:r>
-              <a:rPr lang="en-US" dirty="0"/>
-              <a:t>An application is down</a:t>
-            </a:r>
-          </a:p>
-          <a:p>
-            <a:pPr lvl="1"/>
-            <a:r>
-              <a:rPr lang="en-US" dirty="0"/>
-              <a:t>Scarce resources</a:t>
-            </a:r>
-          </a:p>
-          <a:p>
-            <a:r>
-              <a:rPr lang="en-US" dirty="0"/>
-              <a:t>Demonstrate Rolling Updates</a:t>
-            </a:r>
-          </a:p>
-          <a:p>
-            <a:pPr lvl="1"/>
-            <a:r>
-              <a:rPr lang="en-US" dirty="0"/>
-              <a:t>Update running containers from an old base OS image to a current one</a:t>
-            </a:r>
-          </a:p>
-          <a:p>
-            <a:pPr lvl="1"/>
-            <a:endParaRPr lang="en-US" dirty="0"/>
+              <a:t>Messaging</a:t>
+            </a:r>
           </a:p>
         </p:txBody>
       </p:sp>
     </p:spTree>
     <p:extLst>
       <p:ext uri="{BB962C8B-B14F-4D97-AF65-F5344CB8AC3E}">
-        <p14:creationId xmlns:p14="http://schemas.microsoft.com/office/powerpoint/2010/main" val="3864910711"/>
+        <p14:creationId xmlns:p14="http://schemas.microsoft.com/office/powerpoint/2010/main" val="1204616855"/>
       </p:ext>
     </p:extLst>
   </p:cSld>
@@ -10643,7 +11722,7 @@
           <a:p>
             <a:r>
               <a:rPr lang="en-US" dirty="0"/>
-              <a:t>Demo Requirements:  The Proposal</a:t>
+              <a:t>Demo Requirements:  The Deployment</a:t>
             </a:r>
           </a:p>
         </p:txBody>
@@ -10667,67 +11746,65 @@
           <a:p>
             <a:r>
               <a:rPr lang="en-US" dirty="0"/>
-              <a:t>Basic explanation of licensing</a:t>
+              <a:t>The vendor will run the application on a desktop</a:t>
             </a:r>
           </a:p>
           <a:p>
             <a:r>
               <a:rPr lang="en-US" dirty="0"/>
-              <a:t>Formal pricing offers</a:t>
+              <a:t>The vendor will demonstrate solutions to our named concerns</a:t>
             </a:r>
           </a:p>
           <a:p>
             <a:r>
               <a:rPr lang="en-US" dirty="0"/>
-              <a:t>Support details</a:t>
+              <a:t>The vendor will give us infrastructure requirements</a:t>
+            </a:r>
+          </a:p>
+          <a:p>
+            <a:r>
+              <a:rPr lang="en-US" dirty="0"/>
+              <a:t>We will provide the infrastructure</a:t>
+            </a:r>
+          </a:p>
+          <a:p>
+            <a:r>
+              <a:rPr lang="en-US" dirty="0"/>
+              <a:t>The vendor will install, configure, and demonstrate their solution</a:t>
             </a:r>
           </a:p>
           <a:p>
             <a:pPr lvl="1"/>
             <a:r>
               <a:rPr lang="en-US" dirty="0"/>
-              <a:t>What parts of the stack are supported</a:t>
+              <a:t>The application will must be deployed</a:t>
             </a:r>
           </a:p>
           <a:p>
             <a:pPr lvl="1"/>
             <a:r>
               <a:rPr lang="en-US" dirty="0"/>
-              <a:t>SLA</a:t>
+              <a:t>The application must be reachable on our network</a:t>
             </a:r>
           </a:p>
           <a:p>
             <a:pPr lvl="1"/>
             <a:r>
               <a:rPr lang="en-US" dirty="0"/>
-              <a:t>Pricing</a:t>
-            </a:r>
-          </a:p>
-          <a:p>
+              <a:t>We want them to show us “the standard way” to do this, step by step</a:t>
+            </a:r>
+          </a:p>
+          <a:p>
+            <a:pPr lvl="1"/>
             <a:r>
               <a:rPr lang="en-US" dirty="0"/>
-              <a:t>Consulting services</a:t>
-            </a:r>
-          </a:p>
-          <a:p>
-            <a:pPr lvl="1"/>
+              <a:t>Auto-scale running containers as needed</a:t>
+            </a:r>
+          </a:p>
+          <a:p>
             <a:r>
               <a:rPr lang="en-US" dirty="0"/>
-              <a:t>Their consulting model</a:t>
-            </a:r>
-          </a:p>
-          <a:p>
-            <a:pPr lvl="1"/>
-            <a:r>
-              <a:rPr lang="en-US" dirty="0"/>
-              <a:t>Availability</a:t>
-            </a:r>
-          </a:p>
-          <a:p>
-            <a:pPr lvl="1"/>
-            <a:r>
-              <a:rPr lang="en-US" dirty="0"/>
-              <a:t>Costs</a:t>
+              <a:t>The vendor will demonstrate rolling updates</a:t>
             </a:r>
           </a:p>
         </p:txBody>
@@ -10735,7 +11812,7 @@
     </p:spTree>
     <p:extLst>
       <p:ext uri="{BB962C8B-B14F-4D97-AF65-F5344CB8AC3E}">
-        <p14:creationId xmlns:p14="http://schemas.microsoft.com/office/powerpoint/2010/main" val="282798005"/>
+        <p14:creationId xmlns:p14="http://schemas.microsoft.com/office/powerpoint/2010/main" val="551168300"/>
       </p:ext>
     </p:extLst>
   </p:cSld>
@@ -10746,7 +11823,7 @@
 </file>
 
 <file path=ppt/slides/slide13.xml><?xml version="1.0" encoding="utf-8"?>
-<p:sld xmlns:a="http://schemas.openxmlformats.org/drawingml/2006/main" xmlns:r="http://schemas.openxmlformats.org/officeDocument/2006/relationships" xmlns:p="http://schemas.openxmlformats.org/presentationml/2006/main">
+<p:sld xmlns:a="http://schemas.openxmlformats.org/drawingml/2006/main" xmlns:r="http://schemas.openxmlformats.org/officeDocument/2006/relationships" xmlns:p="http://schemas.openxmlformats.org/presentationml/2006/main" show="0">
   <p:cSld>
     <p:spTree>
       <p:nvGrpSpPr>
@@ -10779,37 +11856,104 @@
           <a:p>
             <a:r>
               <a:rPr lang="en-US" dirty="0"/>
-              <a:t>Phase Two (2 Months)</a:t>
-            </a:r>
-          </a:p>
-        </p:txBody>
-      </p:sp>
-      <p:sp>
-        <p:nvSpPr>
-          <p:cNvPr id="3" name="Text Placeholder 2"/>
-          <p:cNvSpPr>
-            <a:spLocks noGrp="1"/>
-          </p:cNvSpPr>
-          <p:nvPr>
-            <p:ph type="body" idx="1"/>
+              <a:t>Demo Requirements:  NOC Operations</a:t>
+            </a:r>
+          </a:p>
+        </p:txBody>
+      </p:sp>
+      <p:sp>
+        <p:nvSpPr>
+          <p:cNvPr id="3" name="Content Placeholder 2"/>
+          <p:cNvSpPr>
+            <a:spLocks noGrp="1"/>
+          </p:cNvSpPr>
+          <p:nvPr>
+            <p:ph idx="1"/>
           </p:nvPr>
         </p:nvSpPr>
         <p:spPr/>
         <p:txBody>
-          <a:bodyPr/>
+          <a:bodyPr>
+            <a:normAutofit/>
+          </a:bodyPr>
           <a:lstStyle/>
           <a:p>
             <a:r>
               <a:rPr lang="en-US" dirty="0"/>
-              <a:t>Off-The-Shelf Container Support</a:t>
-            </a:r>
+              <a:t>Demonstrate Monitoring</a:t>
+            </a:r>
+          </a:p>
+          <a:p>
+            <a:pPr lvl="1"/>
+            <a:r>
+              <a:rPr lang="en-US" dirty="0"/>
+              <a:t>At the cluster level</a:t>
+            </a:r>
+          </a:p>
+          <a:p>
+            <a:pPr lvl="1"/>
+            <a:r>
+              <a:rPr lang="en-US" dirty="0"/>
+              <a:t>At the host level</a:t>
+            </a:r>
+          </a:p>
+          <a:p>
+            <a:pPr lvl="1"/>
+            <a:r>
+              <a:rPr lang="en-US" dirty="0"/>
+              <a:t>At the container level</a:t>
+            </a:r>
+          </a:p>
+          <a:p>
+            <a:pPr lvl="1"/>
+            <a:r>
+              <a:rPr lang="en-US" dirty="0"/>
+              <a:t>* We prefer to integrate with our current NOC products</a:t>
+            </a:r>
+          </a:p>
+          <a:p>
+            <a:r>
+              <a:rPr lang="en-US" dirty="0"/>
+              <a:t>Demonstrate Escalation Plans</a:t>
+            </a:r>
+          </a:p>
+          <a:p>
+            <a:pPr lvl="1"/>
+            <a:r>
+              <a:rPr lang="en-US" dirty="0"/>
+              <a:t>An application is down</a:t>
+            </a:r>
+          </a:p>
+          <a:p>
+            <a:pPr lvl="1"/>
+            <a:r>
+              <a:rPr lang="en-US" dirty="0"/>
+              <a:t>Scarce resources</a:t>
+            </a:r>
+          </a:p>
+          <a:p>
+            <a:r>
+              <a:rPr lang="en-US" dirty="0"/>
+              <a:t>Demonstrate Rolling Updates</a:t>
+            </a:r>
+          </a:p>
+          <a:p>
+            <a:pPr lvl="1"/>
+            <a:r>
+              <a:rPr lang="en-US" dirty="0"/>
+              <a:t>Update running containers from an old base OS image to a current one</a:t>
+            </a:r>
+          </a:p>
+          <a:p>
+            <a:pPr lvl="1"/>
+            <a:endParaRPr lang="en-US" dirty="0"/>
           </a:p>
         </p:txBody>
       </p:sp>
     </p:spTree>
     <p:extLst>
       <p:ext uri="{BB962C8B-B14F-4D97-AF65-F5344CB8AC3E}">
-        <p14:creationId xmlns:p14="http://schemas.microsoft.com/office/powerpoint/2010/main" val="1907812105"/>
+        <p14:creationId xmlns:p14="http://schemas.microsoft.com/office/powerpoint/2010/main" val="3864910711"/>
       </p:ext>
     </p:extLst>
   </p:cSld>
@@ -10820,7 +11964,7 @@
 </file>
 
 <file path=ppt/slides/slide14.xml><?xml version="1.0" encoding="utf-8"?>
-<p:sld xmlns:a="http://schemas.openxmlformats.org/drawingml/2006/main" xmlns:r="http://schemas.openxmlformats.org/officeDocument/2006/relationships" xmlns:p="http://schemas.openxmlformats.org/presentationml/2006/main">
+<p:sld xmlns:a="http://schemas.openxmlformats.org/drawingml/2006/main" xmlns:r="http://schemas.openxmlformats.org/officeDocument/2006/relationships" xmlns:p="http://schemas.openxmlformats.org/presentationml/2006/main" show="0">
   <p:cSld>
     <p:spTree>
       <p:nvGrpSpPr>
@@ -10853,7 +11997,7 @@
           <a:p>
             <a:r>
               <a:rPr lang="en-US" dirty="0"/>
-              <a:t>Requirements</a:t>
+              <a:t>Demo Requirements:  The Proposal</a:t>
             </a:r>
           </a:p>
         </p:txBody>
@@ -10870,67 +12014,82 @@
         </p:nvSpPr>
         <p:spPr/>
         <p:txBody>
-          <a:bodyPr/>
+          <a:bodyPr>
+            <a:normAutofit/>
+          </a:bodyPr>
           <a:lstStyle/>
           <a:p>
             <a:r>
               <a:rPr lang="en-US" dirty="0"/>
-              <a:t>Pilot use case</a:t>
+              <a:t>Basic explanation of licensing</a:t>
             </a:r>
           </a:p>
           <a:p>
             <a:r>
               <a:rPr lang="en-US" dirty="0"/>
-              <a:t>Licensing and support agreements</a:t>
+              <a:t>Formal pricing offers</a:t>
             </a:r>
           </a:p>
           <a:p>
             <a:r>
               <a:rPr lang="en-US" dirty="0"/>
-              <a:t>Budget considerations</a:t>
-            </a:r>
-          </a:p>
-          <a:p>
+              <a:t>Support details</a:t>
+            </a:r>
+          </a:p>
+          <a:p>
+            <a:pPr lvl="1"/>
             <a:r>
               <a:rPr lang="en-US" dirty="0"/>
-              <a:t>Planning and training</a:t>
-            </a:r>
-          </a:p>
-          <a:p>
+              <a:t>What parts of the stack are supported</a:t>
+            </a:r>
+          </a:p>
+          <a:p>
+            <a:pPr lvl="1"/>
             <a:r>
               <a:rPr lang="en-US" dirty="0"/>
-              <a:t>Security and compliance review</a:t>
-            </a:r>
-          </a:p>
-          <a:p>
+              <a:t>SLA</a:t>
+            </a:r>
+          </a:p>
+          <a:p>
+            <a:pPr lvl="1"/>
             <a:r>
               <a:rPr lang="en-US" dirty="0"/>
-              <a:t>Physical infrastructure</a:t>
+              <a:t>Pricing</a:t>
             </a:r>
           </a:p>
           <a:p>
             <a:r>
               <a:rPr lang="en-US" dirty="0"/>
-              <a:t>NOC integration</a:t>
-            </a:r>
-          </a:p>
-          <a:p>
+              <a:t>Consulting services</a:t>
+            </a:r>
+          </a:p>
+          <a:p>
+            <a:pPr lvl="1"/>
             <a:r>
               <a:rPr lang="en-US" dirty="0"/>
-              <a:t>Potential New Roles and </a:t>
-            </a:r>
-            <a:r>
-              <a:rPr lang="en-US" dirty="0" err="1"/>
-              <a:t>Responsibilites</a:t>
-            </a:r>
-            <a:endParaRPr lang="en-US" dirty="0"/>
+              <a:t>Their consulting model</a:t>
+            </a:r>
+          </a:p>
+          <a:p>
+            <a:pPr lvl="1"/>
+            <a:r>
+              <a:rPr lang="en-US" dirty="0"/>
+              <a:t>Availability</a:t>
+            </a:r>
+          </a:p>
+          <a:p>
+            <a:pPr lvl="1"/>
+            <a:r>
+              <a:rPr lang="en-US" dirty="0"/>
+              <a:t>Costs</a:t>
+            </a:r>
           </a:p>
         </p:txBody>
       </p:sp>
     </p:spTree>
     <p:extLst>
       <p:ext uri="{BB962C8B-B14F-4D97-AF65-F5344CB8AC3E}">
-        <p14:creationId xmlns:p14="http://schemas.microsoft.com/office/powerpoint/2010/main" val="908170637"/>
+        <p14:creationId xmlns:p14="http://schemas.microsoft.com/office/powerpoint/2010/main" val="282798005"/>
       </p:ext>
     </p:extLst>
   </p:cSld>
@@ -10974,7 +12133,7 @@
           <a:p>
             <a:r>
               <a:rPr lang="en-US" dirty="0"/>
-              <a:t>Phase Three (6 Months)</a:t>
+              <a:t>Phase Two (2 Months)</a:t>
             </a:r>
           </a:p>
         </p:txBody>
@@ -10996,7 +12155,185 @@
           <a:p>
             <a:r>
               <a:rPr lang="en-US" dirty="0"/>
-              <a:t>Development Operations:  Containers as a Service</a:t>
+              <a:t>Basic Container Support</a:t>
+            </a:r>
+          </a:p>
+        </p:txBody>
+      </p:sp>
+    </p:spTree>
+    <p:extLst>
+      <p:ext uri="{BB962C8B-B14F-4D97-AF65-F5344CB8AC3E}">
+        <p14:creationId xmlns:p14="http://schemas.microsoft.com/office/powerpoint/2010/main" val="1907812105"/>
+      </p:ext>
+    </p:extLst>
+  </p:cSld>
+  <p:clrMapOvr>
+    <a:masterClrMapping/>
+  </p:clrMapOvr>
+</p:sld>
+</file>
+
+<file path=ppt/slides/slide16.xml><?xml version="1.0" encoding="utf-8"?>
+<p:sld xmlns:a="http://schemas.openxmlformats.org/drawingml/2006/main" xmlns:r="http://schemas.openxmlformats.org/officeDocument/2006/relationships" xmlns:p="http://schemas.openxmlformats.org/presentationml/2006/main">
+  <p:cSld>
+    <p:spTree>
+      <p:nvGrpSpPr>
+        <p:cNvPr id="1" name=""/>
+        <p:cNvGrpSpPr/>
+        <p:nvPr/>
+      </p:nvGrpSpPr>
+      <p:grpSpPr>
+        <a:xfrm>
+          <a:off x="0" y="0"/>
+          <a:ext cx="0" cy="0"/>
+          <a:chOff x="0" y="0"/>
+          <a:chExt cx="0" cy="0"/>
+        </a:xfrm>
+      </p:grpSpPr>
+      <p:sp>
+        <p:nvSpPr>
+          <p:cNvPr id="2" name="Title 1"/>
+          <p:cNvSpPr>
+            <a:spLocks noGrp="1"/>
+          </p:cNvSpPr>
+          <p:nvPr>
+            <p:ph type="title"/>
+          </p:nvPr>
+        </p:nvSpPr>
+        <p:spPr/>
+        <p:txBody>
+          <a:bodyPr/>
+          <a:lstStyle/>
+          <a:p>
+            <a:r>
+              <a:rPr lang="en-US" dirty="0"/>
+              <a:t>Phase Two Outcome</a:t>
+            </a:r>
+          </a:p>
+        </p:txBody>
+      </p:sp>
+      <p:sp>
+        <p:nvSpPr>
+          <p:cNvPr id="3" name="Content Placeholder 2"/>
+          <p:cNvSpPr>
+            <a:spLocks noGrp="1"/>
+          </p:cNvSpPr>
+          <p:nvPr>
+            <p:ph idx="1"/>
+          </p:nvPr>
+        </p:nvSpPr>
+        <p:spPr/>
+        <p:txBody>
+          <a:bodyPr/>
+          <a:lstStyle/>
+          <a:p>
+            <a:r>
+              <a:rPr lang="en-US" dirty="0"/>
+              <a:t>Licensing and support agreements</a:t>
+            </a:r>
+          </a:p>
+          <a:p>
+            <a:r>
+              <a:rPr lang="en-US" dirty="0"/>
+              <a:t>We know how containers are paid for</a:t>
+            </a:r>
+          </a:p>
+          <a:p>
+            <a:r>
+              <a:rPr lang="en-US" dirty="0"/>
+              <a:t>Security and compliance review</a:t>
+            </a:r>
+          </a:p>
+          <a:p>
+            <a:r>
+              <a:rPr lang="en-US" dirty="0"/>
+              <a:t>Physical infrastructure is allocated</a:t>
+            </a:r>
+          </a:p>
+          <a:p>
+            <a:r>
+              <a:rPr lang="en-US" dirty="0"/>
+              <a:t>NOC integration is complete</a:t>
+            </a:r>
+          </a:p>
+          <a:p>
+            <a:r>
+              <a:rPr lang="en-US" dirty="0"/>
+              <a:t>Personnel are ready</a:t>
+            </a:r>
+          </a:p>
+        </p:txBody>
+      </p:sp>
+    </p:spTree>
+    <p:extLst>
+      <p:ext uri="{BB962C8B-B14F-4D97-AF65-F5344CB8AC3E}">
+        <p14:creationId xmlns:p14="http://schemas.microsoft.com/office/powerpoint/2010/main" val="908170637"/>
+      </p:ext>
+    </p:extLst>
+  </p:cSld>
+  <p:clrMapOvr>
+    <a:masterClrMapping/>
+  </p:clrMapOvr>
+</p:sld>
+</file>
+
+<file path=ppt/slides/slide17.xml><?xml version="1.0" encoding="utf-8"?>
+<p:sld xmlns:a="http://schemas.openxmlformats.org/drawingml/2006/main" xmlns:r="http://schemas.openxmlformats.org/officeDocument/2006/relationships" xmlns:p="http://schemas.openxmlformats.org/presentationml/2006/main">
+  <p:cSld>
+    <p:spTree>
+      <p:nvGrpSpPr>
+        <p:cNvPr id="1" name=""/>
+        <p:cNvGrpSpPr/>
+        <p:nvPr/>
+      </p:nvGrpSpPr>
+      <p:grpSpPr>
+        <a:xfrm>
+          <a:off x="0" y="0"/>
+          <a:ext cx="0" cy="0"/>
+          <a:chOff x="0" y="0"/>
+          <a:chExt cx="0" cy="0"/>
+        </a:xfrm>
+      </p:grpSpPr>
+      <p:sp>
+        <p:nvSpPr>
+          <p:cNvPr id="2" name="Title 1"/>
+          <p:cNvSpPr>
+            <a:spLocks noGrp="1"/>
+          </p:cNvSpPr>
+          <p:nvPr>
+            <p:ph type="title"/>
+          </p:nvPr>
+        </p:nvSpPr>
+        <p:spPr/>
+        <p:txBody>
+          <a:bodyPr/>
+          <a:lstStyle/>
+          <a:p>
+            <a:r>
+              <a:rPr lang="en-US" dirty="0"/>
+              <a:t>Phase Three (6 Months)</a:t>
+            </a:r>
+          </a:p>
+        </p:txBody>
+      </p:sp>
+      <p:sp>
+        <p:nvSpPr>
+          <p:cNvPr id="3" name="Text Placeholder 2"/>
+          <p:cNvSpPr>
+            <a:spLocks noGrp="1"/>
+          </p:cNvSpPr>
+          <p:nvPr>
+            <p:ph type="body" idx="1"/>
+          </p:nvPr>
+        </p:nvSpPr>
+        <p:spPr/>
+        <p:txBody>
+          <a:bodyPr/>
+          <a:lstStyle/>
+          <a:p>
+            <a:r>
+              <a:rPr lang="en-US" dirty="0"/>
+              <a:t>DevOps Integration</a:t>
             </a:r>
           </a:p>
         </p:txBody>
@@ -11014,8 +12351,100 @@
 </p:sld>
 </file>
 
-<file path=ppt/slides/slide16.xml><?xml version="1.0" encoding="utf-8"?>
+<file path=ppt/slides/slide18.xml><?xml version="1.0" encoding="utf-8"?>
 <p:sld xmlns:a="http://schemas.openxmlformats.org/drawingml/2006/main" xmlns:r="http://schemas.openxmlformats.org/officeDocument/2006/relationships" xmlns:p="http://schemas.openxmlformats.org/presentationml/2006/main">
+  <p:cSld>
+    <p:spTree>
+      <p:nvGrpSpPr>
+        <p:cNvPr id="1" name=""/>
+        <p:cNvGrpSpPr/>
+        <p:nvPr/>
+      </p:nvGrpSpPr>
+      <p:grpSpPr>
+        <a:xfrm>
+          <a:off x="0" y="0"/>
+          <a:ext cx="0" cy="0"/>
+          <a:chOff x="0" y="0"/>
+          <a:chExt cx="0" cy="0"/>
+        </a:xfrm>
+      </p:grpSpPr>
+      <p:sp>
+        <p:nvSpPr>
+          <p:cNvPr id="2" name="Title 1"/>
+          <p:cNvSpPr>
+            <a:spLocks noGrp="1"/>
+          </p:cNvSpPr>
+          <p:nvPr>
+            <p:ph type="title"/>
+          </p:nvPr>
+        </p:nvSpPr>
+        <p:spPr/>
+        <p:txBody>
+          <a:bodyPr/>
+          <a:lstStyle/>
+          <a:p>
+            <a:r>
+              <a:rPr lang="en-US" dirty="0"/>
+              <a:t>Phase Three Outcome</a:t>
+            </a:r>
+          </a:p>
+        </p:txBody>
+      </p:sp>
+      <p:sp>
+        <p:nvSpPr>
+          <p:cNvPr id="3" name="Content Placeholder 2"/>
+          <p:cNvSpPr>
+            <a:spLocks noGrp="1"/>
+          </p:cNvSpPr>
+          <p:nvPr>
+            <p:ph idx="1"/>
+          </p:nvPr>
+        </p:nvSpPr>
+        <p:spPr/>
+        <p:txBody>
+          <a:bodyPr/>
+          <a:lstStyle/>
+          <a:p>
+            <a:r>
+              <a:rPr lang="en-US" dirty="0"/>
+              <a:t>Desktop container support</a:t>
+            </a:r>
+          </a:p>
+          <a:p>
+            <a:r>
+              <a:rPr lang="en-US" dirty="0"/>
+              <a:t>Boilerplate for common project types</a:t>
+            </a:r>
+          </a:p>
+          <a:p>
+            <a:r>
+              <a:rPr lang="en-US" dirty="0"/>
+              <a:t>Continuous integration</a:t>
+            </a:r>
+          </a:p>
+          <a:p>
+            <a:r>
+              <a:rPr lang="en-US" dirty="0"/>
+              <a:t>Automated deployments</a:t>
+            </a:r>
+          </a:p>
+        </p:txBody>
+      </p:sp>
+    </p:spTree>
+    <p:extLst>
+      <p:ext uri="{BB962C8B-B14F-4D97-AF65-F5344CB8AC3E}">
+        <p14:creationId xmlns:p14="http://schemas.microsoft.com/office/powerpoint/2010/main" val="2716104907"/>
+      </p:ext>
+    </p:extLst>
+  </p:cSld>
+  <p:clrMapOvr>
+    <a:masterClrMapping/>
+  </p:clrMapOvr>
+</p:sld>
+</file>
+
+<file path=ppt/slides/slide19.xml><?xml version="1.0" encoding="utf-8"?>
+<p:sld xmlns:a="http://schemas.openxmlformats.org/drawingml/2006/main" xmlns:r="http://schemas.openxmlformats.org/officeDocument/2006/relationships" xmlns:p="http://schemas.openxmlformats.org/presentationml/2006/main" show="0">
   <p:cSld>
     <p:spTree>
       <p:nvGrpSpPr>
@@ -12648,118 +14077,6 @@
 </p:sld>
 </file>
 
-<file path=ppt/slides/slide17.xml><?xml version="1.0" encoding="utf-8"?>
-<p:sld xmlns:a="http://schemas.openxmlformats.org/drawingml/2006/main" xmlns:r="http://schemas.openxmlformats.org/officeDocument/2006/relationships" xmlns:p="http://schemas.openxmlformats.org/presentationml/2006/main">
-  <p:cSld>
-    <p:spTree>
-      <p:nvGrpSpPr>
-        <p:cNvPr id="1" name=""/>
-        <p:cNvGrpSpPr/>
-        <p:nvPr/>
-      </p:nvGrpSpPr>
-      <p:grpSpPr>
-        <a:xfrm>
-          <a:off x="0" y="0"/>
-          <a:ext cx="0" cy="0"/>
-          <a:chOff x="0" y="0"/>
-          <a:chExt cx="0" cy="0"/>
-        </a:xfrm>
-      </p:grpSpPr>
-      <p:sp>
-        <p:nvSpPr>
-          <p:cNvPr id="2" name="Title 1">
-            <a:extLst>
-              <a:ext uri="{FF2B5EF4-FFF2-40B4-BE49-F238E27FC236}">
-                <a16:creationId xmlns:a16="http://schemas.microsoft.com/office/drawing/2014/main" id="{F98DCCC2-901E-4BA8-8F13-695B7613B71C}"/>
-              </a:ext>
-            </a:extLst>
-          </p:cNvPr>
-          <p:cNvSpPr>
-            <a:spLocks noGrp="1"/>
-          </p:cNvSpPr>
-          <p:nvPr>
-            <p:ph type="title"/>
-          </p:nvPr>
-        </p:nvSpPr>
-        <p:spPr/>
-        <p:txBody>
-          <a:bodyPr/>
-          <a:lstStyle/>
-          <a:p>
-            <a:r>
-              <a:rPr lang="en-US" dirty="0"/>
-              <a:t>Next Steps</a:t>
-            </a:r>
-          </a:p>
-        </p:txBody>
-      </p:sp>
-      <p:sp>
-        <p:nvSpPr>
-          <p:cNvPr id="3" name="Content Placeholder 2">
-            <a:extLst>
-              <a:ext uri="{FF2B5EF4-FFF2-40B4-BE49-F238E27FC236}">
-                <a16:creationId xmlns:a16="http://schemas.microsoft.com/office/drawing/2014/main" id="{65972851-E12F-4953-BC40-498F40127880}"/>
-              </a:ext>
-            </a:extLst>
-          </p:cNvPr>
-          <p:cNvSpPr>
-            <a:spLocks noGrp="1"/>
-          </p:cNvSpPr>
-          <p:nvPr>
-            <p:ph idx="1"/>
-          </p:nvPr>
-        </p:nvSpPr>
-        <p:spPr/>
-        <p:txBody>
-          <a:bodyPr>
-            <a:normAutofit/>
-          </a:bodyPr>
-          <a:lstStyle/>
-          <a:p>
-            <a:r>
-              <a:rPr lang="en-US" dirty="0"/>
-              <a:t>Finalize our team</a:t>
-            </a:r>
-          </a:p>
-          <a:p>
-            <a:r>
-              <a:rPr lang="en-US" dirty="0"/>
-              <a:t>Write our RFP document</a:t>
-            </a:r>
-          </a:p>
-          <a:p>
-            <a:r>
-              <a:rPr lang="en-US" dirty="0"/>
-              <a:t>Submit RFP to vendors</a:t>
-            </a:r>
-          </a:p>
-          <a:p>
-            <a:r>
-              <a:rPr lang="en-US" dirty="0"/>
-              <a:t>Coordinate vendor presentations</a:t>
-            </a:r>
-          </a:p>
-          <a:p>
-            <a:r>
-              <a:rPr lang="en-US" dirty="0"/>
-              <a:t>Nail down estimate for phase 2</a:t>
-            </a:r>
-          </a:p>
-        </p:txBody>
-      </p:sp>
-    </p:spTree>
-    <p:extLst>
-      <p:ext uri="{BB962C8B-B14F-4D97-AF65-F5344CB8AC3E}">
-        <p14:creationId xmlns:p14="http://schemas.microsoft.com/office/powerpoint/2010/main" val="781785288"/>
-      </p:ext>
-    </p:extLst>
-  </p:cSld>
-  <p:clrMapOvr>
-    <a:masterClrMapping/>
-  </p:clrMapOvr>
-</p:sld>
-</file>
-
 <file path=ppt/slides/slide2.xml><?xml version="1.0" encoding="utf-8"?>
 <p:sld xmlns:a="http://schemas.openxmlformats.org/drawingml/2006/main" xmlns:r="http://schemas.openxmlformats.org/officeDocument/2006/relationships" xmlns:p="http://schemas.openxmlformats.org/presentationml/2006/main">
   <p:cSld>
@@ -12779,7 +14096,13 @@
       </p:grpSpPr>
       <p:sp>
         <p:nvSpPr>
-          <p:cNvPr id="2" name="Title 1"/>
+          <p:cNvPr id="2" name="Title 1">
+            <a:extLst>
+              <a:ext uri="{FF2B5EF4-FFF2-40B4-BE49-F238E27FC236}">
+                <a16:creationId xmlns:a16="http://schemas.microsoft.com/office/drawing/2014/main" id="{A8E2D35B-50CD-4E1E-8514-CBF6829E078F}"/>
+              </a:ext>
+            </a:extLst>
+          </p:cNvPr>
           <p:cNvSpPr>
             <a:spLocks noGrp="1"/>
           </p:cNvSpPr>
@@ -12794,14 +14117,20 @@
           <a:p>
             <a:r>
               <a:rPr lang="en-US" dirty="0"/>
-              <a:t>Why Containers Now?</a:t>
-            </a:r>
-          </a:p>
-        </p:txBody>
-      </p:sp>
-      <p:sp>
-        <p:nvSpPr>
-          <p:cNvPr id="3" name="Content Placeholder 2"/>
+              <a:t>A Quick Refresher</a:t>
+            </a:r>
+          </a:p>
+        </p:txBody>
+      </p:sp>
+      <p:sp>
+        <p:nvSpPr>
+          <p:cNvPr id="3" name="Content Placeholder 2">
+            <a:extLst>
+              <a:ext uri="{FF2B5EF4-FFF2-40B4-BE49-F238E27FC236}">
+                <a16:creationId xmlns:a16="http://schemas.microsoft.com/office/drawing/2014/main" id="{4FCC3D71-3C05-486C-A1D5-C3748ED7A9E0}"/>
+              </a:ext>
+            </a:extLst>
+          </p:cNvPr>
           <p:cNvSpPr>
             <a:spLocks noGrp="1"/>
           </p:cNvSpPr>
@@ -12816,46 +14145,25 @@
           <a:p>
             <a:r>
               <a:rPr lang="en-US" dirty="0"/>
-              <a:t>We know containers are coming</a:t>
+              <a:t>More efficient usage of server resources</a:t>
             </a:r>
           </a:p>
           <a:p>
             <a:r>
               <a:rPr lang="en-US" dirty="0"/>
-              <a:t>People are already using them:</a:t>
-            </a:r>
-          </a:p>
-          <a:p>
-            <a:pPr lvl="1"/>
+              <a:t>Rapid deployments</a:t>
+            </a:r>
+          </a:p>
+          <a:p>
             <a:r>
               <a:rPr lang="en-US" dirty="0"/>
-              <a:t>Big Data</a:t>
-            </a:r>
-          </a:p>
-          <a:p>
-            <a:pPr lvl="1"/>
+              <a:t>Simplicity around security</a:t>
+            </a:r>
+          </a:p>
+          <a:p>
             <a:r>
               <a:rPr lang="en-US" dirty="0"/>
-              <a:t>Oracle</a:t>
-            </a:r>
-          </a:p>
-          <a:p>
-            <a:pPr lvl="1"/>
-            <a:r>
-              <a:rPr lang="en-US" dirty="0"/>
-              <a:t>?</a:t>
-            </a:r>
-          </a:p>
-          <a:p>
-            <a:r>
-              <a:rPr lang="en-US" dirty="0"/>
-              <a:t>We want to manage one consistent platform</a:t>
-            </a:r>
-          </a:p>
-          <a:p>
-            <a:r>
-              <a:rPr lang="en-US" dirty="0"/>
-              <a:t>We want a ready answer for “how do I run a container?”</a:t>
+              <a:t>Tight integration with DevOps</a:t>
             </a:r>
           </a:p>
         </p:txBody>
@@ -12863,7 +14171,119 @@
     </p:spTree>
     <p:extLst>
       <p:ext uri="{BB962C8B-B14F-4D97-AF65-F5344CB8AC3E}">
-        <p14:creationId xmlns:p14="http://schemas.microsoft.com/office/powerpoint/2010/main" val="2911040714"/>
+        <p14:creationId xmlns:p14="http://schemas.microsoft.com/office/powerpoint/2010/main" val="912821848"/>
+      </p:ext>
+    </p:extLst>
+  </p:cSld>
+  <p:clrMapOvr>
+    <a:masterClrMapping/>
+  </p:clrMapOvr>
+</p:sld>
+</file>
+
+<file path=ppt/slides/slide20.xml><?xml version="1.0" encoding="utf-8"?>
+<p:sld xmlns:a="http://schemas.openxmlformats.org/drawingml/2006/main" xmlns:r="http://schemas.openxmlformats.org/officeDocument/2006/relationships" xmlns:p="http://schemas.openxmlformats.org/presentationml/2006/main">
+  <p:cSld>
+    <p:spTree>
+      <p:nvGrpSpPr>
+        <p:cNvPr id="1" name=""/>
+        <p:cNvGrpSpPr/>
+        <p:nvPr/>
+      </p:nvGrpSpPr>
+      <p:grpSpPr>
+        <a:xfrm>
+          <a:off x="0" y="0"/>
+          <a:ext cx="0" cy="0"/>
+          <a:chOff x="0" y="0"/>
+          <a:chExt cx="0" cy="0"/>
+        </a:xfrm>
+      </p:grpSpPr>
+      <p:sp>
+        <p:nvSpPr>
+          <p:cNvPr id="2" name="Title 1">
+            <a:extLst>
+              <a:ext uri="{FF2B5EF4-FFF2-40B4-BE49-F238E27FC236}">
+                <a16:creationId xmlns:a16="http://schemas.microsoft.com/office/drawing/2014/main" id="{F98DCCC2-901E-4BA8-8F13-695B7613B71C}"/>
+              </a:ext>
+            </a:extLst>
+          </p:cNvPr>
+          <p:cNvSpPr>
+            <a:spLocks noGrp="1"/>
+          </p:cNvSpPr>
+          <p:nvPr>
+            <p:ph type="title"/>
+          </p:nvPr>
+        </p:nvSpPr>
+        <p:spPr/>
+        <p:txBody>
+          <a:bodyPr/>
+          <a:lstStyle/>
+          <a:p>
+            <a:r>
+              <a:rPr lang="en-US" dirty="0"/>
+              <a:t>Next Steps</a:t>
+            </a:r>
+          </a:p>
+        </p:txBody>
+      </p:sp>
+      <p:sp>
+        <p:nvSpPr>
+          <p:cNvPr id="3" name="Content Placeholder 2">
+            <a:extLst>
+              <a:ext uri="{FF2B5EF4-FFF2-40B4-BE49-F238E27FC236}">
+                <a16:creationId xmlns:a16="http://schemas.microsoft.com/office/drawing/2014/main" id="{65972851-E12F-4953-BC40-498F40127880}"/>
+              </a:ext>
+            </a:extLst>
+          </p:cNvPr>
+          <p:cNvSpPr>
+            <a:spLocks noGrp="1"/>
+          </p:cNvSpPr>
+          <p:nvPr>
+            <p:ph idx="1"/>
+          </p:nvPr>
+        </p:nvSpPr>
+        <p:spPr/>
+        <p:txBody>
+          <a:bodyPr>
+            <a:normAutofit/>
+          </a:bodyPr>
+          <a:lstStyle/>
+          <a:p>
+            <a:r>
+              <a:rPr lang="en-US" dirty="0"/>
+              <a:t>Finalize our team</a:t>
+            </a:r>
+          </a:p>
+          <a:p>
+            <a:r>
+              <a:rPr lang="en-US" dirty="0"/>
+              <a:t>Visit with all stakeholders</a:t>
+            </a:r>
+          </a:p>
+          <a:p>
+            <a:r>
+              <a:rPr lang="en-US" dirty="0"/>
+              <a:t>Write our RFP document</a:t>
+            </a:r>
+          </a:p>
+          <a:p>
+            <a:r>
+              <a:rPr lang="en-US" dirty="0"/>
+              <a:t>Submit RFP to vendors</a:t>
+            </a:r>
+          </a:p>
+          <a:p>
+            <a:r>
+              <a:rPr lang="en-US" dirty="0"/>
+              <a:t>Coordinate vendor presentations</a:t>
+            </a:r>
+          </a:p>
+        </p:txBody>
+      </p:sp>
+    </p:spTree>
+    <p:extLst>
+      <p:ext uri="{BB962C8B-B14F-4D97-AF65-F5344CB8AC3E}">
+        <p14:creationId xmlns:p14="http://schemas.microsoft.com/office/powerpoint/2010/main" val="781785288"/>
       </p:ext>
     </p:extLst>
   </p:cSld>
@@ -12907,7 +14327,7 @@
           <a:p>
             <a:r>
               <a:rPr lang="en-US" dirty="0"/>
-              <a:t>Three Phases</a:t>
+              <a:t>Why Now?</a:t>
             </a:r>
           </a:p>
         </p:txBody>
@@ -12929,19 +14349,19 @@
           <a:p>
             <a:r>
               <a:rPr lang="en-US" dirty="0"/>
-              <a:t>Phase One:  Proofs of concept (This conversation)</a:t>
+              <a:t>We know containers are coming</a:t>
             </a:r>
           </a:p>
           <a:p>
             <a:r>
               <a:rPr lang="en-US" dirty="0"/>
-              <a:t>Phase Two:  Support of vendor applications</a:t>
+              <a:t>We want to manage one consistent platform</a:t>
             </a:r>
           </a:p>
           <a:p>
             <a:r>
               <a:rPr lang="en-US" dirty="0"/>
-              <a:t>Phase Three:  DevOps for our applications</a:t>
+              <a:t>We want a ready answer for people</a:t>
             </a:r>
           </a:p>
         </p:txBody>
@@ -12949,7 +14369,7 @@
     </p:spTree>
     <p:extLst>
       <p:ext uri="{BB962C8B-B14F-4D97-AF65-F5344CB8AC3E}">
-        <p14:creationId xmlns:p14="http://schemas.microsoft.com/office/powerpoint/2010/main" val="3595156515"/>
+        <p14:creationId xmlns:p14="http://schemas.microsoft.com/office/powerpoint/2010/main" val="2911040714"/>
       </p:ext>
     </p:extLst>
   </p:cSld>
@@ -12978,13 +14398,7 @@
       </p:grpSpPr>
       <p:sp>
         <p:nvSpPr>
-          <p:cNvPr id="2" name="Title 1">
-            <a:extLst>
-              <a:ext uri="{FF2B5EF4-FFF2-40B4-BE49-F238E27FC236}">
-                <a16:creationId xmlns:a16="http://schemas.microsoft.com/office/drawing/2014/main" id="{F98DCCC2-901E-4BA8-8F13-695B7613B71C}"/>
-              </a:ext>
-            </a:extLst>
-          </p:cNvPr>
+          <p:cNvPr id="2" name="Title 1"/>
           <p:cNvSpPr>
             <a:spLocks noGrp="1"/>
           </p:cNvSpPr>
@@ -12999,20 +14413,14 @@
           <a:p>
             <a:r>
               <a:rPr lang="en-US" dirty="0"/>
-              <a:t>The Players</a:t>
-            </a:r>
-          </a:p>
-        </p:txBody>
-      </p:sp>
-      <p:sp>
-        <p:nvSpPr>
-          <p:cNvPr id="3" name="Content Placeholder 2">
-            <a:extLst>
-              <a:ext uri="{FF2B5EF4-FFF2-40B4-BE49-F238E27FC236}">
-                <a16:creationId xmlns:a16="http://schemas.microsoft.com/office/drawing/2014/main" id="{65972851-E12F-4953-BC40-498F40127880}"/>
-              </a:ext>
-            </a:extLst>
-          </p:cNvPr>
+              <a:t>Three Phases</a:t>
+            </a:r>
+          </a:p>
+        </p:txBody>
+      </p:sp>
+      <p:sp>
+        <p:nvSpPr>
+          <p:cNvPr id="3" name="Content Placeholder 2"/>
           <p:cNvSpPr>
             <a:spLocks noGrp="1"/>
           </p:cNvSpPr>
@@ -13022,114 +14430,24 @@
         </p:nvSpPr>
         <p:spPr/>
         <p:txBody>
-          <a:bodyPr>
-            <a:normAutofit fontScale="85000" lnSpcReduction="20000"/>
-          </a:bodyPr>
+          <a:bodyPr/>
           <a:lstStyle/>
           <a:p>
-            <a:pPr marL="0" indent="0">
-              <a:buNone/>
-            </a:pPr>
-            <a:r>
-              <a:rPr lang="en-US" b="1" dirty="0"/>
-              <a:t>Owner</a:t>
-            </a:r>
             <a:r>
               <a:rPr lang="en-US" dirty="0"/>
-              <a:t>:  Technical Architecture Group</a:t>
-            </a:r>
-          </a:p>
-          <a:p>
-            <a:pPr marL="0" indent="0">
-              <a:buNone/>
-            </a:pPr>
-            <a:endParaRPr lang="en-US" b="1" dirty="0"/>
-          </a:p>
-          <a:p>
-            <a:pPr marL="0" indent="0">
-              <a:buNone/>
-            </a:pPr>
-            <a:r>
-              <a:rPr lang="en-US" b="1" dirty="0"/>
-              <a:t>Driver</a:t>
-            </a:r>
+              <a:t>Phase One:  Proofs of concept (This conversation)</a:t>
+            </a:r>
+          </a:p>
+          <a:p>
             <a:r>
               <a:rPr lang="en-US" dirty="0"/>
-              <a:t>:  Eric Burcham</a:t>
-            </a:r>
-          </a:p>
-          <a:p>
-            <a:pPr marL="0" indent="0">
-              <a:buNone/>
-            </a:pPr>
-            <a:endParaRPr lang="en-US" dirty="0"/>
-          </a:p>
-          <a:p>
-            <a:pPr marL="0" indent="0">
-              <a:buNone/>
-            </a:pPr>
-            <a:r>
-              <a:rPr lang="en-US" b="1" dirty="0"/>
-              <a:t>Core Team</a:t>
-            </a:r>
+              <a:t>Phase Two:  Basic Container Support</a:t>
+            </a:r>
+          </a:p>
+          <a:p>
             <a:r>
               <a:rPr lang="en-US" dirty="0"/>
-              <a:t>:  Eric Burcham, Dylan Clark, Mike Bollman, Lowell Roberts, Mayme Kittman, Stuart Wagner</a:t>
-            </a:r>
-          </a:p>
-          <a:p>
-            <a:pPr marL="0" indent="0">
-              <a:buNone/>
-            </a:pPr>
-            <a:endParaRPr lang="en-US" b="1" dirty="0"/>
-          </a:p>
-          <a:p>
-            <a:pPr marL="0" indent="0">
-              <a:buNone/>
-            </a:pPr>
-            <a:r>
-              <a:rPr lang="en-US" b="1" dirty="0"/>
-              <a:t>Project Manager</a:t>
-            </a:r>
-            <a:r>
-              <a:rPr lang="en-US" dirty="0"/>
-              <a:t>:  TBD.  Not needed for Phase One.</a:t>
-            </a:r>
-            <a:br>
-              <a:rPr lang="en-US" dirty="0"/>
-            </a:br>
-            <a:endParaRPr lang="en-US" b="1" dirty="0"/>
-          </a:p>
-          <a:p>
-            <a:pPr marL="0" indent="0">
-              <a:buNone/>
-            </a:pPr>
-            <a:r>
-              <a:rPr lang="en-US" b="1" dirty="0"/>
-              <a:t>Stakeholders</a:t>
-            </a:r>
-            <a:r>
-              <a:rPr lang="en-US" dirty="0"/>
-              <a:t>:  Big Data, Desktop Support, Development Managers, eBusiness, Engineering, Network Team, NOC, Oracle Team, SCADA, Security and Compliance, Server Team</a:t>
-            </a:r>
-          </a:p>
-          <a:p>
-            <a:pPr marL="0" indent="0">
-              <a:buNone/>
-            </a:pPr>
-            <a:endParaRPr lang="en-US" b="1" dirty="0"/>
-          </a:p>
-          <a:p>
-            <a:pPr marL="0" indent="0">
-              <a:buNone/>
-            </a:pPr>
-            <a:r>
-              <a:rPr lang="en-US" b="1" dirty="0"/>
-              <a:t>Vendors</a:t>
-            </a:r>
-            <a:r>
-              <a:rPr lang="en-US" dirty="0"/>
-              <a:t>:  Docker Enterprise, Red Hat OpenShift, Rancher</a:t>
+              <a:t>Phase Three:  DevOps Integration</a:t>
             </a:r>
           </a:p>
         </p:txBody>
@@ -13137,7 +14455,7 @@
     </p:spTree>
     <p:extLst>
       <p:ext uri="{BB962C8B-B14F-4D97-AF65-F5344CB8AC3E}">
-        <p14:creationId xmlns:p14="http://schemas.microsoft.com/office/powerpoint/2010/main" val="2747266861"/>
+        <p14:creationId xmlns:p14="http://schemas.microsoft.com/office/powerpoint/2010/main" val="3595156515"/>
       </p:ext>
     </p:extLst>
   </p:cSld>
@@ -13166,7 +14484,13 @@
       </p:grpSpPr>
       <p:sp>
         <p:nvSpPr>
-          <p:cNvPr id="2" name="Title 1"/>
+          <p:cNvPr id="2" name="Title 1">
+            <a:extLst>
+              <a:ext uri="{FF2B5EF4-FFF2-40B4-BE49-F238E27FC236}">
+                <a16:creationId xmlns:a16="http://schemas.microsoft.com/office/drawing/2014/main" id="{F98DCCC2-901E-4BA8-8F13-695B7613B71C}"/>
+              </a:ext>
+            </a:extLst>
+          </p:cNvPr>
           <p:cNvSpPr>
             <a:spLocks noGrp="1"/>
           </p:cNvSpPr>
@@ -13181,29 +14505,120 @@
           <a:p>
             <a:r>
               <a:rPr lang="en-US" dirty="0"/>
-              <a:t>Phase One (2 Months)</a:t>
-            </a:r>
-          </a:p>
-        </p:txBody>
-      </p:sp>
-      <p:sp>
-        <p:nvSpPr>
-          <p:cNvPr id="3" name="Text Placeholder 2"/>
-          <p:cNvSpPr>
-            <a:spLocks noGrp="1"/>
-          </p:cNvSpPr>
-          <p:nvPr>
-            <p:ph type="body" idx="1"/>
+              <a:t>The Players</a:t>
+            </a:r>
+          </a:p>
+        </p:txBody>
+      </p:sp>
+      <p:sp>
+        <p:nvSpPr>
+          <p:cNvPr id="3" name="Content Placeholder 2">
+            <a:extLst>
+              <a:ext uri="{FF2B5EF4-FFF2-40B4-BE49-F238E27FC236}">
+                <a16:creationId xmlns:a16="http://schemas.microsoft.com/office/drawing/2014/main" id="{65972851-E12F-4953-BC40-498F40127880}"/>
+              </a:ext>
+            </a:extLst>
+          </p:cNvPr>
+          <p:cNvSpPr>
+            <a:spLocks noGrp="1"/>
+          </p:cNvSpPr>
+          <p:nvPr>
+            <p:ph idx="1"/>
           </p:nvPr>
         </p:nvSpPr>
         <p:spPr/>
         <p:txBody>
-          <a:bodyPr/>
+          <a:bodyPr>
+            <a:normAutofit fontScale="92500" lnSpcReduction="20000"/>
+          </a:bodyPr>
           <a:lstStyle/>
           <a:p>
+            <a:pPr marL="0" indent="0">
+              <a:buNone/>
+            </a:pPr>
+            <a:r>
+              <a:rPr lang="en-US" b="1" dirty="0"/>
+              <a:t>Owner</a:t>
+            </a:r>
             <a:r>
               <a:rPr lang="en-US" dirty="0"/>
-              <a:t>Proofs of Concept, Cost Analysis, and Vendor Selection</a:t>
+              <a:t>:  Technical Architecture Group</a:t>
+            </a:r>
+          </a:p>
+          <a:p>
+            <a:pPr marL="0" indent="0">
+              <a:buNone/>
+            </a:pPr>
+            <a:endParaRPr lang="en-US" b="1" dirty="0"/>
+          </a:p>
+          <a:p>
+            <a:pPr marL="0" indent="0">
+              <a:buNone/>
+            </a:pPr>
+            <a:r>
+              <a:rPr lang="en-US" b="1" dirty="0"/>
+              <a:t>Driver</a:t>
+            </a:r>
+            <a:r>
+              <a:rPr lang="en-US" dirty="0"/>
+              <a:t>:  Eric Burcham</a:t>
+            </a:r>
+          </a:p>
+          <a:p>
+            <a:pPr marL="0" indent="0">
+              <a:buNone/>
+            </a:pPr>
+            <a:endParaRPr lang="en-US" dirty="0"/>
+          </a:p>
+          <a:p>
+            <a:pPr marL="0" indent="0">
+              <a:buNone/>
+            </a:pPr>
+            <a:r>
+              <a:rPr lang="en-US" b="1" dirty="0"/>
+              <a:t>Core Team</a:t>
+            </a:r>
+            <a:r>
+              <a:rPr lang="en-US" dirty="0"/>
+              <a:t>:  Eric Burcham, Dylan Clark, Mike Bollman, Lowell Roberts, Mayme Kittman, Stuart Wagner</a:t>
+            </a:r>
+          </a:p>
+          <a:p>
+            <a:pPr marL="0" indent="0">
+              <a:buNone/>
+            </a:pPr>
+            <a:endParaRPr lang="en-US" b="1" dirty="0"/>
+          </a:p>
+          <a:p>
+            <a:pPr marL="0" indent="0">
+              <a:buNone/>
+            </a:pPr>
+            <a:r>
+              <a:rPr lang="en-US" b="1" dirty="0"/>
+              <a:t>Stakeholders</a:t>
+            </a:r>
+            <a:r>
+              <a:rPr lang="en-US" dirty="0"/>
+              <a:t>:  Big Data, Desktop Support, Development Managers, eBusiness, Engineering, Network Team, NOC, Oracle Team, SCADA, Security and Compliance, Server Team</a:t>
+            </a:r>
+          </a:p>
+          <a:p>
+            <a:pPr marL="0" indent="0">
+              <a:buNone/>
+            </a:pPr>
+            <a:endParaRPr lang="en-US" b="1" dirty="0"/>
+          </a:p>
+          <a:p>
+            <a:pPr marL="0" indent="0">
+              <a:buNone/>
+            </a:pPr>
+            <a:r>
+              <a:rPr lang="en-US" b="1" dirty="0"/>
+              <a:t>Vendors</a:t>
+            </a:r>
+            <a:r>
+              <a:rPr lang="en-US" dirty="0"/>
+              <a:t>:  Docker Enterprise, Red Hat OpenShift, Rancher</a:t>
             </a:r>
           </a:p>
         </p:txBody>
@@ -13211,7 +14626,7 @@
     </p:spTree>
     <p:extLst>
       <p:ext uri="{BB962C8B-B14F-4D97-AF65-F5344CB8AC3E}">
-        <p14:creationId xmlns:p14="http://schemas.microsoft.com/office/powerpoint/2010/main" val="816925581"/>
+        <p14:creationId xmlns:p14="http://schemas.microsoft.com/office/powerpoint/2010/main" val="2747266861"/>
       </p:ext>
     </p:extLst>
   </p:cSld>
@@ -13255,19 +14670,19 @@
           <a:p>
             <a:r>
               <a:rPr lang="en-US" dirty="0"/>
-              <a:t>Requests for Proposals with Demo POC</a:t>
-            </a:r>
-          </a:p>
-        </p:txBody>
-      </p:sp>
-      <p:sp>
-        <p:nvSpPr>
-          <p:cNvPr id="3" name="Content Placeholder 2"/>
-          <p:cNvSpPr>
-            <a:spLocks noGrp="1"/>
-          </p:cNvSpPr>
-          <p:nvPr>
-            <p:ph idx="1"/>
+              <a:t>Phase One (2 Months)</a:t>
+            </a:r>
+          </a:p>
+        </p:txBody>
+      </p:sp>
+      <p:sp>
+        <p:nvSpPr>
+          <p:cNvPr id="3" name="Text Placeholder 2"/>
+          <p:cNvSpPr>
+            <a:spLocks noGrp="1"/>
+          </p:cNvSpPr>
+          <p:nvPr>
+            <p:ph type="body" idx="1"/>
           </p:nvPr>
         </p:nvSpPr>
         <p:spPr/>
@@ -13277,31 +14692,7 @@
           <a:p>
             <a:r>
               <a:rPr lang="en-US" dirty="0"/>
-              <a:t>We’ll present identical requirements to each vendor</a:t>
-            </a:r>
-          </a:p>
-          <a:p>
-            <a:r>
-              <a:rPr lang="en-US" dirty="0"/>
-              <a:t>We want them to do the demo on our infrastructure</a:t>
-            </a:r>
-          </a:p>
-          <a:p>
-            <a:r>
-              <a:rPr lang="en-US" dirty="0"/>
-              <a:t>We want to keep the environments around for awhile</a:t>
-            </a:r>
-          </a:p>
-          <a:p>
-            <a:r>
-              <a:rPr lang="en-US" dirty="0"/>
-              <a:t>We’ll give environment access to our current container users</a:t>
-            </a:r>
-          </a:p>
-          <a:p>
-            <a:r>
-              <a:rPr lang="en-US" dirty="0"/>
-              <a:t>We’ll try to get this done for free</a:t>
+              <a:t>Proofs of Concept, Cost Analysis, and Vendor Selection</a:t>
             </a:r>
           </a:p>
         </p:txBody>
@@ -13309,7 +14700,7 @@
     </p:spTree>
     <p:extLst>
       <p:ext uri="{BB962C8B-B14F-4D97-AF65-F5344CB8AC3E}">
-        <p14:creationId xmlns:p14="http://schemas.microsoft.com/office/powerpoint/2010/main" val="1384123770"/>
+        <p14:creationId xmlns:p14="http://schemas.microsoft.com/office/powerpoint/2010/main" val="816925581"/>
       </p:ext>
     </p:extLst>
   </p:cSld>
@@ -13338,13 +14729,7 @@
       </p:grpSpPr>
       <p:sp>
         <p:nvSpPr>
-          <p:cNvPr id="2" name="Title 1">
-            <a:extLst>
-              <a:ext uri="{FF2B5EF4-FFF2-40B4-BE49-F238E27FC236}">
-                <a16:creationId xmlns:a16="http://schemas.microsoft.com/office/drawing/2014/main" id="{05D1E734-7289-434A-BAB5-8B27CC4D98E9}"/>
-              </a:ext>
-            </a:extLst>
-          </p:cNvPr>
+          <p:cNvPr id="2" name="Title 1"/>
           <p:cNvSpPr>
             <a:spLocks noGrp="1"/>
           </p:cNvSpPr>
@@ -13359,207 +14744,49 @@
           <a:p>
             <a:r>
               <a:rPr lang="en-US" dirty="0"/>
-              <a:t>POC Scope</a:t>
-            </a:r>
-          </a:p>
-        </p:txBody>
-      </p:sp>
-      <p:sp>
-        <p:nvSpPr>
-          <p:cNvPr id="3" name="Content Placeholder 2">
-            <a:extLst>
-              <a:ext uri="{FF2B5EF4-FFF2-40B4-BE49-F238E27FC236}">
-                <a16:creationId xmlns:a16="http://schemas.microsoft.com/office/drawing/2014/main" id="{69D78B72-CFD0-4AE3-8CBE-2226A85F6A23}"/>
-              </a:ext>
-            </a:extLst>
-          </p:cNvPr>
-          <p:cNvSpPr>
-            <a:spLocks noGrp="1"/>
-          </p:cNvSpPr>
-          <p:nvPr>
-            <p:ph sz="half" idx="1"/>
+              <a:t>Proofs of Concept</a:t>
+            </a:r>
+          </a:p>
+        </p:txBody>
+      </p:sp>
+      <p:sp>
+        <p:nvSpPr>
+          <p:cNvPr id="3" name="Content Placeholder 2"/>
+          <p:cNvSpPr>
+            <a:spLocks noGrp="1"/>
+          </p:cNvSpPr>
+          <p:nvPr>
+            <p:ph idx="1"/>
           </p:nvPr>
         </p:nvSpPr>
         <p:spPr/>
         <p:txBody>
-          <a:bodyPr>
-            <a:normAutofit fontScale="62500" lnSpcReduction="20000"/>
-          </a:bodyPr>
+          <a:bodyPr/>
           <a:lstStyle/>
           <a:p>
             <a:r>
               <a:rPr lang="en-US" dirty="0"/>
-              <a:t>Automatic Scaling</a:t>
+              <a:t>Present requirements</a:t>
             </a:r>
           </a:p>
           <a:p>
             <a:r>
               <a:rPr lang="en-US" dirty="0"/>
-              <a:t>Authentication / Authorization</a:t>
+              <a:t>Demonstrations</a:t>
             </a:r>
           </a:p>
           <a:p>
             <a:r>
               <a:rPr lang="en-US" dirty="0"/>
-              <a:t>Clustering</a:t>
-            </a:r>
-          </a:p>
-          <a:p>
-            <a:r>
-              <a:rPr lang="en-US" dirty="0"/>
-              <a:t>Copy Control</a:t>
-            </a:r>
-          </a:p>
-          <a:p>
-            <a:r>
-              <a:rPr lang="en-US" dirty="0"/>
-              <a:t>Deployment</a:t>
-            </a:r>
-          </a:p>
-          <a:p>
-            <a:r>
-              <a:rPr lang="en-US" dirty="0"/>
-              <a:t>Desktop Support</a:t>
-            </a:r>
-          </a:p>
-          <a:p>
-            <a:r>
-              <a:rPr lang="en-US" dirty="0"/>
-              <a:t>Health Monitoring</a:t>
-            </a:r>
-          </a:p>
-          <a:p>
-            <a:r>
-              <a:rPr lang="en-US" dirty="0"/>
-              <a:t>High Availability</a:t>
-            </a:r>
-          </a:p>
-          <a:p>
-            <a:r>
-              <a:rPr lang="en-US" dirty="0"/>
-              <a:t>Log Management</a:t>
-            </a:r>
-          </a:p>
-          <a:p>
-            <a:r>
-              <a:rPr lang="en-US" dirty="0"/>
-              <a:t>Management</a:t>
-            </a:r>
-          </a:p>
-          <a:p>
-            <a:r>
-              <a:rPr lang="en-US" dirty="0"/>
-              <a:t>Network Isolation for Testing</a:t>
-            </a:r>
-          </a:p>
-          <a:p>
-            <a:r>
-              <a:rPr lang="en-US" dirty="0"/>
-              <a:t>Orchestration</a:t>
-            </a:r>
-          </a:p>
-          <a:p>
-            <a:r>
-              <a:rPr lang="en-US" dirty="0"/>
-              <a:t>Resource Allocation</a:t>
-            </a:r>
-          </a:p>
-          <a:p>
-            <a:r>
-              <a:rPr lang="en-US" dirty="0"/>
-              <a:t>Security</a:t>
-            </a:r>
-          </a:p>
-          <a:p>
-            <a:endParaRPr lang="en-US" dirty="0"/>
-          </a:p>
-        </p:txBody>
-      </p:sp>
-      <p:sp>
-        <p:nvSpPr>
-          <p:cNvPr id="4" name="Content Placeholder 3">
-            <a:extLst>
-              <a:ext uri="{FF2B5EF4-FFF2-40B4-BE49-F238E27FC236}">
-                <a16:creationId xmlns:a16="http://schemas.microsoft.com/office/drawing/2014/main" id="{E733743C-EAF7-4DE6-8B8F-A916C4D2A728}"/>
-              </a:ext>
-            </a:extLst>
-          </p:cNvPr>
-          <p:cNvSpPr>
-            <a:spLocks noGrp="1"/>
-          </p:cNvSpPr>
-          <p:nvPr>
-            <p:ph sz="half" idx="2"/>
-          </p:nvPr>
-        </p:nvSpPr>
-        <p:spPr/>
-        <p:txBody>
-          <a:bodyPr>
-            <a:normAutofit fontScale="62500" lnSpcReduction="20000"/>
-          </a:bodyPr>
-          <a:lstStyle/>
-          <a:p>
-            <a:r>
-              <a:rPr lang="en-US" dirty="0"/>
-              <a:t>Budgeting</a:t>
-            </a:r>
-          </a:p>
-          <a:p>
-            <a:r>
-              <a:rPr lang="en-US" dirty="0"/>
-              <a:t>Change Management</a:t>
-            </a:r>
-          </a:p>
-          <a:p>
-            <a:r>
-              <a:rPr lang="en-US" dirty="0"/>
-              <a:t>Desktop Host Management</a:t>
-            </a:r>
-          </a:p>
-          <a:p>
-            <a:r>
-              <a:rPr lang="en-US" dirty="0"/>
-              <a:t>Image Approval and Management</a:t>
-            </a:r>
-          </a:p>
-          <a:p>
-            <a:r>
-              <a:rPr lang="en-US" dirty="0"/>
-              <a:t>Licensing and Compliance</a:t>
-            </a:r>
-          </a:p>
-          <a:p>
-            <a:r>
-              <a:rPr lang="en-US" dirty="0"/>
-              <a:t>Long-term viability</a:t>
-            </a:r>
-          </a:p>
-          <a:p>
-            <a:r>
-              <a:rPr lang="en-US" dirty="0"/>
-              <a:t>Resource Planning</a:t>
-            </a:r>
-          </a:p>
-          <a:p>
-            <a:r>
-              <a:rPr lang="en-US" dirty="0"/>
-              <a:t>Security Audits</a:t>
-            </a:r>
-          </a:p>
-          <a:p>
-            <a:r>
-              <a:rPr lang="en-US" dirty="0"/>
-              <a:t>Technical Support Quality and Availability</a:t>
-            </a:r>
-          </a:p>
-          <a:p>
-            <a:endParaRPr lang="en-US" dirty="0"/>
+              <a:t>Budget</a:t>
+            </a:r>
           </a:p>
         </p:txBody>
       </p:sp>
     </p:spTree>
     <p:extLst>
       <p:ext uri="{BB962C8B-B14F-4D97-AF65-F5344CB8AC3E}">
-        <p14:creationId xmlns:p14="http://schemas.microsoft.com/office/powerpoint/2010/main" val="3732569273"/>
+        <p14:creationId xmlns:p14="http://schemas.microsoft.com/office/powerpoint/2010/main" val="1384123770"/>
       </p:ext>
     </p:extLst>
   </p:cSld>
@@ -13591,7 +14818,7 @@
           <p:cNvPr id="2" name="Title 1">
             <a:extLst>
               <a:ext uri="{FF2B5EF4-FFF2-40B4-BE49-F238E27FC236}">
-                <a16:creationId xmlns:a16="http://schemas.microsoft.com/office/drawing/2014/main" id="{02C69A9D-11E3-42B6-A78A-D426038F43C5}"/>
+                <a16:creationId xmlns:a16="http://schemas.microsoft.com/office/drawing/2014/main" id="{05D1E734-7289-434A-BAB5-8B27CC4D98E9}"/>
               </a:ext>
             </a:extLst>
           </p:cNvPr>
@@ -13609,7 +14836,7 @@
           <a:p>
             <a:r>
               <a:rPr lang="en-US" dirty="0"/>
-              <a:t>Demo Requirements</a:t>
+              <a:t>POC Scope (Hide in Staff Meeting)</a:t>
             </a:r>
           </a:p>
         </p:txBody>
@@ -13619,7 +14846,7 @@
           <p:cNvPr id="3" name="Content Placeholder 2">
             <a:extLst>
               <a:ext uri="{FF2B5EF4-FFF2-40B4-BE49-F238E27FC236}">
-                <a16:creationId xmlns:a16="http://schemas.microsoft.com/office/drawing/2014/main" id="{0341BF6B-1DD5-4499-A7F3-A34FCF6500EB}"/>
+                <a16:creationId xmlns:a16="http://schemas.microsoft.com/office/drawing/2014/main" id="{69D78B72-CFD0-4AE3-8CBE-2226A85F6A23}"/>
               </a:ext>
             </a:extLst>
           </p:cNvPr>
@@ -13627,17 +14854,37 @@
             <a:spLocks noGrp="1"/>
           </p:cNvSpPr>
           <p:nvPr>
-            <p:ph idx="1"/>
+            <p:ph sz="half" idx="1"/>
           </p:nvPr>
         </p:nvSpPr>
         <p:spPr/>
         <p:txBody>
-          <a:bodyPr/>
+          <a:bodyPr>
+            <a:normAutofit fontScale="62500" lnSpcReduction="20000"/>
+          </a:bodyPr>
           <a:lstStyle/>
           <a:p>
             <a:r>
               <a:rPr lang="en-US" dirty="0"/>
-              <a:t>We’ll provide the application</a:t>
+              <a:t>Automatic Scaling</a:t>
+            </a:r>
+          </a:p>
+          <a:p>
+            <a:r>
+              <a:rPr lang="en-US" dirty="0"/>
+              <a:t>Authentication / Authorization</a:t>
+            </a:r>
+          </a:p>
+          <a:p>
+            <a:r>
+              <a:rPr lang="en-US" dirty="0"/>
+              <a:t>Clustering</a:t>
+            </a:r>
+          </a:p>
+          <a:p>
+            <a:r>
+              <a:rPr lang="en-US" dirty="0"/>
+              <a:t>Copy Control</a:t>
             </a:r>
           </a:p>
           <a:p>
@@ -13649,21 +14896,147 @@
           <a:p>
             <a:r>
               <a:rPr lang="en-US" dirty="0"/>
-              <a:t>NOC Integration</a:t>
+              <a:t>Desktop Support</a:t>
             </a:r>
           </a:p>
           <a:p>
             <a:r>
               <a:rPr lang="en-US" dirty="0"/>
-              <a:t>Proposals</a:t>
-            </a:r>
+              <a:t>Health Monitoring</a:t>
+            </a:r>
+          </a:p>
+          <a:p>
+            <a:r>
+              <a:rPr lang="en-US" dirty="0"/>
+              <a:t>High Availability</a:t>
+            </a:r>
+          </a:p>
+          <a:p>
+            <a:r>
+              <a:rPr lang="en-US" dirty="0"/>
+              <a:t>Log Management</a:t>
+            </a:r>
+          </a:p>
+          <a:p>
+            <a:r>
+              <a:rPr lang="en-US" dirty="0"/>
+              <a:t>Management</a:t>
+            </a:r>
+          </a:p>
+          <a:p>
+            <a:r>
+              <a:rPr lang="en-US" dirty="0"/>
+              <a:t>Network Isolation for Testing</a:t>
+            </a:r>
+          </a:p>
+          <a:p>
+            <a:r>
+              <a:rPr lang="en-US" dirty="0"/>
+              <a:t>Orchestration</a:t>
+            </a:r>
+          </a:p>
+          <a:p>
+            <a:r>
+              <a:rPr lang="en-US" dirty="0"/>
+              <a:t>Resource Allocation</a:t>
+            </a:r>
+          </a:p>
+          <a:p>
+            <a:r>
+              <a:rPr lang="en-US" dirty="0"/>
+              <a:t>Security</a:t>
+            </a:r>
+          </a:p>
+          <a:p>
+            <a:endParaRPr lang="en-US" dirty="0"/>
+          </a:p>
+        </p:txBody>
+      </p:sp>
+      <p:sp>
+        <p:nvSpPr>
+          <p:cNvPr id="4" name="Content Placeholder 3">
+            <a:extLst>
+              <a:ext uri="{FF2B5EF4-FFF2-40B4-BE49-F238E27FC236}">
+                <a16:creationId xmlns:a16="http://schemas.microsoft.com/office/drawing/2014/main" id="{E733743C-EAF7-4DE6-8B8F-A916C4D2A728}"/>
+              </a:ext>
+            </a:extLst>
+          </p:cNvPr>
+          <p:cNvSpPr>
+            <a:spLocks noGrp="1"/>
+          </p:cNvSpPr>
+          <p:nvPr>
+            <p:ph sz="half" idx="2"/>
+          </p:nvPr>
+        </p:nvSpPr>
+        <p:spPr/>
+        <p:txBody>
+          <a:bodyPr>
+            <a:normAutofit fontScale="62500" lnSpcReduction="20000"/>
+          </a:bodyPr>
+          <a:lstStyle/>
+          <a:p>
+            <a:r>
+              <a:rPr lang="en-US" dirty="0"/>
+              <a:t>Budgeting</a:t>
+            </a:r>
+          </a:p>
+          <a:p>
+            <a:r>
+              <a:rPr lang="en-US" dirty="0"/>
+              <a:t>Change Management</a:t>
+            </a:r>
+          </a:p>
+          <a:p>
+            <a:r>
+              <a:rPr lang="en-US" dirty="0"/>
+              <a:t>Desktop Host Management</a:t>
+            </a:r>
+          </a:p>
+          <a:p>
+            <a:r>
+              <a:rPr lang="en-US" dirty="0"/>
+              <a:t>Image Approval and Management</a:t>
+            </a:r>
+          </a:p>
+          <a:p>
+            <a:r>
+              <a:rPr lang="en-US" dirty="0"/>
+              <a:t>Licensing and Compliance</a:t>
+            </a:r>
+          </a:p>
+          <a:p>
+            <a:r>
+              <a:rPr lang="en-US" dirty="0"/>
+              <a:t>Long-term viability</a:t>
+            </a:r>
+          </a:p>
+          <a:p>
+            <a:r>
+              <a:rPr lang="en-US" dirty="0"/>
+              <a:t>Resource Planning</a:t>
+            </a:r>
+          </a:p>
+          <a:p>
+            <a:r>
+              <a:rPr lang="en-US" dirty="0"/>
+              <a:t>Security Audits</a:t>
+            </a:r>
+          </a:p>
+          <a:p>
+            <a:r>
+              <a:rPr lang="en-US" dirty="0"/>
+              <a:t>Technical Support Quality and Availability</a:t>
+            </a:r>
+          </a:p>
+          <a:p>
+            <a:endParaRPr lang="en-US" dirty="0"/>
           </a:p>
         </p:txBody>
       </p:sp>
     </p:spTree>
     <p:extLst>
       <p:ext uri="{BB962C8B-B14F-4D97-AF65-F5344CB8AC3E}">
-        <p14:creationId xmlns:p14="http://schemas.microsoft.com/office/powerpoint/2010/main" val="3976924198"/>
+        <p14:creationId xmlns:p14="http://schemas.microsoft.com/office/powerpoint/2010/main" val="3732569273"/>
       </p:ext>
     </p:extLst>
   </p:cSld>
@@ -13692,7 +15065,13 @@
       </p:grpSpPr>
       <p:sp>
         <p:nvSpPr>
-          <p:cNvPr id="2" name="Title 1"/>
+          <p:cNvPr id="2" name="Title 1">
+            <a:extLst>
+              <a:ext uri="{FF2B5EF4-FFF2-40B4-BE49-F238E27FC236}">
+                <a16:creationId xmlns:a16="http://schemas.microsoft.com/office/drawing/2014/main" id="{02C69A9D-11E3-42B6-A78A-D426038F43C5}"/>
+              </a:ext>
+            </a:extLst>
+          </p:cNvPr>
           <p:cNvSpPr>
             <a:spLocks noGrp="1"/>
           </p:cNvSpPr>
@@ -13707,14 +15086,20 @@
           <a:p>
             <a:r>
               <a:rPr lang="en-US" dirty="0"/>
-              <a:t>Demo Requirements:  The Application</a:t>
-            </a:r>
-          </a:p>
-        </p:txBody>
-      </p:sp>
-      <p:sp>
-        <p:nvSpPr>
-          <p:cNvPr id="3" name="Content Placeholder 2"/>
+              <a:t>Demo Requirements</a:t>
+            </a:r>
+          </a:p>
+        </p:txBody>
+      </p:sp>
+      <p:sp>
+        <p:nvSpPr>
+          <p:cNvPr id="3" name="Content Placeholder 2">
+            <a:extLst>
+              <a:ext uri="{FF2B5EF4-FFF2-40B4-BE49-F238E27FC236}">
+                <a16:creationId xmlns:a16="http://schemas.microsoft.com/office/drawing/2014/main" id="{0341BF6B-1DD5-4499-A7F3-A34FCF6500EB}"/>
+              </a:ext>
+            </a:extLst>
+          </p:cNvPr>
           <p:cNvSpPr>
             <a:spLocks noGrp="1"/>
           </p:cNvSpPr>
@@ -13724,34 +15109,30 @@
         </p:nvSpPr>
         <p:spPr/>
         <p:txBody>
-          <a:bodyPr>
-            <a:normAutofit/>
-          </a:bodyPr>
+          <a:bodyPr/>
           <a:lstStyle/>
           <a:p>
             <a:r>
               <a:rPr lang="en-US" dirty="0"/>
-              <a:t>We will provide a simple app to Containerize</a:t>
+              <a:t>We’ll provide the application</a:t>
             </a:r>
           </a:p>
           <a:p>
             <a:r>
               <a:rPr lang="en-US" dirty="0"/>
-              <a:t>The app will have two dependencies</a:t>
-            </a:r>
-          </a:p>
-          <a:p>
-            <a:pPr lvl="1"/>
+              <a:t>Deployment</a:t>
+            </a:r>
+          </a:p>
+          <a:p>
             <a:r>
               <a:rPr lang="en-US" dirty="0"/>
-              <a:t>Database</a:t>
-            </a:r>
-          </a:p>
-          <a:p>
-            <a:pPr lvl="1"/>
+              <a:t>NOC Integration</a:t>
+            </a:r>
+          </a:p>
+          <a:p>
             <a:r>
               <a:rPr lang="en-US" dirty="0"/>
-              <a:t>Messaging</a:t>
+              <a:t>Proposals</a:t>
             </a:r>
           </a:p>
         </p:txBody>
@@ -13759,7 +15140,7 @@
     </p:spTree>
     <p:extLst>
       <p:ext uri="{BB962C8B-B14F-4D97-AF65-F5344CB8AC3E}">
-        <p14:creationId xmlns:p14="http://schemas.microsoft.com/office/powerpoint/2010/main" val="1204616855"/>
+        <p14:creationId xmlns:p14="http://schemas.microsoft.com/office/powerpoint/2010/main" val="3976924198"/>
       </p:ext>
     </p:extLst>
   </p:cSld>

--- a/presentation.pptx
+++ b/presentation.pptx
@@ -3159,7 +3159,7 @@
           <a:p>
             <a:fld id="{A07C3DAA-E1DE-49B6-8079-627AB3F6E0E1}" type="datetimeFigureOut">
               <a:rPr lang="en-US" smtClean="0"/>
-              <a:t>4/24/2019</a:t>
+              <a:t>4/25/2019</a:t>
             </a:fld>
             <a:endParaRPr lang="en-US"/>
           </a:p>
@@ -3745,7 +3745,7 @@
           <a:p>
             <a:r>
               <a:rPr lang="en-US" dirty="0"/>
-              <a:t>These applications are provided by vendors.</a:t>
+              <a:t>This is a rough time estimate.  We’ll tighten it up after phase one.</a:t>
             </a:r>
           </a:p>
           <a:p>
@@ -3754,7 +3754,7 @@
           <a:p>
             <a:r>
               <a:rPr lang="en-US" dirty="0"/>
-              <a:t>They are pre-packaged to run as containers.</a:t>
+              <a:t>We can run pre-built containers provided by vendors.</a:t>
             </a:r>
           </a:p>
           <a:p>
@@ -3763,7 +3763,7 @@
           <a:p>
             <a:r>
               <a:rPr lang="en-US" dirty="0"/>
-              <a:t>We deploy them manually and infrequently.</a:t>
+              <a:t>We can run our own containerized applications.</a:t>
             </a:r>
           </a:p>
           <a:p>
@@ -3772,8 +3772,11 @@
           <a:p>
             <a:r>
               <a:rPr lang="en-US" dirty="0"/>
-              <a:t>Change control is slow and carefully managed.</a:t>
-            </a:r>
+              <a:t>Deployments and configuration handled manually.</a:t>
+            </a:r>
+          </a:p>
+          <a:p>
+            <a:endParaRPr lang="en-US" dirty="0"/>
           </a:p>
         </p:txBody>
       </p:sp>
@@ -3859,7 +3862,7 @@
           <a:p>
             <a:r>
               <a:rPr lang="en-US" dirty="0"/>
-              <a:t>There will be costs</a:t>
+              <a:t>This is a VERY rough time estimate</a:t>
             </a:r>
           </a:p>
           <a:p>
@@ -3868,7 +3871,7 @@
           <a:p>
             <a:r>
               <a:rPr lang="en-US" dirty="0"/>
-              <a:t>We expect to engage a vendor to do this</a:t>
+              <a:t>There may be significant costs</a:t>
             </a:r>
           </a:p>
           <a:p>
@@ -3877,7 +3880,7 @@
           <a:p>
             <a:r>
               <a:rPr lang="en-US" dirty="0"/>
-              <a:t>We want to leverage vendor time</a:t>
+              <a:t>We’re pretty busy, so we expect to engage a vendor to do this</a:t>
             </a:r>
           </a:p>
         </p:txBody>
@@ -4309,7 +4312,7 @@
           <a:p>
             <a:r>
               <a:rPr lang="en-US" dirty="0"/>
-              <a:t>Talk about T-Shirt sizing.</a:t>
+              <a:t>POCs – we’re really talking about making sure the vendors we’re considering are ready for prime time.</a:t>
             </a:r>
           </a:p>
         </p:txBody>
@@ -4501,6 +4504,24 @@
           <a:p>
             <a:r>
               <a:rPr lang="en-US" dirty="0"/>
+              <a:t>I feel pretty good about this estimate.</a:t>
+            </a:r>
+          </a:p>
+          <a:p>
+            <a:endParaRPr lang="en-US" dirty="0"/>
+          </a:p>
+          <a:p>
+            <a:r>
+              <a:rPr lang="en-US" dirty="0"/>
+              <a:t>This time should mostly be spent planning, and waiting for vendors</a:t>
+            </a:r>
+          </a:p>
+          <a:p>
+            <a:endParaRPr lang="en-US" dirty="0"/>
+          </a:p>
+          <a:p>
+            <a:r>
+              <a:rPr lang="en-US" dirty="0"/>
               <a:t>We have had demos with various vendors</a:t>
             </a:r>
           </a:p>
@@ -4546,6 +4567,33 @@
             <a:r>
               <a:rPr lang="en-US" dirty="0"/>
               <a:t>We want to get our hands on the solutions</a:t>
+            </a:r>
+          </a:p>
+          <a:p>
+            <a:endParaRPr lang="en-US" dirty="0"/>
+          </a:p>
+          <a:p>
+            <a:r>
+              <a:rPr lang="en-US" dirty="0"/>
+              <a:t>We want to get pricing</a:t>
+            </a:r>
+          </a:p>
+          <a:p>
+            <a:endParaRPr lang="en-US" dirty="0"/>
+          </a:p>
+          <a:p>
+            <a:r>
+              <a:rPr lang="en-US" dirty="0"/>
+              <a:t>We want to get SLAs</a:t>
+            </a:r>
+          </a:p>
+          <a:p>
+            <a:endParaRPr lang="en-US" dirty="0"/>
+          </a:p>
+          <a:p>
+            <a:r>
+              <a:rPr lang="en-US" dirty="0"/>
+              <a:t>We want to understand consulting costs</a:t>
             </a:r>
           </a:p>
         </p:txBody>
@@ -4632,7 +4680,13 @@
           <a:p>
             <a:r>
               <a:rPr lang="en-US" dirty="0"/>
-              <a:t>We’ll present identical requirements to each vendor</a:t>
+              <a:t>- Requirements -</a:t>
+            </a:r>
+          </a:p>
+          <a:p>
+            <a:r>
+              <a:rPr lang="en-US" dirty="0"/>
+              <a:t>For objectivity we’ll present identical requirements to each vendor</a:t>
             </a:r>
           </a:p>
           <a:p>
@@ -4641,17 +4695,26 @@
           <a:p>
             <a:r>
               <a:rPr lang="en-US" dirty="0"/>
-              <a:t>We’ll provide the application</a:t>
-            </a:r>
+              <a:t>We will provide answers to questions to all vendors</a:t>
+            </a:r>
+          </a:p>
+          <a:p>
+            <a:endParaRPr lang="en-US" dirty="0"/>
           </a:p>
           <a:p>
             <a:r>
               <a:rPr lang="en-US" dirty="0"/>
-              <a:t>NOC Integration</a:t>
+              <a:t>We’ll provide the application so they can’t use a canned example</a:t>
             </a:r>
           </a:p>
           <a:p>
             <a:endParaRPr lang="en-US" dirty="0"/>
+          </a:p>
+          <a:p>
+            <a:r>
+              <a:rPr lang="en-US" dirty="0"/>
+              <a:t>- Demonstrations - </a:t>
+            </a:r>
           </a:p>
           <a:p>
             <a:r>
@@ -4678,6 +4741,43 @@
             </a:r>
           </a:p>
           <a:p>
+            <a:endParaRPr lang="en-US" dirty="0"/>
+          </a:p>
+          <a:p>
+            <a:pPr marL="0" indent="0">
+              <a:buFontTx/>
+              <a:buNone/>
+            </a:pPr>
+            <a:r>
+              <a:rPr lang="en-US" dirty="0"/>
+              <a:t>- Pricing -</a:t>
+            </a:r>
+          </a:p>
+          <a:p>
+            <a:pPr marL="0" indent="0">
+              <a:buFontTx/>
+              <a:buNone/>
+            </a:pPr>
+            <a:r>
+              <a:rPr lang="en-US" dirty="0"/>
+              <a:t>Application pricing</a:t>
+            </a:r>
+          </a:p>
+          <a:p>
+            <a:pPr marL="0" indent="0">
+              <a:buFontTx/>
+              <a:buNone/>
+            </a:pPr>
+            <a:r>
+              <a:rPr lang="en-US" dirty="0"/>
+              <a:t>Hardware requirements</a:t>
+            </a:r>
+          </a:p>
+          <a:p>
+            <a:pPr marL="0" indent="0">
+              <a:buFontTx/>
+              <a:buNone/>
+            </a:pPr>
             <a:endParaRPr lang="en-US" dirty="0"/>
           </a:p>
         </p:txBody>
@@ -5608,7 +5708,7 @@
           <a:p>
             <a:fld id="{594BF61B-F633-497E-89E6-831EB66A6863}" type="datetimeFigureOut">
               <a:rPr lang="en-US" smtClean="0"/>
-              <a:t>4/24/2019</a:t>
+              <a:t>4/25/2019</a:t>
             </a:fld>
             <a:endParaRPr lang="en-US"/>
           </a:p>
@@ -5859,7 +5959,7 @@
           <a:p>
             <a:fld id="{594BF61B-F633-497E-89E6-831EB66A6863}" type="datetimeFigureOut">
               <a:rPr lang="en-US" smtClean="0"/>
-              <a:t>4/24/2019</a:t>
+              <a:t>4/25/2019</a:t>
             </a:fld>
             <a:endParaRPr lang="en-US"/>
           </a:p>
@@ -6173,7 +6273,7 @@
           <a:p>
             <a:fld id="{594BF61B-F633-497E-89E6-831EB66A6863}" type="datetimeFigureOut">
               <a:rPr lang="en-US" smtClean="0"/>
-              <a:t>4/24/2019</a:t>
+              <a:t>4/25/2019</a:t>
             </a:fld>
             <a:endParaRPr lang="en-US"/>
           </a:p>
@@ -6514,7 +6614,7 @@
           <a:p>
             <a:fld id="{594BF61B-F633-497E-89E6-831EB66A6863}" type="datetimeFigureOut">
               <a:rPr lang="en-US" smtClean="0"/>
-              <a:t>4/24/2019</a:t>
+              <a:t>4/25/2019</a:t>
             </a:fld>
             <a:endParaRPr lang="en-US"/>
           </a:p>
@@ -6828,7 +6928,7 @@
           <a:p>
             <a:fld id="{594BF61B-F633-497E-89E6-831EB66A6863}" type="datetimeFigureOut">
               <a:rPr lang="en-US" smtClean="0"/>
-              <a:t>4/24/2019</a:t>
+              <a:t>4/25/2019</a:t>
             </a:fld>
             <a:endParaRPr lang="en-US"/>
           </a:p>
@@ -7221,7 +7321,7 @@
           <a:p>
             <a:fld id="{594BF61B-F633-497E-89E6-831EB66A6863}" type="datetimeFigureOut">
               <a:rPr lang="en-US" smtClean="0"/>
-              <a:t>4/24/2019</a:t>
+              <a:t>4/25/2019</a:t>
             </a:fld>
             <a:endParaRPr lang="en-US"/>
           </a:p>
@@ -7391,7 +7491,7 @@
           <a:p>
             <a:fld id="{594BF61B-F633-497E-89E6-831EB66A6863}" type="datetimeFigureOut">
               <a:rPr lang="en-US" smtClean="0"/>
-              <a:t>4/24/2019</a:t>
+              <a:t>4/25/2019</a:t>
             </a:fld>
             <a:endParaRPr lang="en-US"/>
           </a:p>
@@ -7571,7 +7671,7 @@
           <a:p>
             <a:fld id="{594BF61B-F633-497E-89E6-831EB66A6863}" type="datetimeFigureOut">
               <a:rPr lang="en-US" smtClean="0"/>
-              <a:t>4/24/2019</a:t>
+              <a:t>4/25/2019</a:t>
             </a:fld>
             <a:endParaRPr lang="en-US"/>
           </a:p>
@@ -7747,7 +7847,7 @@
           <a:p>
             <a:fld id="{594BF61B-F633-497E-89E6-831EB66A6863}" type="datetimeFigureOut">
               <a:rPr lang="en-US" smtClean="0"/>
-              <a:t>4/24/2019</a:t>
+              <a:t>4/25/2019</a:t>
             </a:fld>
             <a:endParaRPr lang="en-US"/>
           </a:p>
@@ -7994,7 +8094,7 @@
           <a:p>
             <a:fld id="{594BF61B-F633-497E-89E6-831EB66A6863}" type="datetimeFigureOut">
               <a:rPr lang="en-US" smtClean="0"/>
-              <a:t>4/24/2019</a:t>
+              <a:t>4/25/2019</a:t>
             </a:fld>
             <a:endParaRPr lang="en-US"/>
           </a:p>
@@ -8226,7 +8326,7 @@
           <a:p>
             <a:fld id="{594BF61B-F633-497E-89E6-831EB66A6863}" type="datetimeFigureOut">
               <a:rPr lang="en-US" smtClean="0"/>
-              <a:t>4/24/2019</a:t>
+              <a:t>4/25/2019</a:t>
             </a:fld>
             <a:endParaRPr lang="en-US"/>
           </a:p>
@@ -8600,7 +8700,7 @@
           <a:p>
             <a:fld id="{594BF61B-F633-497E-89E6-831EB66A6863}" type="datetimeFigureOut">
               <a:rPr lang="en-US" smtClean="0"/>
-              <a:t>4/24/2019</a:t>
+              <a:t>4/25/2019</a:t>
             </a:fld>
             <a:endParaRPr lang="en-US"/>
           </a:p>
@@ -8723,7 +8823,7 @@
           <a:p>
             <a:fld id="{594BF61B-F633-497E-89E6-831EB66A6863}" type="datetimeFigureOut">
               <a:rPr lang="en-US" smtClean="0"/>
-              <a:t>4/24/2019</a:t>
+              <a:t>4/25/2019</a:t>
             </a:fld>
             <a:endParaRPr lang="en-US"/>
           </a:p>
@@ -8818,7 +8918,7 @@
           <a:p>
             <a:fld id="{594BF61B-F633-497E-89E6-831EB66A6863}" type="datetimeFigureOut">
               <a:rPr lang="en-US" smtClean="0"/>
-              <a:t>4/24/2019</a:t>
+              <a:t>4/25/2019</a:t>
             </a:fld>
             <a:endParaRPr lang="en-US"/>
           </a:p>
@@ -9073,7 +9173,7 @@
           <a:p>
             <a:fld id="{594BF61B-F633-497E-89E6-831EB66A6863}" type="datetimeFigureOut">
               <a:rPr lang="en-US" smtClean="0"/>
-              <a:t>4/24/2019</a:t>
+              <a:t>4/25/2019</a:t>
             </a:fld>
             <a:endParaRPr lang="en-US"/>
           </a:p>
@@ -9336,7 +9436,7 @@
           <a:p>
             <a:fld id="{594BF61B-F633-497E-89E6-831EB66A6863}" type="datetimeFigureOut">
               <a:rPr lang="en-US" smtClean="0"/>
-              <a:t>4/24/2019</a:t>
+              <a:t>4/25/2019</a:t>
             </a:fld>
             <a:endParaRPr lang="en-US"/>
           </a:p>
@@ -10079,7 +10179,7 @@
           <a:p>
             <a:fld id="{594BF61B-F633-497E-89E6-831EB66A6863}" type="datetimeFigureOut">
               <a:rPr lang="en-US" smtClean="0"/>
-              <a:t>4/24/2019</a:t>
+              <a:t>4/25/2019</a:t>
             </a:fld>
             <a:endParaRPr lang="en-US"/>
           </a:p>
@@ -11589,6 +11689,222 @@
   <p:clrMapOvr>
     <a:masterClrMapping/>
   </p:clrMapOvr>
+  <p:timing>
+    <p:tnLst>
+      <p:par>
+        <p:cTn id="1" dur="indefinite" restart="never" nodeType="tmRoot">
+          <p:childTnLst>
+            <p:seq concurrent="1" nextAc="seek">
+              <p:cTn id="2" dur="indefinite" nodeType="mainSeq">
+                <p:childTnLst>
+                  <p:par>
+                    <p:cTn id="3" fill="hold">
+                      <p:stCondLst>
+                        <p:cond delay="indefinite"/>
+                      </p:stCondLst>
+                      <p:childTnLst>
+                        <p:par>
+                          <p:cTn id="4" fill="hold">
+                            <p:stCondLst>
+                              <p:cond delay="0"/>
+                            </p:stCondLst>
+                            <p:childTnLst>
+                              <p:par>
+                                <p:cTn id="5" presetID="10" presetClass="entr" presetSubtype="0" fill="hold" grpId="0" nodeType="clickEffect">
+                                  <p:stCondLst>
+                                    <p:cond delay="0"/>
+                                  </p:stCondLst>
+                                  <p:childTnLst>
+                                    <p:set>
+                                      <p:cBhvr>
+                                        <p:cTn id="6" dur="1" fill="hold">
+                                          <p:stCondLst>
+                                            <p:cond delay="0"/>
+                                          </p:stCondLst>
+                                        </p:cTn>
+                                        <p:tgtEl>
+                                          <p:spTgt spid="3">
+                                            <p:txEl>
+                                              <p:pRg st="0" end="0"/>
+                                            </p:txEl>
+                                          </p:spTgt>
+                                        </p:tgtEl>
+                                        <p:attrNameLst>
+                                          <p:attrName>style.visibility</p:attrName>
+                                        </p:attrNameLst>
+                                      </p:cBhvr>
+                                      <p:to>
+                                        <p:strVal val="visible"/>
+                                      </p:to>
+                                    </p:set>
+                                    <p:animEffect transition="in" filter="fade">
+                                      <p:cBhvr>
+                                        <p:cTn id="7" dur="500"/>
+                                        <p:tgtEl>
+                                          <p:spTgt spid="3">
+                                            <p:txEl>
+                                              <p:pRg st="0" end="0"/>
+                                            </p:txEl>
+                                          </p:spTgt>
+                                        </p:tgtEl>
+                                      </p:cBhvr>
+                                    </p:animEffect>
+                                  </p:childTnLst>
+                                </p:cTn>
+                              </p:par>
+                            </p:childTnLst>
+                          </p:cTn>
+                        </p:par>
+                      </p:childTnLst>
+                    </p:cTn>
+                  </p:par>
+                  <p:par>
+                    <p:cTn id="8" fill="hold">
+                      <p:stCondLst>
+                        <p:cond delay="indefinite"/>
+                      </p:stCondLst>
+                      <p:childTnLst>
+                        <p:par>
+                          <p:cTn id="9" fill="hold">
+                            <p:stCondLst>
+                              <p:cond delay="0"/>
+                            </p:stCondLst>
+                            <p:childTnLst>
+                              <p:par>
+                                <p:cTn id="10" presetID="10" presetClass="entr" presetSubtype="0" fill="hold" grpId="0" nodeType="clickEffect">
+                                  <p:stCondLst>
+                                    <p:cond delay="0"/>
+                                  </p:stCondLst>
+                                  <p:childTnLst>
+                                    <p:set>
+                                      <p:cBhvr>
+                                        <p:cTn id="11" dur="1" fill="hold">
+                                          <p:stCondLst>
+                                            <p:cond delay="0"/>
+                                          </p:stCondLst>
+                                        </p:cTn>
+                                        <p:tgtEl>
+                                          <p:spTgt spid="3">
+                                            <p:txEl>
+                                              <p:pRg st="1" end="1"/>
+                                            </p:txEl>
+                                          </p:spTgt>
+                                        </p:tgtEl>
+                                        <p:attrNameLst>
+                                          <p:attrName>style.visibility</p:attrName>
+                                        </p:attrNameLst>
+                                      </p:cBhvr>
+                                      <p:to>
+                                        <p:strVal val="visible"/>
+                                      </p:to>
+                                    </p:set>
+                                    <p:animEffect transition="in" filter="fade">
+                                      <p:cBhvr>
+                                        <p:cTn id="12" dur="500"/>
+                                        <p:tgtEl>
+                                          <p:spTgt spid="3">
+                                            <p:txEl>
+                                              <p:pRg st="1" end="1"/>
+                                            </p:txEl>
+                                          </p:spTgt>
+                                        </p:tgtEl>
+                                      </p:cBhvr>
+                                    </p:animEffect>
+                                  </p:childTnLst>
+                                </p:cTn>
+                              </p:par>
+                            </p:childTnLst>
+                          </p:cTn>
+                        </p:par>
+                      </p:childTnLst>
+                    </p:cTn>
+                  </p:par>
+                  <p:par>
+                    <p:cTn id="13" fill="hold">
+                      <p:stCondLst>
+                        <p:cond delay="indefinite"/>
+                      </p:stCondLst>
+                      <p:childTnLst>
+                        <p:par>
+                          <p:cTn id="14" fill="hold">
+                            <p:stCondLst>
+                              <p:cond delay="0"/>
+                            </p:stCondLst>
+                            <p:childTnLst>
+                              <p:par>
+                                <p:cTn id="15" presetID="10" presetClass="entr" presetSubtype="0" fill="hold" grpId="0" nodeType="clickEffect">
+                                  <p:stCondLst>
+                                    <p:cond delay="0"/>
+                                  </p:stCondLst>
+                                  <p:childTnLst>
+                                    <p:set>
+                                      <p:cBhvr>
+                                        <p:cTn id="16" dur="1" fill="hold">
+                                          <p:stCondLst>
+                                            <p:cond delay="0"/>
+                                          </p:stCondLst>
+                                        </p:cTn>
+                                        <p:tgtEl>
+                                          <p:spTgt spid="3">
+                                            <p:txEl>
+                                              <p:pRg st="2" end="2"/>
+                                            </p:txEl>
+                                          </p:spTgt>
+                                        </p:tgtEl>
+                                        <p:attrNameLst>
+                                          <p:attrName>style.visibility</p:attrName>
+                                        </p:attrNameLst>
+                                      </p:cBhvr>
+                                      <p:to>
+                                        <p:strVal val="visible"/>
+                                      </p:to>
+                                    </p:set>
+                                    <p:animEffect transition="in" filter="fade">
+                                      <p:cBhvr>
+                                        <p:cTn id="17" dur="500"/>
+                                        <p:tgtEl>
+                                          <p:spTgt spid="3">
+                                            <p:txEl>
+                                              <p:pRg st="2" end="2"/>
+                                            </p:txEl>
+                                          </p:spTgt>
+                                        </p:tgtEl>
+                                      </p:cBhvr>
+                                    </p:animEffect>
+                                  </p:childTnLst>
+                                </p:cTn>
+                              </p:par>
+                            </p:childTnLst>
+                          </p:cTn>
+                        </p:par>
+                      </p:childTnLst>
+                    </p:cTn>
+                  </p:par>
+                </p:childTnLst>
+              </p:cTn>
+              <p:prevCondLst>
+                <p:cond evt="onPrev" delay="0">
+                  <p:tgtEl>
+                    <p:sldTgt/>
+                  </p:tgtEl>
+                </p:cond>
+              </p:prevCondLst>
+              <p:nextCondLst>
+                <p:cond evt="onNext" delay="0">
+                  <p:tgtEl>
+                    <p:sldTgt/>
+                  </p:tgtEl>
+                </p:cond>
+              </p:nextCondLst>
+            </p:seq>
+          </p:childTnLst>
+        </p:cTn>
+      </p:par>
+    </p:tnLst>
+    <p:bldLst>
+      <p:bldP spid="3" grpId="0" build="p"/>
+    </p:bldLst>
+  </p:timing>
 </p:sld>
 </file>
 
@@ -11685,6 +12001,247 @@
   <p:clrMapOvr>
     <a:masterClrMapping/>
   </p:clrMapOvr>
+  <p:timing>
+    <p:tnLst>
+      <p:par>
+        <p:cTn id="1" dur="indefinite" restart="never" nodeType="tmRoot">
+          <p:childTnLst>
+            <p:seq concurrent="1" nextAc="seek">
+              <p:cTn id="2" dur="indefinite" nodeType="mainSeq">
+                <p:childTnLst>
+                  <p:par>
+                    <p:cTn id="3" fill="hold">
+                      <p:stCondLst>
+                        <p:cond delay="indefinite"/>
+                      </p:stCondLst>
+                      <p:childTnLst>
+                        <p:par>
+                          <p:cTn id="4" fill="hold">
+                            <p:stCondLst>
+                              <p:cond delay="0"/>
+                            </p:stCondLst>
+                            <p:childTnLst>
+                              <p:par>
+                                <p:cTn id="5" presetID="10" presetClass="entr" presetSubtype="0" fill="hold" grpId="0" nodeType="clickEffect">
+                                  <p:stCondLst>
+                                    <p:cond delay="0"/>
+                                  </p:stCondLst>
+                                  <p:childTnLst>
+                                    <p:set>
+                                      <p:cBhvr>
+                                        <p:cTn id="6" dur="1" fill="hold">
+                                          <p:stCondLst>
+                                            <p:cond delay="0"/>
+                                          </p:stCondLst>
+                                        </p:cTn>
+                                        <p:tgtEl>
+                                          <p:spTgt spid="3">
+                                            <p:txEl>
+                                              <p:pRg st="0" end="0"/>
+                                            </p:txEl>
+                                          </p:spTgt>
+                                        </p:tgtEl>
+                                        <p:attrNameLst>
+                                          <p:attrName>style.visibility</p:attrName>
+                                        </p:attrNameLst>
+                                      </p:cBhvr>
+                                      <p:to>
+                                        <p:strVal val="visible"/>
+                                      </p:to>
+                                    </p:set>
+                                    <p:animEffect transition="in" filter="fade">
+                                      <p:cBhvr>
+                                        <p:cTn id="7" dur="500"/>
+                                        <p:tgtEl>
+                                          <p:spTgt spid="3">
+                                            <p:txEl>
+                                              <p:pRg st="0" end="0"/>
+                                            </p:txEl>
+                                          </p:spTgt>
+                                        </p:tgtEl>
+                                      </p:cBhvr>
+                                    </p:animEffect>
+                                  </p:childTnLst>
+                                </p:cTn>
+                              </p:par>
+                            </p:childTnLst>
+                          </p:cTn>
+                        </p:par>
+                      </p:childTnLst>
+                    </p:cTn>
+                  </p:par>
+                  <p:par>
+                    <p:cTn id="8" fill="hold">
+                      <p:stCondLst>
+                        <p:cond delay="indefinite"/>
+                      </p:stCondLst>
+                      <p:childTnLst>
+                        <p:par>
+                          <p:cTn id="9" fill="hold">
+                            <p:stCondLst>
+                              <p:cond delay="0"/>
+                            </p:stCondLst>
+                            <p:childTnLst>
+                              <p:par>
+                                <p:cTn id="10" presetID="10" presetClass="entr" presetSubtype="0" fill="hold" grpId="0" nodeType="clickEffect">
+                                  <p:stCondLst>
+                                    <p:cond delay="0"/>
+                                  </p:stCondLst>
+                                  <p:childTnLst>
+                                    <p:set>
+                                      <p:cBhvr>
+                                        <p:cTn id="11" dur="1" fill="hold">
+                                          <p:stCondLst>
+                                            <p:cond delay="0"/>
+                                          </p:stCondLst>
+                                        </p:cTn>
+                                        <p:tgtEl>
+                                          <p:spTgt spid="3">
+                                            <p:txEl>
+                                              <p:pRg st="1" end="1"/>
+                                            </p:txEl>
+                                          </p:spTgt>
+                                        </p:tgtEl>
+                                        <p:attrNameLst>
+                                          <p:attrName>style.visibility</p:attrName>
+                                        </p:attrNameLst>
+                                      </p:cBhvr>
+                                      <p:to>
+                                        <p:strVal val="visible"/>
+                                      </p:to>
+                                    </p:set>
+                                    <p:animEffect transition="in" filter="fade">
+                                      <p:cBhvr>
+                                        <p:cTn id="12" dur="500"/>
+                                        <p:tgtEl>
+                                          <p:spTgt spid="3">
+                                            <p:txEl>
+                                              <p:pRg st="1" end="1"/>
+                                            </p:txEl>
+                                          </p:spTgt>
+                                        </p:tgtEl>
+                                      </p:cBhvr>
+                                    </p:animEffect>
+                                  </p:childTnLst>
+                                </p:cTn>
+                              </p:par>
+                              <p:par>
+                                <p:cTn id="13" presetID="10" presetClass="entr" presetSubtype="0" fill="hold" grpId="0" nodeType="withEffect">
+                                  <p:stCondLst>
+                                    <p:cond delay="0"/>
+                                  </p:stCondLst>
+                                  <p:childTnLst>
+                                    <p:set>
+                                      <p:cBhvr>
+                                        <p:cTn id="14" dur="1" fill="hold">
+                                          <p:stCondLst>
+                                            <p:cond delay="0"/>
+                                          </p:stCondLst>
+                                        </p:cTn>
+                                        <p:tgtEl>
+                                          <p:spTgt spid="3">
+                                            <p:txEl>
+                                              <p:pRg st="2" end="2"/>
+                                            </p:txEl>
+                                          </p:spTgt>
+                                        </p:tgtEl>
+                                        <p:attrNameLst>
+                                          <p:attrName>style.visibility</p:attrName>
+                                        </p:attrNameLst>
+                                      </p:cBhvr>
+                                      <p:to>
+                                        <p:strVal val="visible"/>
+                                      </p:to>
+                                    </p:set>
+                                    <p:animEffect transition="in" filter="fade">
+                                      <p:cBhvr>
+                                        <p:cTn id="15" dur="500"/>
+                                        <p:tgtEl>
+                                          <p:spTgt spid="3">
+                                            <p:txEl>
+                                              <p:pRg st="2" end="2"/>
+                                            </p:txEl>
+                                          </p:spTgt>
+                                        </p:tgtEl>
+                                      </p:cBhvr>
+                                    </p:animEffect>
+                                  </p:childTnLst>
+                                </p:cTn>
+                              </p:par>
+                              <p:par>
+                                <p:cTn id="16" presetID="10" presetClass="entr" presetSubtype="0" fill="hold" grpId="0" nodeType="withEffect">
+                                  <p:stCondLst>
+                                    <p:cond delay="0"/>
+                                  </p:stCondLst>
+                                  <p:childTnLst>
+                                    <p:set>
+                                      <p:cBhvr>
+                                        <p:cTn id="17" dur="1" fill="hold">
+                                          <p:stCondLst>
+                                            <p:cond delay="0"/>
+                                          </p:stCondLst>
+                                        </p:cTn>
+                                        <p:tgtEl>
+                                          <p:spTgt spid="3">
+                                            <p:txEl>
+                                              <p:pRg st="3" end="3"/>
+                                            </p:txEl>
+                                          </p:spTgt>
+                                        </p:tgtEl>
+                                        <p:attrNameLst>
+                                          <p:attrName>style.visibility</p:attrName>
+                                        </p:attrNameLst>
+                                      </p:cBhvr>
+                                      <p:to>
+                                        <p:strVal val="visible"/>
+                                      </p:to>
+                                    </p:set>
+                                    <p:animEffect transition="in" filter="fade">
+                                      <p:cBhvr>
+                                        <p:cTn id="18" dur="500"/>
+                                        <p:tgtEl>
+                                          <p:spTgt spid="3">
+                                            <p:txEl>
+                                              <p:pRg st="3" end="3"/>
+                                            </p:txEl>
+                                          </p:spTgt>
+                                        </p:tgtEl>
+                                      </p:cBhvr>
+                                    </p:animEffect>
+                                  </p:childTnLst>
+                                </p:cTn>
+                              </p:par>
+                            </p:childTnLst>
+                          </p:cTn>
+                        </p:par>
+                      </p:childTnLst>
+                    </p:cTn>
+                  </p:par>
+                </p:childTnLst>
+              </p:cTn>
+              <p:prevCondLst>
+                <p:cond evt="onPrev" delay="0">
+                  <p:tgtEl>
+                    <p:sldTgt/>
+                  </p:tgtEl>
+                </p:cond>
+              </p:prevCondLst>
+              <p:nextCondLst>
+                <p:cond evt="onNext" delay="0">
+                  <p:tgtEl>
+                    <p:sldTgt/>
+                  </p:tgtEl>
+                </p:cond>
+              </p:nextCondLst>
+            </p:seq>
+          </p:childTnLst>
+        </p:cTn>
+      </p:par>
+    </p:tnLst>
+    <p:bldLst>
+      <p:bldP spid="3" grpId="0" build="p"/>
+    </p:bldLst>
+  </p:timing>
 </p:sld>
 </file>
 
@@ -11819,6 +12376,577 @@
   <p:clrMapOvr>
     <a:masterClrMapping/>
   </p:clrMapOvr>
+  <p:timing>
+    <p:tnLst>
+      <p:par>
+        <p:cTn id="1" dur="indefinite" restart="never" nodeType="tmRoot">
+          <p:childTnLst>
+            <p:seq concurrent="1" nextAc="seek">
+              <p:cTn id="2" dur="indefinite" nodeType="mainSeq">
+                <p:childTnLst>
+                  <p:par>
+                    <p:cTn id="3" fill="hold">
+                      <p:stCondLst>
+                        <p:cond delay="indefinite"/>
+                      </p:stCondLst>
+                      <p:childTnLst>
+                        <p:par>
+                          <p:cTn id="4" fill="hold">
+                            <p:stCondLst>
+                              <p:cond delay="0"/>
+                            </p:stCondLst>
+                            <p:childTnLst>
+                              <p:par>
+                                <p:cTn id="5" presetID="10" presetClass="entr" presetSubtype="0" fill="hold" grpId="0" nodeType="clickEffect">
+                                  <p:stCondLst>
+                                    <p:cond delay="0"/>
+                                  </p:stCondLst>
+                                  <p:childTnLst>
+                                    <p:set>
+                                      <p:cBhvr>
+                                        <p:cTn id="6" dur="1" fill="hold">
+                                          <p:stCondLst>
+                                            <p:cond delay="0"/>
+                                          </p:stCondLst>
+                                        </p:cTn>
+                                        <p:tgtEl>
+                                          <p:spTgt spid="3">
+                                            <p:txEl>
+                                              <p:pRg st="0" end="0"/>
+                                            </p:txEl>
+                                          </p:spTgt>
+                                        </p:tgtEl>
+                                        <p:attrNameLst>
+                                          <p:attrName>style.visibility</p:attrName>
+                                        </p:attrNameLst>
+                                      </p:cBhvr>
+                                      <p:to>
+                                        <p:strVal val="visible"/>
+                                      </p:to>
+                                    </p:set>
+                                    <p:animEffect transition="in" filter="fade">
+                                      <p:cBhvr>
+                                        <p:cTn id="7" dur="500"/>
+                                        <p:tgtEl>
+                                          <p:spTgt spid="3">
+                                            <p:txEl>
+                                              <p:pRg st="0" end="0"/>
+                                            </p:txEl>
+                                          </p:spTgt>
+                                        </p:tgtEl>
+                                      </p:cBhvr>
+                                    </p:animEffect>
+                                  </p:childTnLst>
+                                </p:cTn>
+                              </p:par>
+                            </p:childTnLst>
+                          </p:cTn>
+                        </p:par>
+                      </p:childTnLst>
+                    </p:cTn>
+                  </p:par>
+                  <p:par>
+                    <p:cTn id="8" fill="hold">
+                      <p:stCondLst>
+                        <p:cond delay="indefinite"/>
+                      </p:stCondLst>
+                      <p:childTnLst>
+                        <p:par>
+                          <p:cTn id="9" fill="hold">
+                            <p:stCondLst>
+                              <p:cond delay="0"/>
+                            </p:stCondLst>
+                            <p:childTnLst>
+                              <p:par>
+                                <p:cTn id="10" presetID="10" presetClass="entr" presetSubtype="0" fill="hold" grpId="0" nodeType="clickEffect">
+                                  <p:stCondLst>
+                                    <p:cond delay="0"/>
+                                  </p:stCondLst>
+                                  <p:childTnLst>
+                                    <p:set>
+                                      <p:cBhvr>
+                                        <p:cTn id="11" dur="1" fill="hold">
+                                          <p:stCondLst>
+                                            <p:cond delay="0"/>
+                                          </p:stCondLst>
+                                        </p:cTn>
+                                        <p:tgtEl>
+                                          <p:spTgt spid="3">
+                                            <p:txEl>
+                                              <p:pRg st="1" end="1"/>
+                                            </p:txEl>
+                                          </p:spTgt>
+                                        </p:tgtEl>
+                                        <p:attrNameLst>
+                                          <p:attrName>style.visibility</p:attrName>
+                                        </p:attrNameLst>
+                                      </p:cBhvr>
+                                      <p:to>
+                                        <p:strVal val="visible"/>
+                                      </p:to>
+                                    </p:set>
+                                    <p:animEffect transition="in" filter="fade">
+                                      <p:cBhvr>
+                                        <p:cTn id="12" dur="500"/>
+                                        <p:tgtEl>
+                                          <p:spTgt spid="3">
+                                            <p:txEl>
+                                              <p:pRg st="1" end="1"/>
+                                            </p:txEl>
+                                          </p:spTgt>
+                                        </p:tgtEl>
+                                      </p:cBhvr>
+                                    </p:animEffect>
+                                  </p:childTnLst>
+                                </p:cTn>
+                              </p:par>
+                            </p:childTnLst>
+                          </p:cTn>
+                        </p:par>
+                      </p:childTnLst>
+                    </p:cTn>
+                  </p:par>
+                  <p:par>
+                    <p:cTn id="13" fill="hold">
+                      <p:stCondLst>
+                        <p:cond delay="indefinite"/>
+                      </p:stCondLst>
+                      <p:childTnLst>
+                        <p:par>
+                          <p:cTn id="14" fill="hold">
+                            <p:stCondLst>
+                              <p:cond delay="0"/>
+                            </p:stCondLst>
+                            <p:childTnLst>
+                              <p:par>
+                                <p:cTn id="15" presetID="10" presetClass="entr" presetSubtype="0" fill="hold" grpId="0" nodeType="clickEffect">
+                                  <p:stCondLst>
+                                    <p:cond delay="0"/>
+                                  </p:stCondLst>
+                                  <p:childTnLst>
+                                    <p:set>
+                                      <p:cBhvr>
+                                        <p:cTn id="16" dur="1" fill="hold">
+                                          <p:stCondLst>
+                                            <p:cond delay="0"/>
+                                          </p:stCondLst>
+                                        </p:cTn>
+                                        <p:tgtEl>
+                                          <p:spTgt spid="3">
+                                            <p:txEl>
+                                              <p:pRg st="2" end="2"/>
+                                            </p:txEl>
+                                          </p:spTgt>
+                                        </p:tgtEl>
+                                        <p:attrNameLst>
+                                          <p:attrName>style.visibility</p:attrName>
+                                        </p:attrNameLst>
+                                      </p:cBhvr>
+                                      <p:to>
+                                        <p:strVal val="visible"/>
+                                      </p:to>
+                                    </p:set>
+                                    <p:animEffect transition="in" filter="fade">
+                                      <p:cBhvr>
+                                        <p:cTn id="17" dur="500"/>
+                                        <p:tgtEl>
+                                          <p:spTgt spid="3">
+                                            <p:txEl>
+                                              <p:pRg st="2" end="2"/>
+                                            </p:txEl>
+                                          </p:spTgt>
+                                        </p:tgtEl>
+                                      </p:cBhvr>
+                                    </p:animEffect>
+                                  </p:childTnLst>
+                                </p:cTn>
+                              </p:par>
+                            </p:childTnLst>
+                          </p:cTn>
+                        </p:par>
+                      </p:childTnLst>
+                    </p:cTn>
+                  </p:par>
+                  <p:par>
+                    <p:cTn id="18" fill="hold">
+                      <p:stCondLst>
+                        <p:cond delay="indefinite"/>
+                      </p:stCondLst>
+                      <p:childTnLst>
+                        <p:par>
+                          <p:cTn id="19" fill="hold">
+                            <p:stCondLst>
+                              <p:cond delay="0"/>
+                            </p:stCondLst>
+                            <p:childTnLst>
+                              <p:par>
+                                <p:cTn id="20" presetID="10" presetClass="entr" presetSubtype="0" fill="hold" grpId="0" nodeType="clickEffect">
+                                  <p:stCondLst>
+                                    <p:cond delay="0"/>
+                                  </p:stCondLst>
+                                  <p:childTnLst>
+                                    <p:set>
+                                      <p:cBhvr>
+                                        <p:cTn id="21" dur="1" fill="hold">
+                                          <p:stCondLst>
+                                            <p:cond delay="0"/>
+                                          </p:stCondLst>
+                                        </p:cTn>
+                                        <p:tgtEl>
+                                          <p:spTgt spid="3">
+                                            <p:txEl>
+                                              <p:pRg st="3" end="3"/>
+                                            </p:txEl>
+                                          </p:spTgt>
+                                        </p:tgtEl>
+                                        <p:attrNameLst>
+                                          <p:attrName>style.visibility</p:attrName>
+                                        </p:attrNameLst>
+                                      </p:cBhvr>
+                                      <p:to>
+                                        <p:strVal val="visible"/>
+                                      </p:to>
+                                    </p:set>
+                                    <p:animEffect transition="in" filter="fade">
+                                      <p:cBhvr>
+                                        <p:cTn id="22" dur="500"/>
+                                        <p:tgtEl>
+                                          <p:spTgt spid="3">
+                                            <p:txEl>
+                                              <p:pRg st="3" end="3"/>
+                                            </p:txEl>
+                                          </p:spTgt>
+                                        </p:tgtEl>
+                                      </p:cBhvr>
+                                    </p:animEffect>
+                                  </p:childTnLst>
+                                </p:cTn>
+                              </p:par>
+                            </p:childTnLst>
+                          </p:cTn>
+                        </p:par>
+                      </p:childTnLst>
+                    </p:cTn>
+                  </p:par>
+                  <p:par>
+                    <p:cTn id="23" fill="hold">
+                      <p:stCondLst>
+                        <p:cond delay="indefinite"/>
+                      </p:stCondLst>
+                      <p:childTnLst>
+                        <p:par>
+                          <p:cTn id="24" fill="hold">
+                            <p:stCondLst>
+                              <p:cond delay="0"/>
+                            </p:stCondLst>
+                            <p:childTnLst>
+                              <p:par>
+                                <p:cTn id="25" presetID="10" presetClass="entr" presetSubtype="0" fill="hold" grpId="0" nodeType="clickEffect">
+                                  <p:stCondLst>
+                                    <p:cond delay="0"/>
+                                  </p:stCondLst>
+                                  <p:childTnLst>
+                                    <p:set>
+                                      <p:cBhvr>
+                                        <p:cTn id="26" dur="1" fill="hold">
+                                          <p:stCondLst>
+                                            <p:cond delay="0"/>
+                                          </p:stCondLst>
+                                        </p:cTn>
+                                        <p:tgtEl>
+                                          <p:spTgt spid="3">
+                                            <p:txEl>
+                                              <p:pRg st="4" end="4"/>
+                                            </p:txEl>
+                                          </p:spTgt>
+                                        </p:tgtEl>
+                                        <p:attrNameLst>
+                                          <p:attrName>style.visibility</p:attrName>
+                                        </p:attrNameLst>
+                                      </p:cBhvr>
+                                      <p:to>
+                                        <p:strVal val="visible"/>
+                                      </p:to>
+                                    </p:set>
+                                    <p:animEffect transition="in" filter="fade">
+                                      <p:cBhvr>
+                                        <p:cTn id="27" dur="500"/>
+                                        <p:tgtEl>
+                                          <p:spTgt spid="3">
+                                            <p:txEl>
+                                              <p:pRg st="4" end="4"/>
+                                            </p:txEl>
+                                          </p:spTgt>
+                                        </p:tgtEl>
+                                      </p:cBhvr>
+                                    </p:animEffect>
+                                  </p:childTnLst>
+                                </p:cTn>
+                              </p:par>
+                              <p:par>
+                                <p:cTn id="28" presetID="10" presetClass="entr" presetSubtype="0" fill="hold" grpId="0" nodeType="withEffect">
+                                  <p:stCondLst>
+                                    <p:cond delay="0"/>
+                                  </p:stCondLst>
+                                  <p:childTnLst>
+                                    <p:set>
+                                      <p:cBhvr>
+                                        <p:cTn id="29" dur="1" fill="hold">
+                                          <p:stCondLst>
+                                            <p:cond delay="0"/>
+                                          </p:stCondLst>
+                                        </p:cTn>
+                                        <p:tgtEl>
+                                          <p:spTgt spid="3">
+                                            <p:txEl>
+                                              <p:pRg st="5" end="5"/>
+                                            </p:txEl>
+                                          </p:spTgt>
+                                        </p:tgtEl>
+                                        <p:attrNameLst>
+                                          <p:attrName>style.visibility</p:attrName>
+                                        </p:attrNameLst>
+                                      </p:cBhvr>
+                                      <p:to>
+                                        <p:strVal val="visible"/>
+                                      </p:to>
+                                    </p:set>
+                                    <p:animEffect transition="in" filter="fade">
+                                      <p:cBhvr>
+                                        <p:cTn id="30" dur="500"/>
+                                        <p:tgtEl>
+                                          <p:spTgt spid="3">
+                                            <p:txEl>
+                                              <p:pRg st="5" end="5"/>
+                                            </p:txEl>
+                                          </p:spTgt>
+                                        </p:tgtEl>
+                                      </p:cBhvr>
+                                    </p:animEffect>
+                                  </p:childTnLst>
+                                </p:cTn>
+                              </p:par>
+                              <p:par>
+                                <p:cTn id="31" presetID="10" presetClass="entr" presetSubtype="0" fill="hold" grpId="0" nodeType="withEffect">
+                                  <p:stCondLst>
+                                    <p:cond delay="0"/>
+                                  </p:stCondLst>
+                                  <p:childTnLst>
+                                    <p:set>
+                                      <p:cBhvr>
+                                        <p:cTn id="32" dur="1" fill="hold">
+                                          <p:stCondLst>
+                                            <p:cond delay="0"/>
+                                          </p:stCondLst>
+                                        </p:cTn>
+                                        <p:tgtEl>
+                                          <p:spTgt spid="3">
+                                            <p:txEl>
+                                              <p:pRg st="6" end="6"/>
+                                            </p:txEl>
+                                          </p:spTgt>
+                                        </p:tgtEl>
+                                        <p:attrNameLst>
+                                          <p:attrName>style.visibility</p:attrName>
+                                        </p:attrNameLst>
+                                      </p:cBhvr>
+                                      <p:to>
+                                        <p:strVal val="visible"/>
+                                      </p:to>
+                                    </p:set>
+                                    <p:animEffect transition="in" filter="fade">
+                                      <p:cBhvr>
+                                        <p:cTn id="33" dur="500"/>
+                                        <p:tgtEl>
+                                          <p:spTgt spid="3">
+                                            <p:txEl>
+                                              <p:pRg st="6" end="6"/>
+                                            </p:txEl>
+                                          </p:spTgt>
+                                        </p:tgtEl>
+                                      </p:cBhvr>
+                                    </p:animEffect>
+                                  </p:childTnLst>
+                                </p:cTn>
+                              </p:par>
+                              <p:par>
+                                <p:cTn id="34" presetID="10" presetClass="entr" presetSubtype="0" fill="hold" grpId="0" nodeType="withEffect">
+                                  <p:stCondLst>
+                                    <p:cond delay="0"/>
+                                  </p:stCondLst>
+                                  <p:childTnLst>
+                                    <p:set>
+                                      <p:cBhvr>
+                                        <p:cTn id="35" dur="1" fill="hold">
+                                          <p:stCondLst>
+                                            <p:cond delay="0"/>
+                                          </p:stCondLst>
+                                        </p:cTn>
+                                        <p:tgtEl>
+                                          <p:spTgt spid="3">
+                                            <p:txEl>
+                                              <p:pRg st="7" end="7"/>
+                                            </p:txEl>
+                                          </p:spTgt>
+                                        </p:tgtEl>
+                                        <p:attrNameLst>
+                                          <p:attrName>style.visibility</p:attrName>
+                                        </p:attrNameLst>
+                                      </p:cBhvr>
+                                      <p:to>
+                                        <p:strVal val="visible"/>
+                                      </p:to>
+                                    </p:set>
+                                    <p:animEffect transition="in" filter="fade">
+                                      <p:cBhvr>
+                                        <p:cTn id="36" dur="500"/>
+                                        <p:tgtEl>
+                                          <p:spTgt spid="3">
+                                            <p:txEl>
+                                              <p:pRg st="7" end="7"/>
+                                            </p:txEl>
+                                          </p:spTgt>
+                                        </p:tgtEl>
+                                      </p:cBhvr>
+                                    </p:animEffect>
+                                  </p:childTnLst>
+                                </p:cTn>
+                              </p:par>
+                              <p:par>
+                                <p:cTn id="37" presetID="10" presetClass="entr" presetSubtype="0" fill="hold" grpId="0" nodeType="withEffect">
+                                  <p:stCondLst>
+                                    <p:cond delay="0"/>
+                                  </p:stCondLst>
+                                  <p:childTnLst>
+                                    <p:set>
+                                      <p:cBhvr>
+                                        <p:cTn id="38" dur="1" fill="hold">
+                                          <p:stCondLst>
+                                            <p:cond delay="0"/>
+                                          </p:stCondLst>
+                                        </p:cTn>
+                                        <p:tgtEl>
+                                          <p:spTgt spid="3">
+                                            <p:txEl>
+                                              <p:pRg st="8" end="8"/>
+                                            </p:txEl>
+                                          </p:spTgt>
+                                        </p:tgtEl>
+                                        <p:attrNameLst>
+                                          <p:attrName>style.visibility</p:attrName>
+                                        </p:attrNameLst>
+                                      </p:cBhvr>
+                                      <p:to>
+                                        <p:strVal val="visible"/>
+                                      </p:to>
+                                    </p:set>
+                                    <p:animEffect transition="in" filter="fade">
+                                      <p:cBhvr>
+                                        <p:cTn id="39" dur="500"/>
+                                        <p:tgtEl>
+                                          <p:spTgt spid="3">
+                                            <p:txEl>
+                                              <p:pRg st="8" end="8"/>
+                                            </p:txEl>
+                                          </p:spTgt>
+                                        </p:tgtEl>
+                                      </p:cBhvr>
+                                    </p:animEffect>
+                                  </p:childTnLst>
+                                </p:cTn>
+                              </p:par>
+                            </p:childTnLst>
+                          </p:cTn>
+                        </p:par>
+                      </p:childTnLst>
+                    </p:cTn>
+                  </p:par>
+                  <p:par>
+                    <p:cTn id="40" fill="hold">
+                      <p:stCondLst>
+                        <p:cond delay="indefinite"/>
+                      </p:stCondLst>
+                      <p:childTnLst>
+                        <p:par>
+                          <p:cTn id="41" fill="hold">
+                            <p:stCondLst>
+                              <p:cond delay="0"/>
+                            </p:stCondLst>
+                            <p:childTnLst>
+                              <p:par>
+                                <p:cTn id="42" presetID="10" presetClass="entr" presetSubtype="0" fill="hold" grpId="0" nodeType="clickEffect">
+                                  <p:stCondLst>
+                                    <p:cond delay="0"/>
+                                  </p:stCondLst>
+                                  <p:childTnLst>
+                                    <p:set>
+                                      <p:cBhvr>
+                                        <p:cTn id="43" dur="1" fill="hold">
+                                          <p:stCondLst>
+                                            <p:cond delay="0"/>
+                                          </p:stCondLst>
+                                        </p:cTn>
+                                        <p:tgtEl>
+                                          <p:spTgt spid="3">
+                                            <p:txEl>
+                                              <p:pRg st="9" end="9"/>
+                                            </p:txEl>
+                                          </p:spTgt>
+                                        </p:tgtEl>
+                                        <p:attrNameLst>
+                                          <p:attrName>style.visibility</p:attrName>
+                                        </p:attrNameLst>
+                                      </p:cBhvr>
+                                      <p:to>
+                                        <p:strVal val="visible"/>
+                                      </p:to>
+                                    </p:set>
+                                    <p:animEffect transition="in" filter="fade">
+                                      <p:cBhvr>
+                                        <p:cTn id="44" dur="500"/>
+                                        <p:tgtEl>
+                                          <p:spTgt spid="3">
+                                            <p:txEl>
+                                              <p:pRg st="9" end="9"/>
+                                            </p:txEl>
+                                          </p:spTgt>
+                                        </p:tgtEl>
+                                      </p:cBhvr>
+                                    </p:animEffect>
+                                  </p:childTnLst>
+                                </p:cTn>
+                              </p:par>
+                            </p:childTnLst>
+                          </p:cTn>
+                        </p:par>
+                      </p:childTnLst>
+                    </p:cTn>
+                  </p:par>
+                </p:childTnLst>
+              </p:cTn>
+              <p:prevCondLst>
+                <p:cond evt="onPrev" delay="0">
+                  <p:tgtEl>
+                    <p:sldTgt/>
+                  </p:tgtEl>
+                </p:cond>
+              </p:prevCondLst>
+              <p:nextCondLst>
+                <p:cond evt="onNext" delay="0">
+                  <p:tgtEl>
+                    <p:sldTgt/>
+                  </p:tgtEl>
+                </p:cond>
+              </p:nextCondLst>
+            </p:seq>
+          </p:childTnLst>
+        </p:cTn>
+      </p:par>
+    </p:tnLst>
+    <p:bldLst>
+      <p:bldP spid="3" grpId="0" build="p"/>
+    </p:bldLst>
+  </p:timing>
 </p:sld>
 </file>
 
@@ -12235,7 +13363,7 @@
           <a:p>
             <a:r>
               <a:rPr lang="en-US" dirty="0"/>
-              <a:t>We know how containers are paid for</a:t>
+              <a:t>We know how containers are internally paid for</a:t>
             </a:r>
           </a:p>
           <a:p>
@@ -12274,6 +13402,405 @@
   <p:clrMapOvr>
     <a:masterClrMapping/>
   </p:clrMapOvr>
+  <p:timing>
+    <p:tnLst>
+      <p:par>
+        <p:cTn id="1" dur="indefinite" restart="never" nodeType="tmRoot">
+          <p:childTnLst>
+            <p:seq concurrent="1" nextAc="seek">
+              <p:cTn id="2" dur="indefinite" nodeType="mainSeq">
+                <p:childTnLst>
+                  <p:par>
+                    <p:cTn id="3" fill="hold">
+                      <p:stCondLst>
+                        <p:cond delay="indefinite"/>
+                      </p:stCondLst>
+                      <p:childTnLst>
+                        <p:par>
+                          <p:cTn id="4" fill="hold">
+                            <p:stCondLst>
+                              <p:cond delay="0"/>
+                            </p:stCondLst>
+                            <p:childTnLst>
+                              <p:par>
+                                <p:cTn id="5" presetID="10" presetClass="entr" presetSubtype="0" fill="hold" grpId="0" nodeType="clickEffect">
+                                  <p:stCondLst>
+                                    <p:cond delay="0"/>
+                                  </p:stCondLst>
+                                  <p:childTnLst>
+                                    <p:set>
+                                      <p:cBhvr>
+                                        <p:cTn id="6" dur="1" fill="hold">
+                                          <p:stCondLst>
+                                            <p:cond delay="0"/>
+                                          </p:stCondLst>
+                                        </p:cTn>
+                                        <p:tgtEl>
+                                          <p:spTgt spid="3">
+                                            <p:txEl>
+                                              <p:pRg st="0" end="0"/>
+                                            </p:txEl>
+                                          </p:spTgt>
+                                        </p:tgtEl>
+                                        <p:attrNameLst>
+                                          <p:attrName>style.visibility</p:attrName>
+                                        </p:attrNameLst>
+                                      </p:cBhvr>
+                                      <p:to>
+                                        <p:strVal val="visible"/>
+                                      </p:to>
+                                    </p:set>
+                                    <p:animEffect transition="in" filter="fade">
+                                      <p:cBhvr>
+                                        <p:cTn id="7" dur="500"/>
+                                        <p:tgtEl>
+                                          <p:spTgt spid="3">
+                                            <p:txEl>
+                                              <p:pRg st="0" end="0"/>
+                                            </p:txEl>
+                                          </p:spTgt>
+                                        </p:tgtEl>
+                                      </p:cBhvr>
+                                    </p:animEffect>
+                                  </p:childTnLst>
+                                </p:cTn>
+                              </p:par>
+                            </p:childTnLst>
+                          </p:cTn>
+                        </p:par>
+                      </p:childTnLst>
+                    </p:cTn>
+                  </p:par>
+                  <p:par>
+                    <p:cTn id="8" fill="hold">
+                      <p:stCondLst>
+                        <p:cond delay="indefinite"/>
+                      </p:stCondLst>
+                      <p:childTnLst>
+                        <p:par>
+                          <p:cTn id="9" fill="hold">
+                            <p:stCondLst>
+                              <p:cond delay="0"/>
+                            </p:stCondLst>
+                            <p:childTnLst>
+                              <p:par>
+                                <p:cTn id="10" presetID="10" presetClass="entr" presetSubtype="0" fill="hold" grpId="0" nodeType="clickEffect">
+                                  <p:stCondLst>
+                                    <p:cond delay="0"/>
+                                  </p:stCondLst>
+                                  <p:childTnLst>
+                                    <p:set>
+                                      <p:cBhvr>
+                                        <p:cTn id="11" dur="1" fill="hold">
+                                          <p:stCondLst>
+                                            <p:cond delay="0"/>
+                                          </p:stCondLst>
+                                        </p:cTn>
+                                        <p:tgtEl>
+                                          <p:spTgt spid="3">
+                                            <p:txEl>
+                                              <p:pRg st="1" end="1"/>
+                                            </p:txEl>
+                                          </p:spTgt>
+                                        </p:tgtEl>
+                                        <p:attrNameLst>
+                                          <p:attrName>style.visibility</p:attrName>
+                                        </p:attrNameLst>
+                                      </p:cBhvr>
+                                      <p:to>
+                                        <p:strVal val="visible"/>
+                                      </p:to>
+                                    </p:set>
+                                    <p:animEffect transition="in" filter="fade">
+                                      <p:cBhvr>
+                                        <p:cTn id="12" dur="500"/>
+                                        <p:tgtEl>
+                                          <p:spTgt spid="3">
+                                            <p:txEl>
+                                              <p:pRg st="1" end="1"/>
+                                            </p:txEl>
+                                          </p:spTgt>
+                                        </p:tgtEl>
+                                      </p:cBhvr>
+                                    </p:animEffect>
+                                  </p:childTnLst>
+                                </p:cTn>
+                              </p:par>
+                            </p:childTnLst>
+                          </p:cTn>
+                        </p:par>
+                      </p:childTnLst>
+                    </p:cTn>
+                  </p:par>
+                  <p:par>
+                    <p:cTn id="13" fill="hold">
+                      <p:stCondLst>
+                        <p:cond delay="indefinite"/>
+                      </p:stCondLst>
+                      <p:childTnLst>
+                        <p:par>
+                          <p:cTn id="14" fill="hold">
+                            <p:stCondLst>
+                              <p:cond delay="0"/>
+                            </p:stCondLst>
+                            <p:childTnLst>
+                              <p:par>
+                                <p:cTn id="15" presetID="10" presetClass="entr" presetSubtype="0" fill="hold" grpId="0" nodeType="clickEffect">
+                                  <p:stCondLst>
+                                    <p:cond delay="0"/>
+                                  </p:stCondLst>
+                                  <p:childTnLst>
+                                    <p:set>
+                                      <p:cBhvr>
+                                        <p:cTn id="16" dur="1" fill="hold">
+                                          <p:stCondLst>
+                                            <p:cond delay="0"/>
+                                          </p:stCondLst>
+                                        </p:cTn>
+                                        <p:tgtEl>
+                                          <p:spTgt spid="3">
+                                            <p:txEl>
+                                              <p:pRg st="2" end="2"/>
+                                            </p:txEl>
+                                          </p:spTgt>
+                                        </p:tgtEl>
+                                        <p:attrNameLst>
+                                          <p:attrName>style.visibility</p:attrName>
+                                        </p:attrNameLst>
+                                      </p:cBhvr>
+                                      <p:to>
+                                        <p:strVal val="visible"/>
+                                      </p:to>
+                                    </p:set>
+                                    <p:animEffect transition="in" filter="fade">
+                                      <p:cBhvr>
+                                        <p:cTn id="17" dur="500"/>
+                                        <p:tgtEl>
+                                          <p:spTgt spid="3">
+                                            <p:txEl>
+                                              <p:pRg st="2" end="2"/>
+                                            </p:txEl>
+                                          </p:spTgt>
+                                        </p:tgtEl>
+                                      </p:cBhvr>
+                                    </p:animEffect>
+                                  </p:childTnLst>
+                                </p:cTn>
+                              </p:par>
+                            </p:childTnLst>
+                          </p:cTn>
+                        </p:par>
+                      </p:childTnLst>
+                    </p:cTn>
+                  </p:par>
+                  <p:par>
+                    <p:cTn id="18" fill="hold">
+                      <p:stCondLst>
+                        <p:cond delay="indefinite"/>
+                      </p:stCondLst>
+                      <p:childTnLst>
+                        <p:par>
+                          <p:cTn id="19" fill="hold">
+                            <p:stCondLst>
+                              <p:cond delay="0"/>
+                            </p:stCondLst>
+                            <p:childTnLst>
+                              <p:par>
+                                <p:cTn id="20" presetID="10" presetClass="entr" presetSubtype="0" fill="hold" grpId="0" nodeType="clickEffect">
+                                  <p:stCondLst>
+                                    <p:cond delay="0"/>
+                                  </p:stCondLst>
+                                  <p:childTnLst>
+                                    <p:set>
+                                      <p:cBhvr>
+                                        <p:cTn id="21" dur="1" fill="hold">
+                                          <p:stCondLst>
+                                            <p:cond delay="0"/>
+                                          </p:stCondLst>
+                                        </p:cTn>
+                                        <p:tgtEl>
+                                          <p:spTgt spid="3">
+                                            <p:txEl>
+                                              <p:pRg st="3" end="3"/>
+                                            </p:txEl>
+                                          </p:spTgt>
+                                        </p:tgtEl>
+                                        <p:attrNameLst>
+                                          <p:attrName>style.visibility</p:attrName>
+                                        </p:attrNameLst>
+                                      </p:cBhvr>
+                                      <p:to>
+                                        <p:strVal val="visible"/>
+                                      </p:to>
+                                    </p:set>
+                                    <p:animEffect transition="in" filter="fade">
+                                      <p:cBhvr>
+                                        <p:cTn id="22" dur="500"/>
+                                        <p:tgtEl>
+                                          <p:spTgt spid="3">
+                                            <p:txEl>
+                                              <p:pRg st="3" end="3"/>
+                                            </p:txEl>
+                                          </p:spTgt>
+                                        </p:tgtEl>
+                                      </p:cBhvr>
+                                    </p:animEffect>
+                                  </p:childTnLst>
+                                </p:cTn>
+                              </p:par>
+                            </p:childTnLst>
+                          </p:cTn>
+                        </p:par>
+                      </p:childTnLst>
+                    </p:cTn>
+                  </p:par>
+                  <p:par>
+                    <p:cTn id="23" fill="hold">
+                      <p:stCondLst>
+                        <p:cond delay="indefinite"/>
+                      </p:stCondLst>
+                      <p:childTnLst>
+                        <p:par>
+                          <p:cTn id="24" fill="hold">
+                            <p:stCondLst>
+                              <p:cond delay="0"/>
+                            </p:stCondLst>
+                            <p:childTnLst>
+                              <p:par>
+                                <p:cTn id="25" presetID="10" presetClass="entr" presetSubtype="0" fill="hold" grpId="0" nodeType="clickEffect">
+                                  <p:stCondLst>
+                                    <p:cond delay="0"/>
+                                  </p:stCondLst>
+                                  <p:childTnLst>
+                                    <p:set>
+                                      <p:cBhvr>
+                                        <p:cTn id="26" dur="1" fill="hold">
+                                          <p:stCondLst>
+                                            <p:cond delay="0"/>
+                                          </p:stCondLst>
+                                        </p:cTn>
+                                        <p:tgtEl>
+                                          <p:spTgt spid="3">
+                                            <p:txEl>
+                                              <p:pRg st="4" end="4"/>
+                                            </p:txEl>
+                                          </p:spTgt>
+                                        </p:tgtEl>
+                                        <p:attrNameLst>
+                                          <p:attrName>style.visibility</p:attrName>
+                                        </p:attrNameLst>
+                                      </p:cBhvr>
+                                      <p:to>
+                                        <p:strVal val="visible"/>
+                                      </p:to>
+                                    </p:set>
+                                    <p:animEffect transition="in" filter="fade">
+                                      <p:cBhvr>
+                                        <p:cTn id="27" dur="500"/>
+                                        <p:tgtEl>
+                                          <p:spTgt spid="3">
+                                            <p:txEl>
+                                              <p:pRg st="4" end="4"/>
+                                            </p:txEl>
+                                          </p:spTgt>
+                                        </p:tgtEl>
+                                      </p:cBhvr>
+                                    </p:animEffect>
+                                  </p:childTnLst>
+                                </p:cTn>
+                              </p:par>
+                            </p:childTnLst>
+                          </p:cTn>
+                        </p:par>
+                      </p:childTnLst>
+                    </p:cTn>
+                  </p:par>
+                  <p:par>
+                    <p:cTn id="28" fill="hold">
+                      <p:stCondLst>
+                        <p:cond delay="indefinite"/>
+                      </p:stCondLst>
+                      <p:childTnLst>
+                        <p:par>
+                          <p:cTn id="29" fill="hold">
+                            <p:stCondLst>
+                              <p:cond delay="0"/>
+                            </p:stCondLst>
+                            <p:childTnLst>
+                              <p:par>
+                                <p:cTn id="30" presetID="10" presetClass="entr" presetSubtype="0" fill="hold" grpId="0" nodeType="clickEffect">
+                                  <p:stCondLst>
+                                    <p:cond delay="0"/>
+                                  </p:stCondLst>
+                                  <p:childTnLst>
+                                    <p:set>
+                                      <p:cBhvr>
+                                        <p:cTn id="31" dur="1" fill="hold">
+                                          <p:stCondLst>
+                                            <p:cond delay="0"/>
+                                          </p:stCondLst>
+                                        </p:cTn>
+                                        <p:tgtEl>
+                                          <p:spTgt spid="3">
+                                            <p:txEl>
+                                              <p:pRg st="5" end="5"/>
+                                            </p:txEl>
+                                          </p:spTgt>
+                                        </p:tgtEl>
+                                        <p:attrNameLst>
+                                          <p:attrName>style.visibility</p:attrName>
+                                        </p:attrNameLst>
+                                      </p:cBhvr>
+                                      <p:to>
+                                        <p:strVal val="visible"/>
+                                      </p:to>
+                                    </p:set>
+                                    <p:animEffect transition="in" filter="fade">
+                                      <p:cBhvr>
+                                        <p:cTn id="32" dur="500"/>
+                                        <p:tgtEl>
+                                          <p:spTgt spid="3">
+                                            <p:txEl>
+                                              <p:pRg st="5" end="5"/>
+                                            </p:txEl>
+                                          </p:spTgt>
+                                        </p:tgtEl>
+                                      </p:cBhvr>
+                                    </p:animEffect>
+                                  </p:childTnLst>
+                                </p:cTn>
+                              </p:par>
+                            </p:childTnLst>
+                          </p:cTn>
+                        </p:par>
+                      </p:childTnLst>
+                    </p:cTn>
+                  </p:par>
+                </p:childTnLst>
+              </p:cTn>
+              <p:prevCondLst>
+                <p:cond evt="onPrev" delay="0">
+                  <p:tgtEl>
+                    <p:sldTgt/>
+                  </p:tgtEl>
+                </p:cond>
+              </p:prevCondLst>
+              <p:nextCondLst>
+                <p:cond evt="onNext" delay="0">
+                  <p:tgtEl>
+                    <p:sldTgt/>
+                  </p:tgtEl>
+                </p:cond>
+              </p:nextCondLst>
+            </p:seq>
+          </p:childTnLst>
+        </p:cTn>
+      </p:par>
+    </p:tnLst>
+    <p:bldLst>
+      <p:bldP spid="3" grpId="0" build="p"/>
+    </p:bldLst>
+  </p:timing>
 </p:sld>
 </file>
 
@@ -12311,7 +13838,7 @@
           <a:p>
             <a:r>
               <a:rPr lang="en-US" dirty="0"/>
-              <a:t>Phase Three (6 Months)</a:t>
+              <a:t>Phase Three (2 – 6 Months)</a:t>
             </a:r>
           </a:p>
         </p:txBody>
@@ -12440,6 +13967,283 @@
   <p:clrMapOvr>
     <a:masterClrMapping/>
   </p:clrMapOvr>
+  <p:timing>
+    <p:tnLst>
+      <p:par>
+        <p:cTn id="1" dur="indefinite" restart="never" nodeType="tmRoot">
+          <p:childTnLst>
+            <p:seq concurrent="1" nextAc="seek">
+              <p:cTn id="2" dur="indefinite" nodeType="mainSeq">
+                <p:childTnLst>
+                  <p:par>
+                    <p:cTn id="3" fill="hold">
+                      <p:stCondLst>
+                        <p:cond delay="indefinite"/>
+                      </p:stCondLst>
+                      <p:childTnLst>
+                        <p:par>
+                          <p:cTn id="4" fill="hold">
+                            <p:stCondLst>
+                              <p:cond delay="0"/>
+                            </p:stCondLst>
+                            <p:childTnLst>
+                              <p:par>
+                                <p:cTn id="5" presetID="10" presetClass="entr" presetSubtype="0" fill="hold" grpId="0" nodeType="clickEffect">
+                                  <p:stCondLst>
+                                    <p:cond delay="0"/>
+                                  </p:stCondLst>
+                                  <p:childTnLst>
+                                    <p:set>
+                                      <p:cBhvr>
+                                        <p:cTn id="6" dur="1" fill="hold">
+                                          <p:stCondLst>
+                                            <p:cond delay="0"/>
+                                          </p:stCondLst>
+                                        </p:cTn>
+                                        <p:tgtEl>
+                                          <p:spTgt spid="3">
+                                            <p:txEl>
+                                              <p:pRg st="0" end="0"/>
+                                            </p:txEl>
+                                          </p:spTgt>
+                                        </p:tgtEl>
+                                        <p:attrNameLst>
+                                          <p:attrName>style.visibility</p:attrName>
+                                        </p:attrNameLst>
+                                      </p:cBhvr>
+                                      <p:to>
+                                        <p:strVal val="visible"/>
+                                      </p:to>
+                                    </p:set>
+                                    <p:animEffect transition="in" filter="fade">
+                                      <p:cBhvr>
+                                        <p:cTn id="7" dur="500"/>
+                                        <p:tgtEl>
+                                          <p:spTgt spid="3">
+                                            <p:txEl>
+                                              <p:pRg st="0" end="0"/>
+                                            </p:txEl>
+                                          </p:spTgt>
+                                        </p:tgtEl>
+                                      </p:cBhvr>
+                                    </p:animEffect>
+                                  </p:childTnLst>
+                                </p:cTn>
+                              </p:par>
+                            </p:childTnLst>
+                          </p:cTn>
+                        </p:par>
+                      </p:childTnLst>
+                    </p:cTn>
+                  </p:par>
+                  <p:par>
+                    <p:cTn id="8" fill="hold">
+                      <p:stCondLst>
+                        <p:cond delay="indefinite"/>
+                      </p:stCondLst>
+                      <p:childTnLst>
+                        <p:par>
+                          <p:cTn id="9" fill="hold">
+                            <p:stCondLst>
+                              <p:cond delay="0"/>
+                            </p:stCondLst>
+                            <p:childTnLst>
+                              <p:par>
+                                <p:cTn id="10" presetID="10" presetClass="entr" presetSubtype="0" fill="hold" grpId="0" nodeType="clickEffect">
+                                  <p:stCondLst>
+                                    <p:cond delay="0"/>
+                                  </p:stCondLst>
+                                  <p:childTnLst>
+                                    <p:set>
+                                      <p:cBhvr>
+                                        <p:cTn id="11" dur="1" fill="hold">
+                                          <p:stCondLst>
+                                            <p:cond delay="0"/>
+                                          </p:stCondLst>
+                                        </p:cTn>
+                                        <p:tgtEl>
+                                          <p:spTgt spid="3">
+                                            <p:txEl>
+                                              <p:pRg st="1" end="1"/>
+                                            </p:txEl>
+                                          </p:spTgt>
+                                        </p:tgtEl>
+                                        <p:attrNameLst>
+                                          <p:attrName>style.visibility</p:attrName>
+                                        </p:attrNameLst>
+                                      </p:cBhvr>
+                                      <p:to>
+                                        <p:strVal val="visible"/>
+                                      </p:to>
+                                    </p:set>
+                                    <p:animEffect transition="in" filter="fade">
+                                      <p:cBhvr>
+                                        <p:cTn id="12" dur="500"/>
+                                        <p:tgtEl>
+                                          <p:spTgt spid="3">
+                                            <p:txEl>
+                                              <p:pRg st="1" end="1"/>
+                                            </p:txEl>
+                                          </p:spTgt>
+                                        </p:tgtEl>
+                                      </p:cBhvr>
+                                    </p:animEffect>
+                                  </p:childTnLst>
+                                </p:cTn>
+                              </p:par>
+                            </p:childTnLst>
+                          </p:cTn>
+                        </p:par>
+                      </p:childTnLst>
+                    </p:cTn>
+                  </p:par>
+                  <p:par>
+                    <p:cTn id="13" fill="hold">
+                      <p:stCondLst>
+                        <p:cond delay="indefinite"/>
+                      </p:stCondLst>
+                      <p:childTnLst>
+                        <p:par>
+                          <p:cTn id="14" fill="hold">
+                            <p:stCondLst>
+                              <p:cond delay="0"/>
+                            </p:stCondLst>
+                            <p:childTnLst>
+                              <p:par>
+                                <p:cTn id="15" presetID="10" presetClass="entr" presetSubtype="0" fill="hold" grpId="0" nodeType="clickEffect">
+                                  <p:stCondLst>
+                                    <p:cond delay="0"/>
+                                  </p:stCondLst>
+                                  <p:childTnLst>
+                                    <p:set>
+                                      <p:cBhvr>
+                                        <p:cTn id="16" dur="1" fill="hold">
+                                          <p:stCondLst>
+                                            <p:cond delay="0"/>
+                                          </p:stCondLst>
+                                        </p:cTn>
+                                        <p:tgtEl>
+                                          <p:spTgt spid="3">
+                                            <p:txEl>
+                                              <p:pRg st="2" end="2"/>
+                                            </p:txEl>
+                                          </p:spTgt>
+                                        </p:tgtEl>
+                                        <p:attrNameLst>
+                                          <p:attrName>style.visibility</p:attrName>
+                                        </p:attrNameLst>
+                                      </p:cBhvr>
+                                      <p:to>
+                                        <p:strVal val="visible"/>
+                                      </p:to>
+                                    </p:set>
+                                    <p:animEffect transition="in" filter="fade">
+                                      <p:cBhvr>
+                                        <p:cTn id="17" dur="500"/>
+                                        <p:tgtEl>
+                                          <p:spTgt spid="3">
+                                            <p:txEl>
+                                              <p:pRg st="2" end="2"/>
+                                            </p:txEl>
+                                          </p:spTgt>
+                                        </p:tgtEl>
+                                      </p:cBhvr>
+                                    </p:animEffect>
+                                  </p:childTnLst>
+                                </p:cTn>
+                              </p:par>
+                            </p:childTnLst>
+                          </p:cTn>
+                        </p:par>
+                      </p:childTnLst>
+                    </p:cTn>
+                  </p:par>
+                  <p:par>
+                    <p:cTn id="18" fill="hold">
+                      <p:stCondLst>
+                        <p:cond delay="indefinite"/>
+                      </p:stCondLst>
+                      <p:childTnLst>
+                        <p:par>
+                          <p:cTn id="19" fill="hold">
+                            <p:stCondLst>
+                              <p:cond delay="0"/>
+                            </p:stCondLst>
+                            <p:childTnLst>
+                              <p:par>
+                                <p:cTn id="20" presetID="10" presetClass="entr" presetSubtype="0" fill="hold" grpId="0" nodeType="clickEffect">
+                                  <p:stCondLst>
+                                    <p:cond delay="0"/>
+                                  </p:stCondLst>
+                                  <p:childTnLst>
+                                    <p:set>
+                                      <p:cBhvr>
+                                        <p:cTn id="21" dur="1" fill="hold">
+                                          <p:stCondLst>
+                                            <p:cond delay="0"/>
+                                          </p:stCondLst>
+                                        </p:cTn>
+                                        <p:tgtEl>
+                                          <p:spTgt spid="3">
+                                            <p:txEl>
+                                              <p:pRg st="3" end="3"/>
+                                            </p:txEl>
+                                          </p:spTgt>
+                                        </p:tgtEl>
+                                        <p:attrNameLst>
+                                          <p:attrName>style.visibility</p:attrName>
+                                        </p:attrNameLst>
+                                      </p:cBhvr>
+                                      <p:to>
+                                        <p:strVal val="visible"/>
+                                      </p:to>
+                                    </p:set>
+                                    <p:animEffect transition="in" filter="fade">
+                                      <p:cBhvr>
+                                        <p:cTn id="22" dur="500"/>
+                                        <p:tgtEl>
+                                          <p:spTgt spid="3">
+                                            <p:txEl>
+                                              <p:pRg st="3" end="3"/>
+                                            </p:txEl>
+                                          </p:spTgt>
+                                        </p:tgtEl>
+                                      </p:cBhvr>
+                                    </p:animEffect>
+                                  </p:childTnLst>
+                                </p:cTn>
+                              </p:par>
+                            </p:childTnLst>
+                          </p:cTn>
+                        </p:par>
+                      </p:childTnLst>
+                    </p:cTn>
+                  </p:par>
+                </p:childTnLst>
+              </p:cTn>
+              <p:prevCondLst>
+                <p:cond evt="onPrev" delay="0">
+                  <p:tgtEl>
+                    <p:sldTgt/>
+                  </p:tgtEl>
+                </p:cond>
+              </p:prevCondLst>
+              <p:nextCondLst>
+                <p:cond evt="onNext" delay="0">
+                  <p:tgtEl>
+                    <p:sldTgt/>
+                  </p:tgtEl>
+                </p:cond>
+              </p:nextCondLst>
+            </p:seq>
+          </p:childTnLst>
+        </p:cTn>
+      </p:par>
+    </p:tnLst>
+    <p:bldLst>
+      <p:bldP spid="3" grpId="0" build="p"/>
+    </p:bldLst>
+  </p:timing>
 </p:sld>
 </file>
 
@@ -14163,7 +15967,7 @@
           <a:p>
             <a:r>
               <a:rPr lang="en-US" dirty="0"/>
-              <a:t>Tight integration with DevOps</a:t>
+              <a:t>Rapid iteration for dev teams</a:t>
             </a:r>
           </a:p>
         </p:txBody>
@@ -14178,6 +15982,283 @@
   <p:clrMapOvr>
     <a:masterClrMapping/>
   </p:clrMapOvr>
+  <p:timing>
+    <p:tnLst>
+      <p:par>
+        <p:cTn id="1" dur="indefinite" restart="never" nodeType="tmRoot">
+          <p:childTnLst>
+            <p:seq concurrent="1" nextAc="seek">
+              <p:cTn id="2" dur="indefinite" nodeType="mainSeq">
+                <p:childTnLst>
+                  <p:par>
+                    <p:cTn id="3" fill="hold">
+                      <p:stCondLst>
+                        <p:cond delay="indefinite"/>
+                      </p:stCondLst>
+                      <p:childTnLst>
+                        <p:par>
+                          <p:cTn id="4" fill="hold">
+                            <p:stCondLst>
+                              <p:cond delay="0"/>
+                            </p:stCondLst>
+                            <p:childTnLst>
+                              <p:par>
+                                <p:cTn id="5" presetID="10" presetClass="entr" presetSubtype="0" fill="hold" grpId="0" nodeType="clickEffect">
+                                  <p:stCondLst>
+                                    <p:cond delay="0"/>
+                                  </p:stCondLst>
+                                  <p:childTnLst>
+                                    <p:set>
+                                      <p:cBhvr>
+                                        <p:cTn id="6" dur="1" fill="hold">
+                                          <p:stCondLst>
+                                            <p:cond delay="0"/>
+                                          </p:stCondLst>
+                                        </p:cTn>
+                                        <p:tgtEl>
+                                          <p:spTgt spid="3">
+                                            <p:txEl>
+                                              <p:pRg st="0" end="0"/>
+                                            </p:txEl>
+                                          </p:spTgt>
+                                        </p:tgtEl>
+                                        <p:attrNameLst>
+                                          <p:attrName>style.visibility</p:attrName>
+                                        </p:attrNameLst>
+                                      </p:cBhvr>
+                                      <p:to>
+                                        <p:strVal val="visible"/>
+                                      </p:to>
+                                    </p:set>
+                                    <p:animEffect transition="in" filter="fade">
+                                      <p:cBhvr>
+                                        <p:cTn id="7" dur="500"/>
+                                        <p:tgtEl>
+                                          <p:spTgt spid="3">
+                                            <p:txEl>
+                                              <p:pRg st="0" end="0"/>
+                                            </p:txEl>
+                                          </p:spTgt>
+                                        </p:tgtEl>
+                                      </p:cBhvr>
+                                    </p:animEffect>
+                                  </p:childTnLst>
+                                </p:cTn>
+                              </p:par>
+                            </p:childTnLst>
+                          </p:cTn>
+                        </p:par>
+                      </p:childTnLst>
+                    </p:cTn>
+                  </p:par>
+                  <p:par>
+                    <p:cTn id="8" fill="hold">
+                      <p:stCondLst>
+                        <p:cond delay="indefinite"/>
+                      </p:stCondLst>
+                      <p:childTnLst>
+                        <p:par>
+                          <p:cTn id="9" fill="hold">
+                            <p:stCondLst>
+                              <p:cond delay="0"/>
+                            </p:stCondLst>
+                            <p:childTnLst>
+                              <p:par>
+                                <p:cTn id="10" presetID="10" presetClass="entr" presetSubtype="0" fill="hold" grpId="0" nodeType="clickEffect">
+                                  <p:stCondLst>
+                                    <p:cond delay="0"/>
+                                  </p:stCondLst>
+                                  <p:childTnLst>
+                                    <p:set>
+                                      <p:cBhvr>
+                                        <p:cTn id="11" dur="1" fill="hold">
+                                          <p:stCondLst>
+                                            <p:cond delay="0"/>
+                                          </p:stCondLst>
+                                        </p:cTn>
+                                        <p:tgtEl>
+                                          <p:spTgt spid="3">
+                                            <p:txEl>
+                                              <p:pRg st="1" end="1"/>
+                                            </p:txEl>
+                                          </p:spTgt>
+                                        </p:tgtEl>
+                                        <p:attrNameLst>
+                                          <p:attrName>style.visibility</p:attrName>
+                                        </p:attrNameLst>
+                                      </p:cBhvr>
+                                      <p:to>
+                                        <p:strVal val="visible"/>
+                                      </p:to>
+                                    </p:set>
+                                    <p:animEffect transition="in" filter="fade">
+                                      <p:cBhvr>
+                                        <p:cTn id="12" dur="500"/>
+                                        <p:tgtEl>
+                                          <p:spTgt spid="3">
+                                            <p:txEl>
+                                              <p:pRg st="1" end="1"/>
+                                            </p:txEl>
+                                          </p:spTgt>
+                                        </p:tgtEl>
+                                      </p:cBhvr>
+                                    </p:animEffect>
+                                  </p:childTnLst>
+                                </p:cTn>
+                              </p:par>
+                            </p:childTnLst>
+                          </p:cTn>
+                        </p:par>
+                      </p:childTnLst>
+                    </p:cTn>
+                  </p:par>
+                  <p:par>
+                    <p:cTn id="13" fill="hold">
+                      <p:stCondLst>
+                        <p:cond delay="indefinite"/>
+                      </p:stCondLst>
+                      <p:childTnLst>
+                        <p:par>
+                          <p:cTn id="14" fill="hold">
+                            <p:stCondLst>
+                              <p:cond delay="0"/>
+                            </p:stCondLst>
+                            <p:childTnLst>
+                              <p:par>
+                                <p:cTn id="15" presetID="10" presetClass="entr" presetSubtype="0" fill="hold" grpId="0" nodeType="clickEffect">
+                                  <p:stCondLst>
+                                    <p:cond delay="0"/>
+                                  </p:stCondLst>
+                                  <p:childTnLst>
+                                    <p:set>
+                                      <p:cBhvr>
+                                        <p:cTn id="16" dur="1" fill="hold">
+                                          <p:stCondLst>
+                                            <p:cond delay="0"/>
+                                          </p:stCondLst>
+                                        </p:cTn>
+                                        <p:tgtEl>
+                                          <p:spTgt spid="3">
+                                            <p:txEl>
+                                              <p:pRg st="2" end="2"/>
+                                            </p:txEl>
+                                          </p:spTgt>
+                                        </p:tgtEl>
+                                        <p:attrNameLst>
+                                          <p:attrName>style.visibility</p:attrName>
+                                        </p:attrNameLst>
+                                      </p:cBhvr>
+                                      <p:to>
+                                        <p:strVal val="visible"/>
+                                      </p:to>
+                                    </p:set>
+                                    <p:animEffect transition="in" filter="fade">
+                                      <p:cBhvr>
+                                        <p:cTn id="17" dur="500"/>
+                                        <p:tgtEl>
+                                          <p:spTgt spid="3">
+                                            <p:txEl>
+                                              <p:pRg st="2" end="2"/>
+                                            </p:txEl>
+                                          </p:spTgt>
+                                        </p:tgtEl>
+                                      </p:cBhvr>
+                                    </p:animEffect>
+                                  </p:childTnLst>
+                                </p:cTn>
+                              </p:par>
+                            </p:childTnLst>
+                          </p:cTn>
+                        </p:par>
+                      </p:childTnLst>
+                    </p:cTn>
+                  </p:par>
+                  <p:par>
+                    <p:cTn id="18" fill="hold">
+                      <p:stCondLst>
+                        <p:cond delay="indefinite"/>
+                      </p:stCondLst>
+                      <p:childTnLst>
+                        <p:par>
+                          <p:cTn id="19" fill="hold">
+                            <p:stCondLst>
+                              <p:cond delay="0"/>
+                            </p:stCondLst>
+                            <p:childTnLst>
+                              <p:par>
+                                <p:cTn id="20" presetID="10" presetClass="entr" presetSubtype="0" fill="hold" grpId="0" nodeType="clickEffect">
+                                  <p:stCondLst>
+                                    <p:cond delay="0"/>
+                                  </p:stCondLst>
+                                  <p:childTnLst>
+                                    <p:set>
+                                      <p:cBhvr>
+                                        <p:cTn id="21" dur="1" fill="hold">
+                                          <p:stCondLst>
+                                            <p:cond delay="0"/>
+                                          </p:stCondLst>
+                                        </p:cTn>
+                                        <p:tgtEl>
+                                          <p:spTgt spid="3">
+                                            <p:txEl>
+                                              <p:pRg st="3" end="3"/>
+                                            </p:txEl>
+                                          </p:spTgt>
+                                        </p:tgtEl>
+                                        <p:attrNameLst>
+                                          <p:attrName>style.visibility</p:attrName>
+                                        </p:attrNameLst>
+                                      </p:cBhvr>
+                                      <p:to>
+                                        <p:strVal val="visible"/>
+                                      </p:to>
+                                    </p:set>
+                                    <p:animEffect transition="in" filter="fade">
+                                      <p:cBhvr>
+                                        <p:cTn id="22" dur="500"/>
+                                        <p:tgtEl>
+                                          <p:spTgt spid="3">
+                                            <p:txEl>
+                                              <p:pRg st="3" end="3"/>
+                                            </p:txEl>
+                                          </p:spTgt>
+                                        </p:tgtEl>
+                                      </p:cBhvr>
+                                    </p:animEffect>
+                                  </p:childTnLst>
+                                </p:cTn>
+                              </p:par>
+                            </p:childTnLst>
+                          </p:cTn>
+                        </p:par>
+                      </p:childTnLst>
+                    </p:cTn>
+                  </p:par>
+                </p:childTnLst>
+              </p:cTn>
+              <p:prevCondLst>
+                <p:cond evt="onPrev" delay="0">
+                  <p:tgtEl>
+                    <p:sldTgt/>
+                  </p:tgtEl>
+                </p:cond>
+              </p:prevCondLst>
+              <p:nextCondLst>
+                <p:cond evt="onNext" delay="0">
+                  <p:tgtEl>
+                    <p:sldTgt/>
+                  </p:tgtEl>
+                </p:cond>
+              </p:nextCondLst>
+            </p:seq>
+          </p:childTnLst>
+        </p:cTn>
+      </p:par>
+    </p:tnLst>
+    <p:bldLst>
+      <p:bldP spid="3" grpId="0" build="p"/>
+    </p:bldLst>
+  </p:timing>
 </p:sld>
 </file>
 
@@ -14376,6 +16457,222 @@
   <p:clrMapOvr>
     <a:masterClrMapping/>
   </p:clrMapOvr>
+  <p:timing>
+    <p:tnLst>
+      <p:par>
+        <p:cTn id="1" dur="indefinite" restart="never" nodeType="tmRoot">
+          <p:childTnLst>
+            <p:seq concurrent="1" nextAc="seek">
+              <p:cTn id="2" dur="indefinite" nodeType="mainSeq">
+                <p:childTnLst>
+                  <p:par>
+                    <p:cTn id="3" fill="hold">
+                      <p:stCondLst>
+                        <p:cond delay="indefinite"/>
+                      </p:stCondLst>
+                      <p:childTnLst>
+                        <p:par>
+                          <p:cTn id="4" fill="hold">
+                            <p:stCondLst>
+                              <p:cond delay="0"/>
+                            </p:stCondLst>
+                            <p:childTnLst>
+                              <p:par>
+                                <p:cTn id="5" presetID="10" presetClass="entr" presetSubtype="0" fill="hold" grpId="0" nodeType="clickEffect">
+                                  <p:stCondLst>
+                                    <p:cond delay="0"/>
+                                  </p:stCondLst>
+                                  <p:childTnLst>
+                                    <p:set>
+                                      <p:cBhvr>
+                                        <p:cTn id="6" dur="1" fill="hold">
+                                          <p:stCondLst>
+                                            <p:cond delay="0"/>
+                                          </p:stCondLst>
+                                        </p:cTn>
+                                        <p:tgtEl>
+                                          <p:spTgt spid="3">
+                                            <p:txEl>
+                                              <p:pRg st="0" end="0"/>
+                                            </p:txEl>
+                                          </p:spTgt>
+                                        </p:tgtEl>
+                                        <p:attrNameLst>
+                                          <p:attrName>style.visibility</p:attrName>
+                                        </p:attrNameLst>
+                                      </p:cBhvr>
+                                      <p:to>
+                                        <p:strVal val="visible"/>
+                                      </p:to>
+                                    </p:set>
+                                    <p:animEffect transition="in" filter="fade">
+                                      <p:cBhvr>
+                                        <p:cTn id="7" dur="500"/>
+                                        <p:tgtEl>
+                                          <p:spTgt spid="3">
+                                            <p:txEl>
+                                              <p:pRg st="0" end="0"/>
+                                            </p:txEl>
+                                          </p:spTgt>
+                                        </p:tgtEl>
+                                      </p:cBhvr>
+                                    </p:animEffect>
+                                  </p:childTnLst>
+                                </p:cTn>
+                              </p:par>
+                            </p:childTnLst>
+                          </p:cTn>
+                        </p:par>
+                      </p:childTnLst>
+                    </p:cTn>
+                  </p:par>
+                  <p:par>
+                    <p:cTn id="8" fill="hold">
+                      <p:stCondLst>
+                        <p:cond delay="indefinite"/>
+                      </p:stCondLst>
+                      <p:childTnLst>
+                        <p:par>
+                          <p:cTn id="9" fill="hold">
+                            <p:stCondLst>
+                              <p:cond delay="0"/>
+                            </p:stCondLst>
+                            <p:childTnLst>
+                              <p:par>
+                                <p:cTn id="10" presetID="10" presetClass="entr" presetSubtype="0" fill="hold" grpId="0" nodeType="clickEffect">
+                                  <p:stCondLst>
+                                    <p:cond delay="0"/>
+                                  </p:stCondLst>
+                                  <p:childTnLst>
+                                    <p:set>
+                                      <p:cBhvr>
+                                        <p:cTn id="11" dur="1" fill="hold">
+                                          <p:stCondLst>
+                                            <p:cond delay="0"/>
+                                          </p:stCondLst>
+                                        </p:cTn>
+                                        <p:tgtEl>
+                                          <p:spTgt spid="3">
+                                            <p:txEl>
+                                              <p:pRg st="1" end="1"/>
+                                            </p:txEl>
+                                          </p:spTgt>
+                                        </p:tgtEl>
+                                        <p:attrNameLst>
+                                          <p:attrName>style.visibility</p:attrName>
+                                        </p:attrNameLst>
+                                      </p:cBhvr>
+                                      <p:to>
+                                        <p:strVal val="visible"/>
+                                      </p:to>
+                                    </p:set>
+                                    <p:animEffect transition="in" filter="fade">
+                                      <p:cBhvr>
+                                        <p:cTn id="12" dur="500"/>
+                                        <p:tgtEl>
+                                          <p:spTgt spid="3">
+                                            <p:txEl>
+                                              <p:pRg st="1" end="1"/>
+                                            </p:txEl>
+                                          </p:spTgt>
+                                        </p:tgtEl>
+                                      </p:cBhvr>
+                                    </p:animEffect>
+                                  </p:childTnLst>
+                                </p:cTn>
+                              </p:par>
+                            </p:childTnLst>
+                          </p:cTn>
+                        </p:par>
+                      </p:childTnLst>
+                    </p:cTn>
+                  </p:par>
+                  <p:par>
+                    <p:cTn id="13" fill="hold">
+                      <p:stCondLst>
+                        <p:cond delay="indefinite"/>
+                      </p:stCondLst>
+                      <p:childTnLst>
+                        <p:par>
+                          <p:cTn id="14" fill="hold">
+                            <p:stCondLst>
+                              <p:cond delay="0"/>
+                            </p:stCondLst>
+                            <p:childTnLst>
+                              <p:par>
+                                <p:cTn id="15" presetID="10" presetClass="entr" presetSubtype="0" fill="hold" grpId="0" nodeType="clickEffect">
+                                  <p:stCondLst>
+                                    <p:cond delay="0"/>
+                                  </p:stCondLst>
+                                  <p:childTnLst>
+                                    <p:set>
+                                      <p:cBhvr>
+                                        <p:cTn id="16" dur="1" fill="hold">
+                                          <p:stCondLst>
+                                            <p:cond delay="0"/>
+                                          </p:stCondLst>
+                                        </p:cTn>
+                                        <p:tgtEl>
+                                          <p:spTgt spid="3">
+                                            <p:txEl>
+                                              <p:pRg st="2" end="2"/>
+                                            </p:txEl>
+                                          </p:spTgt>
+                                        </p:tgtEl>
+                                        <p:attrNameLst>
+                                          <p:attrName>style.visibility</p:attrName>
+                                        </p:attrNameLst>
+                                      </p:cBhvr>
+                                      <p:to>
+                                        <p:strVal val="visible"/>
+                                      </p:to>
+                                    </p:set>
+                                    <p:animEffect transition="in" filter="fade">
+                                      <p:cBhvr>
+                                        <p:cTn id="17" dur="500"/>
+                                        <p:tgtEl>
+                                          <p:spTgt spid="3">
+                                            <p:txEl>
+                                              <p:pRg st="2" end="2"/>
+                                            </p:txEl>
+                                          </p:spTgt>
+                                        </p:tgtEl>
+                                      </p:cBhvr>
+                                    </p:animEffect>
+                                  </p:childTnLst>
+                                </p:cTn>
+                              </p:par>
+                            </p:childTnLst>
+                          </p:cTn>
+                        </p:par>
+                      </p:childTnLst>
+                    </p:cTn>
+                  </p:par>
+                </p:childTnLst>
+              </p:cTn>
+              <p:prevCondLst>
+                <p:cond evt="onPrev" delay="0">
+                  <p:tgtEl>
+                    <p:sldTgt/>
+                  </p:tgtEl>
+                </p:cond>
+              </p:prevCondLst>
+              <p:nextCondLst>
+                <p:cond evt="onNext" delay="0">
+                  <p:tgtEl>
+                    <p:sldTgt/>
+                  </p:tgtEl>
+                </p:cond>
+              </p:nextCondLst>
+            </p:seq>
+          </p:childTnLst>
+        </p:cTn>
+      </p:par>
+    </p:tnLst>
+    <p:bldLst>
+      <p:bldP spid="3" grpId="0" build="p"/>
+    </p:bldLst>
+  </p:timing>
 </p:sld>
 </file>
 
@@ -14462,6 +16759,222 @@
   <p:clrMapOvr>
     <a:masterClrMapping/>
   </p:clrMapOvr>
+  <p:timing>
+    <p:tnLst>
+      <p:par>
+        <p:cTn id="1" dur="indefinite" restart="never" nodeType="tmRoot">
+          <p:childTnLst>
+            <p:seq concurrent="1" nextAc="seek">
+              <p:cTn id="2" dur="indefinite" nodeType="mainSeq">
+                <p:childTnLst>
+                  <p:par>
+                    <p:cTn id="3" fill="hold">
+                      <p:stCondLst>
+                        <p:cond delay="indefinite"/>
+                      </p:stCondLst>
+                      <p:childTnLst>
+                        <p:par>
+                          <p:cTn id="4" fill="hold">
+                            <p:stCondLst>
+                              <p:cond delay="0"/>
+                            </p:stCondLst>
+                            <p:childTnLst>
+                              <p:par>
+                                <p:cTn id="5" presetID="10" presetClass="entr" presetSubtype="0" fill="hold" grpId="0" nodeType="clickEffect">
+                                  <p:stCondLst>
+                                    <p:cond delay="0"/>
+                                  </p:stCondLst>
+                                  <p:childTnLst>
+                                    <p:set>
+                                      <p:cBhvr>
+                                        <p:cTn id="6" dur="1" fill="hold">
+                                          <p:stCondLst>
+                                            <p:cond delay="0"/>
+                                          </p:stCondLst>
+                                        </p:cTn>
+                                        <p:tgtEl>
+                                          <p:spTgt spid="3">
+                                            <p:txEl>
+                                              <p:pRg st="0" end="0"/>
+                                            </p:txEl>
+                                          </p:spTgt>
+                                        </p:tgtEl>
+                                        <p:attrNameLst>
+                                          <p:attrName>style.visibility</p:attrName>
+                                        </p:attrNameLst>
+                                      </p:cBhvr>
+                                      <p:to>
+                                        <p:strVal val="visible"/>
+                                      </p:to>
+                                    </p:set>
+                                    <p:animEffect transition="in" filter="fade">
+                                      <p:cBhvr>
+                                        <p:cTn id="7" dur="500"/>
+                                        <p:tgtEl>
+                                          <p:spTgt spid="3">
+                                            <p:txEl>
+                                              <p:pRg st="0" end="0"/>
+                                            </p:txEl>
+                                          </p:spTgt>
+                                        </p:tgtEl>
+                                      </p:cBhvr>
+                                    </p:animEffect>
+                                  </p:childTnLst>
+                                </p:cTn>
+                              </p:par>
+                            </p:childTnLst>
+                          </p:cTn>
+                        </p:par>
+                      </p:childTnLst>
+                    </p:cTn>
+                  </p:par>
+                  <p:par>
+                    <p:cTn id="8" fill="hold">
+                      <p:stCondLst>
+                        <p:cond delay="indefinite"/>
+                      </p:stCondLst>
+                      <p:childTnLst>
+                        <p:par>
+                          <p:cTn id="9" fill="hold">
+                            <p:stCondLst>
+                              <p:cond delay="0"/>
+                            </p:stCondLst>
+                            <p:childTnLst>
+                              <p:par>
+                                <p:cTn id="10" presetID="10" presetClass="entr" presetSubtype="0" fill="hold" grpId="0" nodeType="clickEffect">
+                                  <p:stCondLst>
+                                    <p:cond delay="0"/>
+                                  </p:stCondLst>
+                                  <p:childTnLst>
+                                    <p:set>
+                                      <p:cBhvr>
+                                        <p:cTn id="11" dur="1" fill="hold">
+                                          <p:stCondLst>
+                                            <p:cond delay="0"/>
+                                          </p:stCondLst>
+                                        </p:cTn>
+                                        <p:tgtEl>
+                                          <p:spTgt spid="3">
+                                            <p:txEl>
+                                              <p:pRg st="1" end="1"/>
+                                            </p:txEl>
+                                          </p:spTgt>
+                                        </p:tgtEl>
+                                        <p:attrNameLst>
+                                          <p:attrName>style.visibility</p:attrName>
+                                        </p:attrNameLst>
+                                      </p:cBhvr>
+                                      <p:to>
+                                        <p:strVal val="visible"/>
+                                      </p:to>
+                                    </p:set>
+                                    <p:animEffect transition="in" filter="fade">
+                                      <p:cBhvr>
+                                        <p:cTn id="12" dur="500"/>
+                                        <p:tgtEl>
+                                          <p:spTgt spid="3">
+                                            <p:txEl>
+                                              <p:pRg st="1" end="1"/>
+                                            </p:txEl>
+                                          </p:spTgt>
+                                        </p:tgtEl>
+                                      </p:cBhvr>
+                                    </p:animEffect>
+                                  </p:childTnLst>
+                                </p:cTn>
+                              </p:par>
+                            </p:childTnLst>
+                          </p:cTn>
+                        </p:par>
+                      </p:childTnLst>
+                    </p:cTn>
+                  </p:par>
+                  <p:par>
+                    <p:cTn id="13" fill="hold">
+                      <p:stCondLst>
+                        <p:cond delay="indefinite"/>
+                      </p:stCondLst>
+                      <p:childTnLst>
+                        <p:par>
+                          <p:cTn id="14" fill="hold">
+                            <p:stCondLst>
+                              <p:cond delay="0"/>
+                            </p:stCondLst>
+                            <p:childTnLst>
+                              <p:par>
+                                <p:cTn id="15" presetID="10" presetClass="entr" presetSubtype="0" fill="hold" grpId="0" nodeType="clickEffect">
+                                  <p:stCondLst>
+                                    <p:cond delay="0"/>
+                                  </p:stCondLst>
+                                  <p:childTnLst>
+                                    <p:set>
+                                      <p:cBhvr>
+                                        <p:cTn id="16" dur="1" fill="hold">
+                                          <p:stCondLst>
+                                            <p:cond delay="0"/>
+                                          </p:stCondLst>
+                                        </p:cTn>
+                                        <p:tgtEl>
+                                          <p:spTgt spid="3">
+                                            <p:txEl>
+                                              <p:pRg st="2" end="2"/>
+                                            </p:txEl>
+                                          </p:spTgt>
+                                        </p:tgtEl>
+                                        <p:attrNameLst>
+                                          <p:attrName>style.visibility</p:attrName>
+                                        </p:attrNameLst>
+                                      </p:cBhvr>
+                                      <p:to>
+                                        <p:strVal val="visible"/>
+                                      </p:to>
+                                    </p:set>
+                                    <p:animEffect transition="in" filter="fade">
+                                      <p:cBhvr>
+                                        <p:cTn id="17" dur="500"/>
+                                        <p:tgtEl>
+                                          <p:spTgt spid="3">
+                                            <p:txEl>
+                                              <p:pRg st="2" end="2"/>
+                                            </p:txEl>
+                                          </p:spTgt>
+                                        </p:tgtEl>
+                                      </p:cBhvr>
+                                    </p:animEffect>
+                                  </p:childTnLst>
+                                </p:cTn>
+                              </p:par>
+                            </p:childTnLst>
+                          </p:cTn>
+                        </p:par>
+                      </p:childTnLst>
+                    </p:cTn>
+                  </p:par>
+                </p:childTnLst>
+              </p:cTn>
+              <p:prevCondLst>
+                <p:cond evt="onPrev" delay="0">
+                  <p:tgtEl>
+                    <p:sldTgt/>
+                  </p:tgtEl>
+                </p:cond>
+              </p:prevCondLst>
+              <p:nextCondLst>
+                <p:cond evt="onNext" delay="0">
+                  <p:tgtEl>
+                    <p:sldTgt/>
+                  </p:tgtEl>
+                </p:cond>
+              </p:nextCondLst>
+            </p:seq>
+          </p:childTnLst>
+        </p:cTn>
+      </p:par>
+    </p:tnLst>
+    <p:bldLst>
+      <p:bldP spid="3" grpId="0" build="p"/>
+    </p:bldLst>
+  </p:timing>
 </p:sld>
 </file>
 
@@ -14633,6 +17146,344 @@
   <p:clrMapOvr>
     <a:masterClrMapping/>
   </p:clrMapOvr>
+  <p:timing>
+    <p:tnLst>
+      <p:par>
+        <p:cTn id="1" dur="indefinite" restart="never" nodeType="tmRoot">
+          <p:childTnLst>
+            <p:seq concurrent="1" nextAc="seek">
+              <p:cTn id="2" dur="indefinite" nodeType="mainSeq">
+                <p:childTnLst>
+                  <p:par>
+                    <p:cTn id="3" fill="hold">
+                      <p:stCondLst>
+                        <p:cond delay="indefinite"/>
+                      </p:stCondLst>
+                      <p:childTnLst>
+                        <p:par>
+                          <p:cTn id="4" fill="hold">
+                            <p:stCondLst>
+                              <p:cond delay="0"/>
+                            </p:stCondLst>
+                            <p:childTnLst>
+                              <p:par>
+                                <p:cTn id="5" presetID="10" presetClass="entr" presetSubtype="0" fill="hold" grpId="0" nodeType="clickEffect">
+                                  <p:stCondLst>
+                                    <p:cond delay="0"/>
+                                  </p:stCondLst>
+                                  <p:childTnLst>
+                                    <p:set>
+                                      <p:cBhvr>
+                                        <p:cTn id="6" dur="1" fill="hold">
+                                          <p:stCondLst>
+                                            <p:cond delay="0"/>
+                                          </p:stCondLst>
+                                        </p:cTn>
+                                        <p:tgtEl>
+                                          <p:spTgt spid="3">
+                                            <p:txEl>
+                                              <p:pRg st="0" end="0"/>
+                                            </p:txEl>
+                                          </p:spTgt>
+                                        </p:tgtEl>
+                                        <p:attrNameLst>
+                                          <p:attrName>style.visibility</p:attrName>
+                                        </p:attrNameLst>
+                                      </p:cBhvr>
+                                      <p:to>
+                                        <p:strVal val="visible"/>
+                                      </p:to>
+                                    </p:set>
+                                    <p:animEffect transition="in" filter="fade">
+                                      <p:cBhvr>
+                                        <p:cTn id="7" dur="500"/>
+                                        <p:tgtEl>
+                                          <p:spTgt spid="3">
+                                            <p:txEl>
+                                              <p:pRg st="0" end="0"/>
+                                            </p:txEl>
+                                          </p:spTgt>
+                                        </p:tgtEl>
+                                      </p:cBhvr>
+                                    </p:animEffect>
+                                  </p:childTnLst>
+                                </p:cTn>
+                              </p:par>
+                            </p:childTnLst>
+                          </p:cTn>
+                        </p:par>
+                      </p:childTnLst>
+                    </p:cTn>
+                  </p:par>
+                  <p:par>
+                    <p:cTn id="8" fill="hold">
+                      <p:stCondLst>
+                        <p:cond delay="indefinite"/>
+                      </p:stCondLst>
+                      <p:childTnLst>
+                        <p:par>
+                          <p:cTn id="9" fill="hold">
+                            <p:stCondLst>
+                              <p:cond delay="0"/>
+                            </p:stCondLst>
+                            <p:childTnLst>
+                              <p:par>
+                                <p:cTn id="10" presetID="10" presetClass="entr" presetSubtype="0" fill="hold" grpId="0" nodeType="clickEffect">
+                                  <p:stCondLst>
+                                    <p:cond delay="0"/>
+                                  </p:stCondLst>
+                                  <p:childTnLst>
+                                    <p:set>
+                                      <p:cBhvr>
+                                        <p:cTn id="11" dur="1" fill="hold">
+                                          <p:stCondLst>
+                                            <p:cond delay="0"/>
+                                          </p:stCondLst>
+                                        </p:cTn>
+                                        <p:tgtEl>
+                                          <p:spTgt spid="3">
+                                            <p:txEl>
+                                              <p:pRg st="2" end="2"/>
+                                            </p:txEl>
+                                          </p:spTgt>
+                                        </p:tgtEl>
+                                        <p:attrNameLst>
+                                          <p:attrName>style.visibility</p:attrName>
+                                        </p:attrNameLst>
+                                      </p:cBhvr>
+                                      <p:to>
+                                        <p:strVal val="visible"/>
+                                      </p:to>
+                                    </p:set>
+                                    <p:animEffect transition="in" filter="fade">
+                                      <p:cBhvr>
+                                        <p:cTn id="12" dur="500"/>
+                                        <p:tgtEl>
+                                          <p:spTgt spid="3">
+                                            <p:txEl>
+                                              <p:pRg st="2" end="2"/>
+                                            </p:txEl>
+                                          </p:spTgt>
+                                        </p:tgtEl>
+                                      </p:cBhvr>
+                                    </p:animEffect>
+                                  </p:childTnLst>
+                                </p:cTn>
+                              </p:par>
+                            </p:childTnLst>
+                          </p:cTn>
+                        </p:par>
+                      </p:childTnLst>
+                    </p:cTn>
+                  </p:par>
+                  <p:par>
+                    <p:cTn id="13" fill="hold">
+                      <p:stCondLst>
+                        <p:cond delay="indefinite"/>
+                      </p:stCondLst>
+                      <p:childTnLst>
+                        <p:par>
+                          <p:cTn id="14" fill="hold">
+                            <p:stCondLst>
+                              <p:cond delay="0"/>
+                            </p:stCondLst>
+                            <p:childTnLst>
+                              <p:par>
+                                <p:cTn id="15" presetID="10" presetClass="entr" presetSubtype="0" fill="hold" grpId="0" nodeType="clickEffect">
+                                  <p:stCondLst>
+                                    <p:cond delay="0"/>
+                                  </p:stCondLst>
+                                  <p:childTnLst>
+                                    <p:set>
+                                      <p:cBhvr>
+                                        <p:cTn id="16" dur="1" fill="hold">
+                                          <p:stCondLst>
+                                            <p:cond delay="0"/>
+                                          </p:stCondLst>
+                                        </p:cTn>
+                                        <p:tgtEl>
+                                          <p:spTgt spid="3">
+                                            <p:txEl>
+                                              <p:pRg st="4" end="4"/>
+                                            </p:txEl>
+                                          </p:spTgt>
+                                        </p:tgtEl>
+                                        <p:attrNameLst>
+                                          <p:attrName>style.visibility</p:attrName>
+                                        </p:attrNameLst>
+                                      </p:cBhvr>
+                                      <p:to>
+                                        <p:strVal val="visible"/>
+                                      </p:to>
+                                    </p:set>
+                                    <p:animEffect transition="in" filter="fade">
+                                      <p:cBhvr>
+                                        <p:cTn id="17" dur="500"/>
+                                        <p:tgtEl>
+                                          <p:spTgt spid="3">
+                                            <p:txEl>
+                                              <p:pRg st="4" end="4"/>
+                                            </p:txEl>
+                                          </p:spTgt>
+                                        </p:tgtEl>
+                                      </p:cBhvr>
+                                    </p:animEffect>
+                                  </p:childTnLst>
+                                </p:cTn>
+                              </p:par>
+                            </p:childTnLst>
+                          </p:cTn>
+                        </p:par>
+                      </p:childTnLst>
+                    </p:cTn>
+                  </p:par>
+                  <p:par>
+                    <p:cTn id="18" fill="hold">
+                      <p:stCondLst>
+                        <p:cond delay="indefinite"/>
+                      </p:stCondLst>
+                      <p:childTnLst>
+                        <p:par>
+                          <p:cTn id="19" fill="hold">
+                            <p:stCondLst>
+                              <p:cond delay="0"/>
+                            </p:stCondLst>
+                            <p:childTnLst>
+                              <p:par>
+                                <p:cTn id="20" presetID="10" presetClass="entr" presetSubtype="0" fill="hold" grpId="0" nodeType="clickEffect">
+                                  <p:stCondLst>
+                                    <p:cond delay="0"/>
+                                  </p:stCondLst>
+                                  <p:childTnLst>
+                                    <p:set>
+                                      <p:cBhvr>
+                                        <p:cTn id="21" dur="1" fill="hold">
+                                          <p:stCondLst>
+                                            <p:cond delay="0"/>
+                                          </p:stCondLst>
+                                        </p:cTn>
+                                        <p:tgtEl>
+                                          <p:spTgt spid="3">
+                                            <p:txEl>
+                                              <p:pRg st="6" end="6"/>
+                                            </p:txEl>
+                                          </p:spTgt>
+                                        </p:tgtEl>
+                                        <p:attrNameLst>
+                                          <p:attrName>style.visibility</p:attrName>
+                                        </p:attrNameLst>
+                                      </p:cBhvr>
+                                      <p:to>
+                                        <p:strVal val="visible"/>
+                                      </p:to>
+                                    </p:set>
+                                    <p:animEffect transition="in" filter="fade">
+                                      <p:cBhvr>
+                                        <p:cTn id="22" dur="500"/>
+                                        <p:tgtEl>
+                                          <p:spTgt spid="3">
+                                            <p:txEl>
+                                              <p:pRg st="6" end="6"/>
+                                            </p:txEl>
+                                          </p:spTgt>
+                                        </p:tgtEl>
+                                      </p:cBhvr>
+                                    </p:animEffect>
+                                  </p:childTnLst>
+                                </p:cTn>
+                              </p:par>
+                            </p:childTnLst>
+                          </p:cTn>
+                        </p:par>
+                      </p:childTnLst>
+                    </p:cTn>
+                  </p:par>
+                  <p:par>
+                    <p:cTn id="23" fill="hold">
+                      <p:stCondLst>
+                        <p:cond delay="indefinite"/>
+                      </p:stCondLst>
+                      <p:childTnLst>
+                        <p:par>
+                          <p:cTn id="24" fill="hold">
+                            <p:stCondLst>
+                              <p:cond delay="0"/>
+                            </p:stCondLst>
+                            <p:childTnLst>
+                              <p:par>
+                                <p:cTn id="25" presetID="10" presetClass="entr" presetSubtype="0" fill="hold" grpId="0" nodeType="clickEffect">
+                                  <p:stCondLst>
+                                    <p:cond delay="0"/>
+                                  </p:stCondLst>
+                                  <p:childTnLst>
+                                    <p:set>
+                                      <p:cBhvr>
+                                        <p:cTn id="26" dur="1" fill="hold">
+                                          <p:stCondLst>
+                                            <p:cond delay="0"/>
+                                          </p:stCondLst>
+                                        </p:cTn>
+                                        <p:tgtEl>
+                                          <p:spTgt spid="3">
+                                            <p:txEl>
+                                              <p:pRg st="8" end="8"/>
+                                            </p:txEl>
+                                          </p:spTgt>
+                                        </p:tgtEl>
+                                        <p:attrNameLst>
+                                          <p:attrName>style.visibility</p:attrName>
+                                        </p:attrNameLst>
+                                      </p:cBhvr>
+                                      <p:to>
+                                        <p:strVal val="visible"/>
+                                      </p:to>
+                                    </p:set>
+                                    <p:animEffect transition="in" filter="fade">
+                                      <p:cBhvr>
+                                        <p:cTn id="27" dur="500"/>
+                                        <p:tgtEl>
+                                          <p:spTgt spid="3">
+                                            <p:txEl>
+                                              <p:pRg st="8" end="8"/>
+                                            </p:txEl>
+                                          </p:spTgt>
+                                        </p:tgtEl>
+                                      </p:cBhvr>
+                                    </p:animEffect>
+                                  </p:childTnLst>
+                                </p:cTn>
+                              </p:par>
+                            </p:childTnLst>
+                          </p:cTn>
+                        </p:par>
+                      </p:childTnLst>
+                    </p:cTn>
+                  </p:par>
+                </p:childTnLst>
+              </p:cTn>
+              <p:prevCondLst>
+                <p:cond evt="onPrev" delay="0">
+                  <p:tgtEl>
+                    <p:sldTgt/>
+                  </p:tgtEl>
+                </p:cond>
+              </p:prevCondLst>
+              <p:nextCondLst>
+                <p:cond evt="onNext" delay="0">
+                  <p:tgtEl>
+                    <p:sldTgt/>
+                  </p:tgtEl>
+                </p:cond>
+              </p:nextCondLst>
+            </p:seq>
+          </p:childTnLst>
+        </p:cTn>
+      </p:par>
+    </p:tnLst>
+    <p:bldLst>
+      <p:bldP spid="3" grpId="0" build="p"/>
+    </p:bldLst>
+  </p:timing>
 </p:sld>
 </file>
 
@@ -14778,7 +17629,7 @@
           <a:p>
             <a:r>
               <a:rPr lang="en-US" dirty="0"/>
-              <a:t>Budget</a:t>
+              <a:t>Formal pricing</a:t>
             </a:r>
           </a:p>
         </p:txBody>
@@ -14793,6 +17644,222 @@
   <p:clrMapOvr>
     <a:masterClrMapping/>
   </p:clrMapOvr>
+  <p:timing>
+    <p:tnLst>
+      <p:par>
+        <p:cTn id="1" dur="indefinite" restart="never" nodeType="tmRoot">
+          <p:childTnLst>
+            <p:seq concurrent="1" nextAc="seek">
+              <p:cTn id="2" dur="indefinite" nodeType="mainSeq">
+                <p:childTnLst>
+                  <p:par>
+                    <p:cTn id="3" fill="hold">
+                      <p:stCondLst>
+                        <p:cond delay="indefinite"/>
+                      </p:stCondLst>
+                      <p:childTnLst>
+                        <p:par>
+                          <p:cTn id="4" fill="hold">
+                            <p:stCondLst>
+                              <p:cond delay="0"/>
+                            </p:stCondLst>
+                            <p:childTnLst>
+                              <p:par>
+                                <p:cTn id="5" presetID="10" presetClass="entr" presetSubtype="0" fill="hold" grpId="0" nodeType="clickEffect">
+                                  <p:stCondLst>
+                                    <p:cond delay="0"/>
+                                  </p:stCondLst>
+                                  <p:childTnLst>
+                                    <p:set>
+                                      <p:cBhvr>
+                                        <p:cTn id="6" dur="1" fill="hold">
+                                          <p:stCondLst>
+                                            <p:cond delay="0"/>
+                                          </p:stCondLst>
+                                        </p:cTn>
+                                        <p:tgtEl>
+                                          <p:spTgt spid="3">
+                                            <p:txEl>
+                                              <p:pRg st="0" end="0"/>
+                                            </p:txEl>
+                                          </p:spTgt>
+                                        </p:tgtEl>
+                                        <p:attrNameLst>
+                                          <p:attrName>style.visibility</p:attrName>
+                                        </p:attrNameLst>
+                                      </p:cBhvr>
+                                      <p:to>
+                                        <p:strVal val="visible"/>
+                                      </p:to>
+                                    </p:set>
+                                    <p:animEffect transition="in" filter="fade">
+                                      <p:cBhvr>
+                                        <p:cTn id="7" dur="500"/>
+                                        <p:tgtEl>
+                                          <p:spTgt spid="3">
+                                            <p:txEl>
+                                              <p:pRg st="0" end="0"/>
+                                            </p:txEl>
+                                          </p:spTgt>
+                                        </p:tgtEl>
+                                      </p:cBhvr>
+                                    </p:animEffect>
+                                  </p:childTnLst>
+                                </p:cTn>
+                              </p:par>
+                            </p:childTnLst>
+                          </p:cTn>
+                        </p:par>
+                      </p:childTnLst>
+                    </p:cTn>
+                  </p:par>
+                  <p:par>
+                    <p:cTn id="8" fill="hold">
+                      <p:stCondLst>
+                        <p:cond delay="indefinite"/>
+                      </p:stCondLst>
+                      <p:childTnLst>
+                        <p:par>
+                          <p:cTn id="9" fill="hold">
+                            <p:stCondLst>
+                              <p:cond delay="0"/>
+                            </p:stCondLst>
+                            <p:childTnLst>
+                              <p:par>
+                                <p:cTn id="10" presetID="10" presetClass="entr" presetSubtype="0" fill="hold" grpId="0" nodeType="clickEffect">
+                                  <p:stCondLst>
+                                    <p:cond delay="0"/>
+                                  </p:stCondLst>
+                                  <p:childTnLst>
+                                    <p:set>
+                                      <p:cBhvr>
+                                        <p:cTn id="11" dur="1" fill="hold">
+                                          <p:stCondLst>
+                                            <p:cond delay="0"/>
+                                          </p:stCondLst>
+                                        </p:cTn>
+                                        <p:tgtEl>
+                                          <p:spTgt spid="3">
+                                            <p:txEl>
+                                              <p:pRg st="1" end="1"/>
+                                            </p:txEl>
+                                          </p:spTgt>
+                                        </p:tgtEl>
+                                        <p:attrNameLst>
+                                          <p:attrName>style.visibility</p:attrName>
+                                        </p:attrNameLst>
+                                      </p:cBhvr>
+                                      <p:to>
+                                        <p:strVal val="visible"/>
+                                      </p:to>
+                                    </p:set>
+                                    <p:animEffect transition="in" filter="fade">
+                                      <p:cBhvr>
+                                        <p:cTn id="12" dur="500"/>
+                                        <p:tgtEl>
+                                          <p:spTgt spid="3">
+                                            <p:txEl>
+                                              <p:pRg st="1" end="1"/>
+                                            </p:txEl>
+                                          </p:spTgt>
+                                        </p:tgtEl>
+                                      </p:cBhvr>
+                                    </p:animEffect>
+                                  </p:childTnLst>
+                                </p:cTn>
+                              </p:par>
+                            </p:childTnLst>
+                          </p:cTn>
+                        </p:par>
+                      </p:childTnLst>
+                    </p:cTn>
+                  </p:par>
+                  <p:par>
+                    <p:cTn id="13" fill="hold">
+                      <p:stCondLst>
+                        <p:cond delay="indefinite"/>
+                      </p:stCondLst>
+                      <p:childTnLst>
+                        <p:par>
+                          <p:cTn id="14" fill="hold">
+                            <p:stCondLst>
+                              <p:cond delay="0"/>
+                            </p:stCondLst>
+                            <p:childTnLst>
+                              <p:par>
+                                <p:cTn id="15" presetID="10" presetClass="entr" presetSubtype="0" fill="hold" grpId="0" nodeType="clickEffect">
+                                  <p:stCondLst>
+                                    <p:cond delay="0"/>
+                                  </p:stCondLst>
+                                  <p:childTnLst>
+                                    <p:set>
+                                      <p:cBhvr>
+                                        <p:cTn id="16" dur="1" fill="hold">
+                                          <p:stCondLst>
+                                            <p:cond delay="0"/>
+                                          </p:stCondLst>
+                                        </p:cTn>
+                                        <p:tgtEl>
+                                          <p:spTgt spid="3">
+                                            <p:txEl>
+                                              <p:pRg st="2" end="2"/>
+                                            </p:txEl>
+                                          </p:spTgt>
+                                        </p:tgtEl>
+                                        <p:attrNameLst>
+                                          <p:attrName>style.visibility</p:attrName>
+                                        </p:attrNameLst>
+                                      </p:cBhvr>
+                                      <p:to>
+                                        <p:strVal val="visible"/>
+                                      </p:to>
+                                    </p:set>
+                                    <p:animEffect transition="in" filter="fade">
+                                      <p:cBhvr>
+                                        <p:cTn id="17" dur="500"/>
+                                        <p:tgtEl>
+                                          <p:spTgt spid="3">
+                                            <p:txEl>
+                                              <p:pRg st="2" end="2"/>
+                                            </p:txEl>
+                                          </p:spTgt>
+                                        </p:tgtEl>
+                                      </p:cBhvr>
+                                    </p:animEffect>
+                                  </p:childTnLst>
+                                </p:cTn>
+                              </p:par>
+                            </p:childTnLst>
+                          </p:cTn>
+                        </p:par>
+                      </p:childTnLst>
+                    </p:cTn>
+                  </p:par>
+                </p:childTnLst>
+              </p:cTn>
+              <p:prevCondLst>
+                <p:cond evt="onPrev" delay="0">
+                  <p:tgtEl>
+                    <p:sldTgt/>
+                  </p:tgtEl>
+                </p:cond>
+              </p:prevCondLst>
+              <p:nextCondLst>
+                <p:cond evt="onNext" delay="0">
+                  <p:tgtEl>
+                    <p:sldTgt/>
+                  </p:tgtEl>
+                </p:cond>
+              </p:nextCondLst>
+            </p:seq>
+          </p:childTnLst>
+        </p:cTn>
+      </p:par>
+    </p:tnLst>
+    <p:bldLst>
+      <p:bldP spid="3" grpId="0" build="p"/>
+    </p:bldLst>
+  </p:timing>
 </p:sld>
 </file>
 
@@ -15043,6 +18110,1443 @@
   <p:clrMapOvr>
     <a:masterClrMapping/>
   </p:clrMapOvr>
+  <p:timing>
+    <p:tnLst>
+      <p:par>
+        <p:cTn id="1" dur="indefinite" restart="never" nodeType="tmRoot">
+          <p:childTnLst>
+            <p:seq concurrent="1" nextAc="seek">
+              <p:cTn id="2" dur="indefinite" nodeType="mainSeq">
+                <p:childTnLst>
+                  <p:par>
+                    <p:cTn id="3" fill="hold">
+                      <p:stCondLst>
+                        <p:cond delay="indefinite"/>
+                      </p:stCondLst>
+                      <p:childTnLst>
+                        <p:par>
+                          <p:cTn id="4" fill="hold">
+                            <p:stCondLst>
+                              <p:cond delay="0"/>
+                            </p:stCondLst>
+                            <p:childTnLst>
+                              <p:par>
+                                <p:cTn id="5" presetID="10" presetClass="entr" presetSubtype="0" fill="hold" grpId="0" nodeType="clickEffect">
+                                  <p:stCondLst>
+                                    <p:cond delay="0"/>
+                                  </p:stCondLst>
+                                  <p:childTnLst>
+                                    <p:set>
+                                      <p:cBhvr>
+                                        <p:cTn id="6" dur="1" fill="hold">
+                                          <p:stCondLst>
+                                            <p:cond delay="0"/>
+                                          </p:stCondLst>
+                                        </p:cTn>
+                                        <p:tgtEl>
+                                          <p:spTgt spid="3">
+                                            <p:txEl>
+                                              <p:pRg st="0" end="0"/>
+                                            </p:txEl>
+                                          </p:spTgt>
+                                        </p:tgtEl>
+                                        <p:attrNameLst>
+                                          <p:attrName>style.visibility</p:attrName>
+                                        </p:attrNameLst>
+                                      </p:cBhvr>
+                                      <p:to>
+                                        <p:strVal val="visible"/>
+                                      </p:to>
+                                    </p:set>
+                                    <p:animEffect transition="in" filter="fade">
+                                      <p:cBhvr>
+                                        <p:cTn id="7" dur="500"/>
+                                        <p:tgtEl>
+                                          <p:spTgt spid="3">
+                                            <p:txEl>
+                                              <p:pRg st="0" end="0"/>
+                                            </p:txEl>
+                                          </p:spTgt>
+                                        </p:tgtEl>
+                                      </p:cBhvr>
+                                    </p:animEffect>
+                                  </p:childTnLst>
+                                </p:cTn>
+                              </p:par>
+                            </p:childTnLst>
+                          </p:cTn>
+                        </p:par>
+                      </p:childTnLst>
+                    </p:cTn>
+                  </p:par>
+                  <p:par>
+                    <p:cTn id="8" fill="hold">
+                      <p:stCondLst>
+                        <p:cond delay="indefinite"/>
+                      </p:stCondLst>
+                      <p:childTnLst>
+                        <p:par>
+                          <p:cTn id="9" fill="hold">
+                            <p:stCondLst>
+                              <p:cond delay="0"/>
+                            </p:stCondLst>
+                            <p:childTnLst>
+                              <p:par>
+                                <p:cTn id="10" presetID="10" presetClass="entr" presetSubtype="0" fill="hold" grpId="0" nodeType="clickEffect">
+                                  <p:stCondLst>
+                                    <p:cond delay="0"/>
+                                  </p:stCondLst>
+                                  <p:childTnLst>
+                                    <p:set>
+                                      <p:cBhvr>
+                                        <p:cTn id="11" dur="1" fill="hold">
+                                          <p:stCondLst>
+                                            <p:cond delay="0"/>
+                                          </p:stCondLst>
+                                        </p:cTn>
+                                        <p:tgtEl>
+                                          <p:spTgt spid="3">
+                                            <p:txEl>
+                                              <p:pRg st="1" end="1"/>
+                                            </p:txEl>
+                                          </p:spTgt>
+                                        </p:tgtEl>
+                                        <p:attrNameLst>
+                                          <p:attrName>style.visibility</p:attrName>
+                                        </p:attrNameLst>
+                                      </p:cBhvr>
+                                      <p:to>
+                                        <p:strVal val="visible"/>
+                                      </p:to>
+                                    </p:set>
+                                    <p:animEffect transition="in" filter="fade">
+                                      <p:cBhvr>
+                                        <p:cTn id="12" dur="500"/>
+                                        <p:tgtEl>
+                                          <p:spTgt spid="3">
+                                            <p:txEl>
+                                              <p:pRg st="1" end="1"/>
+                                            </p:txEl>
+                                          </p:spTgt>
+                                        </p:tgtEl>
+                                      </p:cBhvr>
+                                    </p:animEffect>
+                                  </p:childTnLst>
+                                </p:cTn>
+                              </p:par>
+                            </p:childTnLst>
+                          </p:cTn>
+                        </p:par>
+                      </p:childTnLst>
+                    </p:cTn>
+                  </p:par>
+                  <p:par>
+                    <p:cTn id="13" fill="hold">
+                      <p:stCondLst>
+                        <p:cond delay="indefinite"/>
+                      </p:stCondLst>
+                      <p:childTnLst>
+                        <p:par>
+                          <p:cTn id="14" fill="hold">
+                            <p:stCondLst>
+                              <p:cond delay="0"/>
+                            </p:stCondLst>
+                            <p:childTnLst>
+                              <p:par>
+                                <p:cTn id="15" presetID="10" presetClass="entr" presetSubtype="0" fill="hold" grpId="0" nodeType="clickEffect">
+                                  <p:stCondLst>
+                                    <p:cond delay="0"/>
+                                  </p:stCondLst>
+                                  <p:childTnLst>
+                                    <p:set>
+                                      <p:cBhvr>
+                                        <p:cTn id="16" dur="1" fill="hold">
+                                          <p:stCondLst>
+                                            <p:cond delay="0"/>
+                                          </p:stCondLst>
+                                        </p:cTn>
+                                        <p:tgtEl>
+                                          <p:spTgt spid="3">
+                                            <p:txEl>
+                                              <p:pRg st="2" end="2"/>
+                                            </p:txEl>
+                                          </p:spTgt>
+                                        </p:tgtEl>
+                                        <p:attrNameLst>
+                                          <p:attrName>style.visibility</p:attrName>
+                                        </p:attrNameLst>
+                                      </p:cBhvr>
+                                      <p:to>
+                                        <p:strVal val="visible"/>
+                                      </p:to>
+                                    </p:set>
+                                    <p:animEffect transition="in" filter="fade">
+                                      <p:cBhvr>
+                                        <p:cTn id="17" dur="500"/>
+                                        <p:tgtEl>
+                                          <p:spTgt spid="3">
+                                            <p:txEl>
+                                              <p:pRg st="2" end="2"/>
+                                            </p:txEl>
+                                          </p:spTgt>
+                                        </p:tgtEl>
+                                      </p:cBhvr>
+                                    </p:animEffect>
+                                  </p:childTnLst>
+                                </p:cTn>
+                              </p:par>
+                            </p:childTnLst>
+                          </p:cTn>
+                        </p:par>
+                      </p:childTnLst>
+                    </p:cTn>
+                  </p:par>
+                  <p:par>
+                    <p:cTn id="18" fill="hold">
+                      <p:stCondLst>
+                        <p:cond delay="indefinite"/>
+                      </p:stCondLst>
+                      <p:childTnLst>
+                        <p:par>
+                          <p:cTn id="19" fill="hold">
+                            <p:stCondLst>
+                              <p:cond delay="0"/>
+                            </p:stCondLst>
+                            <p:childTnLst>
+                              <p:par>
+                                <p:cTn id="20" presetID="10" presetClass="entr" presetSubtype="0" fill="hold" grpId="0" nodeType="clickEffect">
+                                  <p:stCondLst>
+                                    <p:cond delay="0"/>
+                                  </p:stCondLst>
+                                  <p:childTnLst>
+                                    <p:set>
+                                      <p:cBhvr>
+                                        <p:cTn id="21" dur="1" fill="hold">
+                                          <p:stCondLst>
+                                            <p:cond delay="0"/>
+                                          </p:stCondLst>
+                                        </p:cTn>
+                                        <p:tgtEl>
+                                          <p:spTgt spid="3">
+                                            <p:txEl>
+                                              <p:pRg st="3" end="3"/>
+                                            </p:txEl>
+                                          </p:spTgt>
+                                        </p:tgtEl>
+                                        <p:attrNameLst>
+                                          <p:attrName>style.visibility</p:attrName>
+                                        </p:attrNameLst>
+                                      </p:cBhvr>
+                                      <p:to>
+                                        <p:strVal val="visible"/>
+                                      </p:to>
+                                    </p:set>
+                                    <p:animEffect transition="in" filter="fade">
+                                      <p:cBhvr>
+                                        <p:cTn id="22" dur="500"/>
+                                        <p:tgtEl>
+                                          <p:spTgt spid="3">
+                                            <p:txEl>
+                                              <p:pRg st="3" end="3"/>
+                                            </p:txEl>
+                                          </p:spTgt>
+                                        </p:tgtEl>
+                                      </p:cBhvr>
+                                    </p:animEffect>
+                                  </p:childTnLst>
+                                </p:cTn>
+                              </p:par>
+                            </p:childTnLst>
+                          </p:cTn>
+                        </p:par>
+                      </p:childTnLst>
+                    </p:cTn>
+                  </p:par>
+                  <p:par>
+                    <p:cTn id="23" fill="hold">
+                      <p:stCondLst>
+                        <p:cond delay="indefinite"/>
+                      </p:stCondLst>
+                      <p:childTnLst>
+                        <p:par>
+                          <p:cTn id="24" fill="hold">
+                            <p:stCondLst>
+                              <p:cond delay="0"/>
+                            </p:stCondLst>
+                            <p:childTnLst>
+                              <p:par>
+                                <p:cTn id="25" presetID="10" presetClass="entr" presetSubtype="0" fill="hold" grpId="0" nodeType="clickEffect">
+                                  <p:stCondLst>
+                                    <p:cond delay="0"/>
+                                  </p:stCondLst>
+                                  <p:childTnLst>
+                                    <p:set>
+                                      <p:cBhvr>
+                                        <p:cTn id="26" dur="1" fill="hold">
+                                          <p:stCondLst>
+                                            <p:cond delay="0"/>
+                                          </p:stCondLst>
+                                        </p:cTn>
+                                        <p:tgtEl>
+                                          <p:spTgt spid="3">
+                                            <p:txEl>
+                                              <p:pRg st="4" end="4"/>
+                                            </p:txEl>
+                                          </p:spTgt>
+                                        </p:tgtEl>
+                                        <p:attrNameLst>
+                                          <p:attrName>style.visibility</p:attrName>
+                                        </p:attrNameLst>
+                                      </p:cBhvr>
+                                      <p:to>
+                                        <p:strVal val="visible"/>
+                                      </p:to>
+                                    </p:set>
+                                    <p:animEffect transition="in" filter="fade">
+                                      <p:cBhvr>
+                                        <p:cTn id="27" dur="500"/>
+                                        <p:tgtEl>
+                                          <p:spTgt spid="3">
+                                            <p:txEl>
+                                              <p:pRg st="4" end="4"/>
+                                            </p:txEl>
+                                          </p:spTgt>
+                                        </p:tgtEl>
+                                      </p:cBhvr>
+                                    </p:animEffect>
+                                  </p:childTnLst>
+                                </p:cTn>
+                              </p:par>
+                            </p:childTnLst>
+                          </p:cTn>
+                        </p:par>
+                      </p:childTnLst>
+                    </p:cTn>
+                  </p:par>
+                  <p:par>
+                    <p:cTn id="28" fill="hold">
+                      <p:stCondLst>
+                        <p:cond delay="indefinite"/>
+                      </p:stCondLst>
+                      <p:childTnLst>
+                        <p:par>
+                          <p:cTn id="29" fill="hold">
+                            <p:stCondLst>
+                              <p:cond delay="0"/>
+                            </p:stCondLst>
+                            <p:childTnLst>
+                              <p:par>
+                                <p:cTn id="30" presetID="10" presetClass="entr" presetSubtype="0" fill="hold" grpId="0" nodeType="clickEffect">
+                                  <p:stCondLst>
+                                    <p:cond delay="0"/>
+                                  </p:stCondLst>
+                                  <p:childTnLst>
+                                    <p:set>
+                                      <p:cBhvr>
+                                        <p:cTn id="31" dur="1" fill="hold">
+                                          <p:stCondLst>
+                                            <p:cond delay="0"/>
+                                          </p:stCondLst>
+                                        </p:cTn>
+                                        <p:tgtEl>
+                                          <p:spTgt spid="3">
+                                            <p:txEl>
+                                              <p:pRg st="5" end="5"/>
+                                            </p:txEl>
+                                          </p:spTgt>
+                                        </p:tgtEl>
+                                        <p:attrNameLst>
+                                          <p:attrName>style.visibility</p:attrName>
+                                        </p:attrNameLst>
+                                      </p:cBhvr>
+                                      <p:to>
+                                        <p:strVal val="visible"/>
+                                      </p:to>
+                                    </p:set>
+                                    <p:animEffect transition="in" filter="fade">
+                                      <p:cBhvr>
+                                        <p:cTn id="32" dur="500"/>
+                                        <p:tgtEl>
+                                          <p:spTgt spid="3">
+                                            <p:txEl>
+                                              <p:pRg st="5" end="5"/>
+                                            </p:txEl>
+                                          </p:spTgt>
+                                        </p:tgtEl>
+                                      </p:cBhvr>
+                                    </p:animEffect>
+                                  </p:childTnLst>
+                                </p:cTn>
+                              </p:par>
+                            </p:childTnLst>
+                          </p:cTn>
+                        </p:par>
+                      </p:childTnLst>
+                    </p:cTn>
+                  </p:par>
+                  <p:par>
+                    <p:cTn id="33" fill="hold">
+                      <p:stCondLst>
+                        <p:cond delay="indefinite"/>
+                      </p:stCondLst>
+                      <p:childTnLst>
+                        <p:par>
+                          <p:cTn id="34" fill="hold">
+                            <p:stCondLst>
+                              <p:cond delay="0"/>
+                            </p:stCondLst>
+                            <p:childTnLst>
+                              <p:par>
+                                <p:cTn id="35" presetID="10" presetClass="entr" presetSubtype="0" fill="hold" grpId="0" nodeType="clickEffect">
+                                  <p:stCondLst>
+                                    <p:cond delay="0"/>
+                                  </p:stCondLst>
+                                  <p:childTnLst>
+                                    <p:set>
+                                      <p:cBhvr>
+                                        <p:cTn id="36" dur="1" fill="hold">
+                                          <p:stCondLst>
+                                            <p:cond delay="0"/>
+                                          </p:stCondLst>
+                                        </p:cTn>
+                                        <p:tgtEl>
+                                          <p:spTgt spid="3">
+                                            <p:txEl>
+                                              <p:pRg st="6" end="6"/>
+                                            </p:txEl>
+                                          </p:spTgt>
+                                        </p:tgtEl>
+                                        <p:attrNameLst>
+                                          <p:attrName>style.visibility</p:attrName>
+                                        </p:attrNameLst>
+                                      </p:cBhvr>
+                                      <p:to>
+                                        <p:strVal val="visible"/>
+                                      </p:to>
+                                    </p:set>
+                                    <p:animEffect transition="in" filter="fade">
+                                      <p:cBhvr>
+                                        <p:cTn id="37" dur="500"/>
+                                        <p:tgtEl>
+                                          <p:spTgt spid="3">
+                                            <p:txEl>
+                                              <p:pRg st="6" end="6"/>
+                                            </p:txEl>
+                                          </p:spTgt>
+                                        </p:tgtEl>
+                                      </p:cBhvr>
+                                    </p:animEffect>
+                                  </p:childTnLst>
+                                </p:cTn>
+                              </p:par>
+                            </p:childTnLst>
+                          </p:cTn>
+                        </p:par>
+                      </p:childTnLst>
+                    </p:cTn>
+                  </p:par>
+                  <p:par>
+                    <p:cTn id="38" fill="hold">
+                      <p:stCondLst>
+                        <p:cond delay="indefinite"/>
+                      </p:stCondLst>
+                      <p:childTnLst>
+                        <p:par>
+                          <p:cTn id="39" fill="hold">
+                            <p:stCondLst>
+                              <p:cond delay="0"/>
+                            </p:stCondLst>
+                            <p:childTnLst>
+                              <p:par>
+                                <p:cTn id="40" presetID="10" presetClass="entr" presetSubtype="0" fill="hold" grpId="0" nodeType="clickEffect">
+                                  <p:stCondLst>
+                                    <p:cond delay="0"/>
+                                  </p:stCondLst>
+                                  <p:childTnLst>
+                                    <p:set>
+                                      <p:cBhvr>
+                                        <p:cTn id="41" dur="1" fill="hold">
+                                          <p:stCondLst>
+                                            <p:cond delay="0"/>
+                                          </p:stCondLst>
+                                        </p:cTn>
+                                        <p:tgtEl>
+                                          <p:spTgt spid="3">
+                                            <p:txEl>
+                                              <p:pRg st="7" end="7"/>
+                                            </p:txEl>
+                                          </p:spTgt>
+                                        </p:tgtEl>
+                                        <p:attrNameLst>
+                                          <p:attrName>style.visibility</p:attrName>
+                                        </p:attrNameLst>
+                                      </p:cBhvr>
+                                      <p:to>
+                                        <p:strVal val="visible"/>
+                                      </p:to>
+                                    </p:set>
+                                    <p:animEffect transition="in" filter="fade">
+                                      <p:cBhvr>
+                                        <p:cTn id="42" dur="500"/>
+                                        <p:tgtEl>
+                                          <p:spTgt spid="3">
+                                            <p:txEl>
+                                              <p:pRg st="7" end="7"/>
+                                            </p:txEl>
+                                          </p:spTgt>
+                                        </p:tgtEl>
+                                      </p:cBhvr>
+                                    </p:animEffect>
+                                  </p:childTnLst>
+                                </p:cTn>
+                              </p:par>
+                            </p:childTnLst>
+                          </p:cTn>
+                        </p:par>
+                      </p:childTnLst>
+                    </p:cTn>
+                  </p:par>
+                  <p:par>
+                    <p:cTn id="43" fill="hold">
+                      <p:stCondLst>
+                        <p:cond delay="indefinite"/>
+                      </p:stCondLst>
+                      <p:childTnLst>
+                        <p:par>
+                          <p:cTn id="44" fill="hold">
+                            <p:stCondLst>
+                              <p:cond delay="0"/>
+                            </p:stCondLst>
+                            <p:childTnLst>
+                              <p:par>
+                                <p:cTn id="45" presetID="10" presetClass="entr" presetSubtype="0" fill="hold" grpId="0" nodeType="clickEffect">
+                                  <p:stCondLst>
+                                    <p:cond delay="0"/>
+                                  </p:stCondLst>
+                                  <p:childTnLst>
+                                    <p:set>
+                                      <p:cBhvr>
+                                        <p:cTn id="46" dur="1" fill="hold">
+                                          <p:stCondLst>
+                                            <p:cond delay="0"/>
+                                          </p:stCondLst>
+                                        </p:cTn>
+                                        <p:tgtEl>
+                                          <p:spTgt spid="3">
+                                            <p:txEl>
+                                              <p:pRg st="8" end="8"/>
+                                            </p:txEl>
+                                          </p:spTgt>
+                                        </p:tgtEl>
+                                        <p:attrNameLst>
+                                          <p:attrName>style.visibility</p:attrName>
+                                        </p:attrNameLst>
+                                      </p:cBhvr>
+                                      <p:to>
+                                        <p:strVal val="visible"/>
+                                      </p:to>
+                                    </p:set>
+                                    <p:animEffect transition="in" filter="fade">
+                                      <p:cBhvr>
+                                        <p:cTn id="47" dur="500"/>
+                                        <p:tgtEl>
+                                          <p:spTgt spid="3">
+                                            <p:txEl>
+                                              <p:pRg st="8" end="8"/>
+                                            </p:txEl>
+                                          </p:spTgt>
+                                        </p:tgtEl>
+                                      </p:cBhvr>
+                                    </p:animEffect>
+                                  </p:childTnLst>
+                                </p:cTn>
+                              </p:par>
+                            </p:childTnLst>
+                          </p:cTn>
+                        </p:par>
+                      </p:childTnLst>
+                    </p:cTn>
+                  </p:par>
+                  <p:par>
+                    <p:cTn id="48" fill="hold">
+                      <p:stCondLst>
+                        <p:cond delay="indefinite"/>
+                      </p:stCondLst>
+                      <p:childTnLst>
+                        <p:par>
+                          <p:cTn id="49" fill="hold">
+                            <p:stCondLst>
+                              <p:cond delay="0"/>
+                            </p:stCondLst>
+                            <p:childTnLst>
+                              <p:par>
+                                <p:cTn id="50" presetID="10" presetClass="entr" presetSubtype="0" fill="hold" grpId="0" nodeType="clickEffect">
+                                  <p:stCondLst>
+                                    <p:cond delay="0"/>
+                                  </p:stCondLst>
+                                  <p:childTnLst>
+                                    <p:set>
+                                      <p:cBhvr>
+                                        <p:cTn id="51" dur="1" fill="hold">
+                                          <p:stCondLst>
+                                            <p:cond delay="0"/>
+                                          </p:stCondLst>
+                                        </p:cTn>
+                                        <p:tgtEl>
+                                          <p:spTgt spid="3">
+                                            <p:txEl>
+                                              <p:pRg st="9" end="9"/>
+                                            </p:txEl>
+                                          </p:spTgt>
+                                        </p:tgtEl>
+                                        <p:attrNameLst>
+                                          <p:attrName>style.visibility</p:attrName>
+                                        </p:attrNameLst>
+                                      </p:cBhvr>
+                                      <p:to>
+                                        <p:strVal val="visible"/>
+                                      </p:to>
+                                    </p:set>
+                                    <p:animEffect transition="in" filter="fade">
+                                      <p:cBhvr>
+                                        <p:cTn id="52" dur="500"/>
+                                        <p:tgtEl>
+                                          <p:spTgt spid="3">
+                                            <p:txEl>
+                                              <p:pRg st="9" end="9"/>
+                                            </p:txEl>
+                                          </p:spTgt>
+                                        </p:tgtEl>
+                                      </p:cBhvr>
+                                    </p:animEffect>
+                                  </p:childTnLst>
+                                </p:cTn>
+                              </p:par>
+                            </p:childTnLst>
+                          </p:cTn>
+                        </p:par>
+                      </p:childTnLst>
+                    </p:cTn>
+                  </p:par>
+                  <p:par>
+                    <p:cTn id="53" fill="hold">
+                      <p:stCondLst>
+                        <p:cond delay="indefinite"/>
+                      </p:stCondLst>
+                      <p:childTnLst>
+                        <p:par>
+                          <p:cTn id="54" fill="hold">
+                            <p:stCondLst>
+                              <p:cond delay="0"/>
+                            </p:stCondLst>
+                            <p:childTnLst>
+                              <p:par>
+                                <p:cTn id="55" presetID="10" presetClass="entr" presetSubtype="0" fill="hold" grpId="0" nodeType="clickEffect">
+                                  <p:stCondLst>
+                                    <p:cond delay="0"/>
+                                  </p:stCondLst>
+                                  <p:childTnLst>
+                                    <p:set>
+                                      <p:cBhvr>
+                                        <p:cTn id="56" dur="1" fill="hold">
+                                          <p:stCondLst>
+                                            <p:cond delay="0"/>
+                                          </p:stCondLst>
+                                        </p:cTn>
+                                        <p:tgtEl>
+                                          <p:spTgt spid="3">
+                                            <p:txEl>
+                                              <p:pRg st="10" end="10"/>
+                                            </p:txEl>
+                                          </p:spTgt>
+                                        </p:tgtEl>
+                                        <p:attrNameLst>
+                                          <p:attrName>style.visibility</p:attrName>
+                                        </p:attrNameLst>
+                                      </p:cBhvr>
+                                      <p:to>
+                                        <p:strVal val="visible"/>
+                                      </p:to>
+                                    </p:set>
+                                    <p:animEffect transition="in" filter="fade">
+                                      <p:cBhvr>
+                                        <p:cTn id="57" dur="500"/>
+                                        <p:tgtEl>
+                                          <p:spTgt spid="3">
+                                            <p:txEl>
+                                              <p:pRg st="10" end="10"/>
+                                            </p:txEl>
+                                          </p:spTgt>
+                                        </p:tgtEl>
+                                      </p:cBhvr>
+                                    </p:animEffect>
+                                  </p:childTnLst>
+                                </p:cTn>
+                              </p:par>
+                            </p:childTnLst>
+                          </p:cTn>
+                        </p:par>
+                      </p:childTnLst>
+                    </p:cTn>
+                  </p:par>
+                  <p:par>
+                    <p:cTn id="58" fill="hold">
+                      <p:stCondLst>
+                        <p:cond delay="indefinite"/>
+                      </p:stCondLst>
+                      <p:childTnLst>
+                        <p:par>
+                          <p:cTn id="59" fill="hold">
+                            <p:stCondLst>
+                              <p:cond delay="0"/>
+                            </p:stCondLst>
+                            <p:childTnLst>
+                              <p:par>
+                                <p:cTn id="60" presetID="10" presetClass="entr" presetSubtype="0" fill="hold" grpId="0" nodeType="clickEffect">
+                                  <p:stCondLst>
+                                    <p:cond delay="0"/>
+                                  </p:stCondLst>
+                                  <p:childTnLst>
+                                    <p:set>
+                                      <p:cBhvr>
+                                        <p:cTn id="61" dur="1" fill="hold">
+                                          <p:stCondLst>
+                                            <p:cond delay="0"/>
+                                          </p:stCondLst>
+                                        </p:cTn>
+                                        <p:tgtEl>
+                                          <p:spTgt spid="3">
+                                            <p:txEl>
+                                              <p:pRg st="11" end="11"/>
+                                            </p:txEl>
+                                          </p:spTgt>
+                                        </p:tgtEl>
+                                        <p:attrNameLst>
+                                          <p:attrName>style.visibility</p:attrName>
+                                        </p:attrNameLst>
+                                      </p:cBhvr>
+                                      <p:to>
+                                        <p:strVal val="visible"/>
+                                      </p:to>
+                                    </p:set>
+                                    <p:animEffect transition="in" filter="fade">
+                                      <p:cBhvr>
+                                        <p:cTn id="62" dur="500"/>
+                                        <p:tgtEl>
+                                          <p:spTgt spid="3">
+                                            <p:txEl>
+                                              <p:pRg st="11" end="11"/>
+                                            </p:txEl>
+                                          </p:spTgt>
+                                        </p:tgtEl>
+                                      </p:cBhvr>
+                                    </p:animEffect>
+                                  </p:childTnLst>
+                                </p:cTn>
+                              </p:par>
+                            </p:childTnLst>
+                          </p:cTn>
+                        </p:par>
+                      </p:childTnLst>
+                    </p:cTn>
+                  </p:par>
+                  <p:par>
+                    <p:cTn id="63" fill="hold">
+                      <p:stCondLst>
+                        <p:cond delay="indefinite"/>
+                      </p:stCondLst>
+                      <p:childTnLst>
+                        <p:par>
+                          <p:cTn id="64" fill="hold">
+                            <p:stCondLst>
+                              <p:cond delay="0"/>
+                            </p:stCondLst>
+                            <p:childTnLst>
+                              <p:par>
+                                <p:cTn id="65" presetID="10" presetClass="entr" presetSubtype="0" fill="hold" grpId="0" nodeType="clickEffect">
+                                  <p:stCondLst>
+                                    <p:cond delay="0"/>
+                                  </p:stCondLst>
+                                  <p:childTnLst>
+                                    <p:set>
+                                      <p:cBhvr>
+                                        <p:cTn id="66" dur="1" fill="hold">
+                                          <p:stCondLst>
+                                            <p:cond delay="0"/>
+                                          </p:stCondLst>
+                                        </p:cTn>
+                                        <p:tgtEl>
+                                          <p:spTgt spid="3">
+                                            <p:txEl>
+                                              <p:pRg st="12" end="12"/>
+                                            </p:txEl>
+                                          </p:spTgt>
+                                        </p:tgtEl>
+                                        <p:attrNameLst>
+                                          <p:attrName>style.visibility</p:attrName>
+                                        </p:attrNameLst>
+                                      </p:cBhvr>
+                                      <p:to>
+                                        <p:strVal val="visible"/>
+                                      </p:to>
+                                    </p:set>
+                                    <p:animEffect transition="in" filter="fade">
+                                      <p:cBhvr>
+                                        <p:cTn id="67" dur="500"/>
+                                        <p:tgtEl>
+                                          <p:spTgt spid="3">
+                                            <p:txEl>
+                                              <p:pRg st="12" end="12"/>
+                                            </p:txEl>
+                                          </p:spTgt>
+                                        </p:tgtEl>
+                                      </p:cBhvr>
+                                    </p:animEffect>
+                                  </p:childTnLst>
+                                </p:cTn>
+                              </p:par>
+                            </p:childTnLst>
+                          </p:cTn>
+                        </p:par>
+                      </p:childTnLst>
+                    </p:cTn>
+                  </p:par>
+                  <p:par>
+                    <p:cTn id="68" fill="hold">
+                      <p:stCondLst>
+                        <p:cond delay="indefinite"/>
+                      </p:stCondLst>
+                      <p:childTnLst>
+                        <p:par>
+                          <p:cTn id="69" fill="hold">
+                            <p:stCondLst>
+                              <p:cond delay="0"/>
+                            </p:stCondLst>
+                            <p:childTnLst>
+                              <p:par>
+                                <p:cTn id="70" presetID="10" presetClass="entr" presetSubtype="0" fill="hold" grpId="0" nodeType="clickEffect">
+                                  <p:stCondLst>
+                                    <p:cond delay="0"/>
+                                  </p:stCondLst>
+                                  <p:childTnLst>
+                                    <p:set>
+                                      <p:cBhvr>
+                                        <p:cTn id="71" dur="1" fill="hold">
+                                          <p:stCondLst>
+                                            <p:cond delay="0"/>
+                                          </p:stCondLst>
+                                        </p:cTn>
+                                        <p:tgtEl>
+                                          <p:spTgt spid="3">
+                                            <p:txEl>
+                                              <p:pRg st="13" end="13"/>
+                                            </p:txEl>
+                                          </p:spTgt>
+                                        </p:tgtEl>
+                                        <p:attrNameLst>
+                                          <p:attrName>style.visibility</p:attrName>
+                                        </p:attrNameLst>
+                                      </p:cBhvr>
+                                      <p:to>
+                                        <p:strVal val="visible"/>
+                                      </p:to>
+                                    </p:set>
+                                    <p:animEffect transition="in" filter="fade">
+                                      <p:cBhvr>
+                                        <p:cTn id="72" dur="500"/>
+                                        <p:tgtEl>
+                                          <p:spTgt spid="3">
+                                            <p:txEl>
+                                              <p:pRg st="13" end="13"/>
+                                            </p:txEl>
+                                          </p:spTgt>
+                                        </p:tgtEl>
+                                      </p:cBhvr>
+                                    </p:animEffect>
+                                  </p:childTnLst>
+                                </p:cTn>
+                              </p:par>
+                            </p:childTnLst>
+                          </p:cTn>
+                        </p:par>
+                      </p:childTnLst>
+                    </p:cTn>
+                  </p:par>
+                  <p:par>
+                    <p:cTn id="73" fill="hold">
+                      <p:stCondLst>
+                        <p:cond delay="indefinite"/>
+                      </p:stCondLst>
+                      <p:childTnLst>
+                        <p:par>
+                          <p:cTn id="74" fill="hold">
+                            <p:stCondLst>
+                              <p:cond delay="0"/>
+                            </p:stCondLst>
+                            <p:childTnLst>
+                              <p:par>
+                                <p:cTn id="75" presetID="10" presetClass="entr" presetSubtype="0" fill="hold" grpId="0" nodeType="clickEffect">
+                                  <p:stCondLst>
+                                    <p:cond delay="0"/>
+                                  </p:stCondLst>
+                                  <p:childTnLst>
+                                    <p:set>
+                                      <p:cBhvr>
+                                        <p:cTn id="76" dur="1" fill="hold">
+                                          <p:stCondLst>
+                                            <p:cond delay="0"/>
+                                          </p:stCondLst>
+                                        </p:cTn>
+                                        <p:tgtEl>
+                                          <p:spTgt spid="4">
+                                            <p:txEl>
+                                              <p:pRg st="0" end="0"/>
+                                            </p:txEl>
+                                          </p:spTgt>
+                                        </p:tgtEl>
+                                        <p:attrNameLst>
+                                          <p:attrName>style.visibility</p:attrName>
+                                        </p:attrNameLst>
+                                      </p:cBhvr>
+                                      <p:to>
+                                        <p:strVal val="visible"/>
+                                      </p:to>
+                                    </p:set>
+                                    <p:animEffect transition="in" filter="fade">
+                                      <p:cBhvr>
+                                        <p:cTn id="77" dur="500"/>
+                                        <p:tgtEl>
+                                          <p:spTgt spid="4">
+                                            <p:txEl>
+                                              <p:pRg st="0" end="0"/>
+                                            </p:txEl>
+                                          </p:spTgt>
+                                        </p:tgtEl>
+                                      </p:cBhvr>
+                                    </p:animEffect>
+                                  </p:childTnLst>
+                                </p:cTn>
+                              </p:par>
+                            </p:childTnLst>
+                          </p:cTn>
+                        </p:par>
+                      </p:childTnLst>
+                    </p:cTn>
+                  </p:par>
+                  <p:par>
+                    <p:cTn id="78" fill="hold">
+                      <p:stCondLst>
+                        <p:cond delay="indefinite"/>
+                      </p:stCondLst>
+                      <p:childTnLst>
+                        <p:par>
+                          <p:cTn id="79" fill="hold">
+                            <p:stCondLst>
+                              <p:cond delay="0"/>
+                            </p:stCondLst>
+                            <p:childTnLst>
+                              <p:par>
+                                <p:cTn id="80" presetID="10" presetClass="entr" presetSubtype="0" fill="hold" grpId="0" nodeType="clickEffect">
+                                  <p:stCondLst>
+                                    <p:cond delay="0"/>
+                                  </p:stCondLst>
+                                  <p:childTnLst>
+                                    <p:set>
+                                      <p:cBhvr>
+                                        <p:cTn id="81" dur="1" fill="hold">
+                                          <p:stCondLst>
+                                            <p:cond delay="0"/>
+                                          </p:stCondLst>
+                                        </p:cTn>
+                                        <p:tgtEl>
+                                          <p:spTgt spid="4">
+                                            <p:txEl>
+                                              <p:pRg st="1" end="1"/>
+                                            </p:txEl>
+                                          </p:spTgt>
+                                        </p:tgtEl>
+                                        <p:attrNameLst>
+                                          <p:attrName>style.visibility</p:attrName>
+                                        </p:attrNameLst>
+                                      </p:cBhvr>
+                                      <p:to>
+                                        <p:strVal val="visible"/>
+                                      </p:to>
+                                    </p:set>
+                                    <p:animEffect transition="in" filter="fade">
+                                      <p:cBhvr>
+                                        <p:cTn id="82" dur="500"/>
+                                        <p:tgtEl>
+                                          <p:spTgt spid="4">
+                                            <p:txEl>
+                                              <p:pRg st="1" end="1"/>
+                                            </p:txEl>
+                                          </p:spTgt>
+                                        </p:tgtEl>
+                                      </p:cBhvr>
+                                    </p:animEffect>
+                                  </p:childTnLst>
+                                </p:cTn>
+                              </p:par>
+                            </p:childTnLst>
+                          </p:cTn>
+                        </p:par>
+                      </p:childTnLst>
+                    </p:cTn>
+                  </p:par>
+                  <p:par>
+                    <p:cTn id="83" fill="hold">
+                      <p:stCondLst>
+                        <p:cond delay="indefinite"/>
+                      </p:stCondLst>
+                      <p:childTnLst>
+                        <p:par>
+                          <p:cTn id="84" fill="hold">
+                            <p:stCondLst>
+                              <p:cond delay="0"/>
+                            </p:stCondLst>
+                            <p:childTnLst>
+                              <p:par>
+                                <p:cTn id="85" presetID="10" presetClass="entr" presetSubtype="0" fill="hold" grpId="0" nodeType="clickEffect">
+                                  <p:stCondLst>
+                                    <p:cond delay="0"/>
+                                  </p:stCondLst>
+                                  <p:childTnLst>
+                                    <p:set>
+                                      <p:cBhvr>
+                                        <p:cTn id="86" dur="1" fill="hold">
+                                          <p:stCondLst>
+                                            <p:cond delay="0"/>
+                                          </p:stCondLst>
+                                        </p:cTn>
+                                        <p:tgtEl>
+                                          <p:spTgt spid="4">
+                                            <p:txEl>
+                                              <p:pRg st="2" end="2"/>
+                                            </p:txEl>
+                                          </p:spTgt>
+                                        </p:tgtEl>
+                                        <p:attrNameLst>
+                                          <p:attrName>style.visibility</p:attrName>
+                                        </p:attrNameLst>
+                                      </p:cBhvr>
+                                      <p:to>
+                                        <p:strVal val="visible"/>
+                                      </p:to>
+                                    </p:set>
+                                    <p:animEffect transition="in" filter="fade">
+                                      <p:cBhvr>
+                                        <p:cTn id="87" dur="500"/>
+                                        <p:tgtEl>
+                                          <p:spTgt spid="4">
+                                            <p:txEl>
+                                              <p:pRg st="2" end="2"/>
+                                            </p:txEl>
+                                          </p:spTgt>
+                                        </p:tgtEl>
+                                      </p:cBhvr>
+                                    </p:animEffect>
+                                  </p:childTnLst>
+                                </p:cTn>
+                              </p:par>
+                            </p:childTnLst>
+                          </p:cTn>
+                        </p:par>
+                      </p:childTnLst>
+                    </p:cTn>
+                  </p:par>
+                  <p:par>
+                    <p:cTn id="88" fill="hold">
+                      <p:stCondLst>
+                        <p:cond delay="indefinite"/>
+                      </p:stCondLst>
+                      <p:childTnLst>
+                        <p:par>
+                          <p:cTn id="89" fill="hold">
+                            <p:stCondLst>
+                              <p:cond delay="0"/>
+                            </p:stCondLst>
+                            <p:childTnLst>
+                              <p:par>
+                                <p:cTn id="90" presetID="10" presetClass="entr" presetSubtype="0" fill="hold" grpId="0" nodeType="clickEffect">
+                                  <p:stCondLst>
+                                    <p:cond delay="0"/>
+                                  </p:stCondLst>
+                                  <p:childTnLst>
+                                    <p:set>
+                                      <p:cBhvr>
+                                        <p:cTn id="91" dur="1" fill="hold">
+                                          <p:stCondLst>
+                                            <p:cond delay="0"/>
+                                          </p:stCondLst>
+                                        </p:cTn>
+                                        <p:tgtEl>
+                                          <p:spTgt spid="4">
+                                            <p:txEl>
+                                              <p:pRg st="3" end="3"/>
+                                            </p:txEl>
+                                          </p:spTgt>
+                                        </p:tgtEl>
+                                        <p:attrNameLst>
+                                          <p:attrName>style.visibility</p:attrName>
+                                        </p:attrNameLst>
+                                      </p:cBhvr>
+                                      <p:to>
+                                        <p:strVal val="visible"/>
+                                      </p:to>
+                                    </p:set>
+                                    <p:animEffect transition="in" filter="fade">
+                                      <p:cBhvr>
+                                        <p:cTn id="92" dur="500"/>
+                                        <p:tgtEl>
+                                          <p:spTgt spid="4">
+                                            <p:txEl>
+                                              <p:pRg st="3" end="3"/>
+                                            </p:txEl>
+                                          </p:spTgt>
+                                        </p:tgtEl>
+                                      </p:cBhvr>
+                                    </p:animEffect>
+                                  </p:childTnLst>
+                                </p:cTn>
+                              </p:par>
+                            </p:childTnLst>
+                          </p:cTn>
+                        </p:par>
+                      </p:childTnLst>
+                    </p:cTn>
+                  </p:par>
+                  <p:par>
+                    <p:cTn id="93" fill="hold">
+                      <p:stCondLst>
+                        <p:cond delay="indefinite"/>
+                      </p:stCondLst>
+                      <p:childTnLst>
+                        <p:par>
+                          <p:cTn id="94" fill="hold">
+                            <p:stCondLst>
+                              <p:cond delay="0"/>
+                            </p:stCondLst>
+                            <p:childTnLst>
+                              <p:par>
+                                <p:cTn id="95" presetID="10" presetClass="entr" presetSubtype="0" fill="hold" grpId="0" nodeType="clickEffect">
+                                  <p:stCondLst>
+                                    <p:cond delay="0"/>
+                                  </p:stCondLst>
+                                  <p:childTnLst>
+                                    <p:set>
+                                      <p:cBhvr>
+                                        <p:cTn id="96" dur="1" fill="hold">
+                                          <p:stCondLst>
+                                            <p:cond delay="0"/>
+                                          </p:stCondLst>
+                                        </p:cTn>
+                                        <p:tgtEl>
+                                          <p:spTgt spid="4">
+                                            <p:txEl>
+                                              <p:pRg st="4" end="4"/>
+                                            </p:txEl>
+                                          </p:spTgt>
+                                        </p:tgtEl>
+                                        <p:attrNameLst>
+                                          <p:attrName>style.visibility</p:attrName>
+                                        </p:attrNameLst>
+                                      </p:cBhvr>
+                                      <p:to>
+                                        <p:strVal val="visible"/>
+                                      </p:to>
+                                    </p:set>
+                                    <p:animEffect transition="in" filter="fade">
+                                      <p:cBhvr>
+                                        <p:cTn id="97" dur="500"/>
+                                        <p:tgtEl>
+                                          <p:spTgt spid="4">
+                                            <p:txEl>
+                                              <p:pRg st="4" end="4"/>
+                                            </p:txEl>
+                                          </p:spTgt>
+                                        </p:tgtEl>
+                                      </p:cBhvr>
+                                    </p:animEffect>
+                                  </p:childTnLst>
+                                </p:cTn>
+                              </p:par>
+                            </p:childTnLst>
+                          </p:cTn>
+                        </p:par>
+                      </p:childTnLst>
+                    </p:cTn>
+                  </p:par>
+                  <p:par>
+                    <p:cTn id="98" fill="hold">
+                      <p:stCondLst>
+                        <p:cond delay="indefinite"/>
+                      </p:stCondLst>
+                      <p:childTnLst>
+                        <p:par>
+                          <p:cTn id="99" fill="hold">
+                            <p:stCondLst>
+                              <p:cond delay="0"/>
+                            </p:stCondLst>
+                            <p:childTnLst>
+                              <p:par>
+                                <p:cTn id="100" presetID="10" presetClass="entr" presetSubtype="0" fill="hold" grpId="0" nodeType="clickEffect">
+                                  <p:stCondLst>
+                                    <p:cond delay="0"/>
+                                  </p:stCondLst>
+                                  <p:childTnLst>
+                                    <p:set>
+                                      <p:cBhvr>
+                                        <p:cTn id="101" dur="1" fill="hold">
+                                          <p:stCondLst>
+                                            <p:cond delay="0"/>
+                                          </p:stCondLst>
+                                        </p:cTn>
+                                        <p:tgtEl>
+                                          <p:spTgt spid="4">
+                                            <p:txEl>
+                                              <p:pRg st="5" end="5"/>
+                                            </p:txEl>
+                                          </p:spTgt>
+                                        </p:tgtEl>
+                                        <p:attrNameLst>
+                                          <p:attrName>style.visibility</p:attrName>
+                                        </p:attrNameLst>
+                                      </p:cBhvr>
+                                      <p:to>
+                                        <p:strVal val="visible"/>
+                                      </p:to>
+                                    </p:set>
+                                    <p:animEffect transition="in" filter="fade">
+                                      <p:cBhvr>
+                                        <p:cTn id="102" dur="500"/>
+                                        <p:tgtEl>
+                                          <p:spTgt spid="4">
+                                            <p:txEl>
+                                              <p:pRg st="5" end="5"/>
+                                            </p:txEl>
+                                          </p:spTgt>
+                                        </p:tgtEl>
+                                      </p:cBhvr>
+                                    </p:animEffect>
+                                  </p:childTnLst>
+                                </p:cTn>
+                              </p:par>
+                            </p:childTnLst>
+                          </p:cTn>
+                        </p:par>
+                      </p:childTnLst>
+                    </p:cTn>
+                  </p:par>
+                  <p:par>
+                    <p:cTn id="103" fill="hold">
+                      <p:stCondLst>
+                        <p:cond delay="indefinite"/>
+                      </p:stCondLst>
+                      <p:childTnLst>
+                        <p:par>
+                          <p:cTn id="104" fill="hold">
+                            <p:stCondLst>
+                              <p:cond delay="0"/>
+                            </p:stCondLst>
+                            <p:childTnLst>
+                              <p:par>
+                                <p:cTn id="105" presetID="10" presetClass="entr" presetSubtype="0" fill="hold" grpId="0" nodeType="clickEffect">
+                                  <p:stCondLst>
+                                    <p:cond delay="0"/>
+                                  </p:stCondLst>
+                                  <p:childTnLst>
+                                    <p:set>
+                                      <p:cBhvr>
+                                        <p:cTn id="106" dur="1" fill="hold">
+                                          <p:stCondLst>
+                                            <p:cond delay="0"/>
+                                          </p:stCondLst>
+                                        </p:cTn>
+                                        <p:tgtEl>
+                                          <p:spTgt spid="4">
+                                            <p:txEl>
+                                              <p:pRg st="6" end="6"/>
+                                            </p:txEl>
+                                          </p:spTgt>
+                                        </p:tgtEl>
+                                        <p:attrNameLst>
+                                          <p:attrName>style.visibility</p:attrName>
+                                        </p:attrNameLst>
+                                      </p:cBhvr>
+                                      <p:to>
+                                        <p:strVal val="visible"/>
+                                      </p:to>
+                                    </p:set>
+                                    <p:animEffect transition="in" filter="fade">
+                                      <p:cBhvr>
+                                        <p:cTn id="107" dur="500"/>
+                                        <p:tgtEl>
+                                          <p:spTgt spid="4">
+                                            <p:txEl>
+                                              <p:pRg st="6" end="6"/>
+                                            </p:txEl>
+                                          </p:spTgt>
+                                        </p:tgtEl>
+                                      </p:cBhvr>
+                                    </p:animEffect>
+                                  </p:childTnLst>
+                                </p:cTn>
+                              </p:par>
+                            </p:childTnLst>
+                          </p:cTn>
+                        </p:par>
+                      </p:childTnLst>
+                    </p:cTn>
+                  </p:par>
+                  <p:par>
+                    <p:cTn id="108" fill="hold">
+                      <p:stCondLst>
+                        <p:cond delay="indefinite"/>
+                      </p:stCondLst>
+                      <p:childTnLst>
+                        <p:par>
+                          <p:cTn id="109" fill="hold">
+                            <p:stCondLst>
+                              <p:cond delay="0"/>
+                            </p:stCondLst>
+                            <p:childTnLst>
+                              <p:par>
+                                <p:cTn id="110" presetID="10" presetClass="entr" presetSubtype="0" fill="hold" grpId="0" nodeType="clickEffect">
+                                  <p:stCondLst>
+                                    <p:cond delay="0"/>
+                                  </p:stCondLst>
+                                  <p:childTnLst>
+                                    <p:set>
+                                      <p:cBhvr>
+                                        <p:cTn id="111" dur="1" fill="hold">
+                                          <p:stCondLst>
+                                            <p:cond delay="0"/>
+                                          </p:stCondLst>
+                                        </p:cTn>
+                                        <p:tgtEl>
+                                          <p:spTgt spid="4">
+                                            <p:txEl>
+                                              <p:pRg st="7" end="7"/>
+                                            </p:txEl>
+                                          </p:spTgt>
+                                        </p:tgtEl>
+                                        <p:attrNameLst>
+                                          <p:attrName>style.visibility</p:attrName>
+                                        </p:attrNameLst>
+                                      </p:cBhvr>
+                                      <p:to>
+                                        <p:strVal val="visible"/>
+                                      </p:to>
+                                    </p:set>
+                                    <p:animEffect transition="in" filter="fade">
+                                      <p:cBhvr>
+                                        <p:cTn id="112" dur="500"/>
+                                        <p:tgtEl>
+                                          <p:spTgt spid="4">
+                                            <p:txEl>
+                                              <p:pRg st="7" end="7"/>
+                                            </p:txEl>
+                                          </p:spTgt>
+                                        </p:tgtEl>
+                                      </p:cBhvr>
+                                    </p:animEffect>
+                                  </p:childTnLst>
+                                </p:cTn>
+                              </p:par>
+                            </p:childTnLst>
+                          </p:cTn>
+                        </p:par>
+                      </p:childTnLst>
+                    </p:cTn>
+                  </p:par>
+                  <p:par>
+                    <p:cTn id="113" fill="hold">
+                      <p:stCondLst>
+                        <p:cond delay="indefinite"/>
+                      </p:stCondLst>
+                      <p:childTnLst>
+                        <p:par>
+                          <p:cTn id="114" fill="hold">
+                            <p:stCondLst>
+                              <p:cond delay="0"/>
+                            </p:stCondLst>
+                            <p:childTnLst>
+                              <p:par>
+                                <p:cTn id="115" presetID="10" presetClass="entr" presetSubtype="0" fill="hold" grpId="0" nodeType="clickEffect">
+                                  <p:stCondLst>
+                                    <p:cond delay="0"/>
+                                  </p:stCondLst>
+                                  <p:childTnLst>
+                                    <p:set>
+                                      <p:cBhvr>
+                                        <p:cTn id="116" dur="1" fill="hold">
+                                          <p:stCondLst>
+                                            <p:cond delay="0"/>
+                                          </p:stCondLst>
+                                        </p:cTn>
+                                        <p:tgtEl>
+                                          <p:spTgt spid="4">
+                                            <p:txEl>
+                                              <p:pRg st="8" end="8"/>
+                                            </p:txEl>
+                                          </p:spTgt>
+                                        </p:tgtEl>
+                                        <p:attrNameLst>
+                                          <p:attrName>style.visibility</p:attrName>
+                                        </p:attrNameLst>
+                                      </p:cBhvr>
+                                      <p:to>
+                                        <p:strVal val="visible"/>
+                                      </p:to>
+                                    </p:set>
+                                    <p:animEffect transition="in" filter="fade">
+                                      <p:cBhvr>
+                                        <p:cTn id="117" dur="500"/>
+                                        <p:tgtEl>
+                                          <p:spTgt spid="4">
+                                            <p:txEl>
+                                              <p:pRg st="8" end="8"/>
+                                            </p:txEl>
+                                          </p:spTgt>
+                                        </p:tgtEl>
+                                      </p:cBhvr>
+                                    </p:animEffect>
+                                  </p:childTnLst>
+                                </p:cTn>
+                              </p:par>
+                            </p:childTnLst>
+                          </p:cTn>
+                        </p:par>
+                      </p:childTnLst>
+                    </p:cTn>
+                  </p:par>
+                </p:childTnLst>
+              </p:cTn>
+              <p:prevCondLst>
+                <p:cond evt="onPrev" delay="0">
+                  <p:tgtEl>
+                    <p:sldTgt/>
+                  </p:tgtEl>
+                </p:cond>
+              </p:prevCondLst>
+              <p:nextCondLst>
+                <p:cond evt="onNext" delay="0">
+                  <p:tgtEl>
+                    <p:sldTgt/>
+                  </p:tgtEl>
+                </p:cond>
+              </p:nextCondLst>
+            </p:seq>
+          </p:childTnLst>
+        </p:cTn>
+      </p:par>
+    </p:tnLst>
+    <p:bldLst>
+      <p:bldP spid="3" grpId="0" build="p"/>
+      <p:bldP spid="4" grpId="0" build="p"/>
+    </p:bldLst>
+  </p:timing>
 </p:sld>
 </file>
 
@@ -15147,6 +19651,283 @@
   <p:clrMapOvr>
     <a:masterClrMapping/>
   </p:clrMapOvr>
+  <p:timing>
+    <p:tnLst>
+      <p:par>
+        <p:cTn id="1" dur="indefinite" restart="never" nodeType="tmRoot">
+          <p:childTnLst>
+            <p:seq concurrent="1" nextAc="seek">
+              <p:cTn id="2" dur="indefinite" nodeType="mainSeq">
+                <p:childTnLst>
+                  <p:par>
+                    <p:cTn id="3" fill="hold">
+                      <p:stCondLst>
+                        <p:cond delay="indefinite"/>
+                      </p:stCondLst>
+                      <p:childTnLst>
+                        <p:par>
+                          <p:cTn id="4" fill="hold">
+                            <p:stCondLst>
+                              <p:cond delay="0"/>
+                            </p:stCondLst>
+                            <p:childTnLst>
+                              <p:par>
+                                <p:cTn id="5" presetID="10" presetClass="entr" presetSubtype="0" fill="hold" grpId="0" nodeType="clickEffect">
+                                  <p:stCondLst>
+                                    <p:cond delay="0"/>
+                                  </p:stCondLst>
+                                  <p:childTnLst>
+                                    <p:set>
+                                      <p:cBhvr>
+                                        <p:cTn id="6" dur="1" fill="hold">
+                                          <p:stCondLst>
+                                            <p:cond delay="0"/>
+                                          </p:stCondLst>
+                                        </p:cTn>
+                                        <p:tgtEl>
+                                          <p:spTgt spid="3">
+                                            <p:txEl>
+                                              <p:pRg st="0" end="0"/>
+                                            </p:txEl>
+                                          </p:spTgt>
+                                        </p:tgtEl>
+                                        <p:attrNameLst>
+                                          <p:attrName>style.visibility</p:attrName>
+                                        </p:attrNameLst>
+                                      </p:cBhvr>
+                                      <p:to>
+                                        <p:strVal val="visible"/>
+                                      </p:to>
+                                    </p:set>
+                                    <p:animEffect transition="in" filter="fade">
+                                      <p:cBhvr>
+                                        <p:cTn id="7" dur="500"/>
+                                        <p:tgtEl>
+                                          <p:spTgt spid="3">
+                                            <p:txEl>
+                                              <p:pRg st="0" end="0"/>
+                                            </p:txEl>
+                                          </p:spTgt>
+                                        </p:tgtEl>
+                                      </p:cBhvr>
+                                    </p:animEffect>
+                                  </p:childTnLst>
+                                </p:cTn>
+                              </p:par>
+                            </p:childTnLst>
+                          </p:cTn>
+                        </p:par>
+                      </p:childTnLst>
+                    </p:cTn>
+                  </p:par>
+                  <p:par>
+                    <p:cTn id="8" fill="hold">
+                      <p:stCondLst>
+                        <p:cond delay="indefinite"/>
+                      </p:stCondLst>
+                      <p:childTnLst>
+                        <p:par>
+                          <p:cTn id="9" fill="hold">
+                            <p:stCondLst>
+                              <p:cond delay="0"/>
+                            </p:stCondLst>
+                            <p:childTnLst>
+                              <p:par>
+                                <p:cTn id="10" presetID="10" presetClass="entr" presetSubtype="0" fill="hold" grpId="0" nodeType="clickEffect">
+                                  <p:stCondLst>
+                                    <p:cond delay="0"/>
+                                  </p:stCondLst>
+                                  <p:childTnLst>
+                                    <p:set>
+                                      <p:cBhvr>
+                                        <p:cTn id="11" dur="1" fill="hold">
+                                          <p:stCondLst>
+                                            <p:cond delay="0"/>
+                                          </p:stCondLst>
+                                        </p:cTn>
+                                        <p:tgtEl>
+                                          <p:spTgt spid="3">
+                                            <p:txEl>
+                                              <p:pRg st="1" end="1"/>
+                                            </p:txEl>
+                                          </p:spTgt>
+                                        </p:tgtEl>
+                                        <p:attrNameLst>
+                                          <p:attrName>style.visibility</p:attrName>
+                                        </p:attrNameLst>
+                                      </p:cBhvr>
+                                      <p:to>
+                                        <p:strVal val="visible"/>
+                                      </p:to>
+                                    </p:set>
+                                    <p:animEffect transition="in" filter="fade">
+                                      <p:cBhvr>
+                                        <p:cTn id="12" dur="500"/>
+                                        <p:tgtEl>
+                                          <p:spTgt spid="3">
+                                            <p:txEl>
+                                              <p:pRg st="1" end="1"/>
+                                            </p:txEl>
+                                          </p:spTgt>
+                                        </p:tgtEl>
+                                      </p:cBhvr>
+                                    </p:animEffect>
+                                  </p:childTnLst>
+                                </p:cTn>
+                              </p:par>
+                            </p:childTnLst>
+                          </p:cTn>
+                        </p:par>
+                      </p:childTnLst>
+                    </p:cTn>
+                  </p:par>
+                  <p:par>
+                    <p:cTn id="13" fill="hold">
+                      <p:stCondLst>
+                        <p:cond delay="indefinite"/>
+                      </p:stCondLst>
+                      <p:childTnLst>
+                        <p:par>
+                          <p:cTn id="14" fill="hold">
+                            <p:stCondLst>
+                              <p:cond delay="0"/>
+                            </p:stCondLst>
+                            <p:childTnLst>
+                              <p:par>
+                                <p:cTn id="15" presetID="10" presetClass="entr" presetSubtype="0" fill="hold" grpId="0" nodeType="clickEffect">
+                                  <p:stCondLst>
+                                    <p:cond delay="0"/>
+                                  </p:stCondLst>
+                                  <p:childTnLst>
+                                    <p:set>
+                                      <p:cBhvr>
+                                        <p:cTn id="16" dur="1" fill="hold">
+                                          <p:stCondLst>
+                                            <p:cond delay="0"/>
+                                          </p:stCondLst>
+                                        </p:cTn>
+                                        <p:tgtEl>
+                                          <p:spTgt spid="3">
+                                            <p:txEl>
+                                              <p:pRg st="2" end="2"/>
+                                            </p:txEl>
+                                          </p:spTgt>
+                                        </p:tgtEl>
+                                        <p:attrNameLst>
+                                          <p:attrName>style.visibility</p:attrName>
+                                        </p:attrNameLst>
+                                      </p:cBhvr>
+                                      <p:to>
+                                        <p:strVal val="visible"/>
+                                      </p:to>
+                                    </p:set>
+                                    <p:animEffect transition="in" filter="fade">
+                                      <p:cBhvr>
+                                        <p:cTn id="17" dur="500"/>
+                                        <p:tgtEl>
+                                          <p:spTgt spid="3">
+                                            <p:txEl>
+                                              <p:pRg st="2" end="2"/>
+                                            </p:txEl>
+                                          </p:spTgt>
+                                        </p:tgtEl>
+                                      </p:cBhvr>
+                                    </p:animEffect>
+                                  </p:childTnLst>
+                                </p:cTn>
+                              </p:par>
+                            </p:childTnLst>
+                          </p:cTn>
+                        </p:par>
+                      </p:childTnLst>
+                    </p:cTn>
+                  </p:par>
+                  <p:par>
+                    <p:cTn id="18" fill="hold">
+                      <p:stCondLst>
+                        <p:cond delay="indefinite"/>
+                      </p:stCondLst>
+                      <p:childTnLst>
+                        <p:par>
+                          <p:cTn id="19" fill="hold">
+                            <p:stCondLst>
+                              <p:cond delay="0"/>
+                            </p:stCondLst>
+                            <p:childTnLst>
+                              <p:par>
+                                <p:cTn id="20" presetID="10" presetClass="entr" presetSubtype="0" fill="hold" grpId="0" nodeType="clickEffect">
+                                  <p:stCondLst>
+                                    <p:cond delay="0"/>
+                                  </p:stCondLst>
+                                  <p:childTnLst>
+                                    <p:set>
+                                      <p:cBhvr>
+                                        <p:cTn id="21" dur="1" fill="hold">
+                                          <p:stCondLst>
+                                            <p:cond delay="0"/>
+                                          </p:stCondLst>
+                                        </p:cTn>
+                                        <p:tgtEl>
+                                          <p:spTgt spid="3">
+                                            <p:txEl>
+                                              <p:pRg st="3" end="3"/>
+                                            </p:txEl>
+                                          </p:spTgt>
+                                        </p:tgtEl>
+                                        <p:attrNameLst>
+                                          <p:attrName>style.visibility</p:attrName>
+                                        </p:attrNameLst>
+                                      </p:cBhvr>
+                                      <p:to>
+                                        <p:strVal val="visible"/>
+                                      </p:to>
+                                    </p:set>
+                                    <p:animEffect transition="in" filter="fade">
+                                      <p:cBhvr>
+                                        <p:cTn id="22" dur="500"/>
+                                        <p:tgtEl>
+                                          <p:spTgt spid="3">
+                                            <p:txEl>
+                                              <p:pRg st="3" end="3"/>
+                                            </p:txEl>
+                                          </p:spTgt>
+                                        </p:tgtEl>
+                                      </p:cBhvr>
+                                    </p:animEffect>
+                                  </p:childTnLst>
+                                </p:cTn>
+                              </p:par>
+                            </p:childTnLst>
+                          </p:cTn>
+                        </p:par>
+                      </p:childTnLst>
+                    </p:cTn>
+                  </p:par>
+                </p:childTnLst>
+              </p:cTn>
+              <p:prevCondLst>
+                <p:cond evt="onPrev" delay="0">
+                  <p:tgtEl>
+                    <p:sldTgt/>
+                  </p:tgtEl>
+                </p:cond>
+              </p:prevCondLst>
+              <p:nextCondLst>
+                <p:cond evt="onNext" delay="0">
+                  <p:tgtEl>
+                    <p:sldTgt/>
+                  </p:tgtEl>
+                </p:cond>
+              </p:nextCondLst>
+            </p:seq>
+          </p:childTnLst>
+        </p:cTn>
+      </p:par>
+    </p:tnLst>
+    <p:bldLst>
+      <p:bldP spid="3" grpId="0" build="p"/>
+    </p:bldLst>
+  </p:timing>
 </p:sld>
 </file>
 

--- a/presentation.pptx
+++ b/presentation.pptx
@@ -5,7 +5,7 @@
     <p:sldMasterId id="2147483660" r:id="rId1"/>
   </p:sldMasterIdLst>
   <p:notesMasterIdLst>
-    <p:notesMasterId r:id="rId22"/>
+    <p:notesMasterId r:id="rId17"/>
   </p:notesMasterIdLst>
   <p:sldIdLst>
     <p:sldId id="256" r:id="rId2"/>
@@ -16,18 +16,13 @@
     <p:sldId id="268" r:id="rId7"/>
     <p:sldId id="287" r:id="rId8"/>
     <p:sldId id="300" r:id="rId9"/>
-    <p:sldId id="304" r:id="rId10"/>
-    <p:sldId id="306" r:id="rId11"/>
-    <p:sldId id="288" r:id="rId12"/>
-    <p:sldId id="301" r:id="rId13"/>
-    <p:sldId id="302" r:id="rId14"/>
-    <p:sldId id="303" r:id="rId15"/>
-    <p:sldId id="270" r:id="rId16"/>
-    <p:sldId id="292" r:id="rId17"/>
-    <p:sldId id="285" r:id="rId18"/>
-    <p:sldId id="307" r:id="rId19"/>
-    <p:sldId id="294" r:id="rId20"/>
-    <p:sldId id="296" r:id="rId21"/>
+    <p:sldId id="306" r:id="rId10"/>
+    <p:sldId id="270" r:id="rId11"/>
+    <p:sldId id="292" r:id="rId12"/>
+    <p:sldId id="285" r:id="rId13"/>
+    <p:sldId id="307" r:id="rId14"/>
+    <p:sldId id="294" r:id="rId15"/>
+    <p:sldId id="296" r:id="rId16"/>
   </p:sldIdLst>
   <p:sldSz cx="12192000" cy="6858000"/>
   <p:notesSz cx="7010400" cy="9296400"/>
@@ -143,12 +138,7 @@
             <p14:sldId id="268"/>
             <p14:sldId id="287"/>
             <p14:sldId id="300"/>
-            <p14:sldId id="304"/>
             <p14:sldId id="306"/>
-            <p14:sldId id="288"/>
-            <p14:sldId id="301"/>
-            <p14:sldId id="302"/>
-            <p14:sldId id="303"/>
           </p14:sldIdLst>
         </p14:section>
         <p14:section name="Phase Two" id="{0D8F3455-BA77-4F26-9B5E-DFEE74F49937}">
@@ -3159,7 +3149,7 @@
           <a:p>
             <a:fld id="{A07C3DAA-E1DE-49B6-8079-627AB3F6E0E1}" type="datetimeFigureOut">
               <a:rPr lang="en-US" smtClean="0"/>
-              <a:t>4/25/2019</a:t>
+              <a:t>5/7/2019</a:t>
             </a:fld>
             <a:endParaRPr lang="en-US"/>
           </a:p>
@@ -3556,7 +3546,7 @@
           <a:p>
             <a:r>
               <a:rPr lang="en-US" dirty="0"/>
-              <a:t>We understand how our requirements our met</a:t>
+              <a:t>This is a rough time estimate.  We’ll tighten it up after phase one.</a:t>
             </a:r>
           </a:p>
           <a:p>
@@ -3565,7 +3555,7 @@
           <a:p>
             <a:r>
               <a:rPr lang="en-US" dirty="0"/>
-              <a:t>Our teams have had their hands on the solutions</a:t>
+              <a:t>We can run pre-built containers provided by vendors.</a:t>
             </a:r>
           </a:p>
           <a:p>
@@ -3574,8 +3564,20 @@
           <a:p>
             <a:r>
               <a:rPr lang="en-US" dirty="0"/>
-              <a:t>We can better estimate phases two and three</a:t>
-            </a:r>
+              <a:t>We can run our own containerized applications.</a:t>
+            </a:r>
+          </a:p>
+          <a:p>
+            <a:endParaRPr lang="en-US" dirty="0"/>
+          </a:p>
+          <a:p>
+            <a:r>
+              <a:rPr lang="en-US" dirty="0"/>
+              <a:t>Deployments and configuration handled manually.</a:t>
+            </a:r>
+          </a:p>
+          <a:p>
+            <a:endParaRPr lang="en-US" dirty="0"/>
           </a:p>
         </p:txBody>
       </p:sp>
@@ -3605,7 +3607,7 @@
     </p:spTree>
     <p:extLst>
       <p:ext uri="{BB962C8B-B14F-4D97-AF65-F5344CB8AC3E}">
-        <p14:creationId xmlns:p14="http://schemas.microsoft.com/office/powerpoint/2010/main" val="3781457553"/>
+        <p14:creationId xmlns:p14="http://schemas.microsoft.com/office/powerpoint/2010/main" val="2887644830"/>
       </p:ext>
     </p:extLst>
   </p:cSld>
@@ -3659,7 +3661,28 @@
           <a:bodyPr/>
           <a:lstStyle/>
           <a:p>
-            <a:endParaRPr lang="en-US"/>
+            <a:r>
+              <a:rPr lang="en-US" dirty="0"/>
+              <a:t>This is a VERY rough time estimate</a:t>
+            </a:r>
+          </a:p>
+          <a:p>
+            <a:endParaRPr lang="en-US" dirty="0"/>
+          </a:p>
+          <a:p>
+            <a:r>
+              <a:rPr lang="en-US" dirty="0"/>
+              <a:t>There may be significant costs</a:t>
+            </a:r>
+          </a:p>
+          <a:p>
+            <a:endParaRPr lang="en-US" dirty="0"/>
+          </a:p>
+          <a:p>
+            <a:r>
+              <a:rPr lang="en-US" dirty="0"/>
+              <a:t>We’re pretty busy, so we expect to engage a vendor to do this</a:t>
+            </a:r>
           </a:p>
         </p:txBody>
       </p:sp>
@@ -3680,7 +3703,7 @@
           <a:p>
             <a:fld id="{7C432B12-1722-4EDC-9BBA-25A0F0A334AF}" type="slidenum">
               <a:rPr lang="en-US" smtClean="0"/>
-              <a:t>11</a:t>
+              <a:t>12</a:t>
             </a:fld>
             <a:endParaRPr lang="en-US"/>
           </a:p>
@@ -3689,7 +3712,7 @@
     </p:spTree>
     <p:extLst>
       <p:ext uri="{BB962C8B-B14F-4D97-AF65-F5344CB8AC3E}">
-        <p14:creationId xmlns:p14="http://schemas.microsoft.com/office/powerpoint/2010/main" val="561352092"/>
+        <p14:creationId xmlns:p14="http://schemas.microsoft.com/office/powerpoint/2010/main" val="1734567867"/>
       </p:ext>
     </p:extLst>
   </p:cSld>
@@ -3745,38 +3768,8 @@
           <a:p>
             <a:r>
               <a:rPr lang="en-US" dirty="0"/>
-              <a:t>This is a rough time estimate.  We’ll tighten it up after phase one.</a:t>
-            </a:r>
-          </a:p>
-          <a:p>
-            <a:endParaRPr lang="en-US" dirty="0"/>
-          </a:p>
-          <a:p>
-            <a:r>
-              <a:rPr lang="en-US" dirty="0"/>
-              <a:t>We can run pre-built containers provided by vendors.</a:t>
-            </a:r>
-          </a:p>
-          <a:p>
-            <a:endParaRPr lang="en-US" dirty="0"/>
-          </a:p>
-          <a:p>
-            <a:r>
-              <a:rPr lang="en-US" dirty="0"/>
-              <a:t>We can run our own containerized applications.</a:t>
-            </a:r>
-          </a:p>
-          <a:p>
-            <a:endParaRPr lang="en-US" dirty="0"/>
-          </a:p>
-          <a:p>
-            <a:r>
-              <a:rPr lang="en-US" dirty="0"/>
-              <a:t>Deployments and configuration handled manually.</a:t>
-            </a:r>
-          </a:p>
-          <a:p>
-            <a:endParaRPr lang="en-US" dirty="0"/>
+              <a:t>Push people into the pit of success</a:t>
+            </a:r>
           </a:p>
         </p:txBody>
       </p:sp>
@@ -3797,7 +3790,7 @@
           <a:p>
             <a:fld id="{7C432B12-1722-4EDC-9BBA-25A0F0A334AF}" type="slidenum">
               <a:rPr lang="en-US" smtClean="0"/>
-              <a:t>15</a:t>
+              <a:t>13</a:t>
             </a:fld>
             <a:endParaRPr lang="en-US"/>
           </a:p>
@@ -3806,7 +3799,7 @@
     </p:spTree>
     <p:extLst>
       <p:ext uri="{BB962C8B-B14F-4D97-AF65-F5344CB8AC3E}">
-        <p14:creationId xmlns:p14="http://schemas.microsoft.com/office/powerpoint/2010/main" val="2887644830"/>
+        <p14:creationId xmlns:p14="http://schemas.microsoft.com/office/powerpoint/2010/main" val="1250559668"/>
       </p:ext>
     </p:extLst>
   </p:cSld>
@@ -3862,25 +3855,7 @@
           <a:p>
             <a:r>
               <a:rPr lang="en-US" dirty="0"/>
-              <a:t>This is a VERY rough time estimate</a:t>
-            </a:r>
-          </a:p>
-          <a:p>
-            <a:endParaRPr lang="en-US" dirty="0"/>
-          </a:p>
-          <a:p>
-            <a:r>
-              <a:rPr lang="en-US" dirty="0"/>
-              <a:t>There may be significant costs</a:t>
-            </a:r>
-          </a:p>
-          <a:p>
-            <a:endParaRPr lang="en-US" dirty="0"/>
-          </a:p>
-          <a:p>
-            <a:r>
-              <a:rPr lang="en-US" dirty="0"/>
-              <a:t>We’re pretty busy, so we expect to engage a vendor to do this</a:t>
+              <a:t>Add detailed notes about why this takes so long.</a:t>
             </a:r>
           </a:p>
         </p:txBody>
@@ -3902,181 +3877,7 @@
           <a:p>
             <a:fld id="{7C432B12-1722-4EDC-9BBA-25A0F0A334AF}" type="slidenum">
               <a:rPr lang="en-US" smtClean="0"/>
-              <a:t>17</a:t>
-            </a:fld>
-            <a:endParaRPr lang="en-US"/>
-          </a:p>
-        </p:txBody>
-      </p:sp>
-    </p:spTree>
-    <p:extLst>
-      <p:ext uri="{BB962C8B-B14F-4D97-AF65-F5344CB8AC3E}">
-        <p14:creationId xmlns:p14="http://schemas.microsoft.com/office/powerpoint/2010/main" val="1734567867"/>
-      </p:ext>
-    </p:extLst>
-  </p:cSld>
-  <p:clrMapOvr>
-    <a:masterClrMapping/>
-  </p:clrMapOvr>
-</p:notes>
-</file>
-
-<file path=ppt/notesSlides/notesSlide14.xml><?xml version="1.0" encoding="utf-8"?>
-<p:notes xmlns:a="http://schemas.openxmlformats.org/drawingml/2006/main" xmlns:r="http://schemas.openxmlformats.org/officeDocument/2006/relationships" xmlns:p="http://schemas.openxmlformats.org/presentationml/2006/main">
-  <p:cSld>
-    <p:spTree>
-      <p:nvGrpSpPr>
-        <p:cNvPr id="1" name=""/>
-        <p:cNvGrpSpPr/>
-        <p:nvPr/>
-      </p:nvGrpSpPr>
-      <p:grpSpPr>
-        <a:xfrm>
-          <a:off x="0" y="0"/>
-          <a:ext cx="0" cy="0"/>
-          <a:chOff x="0" y="0"/>
-          <a:chExt cx="0" cy="0"/>
-        </a:xfrm>
-      </p:grpSpPr>
-      <p:sp>
-        <p:nvSpPr>
-          <p:cNvPr id="2" name="Slide Image Placeholder 1"/>
-          <p:cNvSpPr>
-            <a:spLocks noGrp="1" noRot="1" noChangeAspect="1"/>
-          </p:cNvSpPr>
-          <p:nvPr>
-            <p:ph type="sldImg"/>
-          </p:nvPr>
-        </p:nvSpPr>
-        <p:spPr/>
-      </p:sp>
-      <p:sp>
-        <p:nvSpPr>
-          <p:cNvPr id="3" name="Notes Placeholder 2"/>
-          <p:cNvSpPr>
-            <a:spLocks noGrp="1"/>
-          </p:cNvSpPr>
-          <p:nvPr>
-            <p:ph type="body" idx="1"/>
-          </p:nvPr>
-        </p:nvSpPr>
-        <p:spPr/>
-        <p:txBody>
-          <a:bodyPr/>
-          <a:lstStyle/>
-          <a:p>
-            <a:r>
-              <a:rPr lang="en-US" dirty="0"/>
-              <a:t>Push people into the pit of success</a:t>
-            </a:r>
-          </a:p>
-        </p:txBody>
-      </p:sp>
-      <p:sp>
-        <p:nvSpPr>
-          <p:cNvPr id="4" name="Slide Number Placeholder 3"/>
-          <p:cNvSpPr>
-            <a:spLocks noGrp="1"/>
-          </p:cNvSpPr>
-          <p:nvPr>
-            <p:ph type="sldNum" sz="quarter" idx="5"/>
-          </p:nvPr>
-        </p:nvSpPr>
-        <p:spPr/>
-        <p:txBody>
-          <a:bodyPr/>
-          <a:lstStyle/>
-          <a:p>
-            <a:fld id="{7C432B12-1722-4EDC-9BBA-25A0F0A334AF}" type="slidenum">
-              <a:rPr lang="en-US" smtClean="0"/>
-              <a:t>18</a:t>
-            </a:fld>
-            <a:endParaRPr lang="en-US"/>
-          </a:p>
-        </p:txBody>
-      </p:sp>
-    </p:spTree>
-    <p:extLst>
-      <p:ext uri="{BB962C8B-B14F-4D97-AF65-F5344CB8AC3E}">
-        <p14:creationId xmlns:p14="http://schemas.microsoft.com/office/powerpoint/2010/main" val="1250559668"/>
-      </p:ext>
-    </p:extLst>
-  </p:cSld>
-  <p:clrMapOvr>
-    <a:masterClrMapping/>
-  </p:clrMapOvr>
-</p:notes>
-</file>
-
-<file path=ppt/notesSlides/notesSlide15.xml><?xml version="1.0" encoding="utf-8"?>
-<p:notes xmlns:a="http://schemas.openxmlformats.org/drawingml/2006/main" xmlns:r="http://schemas.openxmlformats.org/officeDocument/2006/relationships" xmlns:p="http://schemas.openxmlformats.org/presentationml/2006/main">
-  <p:cSld>
-    <p:spTree>
-      <p:nvGrpSpPr>
-        <p:cNvPr id="1" name=""/>
-        <p:cNvGrpSpPr/>
-        <p:nvPr/>
-      </p:nvGrpSpPr>
-      <p:grpSpPr>
-        <a:xfrm>
-          <a:off x="0" y="0"/>
-          <a:ext cx="0" cy="0"/>
-          <a:chOff x="0" y="0"/>
-          <a:chExt cx="0" cy="0"/>
-        </a:xfrm>
-      </p:grpSpPr>
-      <p:sp>
-        <p:nvSpPr>
-          <p:cNvPr id="2" name="Slide Image Placeholder 1"/>
-          <p:cNvSpPr>
-            <a:spLocks noGrp="1" noRot="1" noChangeAspect="1"/>
-          </p:cNvSpPr>
-          <p:nvPr>
-            <p:ph type="sldImg"/>
-          </p:nvPr>
-        </p:nvSpPr>
-        <p:spPr/>
-      </p:sp>
-      <p:sp>
-        <p:nvSpPr>
-          <p:cNvPr id="3" name="Notes Placeholder 2"/>
-          <p:cNvSpPr>
-            <a:spLocks noGrp="1"/>
-          </p:cNvSpPr>
-          <p:nvPr>
-            <p:ph type="body" idx="1"/>
-          </p:nvPr>
-        </p:nvSpPr>
-        <p:spPr/>
-        <p:txBody>
-          <a:bodyPr/>
-          <a:lstStyle/>
-          <a:p>
-            <a:r>
-              <a:rPr lang="en-US" dirty="0"/>
-              <a:t>Add detailed notes about why this takes so long.</a:t>
-            </a:r>
-          </a:p>
-        </p:txBody>
-      </p:sp>
-      <p:sp>
-        <p:nvSpPr>
-          <p:cNvPr id="4" name="Slide Number Placeholder 3"/>
-          <p:cNvSpPr>
-            <a:spLocks noGrp="1"/>
-          </p:cNvSpPr>
-          <p:nvPr>
-            <p:ph type="sldNum" sz="quarter" idx="5"/>
-          </p:nvPr>
-        </p:nvSpPr>
-        <p:spPr/>
-        <p:txBody>
-          <a:bodyPr/>
-          <a:lstStyle/>
-          <a:p>
-            <a:fld id="{7C432B12-1722-4EDC-9BBA-25A0F0A334AF}" type="slidenum">
-              <a:rPr lang="en-US" smtClean="0"/>
-              <a:t>19</a:t>
+              <a:t>14</a:t>
             </a:fld>
             <a:endParaRPr lang="en-US"/>
           </a:p>
@@ -4946,7 +4747,28 @@
           <a:bodyPr/>
           <a:lstStyle/>
           <a:p>
-            <a:endParaRPr lang="en-US"/>
+            <a:r>
+              <a:rPr lang="en-US" dirty="0"/>
+              <a:t>We understand how our requirements our met</a:t>
+            </a:r>
+          </a:p>
+          <a:p>
+            <a:endParaRPr lang="en-US" dirty="0"/>
+          </a:p>
+          <a:p>
+            <a:r>
+              <a:rPr lang="en-US" dirty="0"/>
+              <a:t>Our teams have had their hands on the solutions</a:t>
+            </a:r>
+          </a:p>
+          <a:p>
+            <a:endParaRPr lang="en-US" dirty="0"/>
+          </a:p>
+          <a:p>
+            <a:r>
+              <a:rPr lang="en-US" dirty="0"/>
+              <a:t>We can better estimate phases two and three</a:t>
+            </a:r>
           </a:p>
         </p:txBody>
       </p:sp>
@@ -4976,7 +4798,7 @@
     </p:spTree>
     <p:extLst>
       <p:ext uri="{BB962C8B-B14F-4D97-AF65-F5344CB8AC3E}">
-        <p14:creationId xmlns:p14="http://schemas.microsoft.com/office/powerpoint/2010/main" val="149248714"/>
+        <p14:creationId xmlns:p14="http://schemas.microsoft.com/office/powerpoint/2010/main" val="3781457553"/>
       </p:ext>
     </p:extLst>
   </p:cSld>
@@ -5708,7 +5530,7 @@
           <a:p>
             <a:fld id="{594BF61B-F633-497E-89E6-831EB66A6863}" type="datetimeFigureOut">
               <a:rPr lang="en-US" smtClean="0"/>
-              <a:t>4/25/2019</a:t>
+              <a:t>5/7/2019</a:t>
             </a:fld>
             <a:endParaRPr lang="en-US"/>
           </a:p>
@@ -5959,7 +5781,7 @@
           <a:p>
             <a:fld id="{594BF61B-F633-497E-89E6-831EB66A6863}" type="datetimeFigureOut">
               <a:rPr lang="en-US" smtClean="0"/>
-              <a:t>4/25/2019</a:t>
+              <a:t>5/7/2019</a:t>
             </a:fld>
             <a:endParaRPr lang="en-US"/>
           </a:p>
@@ -6273,7 +6095,7 @@
           <a:p>
             <a:fld id="{594BF61B-F633-497E-89E6-831EB66A6863}" type="datetimeFigureOut">
               <a:rPr lang="en-US" smtClean="0"/>
-              <a:t>4/25/2019</a:t>
+              <a:t>5/7/2019</a:t>
             </a:fld>
             <a:endParaRPr lang="en-US"/>
           </a:p>
@@ -6614,7 +6436,7 @@
           <a:p>
             <a:fld id="{594BF61B-F633-497E-89E6-831EB66A6863}" type="datetimeFigureOut">
               <a:rPr lang="en-US" smtClean="0"/>
-              <a:t>4/25/2019</a:t>
+              <a:t>5/7/2019</a:t>
             </a:fld>
             <a:endParaRPr lang="en-US"/>
           </a:p>
@@ -6928,7 +6750,7 @@
           <a:p>
             <a:fld id="{594BF61B-F633-497E-89E6-831EB66A6863}" type="datetimeFigureOut">
               <a:rPr lang="en-US" smtClean="0"/>
-              <a:t>4/25/2019</a:t>
+              <a:t>5/7/2019</a:t>
             </a:fld>
             <a:endParaRPr lang="en-US"/>
           </a:p>
@@ -7321,7 +7143,7 @@
           <a:p>
             <a:fld id="{594BF61B-F633-497E-89E6-831EB66A6863}" type="datetimeFigureOut">
               <a:rPr lang="en-US" smtClean="0"/>
-              <a:t>4/25/2019</a:t>
+              <a:t>5/7/2019</a:t>
             </a:fld>
             <a:endParaRPr lang="en-US"/>
           </a:p>
@@ -7491,7 +7313,7 @@
           <a:p>
             <a:fld id="{594BF61B-F633-497E-89E6-831EB66A6863}" type="datetimeFigureOut">
               <a:rPr lang="en-US" smtClean="0"/>
-              <a:t>4/25/2019</a:t>
+              <a:t>5/7/2019</a:t>
             </a:fld>
             <a:endParaRPr lang="en-US"/>
           </a:p>
@@ -7671,7 +7493,7 @@
           <a:p>
             <a:fld id="{594BF61B-F633-497E-89E6-831EB66A6863}" type="datetimeFigureOut">
               <a:rPr lang="en-US" smtClean="0"/>
-              <a:t>4/25/2019</a:t>
+              <a:t>5/7/2019</a:t>
             </a:fld>
             <a:endParaRPr lang="en-US"/>
           </a:p>
@@ -7847,7 +7669,7 @@
           <a:p>
             <a:fld id="{594BF61B-F633-497E-89E6-831EB66A6863}" type="datetimeFigureOut">
               <a:rPr lang="en-US" smtClean="0"/>
-              <a:t>4/25/2019</a:t>
+              <a:t>5/7/2019</a:t>
             </a:fld>
             <a:endParaRPr lang="en-US"/>
           </a:p>
@@ -8094,7 +7916,7 @@
           <a:p>
             <a:fld id="{594BF61B-F633-497E-89E6-831EB66A6863}" type="datetimeFigureOut">
               <a:rPr lang="en-US" smtClean="0"/>
-              <a:t>4/25/2019</a:t>
+              <a:t>5/7/2019</a:t>
             </a:fld>
             <a:endParaRPr lang="en-US"/>
           </a:p>
@@ -8326,7 +8148,7 @@
           <a:p>
             <a:fld id="{594BF61B-F633-497E-89E6-831EB66A6863}" type="datetimeFigureOut">
               <a:rPr lang="en-US" smtClean="0"/>
-              <a:t>4/25/2019</a:t>
+              <a:t>5/7/2019</a:t>
             </a:fld>
             <a:endParaRPr lang="en-US"/>
           </a:p>
@@ -8700,7 +8522,7 @@
           <a:p>
             <a:fld id="{594BF61B-F633-497E-89E6-831EB66A6863}" type="datetimeFigureOut">
               <a:rPr lang="en-US" smtClean="0"/>
-              <a:t>4/25/2019</a:t>
+              <a:t>5/7/2019</a:t>
             </a:fld>
             <a:endParaRPr lang="en-US"/>
           </a:p>
@@ -8823,7 +8645,7 @@
           <a:p>
             <a:fld id="{594BF61B-F633-497E-89E6-831EB66A6863}" type="datetimeFigureOut">
               <a:rPr lang="en-US" smtClean="0"/>
-              <a:t>4/25/2019</a:t>
+              <a:t>5/7/2019</a:t>
             </a:fld>
             <a:endParaRPr lang="en-US"/>
           </a:p>
@@ -8918,7 +8740,7 @@
           <a:p>
             <a:fld id="{594BF61B-F633-497E-89E6-831EB66A6863}" type="datetimeFigureOut">
               <a:rPr lang="en-US" smtClean="0"/>
-              <a:t>4/25/2019</a:t>
+              <a:t>5/7/2019</a:t>
             </a:fld>
             <a:endParaRPr lang="en-US"/>
           </a:p>
@@ -9173,7 +8995,7 @@
           <a:p>
             <a:fld id="{594BF61B-F633-497E-89E6-831EB66A6863}" type="datetimeFigureOut">
               <a:rPr lang="en-US" smtClean="0"/>
-              <a:t>4/25/2019</a:t>
+              <a:t>5/7/2019</a:t>
             </a:fld>
             <a:endParaRPr lang="en-US"/>
           </a:p>
@@ -9436,7 +9258,7 @@
           <a:p>
             <a:fld id="{594BF61B-F633-497E-89E6-831EB66A6863}" type="datetimeFigureOut">
               <a:rPr lang="en-US" smtClean="0"/>
-              <a:t>4/25/2019</a:t>
+              <a:t>5/7/2019</a:t>
             </a:fld>
             <a:endParaRPr lang="en-US"/>
           </a:p>
@@ -10179,7 +10001,7 @@
           <a:p>
             <a:fld id="{594BF61B-F633-497E-89E6-831EB66A6863}" type="datetimeFigureOut">
               <a:rPr lang="en-US" smtClean="0"/>
-              <a:t>4/25/2019</a:t>
+              <a:t>5/7/2019</a:t>
             </a:fld>
             <a:endParaRPr lang="en-US"/>
           </a:p>
@@ -10919,37 +10741,8 @@
           <a:lstStyle/>
           <a:p>
             <a:r>
-              <a:rPr lang="en-US" sz="4800"/>
-              <a:t>Docker Proofs of Concept</a:t>
-            </a:r>
-          </a:p>
-        </p:txBody>
-      </p:sp>
-      <p:sp>
-        <p:nvSpPr>
-          <p:cNvPr id="3" name="Subtitle 2"/>
-          <p:cNvSpPr>
-            <a:spLocks noGrp="1"/>
-          </p:cNvSpPr>
-          <p:nvPr>
-            <p:ph type="subTitle" idx="1"/>
-          </p:nvPr>
-        </p:nvSpPr>
-        <p:spPr>
-          <a:xfrm>
-            <a:off x="677335" y="4050831"/>
-            <a:ext cx="4079721" cy="1096901"/>
-          </a:xfrm>
-        </p:spPr>
-        <p:txBody>
-          <a:bodyPr>
-            <a:normAutofit/>
-          </a:bodyPr>
-          <a:lstStyle/>
-          <a:p>
-            <a:r>
-              <a:rPr lang="en-US" sz="1600"/>
-              <a:t>Draft Proposal</a:t>
+              <a:rPr lang="en-US" sz="4800" dirty="0"/>
+              <a:t>Container Proofs of Concept</a:t>
             </a:r>
           </a:p>
         </p:txBody>
@@ -11613,1639 +11406,6 @@
       </p:grpSpPr>
       <p:sp>
         <p:nvSpPr>
-          <p:cNvPr id="2" name="Title 1">
-            <a:extLst>
-              <a:ext uri="{FF2B5EF4-FFF2-40B4-BE49-F238E27FC236}">
-                <a16:creationId xmlns:a16="http://schemas.microsoft.com/office/drawing/2014/main" id="{C088670A-7BD0-4ECB-8A2E-C1AA3E8B9350}"/>
-              </a:ext>
-            </a:extLst>
-          </p:cNvPr>
-          <p:cNvSpPr>
-            <a:spLocks noGrp="1"/>
-          </p:cNvSpPr>
-          <p:nvPr>
-            <p:ph type="title"/>
-          </p:nvPr>
-        </p:nvSpPr>
-        <p:spPr/>
-        <p:txBody>
-          <a:bodyPr/>
-          <a:lstStyle/>
-          <a:p>
-            <a:r>
-              <a:rPr lang="en-US" dirty="0"/>
-              <a:t>Phase One Outcome</a:t>
-            </a:r>
-          </a:p>
-        </p:txBody>
-      </p:sp>
-      <p:sp>
-        <p:nvSpPr>
-          <p:cNvPr id="3" name="Content Placeholder 2">
-            <a:extLst>
-              <a:ext uri="{FF2B5EF4-FFF2-40B4-BE49-F238E27FC236}">
-                <a16:creationId xmlns:a16="http://schemas.microsoft.com/office/drawing/2014/main" id="{C89640D5-E93C-4098-B975-52AF38A748F3}"/>
-              </a:ext>
-            </a:extLst>
-          </p:cNvPr>
-          <p:cNvSpPr>
-            <a:spLocks noGrp="1"/>
-          </p:cNvSpPr>
-          <p:nvPr>
-            <p:ph idx="1"/>
-          </p:nvPr>
-        </p:nvSpPr>
-        <p:spPr/>
-        <p:txBody>
-          <a:bodyPr/>
-          <a:lstStyle/>
-          <a:p>
-            <a:r>
-              <a:rPr lang="en-US" dirty="0"/>
-              <a:t>We select a primary vendor</a:t>
-            </a:r>
-          </a:p>
-          <a:p>
-            <a:r>
-              <a:rPr lang="en-US" dirty="0"/>
-              <a:t>We have faith in the solution</a:t>
-            </a:r>
-          </a:p>
-          <a:p>
-            <a:r>
-              <a:rPr lang="en-US" dirty="0"/>
-              <a:t>We understand pricing and support</a:t>
-            </a:r>
-          </a:p>
-        </p:txBody>
-      </p:sp>
-    </p:spTree>
-    <p:extLst>
-      <p:ext uri="{BB962C8B-B14F-4D97-AF65-F5344CB8AC3E}">
-        <p14:creationId xmlns:p14="http://schemas.microsoft.com/office/powerpoint/2010/main" val="824068756"/>
-      </p:ext>
-    </p:extLst>
-  </p:cSld>
-  <p:clrMapOvr>
-    <a:masterClrMapping/>
-  </p:clrMapOvr>
-  <p:timing>
-    <p:tnLst>
-      <p:par>
-        <p:cTn id="1" dur="indefinite" restart="never" nodeType="tmRoot">
-          <p:childTnLst>
-            <p:seq concurrent="1" nextAc="seek">
-              <p:cTn id="2" dur="indefinite" nodeType="mainSeq">
-                <p:childTnLst>
-                  <p:par>
-                    <p:cTn id="3" fill="hold">
-                      <p:stCondLst>
-                        <p:cond delay="indefinite"/>
-                      </p:stCondLst>
-                      <p:childTnLst>
-                        <p:par>
-                          <p:cTn id="4" fill="hold">
-                            <p:stCondLst>
-                              <p:cond delay="0"/>
-                            </p:stCondLst>
-                            <p:childTnLst>
-                              <p:par>
-                                <p:cTn id="5" presetID="10" presetClass="entr" presetSubtype="0" fill="hold" grpId="0" nodeType="clickEffect">
-                                  <p:stCondLst>
-                                    <p:cond delay="0"/>
-                                  </p:stCondLst>
-                                  <p:childTnLst>
-                                    <p:set>
-                                      <p:cBhvr>
-                                        <p:cTn id="6" dur="1" fill="hold">
-                                          <p:stCondLst>
-                                            <p:cond delay="0"/>
-                                          </p:stCondLst>
-                                        </p:cTn>
-                                        <p:tgtEl>
-                                          <p:spTgt spid="3">
-                                            <p:txEl>
-                                              <p:pRg st="0" end="0"/>
-                                            </p:txEl>
-                                          </p:spTgt>
-                                        </p:tgtEl>
-                                        <p:attrNameLst>
-                                          <p:attrName>style.visibility</p:attrName>
-                                        </p:attrNameLst>
-                                      </p:cBhvr>
-                                      <p:to>
-                                        <p:strVal val="visible"/>
-                                      </p:to>
-                                    </p:set>
-                                    <p:animEffect transition="in" filter="fade">
-                                      <p:cBhvr>
-                                        <p:cTn id="7" dur="500"/>
-                                        <p:tgtEl>
-                                          <p:spTgt spid="3">
-                                            <p:txEl>
-                                              <p:pRg st="0" end="0"/>
-                                            </p:txEl>
-                                          </p:spTgt>
-                                        </p:tgtEl>
-                                      </p:cBhvr>
-                                    </p:animEffect>
-                                  </p:childTnLst>
-                                </p:cTn>
-                              </p:par>
-                            </p:childTnLst>
-                          </p:cTn>
-                        </p:par>
-                      </p:childTnLst>
-                    </p:cTn>
-                  </p:par>
-                  <p:par>
-                    <p:cTn id="8" fill="hold">
-                      <p:stCondLst>
-                        <p:cond delay="indefinite"/>
-                      </p:stCondLst>
-                      <p:childTnLst>
-                        <p:par>
-                          <p:cTn id="9" fill="hold">
-                            <p:stCondLst>
-                              <p:cond delay="0"/>
-                            </p:stCondLst>
-                            <p:childTnLst>
-                              <p:par>
-                                <p:cTn id="10" presetID="10" presetClass="entr" presetSubtype="0" fill="hold" grpId="0" nodeType="clickEffect">
-                                  <p:stCondLst>
-                                    <p:cond delay="0"/>
-                                  </p:stCondLst>
-                                  <p:childTnLst>
-                                    <p:set>
-                                      <p:cBhvr>
-                                        <p:cTn id="11" dur="1" fill="hold">
-                                          <p:stCondLst>
-                                            <p:cond delay="0"/>
-                                          </p:stCondLst>
-                                        </p:cTn>
-                                        <p:tgtEl>
-                                          <p:spTgt spid="3">
-                                            <p:txEl>
-                                              <p:pRg st="1" end="1"/>
-                                            </p:txEl>
-                                          </p:spTgt>
-                                        </p:tgtEl>
-                                        <p:attrNameLst>
-                                          <p:attrName>style.visibility</p:attrName>
-                                        </p:attrNameLst>
-                                      </p:cBhvr>
-                                      <p:to>
-                                        <p:strVal val="visible"/>
-                                      </p:to>
-                                    </p:set>
-                                    <p:animEffect transition="in" filter="fade">
-                                      <p:cBhvr>
-                                        <p:cTn id="12" dur="500"/>
-                                        <p:tgtEl>
-                                          <p:spTgt spid="3">
-                                            <p:txEl>
-                                              <p:pRg st="1" end="1"/>
-                                            </p:txEl>
-                                          </p:spTgt>
-                                        </p:tgtEl>
-                                      </p:cBhvr>
-                                    </p:animEffect>
-                                  </p:childTnLst>
-                                </p:cTn>
-                              </p:par>
-                            </p:childTnLst>
-                          </p:cTn>
-                        </p:par>
-                      </p:childTnLst>
-                    </p:cTn>
-                  </p:par>
-                  <p:par>
-                    <p:cTn id="13" fill="hold">
-                      <p:stCondLst>
-                        <p:cond delay="indefinite"/>
-                      </p:stCondLst>
-                      <p:childTnLst>
-                        <p:par>
-                          <p:cTn id="14" fill="hold">
-                            <p:stCondLst>
-                              <p:cond delay="0"/>
-                            </p:stCondLst>
-                            <p:childTnLst>
-                              <p:par>
-                                <p:cTn id="15" presetID="10" presetClass="entr" presetSubtype="0" fill="hold" grpId="0" nodeType="clickEffect">
-                                  <p:stCondLst>
-                                    <p:cond delay="0"/>
-                                  </p:stCondLst>
-                                  <p:childTnLst>
-                                    <p:set>
-                                      <p:cBhvr>
-                                        <p:cTn id="16" dur="1" fill="hold">
-                                          <p:stCondLst>
-                                            <p:cond delay="0"/>
-                                          </p:stCondLst>
-                                        </p:cTn>
-                                        <p:tgtEl>
-                                          <p:spTgt spid="3">
-                                            <p:txEl>
-                                              <p:pRg st="2" end="2"/>
-                                            </p:txEl>
-                                          </p:spTgt>
-                                        </p:tgtEl>
-                                        <p:attrNameLst>
-                                          <p:attrName>style.visibility</p:attrName>
-                                        </p:attrNameLst>
-                                      </p:cBhvr>
-                                      <p:to>
-                                        <p:strVal val="visible"/>
-                                      </p:to>
-                                    </p:set>
-                                    <p:animEffect transition="in" filter="fade">
-                                      <p:cBhvr>
-                                        <p:cTn id="17" dur="500"/>
-                                        <p:tgtEl>
-                                          <p:spTgt spid="3">
-                                            <p:txEl>
-                                              <p:pRg st="2" end="2"/>
-                                            </p:txEl>
-                                          </p:spTgt>
-                                        </p:tgtEl>
-                                      </p:cBhvr>
-                                    </p:animEffect>
-                                  </p:childTnLst>
-                                </p:cTn>
-                              </p:par>
-                            </p:childTnLst>
-                          </p:cTn>
-                        </p:par>
-                      </p:childTnLst>
-                    </p:cTn>
-                  </p:par>
-                </p:childTnLst>
-              </p:cTn>
-              <p:prevCondLst>
-                <p:cond evt="onPrev" delay="0">
-                  <p:tgtEl>
-                    <p:sldTgt/>
-                  </p:tgtEl>
-                </p:cond>
-              </p:prevCondLst>
-              <p:nextCondLst>
-                <p:cond evt="onNext" delay="0">
-                  <p:tgtEl>
-                    <p:sldTgt/>
-                  </p:tgtEl>
-                </p:cond>
-              </p:nextCondLst>
-            </p:seq>
-          </p:childTnLst>
-        </p:cTn>
-      </p:par>
-    </p:tnLst>
-    <p:bldLst>
-      <p:bldP spid="3" grpId="0" build="p"/>
-    </p:bldLst>
-  </p:timing>
-</p:sld>
-</file>
-
-<file path=ppt/slides/slide11.xml><?xml version="1.0" encoding="utf-8"?>
-<p:sld xmlns:a="http://schemas.openxmlformats.org/drawingml/2006/main" xmlns:r="http://schemas.openxmlformats.org/officeDocument/2006/relationships" xmlns:p="http://schemas.openxmlformats.org/presentationml/2006/main" show="0">
-  <p:cSld>
-    <p:spTree>
-      <p:nvGrpSpPr>
-        <p:cNvPr id="1" name=""/>
-        <p:cNvGrpSpPr/>
-        <p:nvPr/>
-      </p:nvGrpSpPr>
-      <p:grpSpPr>
-        <a:xfrm>
-          <a:off x="0" y="0"/>
-          <a:ext cx="0" cy="0"/>
-          <a:chOff x="0" y="0"/>
-          <a:chExt cx="0" cy="0"/>
-        </a:xfrm>
-      </p:grpSpPr>
-      <p:sp>
-        <p:nvSpPr>
-          <p:cNvPr id="2" name="Title 1"/>
-          <p:cNvSpPr>
-            <a:spLocks noGrp="1"/>
-          </p:cNvSpPr>
-          <p:nvPr>
-            <p:ph type="title"/>
-          </p:nvPr>
-        </p:nvSpPr>
-        <p:spPr/>
-        <p:txBody>
-          <a:bodyPr/>
-          <a:lstStyle/>
-          <a:p>
-            <a:r>
-              <a:rPr lang="en-US" dirty="0"/>
-              <a:t>Demo Requirements:  The Application</a:t>
-            </a:r>
-          </a:p>
-        </p:txBody>
-      </p:sp>
-      <p:sp>
-        <p:nvSpPr>
-          <p:cNvPr id="3" name="Content Placeholder 2"/>
-          <p:cNvSpPr>
-            <a:spLocks noGrp="1"/>
-          </p:cNvSpPr>
-          <p:nvPr>
-            <p:ph idx="1"/>
-          </p:nvPr>
-        </p:nvSpPr>
-        <p:spPr/>
-        <p:txBody>
-          <a:bodyPr>
-            <a:normAutofit/>
-          </a:bodyPr>
-          <a:lstStyle/>
-          <a:p>
-            <a:r>
-              <a:rPr lang="en-US" dirty="0"/>
-              <a:t>We will provide a simple app to Containerize</a:t>
-            </a:r>
-          </a:p>
-          <a:p>
-            <a:r>
-              <a:rPr lang="en-US" dirty="0"/>
-              <a:t>The app will have two dependencies</a:t>
-            </a:r>
-          </a:p>
-          <a:p>
-            <a:pPr lvl="1"/>
-            <a:r>
-              <a:rPr lang="en-US" dirty="0"/>
-              <a:t>Database</a:t>
-            </a:r>
-          </a:p>
-          <a:p>
-            <a:pPr lvl="1"/>
-            <a:r>
-              <a:rPr lang="en-US" dirty="0"/>
-              <a:t>Messaging</a:t>
-            </a:r>
-          </a:p>
-        </p:txBody>
-      </p:sp>
-    </p:spTree>
-    <p:extLst>
-      <p:ext uri="{BB962C8B-B14F-4D97-AF65-F5344CB8AC3E}">
-        <p14:creationId xmlns:p14="http://schemas.microsoft.com/office/powerpoint/2010/main" val="1204616855"/>
-      </p:ext>
-    </p:extLst>
-  </p:cSld>
-  <p:clrMapOvr>
-    <a:masterClrMapping/>
-  </p:clrMapOvr>
-  <p:timing>
-    <p:tnLst>
-      <p:par>
-        <p:cTn id="1" dur="indefinite" restart="never" nodeType="tmRoot">
-          <p:childTnLst>
-            <p:seq concurrent="1" nextAc="seek">
-              <p:cTn id="2" dur="indefinite" nodeType="mainSeq">
-                <p:childTnLst>
-                  <p:par>
-                    <p:cTn id="3" fill="hold">
-                      <p:stCondLst>
-                        <p:cond delay="indefinite"/>
-                      </p:stCondLst>
-                      <p:childTnLst>
-                        <p:par>
-                          <p:cTn id="4" fill="hold">
-                            <p:stCondLst>
-                              <p:cond delay="0"/>
-                            </p:stCondLst>
-                            <p:childTnLst>
-                              <p:par>
-                                <p:cTn id="5" presetID="10" presetClass="entr" presetSubtype="0" fill="hold" grpId="0" nodeType="clickEffect">
-                                  <p:stCondLst>
-                                    <p:cond delay="0"/>
-                                  </p:stCondLst>
-                                  <p:childTnLst>
-                                    <p:set>
-                                      <p:cBhvr>
-                                        <p:cTn id="6" dur="1" fill="hold">
-                                          <p:stCondLst>
-                                            <p:cond delay="0"/>
-                                          </p:stCondLst>
-                                        </p:cTn>
-                                        <p:tgtEl>
-                                          <p:spTgt spid="3">
-                                            <p:txEl>
-                                              <p:pRg st="0" end="0"/>
-                                            </p:txEl>
-                                          </p:spTgt>
-                                        </p:tgtEl>
-                                        <p:attrNameLst>
-                                          <p:attrName>style.visibility</p:attrName>
-                                        </p:attrNameLst>
-                                      </p:cBhvr>
-                                      <p:to>
-                                        <p:strVal val="visible"/>
-                                      </p:to>
-                                    </p:set>
-                                    <p:animEffect transition="in" filter="fade">
-                                      <p:cBhvr>
-                                        <p:cTn id="7" dur="500"/>
-                                        <p:tgtEl>
-                                          <p:spTgt spid="3">
-                                            <p:txEl>
-                                              <p:pRg st="0" end="0"/>
-                                            </p:txEl>
-                                          </p:spTgt>
-                                        </p:tgtEl>
-                                      </p:cBhvr>
-                                    </p:animEffect>
-                                  </p:childTnLst>
-                                </p:cTn>
-                              </p:par>
-                            </p:childTnLst>
-                          </p:cTn>
-                        </p:par>
-                      </p:childTnLst>
-                    </p:cTn>
-                  </p:par>
-                  <p:par>
-                    <p:cTn id="8" fill="hold">
-                      <p:stCondLst>
-                        <p:cond delay="indefinite"/>
-                      </p:stCondLst>
-                      <p:childTnLst>
-                        <p:par>
-                          <p:cTn id="9" fill="hold">
-                            <p:stCondLst>
-                              <p:cond delay="0"/>
-                            </p:stCondLst>
-                            <p:childTnLst>
-                              <p:par>
-                                <p:cTn id="10" presetID="10" presetClass="entr" presetSubtype="0" fill="hold" grpId="0" nodeType="clickEffect">
-                                  <p:stCondLst>
-                                    <p:cond delay="0"/>
-                                  </p:stCondLst>
-                                  <p:childTnLst>
-                                    <p:set>
-                                      <p:cBhvr>
-                                        <p:cTn id="11" dur="1" fill="hold">
-                                          <p:stCondLst>
-                                            <p:cond delay="0"/>
-                                          </p:stCondLst>
-                                        </p:cTn>
-                                        <p:tgtEl>
-                                          <p:spTgt spid="3">
-                                            <p:txEl>
-                                              <p:pRg st="1" end="1"/>
-                                            </p:txEl>
-                                          </p:spTgt>
-                                        </p:tgtEl>
-                                        <p:attrNameLst>
-                                          <p:attrName>style.visibility</p:attrName>
-                                        </p:attrNameLst>
-                                      </p:cBhvr>
-                                      <p:to>
-                                        <p:strVal val="visible"/>
-                                      </p:to>
-                                    </p:set>
-                                    <p:animEffect transition="in" filter="fade">
-                                      <p:cBhvr>
-                                        <p:cTn id="12" dur="500"/>
-                                        <p:tgtEl>
-                                          <p:spTgt spid="3">
-                                            <p:txEl>
-                                              <p:pRg st="1" end="1"/>
-                                            </p:txEl>
-                                          </p:spTgt>
-                                        </p:tgtEl>
-                                      </p:cBhvr>
-                                    </p:animEffect>
-                                  </p:childTnLst>
-                                </p:cTn>
-                              </p:par>
-                              <p:par>
-                                <p:cTn id="13" presetID="10" presetClass="entr" presetSubtype="0" fill="hold" grpId="0" nodeType="withEffect">
-                                  <p:stCondLst>
-                                    <p:cond delay="0"/>
-                                  </p:stCondLst>
-                                  <p:childTnLst>
-                                    <p:set>
-                                      <p:cBhvr>
-                                        <p:cTn id="14" dur="1" fill="hold">
-                                          <p:stCondLst>
-                                            <p:cond delay="0"/>
-                                          </p:stCondLst>
-                                        </p:cTn>
-                                        <p:tgtEl>
-                                          <p:spTgt spid="3">
-                                            <p:txEl>
-                                              <p:pRg st="2" end="2"/>
-                                            </p:txEl>
-                                          </p:spTgt>
-                                        </p:tgtEl>
-                                        <p:attrNameLst>
-                                          <p:attrName>style.visibility</p:attrName>
-                                        </p:attrNameLst>
-                                      </p:cBhvr>
-                                      <p:to>
-                                        <p:strVal val="visible"/>
-                                      </p:to>
-                                    </p:set>
-                                    <p:animEffect transition="in" filter="fade">
-                                      <p:cBhvr>
-                                        <p:cTn id="15" dur="500"/>
-                                        <p:tgtEl>
-                                          <p:spTgt spid="3">
-                                            <p:txEl>
-                                              <p:pRg st="2" end="2"/>
-                                            </p:txEl>
-                                          </p:spTgt>
-                                        </p:tgtEl>
-                                      </p:cBhvr>
-                                    </p:animEffect>
-                                  </p:childTnLst>
-                                </p:cTn>
-                              </p:par>
-                              <p:par>
-                                <p:cTn id="16" presetID="10" presetClass="entr" presetSubtype="0" fill="hold" grpId="0" nodeType="withEffect">
-                                  <p:stCondLst>
-                                    <p:cond delay="0"/>
-                                  </p:stCondLst>
-                                  <p:childTnLst>
-                                    <p:set>
-                                      <p:cBhvr>
-                                        <p:cTn id="17" dur="1" fill="hold">
-                                          <p:stCondLst>
-                                            <p:cond delay="0"/>
-                                          </p:stCondLst>
-                                        </p:cTn>
-                                        <p:tgtEl>
-                                          <p:spTgt spid="3">
-                                            <p:txEl>
-                                              <p:pRg st="3" end="3"/>
-                                            </p:txEl>
-                                          </p:spTgt>
-                                        </p:tgtEl>
-                                        <p:attrNameLst>
-                                          <p:attrName>style.visibility</p:attrName>
-                                        </p:attrNameLst>
-                                      </p:cBhvr>
-                                      <p:to>
-                                        <p:strVal val="visible"/>
-                                      </p:to>
-                                    </p:set>
-                                    <p:animEffect transition="in" filter="fade">
-                                      <p:cBhvr>
-                                        <p:cTn id="18" dur="500"/>
-                                        <p:tgtEl>
-                                          <p:spTgt spid="3">
-                                            <p:txEl>
-                                              <p:pRg st="3" end="3"/>
-                                            </p:txEl>
-                                          </p:spTgt>
-                                        </p:tgtEl>
-                                      </p:cBhvr>
-                                    </p:animEffect>
-                                  </p:childTnLst>
-                                </p:cTn>
-                              </p:par>
-                            </p:childTnLst>
-                          </p:cTn>
-                        </p:par>
-                      </p:childTnLst>
-                    </p:cTn>
-                  </p:par>
-                </p:childTnLst>
-              </p:cTn>
-              <p:prevCondLst>
-                <p:cond evt="onPrev" delay="0">
-                  <p:tgtEl>
-                    <p:sldTgt/>
-                  </p:tgtEl>
-                </p:cond>
-              </p:prevCondLst>
-              <p:nextCondLst>
-                <p:cond evt="onNext" delay="0">
-                  <p:tgtEl>
-                    <p:sldTgt/>
-                  </p:tgtEl>
-                </p:cond>
-              </p:nextCondLst>
-            </p:seq>
-          </p:childTnLst>
-        </p:cTn>
-      </p:par>
-    </p:tnLst>
-    <p:bldLst>
-      <p:bldP spid="3" grpId="0" build="p"/>
-    </p:bldLst>
-  </p:timing>
-</p:sld>
-</file>
-
-<file path=ppt/slides/slide12.xml><?xml version="1.0" encoding="utf-8"?>
-<p:sld xmlns:a="http://schemas.openxmlformats.org/drawingml/2006/main" xmlns:r="http://schemas.openxmlformats.org/officeDocument/2006/relationships" xmlns:p="http://schemas.openxmlformats.org/presentationml/2006/main" show="0">
-  <p:cSld>
-    <p:spTree>
-      <p:nvGrpSpPr>
-        <p:cNvPr id="1" name=""/>
-        <p:cNvGrpSpPr/>
-        <p:nvPr/>
-      </p:nvGrpSpPr>
-      <p:grpSpPr>
-        <a:xfrm>
-          <a:off x="0" y="0"/>
-          <a:ext cx="0" cy="0"/>
-          <a:chOff x="0" y="0"/>
-          <a:chExt cx="0" cy="0"/>
-        </a:xfrm>
-      </p:grpSpPr>
-      <p:sp>
-        <p:nvSpPr>
-          <p:cNvPr id="2" name="Title 1"/>
-          <p:cNvSpPr>
-            <a:spLocks noGrp="1"/>
-          </p:cNvSpPr>
-          <p:nvPr>
-            <p:ph type="title"/>
-          </p:nvPr>
-        </p:nvSpPr>
-        <p:spPr/>
-        <p:txBody>
-          <a:bodyPr/>
-          <a:lstStyle/>
-          <a:p>
-            <a:r>
-              <a:rPr lang="en-US" dirty="0"/>
-              <a:t>Demo Requirements:  The Deployment</a:t>
-            </a:r>
-          </a:p>
-        </p:txBody>
-      </p:sp>
-      <p:sp>
-        <p:nvSpPr>
-          <p:cNvPr id="3" name="Content Placeholder 2"/>
-          <p:cNvSpPr>
-            <a:spLocks noGrp="1"/>
-          </p:cNvSpPr>
-          <p:nvPr>
-            <p:ph idx="1"/>
-          </p:nvPr>
-        </p:nvSpPr>
-        <p:spPr/>
-        <p:txBody>
-          <a:bodyPr>
-            <a:normAutofit/>
-          </a:bodyPr>
-          <a:lstStyle/>
-          <a:p>
-            <a:r>
-              <a:rPr lang="en-US" dirty="0"/>
-              <a:t>The vendor will run the application on a desktop</a:t>
-            </a:r>
-          </a:p>
-          <a:p>
-            <a:r>
-              <a:rPr lang="en-US" dirty="0"/>
-              <a:t>The vendor will demonstrate solutions to our named concerns</a:t>
-            </a:r>
-          </a:p>
-          <a:p>
-            <a:r>
-              <a:rPr lang="en-US" dirty="0"/>
-              <a:t>The vendor will give us infrastructure requirements</a:t>
-            </a:r>
-          </a:p>
-          <a:p>
-            <a:r>
-              <a:rPr lang="en-US" dirty="0"/>
-              <a:t>We will provide the infrastructure</a:t>
-            </a:r>
-          </a:p>
-          <a:p>
-            <a:r>
-              <a:rPr lang="en-US" dirty="0"/>
-              <a:t>The vendor will install, configure, and demonstrate their solution</a:t>
-            </a:r>
-          </a:p>
-          <a:p>
-            <a:pPr lvl="1"/>
-            <a:r>
-              <a:rPr lang="en-US" dirty="0"/>
-              <a:t>The application will must be deployed</a:t>
-            </a:r>
-          </a:p>
-          <a:p>
-            <a:pPr lvl="1"/>
-            <a:r>
-              <a:rPr lang="en-US" dirty="0"/>
-              <a:t>The application must be reachable on our network</a:t>
-            </a:r>
-          </a:p>
-          <a:p>
-            <a:pPr lvl="1"/>
-            <a:r>
-              <a:rPr lang="en-US" dirty="0"/>
-              <a:t>We want them to show us “the standard way” to do this, step by step</a:t>
-            </a:r>
-          </a:p>
-          <a:p>
-            <a:pPr lvl="1"/>
-            <a:r>
-              <a:rPr lang="en-US" dirty="0"/>
-              <a:t>Auto-scale running containers as needed</a:t>
-            </a:r>
-          </a:p>
-          <a:p>
-            <a:r>
-              <a:rPr lang="en-US" dirty="0"/>
-              <a:t>The vendor will demonstrate rolling updates</a:t>
-            </a:r>
-          </a:p>
-        </p:txBody>
-      </p:sp>
-    </p:spTree>
-    <p:extLst>
-      <p:ext uri="{BB962C8B-B14F-4D97-AF65-F5344CB8AC3E}">
-        <p14:creationId xmlns:p14="http://schemas.microsoft.com/office/powerpoint/2010/main" val="551168300"/>
-      </p:ext>
-    </p:extLst>
-  </p:cSld>
-  <p:clrMapOvr>
-    <a:masterClrMapping/>
-  </p:clrMapOvr>
-  <p:timing>
-    <p:tnLst>
-      <p:par>
-        <p:cTn id="1" dur="indefinite" restart="never" nodeType="tmRoot">
-          <p:childTnLst>
-            <p:seq concurrent="1" nextAc="seek">
-              <p:cTn id="2" dur="indefinite" nodeType="mainSeq">
-                <p:childTnLst>
-                  <p:par>
-                    <p:cTn id="3" fill="hold">
-                      <p:stCondLst>
-                        <p:cond delay="indefinite"/>
-                      </p:stCondLst>
-                      <p:childTnLst>
-                        <p:par>
-                          <p:cTn id="4" fill="hold">
-                            <p:stCondLst>
-                              <p:cond delay="0"/>
-                            </p:stCondLst>
-                            <p:childTnLst>
-                              <p:par>
-                                <p:cTn id="5" presetID="10" presetClass="entr" presetSubtype="0" fill="hold" grpId="0" nodeType="clickEffect">
-                                  <p:stCondLst>
-                                    <p:cond delay="0"/>
-                                  </p:stCondLst>
-                                  <p:childTnLst>
-                                    <p:set>
-                                      <p:cBhvr>
-                                        <p:cTn id="6" dur="1" fill="hold">
-                                          <p:stCondLst>
-                                            <p:cond delay="0"/>
-                                          </p:stCondLst>
-                                        </p:cTn>
-                                        <p:tgtEl>
-                                          <p:spTgt spid="3">
-                                            <p:txEl>
-                                              <p:pRg st="0" end="0"/>
-                                            </p:txEl>
-                                          </p:spTgt>
-                                        </p:tgtEl>
-                                        <p:attrNameLst>
-                                          <p:attrName>style.visibility</p:attrName>
-                                        </p:attrNameLst>
-                                      </p:cBhvr>
-                                      <p:to>
-                                        <p:strVal val="visible"/>
-                                      </p:to>
-                                    </p:set>
-                                    <p:animEffect transition="in" filter="fade">
-                                      <p:cBhvr>
-                                        <p:cTn id="7" dur="500"/>
-                                        <p:tgtEl>
-                                          <p:spTgt spid="3">
-                                            <p:txEl>
-                                              <p:pRg st="0" end="0"/>
-                                            </p:txEl>
-                                          </p:spTgt>
-                                        </p:tgtEl>
-                                      </p:cBhvr>
-                                    </p:animEffect>
-                                  </p:childTnLst>
-                                </p:cTn>
-                              </p:par>
-                            </p:childTnLst>
-                          </p:cTn>
-                        </p:par>
-                      </p:childTnLst>
-                    </p:cTn>
-                  </p:par>
-                  <p:par>
-                    <p:cTn id="8" fill="hold">
-                      <p:stCondLst>
-                        <p:cond delay="indefinite"/>
-                      </p:stCondLst>
-                      <p:childTnLst>
-                        <p:par>
-                          <p:cTn id="9" fill="hold">
-                            <p:stCondLst>
-                              <p:cond delay="0"/>
-                            </p:stCondLst>
-                            <p:childTnLst>
-                              <p:par>
-                                <p:cTn id="10" presetID="10" presetClass="entr" presetSubtype="0" fill="hold" grpId="0" nodeType="clickEffect">
-                                  <p:stCondLst>
-                                    <p:cond delay="0"/>
-                                  </p:stCondLst>
-                                  <p:childTnLst>
-                                    <p:set>
-                                      <p:cBhvr>
-                                        <p:cTn id="11" dur="1" fill="hold">
-                                          <p:stCondLst>
-                                            <p:cond delay="0"/>
-                                          </p:stCondLst>
-                                        </p:cTn>
-                                        <p:tgtEl>
-                                          <p:spTgt spid="3">
-                                            <p:txEl>
-                                              <p:pRg st="1" end="1"/>
-                                            </p:txEl>
-                                          </p:spTgt>
-                                        </p:tgtEl>
-                                        <p:attrNameLst>
-                                          <p:attrName>style.visibility</p:attrName>
-                                        </p:attrNameLst>
-                                      </p:cBhvr>
-                                      <p:to>
-                                        <p:strVal val="visible"/>
-                                      </p:to>
-                                    </p:set>
-                                    <p:animEffect transition="in" filter="fade">
-                                      <p:cBhvr>
-                                        <p:cTn id="12" dur="500"/>
-                                        <p:tgtEl>
-                                          <p:spTgt spid="3">
-                                            <p:txEl>
-                                              <p:pRg st="1" end="1"/>
-                                            </p:txEl>
-                                          </p:spTgt>
-                                        </p:tgtEl>
-                                      </p:cBhvr>
-                                    </p:animEffect>
-                                  </p:childTnLst>
-                                </p:cTn>
-                              </p:par>
-                            </p:childTnLst>
-                          </p:cTn>
-                        </p:par>
-                      </p:childTnLst>
-                    </p:cTn>
-                  </p:par>
-                  <p:par>
-                    <p:cTn id="13" fill="hold">
-                      <p:stCondLst>
-                        <p:cond delay="indefinite"/>
-                      </p:stCondLst>
-                      <p:childTnLst>
-                        <p:par>
-                          <p:cTn id="14" fill="hold">
-                            <p:stCondLst>
-                              <p:cond delay="0"/>
-                            </p:stCondLst>
-                            <p:childTnLst>
-                              <p:par>
-                                <p:cTn id="15" presetID="10" presetClass="entr" presetSubtype="0" fill="hold" grpId="0" nodeType="clickEffect">
-                                  <p:stCondLst>
-                                    <p:cond delay="0"/>
-                                  </p:stCondLst>
-                                  <p:childTnLst>
-                                    <p:set>
-                                      <p:cBhvr>
-                                        <p:cTn id="16" dur="1" fill="hold">
-                                          <p:stCondLst>
-                                            <p:cond delay="0"/>
-                                          </p:stCondLst>
-                                        </p:cTn>
-                                        <p:tgtEl>
-                                          <p:spTgt spid="3">
-                                            <p:txEl>
-                                              <p:pRg st="2" end="2"/>
-                                            </p:txEl>
-                                          </p:spTgt>
-                                        </p:tgtEl>
-                                        <p:attrNameLst>
-                                          <p:attrName>style.visibility</p:attrName>
-                                        </p:attrNameLst>
-                                      </p:cBhvr>
-                                      <p:to>
-                                        <p:strVal val="visible"/>
-                                      </p:to>
-                                    </p:set>
-                                    <p:animEffect transition="in" filter="fade">
-                                      <p:cBhvr>
-                                        <p:cTn id="17" dur="500"/>
-                                        <p:tgtEl>
-                                          <p:spTgt spid="3">
-                                            <p:txEl>
-                                              <p:pRg st="2" end="2"/>
-                                            </p:txEl>
-                                          </p:spTgt>
-                                        </p:tgtEl>
-                                      </p:cBhvr>
-                                    </p:animEffect>
-                                  </p:childTnLst>
-                                </p:cTn>
-                              </p:par>
-                            </p:childTnLst>
-                          </p:cTn>
-                        </p:par>
-                      </p:childTnLst>
-                    </p:cTn>
-                  </p:par>
-                  <p:par>
-                    <p:cTn id="18" fill="hold">
-                      <p:stCondLst>
-                        <p:cond delay="indefinite"/>
-                      </p:stCondLst>
-                      <p:childTnLst>
-                        <p:par>
-                          <p:cTn id="19" fill="hold">
-                            <p:stCondLst>
-                              <p:cond delay="0"/>
-                            </p:stCondLst>
-                            <p:childTnLst>
-                              <p:par>
-                                <p:cTn id="20" presetID="10" presetClass="entr" presetSubtype="0" fill="hold" grpId="0" nodeType="clickEffect">
-                                  <p:stCondLst>
-                                    <p:cond delay="0"/>
-                                  </p:stCondLst>
-                                  <p:childTnLst>
-                                    <p:set>
-                                      <p:cBhvr>
-                                        <p:cTn id="21" dur="1" fill="hold">
-                                          <p:stCondLst>
-                                            <p:cond delay="0"/>
-                                          </p:stCondLst>
-                                        </p:cTn>
-                                        <p:tgtEl>
-                                          <p:spTgt spid="3">
-                                            <p:txEl>
-                                              <p:pRg st="3" end="3"/>
-                                            </p:txEl>
-                                          </p:spTgt>
-                                        </p:tgtEl>
-                                        <p:attrNameLst>
-                                          <p:attrName>style.visibility</p:attrName>
-                                        </p:attrNameLst>
-                                      </p:cBhvr>
-                                      <p:to>
-                                        <p:strVal val="visible"/>
-                                      </p:to>
-                                    </p:set>
-                                    <p:animEffect transition="in" filter="fade">
-                                      <p:cBhvr>
-                                        <p:cTn id="22" dur="500"/>
-                                        <p:tgtEl>
-                                          <p:spTgt spid="3">
-                                            <p:txEl>
-                                              <p:pRg st="3" end="3"/>
-                                            </p:txEl>
-                                          </p:spTgt>
-                                        </p:tgtEl>
-                                      </p:cBhvr>
-                                    </p:animEffect>
-                                  </p:childTnLst>
-                                </p:cTn>
-                              </p:par>
-                            </p:childTnLst>
-                          </p:cTn>
-                        </p:par>
-                      </p:childTnLst>
-                    </p:cTn>
-                  </p:par>
-                  <p:par>
-                    <p:cTn id="23" fill="hold">
-                      <p:stCondLst>
-                        <p:cond delay="indefinite"/>
-                      </p:stCondLst>
-                      <p:childTnLst>
-                        <p:par>
-                          <p:cTn id="24" fill="hold">
-                            <p:stCondLst>
-                              <p:cond delay="0"/>
-                            </p:stCondLst>
-                            <p:childTnLst>
-                              <p:par>
-                                <p:cTn id="25" presetID="10" presetClass="entr" presetSubtype="0" fill="hold" grpId="0" nodeType="clickEffect">
-                                  <p:stCondLst>
-                                    <p:cond delay="0"/>
-                                  </p:stCondLst>
-                                  <p:childTnLst>
-                                    <p:set>
-                                      <p:cBhvr>
-                                        <p:cTn id="26" dur="1" fill="hold">
-                                          <p:stCondLst>
-                                            <p:cond delay="0"/>
-                                          </p:stCondLst>
-                                        </p:cTn>
-                                        <p:tgtEl>
-                                          <p:spTgt spid="3">
-                                            <p:txEl>
-                                              <p:pRg st="4" end="4"/>
-                                            </p:txEl>
-                                          </p:spTgt>
-                                        </p:tgtEl>
-                                        <p:attrNameLst>
-                                          <p:attrName>style.visibility</p:attrName>
-                                        </p:attrNameLst>
-                                      </p:cBhvr>
-                                      <p:to>
-                                        <p:strVal val="visible"/>
-                                      </p:to>
-                                    </p:set>
-                                    <p:animEffect transition="in" filter="fade">
-                                      <p:cBhvr>
-                                        <p:cTn id="27" dur="500"/>
-                                        <p:tgtEl>
-                                          <p:spTgt spid="3">
-                                            <p:txEl>
-                                              <p:pRg st="4" end="4"/>
-                                            </p:txEl>
-                                          </p:spTgt>
-                                        </p:tgtEl>
-                                      </p:cBhvr>
-                                    </p:animEffect>
-                                  </p:childTnLst>
-                                </p:cTn>
-                              </p:par>
-                              <p:par>
-                                <p:cTn id="28" presetID="10" presetClass="entr" presetSubtype="0" fill="hold" grpId="0" nodeType="withEffect">
-                                  <p:stCondLst>
-                                    <p:cond delay="0"/>
-                                  </p:stCondLst>
-                                  <p:childTnLst>
-                                    <p:set>
-                                      <p:cBhvr>
-                                        <p:cTn id="29" dur="1" fill="hold">
-                                          <p:stCondLst>
-                                            <p:cond delay="0"/>
-                                          </p:stCondLst>
-                                        </p:cTn>
-                                        <p:tgtEl>
-                                          <p:spTgt spid="3">
-                                            <p:txEl>
-                                              <p:pRg st="5" end="5"/>
-                                            </p:txEl>
-                                          </p:spTgt>
-                                        </p:tgtEl>
-                                        <p:attrNameLst>
-                                          <p:attrName>style.visibility</p:attrName>
-                                        </p:attrNameLst>
-                                      </p:cBhvr>
-                                      <p:to>
-                                        <p:strVal val="visible"/>
-                                      </p:to>
-                                    </p:set>
-                                    <p:animEffect transition="in" filter="fade">
-                                      <p:cBhvr>
-                                        <p:cTn id="30" dur="500"/>
-                                        <p:tgtEl>
-                                          <p:spTgt spid="3">
-                                            <p:txEl>
-                                              <p:pRg st="5" end="5"/>
-                                            </p:txEl>
-                                          </p:spTgt>
-                                        </p:tgtEl>
-                                      </p:cBhvr>
-                                    </p:animEffect>
-                                  </p:childTnLst>
-                                </p:cTn>
-                              </p:par>
-                              <p:par>
-                                <p:cTn id="31" presetID="10" presetClass="entr" presetSubtype="0" fill="hold" grpId="0" nodeType="withEffect">
-                                  <p:stCondLst>
-                                    <p:cond delay="0"/>
-                                  </p:stCondLst>
-                                  <p:childTnLst>
-                                    <p:set>
-                                      <p:cBhvr>
-                                        <p:cTn id="32" dur="1" fill="hold">
-                                          <p:stCondLst>
-                                            <p:cond delay="0"/>
-                                          </p:stCondLst>
-                                        </p:cTn>
-                                        <p:tgtEl>
-                                          <p:spTgt spid="3">
-                                            <p:txEl>
-                                              <p:pRg st="6" end="6"/>
-                                            </p:txEl>
-                                          </p:spTgt>
-                                        </p:tgtEl>
-                                        <p:attrNameLst>
-                                          <p:attrName>style.visibility</p:attrName>
-                                        </p:attrNameLst>
-                                      </p:cBhvr>
-                                      <p:to>
-                                        <p:strVal val="visible"/>
-                                      </p:to>
-                                    </p:set>
-                                    <p:animEffect transition="in" filter="fade">
-                                      <p:cBhvr>
-                                        <p:cTn id="33" dur="500"/>
-                                        <p:tgtEl>
-                                          <p:spTgt spid="3">
-                                            <p:txEl>
-                                              <p:pRg st="6" end="6"/>
-                                            </p:txEl>
-                                          </p:spTgt>
-                                        </p:tgtEl>
-                                      </p:cBhvr>
-                                    </p:animEffect>
-                                  </p:childTnLst>
-                                </p:cTn>
-                              </p:par>
-                              <p:par>
-                                <p:cTn id="34" presetID="10" presetClass="entr" presetSubtype="0" fill="hold" grpId="0" nodeType="withEffect">
-                                  <p:stCondLst>
-                                    <p:cond delay="0"/>
-                                  </p:stCondLst>
-                                  <p:childTnLst>
-                                    <p:set>
-                                      <p:cBhvr>
-                                        <p:cTn id="35" dur="1" fill="hold">
-                                          <p:stCondLst>
-                                            <p:cond delay="0"/>
-                                          </p:stCondLst>
-                                        </p:cTn>
-                                        <p:tgtEl>
-                                          <p:spTgt spid="3">
-                                            <p:txEl>
-                                              <p:pRg st="7" end="7"/>
-                                            </p:txEl>
-                                          </p:spTgt>
-                                        </p:tgtEl>
-                                        <p:attrNameLst>
-                                          <p:attrName>style.visibility</p:attrName>
-                                        </p:attrNameLst>
-                                      </p:cBhvr>
-                                      <p:to>
-                                        <p:strVal val="visible"/>
-                                      </p:to>
-                                    </p:set>
-                                    <p:animEffect transition="in" filter="fade">
-                                      <p:cBhvr>
-                                        <p:cTn id="36" dur="500"/>
-                                        <p:tgtEl>
-                                          <p:spTgt spid="3">
-                                            <p:txEl>
-                                              <p:pRg st="7" end="7"/>
-                                            </p:txEl>
-                                          </p:spTgt>
-                                        </p:tgtEl>
-                                      </p:cBhvr>
-                                    </p:animEffect>
-                                  </p:childTnLst>
-                                </p:cTn>
-                              </p:par>
-                              <p:par>
-                                <p:cTn id="37" presetID="10" presetClass="entr" presetSubtype="0" fill="hold" grpId="0" nodeType="withEffect">
-                                  <p:stCondLst>
-                                    <p:cond delay="0"/>
-                                  </p:stCondLst>
-                                  <p:childTnLst>
-                                    <p:set>
-                                      <p:cBhvr>
-                                        <p:cTn id="38" dur="1" fill="hold">
-                                          <p:stCondLst>
-                                            <p:cond delay="0"/>
-                                          </p:stCondLst>
-                                        </p:cTn>
-                                        <p:tgtEl>
-                                          <p:spTgt spid="3">
-                                            <p:txEl>
-                                              <p:pRg st="8" end="8"/>
-                                            </p:txEl>
-                                          </p:spTgt>
-                                        </p:tgtEl>
-                                        <p:attrNameLst>
-                                          <p:attrName>style.visibility</p:attrName>
-                                        </p:attrNameLst>
-                                      </p:cBhvr>
-                                      <p:to>
-                                        <p:strVal val="visible"/>
-                                      </p:to>
-                                    </p:set>
-                                    <p:animEffect transition="in" filter="fade">
-                                      <p:cBhvr>
-                                        <p:cTn id="39" dur="500"/>
-                                        <p:tgtEl>
-                                          <p:spTgt spid="3">
-                                            <p:txEl>
-                                              <p:pRg st="8" end="8"/>
-                                            </p:txEl>
-                                          </p:spTgt>
-                                        </p:tgtEl>
-                                      </p:cBhvr>
-                                    </p:animEffect>
-                                  </p:childTnLst>
-                                </p:cTn>
-                              </p:par>
-                            </p:childTnLst>
-                          </p:cTn>
-                        </p:par>
-                      </p:childTnLst>
-                    </p:cTn>
-                  </p:par>
-                  <p:par>
-                    <p:cTn id="40" fill="hold">
-                      <p:stCondLst>
-                        <p:cond delay="indefinite"/>
-                      </p:stCondLst>
-                      <p:childTnLst>
-                        <p:par>
-                          <p:cTn id="41" fill="hold">
-                            <p:stCondLst>
-                              <p:cond delay="0"/>
-                            </p:stCondLst>
-                            <p:childTnLst>
-                              <p:par>
-                                <p:cTn id="42" presetID="10" presetClass="entr" presetSubtype="0" fill="hold" grpId="0" nodeType="clickEffect">
-                                  <p:stCondLst>
-                                    <p:cond delay="0"/>
-                                  </p:stCondLst>
-                                  <p:childTnLst>
-                                    <p:set>
-                                      <p:cBhvr>
-                                        <p:cTn id="43" dur="1" fill="hold">
-                                          <p:stCondLst>
-                                            <p:cond delay="0"/>
-                                          </p:stCondLst>
-                                        </p:cTn>
-                                        <p:tgtEl>
-                                          <p:spTgt spid="3">
-                                            <p:txEl>
-                                              <p:pRg st="9" end="9"/>
-                                            </p:txEl>
-                                          </p:spTgt>
-                                        </p:tgtEl>
-                                        <p:attrNameLst>
-                                          <p:attrName>style.visibility</p:attrName>
-                                        </p:attrNameLst>
-                                      </p:cBhvr>
-                                      <p:to>
-                                        <p:strVal val="visible"/>
-                                      </p:to>
-                                    </p:set>
-                                    <p:animEffect transition="in" filter="fade">
-                                      <p:cBhvr>
-                                        <p:cTn id="44" dur="500"/>
-                                        <p:tgtEl>
-                                          <p:spTgt spid="3">
-                                            <p:txEl>
-                                              <p:pRg st="9" end="9"/>
-                                            </p:txEl>
-                                          </p:spTgt>
-                                        </p:tgtEl>
-                                      </p:cBhvr>
-                                    </p:animEffect>
-                                  </p:childTnLst>
-                                </p:cTn>
-                              </p:par>
-                            </p:childTnLst>
-                          </p:cTn>
-                        </p:par>
-                      </p:childTnLst>
-                    </p:cTn>
-                  </p:par>
-                </p:childTnLst>
-              </p:cTn>
-              <p:prevCondLst>
-                <p:cond evt="onPrev" delay="0">
-                  <p:tgtEl>
-                    <p:sldTgt/>
-                  </p:tgtEl>
-                </p:cond>
-              </p:prevCondLst>
-              <p:nextCondLst>
-                <p:cond evt="onNext" delay="0">
-                  <p:tgtEl>
-                    <p:sldTgt/>
-                  </p:tgtEl>
-                </p:cond>
-              </p:nextCondLst>
-            </p:seq>
-          </p:childTnLst>
-        </p:cTn>
-      </p:par>
-    </p:tnLst>
-    <p:bldLst>
-      <p:bldP spid="3" grpId="0" build="p"/>
-    </p:bldLst>
-  </p:timing>
-</p:sld>
-</file>
-
-<file path=ppt/slides/slide13.xml><?xml version="1.0" encoding="utf-8"?>
-<p:sld xmlns:a="http://schemas.openxmlformats.org/drawingml/2006/main" xmlns:r="http://schemas.openxmlformats.org/officeDocument/2006/relationships" xmlns:p="http://schemas.openxmlformats.org/presentationml/2006/main" show="0">
-  <p:cSld>
-    <p:spTree>
-      <p:nvGrpSpPr>
-        <p:cNvPr id="1" name=""/>
-        <p:cNvGrpSpPr/>
-        <p:nvPr/>
-      </p:nvGrpSpPr>
-      <p:grpSpPr>
-        <a:xfrm>
-          <a:off x="0" y="0"/>
-          <a:ext cx="0" cy="0"/>
-          <a:chOff x="0" y="0"/>
-          <a:chExt cx="0" cy="0"/>
-        </a:xfrm>
-      </p:grpSpPr>
-      <p:sp>
-        <p:nvSpPr>
-          <p:cNvPr id="2" name="Title 1"/>
-          <p:cNvSpPr>
-            <a:spLocks noGrp="1"/>
-          </p:cNvSpPr>
-          <p:nvPr>
-            <p:ph type="title"/>
-          </p:nvPr>
-        </p:nvSpPr>
-        <p:spPr/>
-        <p:txBody>
-          <a:bodyPr/>
-          <a:lstStyle/>
-          <a:p>
-            <a:r>
-              <a:rPr lang="en-US" dirty="0"/>
-              <a:t>Demo Requirements:  NOC Operations</a:t>
-            </a:r>
-          </a:p>
-        </p:txBody>
-      </p:sp>
-      <p:sp>
-        <p:nvSpPr>
-          <p:cNvPr id="3" name="Content Placeholder 2"/>
-          <p:cNvSpPr>
-            <a:spLocks noGrp="1"/>
-          </p:cNvSpPr>
-          <p:nvPr>
-            <p:ph idx="1"/>
-          </p:nvPr>
-        </p:nvSpPr>
-        <p:spPr/>
-        <p:txBody>
-          <a:bodyPr>
-            <a:normAutofit/>
-          </a:bodyPr>
-          <a:lstStyle/>
-          <a:p>
-            <a:r>
-              <a:rPr lang="en-US" dirty="0"/>
-              <a:t>Demonstrate Monitoring</a:t>
-            </a:r>
-          </a:p>
-          <a:p>
-            <a:pPr lvl="1"/>
-            <a:r>
-              <a:rPr lang="en-US" dirty="0"/>
-              <a:t>At the cluster level</a:t>
-            </a:r>
-          </a:p>
-          <a:p>
-            <a:pPr lvl="1"/>
-            <a:r>
-              <a:rPr lang="en-US" dirty="0"/>
-              <a:t>At the host level</a:t>
-            </a:r>
-          </a:p>
-          <a:p>
-            <a:pPr lvl="1"/>
-            <a:r>
-              <a:rPr lang="en-US" dirty="0"/>
-              <a:t>At the container level</a:t>
-            </a:r>
-          </a:p>
-          <a:p>
-            <a:pPr lvl="1"/>
-            <a:r>
-              <a:rPr lang="en-US" dirty="0"/>
-              <a:t>* We prefer to integrate with our current NOC products</a:t>
-            </a:r>
-          </a:p>
-          <a:p>
-            <a:r>
-              <a:rPr lang="en-US" dirty="0"/>
-              <a:t>Demonstrate Escalation Plans</a:t>
-            </a:r>
-          </a:p>
-          <a:p>
-            <a:pPr lvl="1"/>
-            <a:r>
-              <a:rPr lang="en-US" dirty="0"/>
-              <a:t>An application is down</a:t>
-            </a:r>
-          </a:p>
-          <a:p>
-            <a:pPr lvl="1"/>
-            <a:r>
-              <a:rPr lang="en-US" dirty="0"/>
-              <a:t>Scarce resources</a:t>
-            </a:r>
-          </a:p>
-          <a:p>
-            <a:r>
-              <a:rPr lang="en-US" dirty="0"/>
-              <a:t>Demonstrate Rolling Updates</a:t>
-            </a:r>
-          </a:p>
-          <a:p>
-            <a:pPr lvl="1"/>
-            <a:r>
-              <a:rPr lang="en-US" dirty="0"/>
-              <a:t>Update running containers from an old base OS image to a current one</a:t>
-            </a:r>
-          </a:p>
-          <a:p>
-            <a:pPr lvl="1"/>
-            <a:endParaRPr lang="en-US" dirty="0"/>
-          </a:p>
-        </p:txBody>
-      </p:sp>
-    </p:spTree>
-    <p:extLst>
-      <p:ext uri="{BB962C8B-B14F-4D97-AF65-F5344CB8AC3E}">
-        <p14:creationId xmlns:p14="http://schemas.microsoft.com/office/powerpoint/2010/main" val="3864910711"/>
-      </p:ext>
-    </p:extLst>
-  </p:cSld>
-  <p:clrMapOvr>
-    <a:masterClrMapping/>
-  </p:clrMapOvr>
-</p:sld>
-</file>
-
-<file path=ppt/slides/slide14.xml><?xml version="1.0" encoding="utf-8"?>
-<p:sld xmlns:a="http://schemas.openxmlformats.org/drawingml/2006/main" xmlns:r="http://schemas.openxmlformats.org/officeDocument/2006/relationships" xmlns:p="http://schemas.openxmlformats.org/presentationml/2006/main" show="0">
-  <p:cSld>
-    <p:spTree>
-      <p:nvGrpSpPr>
-        <p:cNvPr id="1" name=""/>
-        <p:cNvGrpSpPr/>
-        <p:nvPr/>
-      </p:nvGrpSpPr>
-      <p:grpSpPr>
-        <a:xfrm>
-          <a:off x="0" y="0"/>
-          <a:ext cx="0" cy="0"/>
-          <a:chOff x="0" y="0"/>
-          <a:chExt cx="0" cy="0"/>
-        </a:xfrm>
-      </p:grpSpPr>
-      <p:sp>
-        <p:nvSpPr>
-          <p:cNvPr id="2" name="Title 1"/>
-          <p:cNvSpPr>
-            <a:spLocks noGrp="1"/>
-          </p:cNvSpPr>
-          <p:nvPr>
-            <p:ph type="title"/>
-          </p:nvPr>
-        </p:nvSpPr>
-        <p:spPr/>
-        <p:txBody>
-          <a:bodyPr/>
-          <a:lstStyle/>
-          <a:p>
-            <a:r>
-              <a:rPr lang="en-US" dirty="0"/>
-              <a:t>Demo Requirements:  The Proposal</a:t>
-            </a:r>
-          </a:p>
-        </p:txBody>
-      </p:sp>
-      <p:sp>
-        <p:nvSpPr>
-          <p:cNvPr id="3" name="Content Placeholder 2"/>
-          <p:cNvSpPr>
-            <a:spLocks noGrp="1"/>
-          </p:cNvSpPr>
-          <p:nvPr>
-            <p:ph idx="1"/>
-          </p:nvPr>
-        </p:nvSpPr>
-        <p:spPr/>
-        <p:txBody>
-          <a:bodyPr>
-            <a:normAutofit/>
-          </a:bodyPr>
-          <a:lstStyle/>
-          <a:p>
-            <a:r>
-              <a:rPr lang="en-US" dirty="0"/>
-              <a:t>Basic explanation of licensing</a:t>
-            </a:r>
-          </a:p>
-          <a:p>
-            <a:r>
-              <a:rPr lang="en-US" dirty="0"/>
-              <a:t>Formal pricing offers</a:t>
-            </a:r>
-          </a:p>
-          <a:p>
-            <a:r>
-              <a:rPr lang="en-US" dirty="0"/>
-              <a:t>Support details</a:t>
-            </a:r>
-          </a:p>
-          <a:p>
-            <a:pPr lvl="1"/>
-            <a:r>
-              <a:rPr lang="en-US" dirty="0"/>
-              <a:t>What parts of the stack are supported</a:t>
-            </a:r>
-          </a:p>
-          <a:p>
-            <a:pPr lvl="1"/>
-            <a:r>
-              <a:rPr lang="en-US" dirty="0"/>
-              <a:t>SLA</a:t>
-            </a:r>
-          </a:p>
-          <a:p>
-            <a:pPr lvl="1"/>
-            <a:r>
-              <a:rPr lang="en-US" dirty="0"/>
-              <a:t>Pricing</a:t>
-            </a:r>
-          </a:p>
-          <a:p>
-            <a:r>
-              <a:rPr lang="en-US" dirty="0"/>
-              <a:t>Consulting services</a:t>
-            </a:r>
-          </a:p>
-          <a:p>
-            <a:pPr lvl="1"/>
-            <a:r>
-              <a:rPr lang="en-US" dirty="0"/>
-              <a:t>Their consulting model</a:t>
-            </a:r>
-          </a:p>
-          <a:p>
-            <a:pPr lvl="1"/>
-            <a:r>
-              <a:rPr lang="en-US" dirty="0"/>
-              <a:t>Availability</a:t>
-            </a:r>
-          </a:p>
-          <a:p>
-            <a:pPr lvl="1"/>
-            <a:r>
-              <a:rPr lang="en-US" dirty="0"/>
-              <a:t>Costs</a:t>
-            </a:r>
-          </a:p>
-        </p:txBody>
-      </p:sp>
-    </p:spTree>
-    <p:extLst>
-      <p:ext uri="{BB962C8B-B14F-4D97-AF65-F5344CB8AC3E}">
-        <p14:creationId xmlns:p14="http://schemas.microsoft.com/office/powerpoint/2010/main" val="282798005"/>
-      </p:ext>
-    </p:extLst>
-  </p:cSld>
-  <p:clrMapOvr>
-    <a:masterClrMapping/>
-  </p:clrMapOvr>
-</p:sld>
-</file>
-
-<file path=ppt/slides/slide15.xml><?xml version="1.0" encoding="utf-8"?>
-<p:sld xmlns:a="http://schemas.openxmlformats.org/drawingml/2006/main" xmlns:r="http://schemas.openxmlformats.org/officeDocument/2006/relationships" xmlns:p="http://schemas.openxmlformats.org/presentationml/2006/main">
-  <p:cSld>
-    <p:spTree>
-      <p:nvGrpSpPr>
-        <p:cNvPr id="1" name=""/>
-        <p:cNvGrpSpPr/>
-        <p:nvPr/>
-      </p:nvGrpSpPr>
-      <p:grpSpPr>
-        <a:xfrm>
-          <a:off x="0" y="0"/>
-          <a:ext cx="0" cy="0"/>
-          <a:chOff x="0" y="0"/>
-          <a:chExt cx="0" cy="0"/>
-        </a:xfrm>
-      </p:grpSpPr>
-      <p:sp>
-        <p:nvSpPr>
           <p:cNvPr id="2" name="Title 1"/>
           <p:cNvSpPr>
             <a:spLocks noGrp="1"/>
@@ -13301,7 +11461,7 @@
 </p:sld>
 </file>
 
-<file path=ppt/slides/slide16.xml><?xml version="1.0" encoding="utf-8"?>
+<file path=ppt/slides/slide11.xml><?xml version="1.0" encoding="utf-8"?>
 <p:sld xmlns:a="http://schemas.openxmlformats.org/drawingml/2006/main" xmlns:r="http://schemas.openxmlformats.org/officeDocument/2006/relationships" xmlns:p="http://schemas.openxmlformats.org/presentationml/2006/main">
   <p:cSld>
     <p:spTree>
@@ -13804,7 +11964,7 @@
 </p:sld>
 </file>
 
-<file path=ppt/slides/slide17.xml><?xml version="1.0" encoding="utf-8"?>
+<file path=ppt/slides/slide12.xml><?xml version="1.0" encoding="utf-8"?>
 <p:sld xmlns:a="http://schemas.openxmlformats.org/drawingml/2006/main" xmlns:r="http://schemas.openxmlformats.org/officeDocument/2006/relationships" xmlns:p="http://schemas.openxmlformats.org/presentationml/2006/main">
   <p:cSld>
     <p:spTree>
@@ -13878,7 +12038,7 @@
 </p:sld>
 </file>
 
-<file path=ppt/slides/slide18.xml><?xml version="1.0" encoding="utf-8"?>
+<file path=ppt/slides/slide13.xml><?xml version="1.0" encoding="utf-8"?>
 <p:sld xmlns:a="http://schemas.openxmlformats.org/drawingml/2006/main" xmlns:r="http://schemas.openxmlformats.org/officeDocument/2006/relationships" xmlns:p="http://schemas.openxmlformats.org/presentationml/2006/main">
   <p:cSld>
     <p:spTree>
@@ -14247,7 +12407,7 @@
 </p:sld>
 </file>
 
-<file path=ppt/slides/slide19.xml><?xml version="1.0" encoding="utf-8"?>
+<file path=ppt/slides/slide14.xml><?xml version="1.0" encoding="utf-8"?>
 <p:sld xmlns:a="http://schemas.openxmlformats.org/drawingml/2006/main" xmlns:r="http://schemas.openxmlformats.org/officeDocument/2006/relationships" xmlns:p="http://schemas.openxmlformats.org/presentationml/2006/main" show="0">
   <p:cSld>
     <p:spTree>
@@ -14821,9 +12981,9 @@
         <p:grpSpPr>
           <a:xfrm>
             <a:off x="8111707" y="2089951"/>
-            <a:ext cx="2324590" cy="4178711"/>
+            <a:ext cx="2715758" cy="4178711"/>
             <a:chOff x="9594360" y="2247900"/>
-            <a:chExt cx="2324590" cy="3600450"/>
+            <a:chExt cx="2715758" cy="3600450"/>
           </a:xfrm>
         </p:grpSpPr>
         <p:sp>
@@ -14841,7 +13001,7 @@
           <p:spPr>
             <a:xfrm>
               <a:off x="9594360" y="2247900"/>
-              <a:ext cx="2324590" cy="3600450"/>
+              <a:ext cx="2715758" cy="3600450"/>
             </a:xfrm>
             <a:prstGeom prst="roundRect">
               <a:avLst/>
@@ -14870,7 +13030,7 @@
               <a:pPr algn="ctr"/>
               <a:r>
                 <a:rPr lang="en-US" sz="2400" dirty="0"/>
-                <a:t>Docker Hosts</a:t>
+                <a:t>Container Hosts</a:t>
               </a:r>
             </a:p>
           </p:txBody>
@@ -14890,7 +13050,7 @@
           <p:spPr>
             <a:xfrm>
               <a:off x="9753600" y="2852795"/>
-              <a:ext cx="1990558" cy="414474"/>
+              <a:ext cx="2386960" cy="414474"/>
             </a:xfrm>
             <a:prstGeom prst="rect">
               <a:avLst/>
@@ -14944,7 +13104,7 @@
           <p:spPr>
             <a:xfrm>
               <a:off x="9753600" y="3331098"/>
-              <a:ext cx="1990558" cy="414474"/>
+              <a:ext cx="2386960" cy="414474"/>
             </a:xfrm>
             <a:prstGeom prst="rect">
               <a:avLst/>
@@ -14998,7 +13158,7 @@
           <p:spPr>
             <a:xfrm>
               <a:off x="9753600" y="3809393"/>
-              <a:ext cx="1990558" cy="414474"/>
+              <a:ext cx="2386960" cy="414474"/>
             </a:xfrm>
             <a:prstGeom prst="rect">
               <a:avLst/>
@@ -15052,7 +13212,7 @@
           <p:spPr>
             <a:xfrm>
               <a:off x="9753600" y="4665402"/>
-              <a:ext cx="1990558" cy="414474"/>
+              <a:ext cx="2386960" cy="414474"/>
             </a:xfrm>
             <a:prstGeom prst="rect">
               <a:avLst/>
@@ -15104,7 +13264,7 @@
           <p:spPr>
             <a:xfrm>
               <a:off x="9753600" y="5143699"/>
-              <a:ext cx="1990558" cy="414474"/>
+              <a:ext cx="2386960" cy="414474"/>
             </a:xfrm>
             <a:prstGeom prst="rect">
               <a:avLst/>
@@ -15881,6 +14041,118 @@
 </p:sld>
 </file>
 
+<file path=ppt/slides/slide15.xml><?xml version="1.0" encoding="utf-8"?>
+<p:sld xmlns:a="http://schemas.openxmlformats.org/drawingml/2006/main" xmlns:r="http://schemas.openxmlformats.org/officeDocument/2006/relationships" xmlns:p="http://schemas.openxmlformats.org/presentationml/2006/main">
+  <p:cSld>
+    <p:spTree>
+      <p:nvGrpSpPr>
+        <p:cNvPr id="1" name=""/>
+        <p:cNvGrpSpPr/>
+        <p:nvPr/>
+      </p:nvGrpSpPr>
+      <p:grpSpPr>
+        <a:xfrm>
+          <a:off x="0" y="0"/>
+          <a:ext cx="0" cy="0"/>
+          <a:chOff x="0" y="0"/>
+          <a:chExt cx="0" cy="0"/>
+        </a:xfrm>
+      </p:grpSpPr>
+      <p:sp>
+        <p:nvSpPr>
+          <p:cNvPr id="2" name="Title 1">
+            <a:extLst>
+              <a:ext uri="{FF2B5EF4-FFF2-40B4-BE49-F238E27FC236}">
+                <a16:creationId xmlns:a16="http://schemas.microsoft.com/office/drawing/2014/main" id="{F98DCCC2-901E-4BA8-8F13-695B7613B71C}"/>
+              </a:ext>
+            </a:extLst>
+          </p:cNvPr>
+          <p:cNvSpPr>
+            <a:spLocks noGrp="1"/>
+          </p:cNvSpPr>
+          <p:nvPr>
+            <p:ph type="title"/>
+          </p:nvPr>
+        </p:nvSpPr>
+        <p:spPr/>
+        <p:txBody>
+          <a:bodyPr/>
+          <a:lstStyle/>
+          <a:p>
+            <a:r>
+              <a:rPr lang="en-US" dirty="0"/>
+              <a:t>Next Steps</a:t>
+            </a:r>
+          </a:p>
+        </p:txBody>
+      </p:sp>
+      <p:sp>
+        <p:nvSpPr>
+          <p:cNvPr id="3" name="Content Placeholder 2">
+            <a:extLst>
+              <a:ext uri="{FF2B5EF4-FFF2-40B4-BE49-F238E27FC236}">
+                <a16:creationId xmlns:a16="http://schemas.microsoft.com/office/drawing/2014/main" id="{65972851-E12F-4953-BC40-498F40127880}"/>
+              </a:ext>
+            </a:extLst>
+          </p:cNvPr>
+          <p:cNvSpPr>
+            <a:spLocks noGrp="1"/>
+          </p:cNvSpPr>
+          <p:nvPr>
+            <p:ph idx="1"/>
+          </p:nvPr>
+        </p:nvSpPr>
+        <p:spPr/>
+        <p:txBody>
+          <a:bodyPr>
+            <a:normAutofit/>
+          </a:bodyPr>
+          <a:lstStyle/>
+          <a:p>
+            <a:r>
+              <a:rPr lang="en-US" dirty="0"/>
+              <a:t>Finalize our team</a:t>
+            </a:r>
+          </a:p>
+          <a:p>
+            <a:r>
+              <a:rPr lang="en-US" dirty="0"/>
+              <a:t>Visit with all stakeholders</a:t>
+            </a:r>
+          </a:p>
+          <a:p>
+            <a:r>
+              <a:rPr lang="en-US" dirty="0"/>
+              <a:t>Write our RFP document</a:t>
+            </a:r>
+          </a:p>
+          <a:p>
+            <a:r>
+              <a:rPr lang="en-US" dirty="0"/>
+              <a:t>Submit RFP to vendors</a:t>
+            </a:r>
+          </a:p>
+          <a:p>
+            <a:r>
+              <a:rPr lang="en-US" dirty="0"/>
+              <a:t>Coordinate vendor presentations</a:t>
+            </a:r>
+          </a:p>
+        </p:txBody>
+      </p:sp>
+    </p:spTree>
+    <p:extLst>
+      <p:ext uri="{BB962C8B-B14F-4D97-AF65-F5344CB8AC3E}">
+        <p14:creationId xmlns:p14="http://schemas.microsoft.com/office/powerpoint/2010/main" val="781785288"/>
+      </p:ext>
+    </p:extLst>
+  </p:cSld>
+  <p:clrMapOvr>
+    <a:masterClrMapping/>
+  </p:clrMapOvr>
+</p:sld>
+</file>
+
 <file path=ppt/slides/slide2.xml><?xml version="1.0" encoding="utf-8"?>
 <p:sld xmlns:a="http://schemas.openxmlformats.org/drawingml/2006/main" xmlns:r="http://schemas.openxmlformats.org/officeDocument/2006/relationships" xmlns:p="http://schemas.openxmlformats.org/presentationml/2006/main">
   <p:cSld>
@@ -15961,7 +14233,13 @@
           <a:p>
             <a:r>
               <a:rPr lang="en-US" dirty="0"/>
-              <a:t>Simplicity around security</a:t>
+              <a:t>Simplicity</a:t>
+            </a:r>
+          </a:p>
+          <a:p>
+            <a:r>
+              <a:rPr lang="en-US" dirty="0"/>
+              <a:t>Security</a:t>
             </a:r>
           </a:p>
           <a:p>
@@ -16234,6 +14512,67 @@
                       </p:childTnLst>
                     </p:cTn>
                   </p:par>
+                  <p:par>
+                    <p:cTn id="23" fill="hold">
+                      <p:stCondLst>
+                        <p:cond delay="indefinite"/>
+                      </p:stCondLst>
+                      <p:childTnLst>
+                        <p:par>
+                          <p:cTn id="24" fill="hold">
+                            <p:stCondLst>
+                              <p:cond delay="0"/>
+                            </p:stCondLst>
+                            <p:childTnLst>
+                              <p:par>
+                                <p:cTn id="25" presetID="10" presetClass="entr" presetSubtype="0" fill="hold" grpId="0" nodeType="clickEffect">
+                                  <p:stCondLst>
+                                    <p:cond delay="0"/>
+                                  </p:stCondLst>
+                                  <p:childTnLst>
+                                    <p:set>
+                                      <p:cBhvr>
+                                        <p:cTn id="26" dur="1" fill="hold">
+                                          <p:stCondLst>
+                                            <p:cond delay="0"/>
+                                          </p:stCondLst>
+                                        </p:cTn>
+                                        <p:tgtEl>
+                                          <p:spTgt spid="3">
+                                            <p:txEl>
+                                              <p:pRg st="4" end="4"/>
+                                            </p:txEl>
+                                          </p:spTgt>
+                                        </p:tgtEl>
+                                        <p:attrNameLst>
+                                          <p:attrName>style.visibility</p:attrName>
+                                        </p:attrNameLst>
+                                      </p:cBhvr>
+                                      <p:to>
+                                        <p:strVal val="visible"/>
+                                      </p:to>
+                                    </p:set>
+                                    <p:animEffect transition="in" filter="fade">
+                                      <p:cBhvr>
+                                        <p:cTn id="27" dur="500"/>
+                                        <p:tgtEl>
+                                          <p:spTgt spid="3">
+                                            <p:txEl>
+                                              <p:pRg st="4" end="4"/>
+                                            </p:txEl>
+                                          </p:spTgt>
+                                        </p:tgtEl>
+                                      </p:cBhvr>
+                                    </p:animEffect>
+                                  </p:childTnLst>
+                                </p:cTn>
+                              </p:par>
+                            </p:childTnLst>
+                          </p:cTn>
+                        </p:par>
+                      </p:childTnLst>
+                    </p:cTn>
+                  </p:par>
                 </p:childTnLst>
               </p:cTn>
               <p:prevCondLst>
@@ -16259,118 +14598,6 @@
       <p:bldP spid="3" grpId="0" build="p"/>
     </p:bldLst>
   </p:timing>
-</p:sld>
-</file>
-
-<file path=ppt/slides/slide20.xml><?xml version="1.0" encoding="utf-8"?>
-<p:sld xmlns:a="http://schemas.openxmlformats.org/drawingml/2006/main" xmlns:r="http://schemas.openxmlformats.org/officeDocument/2006/relationships" xmlns:p="http://schemas.openxmlformats.org/presentationml/2006/main">
-  <p:cSld>
-    <p:spTree>
-      <p:nvGrpSpPr>
-        <p:cNvPr id="1" name=""/>
-        <p:cNvGrpSpPr/>
-        <p:nvPr/>
-      </p:nvGrpSpPr>
-      <p:grpSpPr>
-        <a:xfrm>
-          <a:off x="0" y="0"/>
-          <a:ext cx="0" cy="0"/>
-          <a:chOff x="0" y="0"/>
-          <a:chExt cx="0" cy="0"/>
-        </a:xfrm>
-      </p:grpSpPr>
-      <p:sp>
-        <p:nvSpPr>
-          <p:cNvPr id="2" name="Title 1">
-            <a:extLst>
-              <a:ext uri="{FF2B5EF4-FFF2-40B4-BE49-F238E27FC236}">
-                <a16:creationId xmlns:a16="http://schemas.microsoft.com/office/drawing/2014/main" id="{F98DCCC2-901E-4BA8-8F13-695B7613B71C}"/>
-              </a:ext>
-            </a:extLst>
-          </p:cNvPr>
-          <p:cNvSpPr>
-            <a:spLocks noGrp="1"/>
-          </p:cNvSpPr>
-          <p:nvPr>
-            <p:ph type="title"/>
-          </p:nvPr>
-        </p:nvSpPr>
-        <p:spPr/>
-        <p:txBody>
-          <a:bodyPr/>
-          <a:lstStyle/>
-          <a:p>
-            <a:r>
-              <a:rPr lang="en-US" dirty="0"/>
-              <a:t>Next Steps</a:t>
-            </a:r>
-          </a:p>
-        </p:txBody>
-      </p:sp>
-      <p:sp>
-        <p:nvSpPr>
-          <p:cNvPr id="3" name="Content Placeholder 2">
-            <a:extLst>
-              <a:ext uri="{FF2B5EF4-FFF2-40B4-BE49-F238E27FC236}">
-                <a16:creationId xmlns:a16="http://schemas.microsoft.com/office/drawing/2014/main" id="{65972851-E12F-4953-BC40-498F40127880}"/>
-              </a:ext>
-            </a:extLst>
-          </p:cNvPr>
-          <p:cNvSpPr>
-            <a:spLocks noGrp="1"/>
-          </p:cNvSpPr>
-          <p:nvPr>
-            <p:ph idx="1"/>
-          </p:nvPr>
-        </p:nvSpPr>
-        <p:spPr/>
-        <p:txBody>
-          <a:bodyPr>
-            <a:normAutofit/>
-          </a:bodyPr>
-          <a:lstStyle/>
-          <a:p>
-            <a:r>
-              <a:rPr lang="en-US" dirty="0"/>
-              <a:t>Finalize our team</a:t>
-            </a:r>
-          </a:p>
-          <a:p>
-            <a:r>
-              <a:rPr lang="en-US" dirty="0"/>
-              <a:t>Visit with all stakeholders</a:t>
-            </a:r>
-          </a:p>
-          <a:p>
-            <a:r>
-              <a:rPr lang="en-US" dirty="0"/>
-              <a:t>Write our RFP document</a:t>
-            </a:r>
-          </a:p>
-          <a:p>
-            <a:r>
-              <a:rPr lang="en-US" dirty="0"/>
-              <a:t>Submit RFP to vendors</a:t>
-            </a:r>
-          </a:p>
-          <a:p>
-            <a:r>
-              <a:rPr lang="en-US" dirty="0"/>
-              <a:t>Coordinate vendor presentations</a:t>
-            </a:r>
-          </a:p>
-        </p:txBody>
-      </p:sp>
-    </p:spTree>
-    <p:extLst>
-      <p:ext uri="{BB962C8B-B14F-4D97-AF65-F5344CB8AC3E}">
-        <p14:creationId xmlns:p14="http://schemas.microsoft.com/office/powerpoint/2010/main" val="781785288"/>
-      </p:ext>
-    </p:extLst>
-  </p:cSld>
-  <p:clrMapOvr>
-    <a:masterClrMapping/>
-  </p:clrMapOvr>
 </p:sld>
 </file>
 
@@ -17042,7 +15269,7 @@
         <p:spPr/>
         <p:txBody>
           <a:bodyPr>
-            <a:normAutofit fontScale="92500" lnSpcReduction="20000"/>
+            <a:normAutofit fontScale="92500" lnSpcReduction="10000"/>
           </a:bodyPr>
           <a:lstStyle/>
           <a:p>
@@ -17093,7 +15320,7 @@
             </a:r>
             <a:r>
               <a:rPr lang="en-US" dirty="0"/>
-              <a:t>:  Eric Burcham, Dylan Clark, Mike Bollman, Lowell Roberts, Mayme Kittman, Stuart Wagner</a:t>
+              <a:t>:  Eric Burcham, Dylan Clark, Mike Bollman, Lowell Roberts, Stuart Wagner</a:t>
             </a:r>
           </a:p>
           <a:p>
@@ -17903,7 +16130,7 @@
           <a:p>
             <a:r>
               <a:rPr lang="en-US" dirty="0"/>
-              <a:t>POC Scope (Hide in Staff Meeting)</a:t>
+              <a:t>POC Scope</a:t>
             </a:r>
           </a:p>
         </p:txBody>
@@ -19551,7 +17778,7 @@
 </file>
 
 <file path=ppt/slides/slide9.xml><?xml version="1.0" encoding="utf-8"?>
-<p:sld xmlns:a="http://schemas.openxmlformats.org/drawingml/2006/main" xmlns:r="http://schemas.openxmlformats.org/officeDocument/2006/relationships" xmlns:p="http://schemas.openxmlformats.org/presentationml/2006/main" show="0">
+<p:sld xmlns:a="http://schemas.openxmlformats.org/drawingml/2006/main" xmlns:r="http://schemas.openxmlformats.org/officeDocument/2006/relationships" xmlns:p="http://schemas.openxmlformats.org/presentationml/2006/main">
   <p:cSld>
     <p:spTree>
       <p:nvGrpSpPr>
@@ -19572,7 +17799,7 @@
           <p:cNvPr id="2" name="Title 1">
             <a:extLst>
               <a:ext uri="{FF2B5EF4-FFF2-40B4-BE49-F238E27FC236}">
-                <a16:creationId xmlns:a16="http://schemas.microsoft.com/office/drawing/2014/main" id="{02C69A9D-11E3-42B6-A78A-D426038F43C5}"/>
+                <a16:creationId xmlns:a16="http://schemas.microsoft.com/office/drawing/2014/main" id="{C088670A-7BD0-4ECB-8A2E-C1AA3E8B9350}"/>
               </a:ext>
             </a:extLst>
           </p:cNvPr>
@@ -19590,7 +17817,7 @@
           <a:p>
             <a:r>
               <a:rPr lang="en-US" dirty="0"/>
-              <a:t>Demo Requirements</a:t>
+              <a:t>Phase One Outcome</a:t>
             </a:r>
           </a:p>
         </p:txBody>
@@ -19600,7 +17827,7 @@
           <p:cNvPr id="3" name="Content Placeholder 2">
             <a:extLst>
               <a:ext uri="{FF2B5EF4-FFF2-40B4-BE49-F238E27FC236}">
-                <a16:creationId xmlns:a16="http://schemas.microsoft.com/office/drawing/2014/main" id="{0341BF6B-1DD5-4499-A7F3-A34FCF6500EB}"/>
+                <a16:creationId xmlns:a16="http://schemas.microsoft.com/office/drawing/2014/main" id="{C89640D5-E93C-4098-B975-52AF38A748F3}"/>
               </a:ext>
             </a:extLst>
           </p:cNvPr>
@@ -19618,25 +17845,19 @@
           <a:p>
             <a:r>
               <a:rPr lang="en-US" dirty="0"/>
-              <a:t>We’ll provide the application</a:t>
+              <a:t>We select a primary vendor</a:t>
             </a:r>
           </a:p>
           <a:p>
             <a:r>
               <a:rPr lang="en-US" dirty="0"/>
-              <a:t>Deployment</a:t>
+              <a:t>We have faith in the solution</a:t>
             </a:r>
           </a:p>
           <a:p>
             <a:r>
               <a:rPr lang="en-US" dirty="0"/>
-              <a:t>NOC Integration</a:t>
-            </a:r>
-          </a:p>
-          <a:p>
-            <a:r>
-              <a:rPr lang="en-US" dirty="0"/>
-              <a:t>Proposals</a:t>
+              <a:t>We understand pricing and support</a:t>
             </a:r>
           </a:p>
         </p:txBody>
@@ -19644,7 +17865,7 @@
     </p:spTree>
     <p:extLst>
       <p:ext uri="{BB962C8B-B14F-4D97-AF65-F5344CB8AC3E}">
-        <p14:creationId xmlns:p14="http://schemas.microsoft.com/office/powerpoint/2010/main" val="3976924198"/>
+        <p14:creationId xmlns:p14="http://schemas.microsoft.com/office/powerpoint/2010/main" val="824068756"/>
       </p:ext>
     </p:extLst>
   </p:cSld>
@@ -19828,67 +18049,6 @@
                                           <p:spTgt spid="3">
                                             <p:txEl>
                                               <p:pRg st="2" end="2"/>
-                                            </p:txEl>
-                                          </p:spTgt>
-                                        </p:tgtEl>
-                                      </p:cBhvr>
-                                    </p:animEffect>
-                                  </p:childTnLst>
-                                </p:cTn>
-                              </p:par>
-                            </p:childTnLst>
-                          </p:cTn>
-                        </p:par>
-                      </p:childTnLst>
-                    </p:cTn>
-                  </p:par>
-                  <p:par>
-                    <p:cTn id="18" fill="hold">
-                      <p:stCondLst>
-                        <p:cond delay="indefinite"/>
-                      </p:stCondLst>
-                      <p:childTnLst>
-                        <p:par>
-                          <p:cTn id="19" fill="hold">
-                            <p:stCondLst>
-                              <p:cond delay="0"/>
-                            </p:stCondLst>
-                            <p:childTnLst>
-                              <p:par>
-                                <p:cTn id="20" presetID="10" presetClass="entr" presetSubtype="0" fill="hold" grpId="0" nodeType="clickEffect">
-                                  <p:stCondLst>
-                                    <p:cond delay="0"/>
-                                  </p:stCondLst>
-                                  <p:childTnLst>
-                                    <p:set>
-                                      <p:cBhvr>
-                                        <p:cTn id="21" dur="1" fill="hold">
-                                          <p:stCondLst>
-                                            <p:cond delay="0"/>
-                                          </p:stCondLst>
-                                        </p:cTn>
-                                        <p:tgtEl>
-                                          <p:spTgt spid="3">
-                                            <p:txEl>
-                                              <p:pRg st="3" end="3"/>
-                                            </p:txEl>
-                                          </p:spTgt>
-                                        </p:tgtEl>
-                                        <p:attrNameLst>
-                                          <p:attrName>style.visibility</p:attrName>
-                                        </p:attrNameLst>
-                                      </p:cBhvr>
-                                      <p:to>
-                                        <p:strVal val="visible"/>
-                                      </p:to>
-                                    </p:set>
-                                    <p:animEffect transition="in" filter="fade">
-                                      <p:cBhvr>
-                                        <p:cTn id="22" dur="500"/>
-                                        <p:tgtEl>
-                                          <p:spTgt spid="3">
-                                            <p:txEl>
-                                              <p:pRg st="3" end="3"/>
                                             </p:txEl>
                                           </p:spTgt>
                                         </p:tgtEl>
